--- a/ItKrd_EF.pptx
+++ b/ItKrd_EF.pptx
@@ -5,26 +5,27 @@
     <p:sldMasterId id="2147483672" r:id="rId1"/>
   </p:sldMasterIdLst>
   <p:notesMasterIdLst>
-    <p:notesMasterId r:id="rId19"/>
+    <p:notesMasterId r:id="rId20"/>
   </p:notesMasterIdLst>
   <p:sldIdLst>
     <p:sldId id="259" r:id="rId2"/>
     <p:sldId id="261" r:id="rId3"/>
     <p:sldId id="341" r:id="rId4"/>
-    <p:sldId id="346" r:id="rId5"/>
-    <p:sldId id="345" r:id="rId6"/>
-    <p:sldId id="344" r:id="rId7"/>
-    <p:sldId id="342" r:id="rId8"/>
-    <p:sldId id="343" r:id="rId9"/>
-    <p:sldId id="337" r:id="rId10"/>
-    <p:sldId id="339" r:id="rId11"/>
-    <p:sldId id="340" r:id="rId12"/>
-    <p:sldId id="347" r:id="rId13"/>
-    <p:sldId id="338" r:id="rId14"/>
-    <p:sldId id="348" r:id="rId15"/>
-    <p:sldId id="273" r:id="rId16"/>
-    <p:sldId id="265" r:id="rId17"/>
-    <p:sldId id="312" r:id="rId18"/>
+    <p:sldId id="349" r:id="rId5"/>
+    <p:sldId id="346" r:id="rId6"/>
+    <p:sldId id="345" r:id="rId7"/>
+    <p:sldId id="344" r:id="rId8"/>
+    <p:sldId id="342" r:id="rId9"/>
+    <p:sldId id="343" r:id="rId10"/>
+    <p:sldId id="337" r:id="rId11"/>
+    <p:sldId id="339" r:id="rId12"/>
+    <p:sldId id="340" r:id="rId13"/>
+    <p:sldId id="347" r:id="rId14"/>
+    <p:sldId id="338" r:id="rId15"/>
+    <p:sldId id="348" r:id="rId16"/>
+    <p:sldId id="273" r:id="rId17"/>
+    <p:sldId id="265" r:id="rId18"/>
+    <p:sldId id="312" r:id="rId19"/>
   </p:sldIdLst>
   <p:sldSz cx="9144000" cy="6858000" type="screen4x3"/>
   <p:notesSz cx="6858000" cy="9144000"/>
@@ -125,7 +126,7 @@
   </p:defaultTextStyle>
   <p:extLst>
     <p:ext uri="{521415D9-36F7-43E2-AB2F-B90AF26B5E84}">
-      <p14:sectionLst xmlns:p14="http://schemas.microsoft.com/office/powerpoint/2010/main" xmlns="">
+      <p14:sectionLst xmlns="" xmlns:p14="http://schemas.microsoft.com/office/powerpoint/2010/main">
         <p14:section name="Sekcja domyślna" id="{3BC6E1D2-328C-41CB-9057-F3B961AC0247}">
           <p14:sldIdLst>
             <p14:sldId id="260"/>
@@ -293,7 +294,7 @@
             <a:fld id="{BA253BF4-6D38-4006-9F12-A6653E7283E6}" type="datetimeFigureOut">
               <a:rPr lang="pl-PL" smtClean="0"/>
               <a:pPr/>
-              <a:t>2018-06-11</a:t>
+              <a:t>2018-06-12</a:t>
             </a:fld>
             <a:endParaRPr lang="pl-PL"/>
           </a:p>
@@ -462,7 +463,7 @@
     </p:spTree>
     <p:extLst>
       <p:ext uri="{BB962C8B-B14F-4D97-AF65-F5344CB8AC3E}">
-        <p14:creationId xmlns:p14="http://schemas.microsoft.com/office/powerpoint/2010/main" xmlns="" val="369149221"/>
+        <p14:creationId xmlns="" xmlns:p14="http://schemas.microsoft.com/office/powerpoint/2010/main" val="369149221"/>
       </p:ext>
     </p:extLst>
   </p:cSld>
@@ -637,7 +638,7 @@
     </p:spTree>
     <p:extLst>
       <p:ext uri="{BB962C8B-B14F-4D97-AF65-F5344CB8AC3E}">
-        <p14:creationId xmlns:p14="http://schemas.microsoft.com/office/powerpoint/2010/main" xmlns="" val="1294036258"/>
+        <p14:creationId xmlns="" xmlns:p14="http://schemas.microsoft.com/office/powerpoint/2010/main" val="1294036258"/>
       </p:ext>
     </p:extLst>
   </p:cSld>
@@ -798,9 +799,26 @@
           <a:p>
             <a:pPr>
               <a:buFontTx/>
-              <a:buNone/>
+              <a:buChar char="-"/>
             </a:pPr>
-            <a:endParaRPr lang="pl-PL" baseline="0" dirty="0" smtClean="0"/>
+            <a:r>
+              <a:rPr lang="pl-PL" dirty="0" smtClean="0"/>
+              <a:t> Program jest </a:t>
+            </a:r>
+            <a:r>
+              <a:rPr lang="pl-PL" baseline="0" dirty="0" smtClean="0"/>
+              <a:t>zbiorem klas i struktur</a:t>
+            </a:r>
+          </a:p>
+          <a:p>
+            <a:pPr>
+              <a:buFontTx/>
+              <a:buChar char="-"/>
+            </a:pPr>
+            <a:r>
+              <a:rPr lang="pl-PL" baseline="0" dirty="0" smtClean="0"/>
+              <a:t> Jakakolwiek logika jest zawarta w którymś z tych bytów</a:t>
+            </a:r>
           </a:p>
         </p:txBody>
       </p:sp>
@@ -884,7 +902,7 @@
           <a:p>
             <a:pPr>
               <a:buFontTx/>
-              <a:buChar char="-"/>
+              <a:buNone/>
             </a:pPr>
             <a:endParaRPr lang="pl-PL" baseline="0" dirty="0" smtClean="0"/>
           </a:p>
@@ -972,21 +990,107 @@
               <a:buFontTx/>
               <a:buChar char="-"/>
             </a:pPr>
-            <a:r>
-              <a:rPr lang="pl-PL" dirty="0" smtClean="0"/>
-              <a:t> Program jest </a:t>
-            </a:r>
-            <a:r>
-              <a:rPr lang="pl-PL" baseline="0" dirty="0" smtClean="0"/>
-              <a:t>zbiorem klas i struktur</a:t>
-            </a:r>
-          </a:p>
+            <a:endParaRPr lang="pl-PL" baseline="0" dirty="0" smtClean="0"/>
+          </a:p>
+        </p:txBody>
+      </p:sp>
+      <p:sp>
+        <p:nvSpPr>
+          <p:cNvPr id="4" name="Symbol zastępczy numeru slajdu 3"/>
+          <p:cNvSpPr>
+            <a:spLocks noGrp="1"/>
+          </p:cNvSpPr>
+          <p:nvPr>
+            <p:ph type="sldNum" sz="quarter" idx="10"/>
+          </p:nvPr>
+        </p:nvSpPr>
+        <p:spPr/>
+        <p:txBody>
+          <a:bodyPr/>
+          <a:lstStyle/>
+          <a:p>
+            <a:fld id="{70356EB1-0873-493D-B649-9A936806DB67}" type="slidenum">
+              <a:rPr lang="pl-PL" smtClean="0"/>
+              <a:pPr/>
+              <a:t>14</a:t>
+            </a:fld>
+            <a:endParaRPr lang="pl-PL"/>
+          </a:p>
+        </p:txBody>
+      </p:sp>
+    </p:spTree>
+  </p:cSld>
+  <p:clrMapOvr>
+    <a:masterClrMapping/>
+  </p:clrMapOvr>
+</p:notes>
+</file>
+
+<file path=ppt/notesSlides/notesSlide14.xml><?xml version="1.0" encoding="utf-8"?>
+<p:notes xmlns:a="http://schemas.openxmlformats.org/drawingml/2006/main" xmlns:r="http://schemas.openxmlformats.org/officeDocument/2006/relationships" xmlns:p="http://schemas.openxmlformats.org/presentationml/2006/main">
+  <p:cSld>
+    <p:spTree>
+      <p:nvGrpSpPr>
+        <p:cNvPr id="1" name=""/>
+        <p:cNvGrpSpPr/>
+        <p:nvPr/>
+      </p:nvGrpSpPr>
+      <p:grpSpPr>
+        <a:xfrm>
+          <a:off x="0" y="0"/>
+          <a:ext cx="0" cy="0"/>
+          <a:chOff x="0" y="0"/>
+          <a:chExt cx="0" cy="0"/>
+        </a:xfrm>
+      </p:grpSpPr>
+      <p:sp>
+        <p:nvSpPr>
+          <p:cNvPr id="2" name="Symbol zastępczy obrazu slajdu 1"/>
+          <p:cNvSpPr>
+            <a:spLocks noGrp="1" noRot="1" noChangeAspect="1"/>
+          </p:cNvSpPr>
+          <p:nvPr>
+            <p:ph type="sldImg"/>
+          </p:nvPr>
+        </p:nvSpPr>
+        <p:spPr/>
+      </p:sp>
+      <p:sp>
+        <p:nvSpPr>
+          <p:cNvPr id="3" name="Symbol zastępczy notatek 2"/>
+          <p:cNvSpPr>
+            <a:spLocks noGrp="1"/>
+          </p:cNvSpPr>
+          <p:nvPr>
+            <p:ph type="body" idx="1"/>
+          </p:nvPr>
+        </p:nvSpPr>
+        <p:spPr/>
+        <p:txBody>
+          <a:bodyPr>
+            <a:normAutofit/>
+          </a:bodyPr>
+          <a:lstStyle/>
           <a:p>
             <a:pPr>
               <a:buFontTx/>
               <a:buChar char="-"/>
             </a:pPr>
             <a:r>
+              <a:rPr lang="pl-PL" dirty="0" smtClean="0"/>
+              <a:t> Program jest </a:t>
+            </a:r>
+            <a:r>
+              <a:rPr lang="pl-PL" baseline="0" dirty="0" smtClean="0"/>
+              <a:t>zbiorem klas i struktur</a:t>
+            </a:r>
+          </a:p>
+          <a:p>
+            <a:pPr>
+              <a:buFontTx/>
+              <a:buChar char="-"/>
+            </a:pPr>
+            <a:r>
               <a:rPr lang="pl-PL" baseline="0" dirty="0" smtClean="0"/>
               <a:t> Jakakolwiek logika jest zawarta w którymś z tych bytów</a:t>
             </a:r>
@@ -1011,7 +1115,7 @@
             <a:fld id="{70356EB1-0873-493D-B649-9A936806DB67}" type="slidenum">
               <a:rPr lang="pl-PL" smtClean="0"/>
               <a:pPr/>
-              <a:t>14</a:t>
+              <a:t>15</a:t>
             </a:fld>
             <a:endParaRPr lang="pl-PL"/>
           </a:p>
@@ -1073,26 +1177,13 @@
           <a:p>
             <a:pPr>
               <a:buFontTx/>
-              <a:buChar char="-"/>
+              <a:buNone/>
             </a:pPr>
             <a:r>
-              <a:rPr lang="pl-PL" dirty="0" smtClean="0"/>
-              <a:t> Program jest </a:t>
-            </a:r>
-            <a:r>
-              <a:rPr lang="pl-PL" baseline="0" dirty="0" smtClean="0"/>
-              <a:t>zbiorem klas i struktur</a:t>
-            </a:r>
-          </a:p>
-          <a:p>
-            <a:pPr>
-              <a:buFontTx/>
-              <a:buChar char="-"/>
-            </a:pPr>
-            <a:r>
-              <a:rPr lang="pl-PL" baseline="0" dirty="0" smtClean="0"/>
-              <a:t> Jakakolwiek logika jest zawarta w którymś z tych bytów</a:t>
-            </a:r>
+              <a:rPr lang="pl-PL" baseline="0" smtClean="0"/>
+              <a:t>s</a:t>
+            </a:r>
+            <a:endParaRPr lang="pl-PL" baseline="0" dirty="0" smtClean="0"/>
           </a:p>
         </p:txBody>
       </p:sp>
@@ -1279,9 +1370,26 @@
           <a:p>
             <a:pPr>
               <a:buFontTx/>
-              <a:buNone/>
+              <a:buChar char="-"/>
             </a:pPr>
-            <a:endParaRPr lang="pl-PL" baseline="0" dirty="0" smtClean="0"/>
+            <a:r>
+              <a:rPr lang="pl-PL" dirty="0" smtClean="0"/>
+              <a:t> Program jest </a:t>
+            </a:r>
+            <a:r>
+              <a:rPr lang="pl-PL" baseline="0" dirty="0" smtClean="0"/>
+              <a:t>zbiorem klas i struktur</a:t>
+            </a:r>
+          </a:p>
+          <a:p>
+            <a:pPr>
+              <a:buFontTx/>
+              <a:buChar char="-"/>
+            </a:pPr>
+            <a:r>
+              <a:rPr lang="pl-PL" baseline="0" dirty="0" smtClean="0"/>
+              <a:t> Jakakolwiek logika jest zawarta w którymś z tych bytów</a:t>
+            </a:r>
           </a:p>
         </p:txBody>
       </p:sp>
@@ -1365,26 +1473,9 @@
           <a:p>
             <a:pPr>
               <a:buFontTx/>
-              <a:buChar char="-"/>
+              <a:buNone/>
             </a:pPr>
-            <a:r>
-              <a:rPr lang="pl-PL" dirty="0" smtClean="0"/>
-              <a:t> Program jest </a:t>
-            </a:r>
-            <a:r>
-              <a:rPr lang="pl-PL" baseline="0" dirty="0" smtClean="0"/>
-              <a:t>zbiorem klas i struktur</a:t>
-            </a:r>
-          </a:p>
-          <a:p>
-            <a:pPr>
-              <a:buFontTx/>
-              <a:buChar char="-"/>
-            </a:pPr>
-            <a:r>
-              <a:rPr lang="pl-PL" baseline="0" dirty="0" smtClean="0"/>
-              <a:t> Jakakolwiek logika jest zawarta w którymś z tych bytów</a:t>
-            </a:r>
+            <a:endParaRPr lang="pl-PL" baseline="0" dirty="0" smtClean="0"/>
           </a:p>
         </p:txBody>
       </p:sp>
@@ -1468,26 +1559,9 @@
           <a:p>
             <a:pPr>
               <a:buFontTx/>
-              <a:buChar char="-"/>
+              <a:buNone/>
             </a:pPr>
-            <a:r>
-              <a:rPr lang="pl-PL" dirty="0" smtClean="0"/>
-              <a:t> Program jest </a:t>
-            </a:r>
-            <a:r>
-              <a:rPr lang="pl-PL" baseline="0" dirty="0" smtClean="0"/>
-              <a:t>zbiorem klas i struktur</a:t>
-            </a:r>
-          </a:p>
-          <a:p>
-            <a:pPr>
-              <a:buFontTx/>
-              <a:buChar char="-"/>
-            </a:pPr>
-            <a:r>
-              <a:rPr lang="pl-PL" baseline="0" dirty="0" smtClean="0"/>
-              <a:t> Jakakolwiek logika jest zawarta w którymś z tych bytów</a:t>
-            </a:r>
+            <a:endParaRPr lang="pl-PL" baseline="0" dirty="0" smtClean="0"/>
           </a:p>
         </p:txBody>
       </p:sp>
@@ -2458,7 +2532,7 @@
             <a:fld id="{799B1624-8819-4D6B-919D-578434B16426}" type="datetime1">
               <a:rPr lang="pl-PL" smtClean="0"/>
               <a:pPr/>
-              <a:t>2018-06-11</a:t>
+              <a:t>2018-06-12</a:t>
             </a:fld>
             <a:endParaRPr lang="pl-PL"/>
           </a:p>
@@ -2656,7 +2730,7 @@
             <a:fld id="{601446BC-F8B9-47CB-AFC3-DE6DE2F0F6B3}" type="datetime1">
               <a:rPr lang="pl-PL" smtClean="0"/>
               <a:pPr/>
-              <a:t>2018-06-11</a:t>
+              <a:t>2018-06-12</a:t>
             </a:fld>
             <a:endParaRPr lang="pl-PL"/>
           </a:p>
@@ -2843,7 +2917,7 @@
             <a:fld id="{1B7B9A85-6194-450B-A4EC-90260B3BB407}" type="datetime1">
               <a:rPr lang="pl-PL" smtClean="0"/>
               <a:pPr/>
-              <a:t>2018-06-11</a:t>
+              <a:t>2018-06-12</a:t>
             </a:fld>
             <a:endParaRPr lang="pl-PL"/>
           </a:p>
@@ -2995,7 +3069,7 @@
             <a:fld id="{920BE0C5-60E3-4117-8638-1F1C468BA7A2}" type="datetime1">
               <a:rPr lang="pl-PL" smtClean="0"/>
               <a:pPr/>
-              <a:t>2018-06-11</a:t>
+              <a:t>2018-06-12</a:t>
             </a:fld>
             <a:endParaRPr lang="pl-PL"/>
           </a:p>
@@ -3252,7 +3326,7 @@
             <a:fld id="{D0626FED-AB84-4C32-8595-BD4872B9C791}" type="datetime1">
               <a:rPr lang="pl-PL" smtClean="0"/>
               <a:pPr/>
-              <a:t>2018-06-11</a:t>
+              <a:t>2018-06-12</a:t>
             </a:fld>
             <a:endParaRPr lang="pl-PL"/>
           </a:p>
@@ -3663,7 +3737,7 @@
             <a:fld id="{A6995F53-04EE-4A67-9EED-8FE911D5C70A}" type="datetime1">
               <a:rPr lang="pl-PL" smtClean="0"/>
               <a:pPr/>
-              <a:t>2018-06-11</a:t>
+              <a:t>2018-06-12</a:t>
             </a:fld>
             <a:endParaRPr lang="pl-PL"/>
           </a:p>
@@ -4111,7 +4185,7 @@
             <a:fld id="{D19A3F59-6A1D-465C-9AB9-069469750EA2}" type="datetime1">
               <a:rPr lang="pl-PL" smtClean="0"/>
               <a:pPr/>
-              <a:t>2018-06-11</a:t>
+              <a:t>2018-06-12</a:t>
             </a:fld>
             <a:endParaRPr lang="pl-PL"/>
           </a:p>
@@ -4214,7 +4288,7 @@
             <a:fld id="{7191BA32-4892-4059-9D23-7C2D66D8892A}" type="datetime1">
               <a:rPr lang="pl-PL" smtClean="0"/>
               <a:pPr/>
-              <a:t>2018-06-11</a:t>
+              <a:t>2018-06-12</a:t>
             </a:fld>
             <a:endParaRPr lang="pl-PL"/>
           </a:p>
@@ -4337,7 +4411,7 @@
             <a:fld id="{57B7B363-005F-4AA1-B9EB-7CD1AD716AB0}" type="datetime1">
               <a:rPr lang="pl-PL" smtClean="0"/>
               <a:pPr/>
-              <a:t>2018-06-11</a:t>
+              <a:t>2018-06-12</a:t>
             </a:fld>
             <a:endParaRPr lang="pl-PL"/>
           </a:p>
@@ -4613,7 +4687,7 @@
             <a:fld id="{3A16DBD4-665A-4F4F-9874-79722C57D8D3}" type="datetime1">
               <a:rPr lang="pl-PL" smtClean="0"/>
               <a:pPr/>
-              <a:t>2018-06-11</a:t>
+              <a:t>2018-06-12</a:t>
             </a:fld>
             <a:endParaRPr lang="pl-PL"/>
           </a:p>
@@ -4820,7 +4894,7 @@
             <a:fld id="{090F78FD-E44B-4298-ADA0-48A742E66713}" type="datetime1">
               <a:rPr lang="pl-PL" smtClean="0"/>
               <a:pPr/>
-              <a:t>2018-06-11</a:t>
+              <a:t>2018-06-12</a:t>
             </a:fld>
             <a:endParaRPr lang="pl-PL"/>
           </a:p>
@@ -5931,7 +6005,7 @@
             <a:fld id="{E776A798-8808-471E-95CD-3CC8125631CF}" type="datetime1">
               <a:rPr lang="pl-PL" smtClean="0"/>
               <a:pPr/>
-              <a:t>2018-06-11</a:t>
+              <a:t>2018-06-12</a:t>
             </a:fld>
             <a:endParaRPr lang="pl-PL"/>
           </a:p>
@@ -6400,7 +6474,7 @@
           <a:blip r:embed="rId3" cstate="print">
             <a:extLst>
               <a:ext uri="{28A0092B-C50C-407E-A947-70E740481C1C}">
-                <a14:useLocalDpi xmlns:a14="http://schemas.microsoft.com/office/drawing/2010/main" xmlns="" val="0"/>
+                <a14:useLocalDpi xmlns="" xmlns:a14="http://schemas.microsoft.com/office/drawing/2010/main" val="0"/>
               </a:ext>
             </a:extLst>
           </a:blip>
@@ -6452,7 +6526,7 @@
     </p:spTree>
     <p:extLst>
       <p:ext uri="{BB962C8B-B14F-4D97-AF65-F5344CB8AC3E}">
-        <p14:creationId xmlns:p14="http://schemas.microsoft.com/office/powerpoint/2010/main" xmlns="" val="3157427889"/>
+        <p14:creationId xmlns="" xmlns:p14="http://schemas.microsoft.com/office/powerpoint/2010/main" val="3157427889"/>
       </p:ext>
     </p:extLst>
   </p:cSld>
@@ -6499,491 +6573,13 @@
         <p:spPr/>
         <p:txBody>
           <a:bodyPr>
-            <a:normAutofit fontScale="92500" lnSpcReduction="10000"/>
+            <a:normAutofit/>
           </a:bodyPr>
           <a:lstStyle/>
           <a:p>
             <a:pPr>
               <a:buNone/>
             </a:pPr>
-            <a:r>
-              <a:rPr lang="pl-PL" dirty="0" err="1" smtClean="0">
-                <a:solidFill>
-                  <a:srgbClr val="0000FF"/>
-                </a:solidFill>
-              </a:rPr>
-              <a:t>using</a:t>
-            </a:r>
-            <a:r>
-              <a:rPr lang="pl-PL" dirty="0" smtClean="0">
-                <a:solidFill>
-                  <a:srgbClr val="000000"/>
-                </a:solidFill>
-              </a:rPr>
-              <a:t> (</a:t>
-            </a:r>
-            <a:r>
-              <a:rPr lang="pl-PL" dirty="0" err="1" smtClean="0">
-                <a:solidFill>
-                  <a:srgbClr val="0000FF"/>
-                </a:solidFill>
-              </a:rPr>
-              <a:t>var</a:t>
-            </a:r>
-            <a:r>
-              <a:rPr lang="pl-PL" dirty="0" smtClean="0">
-                <a:solidFill>
-                  <a:srgbClr val="000000"/>
-                </a:solidFill>
-              </a:rPr>
-              <a:t> </a:t>
-            </a:r>
-            <a:r>
-              <a:rPr lang="pl-PL" dirty="0" err="1" smtClean="0">
-                <a:solidFill>
-                  <a:srgbClr val="000000"/>
-                </a:solidFill>
-              </a:rPr>
-              <a:t>db</a:t>
-            </a:r>
-            <a:r>
-              <a:rPr lang="pl-PL" dirty="0" smtClean="0">
-                <a:solidFill>
-                  <a:srgbClr val="000000"/>
-                </a:solidFill>
-              </a:rPr>
-              <a:t> = </a:t>
-            </a:r>
-            <a:r>
-              <a:rPr lang="pl-PL" dirty="0" err="1" smtClean="0">
-                <a:solidFill>
-                  <a:srgbClr val="0000FF"/>
-                </a:solidFill>
-              </a:rPr>
-              <a:t>new</a:t>
-            </a:r>
-            <a:r>
-              <a:rPr lang="pl-PL" dirty="0" smtClean="0">
-                <a:solidFill>
-                  <a:srgbClr val="000000"/>
-                </a:solidFill>
-              </a:rPr>
-              <a:t> </a:t>
-            </a:r>
-            <a:r>
-              <a:rPr lang="pl-PL" dirty="0" err="1" smtClean="0">
-                <a:solidFill>
-                  <a:srgbClr val="2B91AF"/>
-                </a:solidFill>
-              </a:rPr>
-              <a:t>DemoContext</a:t>
-            </a:r>
-            <a:r>
-              <a:rPr lang="pl-PL" dirty="0" smtClean="0">
-                <a:solidFill>
-                  <a:srgbClr val="000000"/>
-                </a:solidFill>
-              </a:rPr>
-              <a:t>()) </a:t>
-            </a:r>
-          </a:p>
-          <a:p>
-            <a:pPr>
-              <a:buNone/>
-            </a:pPr>
-            <a:r>
-              <a:rPr lang="pl-PL" dirty="0" smtClean="0">
-                <a:solidFill>
-                  <a:srgbClr val="000000"/>
-                </a:solidFill>
-              </a:rPr>
-              <a:t>{ </a:t>
-            </a:r>
-          </a:p>
-          <a:p>
-            <a:pPr lvl="1">
-              <a:buNone/>
-            </a:pPr>
-            <a:r>
-              <a:rPr lang="pl-PL" dirty="0" err="1" smtClean="0">
-                <a:solidFill>
-                  <a:srgbClr val="0000FF"/>
-                </a:solidFill>
-              </a:rPr>
-              <a:t>var</a:t>
-            </a:r>
-            <a:r>
-              <a:rPr lang="pl-PL" dirty="0" smtClean="0">
-                <a:solidFill>
-                  <a:srgbClr val="000000"/>
-                </a:solidFill>
-              </a:rPr>
-              <a:t> p1 = </a:t>
-            </a:r>
-            <a:r>
-              <a:rPr lang="pl-PL" dirty="0" err="1" smtClean="0">
-                <a:solidFill>
-                  <a:srgbClr val="000000"/>
-                </a:solidFill>
-              </a:rPr>
-              <a:t>db.</a:t>
-            </a:r>
-            <a:r>
-              <a:rPr lang="pl-PL" dirty="0" err="1" smtClean="0">
-                <a:solidFill>
-                  <a:srgbClr val="2B91AF"/>
-                </a:solidFill>
-              </a:rPr>
-              <a:t>Products</a:t>
-            </a:r>
-            <a:r>
-              <a:rPr lang="pl-PL" dirty="0" err="1" smtClean="0">
-                <a:solidFill>
-                  <a:srgbClr val="000000"/>
-                </a:solidFill>
-              </a:rPr>
-              <a:t>.</a:t>
-            </a:r>
-            <a:r>
-              <a:rPr lang="pl-PL" dirty="0" err="1" smtClean="0">
-                <a:solidFill>
-                  <a:srgbClr val="2B91AF"/>
-                </a:solidFill>
-              </a:rPr>
-              <a:t>Find</a:t>
-            </a:r>
-            <a:r>
-              <a:rPr lang="pl-PL" dirty="0" smtClean="0">
-                <a:solidFill>
-                  <a:srgbClr val="000000"/>
-                </a:solidFill>
-              </a:rPr>
-              <a:t>(</a:t>
-            </a:r>
-            <a:r>
-              <a:rPr lang="pl-PL" dirty="0" smtClean="0">
-                <a:solidFill>
-                  <a:srgbClr val="FF0000"/>
-                </a:solidFill>
-              </a:rPr>
-              <a:t>1</a:t>
-            </a:r>
-            <a:r>
-              <a:rPr lang="pl-PL" dirty="0" smtClean="0">
-                <a:solidFill>
-                  <a:srgbClr val="000000"/>
-                </a:solidFill>
-              </a:rPr>
-              <a:t>); </a:t>
-            </a:r>
-          </a:p>
-          <a:p>
-            <a:pPr lvl="1">
-              <a:buNone/>
-            </a:pPr>
-            <a:r>
-              <a:rPr lang="pl-PL" dirty="0" smtClean="0">
-                <a:solidFill>
-                  <a:srgbClr val="000000"/>
-                </a:solidFill>
-              </a:rPr>
-              <a:t>p1.</a:t>
-            </a:r>
-            <a:r>
-              <a:rPr lang="pl-PL" dirty="0" smtClean="0">
-                <a:solidFill>
-                  <a:srgbClr val="2B91AF"/>
-                </a:solidFill>
-              </a:rPr>
-              <a:t>Name</a:t>
-            </a:r>
-            <a:r>
-              <a:rPr lang="pl-PL" dirty="0" smtClean="0">
-                <a:solidFill>
-                  <a:srgbClr val="000000"/>
-                </a:solidFill>
-              </a:rPr>
-              <a:t> = </a:t>
-            </a:r>
-            <a:r>
-              <a:rPr lang="pl-PL" dirty="0" smtClean="0">
-                <a:solidFill>
-                  <a:srgbClr val="A31515"/>
-                </a:solidFill>
-              </a:rPr>
-              <a:t>"TE"</a:t>
-            </a:r>
-            <a:r>
-              <a:rPr lang="pl-PL" dirty="0" smtClean="0">
-                <a:solidFill>
-                  <a:srgbClr val="000000"/>
-                </a:solidFill>
-              </a:rPr>
-              <a:t>; </a:t>
-            </a:r>
-          </a:p>
-          <a:p>
-            <a:pPr lvl="1">
-              <a:buNone/>
-            </a:pPr>
-            <a:endParaRPr lang="pl-PL" dirty="0" smtClean="0">
-              <a:solidFill>
-                <a:srgbClr val="0000FF"/>
-              </a:solidFill>
-            </a:endParaRPr>
-          </a:p>
-          <a:p>
-            <a:pPr lvl="1">
-              <a:buNone/>
-            </a:pPr>
-            <a:r>
-              <a:rPr lang="pl-PL" dirty="0" err="1" smtClean="0">
-                <a:solidFill>
-                  <a:srgbClr val="0000FF"/>
-                </a:solidFill>
-              </a:rPr>
-              <a:t>DbEntityEntry</a:t>
-            </a:r>
-            <a:r>
-              <a:rPr lang="pl-PL" dirty="0" smtClean="0">
-                <a:solidFill>
-                  <a:srgbClr val="0000FF"/>
-                </a:solidFill>
-              </a:rPr>
-              <a:t> </a:t>
-            </a:r>
-            <a:r>
-              <a:rPr lang="pl-PL" dirty="0" err="1" smtClean="0">
-                <a:solidFill>
-                  <a:srgbClr val="000000"/>
-                </a:solidFill>
-              </a:rPr>
-              <a:t>entry</a:t>
-            </a:r>
-            <a:r>
-              <a:rPr lang="pl-PL" dirty="0" smtClean="0">
-                <a:solidFill>
-                  <a:srgbClr val="000000"/>
-                </a:solidFill>
-              </a:rPr>
-              <a:t> = </a:t>
-            </a:r>
-            <a:r>
-              <a:rPr lang="pl-PL" dirty="0" err="1" smtClean="0">
-                <a:solidFill>
-                  <a:srgbClr val="000000"/>
-                </a:solidFill>
-              </a:rPr>
-              <a:t>db.</a:t>
-            </a:r>
-            <a:r>
-              <a:rPr lang="pl-PL" dirty="0" err="1" smtClean="0">
-                <a:solidFill>
-                  <a:srgbClr val="2B91AF"/>
-                </a:solidFill>
-              </a:rPr>
-              <a:t>Entry</a:t>
-            </a:r>
-            <a:r>
-              <a:rPr lang="pl-PL" dirty="0" err="1" smtClean="0">
-                <a:solidFill>
-                  <a:srgbClr val="000000"/>
-                </a:solidFill>
-              </a:rPr>
-              <a:t>&lt;</a:t>
-            </a:r>
-            <a:r>
-              <a:rPr lang="pl-PL" dirty="0" err="1" smtClean="0">
-                <a:solidFill>
-                  <a:srgbClr val="2B91AF"/>
-                </a:solidFill>
-              </a:rPr>
-              <a:t>Product</a:t>
-            </a:r>
-            <a:r>
-              <a:rPr lang="pl-PL" dirty="0" smtClean="0">
-                <a:solidFill>
-                  <a:srgbClr val="000000"/>
-                </a:solidFill>
-              </a:rPr>
-              <a:t>&gt;(p1); </a:t>
-            </a:r>
-          </a:p>
-          <a:p>
-            <a:pPr lvl="1">
-              <a:buNone/>
-            </a:pPr>
-            <a:endParaRPr lang="pl-PL" dirty="0" smtClean="0">
-              <a:solidFill>
-                <a:srgbClr val="000000"/>
-              </a:solidFill>
-            </a:endParaRPr>
-          </a:p>
-          <a:p>
-            <a:pPr lvl="1">
-              <a:buNone/>
-            </a:pPr>
-            <a:r>
-              <a:rPr lang="pl-PL" dirty="0" err="1" smtClean="0">
-                <a:solidFill>
-                  <a:srgbClr val="0000FF"/>
-                </a:solidFill>
-              </a:rPr>
-              <a:t>if</a:t>
-            </a:r>
-            <a:r>
-              <a:rPr lang="pl-PL" dirty="0" smtClean="0">
-                <a:solidFill>
-                  <a:srgbClr val="000000"/>
-                </a:solidFill>
-              </a:rPr>
-              <a:t> (</a:t>
-            </a:r>
-            <a:r>
-              <a:rPr lang="pl-PL" dirty="0" err="1" smtClean="0">
-                <a:solidFill>
-                  <a:srgbClr val="000000"/>
-                </a:solidFill>
-              </a:rPr>
-              <a:t>entry.</a:t>
-            </a:r>
-            <a:r>
-              <a:rPr lang="pl-PL" dirty="0" err="1" smtClean="0">
-                <a:solidFill>
-                  <a:srgbClr val="2B91AF"/>
-                </a:solidFill>
-              </a:rPr>
-              <a:t>State</a:t>
-            </a:r>
-            <a:r>
-              <a:rPr lang="pl-PL" dirty="0" smtClean="0">
-                <a:solidFill>
-                  <a:srgbClr val="000000"/>
-                </a:solidFill>
-              </a:rPr>
-              <a:t> == </a:t>
-            </a:r>
-            <a:r>
-              <a:rPr lang="pl-PL" dirty="0" err="1" smtClean="0">
-                <a:solidFill>
-                  <a:srgbClr val="2B91AF"/>
-                </a:solidFill>
-              </a:rPr>
-              <a:t>EntityState.Modified</a:t>
-            </a:r>
-            <a:r>
-              <a:rPr lang="pl-PL" dirty="0" smtClean="0">
-                <a:solidFill>
-                  <a:srgbClr val="2B91AF"/>
-                </a:solidFill>
-              </a:rPr>
-              <a:t> ) </a:t>
-            </a:r>
-            <a:r>
-              <a:rPr lang="pl-PL" dirty="0" smtClean="0">
-                <a:solidFill>
-                  <a:srgbClr val="000000"/>
-                </a:solidFill>
-              </a:rPr>
-              <a:t> </a:t>
-            </a:r>
-          </a:p>
-          <a:p>
-            <a:pPr lvl="1">
-              <a:buNone/>
-            </a:pPr>
-            <a:r>
-              <a:rPr lang="pl-PL" dirty="0" smtClean="0">
-                <a:solidFill>
-                  <a:srgbClr val="000000"/>
-                </a:solidFill>
-              </a:rPr>
-              <a:t>{ </a:t>
-            </a:r>
-          </a:p>
-          <a:p>
-            <a:pPr lvl="2">
-              <a:buNone/>
-            </a:pPr>
-            <a:r>
-              <a:rPr lang="pl-PL" dirty="0" smtClean="0">
-                <a:solidFill>
-                  <a:srgbClr val="000000"/>
-                </a:solidFill>
-              </a:rPr>
-              <a:t>// do </a:t>
-            </a:r>
-            <a:r>
-              <a:rPr lang="pl-PL" dirty="0" err="1" smtClean="0">
-                <a:solidFill>
-                  <a:srgbClr val="000000"/>
-                </a:solidFill>
-              </a:rPr>
-              <a:t>some</a:t>
-            </a:r>
-            <a:r>
-              <a:rPr lang="pl-PL" dirty="0" smtClean="0">
-                <a:solidFill>
-                  <a:srgbClr val="000000"/>
-                </a:solidFill>
-              </a:rPr>
-              <a:t> action</a:t>
-            </a:r>
-          </a:p>
-          <a:p>
-            <a:pPr lvl="1">
-              <a:buNone/>
-            </a:pPr>
-            <a:r>
-              <a:rPr lang="pl-PL" dirty="0" smtClean="0">
-                <a:solidFill>
-                  <a:srgbClr val="000000"/>
-                </a:solidFill>
-              </a:rPr>
-              <a:t>} </a:t>
-            </a:r>
-          </a:p>
-          <a:p>
-            <a:pPr lvl="1">
-              <a:buNone/>
-            </a:pPr>
-            <a:r>
-              <a:rPr lang="pl-PL" dirty="0" err="1" smtClean="0">
-                <a:solidFill>
-                  <a:srgbClr val="000000"/>
-                </a:solidFill>
-              </a:rPr>
-              <a:t>db.</a:t>
-            </a:r>
-            <a:r>
-              <a:rPr lang="pl-PL" dirty="0" err="1" smtClean="0">
-                <a:solidFill>
-                  <a:srgbClr val="2B91AF"/>
-                </a:solidFill>
-              </a:rPr>
-              <a:t>SaveChanges</a:t>
-            </a:r>
-            <a:r>
-              <a:rPr lang="pl-PL" dirty="0" smtClean="0">
-                <a:solidFill>
-                  <a:srgbClr val="000000"/>
-                </a:solidFill>
-              </a:rPr>
-              <a:t>();</a:t>
-            </a:r>
-          </a:p>
-          <a:p>
-            <a:pPr>
-              <a:buNone/>
-            </a:pPr>
-            <a:r>
-              <a:rPr lang="pl-PL" b="1" dirty="0" smtClean="0">
-                <a:solidFill>
-                  <a:srgbClr val="000000"/>
-                </a:solidFill>
-              </a:rPr>
-              <a:t>}</a:t>
-            </a:r>
             <a:endParaRPr lang="pl-PL" b="1" dirty="0"/>
           </a:p>
         </p:txBody>
@@ -7049,7 +6645,7 @@
           <a:blip r:embed="rId3" cstate="print">
             <a:extLst>
               <a:ext uri="{28A0092B-C50C-407E-A947-70E740481C1C}">
-                <a14:useLocalDpi xmlns:a14="http://schemas.microsoft.com/office/drawing/2010/main" xmlns="" val="0"/>
+                <a14:useLocalDpi xmlns="" xmlns:a14="http://schemas.microsoft.com/office/drawing/2010/main" val="0"/>
               </a:ext>
             </a:extLst>
           </a:blip>
@@ -7067,10 +6663,42 @@
           </a:prstGeom>
         </p:spPr>
       </p:pic>
+      <p:pic>
+        <p:nvPicPr>
+          <p:cNvPr id="7170" name="Picture 2"/>
+          <p:cNvPicPr>
+            <a:picLocks noChangeAspect="1" noChangeArrowheads="1"/>
+          </p:cNvPicPr>
+          <p:nvPr/>
+        </p:nvPicPr>
+        <p:blipFill>
+          <a:blip r:embed="rId4" cstate="print"/>
+          <a:srcRect/>
+          <a:stretch>
+            <a:fillRect/>
+          </a:stretch>
+        </p:blipFill>
+        <p:spPr bwMode="auto">
+          <a:xfrm>
+            <a:off x="179512" y="2010527"/>
+            <a:ext cx="8820472" cy="3074657"/>
+          </a:xfrm>
+          <a:prstGeom prst="rect">
+            <a:avLst/>
+          </a:prstGeom>
+          <a:noFill/>
+          <a:ln w="9525">
+            <a:noFill/>
+            <a:miter lim="800000"/>
+            <a:headEnd/>
+            <a:tailEnd/>
+          </a:ln>
+        </p:spPr>
+      </p:pic>
     </p:spTree>
     <p:extLst>
       <p:ext uri="{BB962C8B-B14F-4D97-AF65-F5344CB8AC3E}">
-        <p14:creationId xmlns:p14="http://schemas.microsoft.com/office/powerpoint/2010/main" xmlns="" val="2808115206"/>
+        <p14:creationId xmlns="" xmlns:p14="http://schemas.microsoft.com/office/powerpoint/2010/main" val="2808115206"/>
       </p:ext>
     </p:extLst>
   </p:cSld>
@@ -7117,7 +6745,7 @@
         <p:spPr/>
         <p:txBody>
           <a:bodyPr>
-            <a:normAutofit/>
+            <a:normAutofit fontScale="92500" lnSpcReduction="10000"/>
           </a:bodyPr>
           <a:lstStyle/>
           <a:p>
@@ -7125,46 +6753,484 @@
               <a:buNone/>
             </a:pPr>
             <a:r>
-              <a:rPr lang="pl-PL" dirty="0" smtClean="0"/>
-              <a:t>Klasa</a:t>
-            </a:r>
-            <a:r>
-              <a:rPr lang="pl-PL" b="1" dirty="0" smtClean="0"/>
+              <a:rPr lang="pl-PL" dirty="0" err="1" smtClean="0">
+                <a:solidFill>
+                  <a:srgbClr val="0000FF"/>
+                </a:solidFill>
+              </a:rPr>
+              <a:t>using</a:t>
+            </a:r>
+            <a:r>
+              <a:rPr lang="pl-PL" dirty="0" smtClean="0">
+                <a:solidFill>
+                  <a:srgbClr val="000000"/>
+                </a:solidFill>
+              </a:rPr>
+              <a:t> (</a:t>
+            </a:r>
+            <a:r>
+              <a:rPr lang="pl-PL" dirty="0" err="1" smtClean="0">
+                <a:solidFill>
+                  <a:srgbClr val="0000FF"/>
+                </a:solidFill>
+              </a:rPr>
+              <a:t>var</a:t>
+            </a:r>
+            <a:r>
+              <a:rPr lang="pl-PL" dirty="0" smtClean="0">
+                <a:solidFill>
+                  <a:srgbClr val="000000"/>
+                </a:solidFill>
+              </a:rPr>
               <a:t> </a:t>
             </a:r>
             <a:r>
-              <a:rPr lang="pl-PL" i="1" dirty="0" err="1" smtClean="0"/>
-              <a:t>ChangeTracker</a:t>
-            </a:r>
-            <a:endParaRPr lang="pl-PL" i="1" dirty="0" smtClean="0"/>
+              <a:rPr lang="pl-PL" dirty="0" err="1" smtClean="0">
+                <a:solidFill>
+                  <a:srgbClr val="000000"/>
+                </a:solidFill>
+              </a:rPr>
+              <a:t>db</a:t>
+            </a:r>
+            <a:r>
+              <a:rPr lang="pl-PL" dirty="0" smtClean="0">
+                <a:solidFill>
+                  <a:srgbClr val="000000"/>
+                </a:solidFill>
+              </a:rPr>
+              <a:t> = </a:t>
+            </a:r>
+            <a:r>
+              <a:rPr lang="pl-PL" dirty="0" err="1" smtClean="0">
+                <a:solidFill>
+                  <a:srgbClr val="0000FF"/>
+                </a:solidFill>
+              </a:rPr>
+              <a:t>new</a:t>
+            </a:r>
+            <a:r>
+              <a:rPr lang="pl-PL" dirty="0" smtClean="0">
+                <a:solidFill>
+                  <a:srgbClr val="000000"/>
+                </a:solidFill>
+              </a:rPr>
+              <a:t> </a:t>
+            </a:r>
+            <a:r>
+              <a:rPr lang="pl-PL" dirty="0" err="1" smtClean="0">
+                <a:solidFill>
+                  <a:srgbClr val="2B91AF"/>
+                </a:solidFill>
+              </a:rPr>
+              <a:t>DemoContext</a:t>
+            </a:r>
+            <a:r>
+              <a:rPr lang="pl-PL" dirty="0" smtClean="0">
+                <a:solidFill>
+                  <a:srgbClr val="000000"/>
+                </a:solidFill>
+              </a:rPr>
+              <a:t>()) </a:t>
+            </a:r>
           </a:p>
           <a:p>
             <a:pPr>
               <a:buNone/>
             </a:pPr>
-            <a:endParaRPr lang="pl-PL" b="1" i="1" dirty="0" smtClean="0"/>
+            <a:r>
+              <a:rPr lang="pl-PL" dirty="0" smtClean="0">
+                <a:solidFill>
+                  <a:srgbClr val="000000"/>
+                </a:solidFill>
+              </a:rPr>
+              <a:t>{ </a:t>
+            </a:r>
+          </a:p>
+          <a:p>
+            <a:pPr lvl="1">
+              <a:buNone/>
+            </a:pPr>
+            <a:r>
+              <a:rPr lang="pl-PL" dirty="0" err="1" smtClean="0">
+                <a:solidFill>
+                  <a:srgbClr val="0000FF"/>
+                </a:solidFill>
+              </a:rPr>
+              <a:t>var</a:t>
+            </a:r>
+            <a:r>
+              <a:rPr lang="pl-PL" dirty="0" smtClean="0">
+                <a:solidFill>
+                  <a:srgbClr val="000000"/>
+                </a:solidFill>
+              </a:rPr>
+              <a:t> p1 = </a:t>
+            </a:r>
+            <a:r>
+              <a:rPr lang="pl-PL" dirty="0" err="1" smtClean="0">
+                <a:solidFill>
+                  <a:srgbClr val="000000"/>
+                </a:solidFill>
+              </a:rPr>
+              <a:t>db.</a:t>
+            </a:r>
+            <a:r>
+              <a:rPr lang="pl-PL" dirty="0" err="1" smtClean="0">
+                <a:solidFill>
+                  <a:srgbClr val="2B91AF"/>
+                </a:solidFill>
+              </a:rPr>
+              <a:t>Products</a:t>
+            </a:r>
+            <a:r>
+              <a:rPr lang="pl-PL" dirty="0" err="1" smtClean="0">
+                <a:solidFill>
+                  <a:srgbClr val="000000"/>
+                </a:solidFill>
+              </a:rPr>
+              <a:t>.</a:t>
+            </a:r>
+            <a:r>
+              <a:rPr lang="pl-PL" dirty="0" err="1" smtClean="0">
+                <a:solidFill>
+                  <a:srgbClr val="2B91AF"/>
+                </a:solidFill>
+              </a:rPr>
+              <a:t>Find</a:t>
+            </a:r>
+            <a:r>
+              <a:rPr lang="pl-PL" dirty="0" smtClean="0">
+                <a:solidFill>
+                  <a:srgbClr val="000000"/>
+                </a:solidFill>
+              </a:rPr>
+              <a:t>(</a:t>
+            </a:r>
+            <a:r>
+              <a:rPr lang="pl-PL" dirty="0" smtClean="0">
+                <a:solidFill>
+                  <a:srgbClr val="FF0000"/>
+                </a:solidFill>
+              </a:rPr>
+              <a:t>1</a:t>
+            </a:r>
+            <a:r>
+              <a:rPr lang="pl-PL" dirty="0" smtClean="0">
+                <a:solidFill>
+                  <a:srgbClr val="000000"/>
+                </a:solidFill>
+              </a:rPr>
+              <a:t>); </a:t>
+            </a:r>
+          </a:p>
+          <a:p>
+            <a:pPr lvl="1">
+              <a:buNone/>
+            </a:pPr>
+            <a:r>
+              <a:rPr lang="pl-PL" dirty="0" smtClean="0">
+                <a:solidFill>
+                  <a:srgbClr val="000000"/>
+                </a:solidFill>
+              </a:rPr>
+              <a:t>p1.</a:t>
+            </a:r>
+            <a:r>
+              <a:rPr lang="pl-PL" dirty="0" smtClean="0">
+                <a:solidFill>
+                  <a:srgbClr val="2B91AF"/>
+                </a:solidFill>
+              </a:rPr>
+              <a:t>Name</a:t>
+            </a:r>
+            <a:r>
+              <a:rPr lang="pl-PL" dirty="0" smtClean="0">
+                <a:solidFill>
+                  <a:srgbClr val="000000"/>
+                </a:solidFill>
+              </a:rPr>
+              <a:t> = </a:t>
+            </a:r>
+            <a:r>
+              <a:rPr lang="pl-PL" dirty="0" smtClean="0">
+                <a:solidFill>
+                  <a:srgbClr val="A31515"/>
+                </a:solidFill>
+              </a:rPr>
+              <a:t>"TE"</a:t>
+            </a:r>
+            <a:r>
+              <a:rPr lang="pl-PL" dirty="0" smtClean="0">
+                <a:solidFill>
+                  <a:srgbClr val="000000"/>
+                </a:solidFill>
+              </a:rPr>
+              <a:t>; </a:t>
+            </a:r>
+          </a:p>
+          <a:p>
+            <a:pPr lvl="1">
+              <a:buNone/>
+            </a:pPr>
+            <a:endParaRPr lang="pl-PL" dirty="0" smtClean="0">
+              <a:solidFill>
+                <a:srgbClr val="0000FF"/>
+              </a:solidFill>
+            </a:endParaRPr>
+          </a:p>
+          <a:p>
+            <a:pPr lvl="1">
+              <a:buNone/>
+            </a:pPr>
+            <a:r>
+              <a:rPr lang="pl-PL" dirty="0" err="1" smtClean="0">
+                <a:solidFill>
+                  <a:srgbClr val="0000FF"/>
+                </a:solidFill>
+              </a:rPr>
+              <a:t>DbEntityEntry</a:t>
+            </a:r>
+            <a:r>
+              <a:rPr lang="pl-PL" dirty="0" smtClean="0">
+                <a:solidFill>
+                  <a:srgbClr val="0000FF"/>
+                </a:solidFill>
+              </a:rPr>
+              <a:t> </a:t>
+            </a:r>
+            <a:r>
+              <a:rPr lang="pl-PL" dirty="0" err="1" smtClean="0">
+                <a:solidFill>
+                  <a:srgbClr val="000000"/>
+                </a:solidFill>
+              </a:rPr>
+              <a:t>entry</a:t>
+            </a:r>
+            <a:r>
+              <a:rPr lang="pl-PL" dirty="0" smtClean="0">
+                <a:solidFill>
+                  <a:srgbClr val="000000"/>
+                </a:solidFill>
+              </a:rPr>
+              <a:t> = </a:t>
+            </a:r>
+            <a:r>
+              <a:rPr lang="pl-PL" dirty="0" err="1" smtClean="0">
+                <a:solidFill>
+                  <a:srgbClr val="000000"/>
+                </a:solidFill>
+              </a:rPr>
+              <a:t>db.</a:t>
+            </a:r>
+            <a:r>
+              <a:rPr lang="pl-PL" dirty="0" err="1" smtClean="0">
+                <a:solidFill>
+                  <a:srgbClr val="2B91AF"/>
+                </a:solidFill>
+              </a:rPr>
+              <a:t>Entry</a:t>
+            </a:r>
+            <a:r>
+              <a:rPr lang="pl-PL" dirty="0" err="1" smtClean="0">
+                <a:solidFill>
+                  <a:srgbClr val="000000"/>
+                </a:solidFill>
+              </a:rPr>
+              <a:t>&lt;</a:t>
+            </a:r>
+            <a:r>
+              <a:rPr lang="pl-PL" dirty="0" err="1" smtClean="0">
+                <a:solidFill>
+                  <a:srgbClr val="2B91AF"/>
+                </a:solidFill>
+              </a:rPr>
+              <a:t>Product</a:t>
+            </a:r>
+            <a:r>
+              <a:rPr lang="pl-PL" dirty="0" smtClean="0">
+                <a:solidFill>
+                  <a:srgbClr val="000000"/>
+                </a:solidFill>
+              </a:rPr>
+              <a:t>&gt;(p1); </a:t>
+            </a:r>
+          </a:p>
+          <a:p>
+            <a:pPr lvl="1">
+              <a:buNone/>
+            </a:pPr>
+            <a:endParaRPr lang="pl-PL" dirty="0" smtClean="0">
+              <a:solidFill>
+                <a:srgbClr val="000000"/>
+              </a:solidFill>
+            </a:endParaRPr>
+          </a:p>
+          <a:p>
+            <a:pPr lvl="1">
+              <a:buNone/>
+            </a:pPr>
+            <a:r>
+              <a:rPr lang="pl-PL" dirty="0" err="1" smtClean="0">
+                <a:solidFill>
+                  <a:srgbClr val="0000FF"/>
+                </a:solidFill>
+              </a:rPr>
+              <a:t>if</a:t>
+            </a:r>
+            <a:r>
+              <a:rPr lang="pl-PL" dirty="0" smtClean="0">
+                <a:solidFill>
+                  <a:srgbClr val="000000"/>
+                </a:solidFill>
+              </a:rPr>
+              <a:t> (</a:t>
+            </a:r>
+            <a:r>
+              <a:rPr lang="pl-PL" dirty="0" err="1" smtClean="0">
+                <a:solidFill>
+                  <a:srgbClr val="000000"/>
+                </a:solidFill>
+              </a:rPr>
+              <a:t>entry.</a:t>
+            </a:r>
+            <a:r>
+              <a:rPr lang="pl-PL" dirty="0" err="1" smtClean="0">
+                <a:solidFill>
+                  <a:srgbClr val="2B91AF"/>
+                </a:solidFill>
+              </a:rPr>
+              <a:t>State</a:t>
+            </a:r>
+            <a:r>
+              <a:rPr lang="pl-PL" dirty="0" smtClean="0">
+                <a:solidFill>
+                  <a:srgbClr val="000000"/>
+                </a:solidFill>
+              </a:rPr>
+              <a:t> == </a:t>
+            </a:r>
+            <a:r>
+              <a:rPr lang="pl-PL" dirty="0" err="1" smtClean="0">
+                <a:solidFill>
+                  <a:srgbClr val="2B91AF"/>
+                </a:solidFill>
+              </a:rPr>
+              <a:t>EntityState.Modified</a:t>
+            </a:r>
+            <a:r>
+              <a:rPr lang="pl-PL" dirty="0" smtClean="0">
+                <a:solidFill>
+                  <a:srgbClr val="2B91AF"/>
+                </a:solidFill>
+              </a:rPr>
+              <a:t> ) </a:t>
+            </a:r>
+            <a:r>
+              <a:rPr lang="pl-PL" dirty="0" smtClean="0">
+                <a:solidFill>
+                  <a:srgbClr val="000000"/>
+                </a:solidFill>
+              </a:rPr>
+              <a:t> </a:t>
+            </a:r>
+          </a:p>
+          <a:p>
+            <a:pPr lvl="1">
+              <a:buNone/>
+            </a:pPr>
+            <a:r>
+              <a:rPr lang="pl-PL" dirty="0" smtClean="0">
+                <a:solidFill>
+                  <a:srgbClr val="000000"/>
+                </a:solidFill>
+              </a:rPr>
+              <a:t>{ </a:t>
+            </a:r>
+          </a:p>
+          <a:p>
+            <a:pPr lvl="2">
+              <a:buNone/>
+            </a:pPr>
+            <a:r>
+              <a:rPr lang="pl-PL" dirty="0" smtClean="0">
+                <a:solidFill>
+                  <a:srgbClr val="000000"/>
+                </a:solidFill>
+              </a:rPr>
+              <a:t>// do </a:t>
+            </a:r>
+            <a:r>
+              <a:rPr lang="pl-PL" dirty="0" err="1" smtClean="0">
+                <a:solidFill>
+                  <a:srgbClr val="000000"/>
+                </a:solidFill>
+              </a:rPr>
+              <a:t>some</a:t>
+            </a:r>
+            <a:r>
+              <a:rPr lang="pl-PL" dirty="0" smtClean="0">
+                <a:solidFill>
+                  <a:srgbClr val="000000"/>
+                </a:solidFill>
+              </a:rPr>
+              <a:t> action</a:t>
+            </a:r>
+          </a:p>
+          <a:p>
+            <a:pPr lvl="1">
+              <a:buNone/>
+            </a:pPr>
+            <a:r>
+              <a:rPr lang="pl-PL" dirty="0" smtClean="0">
+                <a:solidFill>
+                  <a:srgbClr val="000000"/>
+                </a:solidFill>
+              </a:rPr>
+              <a:t>} </a:t>
+            </a:r>
+          </a:p>
+          <a:p>
+            <a:pPr lvl="1">
+              <a:buNone/>
+            </a:pPr>
+            <a:r>
+              <a:rPr lang="pl-PL" dirty="0" err="1" smtClean="0">
+                <a:solidFill>
+                  <a:srgbClr val="000000"/>
+                </a:solidFill>
+              </a:rPr>
+              <a:t>db.</a:t>
+            </a:r>
+            <a:r>
+              <a:rPr lang="pl-PL" dirty="0" err="1" smtClean="0">
+                <a:solidFill>
+                  <a:srgbClr val="2B91AF"/>
+                </a:solidFill>
+              </a:rPr>
+              <a:t>SaveChanges</a:t>
+            </a:r>
+            <a:r>
+              <a:rPr lang="pl-PL" dirty="0" smtClean="0">
+                <a:solidFill>
+                  <a:srgbClr val="000000"/>
+                </a:solidFill>
+              </a:rPr>
+              <a:t>();</a:t>
+            </a:r>
           </a:p>
           <a:p>
             <a:pPr>
               <a:buNone/>
             </a:pPr>
-            <a:endParaRPr lang="pl-PL" b="1" i="1" dirty="0" smtClean="0"/>
-          </a:p>
-          <a:p>
-            <a:pPr>
-              <a:buNone/>
-            </a:pPr>
-            <a:endParaRPr lang="pl-PL" b="1" i="1" dirty="0" smtClean="0"/>
-          </a:p>
-          <a:p>
-            <a:pPr algn="ctr">
-              <a:buNone/>
-            </a:pPr>
-            <a:r>
-              <a:rPr lang="pl-PL" b="1" i="1" dirty="0" smtClean="0"/>
-              <a:t>DEMO</a:t>
-            </a:r>
-            <a:endParaRPr lang="pl-PL" b="1" i="1" dirty="0"/>
+            <a:r>
+              <a:rPr lang="pl-PL" b="1" dirty="0" smtClean="0">
+                <a:solidFill>
+                  <a:srgbClr val="000000"/>
+                </a:solidFill>
+              </a:rPr>
+              <a:t>}</a:t>
+            </a:r>
+            <a:endParaRPr lang="pl-PL" b="1" dirty="0"/>
           </a:p>
         </p:txBody>
       </p:sp>
@@ -7229,7 +7295,7 @@
           <a:blip r:embed="rId3" cstate="print">
             <a:extLst>
               <a:ext uri="{28A0092B-C50C-407E-A947-70E740481C1C}">
-                <a14:useLocalDpi xmlns:a14="http://schemas.microsoft.com/office/drawing/2010/main" xmlns="" val="0"/>
+                <a14:useLocalDpi xmlns="" xmlns:a14="http://schemas.microsoft.com/office/drawing/2010/main" val="0"/>
               </a:ext>
             </a:extLst>
           </a:blip>
@@ -7250,7 +7316,7 @@
     </p:spTree>
     <p:extLst>
       <p:ext uri="{BB962C8B-B14F-4D97-AF65-F5344CB8AC3E}">
-        <p14:creationId xmlns:p14="http://schemas.microsoft.com/office/powerpoint/2010/main" xmlns="" val="2808115206"/>
+        <p14:creationId xmlns="" xmlns:p14="http://schemas.microsoft.com/office/powerpoint/2010/main" val="2808115206"/>
       </p:ext>
     </p:extLst>
   </p:cSld>
@@ -7301,9 +7367,49 @@
           </a:bodyPr>
           <a:lstStyle/>
           <a:p>
+            <a:pPr>
+              <a:buNone/>
+            </a:pPr>
+            <a:r>
+              <a:rPr lang="pl-PL" dirty="0" smtClean="0"/>
+              <a:t>Klasa</a:t>
+            </a:r>
+            <a:r>
+              <a:rPr lang="pl-PL" b="1" dirty="0" smtClean="0"/>
+              <a:t> </a:t>
+            </a:r>
+            <a:r>
+              <a:rPr lang="pl-PL" i="1" dirty="0" err="1" smtClean="0"/>
+              <a:t>ChangeTracker</a:t>
+            </a:r>
+            <a:endParaRPr lang="pl-PL" i="1" dirty="0" smtClean="0"/>
+          </a:p>
+          <a:p>
+            <a:pPr>
+              <a:buNone/>
+            </a:pPr>
+            <a:endParaRPr lang="pl-PL" b="1" i="1" dirty="0" smtClean="0"/>
+          </a:p>
+          <a:p>
+            <a:pPr>
+              <a:buNone/>
+            </a:pPr>
+            <a:endParaRPr lang="pl-PL" b="1" i="1" dirty="0" smtClean="0"/>
+          </a:p>
+          <a:p>
+            <a:pPr>
+              <a:buNone/>
+            </a:pPr>
+            <a:endParaRPr lang="pl-PL" b="1" i="1" dirty="0" smtClean="0"/>
+          </a:p>
+          <a:p>
             <a:pPr algn="ctr">
               <a:buNone/>
             </a:pPr>
+            <a:r>
+              <a:rPr lang="pl-PL" b="1" i="1" dirty="0" smtClean="0"/>
+              <a:t>DEMO</a:t>
+            </a:r>
             <a:endParaRPr lang="pl-PL" b="1" i="1" dirty="0"/>
           </a:p>
         </p:txBody>
@@ -7369,7 +7475,147 @@
           <a:blip r:embed="rId3" cstate="print">
             <a:extLst>
               <a:ext uri="{28A0092B-C50C-407E-A947-70E740481C1C}">
-                <a14:useLocalDpi xmlns:a14="http://schemas.microsoft.com/office/drawing/2010/main" xmlns="" val="0"/>
+                <a14:useLocalDpi xmlns="" xmlns:a14="http://schemas.microsoft.com/office/drawing/2010/main" val="0"/>
+              </a:ext>
+            </a:extLst>
+          </a:blip>
+          <a:stretch>
+            <a:fillRect/>
+          </a:stretch>
+        </p:blipFill>
+        <p:spPr>
+          <a:xfrm>
+            <a:off x="179512" y="6165304"/>
+            <a:ext cx="1008112" cy="574214"/>
+          </a:xfrm>
+          <a:prstGeom prst="rect">
+            <a:avLst/>
+          </a:prstGeom>
+        </p:spPr>
+      </p:pic>
+    </p:spTree>
+    <p:extLst>
+      <p:ext uri="{BB962C8B-B14F-4D97-AF65-F5344CB8AC3E}">
+        <p14:creationId xmlns="" xmlns:p14="http://schemas.microsoft.com/office/powerpoint/2010/main" val="2808115206"/>
+      </p:ext>
+    </p:extLst>
+  </p:cSld>
+  <p:clrMapOvr>
+    <a:masterClrMapping/>
+  </p:clrMapOvr>
+  <p:timing>
+    <p:tnLst>
+      <p:par>
+        <p:cTn id="1" dur="indefinite" restart="never" nodeType="tmRoot"/>
+      </p:par>
+    </p:tnLst>
+  </p:timing>
+</p:sld>
+</file>
+
+<file path=ppt/slides/slide13.xml><?xml version="1.0" encoding="utf-8"?>
+<p:sld xmlns:a="http://schemas.openxmlformats.org/drawingml/2006/main" xmlns:r="http://schemas.openxmlformats.org/officeDocument/2006/relationships" xmlns:p="http://schemas.openxmlformats.org/presentationml/2006/main">
+  <p:cSld>
+    <p:spTree>
+      <p:nvGrpSpPr>
+        <p:cNvPr id="1" name=""/>
+        <p:cNvGrpSpPr/>
+        <p:nvPr/>
+      </p:nvGrpSpPr>
+      <p:grpSpPr>
+        <a:xfrm>
+          <a:off x="0" y="0"/>
+          <a:ext cx="0" cy="0"/>
+          <a:chOff x="0" y="0"/>
+          <a:chExt cx="0" cy="0"/>
+        </a:xfrm>
+      </p:grpSpPr>
+      <p:sp>
+        <p:nvSpPr>
+          <p:cNvPr id="2" name="Symbol zastępczy zawartości 1"/>
+          <p:cNvSpPr>
+            <a:spLocks noGrp="1"/>
+          </p:cNvSpPr>
+          <p:nvPr>
+            <p:ph idx="1"/>
+          </p:nvPr>
+        </p:nvSpPr>
+        <p:spPr/>
+        <p:txBody>
+          <a:bodyPr>
+            <a:normAutofit/>
+          </a:bodyPr>
+          <a:lstStyle/>
+          <a:p>
+            <a:pPr algn="ctr">
+              <a:buNone/>
+            </a:pPr>
+            <a:endParaRPr lang="pl-PL" b="1" i="1" dirty="0"/>
+          </a:p>
+        </p:txBody>
+      </p:sp>
+      <p:sp>
+        <p:nvSpPr>
+          <p:cNvPr id="3" name="Tytuł 2"/>
+          <p:cNvSpPr>
+            <a:spLocks noGrp="1"/>
+          </p:cNvSpPr>
+          <p:nvPr>
+            <p:ph type="title"/>
+          </p:nvPr>
+        </p:nvSpPr>
+        <p:spPr/>
+        <p:txBody>
+          <a:bodyPr>
+            <a:normAutofit/>
+          </a:bodyPr>
+          <a:lstStyle/>
+          <a:p>
+            <a:r>
+              <a:rPr lang="pl-PL" dirty="0" smtClean="0"/>
+              <a:t>Śledzenie zmian modelu</a:t>
+            </a:r>
+            <a:endParaRPr lang="pl-PL" dirty="0"/>
+          </a:p>
+        </p:txBody>
+      </p:sp>
+      <p:sp>
+        <p:nvSpPr>
+          <p:cNvPr id="4" name="Symbol zastępczy numeru slajdu 3"/>
+          <p:cNvSpPr>
+            <a:spLocks noGrp="1"/>
+          </p:cNvSpPr>
+          <p:nvPr>
+            <p:ph type="sldNum" sz="quarter" idx="12"/>
+          </p:nvPr>
+        </p:nvSpPr>
+        <p:spPr/>
+        <p:txBody>
+          <a:bodyPr/>
+          <a:lstStyle/>
+          <a:p>
+            <a:fld id="{976B8C4A-E01E-49C4-A342-E776841D1431}" type="slidenum">
+              <a:rPr lang="pl-PL" smtClean="0"/>
+              <a:pPr/>
+              <a:t>13</a:t>
+            </a:fld>
+            <a:endParaRPr lang="pl-PL"/>
+          </a:p>
+        </p:txBody>
+      </p:sp>
+      <p:pic>
+        <p:nvPicPr>
+          <p:cNvPr id="5" name="Obraz 4"/>
+          <p:cNvPicPr>
+            <a:picLocks noChangeAspect="1"/>
+          </p:cNvPicPr>
+          <p:nvPr/>
+        </p:nvPicPr>
+        <p:blipFill>
+          <a:blip r:embed="rId3" cstate="print">
+            <a:extLst>
+              <a:ext uri="{28A0092B-C50C-407E-A947-70E740481C1C}">
+                <a14:useLocalDpi xmlns="" xmlns:a14="http://schemas.microsoft.com/office/drawing/2010/main" val="0"/>
               </a:ext>
             </a:extLst>
           </a:blip>
@@ -7422,7 +7668,7 @@
     </p:spTree>
     <p:extLst>
       <p:ext uri="{BB962C8B-B14F-4D97-AF65-F5344CB8AC3E}">
-        <p14:creationId xmlns:p14="http://schemas.microsoft.com/office/powerpoint/2010/main" xmlns="" val="2808115206"/>
+        <p14:creationId xmlns="" xmlns:p14="http://schemas.microsoft.com/office/powerpoint/2010/main" val="2808115206"/>
       </p:ext>
     </p:extLst>
   </p:cSld>
@@ -7439,7 +7685,7 @@
 </p:sld>
 </file>
 
-<file path=ppt/slides/slide13.xml><?xml version="1.0" encoding="utf-8"?>
+<file path=ppt/slides/slide14.xml><?xml version="1.0" encoding="utf-8"?>
 <p:sld xmlns:a="http://schemas.openxmlformats.org/drawingml/2006/main" xmlns:r="http://schemas.openxmlformats.org/officeDocument/2006/relationships" xmlns:p="http://schemas.openxmlformats.org/presentationml/2006/main">
   <p:cSld>
     <p:spTree>
@@ -7520,7 +7766,7 @@
             <a:fld id="{976B8C4A-E01E-49C4-A342-E776841D1431}" type="slidenum">
               <a:rPr lang="pl-PL" smtClean="0"/>
               <a:pPr/>
-              <a:t>13</a:t>
+              <a:t>14</a:t>
             </a:fld>
             <a:endParaRPr lang="pl-PL"/>
           </a:p>
@@ -7538,7 +7784,7 @@
           <a:blip r:embed="rId3" cstate="print">
             <a:extLst>
               <a:ext uri="{28A0092B-C50C-407E-A947-70E740481C1C}">
-                <a14:useLocalDpi xmlns:a14="http://schemas.microsoft.com/office/drawing/2010/main" xmlns="" val="0"/>
+                <a14:useLocalDpi xmlns="" xmlns:a14="http://schemas.microsoft.com/office/drawing/2010/main" val="0"/>
               </a:ext>
             </a:extLst>
           </a:blip>
@@ -7585,7 +7831,7 @@
     </p:spTree>
     <p:extLst>
       <p:ext uri="{BB962C8B-B14F-4D97-AF65-F5344CB8AC3E}">
-        <p14:creationId xmlns:p14="http://schemas.microsoft.com/office/powerpoint/2010/main" xmlns="" val="2808115206"/>
+        <p14:creationId xmlns="" xmlns:p14="http://schemas.microsoft.com/office/powerpoint/2010/main" val="2808115206"/>
       </p:ext>
     </p:extLst>
   </p:cSld>
@@ -7602,7 +7848,7 @@
 </p:sld>
 </file>
 
-<file path=ppt/slides/slide14.xml><?xml version="1.0" encoding="utf-8"?>
+<file path=ppt/slides/slide15.xml><?xml version="1.0" encoding="utf-8"?>
 <p:sld xmlns:a="http://schemas.openxmlformats.org/drawingml/2006/main" xmlns:r="http://schemas.openxmlformats.org/officeDocument/2006/relationships" xmlns:p="http://schemas.openxmlformats.org/presentationml/2006/main">
   <p:cSld>
     <p:spTree>
@@ -7758,7 +8004,7 @@
             <a:fld id="{976B8C4A-E01E-49C4-A342-E776841D1431}" type="slidenum">
               <a:rPr lang="pl-PL" smtClean="0"/>
               <a:pPr/>
-              <a:t>14</a:t>
+              <a:t>15</a:t>
             </a:fld>
             <a:endParaRPr lang="pl-PL"/>
           </a:p>
@@ -7776,7 +8022,7 @@
           <a:blip r:embed="rId3" cstate="print">
             <a:extLst>
               <a:ext uri="{28A0092B-C50C-407E-A947-70E740481C1C}">
-                <a14:useLocalDpi xmlns:a14="http://schemas.microsoft.com/office/drawing/2010/main" xmlns="" val="0"/>
+                <a14:useLocalDpi xmlns="" xmlns:a14="http://schemas.microsoft.com/office/drawing/2010/main" val="0"/>
               </a:ext>
             </a:extLst>
           </a:blip>
@@ -7829,177 +8075,7 @@
     </p:spTree>
     <p:extLst>
       <p:ext uri="{BB962C8B-B14F-4D97-AF65-F5344CB8AC3E}">
-        <p14:creationId xmlns:p14="http://schemas.microsoft.com/office/powerpoint/2010/main" xmlns="" val="2808115206"/>
-      </p:ext>
-    </p:extLst>
-  </p:cSld>
-  <p:clrMapOvr>
-    <a:masterClrMapping/>
-  </p:clrMapOvr>
-  <p:timing>
-    <p:tnLst>
-      <p:par>
-        <p:cTn id="1" dur="indefinite" restart="never" nodeType="tmRoot"/>
-      </p:par>
-    </p:tnLst>
-  </p:timing>
-</p:sld>
-</file>
-
-<file path=ppt/slides/slide15.xml><?xml version="1.0" encoding="utf-8"?>
-<p:sld xmlns:a="http://schemas.openxmlformats.org/drawingml/2006/main" xmlns:r="http://schemas.openxmlformats.org/officeDocument/2006/relationships" xmlns:p="http://schemas.openxmlformats.org/presentationml/2006/main">
-  <p:cSld>
-    <p:spTree>
-      <p:nvGrpSpPr>
-        <p:cNvPr id="1" name=""/>
-        <p:cNvGrpSpPr/>
-        <p:nvPr/>
-      </p:nvGrpSpPr>
-      <p:grpSpPr>
-        <a:xfrm>
-          <a:off x="0" y="0"/>
-          <a:ext cx="0" cy="0"/>
-          <a:chOff x="0" y="0"/>
-          <a:chExt cx="0" cy="0"/>
-        </a:xfrm>
-      </p:grpSpPr>
-      <p:sp>
-        <p:nvSpPr>
-          <p:cNvPr id="2" name="Symbol zastępczy zawartości 1"/>
-          <p:cNvSpPr>
-            <a:spLocks noGrp="1"/>
-          </p:cNvSpPr>
-          <p:nvPr>
-            <p:ph idx="1"/>
-          </p:nvPr>
-        </p:nvSpPr>
-        <p:spPr/>
-        <p:txBody>
-          <a:bodyPr/>
-          <a:lstStyle/>
-          <a:p>
-            <a:r>
-              <a:rPr lang="pl-PL" dirty="0" smtClean="0"/>
-              <a:t>msdn.microsoft.com</a:t>
-            </a:r>
-          </a:p>
-          <a:p>
-            <a:r>
-              <a:rPr lang="pl-PL" dirty="0" err="1" smtClean="0"/>
-              <a:t>blog.ploeh.dk</a:t>
-            </a:r>
-            <a:endParaRPr lang="pl-PL" dirty="0" smtClean="0"/>
-          </a:p>
-          <a:p>
-            <a:r>
-              <a:rPr lang="pl-PL" dirty="0" smtClean="0"/>
-              <a:t>Marcin Lis,</a:t>
-            </a:r>
-            <a:r>
-              <a:rPr lang="pl-PL" i="1" dirty="0" smtClean="0"/>
-              <a:t> C# ćwiczenia, </a:t>
-            </a:r>
-            <a:r>
-              <a:rPr lang="pl-PL" dirty="0" smtClean="0"/>
-              <a:t>Wydawnictwo Helion</a:t>
-            </a:r>
-          </a:p>
-          <a:p>
-            <a:r>
-              <a:rPr lang="pl-PL" dirty="0" smtClean="0"/>
-              <a:t>it.krd.pl</a:t>
-            </a:r>
-          </a:p>
-          <a:p>
-            <a:r>
-              <a:rPr lang="pl-PL" dirty="0" smtClean="0"/>
-              <a:t>dotnetfunda.com </a:t>
-            </a:r>
-            <a:endParaRPr lang="pl-PL" dirty="0"/>
-          </a:p>
-        </p:txBody>
-      </p:sp>
-      <p:sp>
-        <p:nvSpPr>
-          <p:cNvPr id="3" name="Tytuł 2"/>
-          <p:cNvSpPr>
-            <a:spLocks noGrp="1"/>
-          </p:cNvSpPr>
-          <p:nvPr>
-            <p:ph type="title"/>
-          </p:nvPr>
-        </p:nvSpPr>
-        <p:spPr/>
-        <p:txBody>
-          <a:bodyPr/>
-          <a:lstStyle/>
-          <a:p>
-            <a:r>
-              <a:rPr lang="pl-PL" dirty="0" smtClean="0"/>
-              <a:t>Bibliografia</a:t>
-            </a:r>
-            <a:endParaRPr lang="pl-PL" dirty="0"/>
-          </a:p>
-        </p:txBody>
-      </p:sp>
-      <p:sp>
-        <p:nvSpPr>
-          <p:cNvPr id="4" name="Symbol zastępczy numeru slajdu 3"/>
-          <p:cNvSpPr>
-            <a:spLocks noGrp="1"/>
-          </p:cNvSpPr>
-          <p:nvPr>
-            <p:ph type="sldNum" sz="quarter" idx="12"/>
-          </p:nvPr>
-        </p:nvSpPr>
-        <p:spPr/>
-        <p:txBody>
-          <a:bodyPr/>
-          <a:lstStyle/>
-          <a:p>
-            <a:fld id="{976B8C4A-E01E-49C4-A342-E776841D1431}" type="slidenum">
-              <a:rPr lang="pl-PL" smtClean="0"/>
-              <a:pPr/>
-              <a:t>15</a:t>
-            </a:fld>
-            <a:endParaRPr lang="pl-PL"/>
-          </a:p>
-        </p:txBody>
-      </p:sp>
-      <p:pic>
-        <p:nvPicPr>
-          <p:cNvPr id="5" name="Obraz 4"/>
-          <p:cNvPicPr>
-            <a:picLocks noChangeAspect="1"/>
-          </p:cNvPicPr>
-          <p:nvPr/>
-        </p:nvPicPr>
-        <p:blipFill>
-          <a:blip r:embed="rId2" cstate="print">
-            <a:extLst>
-              <a:ext uri="{28A0092B-C50C-407E-A947-70E740481C1C}">
-                <a14:useLocalDpi xmlns:a14="http://schemas.microsoft.com/office/drawing/2010/main" xmlns="" val="0"/>
-              </a:ext>
-            </a:extLst>
-          </a:blip>
-          <a:stretch>
-            <a:fillRect/>
-          </a:stretch>
-        </p:blipFill>
-        <p:spPr>
-          <a:xfrm>
-            <a:off x="179512" y="6165304"/>
-            <a:ext cx="1008112" cy="574214"/>
-          </a:xfrm>
-          <a:prstGeom prst="rect">
-            <a:avLst/>
-          </a:prstGeom>
-        </p:spPr>
-      </p:pic>
-    </p:spTree>
-    <p:extLst>
-      <p:ext uri="{BB962C8B-B14F-4D97-AF65-F5344CB8AC3E}">
-        <p14:creationId xmlns:p14="http://schemas.microsoft.com/office/powerpoint/2010/main" xmlns="" val="3028022006"/>
+        <p14:creationId xmlns="" xmlns:p14="http://schemas.microsoft.com/office/powerpoint/2010/main" val="2808115206"/>
       </p:ext>
     </p:extLst>
   </p:cSld>
@@ -8035,12 +8111,12 @@
       </p:grpSpPr>
       <p:sp>
         <p:nvSpPr>
-          <p:cNvPr id="2" name="Tytuł 1"/>
-          <p:cNvSpPr>
-            <a:spLocks noGrp="1"/>
-          </p:cNvSpPr>
-          <p:nvPr>
-            <p:ph type="ctrTitle"/>
+          <p:cNvPr id="2" name="Symbol zastępczy zawartości 1"/>
+          <p:cNvSpPr>
+            <a:spLocks noGrp="1"/>
+          </p:cNvSpPr>
+          <p:nvPr>
+            <p:ph idx="1"/>
           </p:nvPr>
         </p:nvSpPr>
         <p:spPr/>
@@ -8050,7 +8126,40 @@
           <a:p>
             <a:r>
               <a:rPr lang="pl-PL" dirty="0" smtClean="0"/>
-              <a:t>Pytania ?</a:t>
+              <a:t>msdn.microsoft.com</a:t>
+            </a:r>
+          </a:p>
+          <a:p>
+            <a:r>
+              <a:rPr lang="pl-PL" dirty="0" err="1" smtClean="0"/>
+              <a:t>blog.ploeh.dk</a:t>
+            </a:r>
+            <a:endParaRPr lang="pl-PL" dirty="0" smtClean="0"/>
+          </a:p>
+          <a:p>
+            <a:r>
+              <a:rPr lang="pl-PL" dirty="0" smtClean="0"/>
+              <a:t>Marcin Lis,</a:t>
+            </a:r>
+            <a:r>
+              <a:rPr lang="pl-PL" i="1" dirty="0" smtClean="0"/>
+              <a:t> C# ćwiczenia, </a:t>
+            </a:r>
+            <a:r>
+              <a:rPr lang="pl-PL" dirty="0" smtClean="0"/>
+              <a:t>Wydawnictwo Helion</a:t>
+            </a:r>
+          </a:p>
+          <a:p>
+            <a:r>
+              <a:rPr lang="pl-PL" dirty="0" smtClean="0"/>
+              <a:t>it.krd.pl</a:t>
+            </a:r>
+          </a:p>
+          <a:p>
+            <a:r>
+              <a:rPr lang="pl-PL" dirty="0" smtClean="0"/>
+              <a:t>dotnetfunda.com </a:t>
             </a:r>
             <a:endParaRPr lang="pl-PL" dirty="0"/>
           </a:p>
@@ -8058,12 +8167,12 @@
       </p:sp>
       <p:sp>
         <p:nvSpPr>
-          <p:cNvPr id="3" name="Podtytuł 2"/>
-          <p:cNvSpPr>
-            <a:spLocks noGrp="1"/>
-          </p:cNvSpPr>
-          <p:nvPr>
-            <p:ph type="subTitle" idx="1"/>
+          <p:cNvPr id="3" name="Tytuł 2"/>
+          <p:cNvSpPr>
+            <a:spLocks noGrp="1"/>
+          </p:cNvSpPr>
+          <p:nvPr>
+            <p:ph type="title"/>
           </p:nvPr>
         </p:nvSpPr>
         <p:spPr/>
@@ -8071,13 +8180,41 @@
           <a:bodyPr/>
           <a:lstStyle/>
           <a:p>
+            <a:r>
+              <a:rPr lang="pl-PL" dirty="0" smtClean="0"/>
+              <a:t>Bibliografia</a:t>
+            </a:r>
             <a:endParaRPr lang="pl-PL" dirty="0"/>
+          </a:p>
+        </p:txBody>
+      </p:sp>
+      <p:sp>
+        <p:nvSpPr>
+          <p:cNvPr id="4" name="Symbol zastępczy numeru slajdu 3"/>
+          <p:cNvSpPr>
+            <a:spLocks noGrp="1"/>
+          </p:cNvSpPr>
+          <p:nvPr>
+            <p:ph type="sldNum" sz="quarter" idx="12"/>
+          </p:nvPr>
+        </p:nvSpPr>
+        <p:spPr/>
+        <p:txBody>
+          <a:bodyPr/>
+          <a:lstStyle/>
+          <a:p>
+            <a:fld id="{976B8C4A-E01E-49C4-A342-E776841D1431}" type="slidenum">
+              <a:rPr lang="pl-PL" smtClean="0"/>
+              <a:pPr/>
+              <a:t>16</a:t>
+            </a:fld>
+            <a:endParaRPr lang="pl-PL"/>
           </a:p>
         </p:txBody>
       </p:sp>
       <p:pic>
         <p:nvPicPr>
-          <p:cNvPr id="4" name="Obraz 3"/>
+          <p:cNvPr id="5" name="Obraz 4"/>
           <p:cNvPicPr>
             <a:picLocks noChangeAspect="1"/>
           </p:cNvPicPr>
@@ -8087,7 +8224,7 @@
           <a:blip r:embed="rId2" cstate="print">
             <a:extLst>
               <a:ext uri="{28A0092B-C50C-407E-A947-70E740481C1C}">
-                <a14:useLocalDpi xmlns:a14="http://schemas.microsoft.com/office/drawing/2010/main" xmlns="" val="0"/>
+                <a14:useLocalDpi xmlns="" xmlns:a14="http://schemas.microsoft.com/office/drawing/2010/main" val="0"/>
               </a:ext>
             </a:extLst>
           </a:blip>
@@ -8097,8 +8234,8 @@
         </p:blipFill>
         <p:spPr>
           <a:xfrm>
-            <a:off x="107504" y="5229200"/>
-            <a:ext cx="2664296" cy="1517565"/>
+            <a:off x="179512" y="6165304"/>
+            <a:ext cx="1008112" cy="574214"/>
           </a:xfrm>
           <a:prstGeom prst="rect">
             <a:avLst/>
@@ -8108,7 +8245,7 @@
     </p:spTree>
     <p:extLst>
       <p:ext uri="{BB962C8B-B14F-4D97-AF65-F5344CB8AC3E}">
-        <p14:creationId xmlns:p14="http://schemas.microsoft.com/office/powerpoint/2010/main" xmlns="" val="1895918166"/>
+        <p14:creationId xmlns="" xmlns:p14="http://schemas.microsoft.com/office/powerpoint/2010/main" val="3028022006"/>
       </p:ext>
     </p:extLst>
   </p:cSld>
@@ -8158,14 +8295,8 @@
           <a:lstStyle/>
           <a:p>
             <a:r>
-              <a:rPr lang="pl-PL" dirty="0"/>
-              <a:t>Dziękuję za uwagę </a:t>
-            </a:r>
-            <a:r>
-              <a:rPr lang="pl-PL" dirty="0">
-                <a:sym typeface="Wingdings" panose="05000000000000000000" pitchFamily="2" charset="2"/>
-              </a:rPr>
-              <a:t></a:t>
+              <a:rPr lang="pl-PL" dirty="0" smtClean="0"/>
+              <a:t>Pytania ?</a:t>
             </a:r>
             <a:endParaRPr lang="pl-PL" dirty="0"/>
           </a:p>
@@ -8202,7 +8333,7 @@
           <a:blip r:embed="rId2" cstate="print">
             <a:extLst>
               <a:ext uri="{28A0092B-C50C-407E-A947-70E740481C1C}">
-                <a14:useLocalDpi xmlns:a14="http://schemas.microsoft.com/office/drawing/2010/main" xmlns="" val="0"/>
+                <a14:useLocalDpi xmlns="" xmlns:a14="http://schemas.microsoft.com/office/drawing/2010/main" val="0"/>
               </a:ext>
             </a:extLst>
           </a:blip>
@@ -8223,7 +8354,122 @@
     </p:spTree>
     <p:extLst>
       <p:ext uri="{BB962C8B-B14F-4D97-AF65-F5344CB8AC3E}">
-        <p14:creationId xmlns:p14="http://schemas.microsoft.com/office/powerpoint/2010/main" xmlns="" val="1895918166"/>
+        <p14:creationId xmlns="" xmlns:p14="http://schemas.microsoft.com/office/powerpoint/2010/main" val="1895918166"/>
+      </p:ext>
+    </p:extLst>
+  </p:cSld>
+  <p:clrMapOvr>
+    <a:masterClrMapping/>
+  </p:clrMapOvr>
+  <p:timing>
+    <p:tnLst>
+      <p:par>
+        <p:cTn id="1" dur="indefinite" restart="never" nodeType="tmRoot"/>
+      </p:par>
+    </p:tnLst>
+  </p:timing>
+</p:sld>
+</file>
+
+<file path=ppt/slides/slide18.xml><?xml version="1.0" encoding="utf-8"?>
+<p:sld xmlns:a="http://schemas.openxmlformats.org/drawingml/2006/main" xmlns:r="http://schemas.openxmlformats.org/officeDocument/2006/relationships" xmlns:p="http://schemas.openxmlformats.org/presentationml/2006/main">
+  <p:cSld>
+    <p:spTree>
+      <p:nvGrpSpPr>
+        <p:cNvPr id="1" name=""/>
+        <p:cNvGrpSpPr/>
+        <p:nvPr/>
+      </p:nvGrpSpPr>
+      <p:grpSpPr>
+        <a:xfrm>
+          <a:off x="0" y="0"/>
+          <a:ext cx="0" cy="0"/>
+          <a:chOff x="0" y="0"/>
+          <a:chExt cx="0" cy="0"/>
+        </a:xfrm>
+      </p:grpSpPr>
+      <p:sp>
+        <p:nvSpPr>
+          <p:cNvPr id="2" name="Tytuł 1"/>
+          <p:cNvSpPr>
+            <a:spLocks noGrp="1"/>
+          </p:cNvSpPr>
+          <p:nvPr>
+            <p:ph type="ctrTitle"/>
+          </p:nvPr>
+        </p:nvSpPr>
+        <p:spPr/>
+        <p:txBody>
+          <a:bodyPr/>
+          <a:lstStyle/>
+          <a:p>
+            <a:r>
+              <a:rPr lang="pl-PL" dirty="0"/>
+              <a:t>Dziękuję za uwagę </a:t>
+            </a:r>
+            <a:r>
+              <a:rPr lang="pl-PL" dirty="0">
+                <a:sym typeface="Wingdings" panose="05000000000000000000" pitchFamily="2" charset="2"/>
+              </a:rPr>
+              <a:t></a:t>
+            </a:r>
+            <a:endParaRPr lang="pl-PL" dirty="0"/>
+          </a:p>
+        </p:txBody>
+      </p:sp>
+      <p:sp>
+        <p:nvSpPr>
+          <p:cNvPr id="3" name="Podtytuł 2"/>
+          <p:cNvSpPr>
+            <a:spLocks noGrp="1"/>
+          </p:cNvSpPr>
+          <p:nvPr>
+            <p:ph type="subTitle" idx="1"/>
+          </p:nvPr>
+        </p:nvSpPr>
+        <p:spPr/>
+        <p:txBody>
+          <a:bodyPr/>
+          <a:lstStyle/>
+          <a:p>
+            <a:endParaRPr lang="pl-PL" dirty="0"/>
+          </a:p>
+        </p:txBody>
+      </p:sp>
+      <p:pic>
+        <p:nvPicPr>
+          <p:cNvPr id="4" name="Obraz 3"/>
+          <p:cNvPicPr>
+            <a:picLocks noChangeAspect="1"/>
+          </p:cNvPicPr>
+          <p:nvPr/>
+        </p:nvPicPr>
+        <p:blipFill>
+          <a:blip r:embed="rId2" cstate="print">
+            <a:extLst>
+              <a:ext uri="{28A0092B-C50C-407E-A947-70E740481C1C}">
+                <a14:useLocalDpi xmlns="" xmlns:a14="http://schemas.microsoft.com/office/drawing/2010/main" val="0"/>
+              </a:ext>
+            </a:extLst>
+          </a:blip>
+          <a:stretch>
+            <a:fillRect/>
+          </a:stretch>
+        </p:blipFill>
+        <p:spPr>
+          <a:xfrm>
+            <a:off x="107504" y="5229200"/>
+            <a:ext cx="2664296" cy="1517565"/>
+          </a:xfrm>
+          <a:prstGeom prst="rect">
+            <a:avLst/>
+          </a:prstGeom>
+        </p:spPr>
+      </p:pic>
+    </p:spTree>
+    <p:extLst>
+      <p:ext uri="{BB962C8B-B14F-4D97-AF65-F5344CB8AC3E}">
+        <p14:creationId xmlns="" xmlns:p14="http://schemas.microsoft.com/office/powerpoint/2010/main" val="1895918166"/>
       </p:ext>
     </p:extLst>
   </p:cSld>
@@ -8280,11 +8526,7 @@
             </a:pPr>
             <a:r>
               <a:rPr lang="pl-PL" sz="3200" dirty="0" smtClean="0"/>
-              <a:t>Wprowadzenie </a:t>
-            </a:r>
-            <a:r>
-              <a:rPr lang="pl-PL" sz="3200" dirty="0" smtClean="0"/>
-              <a:t>do </a:t>
+              <a:t>Wprowadzenie do </a:t>
             </a:r>
             <a:r>
               <a:rPr lang="pl-PL" sz="3200" dirty="0" err="1" smtClean="0"/>
@@ -8302,11 +8544,7 @@
             </a:pPr>
             <a:r>
               <a:rPr lang="pl-PL" sz="3200" dirty="0" smtClean="0"/>
-              <a:t>Strategie</a:t>
-            </a:r>
-            <a:r>
-              <a:rPr lang="pl-PL" sz="3200" dirty="0" smtClean="0"/>
-              <a:t>: DB first </a:t>
+              <a:t>Strategie: DB first </a:t>
             </a:r>
             <a:r>
               <a:rPr lang="pl-PL" sz="3200" dirty="0" err="1" smtClean="0"/>
@@ -8340,11 +8578,7 @@
             </a:pPr>
             <a:r>
               <a:rPr lang="pl-PL" sz="3200" dirty="0" smtClean="0"/>
-              <a:t>Prosty </a:t>
-            </a:r>
-            <a:r>
-              <a:rPr lang="pl-PL" sz="3200" dirty="0" smtClean="0"/>
-              <a:t>przykład użycia (</a:t>
+              <a:t>Prosty przykład użycia (</a:t>
             </a:r>
             <a:r>
               <a:rPr lang="pl-PL" sz="3200" dirty="0" err="1" smtClean="0"/>
@@ -8362,11 +8596,7 @@
             </a:pPr>
             <a:r>
               <a:rPr lang="pl-PL" sz="3200" dirty="0" smtClean="0"/>
-              <a:t>Konstruowanie </a:t>
-            </a:r>
-            <a:r>
-              <a:rPr lang="pl-PL" sz="3200" dirty="0" smtClean="0"/>
-              <a:t>zapytań</a:t>
+              <a:t>Konstruowanie zapytań</a:t>
             </a:r>
           </a:p>
           <a:p>
@@ -8380,11 +8610,7 @@
             </a:r>
             <a:r>
               <a:rPr lang="pl-PL" sz="3200" dirty="0" smtClean="0"/>
-              <a:t> </a:t>
-            </a:r>
-            <a:r>
-              <a:rPr lang="pl-PL" sz="3200" dirty="0" smtClean="0"/>
-              <a:t>&amp; </a:t>
+              <a:t> &amp; </a:t>
             </a:r>
             <a:r>
               <a:rPr lang="pl-PL" sz="3200" dirty="0" err="1" smtClean="0"/>
@@ -8399,15 +8625,7 @@
             </a:pPr>
             <a:r>
               <a:rPr lang="pl-PL" sz="3200" dirty="0" smtClean="0"/>
-              <a:t>Migracje</a:t>
-            </a:r>
-            <a:r>
-              <a:rPr lang="pl-PL" sz="3200" dirty="0" smtClean="0"/>
-              <a:t>: automatyczne </a:t>
-            </a:r>
-            <a:r>
-              <a:rPr lang="pl-PL" sz="3200" dirty="0" smtClean="0"/>
-              <a:t/>
+              <a:t>Migracje: automatyczne </a:t>
             </a:r>
             <a:br>
               <a:rPr lang="pl-PL" sz="3200" dirty="0" smtClean="0"/>
@@ -8424,7 +8642,6 @@
               <a:rPr lang="pl-PL" sz="3200" dirty="0" smtClean="0"/>
               <a:t>"</a:t>
             </a:r>
-            <a:endParaRPr lang="pl-PL" sz="3200" dirty="0" smtClean="0"/>
           </a:p>
           <a:p>
             <a:pPr marL="624078" indent="-514350">
@@ -8496,7 +8713,7 @@
           <a:blip r:embed="rId2" cstate="print">
             <a:extLst>
               <a:ext uri="{28A0092B-C50C-407E-A947-70E740481C1C}">
-                <a14:useLocalDpi xmlns:a14="http://schemas.microsoft.com/office/drawing/2010/main" xmlns="" val="0"/>
+                <a14:useLocalDpi xmlns="" xmlns:a14="http://schemas.microsoft.com/office/drawing/2010/main" val="0"/>
               </a:ext>
             </a:extLst>
           </a:blip>
@@ -8517,7 +8734,7 @@
     </p:spTree>
     <p:extLst>
       <p:ext uri="{BB962C8B-B14F-4D97-AF65-F5344CB8AC3E}">
-        <p14:creationId xmlns:p14="http://schemas.microsoft.com/office/powerpoint/2010/main" xmlns="" val="718025446"/>
+        <p14:creationId xmlns="" xmlns:p14="http://schemas.microsoft.com/office/powerpoint/2010/main" val="718025446"/>
       </p:ext>
     </p:extLst>
   </p:cSld>
@@ -8563,73 +8780,46 @@
         </p:nvSpPr>
         <p:spPr/>
         <p:txBody>
+          <a:bodyPr anchor="ctr">
+            <a:normAutofit/>
+          </a:bodyPr>
+          <a:lstStyle/>
+          <a:p>
+            <a:pPr algn="ctr">
+              <a:buNone/>
+            </a:pPr>
+            <a:r>
+              <a:rPr lang="pl-PL" b="1" dirty="0" smtClean="0"/>
+              <a:t>Demo</a:t>
+            </a:r>
+            <a:endParaRPr lang="pl-PL" b="1" dirty="0"/>
+          </a:p>
+        </p:txBody>
+      </p:sp>
+      <p:sp>
+        <p:nvSpPr>
+          <p:cNvPr id="3" name="Tytuł 2"/>
+          <p:cNvSpPr>
+            <a:spLocks noGrp="1"/>
+          </p:cNvSpPr>
+          <p:nvPr>
+            <p:ph type="title"/>
+          </p:nvPr>
+        </p:nvSpPr>
+        <p:spPr/>
+        <p:txBody>
           <a:bodyPr>
             <a:normAutofit/>
           </a:bodyPr>
           <a:lstStyle/>
           <a:p>
-            <a:pPr>
-              <a:buNone/>
-            </a:pPr>
-            <a:endParaRPr lang="pl-PL" b="1" dirty="0"/>
-          </a:p>
-        </p:txBody>
-      </p:sp>
-      <p:sp>
-        <p:nvSpPr>
-          <p:cNvPr id="3" name="Tytuł 2"/>
-          <p:cNvSpPr>
-            <a:spLocks noGrp="1"/>
-          </p:cNvSpPr>
-          <p:nvPr>
-            <p:ph type="title"/>
-          </p:nvPr>
-        </p:nvSpPr>
-        <p:spPr/>
-        <p:txBody>
-          <a:bodyPr>
-            <a:normAutofit fontScale="90000"/>
-          </a:bodyPr>
-          <a:lstStyle/>
-          <a:p>
+            <a:r>
+              <a:rPr lang="pl-PL" sz="4400" dirty="0" err="1" smtClean="0"/>
+              <a:t>Quick</a:t>
+            </a:r>
             <a:r>
               <a:rPr lang="pl-PL" sz="4400" dirty="0" smtClean="0"/>
-              <a:t>DB first </a:t>
-            </a:r>
-            <a:r>
-              <a:rPr lang="pl-PL" sz="4400" dirty="0" err="1" smtClean="0"/>
-              <a:t>vs</a:t>
-            </a:r>
-            <a:r>
-              <a:rPr lang="pl-PL" sz="4400" dirty="0" smtClean="0"/>
-              <a:t> </a:t>
-            </a:r>
-            <a:r>
-              <a:rPr lang="pl-PL" sz="4400" dirty="0" err="1" smtClean="0"/>
-              <a:t>Code</a:t>
-            </a:r>
-            <a:r>
-              <a:rPr lang="pl-PL" sz="4400" dirty="0" smtClean="0"/>
-              <a:t> first </a:t>
-            </a:r>
-            <a:r>
-              <a:rPr lang="pl-PL" sz="4400" dirty="0" smtClean="0"/>
-              <a:t/>
-            </a:r>
-            <a:br>
-              <a:rPr lang="pl-PL" sz="4400" dirty="0" smtClean="0"/>
-            </a:br>
-            <a:r>
-              <a:rPr lang="pl-PL" sz="4400" dirty="0" err="1" smtClean="0"/>
-              <a:t>vs</a:t>
-            </a:r>
-            <a:r>
-              <a:rPr lang="pl-PL" sz="4400" dirty="0" smtClean="0"/>
-              <a:t> </a:t>
-            </a:r>
-            <a:r>
-              <a:rPr lang="pl-PL" sz="4400" dirty="0" smtClean="0"/>
-              <a:t>Model first</a:t>
+              <a:t> start</a:t>
             </a:r>
             <a:endParaRPr lang="pl-PL" dirty="0"/>
           </a:p>
@@ -8671,7 +8861,174 @@
           <a:blip r:embed="rId3" cstate="print">
             <a:extLst>
               <a:ext uri="{28A0092B-C50C-407E-A947-70E740481C1C}">
-                <a14:useLocalDpi xmlns:a14="http://schemas.microsoft.com/office/drawing/2010/main" xmlns="" val="0"/>
+                <a14:useLocalDpi xmlns="" xmlns:a14="http://schemas.microsoft.com/office/drawing/2010/main" val="0"/>
+              </a:ext>
+            </a:extLst>
+          </a:blip>
+          <a:stretch>
+            <a:fillRect/>
+          </a:stretch>
+        </p:blipFill>
+        <p:spPr>
+          <a:xfrm>
+            <a:off x="179512" y="6165304"/>
+            <a:ext cx="1008112" cy="574214"/>
+          </a:xfrm>
+          <a:prstGeom prst="rect">
+            <a:avLst/>
+          </a:prstGeom>
+        </p:spPr>
+      </p:pic>
+    </p:spTree>
+    <p:extLst>
+      <p:ext uri="{BB962C8B-B14F-4D97-AF65-F5344CB8AC3E}">
+        <p14:creationId xmlns="" xmlns:p14="http://schemas.microsoft.com/office/powerpoint/2010/main" val="2808115206"/>
+      </p:ext>
+    </p:extLst>
+  </p:cSld>
+  <p:clrMapOvr>
+    <a:masterClrMapping/>
+  </p:clrMapOvr>
+  <p:timing>
+    <p:tnLst>
+      <p:par>
+        <p:cTn id="1" dur="indefinite" restart="never" nodeType="tmRoot"/>
+      </p:par>
+    </p:tnLst>
+  </p:timing>
+</p:sld>
+</file>
+
+<file path=ppt/slides/slide4.xml><?xml version="1.0" encoding="utf-8"?>
+<p:sld xmlns:a="http://schemas.openxmlformats.org/drawingml/2006/main" xmlns:r="http://schemas.openxmlformats.org/officeDocument/2006/relationships" xmlns:p="http://schemas.openxmlformats.org/presentationml/2006/main">
+  <p:cSld>
+    <p:spTree>
+      <p:nvGrpSpPr>
+        <p:cNvPr id="1" name=""/>
+        <p:cNvGrpSpPr/>
+        <p:nvPr/>
+      </p:nvGrpSpPr>
+      <p:grpSpPr>
+        <a:xfrm>
+          <a:off x="0" y="0"/>
+          <a:ext cx="0" cy="0"/>
+          <a:chOff x="0" y="0"/>
+          <a:chExt cx="0" cy="0"/>
+        </a:xfrm>
+      </p:grpSpPr>
+      <p:sp>
+        <p:nvSpPr>
+          <p:cNvPr id="2" name="Symbol zastępczy zawartości 1"/>
+          <p:cNvSpPr>
+            <a:spLocks noGrp="1"/>
+          </p:cNvSpPr>
+          <p:nvPr>
+            <p:ph idx="1"/>
+          </p:nvPr>
+        </p:nvSpPr>
+        <p:spPr/>
+        <p:txBody>
+          <a:bodyPr>
+            <a:normAutofit/>
+          </a:bodyPr>
+          <a:lstStyle/>
+          <a:p>
+            <a:pPr>
+              <a:buNone/>
+            </a:pPr>
+            <a:endParaRPr lang="pl-PL" b="1" dirty="0"/>
+          </a:p>
+        </p:txBody>
+      </p:sp>
+      <p:sp>
+        <p:nvSpPr>
+          <p:cNvPr id="3" name="Tytuł 2"/>
+          <p:cNvSpPr>
+            <a:spLocks noGrp="1"/>
+          </p:cNvSpPr>
+          <p:nvPr>
+            <p:ph type="title"/>
+          </p:nvPr>
+        </p:nvSpPr>
+        <p:spPr/>
+        <p:txBody>
+          <a:bodyPr>
+            <a:normAutofit fontScale="90000"/>
+          </a:bodyPr>
+          <a:lstStyle/>
+          <a:p>
+            <a:r>
+              <a:rPr lang="pl-PL" sz="4400" dirty="0" smtClean="0"/>
+              <a:t>DB first </a:t>
+            </a:r>
+            <a:r>
+              <a:rPr lang="pl-PL" sz="4400" dirty="0" err="1" smtClean="0"/>
+              <a:t>vs</a:t>
+            </a:r>
+            <a:r>
+              <a:rPr lang="pl-PL" sz="4400" dirty="0" smtClean="0"/>
+              <a:t> </a:t>
+            </a:r>
+            <a:r>
+              <a:rPr lang="pl-PL" sz="4400" dirty="0" err="1" smtClean="0"/>
+              <a:t>Code</a:t>
+            </a:r>
+            <a:r>
+              <a:rPr lang="pl-PL" sz="4400" dirty="0" smtClean="0"/>
+              <a:t> first </a:t>
+            </a:r>
+            <a:br>
+              <a:rPr lang="pl-PL" sz="4400" dirty="0" smtClean="0"/>
+            </a:br>
+            <a:r>
+              <a:rPr lang="pl-PL" sz="4400" dirty="0" err="1" smtClean="0"/>
+              <a:t>vs</a:t>
+            </a:r>
+            <a:r>
+              <a:rPr lang="pl-PL" sz="4400" dirty="0" smtClean="0"/>
+              <a:t> Model first</a:t>
+            </a:r>
+            <a:endParaRPr lang="pl-PL" dirty="0"/>
+          </a:p>
+        </p:txBody>
+      </p:sp>
+      <p:sp>
+        <p:nvSpPr>
+          <p:cNvPr id="4" name="Symbol zastępczy numeru slajdu 3"/>
+          <p:cNvSpPr>
+            <a:spLocks noGrp="1"/>
+          </p:cNvSpPr>
+          <p:nvPr>
+            <p:ph type="sldNum" sz="quarter" idx="12"/>
+          </p:nvPr>
+        </p:nvSpPr>
+        <p:spPr/>
+        <p:txBody>
+          <a:bodyPr/>
+          <a:lstStyle/>
+          <a:p>
+            <a:fld id="{976B8C4A-E01E-49C4-A342-E776841D1431}" type="slidenum">
+              <a:rPr lang="pl-PL" smtClean="0"/>
+              <a:pPr/>
+              <a:t>4</a:t>
+            </a:fld>
+            <a:endParaRPr lang="pl-PL"/>
+          </a:p>
+        </p:txBody>
+      </p:sp>
+      <p:pic>
+        <p:nvPicPr>
+          <p:cNvPr id="5" name="Obraz 4"/>
+          <p:cNvPicPr>
+            <a:picLocks noChangeAspect="1"/>
+          </p:cNvPicPr>
+          <p:nvPr/>
+        </p:nvPicPr>
+        <p:blipFill>
+          <a:blip r:embed="rId3" cstate="print">
+            <a:extLst>
+              <a:ext uri="{28A0092B-C50C-407E-A947-70E740481C1C}">
+                <a14:useLocalDpi xmlns="" xmlns:a14="http://schemas.microsoft.com/office/drawing/2010/main" val="0"/>
               </a:ext>
             </a:extLst>
           </a:blip>
@@ -8724,7 +9081,7 @@
     </p:spTree>
     <p:extLst>
       <p:ext uri="{BB962C8B-B14F-4D97-AF65-F5344CB8AC3E}">
-        <p14:creationId xmlns:p14="http://schemas.microsoft.com/office/powerpoint/2010/main" xmlns="" val="2808115206"/>
+        <p14:creationId xmlns="" xmlns:p14="http://schemas.microsoft.com/office/powerpoint/2010/main" val="2808115206"/>
       </p:ext>
     </p:extLst>
   </p:cSld>
@@ -8741,7 +9098,7 @@
 </p:sld>
 </file>
 
-<file path=ppt/slides/slide4.xml><?xml version="1.0" encoding="utf-8"?>
+<file path=ppt/slides/slide5.xml><?xml version="1.0" encoding="utf-8"?>
 <p:sld xmlns:a="http://schemas.openxmlformats.org/drawingml/2006/main" xmlns:r="http://schemas.openxmlformats.org/officeDocument/2006/relationships" xmlns:p="http://schemas.openxmlformats.org/presentationml/2006/main">
   <p:cSld>
     <p:spTree>
@@ -8819,10 +9176,6 @@
               <a:rPr lang="pl-PL" sz="4400" dirty="0" smtClean="0"/>
               <a:t> first </a:t>
             </a:r>
-            <a:r>
-              <a:rPr lang="pl-PL" sz="4400" dirty="0" smtClean="0"/>
-              <a:t/>
-            </a:r>
             <a:br>
               <a:rPr lang="pl-PL" sz="4400" dirty="0" smtClean="0"/>
             </a:br>
@@ -8832,11 +9185,7 @@
             </a:r>
             <a:r>
               <a:rPr lang="pl-PL" sz="4400" dirty="0" smtClean="0"/>
-              <a:t> </a:t>
-            </a:r>
-            <a:r>
-              <a:rPr lang="pl-PL" sz="4400" dirty="0" smtClean="0"/>
-              <a:t>Model first</a:t>
+              <a:t> Model first</a:t>
             </a:r>
             <a:endParaRPr lang="pl-PL" dirty="0"/>
           </a:p>
@@ -8860,7 +9209,7 @@
             <a:fld id="{976B8C4A-E01E-49C4-A342-E776841D1431}" type="slidenum">
               <a:rPr lang="pl-PL" smtClean="0"/>
               <a:pPr/>
-              <a:t>4</a:t>
+              <a:t>5</a:t>
             </a:fld>
             <a:endParaRPr lang="pl-PL"/>
           </a:p>
@@ -8878,7 +9227,7 @@
           <a:blip r:embed="rId3" cstate="print">
             <a:extLst>
               <a:ext uri="{28A0092B-C50C-407E-A947-70E740481C1C}">
-                <a14:useLocalDpi xmlns:a14="http://schemas.microsoft.com/office/drawing/2010/main" xmlns="" val="0"/>
+                <a14:useLocalDpi xmlns="" xmlns:a14="http://schemas.microsoft.com/office/drawing/2010/main" val="0"/>
               </a:ext>
             </a:extLst>
           </a:blip>
@@ -8931,7 +9280,7 @@
     </p:spTree>
     <p:extLst>
       <p:ext uri="{BB962C8B-B14F-4D97-AF65-F5344CB8AC3E}">
-        <p14:creationId xmlns:p14="http://schemas.microsoft.com/office/powerpoint/2010/main" xmlns="" val="2808115206"/>
+        <p14:creationId xmlns="" xmlns:p14="http://schemas.microsoft.com/office/powerpoint/2010/main" val="2808115206"/>
       </p:ext>
     </p:extLst>
   </p:cSld>
@@ -8948,7 +9297,7 @@
 </p:sld>
 </file>
 
-<file path=ppt/slides/slide5.xml><?xml version="1.0" encoding="utf-8"?>
+<file path=ppt/slides/slide6.xml><?xml version="1.0" encoding="utf-8"?>
 <p:sld xmlns:a="http://schemas.openxmlformats.org/drawingml/2006/main" xmlns:r="http://schemas.openxmlformats.org/officeDocument/2006/relationships" xmlns:p="http://schemas.openxmlformats.org/presentationml/2006/main">
   <p:cSld>
     <p:spTree>
@@ -9026,10 +9375,6 @@
               <a:rPr lang="pl-PL" sz="4400" dirty="0" smtClean="0"/>
               <a:t> first </a:t>
             </a:r>
-            <a:r>
-              <a:rPr lang="pl-PL" sz="4400" dirty="0" smtClean="0"/>
-              <a:t/>
-            </a:r>
             <a:br>
               <a:rPr lang="pl-PL" sz="4400" dirty="0" smtClean="0"/>
             </a:br>
@@ -9039,11 +9384,7 @@
             </a:r>
             <a:r>
               <a:rPr lang="pl-PL" sz="4400" dirty="0" smtClean="0"/>
-              <a:t> </a:t>
-            </a:r>
-            <a:r>
-              <a:rPr lang="pl-PL" sz="4400" dirty="0" smtClean="0"/>
-              <a:t>Model first</a:t>
+              <a:t> Model first</a:t>
             </a:r>
             <a:endParaRPr lang="pl-PL" dirty="0"/>
           </a:p>
@@ -9067,7 +9408,7 @@
             <a:fld id="{976B8C4A-E01E-49C4-A342-E776841D1431}" type="slidenum">
               <a:rPr lang="pl-PL" smtClean="0"/>
               <a:pPr/>
-              <a:t>5</a:t>
+              <a:t>6</a:t>
             </a:fld>
             <a:endParaRPr lang="pl-PL"/>
           </a:p>
@@ -9085,7 +9426,7 @@
           <a:blip r:embed="rId3" cstate="print">
             <a:extLst>
               <a:ext uri="{28A0092B-C50C-407E-A947-70E740481C1C}">
-                <a14:useLocalDpi xmlns:a14="http://schemas.microsoft.com/office/drawing/2010/main" xmlns="" val="0"/>
+                <a14:useLocalDpi xmlns="" xmlns:a14="http://schemas.microsoft.com/office/drawing/2010/main" val="0"/>
               </a:ext>
             </a:extLst>
           </a:blip>
@@ -9138,7 +9479,7 @@
     </p:spTree>
     <p:extLst>
       <p:ext uri="{BB962C8B-B14F-4D97-AF65-F5344CB8AC3E}">
-        <p14:creationId xmlns:p14="http://schemas.microsoft.com/office/powerpoint/2010/main" xmlns="" val="2808115206"/>
+        <p14:creationId xmlns="" xmlns:p14="http://schemas.microsoft.com/office/powerpoint/2010/main" val="2808115206"/>
       </p:ext>
     </p:extLst>
   </p:cSld>
@@ -9155,7 +9496,7 @@
 </p:sld>
 </file>
 
-<file path=ppt/slides/slide6.xml><?xml version="1.0" encoding="utf-8"?>
+<file path=ppt/slides/slide7.xml><?xml version="1.0" encoding="utf-8"?>
 <p:sld xmlns:a="http://schemas.openxmlformats.org/drawingml/2006/main" xmlns:r="http://schemas.openxmlformats.org/officeDocument/2006/relationships" xmlns:p="http://schemas.openxmlformats.org/presentationml/2006/main">
   <p:cSld>
     <p:spTree>
@@ -9239,7 +9580,7 @@
             <a:fld id="{976B8C4A-E01E-49C4-A342-E776841D1431}" type="slidenum">
               <a:rPr lang="pl-PL" smtClean="0"/>
               <a:pPr/>
-              <a:t>6</a:t>
+              <a:t>7</a:t>
             </a:fld>
             <a:endParaRPr lang="pl-PL"/>
           </a:p>
@@ -9257,7 +9598,7 @@
           <a:blip r:embed="rId3" cstate="print">
             <a:extLst>
               <a:ext uri="{28A0092B-C50C-407E-A947-70E740481C1C}">
-                <a14:useLocalDpi xmlns:a14="http://schemas.microsoft.com/office/drawing/2010/main" xmlns="" val="0"/>
+                <a14:useLocalDpi xmlns="" xmlns:a14="http://schemas.microsoft.com/office/drawing/2010/main" val="0"/>
               </a:ext>
             </a:extLst>
           </a:blip>
@@ -9310,7 +9651,7 @@
     </p:spTree>
     <p:extLst>
       <p:ext uri="{BB962C8B-B14F-4D97-AF65-F5344CB8AC3E}">
-        <p14:creationId xmlns:p14="http://schemas.microsoft.com/office/powerpoint/2010/main" xmlns="" val="2808115206"/>
+        <p14:creationId xmlns="" xmlns:p14="http://schemas.microsoft.com/office/powerpoint/2010/main" val="2808115206"/>
       </p:ext>
     </p:extLst>
   </p:cSld>
@@ -9327,7 +9668,7 @@
 </p:sld>
 </file>
 
-<file path=ppt/slides/slide7.xml><?xml version="1.0" encoding="utf-8"?>
+<file path=ppt/slides/slide8.xml><?xml version="1.0" encoding="utf-8"?>
 <p:sld xmlns:a="http://schemas.openxmlformats.org/drawingml/2006/main" xmlns:r="http://schemas.openxmlformats.org/officeDocument/2006/relationships" xmlns:p="http://schemas.openxmlformats.org/presentationml/2006/main">
   <p:cSld>
     <p:spTree>
@@ -9411,7 +9752,7 @@
             <a:fld id="{976B8C4A-E01E-49C4-A342-E776841D1431}" type="slidenum">
               <a:rPr lang="pl-PL" smtClean="0"/>
               <a:pPr/>
-              <a:t>7</a:t>
+              <a:t>8</a:t>
             </a:fld>
             <a:endParaRPr lang="pl-PL"/>
           </a:p>
@@ -9429,7 +9770,7 @@
           <a:blip r:embed="rId3" cstate="print">
             <a:extLst>
               <a:ext uri="{28A0092B-C50C-407E-A947-70E740481C1C}">
-                <a14:useLocalDpi xmlns:a14="http://schemas.microsoft.com/office/drawing/2010/main" xmlns="" val="0"/>
+                <a14:useLocalDpi xmlns="" xmlns:a14="http://schemas.microsoft.com/office/drawing/2010/main" val="0"/>
               </a:ext>
             </a:extLst>
           </a:blip>
@@ -9482,207 +9823,7 @@
     </p:spTree>
     <p:extLst>
       <p:ext uri="{BB962C8B-B14F-4D97-AF65-F5344CB8AC3E}">
-        <p14:creationId xmlns:p14="http://schemas.microsoft.com/office/powerpoint/2010/main" xmlns="" val="2808115206"/>
-      </p:ext>
-    </p:extLst>
-  </p:cSld>
-  <p:clrMapOvr>
-    <a:masterClrMapping/>
-  </p:clrMapOvr>
-  <p:timing>
-    <p:tnLst>
-      <p:par>
-        <p:cTn id="1" dur="indefinite" restart="never" nodeType="tmRoot"/>
-      </p:par>
-    </p:tnLst>
-  </p:timing>
-</p:sld>
-</file>
-
-<file path=ppt/slides/slide8.xml><?xml version="1.0" encoding="utf-8"?>
-<p:sld xmlns:a="http://schemas.openxmlformats.org/drawingml/2006/main" xmlns:r="http://schemas.openxmlformats.org/officeDocument/2006/relationships" xmlns:p="http://schemas.openxmlformats.org/presentationml/2006/main">
-  <p:cSld>
-    <p:spTree>
-      <p:nvGrpSpPr>
-        <p:cNvPr id="1" name=""/>
-        <p:cNvGrpSpPr/>
-        <p:nvPr/>
-      </p:nvGrpSpPr>
-      <p:grpSpPr>
-        <a:xfrm>
-          <a:off x="0" y="0"/>
-          <a:ext cx="0" cy="0"/>
-          <a:chOff x="0" y="0"/>
-          <a:chExt cx="0" cy="0"/>
-        </a:xfrm>
-      </p:grpSpPr>
-      <p:sp>
-        <p:nvSpPr>
-          <p:cNvPr id="2" name="Symbol zastępczy zawartości 1"/>
-          <p:cNvSpPr>
-            <a:spLocks noGrp="1"/>
-          </p:cNvSpPr>
-          <p:nvPr>
-            <p:ph idx="1"/>
-          </p:nvPr>
-        </p:nvSpPr>
-        <p:spPr/>
-        <p:txBody>
-          <a:bodyPr>
-            <a:normAutofit/>
-          </a:bodyPr>
-          <a:lstStyle/>
-          <a:p>
-            <a:r>
-              <a:rPr lang="pl-PL" b="1" dirty="0" err="1" smtClean="0"/>
-              <a:t>IQueryable</a:t>
-            </a:r>
-            <a:endParaRPr lang="pl-PL" b="1" dirty="0" smtClean="0"/>
-          </a:p>
-          <a:p>
-            <a:endParaRPr lang="pl-PL" b="1" dirty="0" smtClean="0"/>
-          </a:p>
-          <a:p>
-            <a:r>
-              <a:rPr lang="pl-PL" b="1" dirty="0" smtClean="0"/>
-              <a:t>Wywołanie zapytania -&gt; materializowanie rezultatu</a:t>
-            </a:r>
-          </a:p>
-          <a:p>
-            <a:pPr lvl="1"/>
-            <a:r>
-              <a:rPr lang="pl-PL" b="1" dirty="0" smtClean="0"/>
-              <a:t>.</a:t>
-            </a:r>
-            <a:r>
-              <a:rPr lang="pl-PL" b="1" dirty="0" err="1" smtClean="0"/>
-              <a:t>ToList</a:t>
-            </a:r>
-            <a:r>
-              <a:rPr lang="pl-PL" b="1" dirty="0" smtClean="0"/>
-              <a:t>(), .</a:t>
-            </a:r>
-            <a:r>
-              <a:rPr lang="pl-PL" b="1" dirty="0" err="1" smtClean="0"/>
-              <a:t>ToArray</a:t>
-            </a:r>
-            <a:r>
-              <a:rPr lang="pl-PL" b="1" dirty="0" smtClean="0"/>
-              <a:t>(), .</a:t>
-            </a:r>
-            <a:r>
-              <a:rPr lang="pl-PL" b="1" dirty="0" err="1" smtClean="0"/>
-              <a:t>FirstOrDefault</a:t>
-            </a:r>
-            <a:r>
-              <a:rPr lang="pl-PL" b="1" dirty="0" smtClean="0"/>
-              <a:t>() etc</a:t>
-            </a:r>
-          </a:p>
-          <a:p>
-            <a:pPr lvl="1"/>
-            <a:r>
-              <a:rPr lang="pl-PL" dirty="0" smtClean="0"/>
-              <a:t>drzewo wyrażenia skojarzone z obiektem </a:t>
-            </a:r>
-            <a:r>
-              <a:rPr lang="pl-PL" dirty="0" err="1" smtClean="0"/>
-              <a:t>IQueryable</a:t>
-            </a:r>
-            <a:r>
-              <a:rPr lang="pl-PL" dirty="0" smtClean="0"/>
-              <a:t> tłumaczone i wykonane</a:t>
-            </a:r>
-            <a:endParaRPr lang="pl-PL" b="1" dirty="0" smtClean="0"/>
-          </a:p>
-          <a:p>
-            <a:endParaRPr lang="pl-PL" b="1" dirty="0"/>
-          </a:p>
-        </p:txBody>
-      </p:sp>
-      <p:sp>
-        <p:nvSpPr>
-          <p:cNvPr id="3" name="Tytuł 2"/>
-          <p:cNvSpPr>
-            <a:spLocks noGrp="1"/>
-          </p:cNvSpPr>
-          <p:nvPr>
-            <p:ph type="title"/>
-          </p:nvPr>
-        </p:nvSpPr>
-        <p:spPr/>
-        <p:txBody>
-          <a:bodyPr>
-            <a:normAutofit/>
-          </a:bodyPr>
-          <a:lstStyle/>
-          <a:p>
-            <a:r>
-              <a:rPr lang="pl-PL" dirty="0" smtClean="0"/>
-              <a:t>Wykonywanie zapytań</a:t>
-            </a:r>
-            <a:endParaRPr lang="pl-PL" dirty="0"/>
-          </a:p>
-        </p:txBody>
-      </p:sp>
-      <p:sp>
-        <p:nvSpPr>
-          <p:cNvPr id="4" name="Symbol zastępczy numeru slajdu 3"/>
-          <p:cNvSpPr>
-            <a:spLocks noGrp="1"/>
-          </p:cNvSpPr>
-          <p:nvPr>
-            <p:ph type="sldNum" sz="quarter" idx="12"/>
-          </p:nvPr>
-        </p:nvSpPr>
-        <p:spPr/>
-        <p:txBody>
-          <a:bodyPr/>
-          <a:lstStyle/>
-          <a:p>
-            <a:fld id="{976B8C4A-E01E-49C4-A342-E776841D1431}" type="slidenum">
-              <a:rPr lang="pl-PL" smtClean="0"/>
-              <a:pPr/>
-              <a:t>8</a:t>
-            </a:fld>
-            <a:endParaRPr lang="pl-PL"/>
-          </a:p>
-        </p:txBody>
-      </p:sp>
-      <p:pic>
-        <p:nvPicPr>
-          <p:cNvPr id="5" name="Obraz 4"/>
-          <p:cNvPicPr>
-            <a:picLocks noChangeAspect="1"/>
-          </p:cNvPicPr>
-          <p:nvPr/>
-        </p:nvPicPr>
-        <p:blipFill>
-          <a:blip r:embed="rId3" cstate="print">
-            <a:extLst>
-              <a:ext uri="{28A0092B-C50C-407E-A947-70E740481C1C}">
-                <a14:useLocalDpi xmlns:a14="http://schemas.microsoft.com/office/drawing/2010/main" xmlns="" val="0"/>
-              </a:ext>
-            </a:extLst>
-          </a:blip>
-          <a:stretch>
-            <a:fillRect/>
-          </a:stretch>
-        </p:blipFill>
-        <p:spPr>
-          <a:xfrm>
-            <a:off x="179512" y="6165304"/>
-            <a:ext cx="1008112" cy="574214"/>
-          </a:xfrm>
-          <a:prstGeom prst="rect">
-            <a:avLst/>
-          </a:prstGeom>
-        </p:spPr>
-      </p:pic>
-    </p:spTree>
-    <p:extLst>
-      <p:ext uri="{BB962C8B-B14F-4D97-AF65-F5344CB8AC3E}">
-        <p14:creationId xmlns:p14="http://schemas.microsoft.com/office/powerpoint/2010/main" xmlns="" val="2808115206"/>
+        <p14:creationId xmlns="" xmlns:p14="http://schemas.microsoft.com/office/powerpoint/2010/main" val="2808115206"/>
       </p:ext>
     </p:extLst>
   </p:cSld>
@@ -9733,9 +9874,69 @@
           </a:bodyPr>
           <a:lstStyle/>
           <a:p>
-            <a:pPr>
-              <a:buNone/>
-            </a:pPr>
+            <a:r>
+              <a:rPr lang="pl-PL" b="1" dirty="0" err="1" smtClean="0"/>
+              <a:t>IQueryable</a:t>
+            </a:r>
+            <a:endParaRPr lang="pl-PL" b="1" dirty="0" smtClean="0"/>
+          </a:p>
+          <a:p>
+            <a:endParaRPr lang="pl-PL" b="1" dirty="0" smtClean="0"/>
+          </a:p>
+          <a:p>
+            <a:r>
+              <a:rPr lang="pl-PL" b="1" dirty="0" smtClean="0"/>
+              <a:t>Wywołanie zapytania -&gt; materializowanie rezultatu</a:t>
+            </a:r>
+          </a:p>
+          <a:p>
+            <a:pPr lvl="1"/>
+            <a:r>
+              <a:rPr lang="pl-PL" b="1" dirty="0" smtClean="0"/>
+              <a:t>.</a:t>
+            </a:r>
+            <a:r>
+              <a:rPr lang="pl-PL" b="1" dirty="0" err="1" smtClean="0"/>
+              <a:t>ToList</a:t>
+            </a:r>
+            <a:r>
+              <a:rPr lang="pl-PL" b="1" dirty="0" smtClean="0"/>
+              <a:t>(), .</a:t>
+            </a:r>
+            <a:r>
+              <a:rPr lang="pl-PL" b="1" dirty="0" err="1" smtClean="0"/>
+              <a:t>ToArray</a:t>
+            </a:r>
+            <a:r>
+              <a:rPr lang="pl-PL" b="1" dirty="0" smtClean="0"/>
+              <a:t>(), .</a:t>
+            </a:r>
+            <a:r>
+              <a:rPr lang="pl-PL" b="1" dirty="0" err="1" smtClean="0"/>
+              <a:t>FirstOrDefault</a:t>
+            </a:r>
+            <a:r>
+              <a:rPr lang="pl-PL" b="1" dirty="0" smtClean="0"/>
+              <a:t>() etc</a:t>
+            </a:r>
+          </a:p>
+          <a:p>
+            <a:pPr lvl="1"/>
+            <a:r>
+              <a:rPr lang="pl-PL" dirty="0" smtClean="0"/>
+              <a:t>drzewo wyrażenia skojarzone z obiektem </a:t>
+            </a:r>
+            <a:r>
+              <a:rPr lang="pl-PL" dirty="0" err="1" smtClean="0"/>
+              <a:t>IQueryable</a:t>
+            </a:r>
+            <a:r>
+              <a:rPr lang="pl-PL" dirty="0" smtClean="0"/>
+              <a:t> tłumaczone i wykonane</a:t>
+            </a:r>
+            <a:endParaRPr lang="pl-PL" b="1" dirty="0" smtClean="0"/>
+          </a:p>
+          <a:p>
             <a:endParaRPr lang="pl-PL" b="1" dirty="0"/>
           </a:p>
         </p:txBody>
@@ -9759,7 +9960,7 @@
           <a:p>
             <a:r>
               <a:rPr lang="pl-PL" dirty="0" smtClean="0"/>
-              <a:t>Śledzenie zmian modelu</a:t>
+              <a:t>Wykonywanie zapytań</a:t>
             </a:r>
             <a:endParaRPr lang="pl-PL" dirty="0"/>
           </a:p>
@@ -9801,7 +10002,7 @@
           <a:blip r:embed="rId3" cstate="print">
             <a:extLst>
               <a:ext uri="{28A0092B-C50C-407E-A947-70E740481C1C}">
-                <a14:useLocalDpi xmlns:a14="http://schemas.microsoft.com/office/drawing/2010/main" xmlns="" val="0"/>
+                <a14:useLocalDpi xmlns="" xmlns:a14="http://schemas.microsoft.com/office/drawing/2010/main" val="0"/>
               </a:ext>
             </a:extLst>
           </a:blip>
@@ -9819,42 +10020,10 @@
           </a:prstGeom>
         </p:spPr>
       </p:pic>
-      <p:pic>
-        <p:nvPicPr>
-          <p:cNvPr id="7170" name="Picture 2"/>
-          <p:cNvPicPr>
-            <a:picLocks noChangeAspect="1" noChangeArrowheads="1"/>
-          </p:cNvPicPr>
-          <p:nvPr/>
-        </p:nvPicPr>
-        <p:blipFill>
-          <a:blip r:embed="rId4" cstate="print"/>
-          <a:srcRect/>
-          <a:stretch>
-            <a:fillRect/>
-          </a:stretch>
-        </p:blipFill>
-        <p:spPr bwMode="auto">
-          <a:xfrm>
-            <a:off x="179512" y="2010527"/>
-            <a:ext cx="8820472" cy="3074657"/>
-          </a:xfrm>
-          <a:prstGeom prst="rect">
-            <a:avLst/>
-          </a:prstGeom>
-          <a:noFill/>
-          <a:ln w="9525">
-            <a:noFill/>
-            <a:miter lim="800000"/>
-            <a:headEnd/>
-            <a:tailEnd/>
-          </a:ln>
-        </p:spPr>
-      </p:pic>
     </p:spTree>
     <p:extLst>
       <p:ext uri="{BB962C8B-B14F-4D97-AF65-F5344CB8AC3E}">
-        <p14:creationId xmlns:p14="http://schemas.microsoft.com/office/powerpoint/2010/main" xmlns="" val="2808115206"/>
+        <p14:creationId xmlns="" xmlns:p14="http://schemas.microsoft.com/office/powerpoint/2010/main" val="2808115206"/>
       </p:ext>
     </p:extLst>
   </p:cSld>

--- a/ItKrd_EF.pptx
+++ b/ItKrd_EF.pptx
@@ -1180,7 +1180,7 @@
               <a:buNone/>
             </a:pPr>
             <a:r>
-              <a:rPr lang="pl-PL" baseline="0" smtClean="0"/>
+              <a:rPr lang="pl-PL" baseline="0" dirty="0" smtClean="0"/>
               <a:t>s</a:t>
             </a:r>
             <a:endParaRPr lang="pl-PL" baseline="0" dirty="0" smtClean="0"/>
@@ -8124,43 +8124,6 @@
           <a:bodyPr/>
           <a:lstStyle/>
           <a:p>
-            <a:r>
-              <a:rPr lang="pl-PL" dirty="0" smtClean="0"/>
-              <a:t>msdn.microsoft.com</a:t>
-            </a:r>
-          </a:p>
-          <a:p>
-            <a:r>
-              <a:rPr lang="pl-PL" dirty="0" err="1" smtClean="0"/>
-              <a:t>blog.ploeh.dk</a:t>
-            </a:r>
-            <a:endParaRPr lang="pl-PL" dirty="0" smtClean="0"/>
-          </a:p>
-          <a:p>
-            <a:r>
-              <a:rPr lang="pl-PL" dirty="0" smtClean="0"/>
-              <a:t>Marcin Lis,</a:t>
-            </a:r>
-            <a:r>
-              <a:rPr lang="pl-PL" i="1" dirty="0" smtClean="0"/>
-              <a:t> C# ćwiczenia, </a:t>
-            </a:r>
-            <a:r>
-              <a:rPr lang="pl-PL" dirty="0" smtClean="0"/>
-              <a:t>Wydawnictwo Helion</a:t>
-            </a:r>
-          </a:p>
-          <a:p>
-            <a:r>
-              <a:rPr lang="pl-PL" dirty="0" smtClean="0"/>
-              <a:t>it.krd.pl</a:t>
-            </a:r>
-          </a:p>
-          <a:p>
-            <a:r>
-              <a:rPr lang="pl-PL" dirty="0" smtClean="0"/>
-              <a:t>dotnetfunda.com </a:t>
-            </a:r>
             <a:endParaRPr lang="pl-PL" dirty="0"/>
           </a:p>
         </p:txBody>

--- a/ItKrd_EF.pptx
+++ b/ItKrd_EF.pptx
@@ -5,7 +5,7 @@
     <p:sldMasterId id="2147483672" r:id="rId1"/>
   </p:sldMasterIdLst>
   <p:notesMasterIdLst>
-    <p:notesMasterId r:id="rId20"/>
+    <p:notesMasterId r:id="rId22"/>
   </p:notesMasterIdLst>
   <p:sldIdLst>
     <p:sldId id="259" r:id="rId2"/>
@@ -23,9 +23,11 @@
     <p:sldId id="347" r:id="rId14"/>
     <p:sldId id="338" r:id="rId15"/>
     <p:sldId id="348" r:id="rId16"/>
-    <p:sldId id="273" r:id="rId17"/>
-    <p:sldId id="265" r:id="rId18"/>
-    <p:sldId id="312" r:id="rId19"/>
+    <p:sldId id="350" r:id="rId17"/>
+    <p:sldId id="351" r:id="rId18"/>
+    <p:sldId id="273" r:id="rId19"/>
+    <p:sldId id="265" r:id="rId20"/>
+    <p:sldId id="312" r:id="rId21"/>
   </p:sldIdLst>
   <p:sldSz cx="9144000" cy="6858000" type="screen4x3"/>
   <p:notesSz cx="6858000" cy="9144000"/>
@@ -126,80 +128,29 @@
   </p:defaultTextStyle>
   <p:extLst>
     <p:ext uri="{521415D9-36F7-43E2-AB2F-B90AF26B5E84}">
-      <p14:sectionLst xmlns="" xmlns:p14="http://schemas.microsoft.com/office/powerpoint/2010/main">
+      <p14:sectionLst xmlns:p14="http://schemas.microsoft.com/office/powerpoint/2010/main">
         <p14:section name="Sekcja domyślna" id="{3BC6E1D2-328C-41CB-9057-F3B961AC0247}">
-          <p14:sldIdLst>
-            <p14:sldId id="260"/>
-          </p14:sldIdLst>
+          <p14:sldIdLst/>
         </p14:section>
         <p14:section name="Sekcja bez tytułu" id="{3612DAF5-04E4-481C-BD0D-E55C0F3EC07C}">
           <p14:sldIdLst>
             <p14:sldId id="259"/>
             <p14:sldId id="261"/>
-            <p14:sldId id="266"/>
-            <p14:sldId id="297"/>
-            <p14:sldId id="298"/>
-            <p14:sldId id="296"/>
-            <p14:sldId id="295"/>
-            <p14:sldId id="288"/>
-            <p14:sldId id="287"/>
-            <p14:sldId id="299"/>
-            <p14:sldId id="289"/>
-            <p14:sldId id="290"/>
-            <p14:sldId id="291"/>
-            <p14:sldId id="300"/>
-            <p14:sldId id="301"/>
-            <p14:sldId id="302"/>
-            <p14:sldId id="303"/>
-            <p14:sldId id="304"/>
-            <p14:sldId id="292"/>
-            <p14:sldId id="285"/>
-            <p14:sldId id="284"/>
-            <p14:sldId id="293"/>
-            <p14:sldId id="283"/>
-            <p14:sldId id="270"/>
-            <p14:sldId id="267"/>
-            <p14:sldId id="268"/>
-            <p14:sldId id="274"/>
-            <p14:sldId id="271"/>
-            <p14:sldId id="272"/>
-            <p14:sldId id="276"/>
-            <p14:sldId id="275"/>
-            <p14:sldId id="277"/>
-            <p14:sldId id="278"/>
-            <p14:sldId id="279"/>
-            <p14:sldId id="280"/>
-            <p14:sldId id="281"/>
-            <p14:sldId id="282"/>
-            <p14:sldId id="294"/>
-            <p14:sldId id="316"/>
-            <p14:sldId id="317"/>
-            <p14:sldId id="319"/>
-            <p14:sldId id="320"/>
-            <p14:sldId id="321"/>
-            <p14:sldId id="322"/>
-            <p14:sldId id="318"/>
-            <p14:sldId id="323"/>
-            <p14:sldId id="324"/>
-            <p14:sldId id="325"/>
-            <p14:sldId id="326"/>
-            <p14:sldId id="328"/>
-            <p14:sldId id="330"/>
-            <p14:sldId id="307"/>
-            <p14:sldId id="329"/>
-            <p14:sldId id="331"/>
-            <p14:sldId id="333"/>
-            <p14:sldId id="332"/>
-            <p14:sldId id="334"/>
-            <p14:sldId id="327"/>
-            <p14:sldId id="335"/>
-            <p14:sldId id="309"/>
-            <p14:sldId id="308"/>
-            <p14:sldId id="310"/>
-            <p14:sldId id="311"/>
-            <p14:sldId id="313"/>
-            <p14:sldId id="314"/>
-            <p14:sldId id="315"/>
+            <p14:sldId id="341"/>
+            <p14:sldId id="349"/>
+            <p14:sldId id="346"/>
+            <p14:sldId id="345"/>
+            <p14:sldId id="344"/>
+            <p14:sldId id="342"/>
+            <p14:sldId id="343"/>
+            <p14:sldId id="337"/>
+            <p14:sldId id="339"/>
+            <p14:sldId id="340"/>
+            <p14:sldId id="347"/>
+            <p14:sldId id="338"/>
+            <p14:sldId id="348"/>
+            <p14:sldId id="350"/>
+            <p14:sldId id="351"/>
             <p14:sldId id="273"/>
             <p14:sldId id="265"/>
             <p14:sldId id="312"/>
@@ -294,7 +245,7 @@
             <a:fld id="{BA253BF4-6D38-4006-9F12-A6653E7283E6}" type="datetimeFigureOut">
               <a:rPr lang="pl-PL" smtClean="0"/>
               <a:pPr/>
-              <a:t>2018-06-12</a:t>
+              <a:t>13.06.2018</a:t>
             </a:fld>
             <a:endParaRPr lang="pl-PL"/>
           </a:p>
@@ -463,7 +414,7 @@
     </p:spTree>
     <p:extLst>
       <p:ext uri="{BB962C8B-B14F-4D97-AF65-F5344CB8AC3E}">
-        <p14:creationId xmlns="" xmlns:p14="http://schemas.microsoft.com/office/powerpoint/2010/main" val="369149221"/>
+        <p14:creationId xmlns:p14="http://schemas.microsoft.com/office/powerpoint/2010/main" val="369149221"/>
       </p:ext>
     </p:extLst>
   </p:cSld>
@@ -638,7 +589,7 @@
     </p:spTree>
     <p:extLst>
       <p:ext uri="{BB962C8B-B14F-4D97-AF65-F5344CB8AC3E}">
-        <p14:creationId xmlns="" xmlns:p14="http://schemas.microsoft.com/office/powerpoint/2010/main" val="1294036258"/>
+        <p14:creationId xmlns:p14="http://schemas.microsoft.com/office/powerpoint/2010/main" val="1294036258"/>
       </p:ext>
     </p:extLst>
   </p:cSld>
@@ -1129,6 +1080,178 @@
 </p:notes>
 </file>
 
+<file path=ppt/notesSlides/notesSlide15.xml><?xml version="1.0" encoding="utf-8"?>
+<p:notes xmlns:a="http://schemas.openxmlformats.org/drawingml/2006/main" xmlns:r="http://schemas.openxmlformats.org/officeDocument/2006/relationships" xmlns:p="http://schemas.openxmlformats.org/presentationml/2006/main">
+  <p:cSld>
+    <p:spTree>
+      <p:nvGrpSpPr>
+        <p:cNvPr id="1" name=""/>
+        <p:cNvGrpSpPr/>
+        <p:nvPr/>
+      </p:nvGrpSpPr>
+      <p:grpSpPr>
+        <a:xfrm>
+          <a:off x="0" y="0"/>
+          <a:ext cx="0" cy="0"/>
+          <a:chOff x="0" y="0"/>
+          <a:chExt cx="0" cy="0"/>
+        </a:xfrm>
+      </p:grpSpPr>
+      <p:sp>
+        <p:nvSpPr>
+          <p:cNvPr id="2" name="Symbol zastępczy obrazu slajdu 1"/>
+          <p:cNvSpPr>
+            <a:spLocks noGrp="1" noRot="1" noChangeAspect="1"/>
+          </p:cNvSpPr>
+          <p:nvPr>
+            <p:ph type="sldImg"/>
+          </p:nvPr>
+        </p:nvSpPr>
+        <p:spPr/>
+      </p:sp>
+      <p:sp>
+        <p:nvSpPr>
+          <p:cNvPr id="3" name="Symbol zastępczy notatek 2"/>
+          <p:cNvSpPr>
+            <a:spLocks noGrp="1"/>
+          </p:cNvSpPr>
+          <p:nvPr>
+            <p:ph type="body" idx="1"/>
+          </p:nvPr>
+        </p:nvSpPr>
+        <p:spPr/>
+        <p:txBody>
+          <a:bodyPr>
+            <a:normAutofit/>
+          </a:bodyPr>
+          <a:lstStyle/>
+          <a:p>
+            <a:pPr>
+              <a:buFontTx/>
+              <a:buNone/>
+            </a:pPr>
+            <a:endParaRPr lang="pl-PL" baseline="0" dirty="0" smtClean="0"/>
+          </a:p>
+        </p:txBody>
+      </p:sp>
+      <p:sp>
+        <p:nvSpPr>
+          <p:cNvPr id="4" name="Symbol zastępczy numeru slajdu 3"/>
+          <p:cNvSpPr>
+            <a:spLocks noGrp="1"/>
+          </p:cNvSpPr>
+          <p:nvPr>
+            <p:ph type="sldNum" sz="quarter" idx="10"/>
+          </p:nvPr>
+        </p:nvSpPr>
+        <p:spPr/>
+        <p:txBody>
+          <a:bodyPr/>
+          <a:lstStyle/>
+          <a:p>
+            <a:fld id="{70356EB1-0873-493D-B649-9A936806DB67}" type="slidenum">
+              <a:rPr lang="pl-PL" smtClean="0"/>
+              <a:pPr/>
+              <a:t>16</a:t>
+            </a:fld>
+            <a:endParaRPr lang="pl-PL"/>
+          </a:p>
+        </p:txBody>
+      </p:sp>
+    </p:spTree>
+  </p:cSld>
+  <p:clrMapOvr>
+    <a:masterClrMapping/>
+  </p:clrMapOvr>
+</p:notes>
+</file>
+
+<file path=ppt/notesSlides/notesSlide16.xml><?xml version="1.0" encoding="utf-8"?>
+<p:notes xmlns:a="http://schemas.openxmlformats.org/drawingml/2006/main" xmlns:r="http://schemas.openxmlformats.org/officeDocument/2006/relationships" xmlns:p="http://schemas.openxmlformats.org/presentationml/2006/main">
+  <p:cSld>
+    <p:spTree>
+      <p:nvGrpSpPr>
+        <p:cNvPr id="1" name=""/>
+        <p:cNvGrpSpPr/>
+        <p:nvPr/>
+      </p:nvGrpSpPr>
+      <p:grpSpPr>
+        <a:xfrm>
+          <a:off x="0" y="0"/>
+          <a:ext cx="0" cy="0"/>
+          <a:chOff x="0" y="0"/>
+          <a:chExt cx="0" cy="0"/>
+        </a:xfrm>
+      </p:grpSpPr>
+      <p:sp>
+        <p:nvSpPr>
+          <p:cNvPr id="2" name="Symbol zastępczy obrazu slajdu 1"/>
+          <p:cNvSpPr>
+            <a:spLocks noGrp="1" noRot="1" noChangeAspect="1"/>
+          </p:cNvSpPr>
+          <p:nvPr>
+            <p:ph type="sldImg"/>
+          </p:nvPr>
+        </p:nvSpPr>
+        <p:spPr/>
+      </p:sp>
+      <p:sp>
+        <p:nvSpPr>
+          <p:cNvPr id="3" name="Symbol zastępczy notatek 2"/>
+          <p:cNvSpPr>
+            <a:spLocks noGrp="1"/>
+          </p:cNvSpPr>
+          <p:nvPr>
+            <p:ph type="body" idx="1"/>
+          </p:nvPr>
+        </p:nvSpPr>
+        <p:spPr/>
+        <p:txBody>
+          <a:bodyPr>
+            <a:normAutofit/>
+          </a:bodyPr>
+          <a:lstStyle/>
+          <a:p>
+            <a:pPr>
+              <a:buFontTx/>
+              <a:buNone/>
+            </a:pPr>
+            <a:endParaRPr lang="pl-PL" baseline="0" dirty="0" smtClean="0"/>
+          </a:p>
+        </p:txBody>
+      </p:sp>
+      <p:sp>
+        <p:nvSpPr>
+          <p:cNvPr id="4" name="Symbol zastępczy numeru slajdu 3"/>
+          <p:cNvSpPr>
+            <a:spLocks noGrp="1"/>
+          </p:cNvSpPr>
+          <p:nvPr>
+            <p:ph type="sldNum" sz="quarter" idx="10"/>
+          </p:nvPr>
+        </p:nvSpPr>
+        <p:spPr/>
+        <p:txBody>
+          <a:bodyPr/>
+          <a:lstStyle/>
+          <a:p>
+            <a:fld id="{70356EB1-0873-493D-B649-9A936806DB67}" type="slidenum">
+              <a:rPr lang="pl-PL" smtClean="0"/>
+              <a:pPr/>
+              <a:t>17</a:t>
+            </a:fld>
+            <a:endParaRPr lang="pl-PL"/>
+          </a:p>
+        </p:txBody>
+      </p:sp>
+    </p:spTree>
+  </p:cSld>
+  <p:clrMapOvr>
+    <a:masterClrMapping/>
+  </p:clrMapOvr>
+</p:notes>
+</file>
+
 <file path=ppt/notesSlides/notesSlide2.xml><?xml version="1.0" encoding="utf-8"?>
 <p:notes xmlns:a="http://schemas.openxmlformats.org/drawingml/2006/main" xmlns:r="http://schemas.openxmlformats.org/officeDocument/2006/relationships" xmlns:p="http://schemas.openxmlformats.org/presentationml/2006/main">
   <p:cSld>
@@ -1183,7 +1306,6 @@
               <a:rPr lang="pl-PL" baseline="0" dirty="0" smtClean="0"/>
               <a:t>s</a:t>
             </a:r>
-            <a:endParaRPr lang="pl-PL" baseline="0" dirty="0" smtClean="0"/>
           </a:p>
         </p:txBody>
       </p:sp>
@@ -2532,7 +2654,7 @@
             <a:fld id="{799B1624-8819-4D6B-919D-578434B16426}" type="datetime1">
               <a:rPr lang="pl-PL" smtClean="0"/>
               <a:pPr/>
-              <a:t>2018-06-12</a:t>
+              <a:t>13.06.2018</a:t>
             </a:fld>
             <a:endParaRPr lang="pl-PL"/>
           </a:p>
@@ -2730,7 +2852,7 @@
             <a:fld id="{601446BC-F8B9-47CB-AFC3-DE6DE2F0F6B3}" type="datetime1">
               <a:rPr lang="pl-PL" smtClean="0"/>
               <a:pPr/>
-              <a:t>2018-06-12</a:t>
+              <a:t>13.06.2018</a:t>
             </a:fld>
             <a:endParaRPr lang="pl-PL"/>
           </a:p>
@@ -2917,7 +3039,7 @@
             <a:fld id="{1B7B9A85-6194-450B-A4EC-90260B3BB407}" type="datetime1">
               <a:rPr lang="pl-PL" smtClean="0"/>
               <a:pPr/>
-              <a:t>2018-06-12</a:t>
+              <a:t>13.06.2018</a:t>
             </a:fld>
             <a:endParaRPr lang="pl-PL"/>
           </a:p>
@@ -3069,7 +3191,7 @@
             <a:fld id="{920BE0C5-60E3-4117-8638-1F1C468BA7A2}" type="datetime1">
               <a:rPr lang="pl-PL" smtClean="0"/>
               <a:pPr/>
-              <a:t>2018-06-12</a:t>
+              <a:t>13.06.2018</a:t>
             </a:fld>
             <a:endParaRPr lang="pl-PL"/>
           </a:p>
@@ -3326,7 +3448,7 @@
             <a:fld id="{D0626FED-AB84-4C32-8595-BD4872B9C791}" type="datetime1">
               <a:rPr lang="pl-PL" smtClean="0"/>
               <a:pPr/>
-              <a:t>2018-06-12</a:t>
+              <a:t>13.06.2018</a:t>
             </a:fld>
             <a:endParaRPr lang="pl-PL"/>
           </a:p>
@@ -3737,7 +3859,7 @@
             <a:fld id="{A6995F53-04EE-4A67-9EED-8FE911D5C70A}" type="datetime1">
               <a:rPr lang="pl-PL" smtClean="0"/>
               <a:pPr/>
-              <a:t>2018-06-12</a:t>
+              <a:t>13.06.2018</a:t>
             </a:fld>
             <a:endParaRPr lang="pl-PL"/>
           </a:p>
@@ -4185,7 +4307,7 @@
             <a:fld id="{D19A3F59-6A1D-465C-9AB9-069469750EA2}" type="datetime1">
               <a:rPr lang="pl-PL" smtClean="0"/>
               <a:pPr/>
-              <a:t>2018-06-12</a:t>
+              <a:t>13.06.2018</a:t>
             </a:fld>
             <a:endParaRPr lang="pl-PL"/>
           </a:p>
@@ -4288,7 +4410,7 @@
             <a:fld id="{7191BA32-4892-4059-9D23-7C2D66D8892A}" type="datetime1">
               <a:rPr lang="pl-PL" smtClean="0"/>
               <a:pPr/>
-              <a:t>2018-06-12</a:t>
+              <a:t>13.06.2018</a:t>
             </a:fld>
             <a:endParaRPr lang="pl-PL"/>
           </a:p>
@@ -4411,7 +4533,7 @@
             <a:fld id="{57B7B363-005F-4AA1-B9EB-7CD1AD716AB0}" type="datetime1">
               <a:rPr lang="pl-PL" smtClean="0"/>
               <a:pPr/>
-              <a:t>2018-06-12</a:t>
+              <a:t>13.06.2018</a:t>
             </a:fld>
             <a:endParaRPr lang="pl-PL"/>
           </a:p>
@@ -4687,7 +4809,7 @@
             <a:fld id="{3A16DBD4-665A-4F4F-9874-79722C57D8D3}" type="datetime1">
               <a:rPr lang="pl-PL" smtClean="0"/>
               <a:pPr/>
-              <a:t>2018-06-12</a:t>
+              <a:t>13.06.2018</a:t>
             </a:fld>
             <a:endParaRPr lang="pl-PL"/>
           </a:p>
@@ -4894,7 +5016,7 @@
             <a:fld id="{090F78FD-E44B-4298-ADA0-48A742E66713}" type="datetime1">
               <a:rPr lang="pl-PL" smtClean="0"/>
               <a:pPr/>
-              <a:t>2018-06-12</a:t>
+              <a:t>13.06.2018</a:t>
             </a:fld>
             <a:endParaRPr lang="pl-PL"/>
           </a:p>
@@ -6005,7 +6127,7 @@
             <a:fld id="{E776A798-8808-471E-95CD-3CC8125631CF}" type="datetime1">
               <a:rPr lang="pl-PL" smtClean="0"/>
               <a:pPr/>
-              <a:t>2018-06-12</a:t>
+              <a:t>13.06.2018</a:t>
             </a:fld>
             <a:endParaRPr lang="pl-PL"/>
           </a:p>
@@ -6474,7 +6596,7 @@
           <a:blip r:embed="rId3" cstate="print">
             <a:extLst>
               <a:ext uri="{28A0092B-C50C-407E-A947-70E740481C1C}">
-                <a14:useLocalDpi xmlns="" xmlns:a14="http://schemas.microsoft.com/office/drawing/2010/main" val="0"/>
+                <a14:useLocalDpi xmlns:a14="http://schemas.microsoft.com/office/drawing/2010/main" val="0"/>
               </a:ext>
             </a:extLst>
           </a:blip>
@@ -6526,7 +6648,7 @@
     </p:spTree>
     <p:extLst>
       <p:ext uri="{BB962C8B-B14F-4D97-AF65-F5344CB8AC3E}">
-        <p14:creationId xmlns="" xmlns:p14="http://schemas.microsoft.com/office/powerpoint/2010/main" val="3157427889"/>
+        <p14:creationId xmlns:p14="http://schemas.microsoft.com/office/powerpoint/2010/main" val="3157427889"/>
       </p:ext>
     </p:extLst>
   </p:cSld>
@@ -6645,7 +6767,7 @@
           <a:blip r:embed="rId3" cstate="print">
             <a:extLst>
               <a:ext uri="{28A0092B-C50C-407E-A947-70E740481C1C}">
-                <a14:useLocalDpi xmlns="" xmlns:a14="http://schemas.microsoft.com/office/drawing/2010/main" val="0"/>
+                <a14:useLocalDpi xmlns:a14="http://schemas.microsoft.com/office/drawing/2010/main" val="0"/>
               </a:ext>
             </a:extLst>
           </a:blip>
@@ -6698,7 +6820,7 @@
     </p:spTree>
     <p:extLst>
       <p:ext uri="{BB962C8B-B14F-4D97-AF65-F5344CB8AC3E}">
-        <p14:creationId xmlns="" xmlns:p14="http://schemas.microsoft.com/office/powerpoint/2010/main" val="2808115206"/>
+        <p14:creationId xmlns:p14="http://schemas.microsoft.com/office/powerpoint/2010/main" val="2808115206"/>
       </p:ext>
     </p:extLst>
   </p:cSld>
@@ -7295,7 +7417,7 @@
           <a:blip r:embed="rId3" cstate="print">
             <a:extLst>
               <a:ext uri="{28A0092B-C50C-407E-A947-70E740481C1C}">
-                <a14:useLocalDpi xmlns="" xmlns:a14="http://schemas.microsoft.com/office/drawing/2010/main" val="0"/>
+                <a14:useLocalDpi xmlns:a14="http://schemas.microsoft.com/office/drawing/2010/main" val="0"/>
               </a:ext>
             </a:extLst>
           </a:blip>
@@ -7316,7 +7438,7 @@
     </p:spTree>
     <p:extLst>
       <p:ext uri="{BB962C8B-B14F-4D97-AF65-F5344CB8AC3E}">
-        <p14:creationId xmlns="" xmlns:p14="http://schemas.microsoft.com/office/powerpoint/2010/main" val="2808115206"/>
+        <p14:creationId xmlns:p14="http://schemas.microsoft.com/office/powerpoint/2010/main" val="2808115206"/>
       </p:ext>
     </p:extLst>
   </p:cSld>
@@ -7475,7 +7597,7 @@
           <a:blip r:embed="rId3" cstate="print">
             <a:extLst>
               <a:ext uri="{28A0092B-C50C-407E-A947-70E740481C1C}">
-                <a14:useLocalDpi xmlns="" xmlns:a14="http://schemas.microsoft.com/office/drawing/2010/main" val="0"/>
+                <a14:useLocalDpi xmlns:a14="http://schemas.microsoft.com/office/drawing/2010/main" val="0"/>
               </a:ext>
             </a:extLst>
           </a:blip>
@@ -7496,7 +7618,7 @@
     </p:spTree>
     <p:extLst>
       <p:ext uri="{BB962C8B-B14F-4D97-AF65-F5344CB8AC3E}">
-        <p14:creationId xmlns="" xmlns:p14="http://schemas.microsoft.com/office/powerpoint/2010/main" val="2808115206"/>
+        <p14:creationId xmlns:p14="http://schemas.microsoft.com/office/powerpoint/2010/main" val="2808115206"/>
       </p:ext>
     </p:extLst>
   </p:cSld>
@@ -7615,7 +7737,7 @@
           <a:blip r:embed="rId3" cstate="print">
             <a:extLst>
               <a:ext uri="{28A0092B-C50C-407E-A947-70E740481C1C}">
-                <a14:useLocalDpi xmlns="" xmlns:a14="http://schemas.microsoft.com/office/drawing/2010/main" val="0"/>
+                <a14:useLocalDpi xmlns:a14="http://schemas.microsoft.com/office/drawing/2010/main" val="0"/>
               </a:ext>
             </a:extLst>
           </a:blip>
@@ -7668,7 +7790,7 @@
     </p:spTree>
     <p:extLst>
       <p:ext uri="{BB962C8B-B14F-4D97-AF65-F5344CB8AC3E}">
-        <p14:creationId xmlns="" xmlns:p14="http://schemas.microsoft.com/office/powerpoint/2010/main" val="2808115206"/>
+        <p14:creationId xmlns:p14="http://schemas.microsoft.com/office/powerpoint/2010/main" val="2808115206"/>
       </p:ext>
     </p:extLst>
   </p:cSld>
@@ -7784,7 +7906,7 @@
           <a:blip r:embed="rId3" cstate="print">
             <a:extLst>
               <a:ext uri="{28A0092B-C50C-407E-A947-70E740481C1C}">
-                <a14:useLocalDpi xmlns="" xmlns:a14="http://schemas.microsoft.com/office/drawing/2010/main" val="0"/>
+                <a14:useLocalDpi xmlns:a14="http://schemas.microsoft.com/office/drawing/2010/main" val="0"/>
               </a:ext>
             </a:extLst>
           </a:blip>
@@ -7831,7 +7953,7 @@
     </p:spTree>
     <p:extLst>
       <p:ext uri="{BB962C8B-B14F-4D97-AF65-F5344CB8AC3E}">
-        <p14:creationId xmlns="" xmlns:p14="http://schemas.microsoft.com/office/powerpoint/2010/main" val="2808115206"/>
+        <p14:creationId xmlns:p14="http://schemas.microsoft.com/office/powerpoint/2010/main" val="2808115206"/>
       </p:ext>
     </p:extLst>
   </p:cSld>
@@ -8022,7 +8144,7 @@
           <a:blip r:embed="rId3" cstate="print">
             <a:extLst>
               <a:ext uri="{28A0092B-C50C-407E-A947-70E740481C1C}">
-                <a14:useLocalDpi xmlns="" xmlns:a14="http://schemas.microsoft.com/office/drawing/2010/main" val="0"/>
+                <a14:useLocalDpi xmlns:a14="http://schemas.microsoft.com/office/drawing/2010/main" val="0"/>
               </a:ext>
             </a:extLst>
           </a:blip>
@@ -8075,7 +8197,7 @@
     </p:spTree>
     <p:extLst>
       <p:ext uri="{BB962C8B-B14F-4D97-AF65-F5344CB8AC3E}">
-        <p14:creationId xmlns="" xmlns:p14="http://schemas.microsoft.com/office/powerpoint/2010/main" val="2808115206"/>
+        <p14:creationId xmlns:p14="http://schemas.microsoft.com/office/powerpoint/2010/main" val="2808115206"/>
       </p:ext>
     </p:extLst>
   </p:cSld>
@@ -8121,10 +8243,108 @@
         </p:nvSpPr>
         <p:spPr/>
         <p:txBody>
-          <a:bodyPr/>
+          <a:bodyPr>
+            <a:normAutofit/>
+          </a:bodyPr>
           <a:lstStyle/>
           <a:p>
-            <a:endParaRPr lang="pl-PL" dirty="0"/>
+            <a:pPr marL="109728" indent="0">
+              <a:buNone/>
+            </a:pPr>
+            <a:r>
+              <a:rPr lang="pl-PL" dirty="0" smtClean="0"/>
+              <a:t>Wdrożenie migracji:</a:t>
+            </a:r>
+          </a:p>
+          <a:p>
+            <a:r>
+              <a:rPr lang="pl-PL" b="1" dirty="0" smtClean="0"/>
+              <a:t>Update-Database</a:t>
+            </a:r>
+            <a:r>
+              <a:rPr lang="pl-PL" dirty="0" smtClean="0"/>
+              <a:t> </a:t>
+            </a:r>
+            <a:r>
+              <a:rPr lang="pl-PL" i="1" dirty="0" smtClean="0"/>
+              <a:t>(</a:t>
+            </a:r>
+            <a:r>
+              <a:rPr lang="pl-PL" i="1" dirty="0" err="1" smtClean="0"/>
+              <a:t>Package</a:t>
+            </a:r>
+            <a:r>
+              <a:rPr lang="pl-PL" i="1" dirty="0" smtClean="0"/>
+              <a:t> </a:t>
+            </a:r>
+            <a:r>
+              <a:rPr lang="pl-PL" i="1" dirty="0"/>
+              <a:t>Manager </a:t>
+            </a:r>
+            <a:r>
+              <a:rPr lang="pl-PL" i="1" dirty="0" err="1" smtClean="0"/>
+              <a:t>console</a:t>
+            </a:r>
+            <a:r>
+              <a:rPr lang="pl-PL" i="1" dirty="0" smtClean="0"/>
+              <a:t>)</a:t>
+            </a:r>
+          </a:p>
+          <a:p>
+            <a:r>
+              <a:rPr lang="pl-PL" b="1" dirty="0" smtClean="0"/>
+              <a:t>migrate.exe</a:t>
+            </a:r>
+            <a:r>
+              <a:rPr lang="pl-PL" dirty="0" smtClean="0"/>
+              <a:t> </a:t>
+            </a:r>
+            <a:r>
+              <a:rPr lang="pl-PL" i="1" dirty="0" smtClean="0"/>
+              <a:t>(</a:t>
+            </a:r>
+            <a:r>
+              <a:rPr lang="pl-PL" i="1" dirty="0" err="1" smtClean="0"/>
+              <a:t>packages</a:t>
+            </a:r>
+            <a:r>
+              <a:rPr lang="pl-PL" i="1" dirty="0" smtClean="0"/>
+              <a:t>\EntityFramework.6.2.0\</a:t>
+            </a:r>
+            <a:r>
+              <a:rPr lang="pl-PL" i="1" dirty="0" err="1" smtClean="0"/>
+              <a:t>tools</a:t>
+            </a:r>
+            <a:r>
+              <a:rPr lang="pl-PL" i="1" dirty="0" smtClean="0"/>
+              <a:t>)</a:t>
+            </a:r>
+          </a:p>
+          <a:p>
+            <a:r>
+              <a:rPr lang="pl-PL" b="1" dirty="0" err="1" smtClean="0"/>
+              <a:t>Script.sql</a:t>
+            </a:r>
+            <a:r>
+              <a:rPr lang="pl-PL" dirty="0" smtClean="0"/>
+              <a:t> </a:t>
+            </a:r>
+            <a:r>
+              <a:rPr lang="pl-PL" i="1" dirty="0" smtClean="0"/>
+              <a:t>(Update-Database </a:t>
+            </a:r>
+            <a:r>
+              <a:rPr lang="pl-PL" i="1" dirty="0"/>
+              <a:t>-</a:t>
+            </a:r>
+            <a:r>
+              <a:rPr lang="pl-PL" i="1" dirty="0" err="1" smtClean="0"/>
+              <a:t>Script</a:t>
+            </a:r>
+            <a:r>
+              <a:rPr lang="pl-PL" i="1" dirty="0" smtClean="0"/>
+              <a:t>)</a:t>
+            </a:r>
           </a:p>
         </p:txBody>
       </p:sp>
@@ -8140,12 +8360,30 @@
         </p:nvSpPr>
         <p:spPr/>
         <p:txBody>
-          <a:bodyPr/>
+          <a:bodyPr>
+            <a:normAutofit/>
+          </a:bodyPr>
           <a:lstStyle/>
           <a:p>
             <a:r>
               <a:rPr lang="pl-PL" dirty="0" smtClean="0"/>
-              <a:t>Bibliografia</a:t>
+              <a:t>Migracje</a:t>
+            </a:r>
+            <a:r>
+              <a:rPr lang="pl-PL" dirty="0" smtClean="0"/>
+              <a:t>: </a:t>
+            </a:r>
+            <a:r>
+              <a:rPr lang="pl-PL" dirty="0" smtClean="0"/>
+              <a:t>"</a:t>
+            </a:r>
+            <a:r>
+              <a:rPr lang="pl-PL" dirty="0" err="1" smtClean="0"/>
+              <a:t>code-base</a:t>
+            </a:r>
+            <a:r>
+              <a:rPr lang="pl-PL" dirty="0" smtClean="0"/>
+              <a:t>"</a:t>
             </a:r>
             <a:endParaRPr lang="pl-PL" dirty="0"/>
           </a:p>
@@ -8184,10 +8422,10 @@
           <p:nvPr/>
         </p:nvPicPr>
         <p:blipFill>
-          <a:blip r:embed="rId2" cstate="print">
+          <a:blip r:embed="rId3" cstate="print">
             <a:extLst>
               <a:ext uri="{28A0092B-C50C-407E-A947-70E740481C1C}">
-                <a14:useLocalDpi xmlns="" xmlns:a14="http://schemas.microsoft.com/office/drawing/2010/main" val="0"/>
+                <a14:useLocalDpi xmlns:a14="http://schemas.microsoft.com/office/drawing/2010/main" val="0"/>
               </a:ext>
             </a:extLst>
           </a:blip>
@@ -8208,7 +8446,7 @@
     </p:spTree>
     <p:extLst>
       <p:ext uri="{BB962C8B-B14F-4D97-AF65-F5344CB8AC3E}">
-        <p14:creationId xmlns="" xmlns:p14="http://schemas.microsoft.com/office/powerpoint/2010/main" val="3028022006"/>
+        <p14:creationId xmlns:p14="http://schemas.microsoft.com/office/powerpoint/2010/main" val="2722726801"/>
       </p:ext>
     </p:extLst>
   </p:cSld>
@@ -8244,12 +8482,207 @@
       </p:grpSpPr>
       <p:sp>
         <p:nvSpPr>
-          <p:cNvPr id="2" name="Tytuł 1"/>
-          <p:cNvSpPr>
-            <a:spLocks noGrp="1"/>
-          </p:cNvSpPr>
-          <p:nvPr>
-            <p:ph type="ctrTitle"/>
+          <p:cNvPr id="2" name="Symbol zastępczy zawartości 1"/>
+          <p:cNvSpPr>
+            <a:spLocks noGrp="1"/>
+          </p:cNvSpPr>
+          <p:nvPr>
+            <p:ph idx="1"/>
+          </p:nvPr>
+        </p:nvSpPr>
+        <p:spPr/>
+        <p:txBody>
+          <a:bodyPr>
+            <a:normAutofit/>
+          </a:bodyPr>
+          <a:lstStyle/>
+          <a:p>
+            <a:pPr marL="109728" indent="0">
+              <a:buNone/>
+            </a:pPr>
+            <a:endParaRPr lang="pl-PL" sz="2800" dirty="0" smtClean="0">
+              <a:solidFill>
+                <a:srgbClr val="0000FF"/>
+              </a:solidFill>
+              <a:latin typeface="Consolas"/>
+            </a:endParaRPr>
+          </a:p>
+          <a:p>
+            <a:pPr marL="109728" indent="0">
+              <a:buNone/>
+            </a:pPr>
+            <a:endParaRPr lang="pl-PL" sz="2800" dirty="0">
+              <a:solidFill>
+                <a:srgbClr val="0000FF"/>
+              </a:solidFill>
+              <a:latin typeface="Consolas"/>
+            </a:endParaRPr>
+          </a:p>
+          <a:p>
+            <a:pPr marL="109728" indent="0">
+              <a:buNone/>
+            </a:pPr>
+            <a:r>
+              <a:rPr lang="pl-PL" sz="2800" dirty="0" smtClean="0">
+                <a:solidFill>
+                  <a:srgbClr val="0000FF"/>
+                </a:solidFill>
+                <a:latin typeface="Consolas"/>
+              </a:rPr>
+              <a:t>public</a:t>
+            </a:r>
+            <a:r>
+              <a:rPr lang="pl-PL" sz="2800" dirty="0" smtClean="0">
+                <a:solidFill>
+                  <a:srgbClr val="000000"/>
+                </a:solidFill>
+                <a:latin typeface="Consolas"/>
+              </a:rPr>
+              <a:t> </a:t>
+            </a:r>
+            <a:r>
+              <a:rPr lang="pl-PL" sz="2800" dirty="0" err="1">
+                <a:solidFill>
+                  <a:srgbClr val="000000"/>
+                </a:solidFill>
+                <a:latin typeface="Consolas"/>
+              </a:rPr>
+              <a:t>Configuration</a:t>
+            </a:r>
+            <a:r>
+              <a:rPr lang="pl-PL" sz="2800" dirty="0">
+                <a:solidFill>
+                  <a:srgbClr val="000000"/>
+                </a:solidFill>
+                <a:latin typeface="Consolas"/>
+              </a:rPr>
+              <a:t>()</a:t>
+            </a:r>
+          </a:p>
+          <a:p>
+            <a:pPr marL="109728" indent="0">
+              <a:buNone/>
+            </a:pPr>
+            <a:r>
+              <a:rPr lang="pl-PL" sz="2800" dirty="0" smtClean="0">
+                <a:solidFill>
+                  <a:srgbClr val="000000"/>
+                </a:solidFill>
+                <a:latin typeface="Consolas"/>
+              </a:rPr>
+              <a:t>{</a:t>
+            </a:r>
+            <a:endParaRPr lang="pl-PL" sz="2800" dirty="0">
+              <a:solidFill>
+                <a:srgbClr val="000000"/>
+              </a:solidFill>
+              <a:latin typeface="Consolas"/>
+            </a:endParaRPr>
+          </a:p>
+          <a:p>
+            <a:pPr marL="109728" indent="0">
+              <a:buNone/>
+            </a:pPr>
+            <a:r>
+              <a:rPr lang="pl-PL" sz="2800" dirty="0" smtClean="0">
+                <a:solidFill>
+                  <a:srgbClr val="000000"/>
+                </a:solidFill>
+                <a:latin typeface="Consolas"/>
+              </a:rPr>
+              <a:t>    </a:t>
+            </a:r>
+            <a:r>
+              <a:rPr lang="pl-PL" sz="2800" dirty="0" err="1">
+                <a:solidFill>
+                  <a:srgbClr val="000000"/>
+                </a:solidFill>
+                <a:latin typeface="Consolas"/>
+              </a:rPr>
+              <a:t>AutomaticMigrationsEnabled</a:t>
+            </a:r>
+            <a:r>
+              <a:rPr lang="pl-PL" sz="2800" dirty="0">
+                <a:solidFill>
+                  <a:srgbClr val="000000"/>
+                </a:solidFill>
+                <a:latin typeface="Consolas"/>
+              </a:rPr>
+              <a:t> = </a:t>
+            </a:r>
+            <a:r>
+              <a:rPr lang="pl-PL" sz="2800" dirty="0" err="1">
+                <a:solidFill>
+                  <a:srgbClr val="0000FF"/>
+                </a:solidFill>
+                <a:latin typeface="Consolas"/>
+              </a:rPr>
+              <a:t>true</a:t>
+            </a:r>
+            <a:r>
+              <a:rPr lang="pl-PL" sz="2800" dirty="0">
+                <a:solidFill>
+                  <a:srgbClr val="000000"/>
+                </a:solidFill>
+                <a:latin typeface="Consolas"/>
+              </a:rPr>
+              <a:t>;</a:t>
+            </a:r>
+          </a:p>
+          <a:p>
+            <a:pPr marL="109728" indent="0">
+              <a:buNone/>
+            </a:pPr>
+            <a:r>
+              <a:rPr lang="pl-PL" sz="2800" dirty="0" smtClean="0">
+                <a:solidFill>
+                  <a:srgbClr val="000000"/>
+                </a:solidFill>
+                <a:latin typeface="Consolas"/>
+              </a:rPr>
+              <a:t>}</a:t>
+            </a:r>
+            <a:endParaRPr lang="pl-PL" i="1" dirty="0" smtClean="0"/>
+          </a:p>
+        </p:txBody>
+      </p:sp>
+      <p:sp>
+        <p:nvSpPr>
+          <p:cNvPr id="3" name="Tytuł 2"/>
+          <p:cNvSpPr>
+            <a:spLocks noGrp="1"/>
+          </p:cNvSpPr>
+          <p:nvPr>
+            <p:ph type="title"/>
+          </p:nvPr>
+        </p:nvSpPr>
+        <p:spPr/>
+        <p:txBody>
+          <a:bodyPr>
+            <a:normAutofit/>
+          </a:bodyPr>
+          <a:lstStyle/>
+          <a:p>
+            <a:r>
+              <a:rPr lang="pl-PL" dirty="0" smtClean="0"/>
+              <a:t>Migracje</a:t>
+            </a:r>
+            <a:r>
+              <a:rPr lang="pl-PL" dirty="0" smtClean="0"/>
+              <a:t>: automatyczne</a:t>
+            </a:r>
+            <a:endParaRPr lang="pl-PL" dirty="0"/>
+          </a:p>
+        </p:txBody>
+      </p:sp>
+      <p:sp>
+        <p:nvSpPr>
+          <p:cNvPr id="4" name="Symbol zastępczy numeru slajdu 3"/>
+          <p:cNvSpPr>
+            <a:spLocks noGrp="1"/>
+          </p:cNvSpPr>
+          <p:nvPr>
+            <p:ph type="sldNum" sz="quarter" idx="12"/>
           </p:nvPr>
         </p:nvSpPr>
         <p:spPr/>
@@ -8257,46 +8690,28 @@
           <a:bodyPr/>
           <a:lstStyle/>
           <a:p>
-            <a:r>
-              <a:rPr lang="pl-PL" dirty="0" smtClean="0"/>
-              <a:t>Pytania ?</a:t>
-            </a:r>
-            <a:endParaRPr lang="pl-PL" dirty="0"/>
-          </a:p>
-        </p:txBody>
-      </p:sp>
-      <p:sp>
-        <p:nvSpPr>
-          <p:cNvPr id="3" name="Podtytuł 2"/>
-          <p:cNvSpPr>
-            <a:spLocks noGrp="1"/>
-          </p:cNvSpPr>
-          <p:nvPr>
-            <p:ph type="subTitle" idx="1"/>
-          </p:nvPr>
-        </p:nvSpPr>
-        <p:spPr/>
-        <p:txBody>
-          <a:bodyPr/>
-          <a:lstStyle/>
-          <a:p>
-            <a:endParaRPr lang="pl-PL" dirty="0"/>
+            <a:fld id="{976B8C4A-E01E-49C4-A342-E776841D1431}" type="slidenum">
+              <a:rPr lang="pl-PL" smtClean="0"/>
+              <a:pPr/>
+              <a:t>17</a:t>
+            </a:fld>
+            <a:endParaRPr lang="pl-PL"/>
           </a:p>
         </p:txBody>
       </p:sp>
       <p:pic>
         <p:nvPicPr>
-          <p:cNvPr id="4" name="Obraz 3"/>
+          <p:cNvPr id="5" name="Obraz 4"/>
           <p:cNvPicPr>
             <a:picLocks noChangeAspect="1"/>
           </p:cNvPicPr>
           <p:nvPr/>
         </p:nvPicPr>
         <p:blipFill>
-          <a:blip r:embed="rId2" cstate="print">
+          <a:blip r:embed="rId3" cstate="print">
             <a:extLst>
               <a:ext uri="{28A0092B-C50C-407E-A947-70E740481C1C}">
-                <a14:useLocalDpi xmlns="" xmlns:a14="http://schemas.microsoft.com/office/drawing/2010/main" val="0"/>
+                <a14:useLocalDpi xmlns:a14="http://schemas.microsoft.com/office/drawing/2010/main" val="0"/>
               </a:ext>
             </a:extLst>
           </a:blip>
@@ -8306,8 +8721,8 @@
         </p:blipFill>
         <p:spPr>
           <a:xfrm>
-            <a:off x="107504" y="5229200"/>
-            <a:ext cx="2664296" cy="1517565"/>
+            <a:off x="179512" y="6165304"/>
+            <a:ext cx="1008112" cy="574214"/>
           </a:xfrm>
           <a:prstGeom prst="rect">
             <a:avLst/>
@@ -8317,7 +8732,7 @@
     </p:spTree>
     <p:extLst>
       <p:ext uri="{BB962C8B-B14F-4D97-AF65-F5344CB8AC3E}">
-        <p14:creationId xmlns="" xmlns:p14="http://schemas.microsoft.com/office/powerpoint/2010/main" val="1895918166"/>
+        <p14:creationId xmlns:p14="http://schemas.microsoft.com/office/powerpoint/2010/main" val="3360151137"/>
       </p:ext>
     </p:extLst>
   </p:cSld>
@@ -8353,12 +8768,12 @@
       </p:grpSpPr>
       <p:sp>
         <p:nvSpPr>
-          <p:cNvPr id="2" name="Tytuł 1"/>
-          <p:cNvSpPr>
-            <a:spLocks noGrp="1"/>
-          </p:cNvSpPr>
-          <p:nvPr>
-            <p:ph type="ctrTitle"/>
+          <p:cNvPr id="2" name="Symbol zastępczy zawartości 1"/>
+          <p:cNvSpPr>
+            <a:spLocks noGrp="1"/>
+          </p:cNvSpPr>
+          <p:nvPr>
+            <p:ph idx="1"/>
           </p:nvPr>
         </p:nvSpPr>
         <p:spPr/>
@@ -8366,15 +8781,142 @@
           <a:bodyPr/>
           <a:lstStyle/>
           <a:p>
-            <a:r>
-              <a:rPr lang="pl-PL" dirty="0"/>
-              <a:t>Dziękuję za uwagę </a:t>
-            </a:r>
-            <a:r>
-              <a:rPr lang="pl-PL" dirty="0">
-                <a:sym typeface="Wingdings" panose="05000000000000000000" pitchFamily="2" charset="2"/>
-              </a:rPr>
-              <a:t></a:t>
+            <a:endParaRPr lang="pl-PL" dirty="0"/>
+          </a:p>
+        </p:txBody>
+      </p:sp>
+      <p:sp>
+        <p:nvSpPr>
+          <p:cNvPr id="3" name="Tytuł 2"/>
+          <p:cNvSpPr>
+            <a:spLocks noGrp="1"/>
+          </p:cNvSpPr>
+          <p:nvPr>
+            <p:ph type="title"/>
+          </p:nvPr>
+        </p:nvSpPr>
+        <p:spPr/>
+        <p:txBody>
+          <a:bodyPr/>
+          <a:lstStyle/>
+          <a:p>
+            <a:r>
+              <a:rPr lang="pl-PL" dirty="0" smtClean="0"/>
+              <a:t>Bibliografia</a:t>
+            </a:r>
+            <a:endParaRPr lang="pl-PL" dirty="0"/>
+          </a:p>
+        </p:txBody>
+      </p:sp>
+      <p:sp>
+        <p:nvSpPr>
+          <p:cNvPr id="4" name="Symbol zastępczy numeru slajdu 3"/>
+          <p:cNvSpPr>
+            <a:spLocks noGrp="1"/>
+          </p:cNvSpPr>
+          <p:nvPr>
+            <p:ph type="sldNum" sz="quarter" idx="12"/>
+          </p:nvPr>
+        </p:nvSpPr>
+        <p:spPr/>
+        <p:txBody>
+          <a:bodyPr/>
+          <a:lstStyle/>
+          <a:p>
+            <a:fld id="{976B8C4A-E01E-49C4-A342-E776841D1431}" type="slidenum">
+              <a:rPr lang="pl-PL" smtClean="0"/>
+              <a:pPr/>
+              <a:t>18</a:t>
+            </a:fld>
+            <a:endParaRPr lang="pl-PL"/>
+          </a:p>
+        </p:txBody>
+      </p:sp>
+      <p:pic>
+        <p:nvPicPr>
+          <p:cNvPr id="5" name="Obraz 4"/>
+          <p:cNvPicPr>
+            <a:picLocks noChangeAspect="1"/>
+          </p:cNvPicPr>
+          <p:nvPr/>
+        </p:nvPicPr>
+        <p:blipFill>
+          <a:blip r:embed="rId2" cstate="print">
+            <a:extLst>
+              <a:ext uri="{28A0092B-C50C-407E-A947-70E740481C1C}">
+                <a14:useLocalDpi xmlns:a14="http://schemas.microsoft.com/office/drawing/2010/main" val="0"/>
+              </a:ext>
+            </a:extLst>
+          </a:blip>
+          <a:stretch>
+            <a:fillRect/>
+          </a:stretch>
+        </p:blipFill>
+        <p:spPr>
+          <a:xfrm>
+            <a:off x="179512" y="6165304"/>
+            <a:ext cx="1008112" cy="574214"/>
+          </a:xfrm>
+          <a:prstGeom prst="rect">
+            <a:avLst/>
+          </a:prstGeom>
+        </p:spPr>
+      </p:pic>
+    </p:spTree>
+    <p:extLst>
+      <p:ext uri="{BB962C8B-B14F-4D97-AF65-F5344CB8AC3E}">
+        <p14:creationId xmlns:p14="http://schemas.microsoft.com/office/powerpoint/2010/main" val="3028022006"/>
+      </p:ext>
+    </p:extLst>
+  </p:cSld>
+  <p:clrMapOvr>
+    <a:masterClrMapping/>
+  </p:clrMapOvr>
+  <p:timing>
+    <p:tnLst>
+      <p:par>
+        <p:cTn id="1" dur="indefinite" restart="never" nodeType="tmRoot"/>
+      </p:par>
+    </p:tnLst>
+  </p:timing>
+</p:sld>
+</file>
+
+<file path=ppt/slides/slide19.xml><?xml version="1.0" encoding="utf-8"?>
+<p:sld xmlns:a="http://schemas.openxmlformats.org/drawingml/2006/main" xmlns:r="http://schemas.openxmlformats.org/officeDocument/2006/relationships" xmlns:p="http://schemas.openxmlformats.org/presentationml/2006/main">
+  <p:cSld>
+    <p:spTree>
+      <p:nvGrpSpPr>
+        <p:cNvPr id="1" name=""/>
+        <p:cNvGrpSpPr/>
+        <p:nvPr/>
+      </p:nvGrpSpPr>
+      <p:grpSpPr>
+        <a:xfrm>
+          <a:off x="0" y="0"/>
+          <a:ext cx="0" cy="0"/>
+          <a:chOff x="0" y="0"/>
+          <a:chExt cx="0" cy="0"/>
+        </a:xfrm>
+      </p:grpSpPr>
+      <p:sp>
+        <p:nvSpPr>
+          <p:cNvPr id="2" name="Tytuł 1"/>
+          <p:cNvSpPr>
+            <a:spLocks noGrp="1"/>
+          </p:cNvSpPr>
+          <p:nvPr>
+            <p:ph type="ctrTitle"/>
+          </p:nvPr>
+        </p:nvSpPr>
+        <p:spPr/>
+        <p:txBody>
+          <a:bodyPr/>
+          <a:lstStyle/>
+          <a:p>
+            <a:r>
+              <a:rPr lang="pl-PL" dirty="0" smtClean="0"/>
+              <a:t>Pytania ?</a:t>
             </a:r>
             <a:endParaRPr lang="pl-PL" dirty="0"/>
           </a:p>
@@ -8411,7 +8953,7 @@
           <a:blip r:embed="rId2" cstate="print">
             <a:extLst>
               <a:ext uri="{28A0092B-C50C-407E-A947-70E740481C1C}">
-                <a14:useLocalDpi xmlns="" xmlns:a14="http://schemas.microsoft.com/office/drawing/2010/main" val="0"/>
+                <a14:useLocalDpi xmlns:a14="http://schemas.microsoft.com/office/drawing/2010/main" val="0"/>
               </a:ext>
             </a:extLst>
           </a:blip>
@@ -8432,7 +8974,7 @@
     </p:spTree>
     <p:extLst>
       <p:ext uri="{BB962C8B-B14F-4D97-AF65-F5344CB8AC3E}">
-        <p14:creationId xmlns="" xmlns:p14="http://schemas.microsoft.com/office/powerpoint/2010/main" val="1895918166"/>
+        <p14:creationId xmlns:p14="http://schemas.microsoft.com/office/powerpoint/2010/main" val="1895918166"/>
       </p:ext>
     </p:extLst>
   </p:cSld>
@@ -8676,7 +9218,7 @@
           <a:blip r:embed="rId2" cstate="print">
             <a:extLst>
               <a:ext uri="{28A0092B-C50C-407E-A947-70E740481C1C}">
-                <a14:useLocalDpi xmlns="" xmlns:a14="http://schemas.microsoft.com/office/drawing/2010/main" val="0"/>
+                <a14:useLocalDpi xmlns:a14="http://schemas.microsoft.com/office/drawing/2010/main" val="0"/>
               </a:ext>
             </a:extLst>
           </a:blip>
@@ -8697,7 +9239,122 @@
     </p:spTree>
     <p:extLst>
       <p:ext uri="{BB962C8B-B14F-4D97-AF65-F5344CB8AC3E}">
-        <p14:creationId xmlns="" xmlns:p14="http://schemas.microsoft.com/office/powerpoint/2010/main" val="718025446"/>
+        <p14:creationId xmlns:p14="http://schemas.microsoft.com/office/powerpoint/2010/main" val="718025446"/>
+      </p:ext>
+    </p:extLst>
+  </p:cSld>
+  <p:clrMapOvr>
+    <a:masterClrMapping/>
+  </p:clrMapOvr>
+  <p:timing>
+    <p:tnLst>
+      <p:par>
+        <p:cTn id="1" dur="indefinite" restart="never" nodeType="tmRoot"/>
+      </p:par>
+    </p:tnLst>
+  </p:timing>
+</p:sld>
+</file>
+
+<file path=ppt/slides/slide20.xml><?xml version="1.0" encoding="utf-8"?>
+<p:sld xmlns:a="http://schemas.openxmlformats.org/drawingml/2006/main" xmlns:r="http://schemas.openxmlformats.org/officeDocument/2006/relationships" xmlns:p="http://schemas.openxmlformats.org/presentationml/2006/main">
+  <p:cSld>
+    <p:spTree>
+      <p:nvGrpSpPr>
+        <p:cNvPr id="1" name=""/>
+        <p:cNvGrpSpPr/>
+        <p:nvPr/>
+      </p:nvGrpSpPr>
+      <p:grpSpPr>
+        <a:xfrm>
+          <a:off x="0" y="0"/>
+          <a:ext cx="0" cy="0"/>
+          <a:chOff x="0" y="0"/>
+          <a:chExt cx="0" cy="0"/>
+        </a:xfrm>
+      </p:grpSpPr>
+      <p:sp>
+        <p:nvSpPr>
+          <p:cNvPr id="2" name="Tytuł 1"/>
+          <p:cNvSpPr>
+            <a:spLocks noGrp="1"/>
+          </p:cNvSpPr>
+          <p:nvPr>
+            <p:ph type="ctrTitle"/>
+          </p:nvPr>
+        </p:nvSpPr>
+        <p:spPr/>
+        <p:txBody>
+          <a:bodyPr/>
+          <a:lstStyle/>
+          <a:p>
+            <a:r>
+              <a:rPr lang="pl-PL" dirty="0"/>
+              <a:t>Dziękuję za uwagę </a:t>
+            </a:r>
+            <a:r>
+              <a:rPr lang="pl-PL" dirty="0">
+                <a:sym typeface="Wingdings" panose="05000000000000000000" pitchFamily="2" charset="2"/>
+              </a:rPr>
+              <a:t></a:t>
+            </a:r>
+            <a:endParaRPr lang="pl-PL" dirty="0"/>
+          </a:p>
+        </p:txBody>
+      </p:sp>
+      <p:sp>
+        <p:nvSpPr>
+          <p:cNvPr id="3" name="Podtytuł 2"/>
+          <p:cNvSpPr>
+            <a:spLocks noGrp="1"/>
+          </p:cNvSpPr>
+          <p:nvPr>
+            <p:ph type="subTitle" idx="1"/>
+          </p:nvPr>
+        </p:nvSpPr>
+        <p:spPr/>
+        <p:txBody>
+          <a:bodyPr/>
+          <a:lstStyle/>
+          <a:p>
+            <a:endParaRPr lang="pl-PL" dirty="0"/>
+          </a:p>
+        </p:txBody>
+      </p:sp>
+      <p:pic>
+        <p:nvPicPr>
+          <p:cNvPr id="4" name="Obraz 3"/>
+          <p:cNvPicPr>
+            <a:picLocks noChangeAspect="1"/>
+          </p:cNvPicPr>
+          <p:nvPr/>
+        </p:nvPicPr>
+        <p:blipFill>
+          <a:blip r:embed="rId2" cstate="print">
+            <a:extLst>
+              <a:ext uri="{28A0092B-C50C-407E-A947-70E740481C1C}">
+                <a14:useLocalDpi xmlns:a14="http://schemas.microsoft.com/office/drawing/2010/main" val="0"/>
+              </a:ext>
+            </a:extLst>
+          </a:blip>
+          <a:stretch>
+            <a:fillRect/>
+          </a:stretch>
+        </p:blipFill>
+        <p:spPr>
+          <a:xfrm>
+            <a:off x="107504" y="5229200"/>
+            <a:ext cx="2664296" cy="1517565"/>
+          </a:xfrm>
+          <a:prstGeom prst="rect">
+            <a:avLst/>
+          </a:prstGeom>
+        </p:spPr>
+      </p:pic>
+    </p:spTree>
+    <p:extLst>
+      <p:ext uri="{BB962C8B-B14F-4D97-AF65-F5344CB8AC3E}">
+        <p14:creationId xmlns:p14="http://schemas.microsoft.com/office/powerpoint/2010/main" val="1895918166"/>
       </p:ext>
     </p:extLst>
   </p:cSld>
@@ -8824,7 +9481,7 @@
           <a:blip r:embed="rId3" cstate="print">
             <a:extLst>
               <a:ext uri="{28A0092B-C50C-407E-A947-70E740481C1C}">
-                <a14:useLocalDpi xmlns="" xmlns:a14="http://schemas.microsoft.com/office/drawing/2010/main" val="0"/>
+                <a14:useLocalDpi xmlns:a14="http://schemas.microsoft.com/office/drawing/2010/main" val="0"/>
               </a:ext>
             </a:extLst>
           </a:blip>
@@ -8845,7 +9502,7 @@
     </p:spTree>
     <p:extLst>
       <p:ext uri="{BB962C8B-B14F-4D97-AF65-F5344CB8AC3E}">
-        <p14:creationId xmlns="" xmlns:p14="http://schemas.microsoft.com/office/powerpoint/2010/main" val="2808115206"/>
+        <p14:creationId xmlns:p14="http://schemas.microsoft.com/office/powerpoint/2010/main" val="2808115206"/>
       </p:ext>
     </p:extLst>
   </p:cSld>
@@ -8991,7 +9648,7 @@
           <a:blip r:embed="rId3" cstate="print">
             <a:extLst>
               <a:ext uri="{28A0092B-C50C-407E-A947-70E740481C1C}">
-                <a14:useLocalDpi xmlns="" xmlns:a14="http://schemas.microsoft.com/office/drawing/2010/main" val="0"/>
+                <a14:useLocalDpi xmlns:a14="http://schemas.microsoft.com/office/drawing/2010/main" val="0"/>
               </a:ext>
             </a:extLst>
           </a:blip>
@@ -9044,7 +9701,7 @@
     </p:spTree>
     <p:extLst>
       <p:ext uri="{BB962C8B-B14F-4D97-AF65-F5344CB8AC3E}">
-        <p14:creationId xmlns="" xmlns:p14="http://schemas.microsoft.com/office/powerpoint/2010/main" val="2808115206"/>
+        <p14:creationId xmlns:p14="http://schemas.microsoft.com/office/powerpoint/2010/main" val="2808115206"/>
       </p:ext>
     </p:extLst>
   </p:cSld>
@@ -9190,7 +9847,7 @@
           <a:blip r:embed="rId3" cstate="print">
             <a:extLst>
               <a:ext uri="{28A0092B-C50C-407E-A947-70E740481C1C}">
-                <a14:useLocalDpi xmlns="" xmlns:a14="http://schemas.microsoft.com/office/drawing/2010/main" val="0"/>
+                <a14:useLocalDpi xmlns:a14="http://schemas.microsoft.com/office/drawing/2010/main" val="0"/>
               </a:ext>
             </a:extLst>
           </a:blip>
@@ -9243,7 +9900,7 @@
     </p:spTree>
     <p:extLst>
       <p:ext uri="{BB962C8B-B14F-4D97-AF65-F5344CB8AC3E}">
-        <p14:creationId xmlns="" xmlns:p14="http://schemas.microsoft.com/office/powerpoint/2010/main" val="2808115206"/>
+        <p14:creationId xmlns:p14="http://schemas.microsoft.com/office/powerpoint/2010/main" val="2808115206"/>
       </p:ext>
     </p:extLst>
   </p:cSld>
@@ -9389,7 +10046,7 @@
           <a:blip r:embed="rId3" cstate="print">
             <a:extLst>
               <a:ext uri="{28A0092B-C50C-407E-A947-70E740481C1C}">
-                <a14:useLocalDpi xmlns="" xmlns:a14="http://schemas.microsoft.com/office/drawing/2010/main" val="0"/>
+                <a14:useLocalDpi xmlns:a14="http://schemas.microsoft.com/office/drawing/2010/main" val="0"/>
               </a:ext>
             </a:extLst>
           </a:blip>
@@ -9442,7 +10099,7 @@
     </p:spTree>
     <p:extLst>
       <p:ext uri="{BB962C8B-B14F-4D97-AF65-F5344CB8AC3E}">
-        <p14:creationId xmlns="" xmlns:p14="http://schemas.microsoft.com/office/powerpoint/2010/main" val="2808115206"/>
+        <p14:creationId xmlns:p14="http://schemas.microsoft.com/office/powerpoint/2010/main" val="2808115206"/>
       </p:ext>
     </p:extLst>
   </p:cSld>
@@ -9561,7 +10218,7 @@
           <a:blip r:embed="rId3" cstate="print">
             <a:extLst>
               <a:ext uri="{28A0092B-C50C-407E-A947-70E740481C1C}">
-                <a14:useLocalDpi xmlns="" xmlns:a14="http://schemas.microsoft.com/office/drawing/2010/main" val="0"/>
+                <a14:useLocalDpi xmlns:a14="http://schemas.microsoft.com/office/drawing/2010/main" val="0"/>
               </a:ext>
             </a:extLst>
           </a:blip>
@@ -9614,7 +10271,7 @@
     </p:spTree>
     <p:extLst>
       <p:ext uri="{BB962C8B-B14F-4D97-AF65-F5344CB8AC3E}">
-        <p14:creationId xmlns="" xmlns:p14="http://schemas.microsoft.com/office/powerpoint/2010/main" val="2808115206"/>
+        <p14:creationId xmlns:p14="http://schemas.microsoft.com/office/powerpoint/2010/main" val="2808115206"/>
       </p:ext>
     </p:extLst>
   </p:cSld>
@@ -9733,7 +10390,7 @@
           <a:blip r:embed="rId3" cstate="print">
             <a:extLst>
               <a:ext uri="{28A0092B-C50C-407E-A947-70E740481C1C}">
-                <a14:useLocalDpi xmlns="" xmlns:a14="http://schemas.microsoft.com/office/drawing/2010/main" val="0"/>
+                <a14:useLocalDpi xmlns:a14="http://schemas.microsoft.com/office/drawing/2010/main" val="0"/>
               </a:ext>
             </a:extLst>
           </a:blip>
@@ -9786,7 +10443,7 @@
     </p:spTree>
     <p:extLst>
       <p:ext uri="{BB962C8B-B14F-4D97-AF65-F5344CB8AC3E}">
-        <p14:creationId xmlns="" xmlns:p14="http://schemas.microsoft.com/office/powerpoint/2010/main" val="2808115206"/>
+        <p14:creationId xmlns:p14="http://schemas.microsoft.com/office/powerpoint/2010/main" val="2808115206"/>
       </p:ext>
     </p:extLst>
   </p:cSld>
@@ -9965,7 +10622,7 @@
           <a:blip r:embed="rId3" cstate="print">
             <a:extLst>
               <a:ext uri="{28A0092B-C50C-407E-A947-70E740481C1C}">
-                <a14:useLocalDpi xmlns="" xmlns:a14="http://schemas.microsoft.com/office/drawing/2010/main" val="0"/>
+                <a14:useLocalDpi xmlns:a14="http://schemas.microsoft.com/office/drawing/2010/main" val="0"/>
               </a:ext>
             </a:extLst>
           </a:blip>
@@ -9986,7 +10643,7 @@
     </p:spTree>
     <p:extLst>
       <p:ext uri="{BB962C8B-B14F-4D97-AF65-F5344CB8AC3E}">
-        <p14:creationId xmlns="" xmlns:p14="http://schemas.microsoft.com/office/powerpoint/2010/main" val="2808115206"/>
+        <p14:creationId xmlns:p14="http://schemas.microsoft.com/office/powerpoint/2010/main" val="2808115206"/>
       </p:ext>
     </p:extLst>
   </p:cSld>

--- a/ItKrd_EF.pptx
+++ b/ItKrd_EF.pptx
@@ -5,7 +5,7 @@
     <p:sldMasterId id="2147483672" r:id="rId1"/>
   </p:sldMasterIdLst>
   <p:notesMasterIdLst>
-    <p:notesMasterId r:id="rId22"/>
+    <p:notesMasterId r:id="rId24"/>
   </p:notesMasterIdLst>
   <p:sldIdLst>
     <p:sldId id="259" r:id="rId2"/>
@@ -25,9 +25,11 @@
     <p:sldId id="348" r:id="rId16"/>
     <p:sldId id="350" r:id="rId17"/>
     <p:sldId id="351" r:id="rId18"/>
-    <p:sldId id="273" r:id="rId19"/>
-    <p:sldId id="265" r:id="rId20"/>
-    <p:sldId id="312" r:id="rId21"/>
+    <p:sldId id="352" r:id="rId19"/>
+    <p:sldId id="353" r:id="rId20"/>
+    <p:sldId id="273" r:id="rId21"/>
+    <p:sldId id="265" r:id="rId22"/>
+    <p:sldId id="312" r:id="rId23"/>
   </p:sldIdLst>
   <p:sldSz cx="9144000" cy="6858000" type="screen4x3"/>
   <p:notesSz cx="6858000" cy="9144000"/>
@@ -151,6 +153,8 @@
             <p14:sldId id="348"/>
             <p14:sldId id="350"/>
             <p14:sldId id="351"/>
+            <p14:sldId id="352"/>
+            <p14:sldId id="353"/>
             <p14:sldId id="273"/>
             <p14:sldId id="265"/>
             <p14:sldId id="312"/>
@@ -1239,6 +1243,178 @@
               <a:rPr lang="pl-PL" smtClean="0"/>
               <a:pPr/>
               <a:t>17</a:t>
+            </a:fld>
+            <a:endParaRPr lang="pl-PL"/>
+          </a:p>
+        </p:txBody>
+      </p:sp>
+    </p:spTree>
+  </p:cSld>
+  <p:clrMapOvr>
+    <a:masterClrMapping/>
+  </p:clrMapOvr>
+</p:notes>
+</file>
+
+<file path=ppt/notesSlides/notesSlide17.xml><?xml version="1.0" encoding="utf-8"?>
+<p:notes xmlns:a="http://schemas.openxmlformats.org/drawingml/2006/main" xmlns:r="http://schemas.openxmlformats.org/officeDocument/2006/relationships" xmlns:p="http://schemas.openxmlformats.org/presentationml/2006/main">
+  <p:cSld>
+    <p:spTree>
+      <p:nvGrpSpPr>
+        <p:cNvPr id="1" name=""/>
+        <p:cNvGrpSpPr/>
+        <p:nvPr/>
+      </p:nvGrpSpPr>
+      <p:grpSpPr>
+        <a:xfrm>
+          <a:off x="0" y="0"/>
+          <a:ext cx="0" cy="0"/>
+          <a:chOff x="0" y="0"/>
+          <a:chExt cx="0" cy="0"/>
+        </a:xfrm>
+      </p:grpSpPr>
+      <p:sp>
+        <p:nvSpPr>
+          <p:cNvPr id="2" name="Symbol zastępczy obrazu slajdu 1"/>
+          <p:cNvSpPr>
+            <a:spLocks noGrp="1" noRot="1" noChangeAspect="1"/>
+          </p:cNvSpPr>
+          <p:nvPr>
+            <p:ph type="sldImg"/>
+          </p:nvPr>
+        </p:nvSpPr>
+        <p:spPr/>
+      </p:sp>
+      <p:sp>
+        <p:nvSpPr>
+          <p:cNvPr id="3" name="Symbol zastępczy notatek 2"/>
+          <p:cNvSpPr>
+            <a:spLocks noGrp="1"/>
+          </p:cNvSpPr>
+          <p:nvPr>
+            <p:ph type="body" idx="1"/>
+          </p:nvPr>
+        </p:nvSpPr>
+        <p:spPr/>
+        <p:txBody>
+          <a:bodyPr>
+            <a:normAutofit/>
+          </a:bodyPr>
+          <a:lstStyle/>
+          <a:p>
+            <a:pPr>
+              <a:buFontTx/>
+              <a:buNone/>
+            </a:pPr>
+            <a:endParaRPr lang="pl-PL" baseline="0" dirty="0" smtClean="0"/>
+          </a:p>
+        </p:txBody>
+      </p:sp>
+      <p:sp>
+        <p:nvSpPr>
+          <p:cNvPr id="4" name="Symbol zastępczy numeru slajdu 3"/>
+          <p:cNvSpPr>
+            <a:spLocks noGrp="1"/>
+          </p:cNvSpPr>
+          <p:nvPr>
+            <p:ph type="sldNum" sz="quarter" idx="10"/>
+          </p:nvPr>
+        </p:nvSpPr>
+        <p:spPr/>
+        <p:txBody>
+          <a:bodyPr/>
+          <a:lstStyle/>
+          <a:p>
+            <a:fld id="{70356EB1-0873-493D-B649-9A936806DB67}" type="slidenum">
+              <a:rPr lang="pl-PL" smtClean="0"/>
+              <a:pPr/>
+              <a:t>18</a:t>
+            </a:fld>
+            <a:endParaRPr lang="pl-PL"/>
+          </a:p>
+        </p:txBody>
+      </p:sp>
+    </p:spTree>
+  </p:cSld>
+  <p:clrMapOvr>
+    <a:masterClrMapping/>
+  </p:clrMapOvr>
+</p:notes>
+</file>
+
+<file path=ppt/notesSlides/notesSlide18.xml><?xml version="1.0" encoding="utf-8"?>
+<p:notes xmlns:a="http://schemas.openxmlformats.org/drawingml/2006/main" xmlns:r="http://schemas.openxmlformats.org/officeDocument/2006/relationships" xmlns:p="http://schemas.openxmlformats.org/presentationml/2006/main">
+  <p:cSld>
+    <p:spTree>
+      <p:nvGrpSpPr>
+        <p:cNvPr id="1" name=""/>
+        <p:cNvGrpSpPr/>
+        <p:nvPr/>
+      </p:nvGrpSpPr>
+      <p:grpSpPr>
+        <a:xfrm>
+          <a:off x="0" y="0"/>
+          <a:ext cx="0" cy="0"/>
+          <a:chOff x="0" y="0"/>
+          <a:chExt cx="0" cy="0"/>
+        </a:xfrm>
+      </p:grpSpPr>
+      <p:sp>
+        <p:nvSpPr>
+          <p:cNvPr id="2" name="Symbol zastępczy obrazu slajdu 1"/>
+          <p:cNvSpPr>
+            <a:spLocks noGrp="1" noRot="1" noChangeAspect="1"/>
+          </p:cNvSpPr>
+          <p:nvPr>
+            <p:ph type="sldImg"/>
+          </p:nvPr>
+        </p:nvSpPr>
+        <p:spPr/>
+      </p:sp>
+      <p:sp>
+        <p:nvSpPr>
+          <p:cNvPr id="3" name="Symbol zastępczy notatek 2"/>
+          <p:cNvSpPr>
+            <a:spLocks noGrp="1"/>
+          </p:cNvSpPr>
+          <p:nvPr>
+            <p:ph type="body" idx="1"/>
+          </p:nvPr>
+        </p:nvSpPr>
+        <p:spPr/>
+        <p:txBody>
+          <a:bodyPr>
+            <a:normAutofit/>
+          </a:bodyPr>
+          <a:lstStyle/>
+          <a:p>
+            <a:pPr>
+              <a:buFontTx/>
+              <a:buNone/>
+            </a:pPr>
+            <a:endParaRPr lang="pl-PL" baseline="0" dirty="0" smtClean="0"/>
+          </a:p>
+        </p:txBody>
+      </p:sp>
+      <p:sp>
+        <p:nvSpPr>
+          <p:cNvPr id="4" name="Symbol zastępczy numeru slajdu 3"/>
+          <p:cNvSpPr>
+            <a:spLocks noGrp="1"/>
+          </p:cNvSpPr>
+          <p:nvPr>
+            <p:ph type="sldNum" sz="quarter" idx="10"/>
+          </p:nvPr>
+        </p:nvSpPr>
+        <p:spPr/>
+        <p:txBody>
+          <a:bodyPr/>
+          <a:lstStyle/>
+          <a:p>
+            <a:fld id="{70356EB1-0873-493D-B649-9A936806DB67}" type="slidenum">
+              <a:rPr lang="pl-PL" smtClean="0"/>
+              <a:pPr/>
+              <a:t>19</a:t>
             </a:fld>
             <a:endParaRPr lang="pl-PL"/>
           </a:p>
@@ -8367,15 +8543,7 @@
           <a:p>
             <a:r>
               <a:rPr lang="pl-PL" dirty="0" smtClean="0"/>
-              <a:t>Migracje</a:t>
-            </a:r>
-            <a:r>
-              <a:rPr lang="pl-PL" dirty="0" smtClean="0"/>
-              <a:t>: </a:t>
-            </a:r>
-            <a:r>
-              <a:rPr lang="pl-PL" dirty="0" smtClean="0"/>
-              <a:t>"</a:t>
+              <a:t>Migracje: "</a:t>
             </a:r>
             <a:r>
               <a:rPr lang="pl-PL" dirty="0" err="1" smtClean="0"/>
@@ -8665,11 +8833,7 @@
           <a:p>
             <a:r>
               <a:rPr lang="pl-PL" dirty="0" smtClean="0"/>
-              <a:t>Migracje</a:t>
-            </a:r>
-            <a:r>
-              <a:rPr lang="pl-PL" dirty="0" smtClean="0"/>
-              <a:t>: automatyczne</a:t>
+              <a:t>Migracje: automatyczne</a:t>
             </a:r>
             <a:endParaRPr lang="pl-PL" dirty="0"/>
           </a:p>
@@ -8778,10 +8942,715 @@
         </p:nvSpPr>
         <p:spPr/>
         <p:txBody>
-          <a:bodyPr/>
+          <a:bodyPr>
+            <a:normAutofit/>
+          </a:bodyPr>
           <a:lstStyle/>
           <a:p>
-            <a:endParaRPr lang="pl-PL" dirty="0"/>
+            <a:pPr fontAlgn="base"/>
+            <a:r>
+              <a:rPr lang="pl-PL" sz="2800" dirty="0" err="1">
+                <a:solidFill>
+                  <a:srgbClr val="242729"/>
+                </a:solidFill>
+                <a:latin typeface="Arial"/>
+              </a:rPr>
+              <a:t>If</a:t>
+            </a:r>
+            <a:r>
+              <a:rPr lang="pl-PL" sz="2800" dirty="0">
+                <a:solidFill>
+                  <a:srgbClr val="242729"/>
+                </a:solidFill>
+                <a:latin typeface="Arial"/>
+              </a:rPr>
+              <a:t> </a:t>
+            </a:r>
+            <a:r>
+              <a:rPr lang="pl-PL" sz="2800" dirty="0" err="1">
+                <a:solidFill>
+                  <a:srgbClr val="242729"/>
+                </a:solidFill>
+                <a:latin typeface="Arial"/>
+              </a:rPr>
+              <a:t>you</a:t>
+            </a:r>
+            <a:r>
+              <a:rPr lang="pl-PL" sz="2800" dirty="0">
+                <a:solidFill>
+                  <a:srgbClr val="242729"/>
+                </a:solidFill>
+                <a:latin typeface="Arial"/>
+              </a:rPr>
+              <a:t> want </a:t>
+            </a:r>
+            <a:r>
+              <a:rPr lang="pl-PL" sz="2800" dirty="0" err="1">
+                <a:solidFill>
+                  <a:srgbClr val="242729"/>
+                </a:solidFill>
+                <a:latin typeface="Arial"/>
+              </a:rPr>
+              <a:t>that</a:t>
+            </a:r>
+            <a:r>
+              <a:rPr lang="pl-PL" sz="2800" dirty="0">
+                <a:solidFill>
+                  <a:srgbClr val="242729"/>
+                </a:solidFill>
+                <a:latin typeface="Arial"/>
+              </a:rPr>
+              <a:t> </a:t>
+            </a:r>
+            <a:r>
+              <a:rPr lang="pl-PL" sz="2800" dirty="0" err="1">
+                <a:solidFill>
+                  <a:srgbClr val="242729"/>
+                </a:solidFill>
+                <a:latin typeface="Arial"/>
+              </a:rPr>
+              <a:t>your</a:t>
+            </a:r>
+            <a:r>
+              <a:rPr lang="pl-PL" sz="2800" dirty="0">
+                <a:solidFill>
+                  <a:srgbClr val="242729"/>
+                </a:solidFill>
+                <a:latin typeface="Arial"/>
+              </a:rPr>
+              <a:t> </a:t>
+            </a:r>
+            <a:r>
+              <a:rPr lang="pl-PL" sz="2800" dirty="0" err="1">
+                <a:solidFill>
+                  <a:srgbClr val="242729"/>
+                </a:solidFill>
+                <a:latin typeface="Arial"/>
+              </a:rPr>
+              <a:t>database</a:t>
+            </a:r>
+            <a:r>
+              <a:rPr lang="pl-PL" sz="2800" dirty="0">
+                <a:solidFill>
+                  <a:srgbClr val="242729"/>
+                </a:solidFill>
+                <a:latin typeface="Arial"/>
+              </a:rPr>
+              <a:t> </a:t>
+            </a:r>
+            <a:r>
+              <a:rPr lang="pl-PL" sz="2800" dirty="0" err="1">
+                <a:solidFill>
+                  <a:srgbClr val="242729"/>
+                </a:solidFill>
+                <a:latin typeface="Arial"/>
+              </a:rPr>
+              <a:t>is</a:t>
+            </a:r>
+            <a:r>
+              <a:rPr lang="pl-PL" sz="2800" dirty="0">
+                <a:solidFill>
+                  <a:srgbClr val="242729"/>
+                </a:solidFill>
+                <a:latin typeface="Arial"/>
+              </a:rPr>
+              <a:t> </a:t>
+            </a:r>
+            <a:r>
+              <a:rPr lang="pl-PL" sz="2800" dirty="0" err="1">
+                <a:solidFill>
+                  <a:srgbClr val="242729"/>
+                </a:solidFill>
+                <a:latin typeface="Arial"/>
+              </a:rPr>
+              <a:t>updated</a:t>
+            </a:r>
+            <a:r>
+              <a:rPr lang="pl-PL" sz="2800" dirty="0">
+                <a:solidFill>
+                  <a:srgbClr val="242729"/>
+                </a:solidFill>
+                <a:latin typeface="Arial"/>
+              </a:rPr>
+              <a:t> </a:t>
+            </a:r>
+            <a:r>
+              <a:rPr lang="pl-PL" sz="2800" dirty="0" err="1">
+                <a:solidFill>
+                  <a:srgbClr val="242729"/>
+                </a:solidFill>
+                <a:latin typeface="Arial"/>
+              </a:rPr>
+              <a:t>without</a:t>
+            </a:r>
+            <a:r>
+              <a:rPr lang="pl-PL" sz="2800" dirty="0">
+                <a:solidFill>
+                  <a:srgbClr val="242729"/>
+                </a:solidFill>
+                <a:latin typeface="Arial"/>
+              </a:rPr>
+              <a:t> </a:t>
+            </a:r>
+            <a:r>
+              <a:rPr lang="pl-PL" sz="2800" dirty="0" err="1">
+                <a:solidFill>
+                  <a:srgbClr val="242729"/>
+                </a:solidFill>
+                <a:latin typeface="Arial"/>
+              </a:rPr>
+              <a:t>need</a:t>
+            </a:r>
+            <a:r>
+              <a:rPr lang="pl-PL" sz="2800" dirty="0">
+                <a:solidFill>
+                  <a:srgbClr val="242729"/>
+                </a:solidFill>
+                <a:latin typeface="Arial"/>
+              </a:rPr>
+              <a:t> to </a:t>
+            </a:r>
+            <a:r>
+              <a:rPr lang="pl-PL" sz="2800" dirty="0" err="1">
+                <a:solidFill>
+                  <a:srgbClr val="242729"/>
+                </a:solidFill>
+                <a:latin typeface="Arial"/>
+              </a:rPr>
+              <a:t>call</a:t>
+            </a:r>
+            <a:r>
+              <a:rPr lang="pl-PL" sz="2800" dirty="0">
+                <a:solidFill>
+                  <a:srgbClr val="242729"/>
+                </a:solidFill>
+                <a:latin typeface="Arial"/>
+              </a:rPr>
+              <a:t> update-</a:t>
+            </a:r>
+            <a:r>
+              <a:rPr lang="pl-PL" sz="2800" dirty="0" err="1">
+                <a:solidFill>
+                  <a:srgbClr val="242729"/>
+                </a:solidFill>
+                <a:latin typeface="Arial"/>
+              </a:rPr>
+              <a:t>database</a:t>
+            </a:r>
+            <a:r>
+              <a:rPr lang="pl-PL" sz="2800" dirty="0">
+                <a:solidFill>
+                  <a:srgbClr val="242729"/>
+                </a:solidFill>
+                <a:latin typeface="Arial"/>
+              </a:rPr>
+              <a:t> </a:t>
+            </a:r>
+            <a:r>
+              <a:rPr lang="pl-PL" sz="2800" dirty="0" err="1">
+                <a:solidFill>
+                  <a:srgbClr val="242729"/>
+                </a:solidFill>
+                <a:latin typeface="Arial"/>
+              </a:rPr>
+              <a:t>command</a:t>
+            </a:r>
+            <a:r>
+              <a:rPr lang="pl-PL" sz="2800" dirty="0">
+                <a:solidFill>
+                  <a:srgbClr val="242729"/>
+                </a:solidFill>
+                <a:latin typeface="Arial"/>
+              </a:rPr>
+              <a:t>, </a:t>
+            </a:r>
+            <a:r>
+              <a:rPr lang="pl-PL" sz="2800" dirty="0" err="1">
+                <a:solidFill>
+                  <a:srgbClr val="242729"/>
+                </a:solidFill>
+                <a:latin typeface="Arial"/>
+              </a:rPr>
+              <a:t>you</a:t>
+            </a:r>
+            <a:r>
+              <a:rPr lang="pl-PL" sz="2800" dirty="0">
+                <a:solidFill>
+                  <a:srgbClr val="242729"/>
+                </a:solidFill>
+                <a:latin typeface="Arial"/>
+              </a:rPr>
+              <a:t> </a:t>
+            </a:r>
+            <a:r>
+              <a:rPr lang="pl-PL" sz="2800" dirty="0" err="1">
+                <a:solidFill>
+                  <a:srgbClr val="242729"/>
+                </a:solidFill>
+                <a:latin typeface="Arial"/>
+              </a:rPr>
+              <a:t>can</a:t>
+            </a:r>
+            <a:r>
+              <a:rPr lang="pl-PL" sz="2800" dirty="0">
+                <a:solidFill>
+                  <a:srgbClr val="242729"/>
+                </a:solidFill>
+                <a:latin typeface="Arial"/>
+              </a:rPr>
+              <a:t> </a:t>
+            </a:r>
+            <a:r>
+              <a:rPr lang="pl-PL" sz="2800" dirty="0" err="1">
+                <a:solidFill>
+                  <a:srgbClr val="242729"/>
+                </a:solidFill>
+                <a:latin typeface="Arial"/>
+              </a:rPr>
+              <a:t>add</a:t>
+            </a:r>
+            <a:r>
+              <a:rPr lang="pl-PL" sz="2800" dirty="0">
+                <a:solidFill>
+                  <a:srgbClr val="242729"/>
+                </a:solidFill>
+                <a:latin typeface="Arial"/>
+              </a:rPr>
+              <a:t> </a:t>
+            </a:r>
+            <a:r>
+              <a:rPr lang="pl-PL" sz="2800" dirty="0" err="1">
+                <a:solidFill>
+                  <a:srgbClr val="242729"/>
+                </a:solidFill>
+                <a:latin typeface="Arial"/>
+              </a:rPr>
+              <a:t>Database.SetInitializer</a:t>
+            </a:r>
+            <a:r>
+              <a:rPr lang="pl-PL" sz="2800" dirty="0">
+                <a:solidFill>
+                  <a:srgbClr val="242729"/>
+                </a:solidFill>
+                <a:latin typeface="Arial"/>
+              </a:rPr>
+              <a:t>(...) in </a:t>
+            </a:r>
+            <a:r>
+              <a:rPr lang="pl-PL" sz="2800" dirty="0" err="1">
+                <a:solidFill>
+                  <a:srgbClr val="242729"/>
+                </a:solidFill>
+                <a:latin typeface="Arial"/>
+              </a:rPr>
+              <a:t>OnModelCreating</a:t>
+            </a:r>
+            <a:r>
+              <a:rPr lang="pl-PL" sz="2800" dirty="0">
+                <a:solidFill>
+                  <a:srgbClr val="242729"/>
+                </a:solidFill>
+                <a:latin typeface="Arial"/>
+              </a:rPr>
+              <a:t>() </a:t>
+            </a:r>
+            <a:r>
+              <a:rPr lang="pl-PL" sz="2800" dirty="0" err="1">
+                <a:solidFill>
+                  <a:srgbClr val="242729"/>
+                </a:solidFill>
+                <a:latin typeface="Arial"/>
+              </a:rPr>
+              <a:t>method</a:t>
+            </a:r>
+            <a:r>
+              <a:rPr lang="pl-PL" sz="2800" dirty="0">
+                <a:solidFill>
+                  <a:srgbClr val="242729"/>
+                </a:solidFill>
+                <a:latin typeface="Arial"/>
+              </a:rPr>
+              <a:t> on </a:t>
+            </a:r>
+            <a:r>
+              <a:rPr lang="pl-PL" sz="2800" dirty="0" err="1">
+                <a:solidFill>
+                  <a:srgbClr val="242729"/>
+                </a:solidFill>
+                <a:latin typeface="Arial"/>
+              </a:rPr>
+              <a:t>your</a:t>
+            </a:r>
+            <a:r>
+              <a:rPr lang="pl-PL" sz="2800" dirty="0">
+                <a:solidFill>
+                  <a:srgbClr val="242729"/>
+                </a:solidFill>
+                <a:latin typeface="Arial"/>
+              </a:rPr>
+              <a:t> </a:t>
+            </a:r>
+            <a:r>
+              <a:rPr lang="pl-PL" sz="2800" dirty="0" err="1">
+                <a:solidFill>
+                  <a:srgbClr val="242729"/>
+                </a:solidFill>
+                <a:latin typeface="Arial"/>
+              </a:rPr>
+              <a:t>context</a:t>
+            </a:r>
+            <a:r>
+              <a:rPr lang="pl-PL" sz="2800" dirty="0">
+                <a:solidFill>
+                  <a:srgbClr val="242729"/>
+                </a:solidFill>
+                <a:latin typeface="Arial"/>
+              </a:rPr>
+              <a:t>, </a:t>
+            </a:r>
+            <a:r>
+              <a:rPr lang="pl-PL" sz="2800" dirty="0" err="1">
+                <a:solidFill>
+                  <a:srgbClr val="242729"/>
+                </a:solidFill>
+                <a:latin typeface="Arial"/>
+              </a:rPr>
+              <a:t>like</a:t>
+            </a:r>
+            <a:r>
+              <a:rPr lang="pl-PL" sz="2800" dirty="0">
+                <a:solidFill>
+                  <a:srgbClr val="242729"/>
+                </a:solidFill>
+                <a:latin typeface="Arial"/>
+              </a:rPr>
+              <a:t> </a:t>
+            </a:r>
+            <a:r>
+              <a:rPr lang="pl-PL" sz="2800" dirty="0" err="1">
+                <a:solidFill>
+                  <a:srgbClr val="242729"/>
+                </a:solidFill>
+                <a:latin typeface="Arial"/>
+              </a:rPr>
+              <a:t>so</a:t>
+            </a:r>
+            <a:r>
+              <a:rPr lang="pl-PL" sz="2800" dirty="0">
+                <a:solidFill>
+                  <a:srgbClr val="242729"/>
+                </a:solidFill>
+                <a:latin typeface="Arial"/>
+              </a:rPr>
+              <a:t>:</a:t>
+            </a:r>
+          </a:p>
+          <a:p>
+            <a:r>
+              <a:rPr lang="pl-PL" sz="2800" dirty="0">
+                <a:solidFill>
+                  <a:srgbClr val="101094"/>
+                </a:solidFill>
+                <a:latin typeface="inherit"/>
+              </a:rPr>
+              <a:t>public</a:t>
+            </a:r>
+            <a:r>
+              <a:rPr lang="pl-PL" sz="2800" dirty="0">
+                <a:solidFill>
+                  <a:srgbClr val="303336"/>
+                </a:solidFill>
+                <a:latin typeface="inherit"/>
+              </a:rPr>
+              <a:t> </a:t>
+            </a:r>
+            <a:r>
+              <a:rPr lang="pl-PL" sz="2800" dirty="0" err="1">
+                <a:solidFill>
+                  <a:srgbClr val="101094"/>
+                </a:solidFill>
+                <a:latin typeface="inherit"/>
+              </a:rPr>
+              <a:t>class</a:t>
+            </a:r>
+            <a:r>
+              <a:rPr lang="pl-PL" sz="2800" dirty="0">
+                <a:solidFill>
+                  <a:srgbClr val="303336"/>
+                </a:solidFill>
+                <a:latin typeface="inherit"/>
+              </a:rPr>
+              <a:t> </a:t>
+            </a:r>
+            <a:r>
+              <a:rPr lang="pl-PL" sz="2800" dirty="0" err="1">
+                <a:solidFill>
+                  <a:srgbClr val="2B91AF"/>
+                </a:solidFill>
+                <a:latin typeface="inherit"/>
+              </a:rPr>
+              <a:t>MyContext</a:t>
+            </a:r>
+            <a:r>
+              <a:rPr lang="pl-PL" sz="2800" dirty="0">
+                <a:solidFill>
+                  <a:srgbClr val="303336"/>
+                </a:solidFill>
+                <a:latin typeface="inherit"/>
+              </a:rPr>
+              <a:t> : </a:t>
+            </a:r>
+            <a:r>
+              <a:rPr lang="pl-PL" sz="2800" dirty="0" err="1">
+                <a:solidFill>
+                  <a:srgbClr val="2B91AF"/>
+                </a:solidFill>
+                <a:latin typeface="inherit"/>
+              </a:rPr>
+              <a:t>DbContext</a:t>
+            </a:r>
+            <a:r>
+              <a:rPr lang="pl-PL" sz="2800" dirty="0">
+                <a:solidFill>
+                  <a:srgbClr val="303336"/>
+                </a:solidFill>
+                <a:latin typeface="inherit"/>
+              </a:rPr>
+              <a:t> { </a:t>
+            </a:r>
+            <a:r>
+              <a:rPr lang="pl-PL" sz="2800" dirty="0" err="1">
+                <a:solidFill>
+                  <a:srgbClr val="101094"/>
+                </a:solidFill>
+                <a:latin typeface="inherit"/>
+              </a:rPr>
+              <a:t>protected</a:t>
+            </a:r>
+            <a:r>
+              <a:rPr lang="pl-PL" sz="2800" dirty="0">
+                <a:solidFill>
+                  <a:srgbClr val="303336"/>
+                </a:solidFill>
+                <a:latin typeface="inherit"/>
+              </a:rPr>
+              <a:t> </a:t>
+            </a:r>
+            <a:r>
+              <a:rPr lang="pl-PL" sz="2800" dirty="0" err="1">
+                <a:solidFill>
+                  <a:srgbClr val="101094"/>
+                </a:solidFill>
+                <a:latin typeface="inherit"/>
+              </a:rPr>
+              <a:t>override</a:t>
+            </a:r>
+            <a:r>
+              <a:rPr lang="pl-PL" sz="2800" dirty="0">
+                <a:solidFill>
+                  <a:srgbClr val="303336"/>
+                </a:solidFill>
+                <a:latin typeface="inherit"/>
+              </a:rPr>
+              <a:t> </a:t>
+            </a:r>
+            <a:r>
+              <a:rPr lang="pl-PL" sz="2800" dirty="0" err="1">
+                <a:solidFill>
+                  <a:srgbClr val="101094"/>
+                </a:solidFill>
+                <a:latin typeface="inherit"/>
+              </a:rPr>
+              <a:t>void</a:t>
+            </a:r>
+            <a:r>
+              <a:rPr lang="pl-PL" sz="2800" dirty="0">
+                <a:solidFill>
+                  <a:srgbClr val="303336"/>
+                </a:solidFill>
+                <a:latin typeface="inherit"/>
+              </a:rPr>
+              <a:t> </a:t>
+            </a:r>
+            <a:r>
+              <a:rPr lang="pl-PL" sz="2800" dirty="0" err="1">
+                <a:solidFill>
+                  <a:srgbClr val="2B91AF"/>
+                </a:solidFill>
+                <a:latin typeface="inherit"/>
+              </a:rPr>
+              <a:t>OnModelCreating</a:t>
+            </a:r>
+            <a:r>
+              <a:rPr lang="pl-PL" sz="2800" dirty="0">
+                <a:solidFill>
+                  <a:srgbClr val="303336"/>
+                </a:solidFill>
+                <a:latin typeface="inherit"/>
+              </a:rPr>
+              <a:t>(</a:t>
+            </a:r>
+            <a:r>
+              <a:rPr lang="pl-PL" sz="2800" dirty="0" err="1">
+                <a:solidFill>
+                  <a:srgbClr val="2B91AF"/>
+                </a:solidFill>
+                <a:latin typeface="inherit"/>
+              </a:rPr>
+              <a:t>DbModelBuilder</a:t>
+            </a:r>
+            <a:r>
+              <a:rPr lang="pl-PL" sz="2800" dirty="0">
+                <a:solidFill>
+                  <a:srgbClr val="303336"/>
+                </a:solidFill>
+                <a:latin typeface="inherit"/>
+              </a:rPr>
+              <a:t> </a:t>
+            </a:r>
+            <a:r>
+              <a:rPr lang="pl-PL" sz="2800" dirty="0" err="1">
+                <a:solidFill>
+                  <a:srgbClr val="303336"/>
+                </a:solidFill>
+                <a:latin typeface="inherit"/>
+              </a:rPr>
+              <a:t>modelBuilder</a:t>
+            </a:r>
+            <a:r>
+              <a:rPr lang="pl-PL" sz="2800" dirty="0">
+                <a:solidFill>
+                  <a:srgbClr val="303336"/>
+                </a:solidFill>
+                <a:latin typeface="inherit"/>
+              </a:rPr>
+              <a:t>) { </a:t>
+            </a:r>
+            <a:r>
+              <a:rPr lang="pl-PL" sz="2800" dirty="0" err="1">
+                <a:solidFill>
+                  <a:srgbClr val="2B91AF"/>
+                </a:solidFill>
+                <a:latin typeface="inherit"/>
+              </a:rPr>
+              <a:t>Database</a:t>
+            </a:r>
+            <a:r>
+              <a:rPr lang="pl-PL" sz="2800" dirty="0" err="1">
+                <a:solidFill>
+                  <a:srgbClr val="303336"/>
+                </a:solidFill>
+                <a:latin typeface="inherit"/>
+              </a:rPr>
+              <a:t>.</a:t>
+            </a:r>
+            <a:r>
+              <a:rPr lang="pl-PL" sz="2800" dirty="0" err="1">
+                <a:solidFill>
+                  <a:srgbClr val="2B91AF"/>
+                </a:solidFill>
+                <a:latin typeface="inherit"/>
+              </a:rPr>
+              <a:t>SetInitializer</a:t>
+            </a:r>
+            <a:r>
+              <a:rPr lang="pl-PL" sz="2800" dirty="0">
+                <a:solidFill>
+                  <a:srgbClr val="303336"/>
+                </a:solidFill>
+                <a:latin typeface="inherit"/>
+              </a:rPr>
+              <a:t>(</a:t>
+            </a:r>
+            <a:r>
+              <a:rPr lang="pl-PL" sz="2800" dirty="0" err="1">
+                <a:solidFill>
+                  <a:srgbClr val="101094"/>
+                </a:solidFill>
+                <a:latin typeface="inherit"/>
+              </a:rPr>
+              <a:t>new</a:t>
+            </a:r>
+            <a:r>
+              <a:rPr lang="pl-PL" sz="2800" dirty="0">
+                <a:solidFill>
+                  <a:srgbClr val="303336"/>
+                </a:solidFill>
+                <a:latin typeface="inherit"/>
+              </a:rPr>
+              <a:t> </a:t>
+            </a:r>
+            <a:r>
+              <a:rPr lang="pl-PL" sz="2800" dirty="0" err="1">
+                <a:solidFill>
+                  <a:srgbClr val="2B91AF"/>
+                </a:solidFill>
+                <a:latin typeface="inherit"/>
+              </a:rPr>
+              <a:t>MigrateDatabaseToLatestVersion</a:t>
+            </a:r>
+            <a:r>
+              <a:rPr lang="pl-PL" sz="2800" dirty="0">
+                <a:solidFill>
+                  <a:srgbClr val="303336"/>
+                </a:solidFill>
+                <a:latin typeface="inherit"/>
+              </a:rPr>
+              <a:t>&lt;</a:t>
+            </a:r>
+            <a:r>
+              <a:rPr lang="pl-PL" sz="2800" dirty="0" err="1">
+                <a:solidFill>
+                  <a:srgbClr val="2B91AF"/>
+                </a:solidFill>
+                <a:latin typeface="inherit"/>
+              </a:rPr>
+              <a:t>MyContext</a:t>
+            </a:r>
+            <a:r>
+              <a:rPr lang="pl-PL" sz="2800" dirty="0">
+                <a:solidFill>
+                  <a:srgbClr val="303336"/>
+                </a:solidFill>
+                <a:latin typeface="inherit"/>
+              </a:rPr>
+              <a:t>, </a:t>
+            </a:r>
+            <a:r>
+              <a:rPr lang="pl-PL" sz="2800" dirty="0" err="1">
+                <a:solidFill>
+                  <a:srgbClr val="2B91AF"/>
+                </a:solidFill>
+                <a:latin typeface="inherit"/>
+              </a:rPr>
+              <a:t>MigrateDBConfiguration</a:t>
+            </a:r>
+            <a:r>
+              <a:rPr lang="pl-PL" sz="2800" dirty="0">
+                <a:solidFill>
+                  <a:srgbClr val="303336"/>
+                </a:solidFill>
+                <a:latin typeface="inherit"/>
+              </a:rPr>
+              <a:t>&gt;()); }</a:t>
+            </a:r>
+            <a:endParaRPr lang="pl-PL" sz="2800" dirty="0" smtClean="0">
+              <a:solidFill>
+                <a:srgbClr val="0000FF"/>
+              </a:solidFill>
+              <a:latin typeface="Consolas"/>
+            </a:endParaRPr>
+          </a:p>
+          <a:p>
+            <a:pPr marL="109728" indent="0">
+              <a:buNone/>
+            </a:pPr>
+            <a:endParaRPr lang="pl-PL" sz="2800" dirty="0">
+              <a:solidFill>
+                <a:srgbClr val="0000FF"/>
+              </a:solidFill>
+              <a:latin typeface="Consolas"/>
+            </a:endParaRPr>
           </a:p>
         </p:txBody>
       </p:sp>
@@ -8797,12 +9666,14 @@
         </p:nvSpPr>
         <p:spPr/>
         <p:txBody>
-          <a:bodyPr/>
+          <a:bodyPr>
+            <a:normAutofit/>
+          </a:bodyPr>
           <a:lstStyle/>
           <a:p>
             <a:r>
               <a:rPr lang="pl-PL" dirty="0" smtClean="0"/>
-              <a:t>Bibliografia</a:t>
+              <a:t>Migracje: automatyczne</a:t>
             </a:r>
             <a:endParaRPr lang="pl-PL" dirty="0"/>
           </a:p>
@@ -8841,7 +9712,7 @@
           <p:nvPr/>
         </p:nvPicPr>
         <p:blipFill>
-          <a:blip r:embed="rId2" cstate="print">
+          <a:blip r:embed="rId3" cstate="print">
             <a:extLst>
               <a:ext uri="{28A0092B-C50C-407E-A947-70E740481C1C}">
                 <a14:useLocalDpi xmlns:a14="http://schemas.microsoft.com/office/drawing/2010/main" val="0"/>
@@ -8865,7 +9736,7 @@
     </p:spTree>
     <p:extLst>
       <p:ext uri="{BB962C8B-B14F-4D97-AF65-F5344CB8AC3E}">
-        <p14:creationId xmlns:p14="http://schemas.microsoft.com/office/powerpoint/2010/main" val="3028022006"/>
+        <p14:creationId xmlns:p14="http://schemas.microsoft.com/office/powerpoint/2010/main" val="4148982605"/>
       </p:ext>
     </p:extLst>
   </p:cSld>
@@ -8901,12 +9772,12 @@
       </p:grpSpPr>
       <p:sp>
         <p:nvSpPr>
-          <p:cNvPr id="2" name="Tytuł 1"/>
-          <p:cNvSpPr>
-            <a:spLocks noGrp="1"/>
-          </p:cNvSpPr>
-          <p:nvPr>
-            <p:ph type="ctrTitle"/>
+          <p:cNvPr id="8" name="Symbol zastępczy zawartości 7"/>
+          <p:cNvSpPr>
+            <a:spLocks noGrp="1"/>
+          </p:cNvSpPr>
+          <p:nvPr>
+            <p:ph idx="1"/>
           </p:nvPr>
         </p:nvSpPr>
         <p:spPr/>
@@ -8916,20 +9787,60 @@
           <a:p>
             <a:r>
               <a:rPr lang="pl-PL" dirty="0" smtClean="0"/>
-              <a:t>Pytania ?</a:t>
-            </a:r>
+              <a:t>Dostępne strategie</a:t>
+            </a:r>
+          </a:p>
+          <a:p>
+            <a:pPr lvl="1"/>
+            <a:r>
+              <a:rPr lang="pl-PL" dirty="0" err="1" smtClean="0"/>
+              <a:t>DropCreateDatabaseIfModelChanges</a:t>
+            </a:r>
+            <a:endParaRPr lang="pl-PL" dirty="0" smtClean="0"/>
+          </a:p>
+          <a:p>
+            <a:pPr lvl="1"/>
+            <a:r>
+              <a:rPr lang="pl-PL" dirty="0" err="1" smtClean="0"/>
+              <a:t>DropCreateDatabaseAlways</a:t>
+            </a:r>
+            <a:endParaRPr lang="pl-PL" dirty="0" smtClean="0"/>
+          </a:p>
+          <a:p>
+            <a:pPr lvl="1"/>
+            <a:r>
+              <a:rPr lang="pl-PL" dirty="0" err="1" smtClean="0"/>
+              <a:t>CreateDatabaseIfNotExists</a:t>
+            </a:r>
+            <a:r>
+              <a:rPr lang="pl-PL" dirty="0" smtClean="0"/>
+              <a:t> (domyślna)</a:t>
+            </a:r>
+          </a:p>
+          <a:p>
+            <a:r>
+              <a:rPr lang="pl-PL" dirty="0" smtClean="0"/>
+              <a:t>Możliwość własnych strategii (np. dziedziczenie)</a:t>
+            </a:r>
+            <a:r>
+              <a:rPr lang="pl-PL" dirty="0"/>
+              <a:t/>
+            </a:r>
+            <a:br>
+              <a:rPr lang="pl-PL" dirty="0"/>
+            </a:br>
             <a:endParaRPr lang="pl-PL" dirty="0"/>
           </a:p>
         </p:txBody>
       </p:sp>
       <p:sp>
         <p:nvSpPr>
-          <p:cNvPr id="3" name="Podtytuł 2"/>
-          <p:cNvSpPr>
-            <a:spLocks noGrp="1"/>
-          </p:cNvSpPr>
-          <p:nvPr>
-            <p:ph type="subTitle" idx="1"/>
+          <p:cNvPr id="4" name="Symbol zastępczy numeru slajdu 3"/>
+          <p:cNvSpPr>
+            <a:spLocks noGrp="1"/>
+          </p:cNvSpPr>
+          <p:nvPr>
+            <p:ph type="sldNum" sz="quarter" idx="12"/>
           </p:nvPr>
         </p:nvSpPr>
         <p:spPr/>
@@ -8937,20 +9848,48 @@
           <a:bodyPr/>
           <a:lstStyle/>
           <a:p>
+            <a:fld id="{976B8C4A-E01E-49C4-A342-E776841D1431}" type="slidenum">
+              <a:rPr lang="pl-PL" smtClean="0"/>
+              <a:pPr/>
+              <a:t>19</a:t>
+            </a:fld>
+            <a:endParaRPr lang="pl-PL"/>
+          </a:p>
+        </p:txBody>
+      </p:sp>
+      <p:sp>
+        <p:nvSpPr>
+          <p:cNvPr id="3" name="Tytuł 2"/>
+          <p:cNvSpPr>
+            <a:spLocks noGrp="1"/>
+          </p:cNvSpPr>
+          <p:nvPr>
+            <p:ph type="title"/>
+          </p:nvPr>
+        </p:nvSpPr>
+        <p:spPr/>
+        <p:txBody>
+          <a:bodyPr/>
+          <a:lstStyle/>
+          <a:p>
+            <a:r>
+              <a:rPr lang="pl-PL" smtClean="0"/>
+              <a:t>Migracje: automatyczne</a:t>
+            </a:r>
             <a:endParaRPr lang="pl-PL" dirty="0"/>
           </a:p>
         </p:txBody>
       </p:sp>
       <p:pic>
         <p:nvPicPr>
-          <p:cNvPr id="4" name="Obraz 3"/>
+          <p:cNvPr id="5" name="Obraz 4"/>
           <p:cNvPicPr>
             <a:picLocks noChangeAspect="1"/>
           </p:cNvPicPr>
           <p:nvPr/>
         </p:nvPicPr>
         <p:blipFill>
-          <a:blip r:embed="rId2" cstate="print">
+          <a:blip r:embed="rId3" cstate="print">
             <a:extLst>
               <a:ext uri="{28A0092B-C50C-407E-A947-70E740481C1C}">
                 <a14:useLocalDpi xmlns:a14="http://schemas.microsoft.com/office/drawing/2010/main" val="0"/>
@@ -8963,8 +9902,8 @@
         </p:blipFill>
         <p:spPr>
           <a:xfrm>
-            <a:off x="107504" y="5229200"/>
-            <a:ext cx="2664296" cy="1517565"/>
+            <a:off x="179512" y="6165304"/>
+            <a:ext cx="1008112" cy="574214"/>
           </a:xfrm>
           <a:prstGeom prst="rect">
             <a:avLst/>
@@ -8974,7 +9913,7 @@
     </p:spTree>
     <p:extLst>
       <p:ext uri="{BB962C8B-B14F-4D97-AF65-F5344CB8AC3E}">
-        <p14:creationId xmlns:p14="http://schemas.microsoft.com/office/powerpoint/2010/main" val="1895918166"/>
+        <p14:creationId xmlns:p14="http://schemas.microsoft.com/office/powerpoint/2010/main" val="3470529918"/>
       </p:ext>
     </p:extLst>
   </p:cSld>
@@ -9275,12 +10214,12 @@
       </p:grpSpPr>
       <p:sp>
         <p:nvSpPr>
-          <p:cNvPr id="2" name="Tytuł 1"/>
-          <p:cNvSpPr>
-            <a:spLocks noGrp="1"/>
-          </p:cNvSpPr>
-          <p:nvPr>
-            <p:ph type="ctrTitle"/>
+          <p:cNvPr id="2" name="Symbol zastępczy zawartości 1"/>
+          <p:cNvSpPr>
+            <a:spLocks noGrp="1"/>
+          </p:cNvSpPr>
+          <p:nvPr>
+            <p:ph idx="1"/>
           </p:nvPr>
         </p:nvSpPr>
         <p:spPr/>
@@ -9288,17 +10227,252 @@
           <a:bodyPr/>
           <a:lstStyle/>
           <a:p>
+            <a:endParaRPr lang="pl-PL" dirty="0"/>
+          </a:p>
+        </p:txBody>
+      </p:sp>
+      <p:sp>
+        <p:nvSpPr>
+          <p:cNvPr id="3" name="Tytuł 2"/>
+          <p:cNvSpPr>
+            <a:spLocks noGrp="1"/>
+          </p:cNvSpPr>
+          <p:nvPr>
+            <p:ph type="title"/>
+          </p:nvPr>
+        </p:nvSpPr>
+        <p:spPr/>
+        <p:txBody>
+          <a:bodyPr/>
+          <a:lstStyle/>
+          <a:p>
+            <a:r>
+              <a:rPr lang="pl-PL" dirty="0" smtClean="0"/>
+              <a:t>Bibliografia</a:t>
+            </a:r>
+            <a:endParaRPr lang="pl-PL" dirty="0"/>
+          </a:p>
+        </p:txBody>
+      </p:sp>
+      <p:sp>
+        <p:nvSpPr>
+          <p:cNvPr id="4" name="Symbol zastępczy numeru slajdu 3"/>
+          <p:cNvSpPr>
+            <a:spLocks noGrp="1"/>
+          </p:cNvSpPr>
+          <p:nvPr>
+            <p:ph type="sldNum" sz="quarter" idx="12"/>
+          </p:nvPr>
+        </p:nvSpPr>
+        <p:spPr/>
+        <p:txBody>
+          <a:bodyPr/>
+          <a:lstStyle/>
+          <a:p>
+            <a:fld id="{976B8C4A-E01E-49C4-A342-E776841D1431}" type="slidenum">
+              <a:rPr lang="pl-PL" smtClean="0"/>
+              <a:pPr/>
+              <a:t>20</a:t>
+            </a:fld>
+            <a:endParaRPr lang="pl-PL"/>
+          </a:p>
+        </p:txBody>
+      </p:sp>
+      <p:pic>
+        <p:nvPicPr>
+          <p:cNvPr id="5" name="Obraz 4"/>
+          <p:cNvPicPr>
+            <a:picLocks noChangeAspect="1"/>
+          </p:cNvPicPr>
+          <p:nvPr/>
+        </p:nvPicPr>
+        <p:blipFill>
+          <a:blip r:embed="rId2" cstate="print">
+            <a:extLst>
+              <a:ext uri="{28A0092B-C50C-407E-A947-70E740481C1C}">
+                <a14:useLocalDpi xmlns:a14="http://schemas.microsoft.com/office/drawing/2010/main" val="0"/>
+              </a:ext>
+            </a:extLst>
+          </a:blip>
+          <a:stretch>
+            <a:fillRect/>
+          </a:stretch>
+        </p:blipFill>
+        <p:spPr>
+          <a:xfrm>
+            <a:off x="179512" y="6165304"/>
+            <a:ext cx="1008112" cy="574214"/>
+          </a:xfrm>
+          <a:prstGeom prst="rect">
+            <a:avLst/>
+          </a:prstGeom>
+        </p:spPr>
+      </p:pic>
+    </p:spTree>
+    <p:extLst>
+      <p:ext uri="{BB962C8B-B14F-4D97-AF65-F5344CB8AC3E}">
+        <p14:creationId xmlns:p14="http://schemas.microsoft.com/office/powerpoint/2010/main" val="3028022006"/>
+      </p:ext>
+    </p:extLst>
+  </p:cSld>
+  <p:clrMapOvr>
+    <a:masterClrMapping/>
+  </p:clrMapOvr>
+  <p:timing>
+    <p:tnLst>
+      <p:par>
+        <p:cTn id="1" dur="indefinite" restart="never" nodeType="tmRoot"/>
+      </p:par>
+    </p:tnLst>
+  </p:timing>
+</p:sld>
+</file>
+
+<file path=ppt/slides/slide21.xml><?xml version="1.0" encoding="utf-8"?>
+<p:sld xmlns:a="http://schemas.openxmlformats.org/drawingml/2006/main" xmlns:r="http://schemas.openxmlformats.org/officeDocument/2006/relationships" xmlns:p="http://schemas.openxmlformats.org/presentationml/2006/main">
+  <p:cSld>
+    <p:spTree>
+      <p:nvGrpSpPr>
+        <p:cNvPr id="1" name=""/>
+        <p:cNvGrpSpPr/>
+        <p:nvPr/>
+      </p:nvGrpSpPr>
+      <p:grpSpPr>
+        <a:xfrm>
+          <a:off x="0" y="0"/>
+          <a:ext cx="0" cy="0"/>
+          <a:chOff x="0" y="0"/>
+          <a:chExt cx="0" cy="0"/>
+        </a:xfrm>
+      </p:grpSpPr>
+      <p:sp>
+        <p:nvSpPr>
+          <p:cNvPr id="2" name="Tytuł 1"/>
+          <p:cNvSpPr>
+            <a:spLocks noGrp="1"/>
+          </p:cNvSpPr>
+          <p:nvPr>
+            <p:ph type="ctrTitle"/>
+          </p:nvPr>
+        </p:nvSpPr>
+        <p:spPr/>
+        <p:txBody>
+          <a:bodyPr/>
+          <a:lstStyle/>
+          <a:p>
+            <a:r>
+              <a:rPr lang="pl-PL" dirty="0" smtClean="0"/>
+              <a:t>Pytania ?</a:t>
+            </a:r>
+            <a:endParaRPr lang="pl-PL" dirty="0"/>
+          </a:p>
+        </p:txBody>
+      </p:sp>
+      <p:sp>
+        <p:nvSpPr>
+          <p:cNvPr id="3" name="Podtytuł 2"/>
+          <p:cNvSpPr>
+            <a:spLocks noGrp="1"/>
+          </p:cNvSpPr>
+          <p:nvPr>
+            <p:ph type="subTitle" idx="1"/>
+          </p:nvPr>
+        </p:nvSpPr>
+        <p:spPr/>
+        <p:txBody>
+          <a:bodyPr/>
+          <a:lstStyle/>
+          <a:p>
+            <a:endParaRPr lang="pl-PL" dirty="0"/>
+          </a:p>
+        </p:txBody>
+      </p:sp>
+      <p:pic>
+        <p:nvPicPr>
+          <p:cNvPr id="4" name="Obraz 3"/>
+          <p:cNvPicPr>
+            <a:picLocks noChangeAspect="1"/>
+          </p:cNvPicPr>
+          <p:nvPr/>
+        </p:nvPicPr>
+        <p:blipFill>
+          <a:blip r:embed="rId2" cstate="print">
+            <a:extLst>
+              <a:ext uri="{28A0092B-C50C-407E-A947-70E740481C1C}">
+                <a14:useLocalDpi xmlns:a14="http://schemas.microsoft.com/office/drawing/2010/main" val="0"/>
+              </a:ext>
+            </a:extLst>
+          </a:blip>
+          <a:stretch>
+            <a:fillRect/>
+          </a:stretch>
+        </p:blipFill>
+        <p:spPr>
+          <a:xfrm>
+            <a:off x="107504" y="5229200"/>
+            <a:ext cx="2664296" cy="1517565"/>
+          </a:xfrm>
+          <a:prstGeom prst="rect">
+            <a:avLst/>
+          </a:prstGeom>
+        </p:spPr>
+      </p:pic>
+    </p:spTree>
+    <p:extLst>
+      <p:ext uri="{BB962C8B-B14F-4D97-AF65-F5344CB8AC3E}">
+        <p14:creationId xmlns:p14="http://schemas.microsoft.com/office/powerpoint/2010/main" val="1895918166"/>
+      </p:ext>
+    </p:extLst>
+  </p:cSld>
+  <p:clrMapOvr>
+    <a:masterClrMapping/>
+  </p:clrMapOvr>
+  <p:timing>
+    <p:tnLst>
+      <p:par>
+        <p:cTn id="1" dur="indefinite" restart="never" nodeType="tmRoot"/>
+      </p:par>
+    </p:tnLst>
+  </p:timing>
+</p:sld>
+</file>
+
+<file path=ppt/slides/slide22.xml><?xml version="1.0" encoding="utf-8"?>
+<p:sld xmlns:a="http://schemas.openxmlformats.org/drawingml/2006/main" xmlns:r="http://schemas.openxmlformats.org/officeDocument/2006/relationships" xmlns:p="http://schemas.openxmlformats.org/presentationml/2006/main">
+  <p:cSld>
+    <p:spTree>
+      <p:nvGrpSpPr>
+        <p:cNvPr id="1" name=""/>
+        <p:cNvGrpSpPr/>
+        <p:nvPr/>
+      </p:nvGrpSpPr>
+      <p:grpSpPr>
+        <a:xfrm>
+          <a:off x="0" y="0"/>
+          <a:ext cx="0" cy="0"/>
+          <a:chOff x="0" y="0"/>
+          <a:chExt cx="0" cy="0"/>
+        </a:xfrm>
+      </p:grpSpPr>
+      <p:sp>
+        <p:nvSpPr>
+          <p:cNvPr id="2" name="Tytuł 1"/>
+          <p:cNvSpPr>
+            <a:spLocks noGrp="1"/>
+          </p:cNvSpPr>
+          <p:nvPr>
+            <p:ph type="ctrTitle"/>
+          </p:nvPr>
+        </p:nvSpPr>
+        <p:spPr/>
+        <p:txBody>
+          <a:bodyPr/>
+          <a:lstStyle/>
+          <a:p>
             <a:r>
               <a:rPr lang="pl-PL" dirty="0"/>
               <a:t>Dziękuję za uwagę </a:t>
             </a:r>
-            <a:r>
-              <a:rPr lang="pl-PL" dirty="0">
-                <a:sym typeface="Wingdings" panose="05000000000000000000" pitchFamily="2" charset="2"/>
-              </a:rPr>
-              <a:t></a:t>
-            </a:r>
-            <a:endParaRPr lang="pl-PL" dirty="0"/>
           </a:p>
         </p:txBody>
       </p:sp>

--- a/ItKrd_EF.pptx
+++ b/ItKrd_EF.pptx
@@ -5,31 +5,42 @@
     <p:sldMasterId id="2147483672" r:id="rId1"/>
   </p:sldMasterIdLst>
   <p:notesMasterIdLst>
-    <p:notesMasterId r:id="rId24"/>
+    <p:notesMasterId r:id="rId35"/>
   </p:notesMasterIdLst>
   <p:sldIdLst>
     <p:sldId id="259" r:id="rId2"/>
     <p:sldId id="261" r:id="rId3"/>
-    <p:sldId id="341" r:id="rId4"/>
-    <p:sldId id="349" r:id="rId5"/>
-    <p:sldId id="346" r:id="rId6"/>
-    <p:sldId id="345" r:id="rId7"/>
-    <p:sldId id="344" r:id="rId8"/>
-    <p:sldId id="342" r:id="rId9"/>
-    <p:sldId id="343" r:id="rId10"/>
-    <p:sldId id="337" r:id="rId11"/>
-    <p:sldId id="339" r:id="rId12"/>
-    <p:sldId id="340" r:id="rId13"/>
-    <p:sldId id="347" r:id="rId14"/>
-    <p:sldId id="338" r:id="rId15"/>
-    <p:sldId id="348" r:id="rId16"/>
-    <p:sldId id="350" r:id="rId17"/>
-    <p:sldId id="351" r:id="rId18"/>
-    <p:sldId id="352" r:id="rId19"/>
-    <p:sldId id="353" r:id="rId20"/>
-    <p:sldId id="273" r:id="rId21"/>
-    <p:sldId id="265" r:id="rId22"/>
-    <p:sldId id="312" r:id="rId23"/>
+    <p:sldId id="363" r:id="rId4"/>
+    <p:sldId id="357" r:id="rId5"/>
+    <p:sldId id="358" r:id="rId6"/>
+    <p:sldId id="341" r:id="rId7"/>
+    <p:sldId id="349" r:id="rId8"/>
+    <p:sldId id="359" r:id="rId9"/>
+    <p:sldId id="360" r:id="rId10"/>
+    <p:sldId id="361" r:id="rId11"/>
+    <p:sldId id="346" r:id="rId12"/>
+    <p:sldId id="345" r:id="rId13"/>
+    <p:sldId id="364" r:id="rId14"/>
+    <p:sldId id="344" r:id="rId15"/>
+    <p:sldId id="342" r:id="rId16"/>
+    <p:sldId id="343" r:id="rId17"/>
+    <p:sldId id="362" r:id="rId18"/>
+    <p:sldId id="337" r:id="rId19"/>
+    <p:sldId id="339" r:id="rId20"/>
+    <p:sldId id="340" r:id="rId21"/>
+    <p:sldId id="347" r:id="rId22"/>
+    <p:sldId id="338" r:id="rId23"/>
+    <p:sldId id="348" r:id="rId24"/>
+    <p:sldId id="356" r:id="rId25"/>
+    <p:sldId id="355" r:id="rId26"/>
+    <p:sldId id="350" r:id="rId27"/>
+    <p:sldId id="351" r:id="rId28"/>
+    <p:sldId id="352" r:id="rId29"/>
+    <p:sldId id="353" r:id="rId30"/>
+    <p:sldId id="354" r:id="rId31"/>
+    <p:sldId id="273" r:id="rId32"/>
+    <p:sldId id="265" r:id="rId33"/>
+    <p:sldId id="312" r:id="rId34"/>
   </p:sldIdLst>
   <p:sldSz cx="9144000" cy="6858000" type="screen4x3"/>
   <p:notesSz cx="6858000" cy="9144000"/>
@@ -130,7 +141,7 @@
   </p:defaultTextStyle>
   <p:extLst>
     <p:ext uri="{521415D9-36F7-43E2-AB2F-B90AF26B5E84}">
-      <p14:sectionLst xmlns:p14="http://schemas.microsoft.com/office/powerpoint/2010/main">
+      <p14:sectionLst xmlns:p14="http://schemas.microsoft.com/office/powerpoint/2010/main" xmlns="">
         <p14:section name="Sekcja domyślna" id="{3BC6E1D2-328C-41CB-9057-F3B961AC0247}">
           <p14:sldIdLst/>
         </p14:section>
@@ -249,7 +260,7 @@
             <a:fld id="{BA253BF4-6D38-4006-9F12-A6653E7283E6}" type="datetimeFigureOut">
               <a:rPr lang="pl-PL" smtClean="0"/>
               <a:pPr/>
-              <a:t>13.06.2018</a:t>
+              <a:t>2018-06-13</a:t>
             </a:fld>
             <a:endParaRPr lang="pl-PL"/>
           </a:p>
@@ -418,7 +429,7 @@
     </p:spTree>
     <p:extLst>
       <p:ext uri="{BB962C8B-B14F-4D97-AF65-F5344CB8AC3E}">
-        <p14:creationId xmlns:p14="http://schemas.microsoft.com/office/powerpoint/2010/main" val="369149221"/>
+        <p14:creationId xmlns:p14="http://schemas.microsoft.com/office/powerpoint/2010/main" xmlns="" val="369149221"/>
       </p:ext>
     </p:extLst>
   </p:cSld>
@@ -593,7 +604,7 @@
     </p:spTree>
     <p:extLst>
       <p:ext uri="{BB962C8B-B14F-4D97-AF65-F5344CB8AC3E}">
-        <p14:creationId xmlns:p14="http://schemas.microsoft.com/office/powerpoint/2010/main" val="1294036258"/>
+        <p14:creationId xmlns:p14="http://schemas.microsoft.com/office/powerpoint/2010/main" xmlns="" val="1294036258"/>
       </p:ext>
     </p:extLst>
   </p:cSld>
@@ -653,24 +664,7 @@
               <a:buFontTx/>
               <a:buChar char="-"/>
             </a:pPr>
-            <a:r>
-              <a:rPr lang="pl-PL" dirty="0" smtClean="0"/>
-              <a:t> Program jest </a:t>
-            </a:r>
-            <a:r>
-              <a:rPr lang="pl-PL" baseline="0" dirty="0" smtClean="0"/>
-              <a:t>zbiorem klas i struktur</a:t>
-            </a:r>
-          </a:p>
-          <a:p>
-            <a:pPr>
-              <a:buFontTx/>
-              <a:buChar char="-"/>
-            </a:pPr>
-            <a:r>
-              <a:rPr lang="pl-PL" baseline="0" dirty="0" smtClean="0"/>
-              <a:t> Jakakolwiek logika jest zawarta w którymś z tych bytów</a:t>
-            </a:r>
+            <a:endParaRPr lang="pl-PL" baseline="0" dirty="0" smtClean="0"/>
           </a:p>
         </p:txBody>
       </p:sp>
@@ -754,26 +748,9 @@
           <a:p>
             <a:pPr>
               <a:buFontTx/>
-              <a:buChar char="-"/>
+              <a:buNone/>
             </a:pPr>
-            <a:r>
-              <a:rPr lang="pl-PL" dirty="0" smtClean="0"/>
-              <a:t> Program jest </a:t>
-            </a:r>
-            <a:r>
-              <a:rPr lang="pl-PL" baseline="0" dirty="0" smtClean="0"/>
-              <a:t>zbiorem klas i struktur</a:t>
-            </a:r>
-          </a:p>
-          <a:p>
-            <a:pPr>
-              <a:buFontTx/>
-              <a:buChar char="-"/>
-            </a:pPr>
-            <a:r>
-              <a:rPr lang="pl-PL" baseline="0" dirty="0" smtClean="0"/>
-              <a:t> Jakakolwiek logika jest zawarta w którymś z tych bytów</a:t>
-            </a:r>
+            <a:endParaRPr lang="pl-PL" baseline="0" dirty="0" smtClean="0"/>
           </a:p>
         </p:txBody>
       </p:sp>
@@ -943,7 +920,7 @@
           <a:p>
             <a:pPr>
               <a:buFontTx/>
-              <a:buChar char="-"/>
+              <a:buNone/>
             </a:pPr>
             <a:endParaRPr lang="pl-PL" baseline="0" dirty="0" smtClean="0"/>
           </a:p>
@@ -1132,9 +1109,26 @@
           <a:p>
             <a:pPr>
               <a:buFontTx/>
-              <a:buNone/>
+              <a:buChar char="-"/>
             </a:pPr>
-            <a:endParaRPr lang="pl-PL" baseline="0" dirty="0" smtClean="0"/>
+            <a:r>
+              <a:rPr lang="pl-PL" dirty="0" smtClean="0"/>
+              <a:t> Program jest </a:t>
+            </a:r>
+            <a:r>
+              <a:rPr lang="pl-PL" baseline="0" dirty="0" smtClean="0"/>
+              <a:t>zbiorem klas i struktur</a:t>
+            </a:r>
+          </a:p>
+          <a:p>
+            <a:pPr>
+              <a:buFontTx/>
+              <a:buChar char="-"/>
+            </a:pPr>
+            <a:r>
+              <a:rPr lang="pl-PL" baseline="0" dirty="0" smtClean="0"/>
+              <a:t> Jakakolwiek logika jest zawarta w którymś z tych bytów</a:t>
+            </a:r>
           </a:p>
         </p:txBody>
       </p:sp>
@@ -1220,7 +1214,7 @@
               <a:buFontTx/>
               <a:buNone/>
             </a:pPr>
-            <a:endParaRPr lang="pl-PL" baseline="0" dirty="0" smtClean="0"/>
+            <a:endParaRPr lang="pl-PL" baseline="0" smtClean="0"/>
           </a:p>
         </p:txBody>
       </p:sp>
@@ -1304,9 +1298,26 @@
           <a:p>
             <a:pPr>
               <a:buFontTx/>
-              <a:buNone/>
+              <a:buChar char="-"/>
             </a:pPr>
-            <a:endParaRPr lang="pl-PL" baseline="0" dirty="0" smtClean="0"/>
+            <a:r>
+              <a:rPr lang="pl-PL" dirty="0" smtClean="0"/>
+              <a:t> Program jest </a:t>
+            </a:r>
+            <a:r>
+              <a:rPr lang="pl-PL" baseline="0" dirty="0" smtClean="0"/>
+              <a:t>zbiorem klas i struktur</a:t>
+            </a:r>
+          </a:p>
+          <a:p>
+            <a:pPr>
+              <a:buFontTx/>
+              <a:buChar char="-"/>
+            </a:pPr>
+            <a:r>
+              <a:rPr lang="pl-PL" baseline="0" dirty="0" smtClean="0"/>
+              <a:t> Jakakolwiek logika jest zawarta w którymś z tych bytów</a:t>
+            </a:r>
           </a:p>
         </p:txBody>
       </p:sp>
@@ -1390,9 +1401,26 @@
           <a:p>
             <a:pPr>
               <a:buFontTx/>
-              <a:buNone/>
+              <a:buChar char="-"/>
             </a:pPr>
-            <a:endParaRPr lang="pl-PL" baseline="0" dirty="0" smtClean="0"/>
+            <a:r>
+              <a:rPr lang="pl-PL" dirty="0" smtClean="0"/>
+              <a:t> Program jest </a:t>
+            </a:r>
+            <a:r>
+              <a:rPr lang="pl-PL" baseline="0" dirty="0" smtClean="0"/>
+              <a:t>zbiorem klas i struktur</a:t>
+            </a:r>
+          </a:p>
+          <a:p>
+            <a:pPr>
+              <a:buFontTx/>
+              <a:buChar char="-"/>
+            </a:pPr>
+            <a:r>
+              <a:rPr lang="pl-PL" baseline="0" dirty="0" smtClean="0"/>
+              <a:t> Jakakolwiek logika jest zawarta w którymś z tych bytów</a:t>
+            </a:r>
           </a:p>
         </p:txBody>
       </p:sp>
@@ -1415,6 +1443,109 @@
               <a:rPr lang="pl-PL" smtClean="0"/>
               <a:pPr/>
               <a:t>19</a:t>
+            </a:fld>
+            <a:endParaRPr lang="pl-PL"/>
+          </a:p>
+        </p:txBody>
+      </p:sp>
+    </p:spTree>
+  </p:cSld>
+  <p:clrMapOvr>
+    <a:masterClrMapping/>
+  </p:clrMapOvr>
+</p:notes>
+</file>
+
+<file path=ppt/notesSlides/notesSlide19.xml><?xml version="1.0" encoding="utf-8"?>
+<p:notes xmlns:a="http://schemas.openxmlformats.org/drawingml/2006/main" xmlns:r="http://schemas.openxmlformats.org/officeDocument/2006/relationships" xmlns:p="http://schemas.openxmlformats.org/presentationml/2006/main">
+  <p:cSld>
+    <p:spTree>
+      <p:nvGrpSpPr>
+        <p:cNvPr id="1" name=""/>
+        <p:cNvGrpSpPr/>
+        <p:nvPr/>
+      </p:nvGrpSpPr>
+      <p:grpSpPr>
+        <a:xfrm>
+          <a:off x="0" y="0"/>
+          <a:ext cx="0" cy="0"/>
+          <a:chOff x="0" y="0"/>
+          <a:chExt cx="0" cy="0"/>
+        </a:xfrm>
+      </p:grpSpPr>
+      <p:sp>
+        <p:nvSpPr>
+          <p:cNvPr id="2" name="Symbol zastępczy obrazu slajdu 1"/>
+          <p:cNvSpPr>
+            <a:spLocks noGrp="1" noRot="1" noChangeAspect="1"/>
+          </p:cNvSpPr>
+          <p:nvPr>
+            <p:ph type="sldImg"/>
+          </p:nvPr>
+        </p:nvSpPr>
+        <p:spPr/>
+      </p:sp>
+      <p:sp>
+        <p:nvSpPr>
+          <p:cNvPr id="3" name="Symbol zastępczy notatek 2"/>
+          <p:cNvSpPr>
+            <a:spLocks noGrp="1"/>
+          </p:cNvSpPr>
+          <p:nvPr>
+            <p:ph type="body" idx="1"/>
+          </p:nvPr>
+        </p:nvSpPr>
+        <p:spPr/>
+        <p:txBody>
+          <a:bodyPr>
+            <a:normAutofit/>
+          </a:bodyPr>
+          <a:lstStyle/>
+          <a:p>
+            <a:pPr>
+              <a:buFontTx/>
+              <a:buChar char="-"/>
+            </a:pPr>
+            <a:r>
+              <a:rPr lang="pl-PL" dirty="0" smtClean="0"/>
+              <a:t> Program jest </a:t>
+            </a:r>
+            <a:r>
+              <a:rPr lang="pl-PL" baseline="0" dirty="0" smtClean="0"/>
+              <a:t>zbiorem klas i struktur</a:t>
+            </a:r>
+          </a:p>
+          <a:p>
+            <a:pPr>
+              <a:buFontTx/>
+              <a:buChar char="-"/>
+            </a:pPr>
+            <a:r>
+              <a:rPr lang="pl-PL" baseline="0" dirty="0" smtClean="0"/>
+              <a:t> Jakakolwiek logika jest zawarta w którymś z tych bytów</a:t>
+            </a:r>
+          </a:p>
+        </p:txBody>
+      </p:sp>
+      <p:sp>
+        <p:nvSpPr>
+          <p:cNvPr id="4" name="Symbol zastępczy numeru slajdu 3"/>
+          <p:cNvSpPr>
+            <a:spLocks noGrp="1"/>
+          </p:cNvSpPr>
+          <p:nvPr>
+            <p:ph type="sldNum" sz="quarter" idx="10"/>
+          </p:nvPr>
+        </p:nvSpPr>
+        <p:spPr/>
+        <p:txBody>
+          <a:bodyPr/>
+          <a:lstStyle/>
+          <a:p>
+            <a:fld id="{70356EB1-0873-493D-B649-9A936806DB67}" type="slidenum">
+              <a:rPr lang="pl-PL" smtClean="0"/>
+              <a:pPr/>
+              <a:t>20</a:t>
             </a:fld>
             <a:endParaRPr lang="pl-PL"/>
           </a:p>
@@ -1517,6 +1648,866 @@
 </p:notes>
 </file>
 
+<file path=ppt/notesSlides/notesSlide20.xml><?xml version="1.0" encoding="utf-8"?>
+<p:notes xmlns:a="http://schemas.openxmlformats.org/drawingml/2006/main" xmlns:r="http://schemas.openxmlformats.org/officeDocument/2006/relationships" xmlns:p="http://schemas.openxmlformats.org/presentationml/2006/main">
+  <p:cSld>
+    <p:spTree>
+      <p:nvGrpSpPr>
+        <p:cNvPr id="1" name=""/>
+        <p:cNvGrpSpPr/>
+        <p:nvPr/>
+      </p:nvGrpSpPr>
+      <p:grpSpPr>
+        <a:xfrm>
+          <a:off x="0" y="0"/>
+          <a:ext cx="0" cy="0"/>
+          <a:chOff x="0" y="0"/>
+          <a:chExt cx="0" cy="0"/>
+        </a:xfrm>
+      </p:grpSpPr>
+      <p:sp>
+        <p:nvSpPr>
+          <p:cNvPr id="2" name="Symbol zastępczy obrazu slajdu 1"/>
+          <p:cNvSpPr>
+            <a:spLocks noGrp="1" noRot="1" noChangeAspect="1"/>
+          </p:cNvSpPr>
+          <p:nvPr>
+            <p:ph type="sldImg"/>
+          </p:nvPr>
+        </p:nvSpPr>
+        <p:spPr/>
+      </p:sp>
+      <p:sp>
+        <p:nvSpPr>
+          <p:cNvPr id="3" name="Symbol zastępczy notatek 2"/>
+          <p:cNvSpPr>
+            <a:spLocks noGrp="1"/>
+          </p:cNvSpPr>
+          <p:nvPr>
+            <p:ph type="body" idx="1"/>
+          </p:nvPr>
+        </p:nvSpPr>
+        <p:spPr/>
+        <p:txBody>
+          <a:bodyPr>
+            <a:normAutofit/>
+          </a:bodyPr>
+          <a:lstStyle/>
+          <a:p>
+            <a:pPr>
+              <a:buFontTx/>
+              <a:buNone/>
+            </a:pPr>
+            <a:endParaRPr lang="pl-PL" baseline="0" dirty="0" smtClean="0"/>
+          </a:p>
+        </p:txBody>
+      </p:sp>
+      <p:sp>
+        <p:nvSpPr>
+          <p:cNvPr id="4" name="Symbol zastępczy numeru slajdu 3"/>
+          <p:cNvSpPr>
+            <a:spLocks noGrp="1"/>
+          </p:cNvSpPr>
+          <p:nvPr>
+            <p:ph type="sldNum" sz="quarter" idx="10"/>
+          </p:nvPr>
+        </p:nvSpPr>
+        <p:spPr/>
+        <p:txBody>
+          <a:bodyPr/>
+          <a:lstStyle/>
+          <a:p>
+            <a:fld id="{70356EB1-0873-493D-B649-9A936806DB67}" type="slidenum">
+              <a:rPr lang="pl-PL" smtClean="0"/>
+              <a:pPr/>
+              <a:t>21</a:t>
+            </a:fld>
+            <a:endParaRPr lang="pl-PL"/>
+          </a:p>
+        </p:txBody>
+      </p:sp>
+    </p:spTree>
+  </p:cSld>
+  <p:clrMapOvr>
+    <a:masterClrMapping/>
+  </p:clrMapOvr>
+</p:notes>
+</file>
+
+<file path=ppt/notesSlides/notesSlide21.xml><?xml version="1.0" encoding="utf-8"?>
+<p:notes xmlns:a="http://schemas.openxmlformats.org/drawingml/2006/main" xmlns:r="http://schemas.openxmlformats.org/officeDocument/2006/relationships" xmlns:p="http://schemas.openxmlformats.org/presentationml/2006/main">
+  <p:cSld>
+    <p:spTree>
+      <p:nvGrpSpPr>
+        <p:cNvPr id="1" name=""/>
+        <p:cNvGrpSpPr/>
+        <p:nvPr/>
+      </p:nvGrpSpPr>
+      <p:grpSpPr>
+        <a:xfrm>
+          <a:off x="0" y="0"/>
+          <a:ext cx="0" cy="0"/>
+          <a:chOff x="0" y="0"/>
+          <a:chExt cx="0" cy="0"/>
+        </a:xfrm>
+      </p:grpSpPr>
+      <p:sp>
+        <p:nvSpPr>
+          <p:cNvPr id="2" name="Symbol zastępczy obrazu slajdu 1"/>
+          <p:cNvSpPr>
+            <a:spLocks noGrp="1" noRot="1" noChangeAspect="1"/>
+          </p:cNvSpPr>
+          <p:nvPr>
+            <p:ph type="sldImg"/>
+          </p:nvPr>
+        </p:nvSpPr>
+        <p:spPr/>
+      </p:sp>
+      <p:sp>
+        <p:nvSpPr>
+          <p:cNvPr id="3" name="Symbol zastępczy notatek 2"/>
+          <p:cNvSpPr>
+            <a:spLocks noGrp="1"/>
+          </p:cNvSpPr>
+          <p:nvPr>
+            <p:ph type="body" idx="1"/>
+          </p:nvPr>
+        </p:nvSpPr>
+        <p:spPr/>
+        <p:txBody>
+          <a:bodyPr>
+            <a:normAutofit/>
+          </a:bodyPr>
+          <a:lstStyle/>
+          <a:p>
+            <a:pPr>
+              <a:buFontTx/>
+              <a:buChar char="-"/>
+            </a:pPr>
+            <a:endParaRPr lang="pl-PL" baseline="0" dirty="0" smtClean="0"/>
+          </a:p>
+        </p:txBody>
+      </p:sp>
+      <p:sp>
+        <p:nvSpPr>
+          <p:cNvPr id="4" name="Symbol zastępczy numeru slajdu 3"/>
+          <p:cNvSpPr>
+            <a:spLocks noGrp="1"/>
+          </p:cNvSpPr>
+          <p:nvPr>
+            <p:ph type="sldNum" sz="quarter" idx="10"/>
+          </p:nvPr>
+        </p:nvSpPr>
+        <p:spPr/>
+        <p:txBody>
+          <a:bodyPr/>
+          <a:lstStyle/>
+          <a:p>
+            <a:fld id="{70356EB1-0873-493D-B649-9A936806DB67}" type="slidenum">
+              <a:rPr lang="pl-PL" smtClean="0"/>
+              <a:pPr/>
+              <a:t>22</a:t>
+            </a:fld>
+            <a:endParaRPr lang="pl-PL"/>
+          </a:p>
+        </p:txBody>
+      </p:sp>
+    </p:spTree>
+  </p:cSld>
+  <p:clrMapOvr>
+    <a:masterClrMapping/>
+  </p:clrMapOvr>
+</p:notes>
+</file>
+
+<file path=ppt/notesSlides/notesSlide22.xml><?xml version="1.0" encoding="utf-8"?>
+<p:notes xmlns:a="http://schemas.openxmlformats.org/drawingml/2006/main" xmlns:r="http://schemas.openxmlformats.org/officeDocument/2006/relationships" xmlns:p="http://schemas.openxmlformats.org/presentationml/2006/main">
+  <p:cSld>
+    <p:spTree>
+      <p:nvGrpSpPr>
+        <p:cNvPr id="1" name=""/>
+        <p:cNvGrpSpPr/>
+        <p:nvPr/>
+      </p:nvGrpSpPr>
+      <p:grpSpPr>
+        <a:xfrm>
+          <a:off x="0" y="0"/>
+          <a:ext cx="0" cy="0"/>
+          <a:chOff x="0" y="0"/>
+          <a:chExt cx="0" cy="0"/>
+        </a:xfrm>
+      </p:grpSpPr>
+      <p:sp>
+        <p:nvSpPr>
+          <p:cNvPr id="2" name="Symbol zastępczy obrazu slajdu 1"/>
+          <p:cNvSpPr>
+            <a:spLocks noGrp="1" noRot="1" noChangeAspect="1"/>
+          </p:cNvSpPr>
+          <p:nvPr>
+            <p:ph type="sldImg"/>
+          </p:nvPr>
+        </p:nvSpPr>
+        <p:spPr/>
+      </p:sp>
+      <p:sp>
+        <p:nvSpPr>
+          <p:cNvPr id="3" name="Symbol zastępczy notatek 2"/>
+          <p:cNvSpPr>
+            <a:spLocks noGrp="1"/>
+          </p:cNvSpPr>
+          <p:nvPr>
+            <p:ph type="body" idx="1"/>
+          </p:nvPr>
+        </p:nvSpPr>
+        <p:spPr/>
+        <p:txBody>
+          <a:bodyPr>
+            <a:normAutofit/>
+          </a:bodyPr>
+          <a:lstStyle/>
+          <a:p>
+            <a:pPr>
+              <a:buFontTx/>
+              <a:buChar char="-"/>
+            </a:pPr>
+            <a:endParaRPr lang="pl-PL" baseline="0" dirty="0" smtClean="0"/>
+          </a:p>
+        </p:txBody>
+      </p:sp>
+      <p:sp>
+        <p:nvSpPr>
+          <p:cNvPr id="4" name="Symbol zastępczy numeru slajdu 3"/>
+          <p:cNvSpPr>
+            <a:spLocks noGrp="1"/>
+          </p:cNvSpPr>
+          <p:nvPr>
+            <p:ph type="sldNum" sz="quarter" idx="10"/>
+          </p:nvPr>
+        </p:nvSpPr>
+        <p:spPr/>
+        <p:txBody>
+          <a:bodyPr/>
+          <a:lstStyle/>
+          <a:p>
+            <a:fld id="{70356EB1-0873-493D-B649-9A936806DB67}" type="slidenum">
+              <a:rPr lang="pl-PL" smtClean="0"/>
+              <a:pPr/>
+              <a:t>23</a:t>
+            </a:fld>
+            <a:endParaRPr lang="pl-PL"/>
+          </a:p>
+        </p:txBody>
+      </p:sp>
+    </p:spTree>
+  </p:cSld>
+  <p:clrMapOvr>
+    <a:masterClrMapping/>
+  </p:clrMapOvr>
+</p:notes>
+</file>
+
+<file path=ppt/notesSlides/notesSlide23.xml><?xml version="1.0" encoding="utf-8"?>
+<p:notes xmlns:a="http://schemas.openxmlformats.org/drawingml/2006/main" xmlns:r="http://schemas.openxmlformats.org/officeDocument/2006/relationships" xmlns:p="http://schemas.openxmlformats.org/presentationml/2006/main">
+  <p:cSld>
+    <p:spTree>
+      <p:nvGrpSpPr>
+        <p:cNvPr id="1" name=""/>
+        <p:cNvGrpSpPr/>
+        <p:nvPr/>
+      </p:nvGrpSpPr>
+      <p:grpSpPr>
+        <a:xfrm>
+          <a:off x="0" y="0"/>
+          <a:ext cx="0" cy="0"/>
+          <a:chOff x="0" y="0"/>
+          <a:chExt cx="0" cy="0"/>
+        </a:xfrm>
+      </p:grpSpPr>
+      <p:sp>
+        <p:nvSpPr>
+          <p:cNvPr id="2" name="Symbol zastępczy obrazu slajdu 1"/>
+          <p:cNvSpPr>
+            <a:spLocks noGrp="1" noRot="1" noChangeAspect="1"/>
+          </p:cNvSpPr>
+          <p:nvPr>
+            <p:ph type="sldImg"/>
+          </p:nvPr>
+        </p:nvSpPr>
+        <p:spPr/>
+      </p:sp>
+      <p:sp>
+        <p:nvSpPr>
+          <p:cNvPr id="3" name="Symbol zastępczy notatek 2"/>
+          <p:cNvSpPr>
+            <a:spLocks noGrp="1"/>
+          </p:cNvSpPr>
+          <p:nvPr>
+            <p:ph type="body" idx="1"/>
+          </p:nvPr>
+        </p:nvSpPr>
+        <p:spPr/>
+        <p:txBody>
+          <a:bodyPr>
+            <a:normAutofit/>
+          </a:bodyPr>
+          <a:lstStyle/>
+          <a:p>
+            <a:pPr>
+              <a:buFontTx/>
+              <a:buChar char="-"/>
+            </a:pPr>
+            <a:endParaRPr lang="pl-PL" baseline="0" dirty="0" smtClean="0"/>
+          </a:p>
+        </p:txBody>
+      </p:sp>
+      <p:sp>
+        <p:nvSpPr>
+          <p:cNvPr id="4" name="Symbol zastępczy numeru slajdu 3"/>
+          <p:cNvSpPr>
+            <a:spLocks noGrp="1"/>
+          </p:cNvSpPr>
+          <p:nvPr>
+            <p:ph type="sldNum" sz="quarter" idx="10"/>
+          </p:nvPr>
+        </p:nvSpPr>
+        <p:spPr/>
+        <p:txBody>
+          <a:bodyPr/>
+          <a:lstStyle/>
+          <a:p>
+            <a:fld id="{70356EB1-0873-493D-B649-9A936806DB67}" type="slidenum">
+              <a:rPr lang="pl-PL" smtClean="0"/>
+              <a:pPr/>
+              <a:t>24</a:t>
+            </a:fld>
+            <a:endParaRPr lang="pl-PL"/>
+          </a:p>
+        </p:txBody>
+      </p:sp>
+    </p:spTree>
+  </p:cSld>
+  <p:clrMapOvr>
+    <a:masterClrMapping/>
+  </p:clrMapOvr>
+</p:notes>
+</file>
+
+<file path=ppt/notesSlides/notesSlide24.xml><?xml version="1.0" encoding="utf-8"?>
+<p:notes xmlns:a="http://schemas.openxmlformats.org/drawingml/2006/main" xmlns:r="http://schemas.openxmlformats.org/officeDocument/2006/relationships" xmlns:p="http://schemas.openxmlformats.org/presentationml/2006/main">
+  <p:cSld>
+    <p:spTree>
+      <p:nvGrpSpPr>
+        <p:cNvPr id="1" name=""/>
+        <p:cNvGrpSpPr/>
+        <p:nvPr/>
+      </p:nvGrpSpPr>
+      <p:grpSpPr>
+        <a:xfrm>
+          <a:off x="0" y="0"/>
+          <a:ext cx="0" cy="0"/>
+          <a:chOff x="0" y="0"/>
+          <a:chExt cx="0" cy="0"/>
+        </a:xfrm>
+      </p:grpSpPr>
+      <p:sp>
+        <p:nvSpPr>
+          <p:cNvPr id="2" name="Symbol zastępczy obrazu slajdu 1"/>
+          <p:cNvSpPr>
+            <a:spLocks noGrp="1" noRot="1" noChangeAspect="1"/>
+          </p:cNvSpPr>
+          <p:nvPr>
+            <p:ph type="sldImg"/>
+          </p:nvPr>
+        </p:nvSpPr>
+        <p:spPr/>
+      </p:sp>
+      <p:sp>
+        <p:nvSpPr>
+          <p:cNvPr id="3" name="Symbol zastępczy notatek 2"/>
+          <p:cNvSpPr>
+            <a:spLocks noGrp="1"/>
+          </p:cNvSpPr>
+          <p:nvPr>
+            <p:ph type="body" idx="1"/>
+          </p:nvPr>
+        </p:nvSpPr>
+        <p:spPr/>
+        <p:txBody>
+          <a:bodyPr>
+            <a:normAutofit/>
+          </a:bodyPr>
+          <a:lstStyle/>
+          <a:p>
+            <a:pPr>
+              <a:buFontTx/>
+              <a:buNone/>
+            </a:pPr>
+            <a:endParaRPr lang="pl-PL" baseline="0" dirty="0" smtClean="0"/>
+          </a:p>
+        </p:txBody>
+      </p:sp>
+      <p:sp>
+        <p:nvSpPr>
+          <p:cNvPr id="4" name="Symbol zastępczy numeru slajdu 3"/>
+          <p:cNvSpPr>
+            <a:spLocks noGrp="1"/>
+          </p:cNvSpPr>
+          <p:nvPr>
+            <p:ph type="sldNum" sz="quarter" idx="10"/>
+          </p:nvPr>
+        </p:nvSpPr>
+        <p:spPr/>
+        <p:txBody>
+          <a:bodyPr/>
+          <a:lstStyle/>
+          <a:p>
+            <a:fld id="{70356EB1-0873-493D-B649-9A936806DB67}" type="slidenum">
+              <a:rPr lang="pl-PL" smtClean="0"/>
+              <a:pPr/>
+              <a:t>25</a:t>
+            </a:fld>
+            <a:endParaRPr lang="pl-PL"/>
+          </a:p>
+        </p:txBody>
+      </p:sp>
+    </p:spTree>
+  </p:cSld>
+  <p:clrMapOvr>
+    <a:masterClrMapping/>
+  </p:clrMapOvr>
+</p:notes>
+</file>
+
+<file path=ppt/notesSlides/notesSlide25.xml><?xml version="1.0" encoding="utf-8"?>
+<p:notes xmlns:a="http://schemas.openxmlformats.org/drawingml/2006/main" xmlns:r="http://schemas.openxmlformats.org/officeDocument/2006/relationships" xmlns:p="http://schemas.openxmlformats.org/presentationml/2006/main">
+  <p:cSld>
+    <p:spTree>
+      <p:nvGrpSpPr>
+        <p:cNvPr id="1" name=""/>
+        <p:cNvGrpSpPr/>
+        <p:nvPr/>
+      </p:nvGrpSpPr>
+      <p:grpSpPr>
+        <a:xfrm>
+          <a:off x="0" y="0"/>
+          <a:ext cx="0" cy="0"/>
+          <a:chOff x="0" y="0"/>
+          <a:chExt cx="0" cy="0"/>
+        </a:xfrm>
+      </p:grpSpPr>
+      <p:sp>
+        <p:nvSpPr>
+          <p:cNvPr id="2" name="Symbol zastępczy obrazu slajdu 1"/>
+          <p:cNvSpPr>
+            <a:spLocks noGrp="1" noRot="1" noChangeAspect="1"/>
+          </p:cNvSpPr>
+          <p:nvPr>
+            <p:ph type="sldImg"/>
+          </p:nvPr>
+        </p:nvSpPr>
+        <p:spPr/>
+      </p:sp>
+      <p:sp>
+        <p:nvSpPr>
+          <p:cNvPr id="3" name="Symbol zastępczy notatek 2"/>
+          <p:cNvSpPr>
+            <a:spLocks noGrp="1"/>
+          </p:cNvSpPr>
+          <p:nvPr>
+            <p:ph type="body" idx="1"/>
+          </p:nvPr>
+        </p:nvSpPr>
+        <p:spPr/>
+        <p:txBody>
+          <a:bodyPr>
+            <a:normAutofit/>
+          </a:bodyPr>
+          <a:lstStyle/>
+          <a:p>
+            <a:pPr>
+              <a:buFontTx/>
+              <a:buNone/>
+            </a:pPr>
+            <a:endParaRPr lang="pl-PL" baseline="0" dirty="0" smtClean="0"/>
+          </a:p>
+        </p:txBody>
+      </p:sp>
+      <p:sp>
+        <p:nvSpPr>
+          <p:cNvPr id="4" name="Symbol zastępczy numeru slajdu 3"/>
+          <p:cNvSpPr>
+            <a:spLocks noGrp="1"/>
+          </p:cNvSpPr>
+          <p:nvPr>
+            <p:ph type="sldNum" sz="quarter" idx="10"/>
+          </p:nvPr>
+        </p:nvSpPr>
+        <p:spPr/>
+        <p:txBody>
+          <a:bodyPr/>
+          <a:lstStyle/>
+          <a:p>
+            <a:fld id="{70356EB1-0873-493D-B649-9A936806DB67}" type="slidenum">
+              <a:rPr lang="pl-PL" smtClean="0"/>
+              <a:pPr/>
+              <a:t>26</a:t>
+            </a:fld>
+            <a:endParaRPr lang="pl-PL"/>
+          </a:p>
+        </p:txBody>
+      </p:sp>
+    </p:spTree>
+  </p:cSld>
+  <p:clrMapOvr>
+    <a:masterClrMapping/>
+  </p:clrMapOvr>
+</p:notes>
+</file>
+
+<file path=ppt/notesSlides/notesSlide26.xml><?xml version="1.0" encoding="utf-8"?>
+<p:notes xmlns:a="http://schemas.openxmlformats.org/drawingml/2006/main" xmlns:r="http://schemas.openxmlformats.org/officeDocument/2006/relationships" xmlns:p="http://schemas.openxmlformats.org/presentationml/2006/main">
+  <p:cSld>
+    <p:spTree>
+      <p:nvGrpSpPr>
+        <p:cNvPr id="1" name=""/>
+        <p:cNvGrpSpPr/>
+        <p:nvPr/>
+      </p:nvGrpSpPr>
+      <p:grpSpPr>
+        <a:xfrm>
+          <a:off x="0" y="0"/>
+          <a:ext cx="0" cy="0"/>
+          <a:chOff x="0" y="0"/>
+          <a:chExt cx="0" cy="0"/>
+        </a:xfrm>
+      </p:grpSpPr>
+      <p:sp>
+        <p:nvSpPr>
+          <p:cNvPr id="2" name="Symbol zastępczy obrazu slajdu 1"/>
+          <p:cNvSpPr>
+            <a:spLocks noGrp="1" noRot="1" noChangeAspect="1"/>
+          </p:cNvSpPr>
+          <p:nvPr>
+            <p:ph type="sldImg"/>
+          </p:nvPr>
+        </p:nvSpPr>
+        <p:spPr/>
+      </p:sp>
+      <p:sp>
+        <p:nvSpPr>
+          <p:cNvPr id="3" name="Symbol zastępczy notatek 2"/>
+          <p:cNvSpPr>
+            <a:spLocks noGrp="1"/>
+          </p:cNvSpPr>
+          <p:nvPr>
+            <p:ph type="body" idx="1"/>
+          </p:nvPr>
+        </p:nvSpPr>
+        <p:spPr/>
+        <p:txBody>
+          <a:bodyPr>
+            <a:normAutofit/>
+          </a:bodyPr>
+          <a:lstStyle/>
+          <a:p>
+            <a:pPr>
+              <a:buFontTx/>
+              <a:buNone/>
+            </a:pPr>
+            <a:endParaRPr lang="pl-PL" baseline="0" dirty="0" smtClean="0"/>
+          </a:p>
+        </p:txBody>
+      </p:sp>
+      <p:sp>
+        <p:nvSpPr>
+          <p:cNvPr id="4" name="Symbol zastępczy numeru slajdu 3"/>
+          <p:cNvSpPr>
+            <a:spLocks noGrp="1"/>
+          </p:cNvSpPr>
+          <p:nvPr>
+            <p:ph type="sldNum" sz="quarter" idx="10"/>
+          </p:nvPr>
+        </p:nvSpPr>
+        <p:spPr/>
+        <p:txBody>
+          <a:bodyPr/>
+          <a:lstStyle/>
+          <a:p>
+            <a:fld id="{70356EB1-0873-493D-B649-9A936806DB67}" type="slidenum">
+              <a:rPr lang="pl-PL" smtClean="0"/>
+              <a:pPr/>
+              <a:t>27</a:t>
+            </a:fld>
+            <a:endParaRPr lang="pl-PL"/>
+          </a:p>
+        </p:txBody>
+      </p:sp>
+    </p:spTree>
+  </p:cSld>
+  <p:clrMapOvr>
+    <a:masterClrMapping/>
+  </p:clrMapOvr>
+</p:notes>
+</file>
+
+<file path=ppt/notesSlides/notesSlide27.xml><?xml version="1.0" encoding="utf-8"?>
+<p:notes xmlns:a="http://schemas.openxmlformats.org/drawingml/2006/main" xmlns:r="http://schemas.openxmlformats.org/officeDocument/2006/relationships" xmlns:p="http://schemas.openxmlformats.org/presentationml/2006/main">
+  <p:cSld>
+    <p:spTree>
+      <p:nvGrpSpPr>
+        <p:cNvPr id="1" name=""/>
+        <p:cNvGrpSpPr/>
+        <p:nvPr/>
+      </p:nvGrpSpPr>
+      <p:grpSpPr>
+        <a:xfrm>
+          <a:off x="0" y="0"/>
+          <a:ext cx="0" cy="0"/>
+          <a:chOff x="0" y="0"/>
+          <a:chExt cx="0" cy="0"/>
+        </a:xfrm>
+      </p:grpSpPr>
+      <p:sp>
+        <p:nvSpPr>
+          <p:cNvPr id="2" name="Symbol zastępczy obrazu slajdu 1"/>
+          <p:cNvSpPr>
+            <a:spLocks noGrp="1" noRot="1" noChangeAspect="1"/>
+          </p:cNvSpPr>
+          <p:nvPr>
+            <p:ph type="sldImg"/>
+          </p:nvPr>
+        </p:nvSpPr>
+        <p:spPr/>
+      </p:sp>
+      <p:sp>
+        <p:nvSpPr>
+          <p:cNvPr id="3" name="Symbol zastępczy notatek 2"/>
+          <p:cNvSpPr>
+            <a:spLocks noGrp="1"/>
+          </p:cNvSpPr>
+          <p:nvPr>
+            <p:ph type="body" idx="1"/>
+          </p:nvPr>
+        </p:nvSpPr>
+        <p:spPr/>
+        <p:txBody>
+          <a:bodyPr>
+            <a:normAutofit/>
+          </a:bodyPr>
+          <a:lstStyle/>
+          <a:p>
+            <a:pPr>
+              <a:buFontTx/>
+              <a:buNone/>
+            </a:pPr>
+            <a:endParaRPr lang="pl-PL" baseline="0" dirty="0" smtClean="0"/>
+          </a:p>
+        </p:txBody>
+      </p:sp>
+      <p:sp>
+        <p:nvSpPr>
+          <p:cNvPr id="4" name="Symbol zastępczy numeru slajdu 3"/>
+          <p:cNvSpPr>
+            <a:spLocks noGrp="1"/>
+          </p:cNvSpPr>
+          <p:nvPr>
+            <p:ph type="sldNum" sz="quarter" idx="10"/>
+          </p:nvPr>
+        </p:nvSpPr>
+        <p:spPr/>
+        <p:txBody>
+          <a:bodyPr/>
+          <a:lstStyle/>
+          <a:p>
+            <a:fld id="{70356EB1-0873-493D-B649-9A936806DB67}" type="slidenum">
+              <a:rPr lang="pl-PL" smtClean="0"/>
+              <a:pPr/>
+              <a:t>28</a:t>
+            </a:fld>
+            <a:endParaRPr lang="pl-PL"/>
+          </a:p>
+        </p:txBody>
+      </p:sp>
+    </p:spTree>
+  </p:cSld>
+  <p:clrMapOvr>
+    <a:masterClrMapping/>
+  </p:clrMapOvr>
+</p:notes>
+</file>
+
+<file path=ppt/notesSlides/notesSlide28.xml><?xml version="1.0" encoding="utf-8"?>
+<p:notes xmlns:a="http://schemas.openxmlformats.org/drawingml/2006/main" xmlns:r="http://schemas.openxmlformats.org/officeDocument/2006/relationships" xmlns:p="http://schemas.openxmlformats.org/presentationml/2006/main">
+  <p:cSld>
+    <p:spTree>
+      <p:nvGrpSpPr>
+        <p:cNvPr id="1" name=""/>
+        <p:cNvGrpSpPr/>
+        <p:nvPr/>
+      </p:nvGrpSpPr>
+      <p:grpSpPr>
+        <a:xfrm>
+          <a:off x="0" y="0"/>
+          <a:ext cx="0" cy="0"/>
+          <a:chOff x="0" y="0"/>
+          <a:chExt cx="0" cy="0"/>
+        </a:xfrm>
+      </p:grpSpPr>
+      <p:sp>
+        <p:nvSpPr>
+          <p:cNvPr id="2" name="Symbol zastępczy obrazu slajdu 1"/>
+          <p:cNvSpPr>
+            <a:spLocks noGrp="1" noRot="1" noChangeAspect="1"/>
+          </p:cNvSpPr>
+          <p:nvPr>
+            <p:ph type="sldImg"/>
+          </p:nvPr>
+        </p:nvSpPr>
+        <p:spPr/>
+      </p:sp>
+      <p:sp>
+        <p:nvSpPr>
+          <p:cNvPr id="3" name="Symbol zastępczy notatek 2"/>
+          <p:cNvSpPr>
+            <a:spLocks noGrp="1"/>
+          </p:cNvSpPr>
+          <p:nvPr>
+            <p:ph type="body" idx="1"/>
+          </p:nvPr>
+        </p:nvSpPr>
+        <p:spPr/>
+        <p:txBody>
+          <a:bodyPr>
+            <a:normAutofit/>
+          </a:bodyPr>
+          <a:lstStyle/>
+          <a:p>
+            <a:pPr>
+              <a:buFontTx/>
+              <a:buNone/>
+            </a:pPr>
+            <a:endParaRPr lang="pl-PL" baseline="0" dirty="0" smtClean="0"/>
+          </a:p>
+        </p:txBody>
+      </p:sp>
+      <p:sp>
+        <p:nvSpPr>
+          <p:cNvPr id="4" name="Symbol zastępczy numeru slajdu 3"/>
+          <p:cNvSpPr>
+            <a:spLocks noGrp="1"/>
+          </p:cNvSpPr>
+          <p:nvPr>
+            <p:ph type="sldNum" sz="quarter" idx="10"/>
+          </p:nvPr>
+        </p:nvSpPr>
+        <p:spPr/>
+        <p:txBody>
+          <a:bodyPr/>
+          <a:lstStyle/>
+          <a:p>
+            <a:fld id="{70356EB1-0873-493D-B649-9A936806DB67}" type="slidenum">
+              <a:rPr lang="pl-PL" smtClean="0"/>
+              <a:pPr/>
+              <a:t>29</a:t>
+            </a:fld>
+            <a:endParaRPr lang="pl-PL"/>
+          </a:p>
+        </p:txBody>
+      </p:sp>
+    </p:spTree>
+  </p:cSld>
+  <p:clrMapOvr>
+    <a:masterClrMapping/>
+  </p:clrMapOvr>
+</p:notes>
+</file>
+
+<file path=ppt/notesSlides/notesSlide29.xml><?xml version="1.0" encoding="utf-8"?>
+<p:notes xmlns:a="http://schemas.openxmlformats.org/drawingml/2006/main" xmlns:r="http://schemas.openxmlformats.org/officeDocument/2006/relationships" xmlns:p="http://schemas.openxmlformats.org/presentationml/2006/main">
+  <p:cSld>
+    <p:spTree>
+      <p:nvGrpSpPr>
+        <p:cNvPr id="1" name=""/>
+        <p:cNvGrpSpPr/>
+        <p:nvPr/>
+      </p:nvGrpSpPr>
+      <p:grpSpPr>
+        <a:xfrm>
+          <a:off x="0" y="0"/>
+          <a:ext cx="0" cy="0"/>
+          <a:chOff x="0" y="0"/>
+          <a:chExt cx="0" cy="0"/>
+        </a:xfrm>
+      </p:grpSpPr>
+      <p:sp>
+        <p:nvSpPr>
+          <p:cNvPr id="2" name="Symbol zastępczy obrazu slajdu 1"/>
+          <p:cNvSpPr>
+            <a:spLocks noGrp="1" noRot="1" noChangeAspect="1"/>
+          </p:cNvSpPr>
+          <p:nvPr>
+            <p:ph type="sldImg"/>
+          </p:nvPr>
+        </p:nvSpPr>
+        <p:spPr/>
+      </p:sp>
+      <p:sp>
+        <p:nvSpPr>
+          <p:cNvPr id="3" name="Symbol zastępczy notatek 2"/>
+          <p:cNvSpPr>
+            <a:spLocks noGrp="1"/>
+          </p:cNvSpPr>
+          <p:nvPr>
+            <p:ph type="body" idx="1"/>
+          </p:nvPr>
+        </p:nvSpPr>
+        <p:spPr/>
+        <p:txBody>
+          <a:bodyPr>
+            <a:normAutofit/>
+          </a:bodyPr>
+          <a:lstStyle/>
+          <a:p>
+            <a:pPr>
+              <a:buFontTx/>
+              <a:buNone/>
+            </a:pPr>
+            <a:endParaRPr lang="pl-PL" baseline="0" dirty="0" smtClean="0"/>
+          </a:p>
+        </p:txBody>
+      </p:sp>
+      <p:sp>
+        <p:nvSpPr>
+          <p:cNvPr id="4" name="Symbol zastępczy numeru slajdu 3"/>
+          <p:cNvSpPr>
+            <a:spLocks noGrp="1"/>
+          </p:cNvSpPr>
+          <p:nvPr>
+            <p:ph type="sldNum" sz="quarter" idx="10"/>
+          </p:nvPr>
+        </p:nvSpPr>
+        <p:spPr/>
+        <p:txBody>
+          <a:bodyPr/>
+          <a:lstStyle/>
+          <a:p>
+            <a:fld id="{70356EB1-0873-493D-B649-9A936806DB67}" type="slidenum">
+              <a:rPr lang="pl-PL" smtClean="0"/>
+              <a:pPr/>
+              <a:t>30</a:t>
+            </a:fld>
+            <a:endParaRPr lang="pl-PL"/>
+          </a:p>
+        </p:txBody>
+      </p:sp>
+    </p:spTree>
+  </p:cSld>
+  <p:clrMapOvr>
+    <a:masterClrMapping/>
+  </p:clrMapOvr>
+</p:notes>
+</file>
+
 <file path=ppt/notesSlides/notesSlide3.xml><?xml version="1.0" encoding="utf-8"?>
 <p:notes xmlns:a="http://schemas.openxmlformats.org/drawingml/2006/main" xmlns:r="http://schemas.openxmlformats.org/officeDocument/2006/relationships" xmlns:p="http://schemas.openxmlformats.org/presentationml/2006/main">
   <p:cSld>
@@ -1565,25 +2556,11 @@
           <a:p>
             <a:pPr>
               <a:buFontTx/>
-              <a:buChar char="-"/>
+              <a:buNone/>
             </a:pPr>
             <a:r>
-              <a:rPr lang="pl-PL" dirty="0" smtClean="0"/>
-              <a:t> Program jest </a:t>
-            </a:r>
-            <a:r>
               <a:rPr lang="pl-PL" baseline="0" dirty="0" smtClean="0"/>
-              <a:t>zbiorem klas i struktur</a:t>
-            </a:r>
-          </a:p>
-          <a:p>
-            <a:pPr>
-              <a:buFontTx/>
-              <a:buChar char="-"/>
-            </a:pPr>
-            <a:r>
-              <a:rPr lang="pl-PL" baseline="0" dirty="0" smtClean="0"/>
-              <a:t> Jakakolwiek logika jest zawarta w którymś z tych bytów</a:t>
+              <a:t>s</a:t>
             </a:r>
           </a:p>
         </p:txBody>
@@ -1668,25 +2645,11 @@
           <a:p>
             <a:pPr>
               <a:buFontTx/>
-              <a:buChar char="-"/>
+              <a:buNone/>
             </a:pPr>
             <a:r>
-              <a:rPr lang="pl-PL" dirty="0" smtClean="0"/>
-              <a:t> Program jest </a:t>
-            </a:r>
-            <a:r>
               <a:rPr lang="pl-PL" baseline="0" dirty="0" smtClean="0"/>
-              <a:t>zbiorem klas i struktur</a:t>
-            </a:r>
-          </a:p>
-          <a:p>
-            <a:pPr>
-              <a:buFontTx/>
-              <a:buChar char="-"/>
-            </a:pPr>
-            <a:r>
-              <a:rPr lang="pl-PL" baseline="0" dirty="0" smtClean="0"/>
-              <a:t> Jakakolwiek logika jest zawarta w którymś z tych bytów</a:t>
+              <a:t>s</a:t>
             </a:r>
           </a:p>
         </p:txBody>
@@ -1773,7 +2736,10 @@
               <a:buFontTx/>
               <a:buNone/>
             </a:pPr>
-            <a:endParaRPr lang="pl-PL" baseline="0" dirty="0" smtClean="0"/>
+            <a:r>
+              <a:rPr lang="pl-PL" baseline="0" dirty="0" smtClean="0"/>
+              <a:t>s</a:t>
+            </a:r>
           </a:p>
         </p:txBody>
       </p:sp>
@@ -1857,9 +2823,26 @@
           <a:p>
             <a:pPr>
               <a:buFontTx/>
-              <a:buNone/>
+              <a:buChar char="-"/>
             </a:pPr>
-            <a:endParaRPr lang="pl-PL" baseline="0" dirty="0" smtClean="0"/>
+            <a:r>
+              <a:rPr lang="pl-PL" dirty="0" smtClean="0"/>
+              <a:t> Program jest </a:t>
+            </a:r>
+            <a:r>
+              <a:rPr lang="pl-PL" baseline="0" dirty="0" smtClean="0"/>
+              <a:t>zbiorem klas i struktur</a:t>
+            </a:r>
+          </a:p>
+          <a:p>
+            <a:pPr>
+              <a:buFontTx/>
+              <a:buChar char="-"/>
+            </a:pPr>
+            <a:r>
+              <a:rPr lang="pl-PL" baseline="0" dirty="0" smtClean="0"/>
+              <a:t> Jakakolwiek logika jest zawarta w którymś z tych bytów</a:t>
+            </a:r>
           </a:p>
         </p:txBody>
       </p:sp>
@@ -1943,26 +2926,9 @@
           <a:p>
             <a:pPr>
               <a:buFontTx/>
-              <a:buChar char="-"/>
+              <a:buNone/>
             </a:pPr>
-            <a:r>
-              <a:rPr lang="pl-PL" dirty="0" smtClean="0"/>
-              <a:t> Program jest </a:t>
-            </a:r>
-            <a:r>
-              <a:rPr lang="pl-PL" baseline="0" dirty="0" smtClean="0"/>
-              <a:t>zbiorem klas i struktur</a:t>
-            </a:r>
-          </a:p>
-          <a:p>
-            <a:pPr>
-              <a:buFontTx/>
-              <a:buChar char="-"/>
-            </a:pPr>
-            <a:r>
-              <a:rPr lang="pl-PL" baseline="0" dirty="0" smtClean="0"/>
-              <a:t> Jakakolwiek logika jest zawarta w którymś z tych bytów</a:t>
-            </a:r>
+            <a:endParaRPr lang="pl-PL" baseline="0" dirty="0" smtClean="0"/>
           </a:p>
         </p:txBody>
       </p:sp>
@@ -2830,7 +3796,7 @@
             <a:fld id="{799B1624-8819-4D6B-919D-578434B16426}" type="datetime1">
               <a:rPr lang="pl-PL" smtClean="0"/>
               <a:pPr/>
-              <a:t>13.06.2018</a:t>
+              <a:t>2018-06-13</a:t>
             </a:fld>
             <a:endParaRPr lang="pl-PL"/>
           </a:p>
@@ -3028,7 +3994,7 @@
             <a:fld id="{601446BC-F8B9-47CB-AFC3-DE6DE2F0F6B3}" type="datetime1">
               <a:rPr lang="pl-PL" smtClean="0"/>
               <a:pPr/>
-              <a:t>13.06.2018</a:t>
+              <a:t>2018-06-13</a:t>
             </a:fld>
             <a:endParaRPr lang="pl-PL"/>
           </a:p>
@@ -3215,7 +4181,7 @@
             <a:fld id="{1B7B9A85-6194-450B-A4EC-90260B3BB407}" type="datetime1">
               <a:rPr lang="pl-PL" smtClean="0"/>
               <a:pPr/>
-              <a:t>13.06.2018</a:t>
+              <a:t>2018-06-13</a:t>
             </a:fld>
             <a:endParaRPr lang="pl-PL"/>
           </a:p>
@@ -3367,7 +4333,7 @@
             <a:fld id="{920BE0C5-60E3-4117-8638-1F1C468BA7A2}" type="datetime1">
               <a:rPr lang="pl-PL" smtClean="0"/>
               <a:pPr/>
-              <a:t>13.06.2018</a:t>
+              <a:t>2018-06-13</a:t>
             </a:fld>
             <a:endParaRPr lang="pl-PL"/>
           </a:p>
@@ -3624,7 +4590,7 @@
             <a:fld id="{D0626FED-AB84-4C32-8595-BD4872B9C791}" type="datetime1">
               <a:rPr lang="pl-PL" smtClean="0"/>
               <a:pPr/>
-              <a:t>13.06.2018</a:t>
+              <a:t>2018-06-13</a:t>
             </a:fld>
             <a:endParaRPr lang="pl-PL"/>
           </a:p>
@@ -4035,7 +5001,7 @@
             <a:fld id="{A6995F53-04EE-4A67-9EED-8FE911D5C70A}" type="datetime1">
               <a:rPr lang="pl-PL" smtClean="0"/>
               <a:pPr/>
-              <a:t>13.06.2018</a:t>
+              <a:t>2018-06-13</a:t>
             </a:fld>
             <a:endParaRPr lang="pl-PL"/>
           </a:p>
@@ -4483,7 +5449,7 @@
             <a:fld id="{D19A3F59-6A1D-465C-9AB9-069469750EA2}" type="datetime1">
               <a:rPr lang="pl-PL" smtClean="0"/>
               <a:pPr/>
-              <a:t>13.06.2018</a:t>
+              <a:t>2018-06-13</a:t>
             </a:fld>
             <a:endParaRPr lang="pl-PL"/>
           </a:p>
@@ -4586,7 +5552,7 @@
             <a:fld id="{7191BA32-4892-4059-9D23-7C2D66D8892A}" type="datetime1">
               <a:rPr lang="pl-PL" smtClean="0"/>
               <a:pPr/>
-              <a:t>13.06.2018</a:t>
+              <a:t>2018-06-13</a:t>
             </a:fld>
             <a:endParaRPr lang="pl-PL"/>
           </a:p>
@@ -4709,7 +5675,7 @@
             <a:fld id="{57B7B363-005F-4AA1-B9EB-7CD1AD716AB0}" type="datetime1">
               <a:rPr lang="pl-PL" smtClean="0"/>
               <a:pPr/>
-              <a:t>13.06.2018</a:t>
+              <a:t>2018-06-13</a:t>
             </a:fld>
             <a:endParaRPr lang="pl-PL"/>
           </a:p>
@@ -4985,7 +5951,7 @@
             <a:fld id="{3A16DBD4-665A-4F4F-9874-79722C57D8D3}" type="datetime1">
               <a:rPr lang="pl-PL" smtClean="0"/>
               <a:pPr/>
-              <a:t>13.06.2018</a:t>
+              <a:t>2018-06-13</a:t>
             </a:fld>
             <a:endParaRPr lang="pl-PL"/>
           </a:p>
@@ -5192,7 +6158,7 @@
             <a:fld id="{090F78FD-E44B-4298-ADA0-48A742E66713}" type="datetime1">
               <a:rPr lang="pl-PL" smtClean="0"/>
               <a:pPr/>
-              <a:t>13.06.2018</a:t>
+              <a:t>2018-06-13</a:t>
             </a:fld>
             <a:endParaRPr lang="pl-PL"/>
           </a:p>
@@ -6303,7 +7269,7 @@
             <a:fld id="{E776A798-8808-471E-95CD-3CC8125631CF}" type="datetime1">
               <a:rPr lang="pl-PL" smtClean="0"/>
               <a:pPr/>
-              <a:t>13.06.2018</a:t>
+              <a:t>2018-06-13</a:t>
             </a:fld>
             <a:endParaRPr lang="pl-PL"/>
           </a:p>
@@ -6772,7 +7738,7 @@
           <a:blip r:embed="rId3" cstate="print">
             <a:extLst>
               <a:ext uri="{28A0092B-C50C-407E-A947-70E740481C1C}">
-                <a14:useLocalDpi xmlns:a14="http://schemas.microsoft.com/office/drawing/2010/main" val="0"/>
+                <a14:useLocalDpi xmlns:a14="http://schemas.microsoft.com/office/drawing/2010/main" xmlns="" val="0"/>
               </a:ext>
             </a:extLst>
           </a:blip>
@@ -6824,7 +7790,7 @@
     </p:spTree>
     <p:extLst>
       <p:ext uri="{BB962C8B-B14F-4D97-AF65-F5344CB8AC3E}">
-        <p14:creationId xmlns:p14="http://schemas.microsoft.com/office/powerpoint/2010/main" val="3157427889"/>
+        <p14:creationId xmlns:p14="http://schemas.microsoft.com/office/powerpoint/2010/main" xmlns="" val="3157427889"/>
       </p:ext>
     </p:extLst>
   </p:cSld>
@@ -6895,13 +7861,40 @@
         <p:spPr/>
         <p:txBody>
           <a:bodyPr>
-            <a:normAutofit/>
+            <a:normAutofit fontScale="90000"/>
           </a:bodyPr>
           <a:lstStyle/>
           <a:p>
             <a:r>
-              <a:rPr lang="pl-PL" dirty="0" smtClean="0"/>
-              <a:t>Śledzenie zmian modelu</a:t>
+              <a:rPr lang="pl-PL" sz="4400" dirty="0" smtClean="0"/>
+              <a:t>DB first </a:t>
+            </a:r>
+            <a:r>
+              <a:rPr lang="pl-PL" sz="4400" dirty="0" err="1" smtClean="0"/>
+              <a:t>vs</a:t>
+            </a:r>
+            <a:r>
+              <a:rPr lang="pl-PL" sz="4400" dirty="0" smtClean="0"/>
+              <a:t> </a:t>
+            </a:r>
+            <a:r>
+              <a:rPr lang="pl-PL" sz="4400" dirty="0" err="1" smtClean="0"/>
+              <a:t>Code</a:t>
+            </a:r>
+            <a:r>
+              <a:rPr lang="pl-PL" sz="4400" dirty="0" smtClean="0"/>
+              <a:t> first </a:t>
+            </a:r>
+            <a:br>
+              <a:rPr lang="pl-PL" sz="4400" dirty="0" smtClean="0"/>
+            </a:br>
+            <a:r>
+              <a:rPr lang="pl-PL" sz="4400" dirty="0" err="1" smtClean="0"/>
+              <a:t>vs</a:t>
+            </a:r>
+            <a:r>
+              <a:rPr lang="pl-PL" sz="4400" dirty="0" smtClean="0"/>
+              <a:t> Model first</a:t>
             </a:r>
             <a:endParaRPr lang="pl-PL" dirty="0"/>
           </a:p>
@@ -6943,7 +7936,1436 @@
           <a:blip r:embed="rId3" cstate="print">
             <a:extLst>
               <a:ext uri="{28A0092B-C50C-407E-A947-70E740481C1C}">
-                <a14:useLocalDpi xmlns:a14="http://schemas.microsoft.com/office/drawing/2010/main" val="0"/>
+                <a14:useLocalDpi xmlns:a14="http://schemas.microsoft.com/office/drawing/2010/main" xmlns="" val="0"/>
+              </a:ext>
+            </a:extLst>
+          </a:blip>
+          <a:stretch>
+            <a:fillRect/>
+          </a:stretch>
+        </p:blipFill>
+        <p:spPr>
+          <a:xfrm>
+            <a:off x="179512" y="6165304"/>
+            <a:ext cx="1008112" cy="574214"/>
+          </a:xfrm>
+          <a:prstGeom prst="rect">
+            <a:avLst/>
+          </a:prstGeom>
+        </p:spPr>
+      </p:pic>
+      <p:pic>
+        <p:nvPicPr>
+          <p:cNvPr id="5123" name="Picture 3"/>
+          <p:cNvPicPr>
+            <a:picLocks noChangeAspect="1" noChangeArrowheads="1"/>
+          </p:cNvPicPr>
+          <p:nvPr/>
+        </p:nvPicPr>
+        <p:blipFill>
+          <a:blip r:embed="rId4" cstate="print"/>
+          <a:srcRect/>
+          <a:stretch>
+            <a:fillRect/>
+          </a:stretch>
+        </p:blipFill>
+        <p:spPr bwMode="auto">
+          <a:xfrm>
+            <a:off x="1691680" y="2031549"/>
+            <a:ext cx="7272808" cy="3989739"/>
+          </a:xfrm>
+          <a:prstGeom prst="rect">
+            <a:avLst/>
+          </a:prstGeom>
+          <a:noFill/>
+          <a:ln w="9525">
+            <a:noFill/>
+            <a:miter lim="800000"/>
+            <a:headEnd/>
+            <a:tailEnd/>
+          </a:ln>
+        </p:spPr>
+      </p:pic>
+    </p:spTree>
+    <p:extLst>
+      <p:ext uri="{BB962C8B-B14F-4D97-AF65-F5344CB8AC3E}">
+        <p14:creationId xmlns:p14="http://schemas.microsoft.com/office/powerpoint/2010/main" xmlns="" val="2808115206"/>
+      </p:ext>
+    </p:extLst>
+  </p:cSld>
+  <p:clrMapOvr>
+    <a:masterClrMapping/>
+  </p:clrMapOvr>
+  <p:timing>
+    <p:tnLst>
+      <p:par>
+        <p:cTn id="1" dur="indefinite" restart="never" nodeType="tmRoot"/>
+      </p:par>
+    </p:tnLst>
+  </p:timing>
+</p:sld>
+</file>
+
+<file path=ppt/slides/slide11.xml><?xml version="1.0" encoding="utf-8"?>
+<p:sld xmlns:a="http://schemas.openxmlformats.org/drawingml/2006/main" xmlns:r="http://schemas.openxmlformats.org/officeDocument/2006/relationships" xmlns:p="http://schemas.openxmlformats.org/presentationml/2006/main">
+  <p:cSld>
+    <p:spTree>
+      <p:nvGrpSpPr>
+        <p:cNvPr id="1" name=""/>
+        <p:cNvGrpSpPr/>
+        <p:nvPr/>
+      </p:nvGrpSpPr>
+      <p:grpSpPr>
+        <a:xfrm>
+          <a:off x="0" y="0"/>
+          <a:ext cx="0" cy="0"/>
+          <a:chOff x="0" y="0"/>
+          <a:chExt cx="0" cy="0"/>
+        </a:xfrm>
+      </p:grpSpPr>
+      <p:sp>
+        <p:nvSpPr>
+          <p:cNvPr id="2" name="Symbol zastępczy zawartości 1"/>
+          <p:cNvSpPr>
+            <a:spLocks noGrp="1"/>
+          </p:cNvSpPr>
+          <p:nvPr>
+            <p:ph idx="1"/>
+          </p:nvPr>
+        </p:nvSpPr>
+        <p:spPr/>
+        <p:txBody>
+          <a:bodyPr>
+            <a:normAutofit/>
+          </a:bodyPr>
+          <a:lstStyle/>
+          <a:p>
+            <a:pPr>
+              <a:buNone/>
+            </a:pPr>
+            <a:endParaRPr lang="pl-PL" b="1" dirty="0"/>
+          </a:p>
+        </p:txBody>
+      </p:sp>
+      <p:sp>
+        <p:nvSpPr>
+          <p:cNvPr id="3" name="Tytuł 2"/>
+          <p:cNvSpPr>
+            <a:spLocks noGrp="1"/>
+          </p:cNvSpPr>
+          <p:nvPr>
+            <p:ph type="title"/>
+          </p:nvPr>
+        </p:nvSpPr>
+        <p:spPr/>
+        <p:txBody>
+          <a:bodyPr>
+            <a:normAutofit fontScale="90000"/>
+          </a:bodyPr>
+          <a:lstStyle/>
+          <a:p>
+            <a:r>
+              <a:rPr lang="pl-PL" sz="4400" dirty="0" smtClean="0"/>
+              <a:t>DB first </a:t>
+            </a:r>
+            <a:r>
+              <a:rPr lang="pl-PL" sz="4400" dirty="0" err="1" smtClean="0"/>
+              <a:t>vs</a:t>
+            </a:r>
+            <a:r>
+              <a:rPr lang="pl-PL" sz="4400" dirty="0" smtClean="0"/>
+              <a:t> </a:t>
+            </a:r>
+            <a:r>
+              <a:rPr lang="pl-PL" sz="4400" dirty="0" err="1" smtClean="0"/>
+              <a:t>Code</a:t>
+            </a:r>
+            <a:r>
+              <a:rPr lang="pl-PL" sz="4400" dirty="0" smtClean="0"/>
+              <a:t> first </a:t>
+            </a:r>
+            <a:br>
+              <a:rPr lang="pl-PL" sz="4400" dirty="0" smtClean="0"/>
+            </a:br>
+            <a:r>
+              <a:rPr lang="pl-PL" sz="4400" dirty="0" err="1" smtClean="0"/>
+              <a:t>vs</a:t>
+            </a:r>
+            <a:r>
+              <a:rPr lang="pl-PL" sz="4400" dirty="0" smtClean="0"/>
+              <a:t> Model first</a:t>
+            </a:r>
+            <a:endParaRPr lang="pl-PL" dirty="0"/>
+          </a:p>
+        </p:txBody>
+      </p:sp>
+      <p:sp>
+        <p:nvSpPr>
+          <p:cNvPr id="4" name="Symbol zastępczy numeru slajdu 3"/>
+          <p:cNvSpPr>
+            <a:spLocks noGrp="1"/>
+          </p:cNvSpPr>
+          <p:nvPr>
+            <p:ph type="sldNum" sz="quarter" idx="12"/>
+          </p:nvPr>
+        </p:nvSpPr>
+        <p:spPr/>
+        <p:txBody>
+          <a:bodyPr/>
+          <a:lstStyle/>
+          <a:p>
+            <a:fld id="{976B8C4A-E01E-49C4-A342-E776841D1431}" type="slidenum">
+              <a:rPr lang="pl-PL" smtClean="0"/>
+              <a:pPr/>
+              <a:t>11</a:t>
+            </a:fld>
+            <a:endParaRPr lang="pl-PL"/>
+          </a:p>
+        </p:txBody>
+      </p:sp>
+      <p:pic>
+        <p:nvPicPr>
+          <p:cNvPr id="5" name="Obraz 4"/>
+          <p:cNvPicPr>
+            <a:picLocks noChangeAspect="1"/>
+          </p:cNvPicPr>
+          <p:nvPr/>
+        </p:nvPicPr>
+        <p:blipFill>
+          <a:blip r:embed="rId3" cstate="print">
+            <a:extLst>
+              <a:ext uri="{28A0092B-C50C-407E-A947-70E740481C1C}">
+                <a14:useLocalDpi xmlns:a14="http://schemas.microsoft.com/office/drawing/2010/main" xmlns="" val="0"/>
+              </a:ext>
+            </a:extLst>
+          </a:blip>
+          <a:stretch>
+            <a:fillRect/>
+          </a:stretch>
+        </p:blipFill>
+        <p:spPr>
+          <a:xfrm>
+            <a:off x="179512" y="6165304"/>
+            <a:ext cx="1008112" cy="574214"/>
+          </a:xfrm>
+          <a:prstGeom prst="rect">
+            <a:avLst/>
+          </a:prstGeom>
+        </p:spPr>
+      </p:pic>
+      <p:pic>
+        <p:nvPicPr>
+          <p:cNvPr id="1026" name="Picture 2"/>
+          <p:cNvPicPr>
+            <a:picLocks noChangeAspect="1" noChangeArrowheads="1"/>
+          </p:cNvPicPr>
+          <p:nvPr/>
+        </p:nvPicPr>
+        <p:blipFill>
+          <a:blip r:embed="rId4" cstate="print"/>
+          <a:srcRect/>
+          <a:stretch>
+            <a:fillRect/>
+          </a:stretch>
+        </p:blipFill>
+        <p:spPr bwMode="auto">
+          <a:xfrm>
+            <a:off x="107504" y="2060848"/>
+            <a:ext cx="8882686" cy="3096344"/>
+          </a:xfrm>
+          <a:prstGeom prst="rect">
+            <a:avLst/>
+          </a:prstGeom>
+          <a:noFill/>
+          <a:ln w="9525">
+            <a:noFill/>
+            <a:miter lim="800000"/>
+            <a:headEnd/>
+            <a:tailEnd/>
+          </a:ln>
+        </p:spPr>
+      </p:pic>
+    </p:spTree>
+    <p:extLst>
+      <p:ext uri="{BB962C8B-B14F-4D97-AF65-F5344CB8AC3E}">
+        <p14:creationId xmlns:p14="http://schemas.microsoft.com/office/powerpoint/2010/main" xmlns="" val="2808115206"/>
+      </p:ext>
+    </p:extLst>
+  </p:cSld>
+  <p:clrMapOvr>
+    <a:masterClrMapping/>
+  </p:clrMapOvr>
+  <p:timing>
+    <p:tnLst>
+      <p:par>
+        <p:cTn id="1" dur="indefinite" restart="never" nodeType="tmRoot"/>
+      </p:par>
+    </p:tnLst>
+  </p:timing>
+</p:sld>
+</file>
+
+<file path=ppt/slides/slide12.xml><?xml version="1.0" encoding="utf-8"?>
+<p:sld xmlns:a="http://schemas.openxmlformats.org/drawingml/2006/main" xmlns:r="http://schemas.openxmlformats.org/officeDocument/2006/relationships" xmlns:p="http://schemas.openxmlformats.org/presentationml/2006/main">
+  <p:cSld>
+    <p:spTree>
+      <p:nvGrpSpPr>
+        <p:cNvPr id="1" name=""/>
+        <p:cNvGrpSpPr/>
+        <p:nvPr/>
+      </p:nvGrpSpPr>
+      <p:grpSpPr>
+        <a:xfrm>
+          <a:off x="0" y="0"/>
+          <a:ext cx="0" cy="0"/>
+          <a:chOff x="0" y="0"/>
+          <a:chExt cx="0" cy="0"/>
+        </a:xfrm>
+      </p:grpSpPr>
+      <p:sp>
+        <p:nvSpPr>
+          <p:cNvPr id="2" name="Symbol zastępczy zawartości 1"/>
+          <p:cNvSpPr>
+            <a:spLocks noGrp="1"/>
+          </p:cNvSpPr>
+          <p:nvPr>
+            <p:ph idx="1"/>
+          </p:nvPr>
+        </p:nvSpPr>
+        <p:spPr/>
+        <p:txBody>
+          <a:bodyPr>
+            <a:normAutofit/>
+          </a:bodyPr>
+          <a:lstStyle/>
+          <a:p>
+            <a:pPr>
+              <a:buNone/>
+            </a:pPr>
+            <a:endParaRPr lang="pl-PL" b="1" dirty="0"/>
+          </a:p>
+        </p:txBody>
+      </p:sp>
+      <p:sp>
+        <p:nvSpPr>
+          <p:cNvPr id="3" name="Tytuł 2"/>
+          <p:cNvSpPr>
+            <a:spLocks noGrp="1"/>
+          </p:cNvSpPr>
+          <p:nvPr>
+            <p:ph type="title"/>
+          </p:nvPr>
+        </p:nvSpPr>
+        <p:spPr/>
+        <p:txBody>
+          <a:bodyPr>
+            <a:normAutofit fontScale="90000"/>
+          </a:bodyPr>
+          <a:lstStyle/>
+          <a:p>
+            <a:r>
+              <a:rPr lang="pl-PL" sz="4400" dirty="0" smtClean="0"/>
+              <a:t>DB first </a:t>
+            </a:r>
+            <a:r>
+              <a:rPr lang="pl-PL" sz="4400" dirty="0" err="1" smtClean="0"/>
+              <a:t>vs</a:t>
+            </a:r>
+            <a:r>
+              <a:rPr lang="pl-PL" sz="4400" dirty="0" smtClean="0"/>
+              <a:t> </a:t>
+            </a:r>
+            <a:r>
+              <a:rPr lang="pl-PL" sz="4400" dirty="0" err="1" smtClean="0"/>
+              <a:t>Code</a:t>
+            </a:r>
+            <a:r>
+              <a:rPr lang="pl-PL" sz="4400" dirty="0" smtClean="0"/>
+              <a:t> first </a:t>
+            </a:r>
+            <a:br>
+              <a:rPr lang="pl-PL" sz="4400" dirty="0" smtClean="0"/>
+            </a:br>
+            <a:r>
+              <a:rPr lang="pl-PL" sz="4400" dirty="0" err="1" smtClean="0"/>
+              <a:t>vs</a:t>
+            </a:r>
+            <a:r>
+              <a:rPr lang="pl-PL" sz="4400" dirty="0" smtClean="0"/>
+              <a:t> Model first</a:t>
+            </a:r>
+            <a:endParaRPr lang="pl-PL" dirty="0"/>
+          </a:p>
+        </p:txBody>
+      </p:sp>
+      <p:sp>
+        <p:nvSpPr>
+          <p:cNvPr id="4" name="Symbol zastępczy numeru slajdu 3"/>
+          <p:cNvSpPr>
+            <a:spLocks noGrp="1"/>
+          </p:cNvSpPr>
+          <p:nvPr>
+            <p:ph type="sldNum" sz="quarter" idx="12"/>
+          </p:nvPr>
+        </p:nvSpPr>
+        <p:spPr/>
+        <p:txBody>
+          <a:bodyPr/>
+          <a:lstStyle/>
+          <a:p>
+            <a:fld id="{976B8C4A-E01E-49C4-A342-E776841D1431}" type="slidenum">
+              <a:rPr lang="pl-PL" smtClean="0"/>
+              <a:pPr/>
+              <a:t>12</a:t>
+            </a:fld>
+            <a:endParaRPr lang="pl-PL"/>
+          </a:p>
+        </p:txBody>
+      </p:sp>
+      <p:pic>
+        <p:nvPicPr>
+          <p:cNvPr id="5" name="Obraz 4"/>
+          <p:cNvPicPr>
+            <a:picLocks noChangeAspect="1"/>
+          </p:cNvPicPr>
+          <p:nvPr/>
+        </p:nvPicPr>
+        <p:blipFill>
+          <a:blip r:embed="rId3" cstate="print">
+            <a:extLst>
+              <a:ext uri="{28A0092B-C50C-407E-A947-70E740481C1C}">
+                <a14:useLocalDpi xmlns:a14="http://schemas.microsoft.com/office/drawing/2010/main" xmlns="" val="0"/>
+              </a:ext>
+            </a:extLst>
+          </a:blip>
+          <a:stretch>
+            <a:fillRect/>
+          </a:stretch>
+        </p:blipFill>
+        <p:spPr>
+          <a:xfrm>
+            <a:off x="179512" y="6165304"/>
+            <a:ext cx="1008112" cy="574214"/>
+          </a:xfrm>
+          <a:prstGeom prst="rect">
+            <a:avLst/>
+          </a:prstGeom>
+        </p:spPr>
+      </p:pic>
+      <p:pic>
+        <p:nvPicPr>
+          <p:cNvPr id="2051" name="Picture 3"/>
+          <p:cNvPicPr>
+            <a:picLocks noChangeAspect="1" noChangeArrowheads="1"/>
+          </p:cNvPicPr>
+          <p:nvPr/>
+        </p:nvPicPr>
+        <p:blipFill>
+          <a:blip r:embed="rId4" cstate="print"/>
+          <a:srcRect/>
+          <a:stretch>
+            <a:fillRect/>
+          </a:stretch>
+        </p:blipFill>
+        <p:spPr bwMode="auto">
+          <a:xfrm>
+            <a:off x="144017" y="2132856"/>
+            <a:ext cx="8964487" cy="2759545"/>
+          </a:xfrm>
+          <a:prstGeom prst="rect">
+            <a:avLst/>
+          </a:prstGeom>
+          <a:noFill/>
+          <a:ln w="9525">
+            <a:noFill/>
+            <a:miter lim="800000"/>
+            <a:headEnd/>
+            <a:tailEnd/>
+          </a:ln>
+        </p:spPr>
+      </p:pic>
+    </p:spTree>
+    <p:extLst>
+      <p:ext uri="{BB962C8B-B14F-4D97-AF65-F5344CB8AC3E}">
+        <p14:creationId xmlns:p14="http://schemas.microsoft.com/office/powerpoint/2010/main" xmlns="" val="2808115206"/>
+      </p:ext>
+    </p:extLst>
+  </p:cSld>
+  <p:clrMapOvr>
+    <a:masterClrMapping/>
+  </p:clrMapOvr>
+  <p:timing>
+    <p:tnLst>
+      <p:par>
+        <p:cTn id="1" dur="indefinite" restart="never" nodeType="tmRoot"/>
+      </p:par>
+    </p:tnLst>
+  </p:timing>
+</p:sld>
+</file>
+
+<file path=ppt/slides/slide13.xml><?xml version="1.0" encoding="utf-8"?>
+<p:sld xmlns:a="http://schemas.openxmlformats.org/drawingml/2006/main" xmlns:r="http://schemas.openxmlformats.org/officeDocument/2006/relationships" xmlns:p="http://schemas.openxmlformats.org/presentationml/2006/main">
+  <p:cSld>
+    <p:spTree>
+      <p:nvGrpSpPr>
+        <p:cNvPr id="1" name=""/>
+        <p:cNvGrpSpPr/>
+        <p:nvPr/>
+      </p:nvGrpSpPr>
+      <p:grpSpPr>
+        <a:xfrm>
+          <a:off x="0" y="0"/>
+          <a:ext cx="0" cy="0"/>
+          <a:chOff x="0" y="0"/>
+          <a:chExt cx="0" cy="0"/>
+        </a:xfrm>
+      </p:grpSpPr>
+      <p:sp>
+        <p:nvSpPr>
+          <p:cNvPr id="2" name="Symbol zastępczy zawartości 1"/>
+          <p:cNvSpPr>
+            <a:spLocks noGrp="1"/>
+          </p:cNvSpPr>
+          <p:nvPr>
+            <p:ph idx="1"/>
+          </p:nvPr>
+        </p:nvSpPr>
+        <p:spPr/>
+        <p:txBody>
+          <a:bodyPr anchor="ctr">
+            <a:normAutofit/>
+          </a:bodyPr>
+          <a:lstStyle/>
+          <a:p>
+            <a:pPr algn="ctr">
+              <a:buNone/>
+            </a:pPr>
+            <a:r>
+              <a:rPr lang="pl-PL" b="1" i="1" dirty="0" smtClean="0"/>
+              <a:t>DEMO</a:t>
+            </a:r>
+            <a:endParaRPr lang="pl-PL" b="1" i="1" dirty="0"/>
+          </a:p>
+        </p:txBody>
+      </p:sp>
+      <p:sp>
+        <p:nvSpPr>
+          <p:cNvPr id="3" name="Tytuł 2"/>
+          <p:cNvSpPr>
+            <a:spLocks noGrp="1"/>
+          </p:cNvSpPr>
+          <p:nvPr>
+            <p:ph type="title"/>
+          </p:nvPr>
+        </p:nvSpPr>
+        <p:spPr/>
+        <p:txBody>
+          <a:bodyPr>
+            <a:normAutofit fontScale="90000"/>
+          </a:bodyPr>
+          <a:lstStyle/>
+          <a:p>
+            <a:r>
+              <a:rPr lang="pl-PL" sz="4400" dirty="0" smtClean="0"/>
+              <a:t>DB first </a:t>
+            </a:r>
+            <a:r>
+              <a:rPr lang="pl-PL" sz="4400" dirty="0" err="1" smtClean="0"/>
+              <a:t>vs</a:t>
+            </a:r>
+            <a:r>
+              <a:rPr lang="pl-PL" sz="4400" dirty="0" smtClean="0"/>
+              <a:t> </a:t>
+            </a:r>
+            <a:r>
+              <a:rPr lang="pl-PL" sz="4400" dirty="0" err="1" smtClean="0"/>
+              <a:t>Code</a:t>
+            </a:r>
+            <a:r>
+              <a:rPr lang="pl-PL" sz="4400" dirty="0" smtClean="0"/>
+              <a:t> first </a:t>
+            </a:r>
+            <a:br>
+              <a:rPr lang="pl-PL" sz="4400" dirty="0" smtClean="0"/>
+            </a:br>
+            <a:r>
+              <a:rPr lang="pl-PL" sz="4400" dirty="0" err="1" smtClean="0"/>
+              <a:t>vs</a:t>
+            </a:r>
+            <a:r>
+              <a:rPr lang="pl-PL" sz="4400" dirty="0" smtClean="0"/>
+              <a:t> Model first</a:t>
+            </a:r>
+            <a:endParaRPr lang="pl-PL" dirty="0"/>
+          </a:p>
+        </p:txBody>
+      </p:sp>
+      <p:sp>
+        <p:nvSpPr>
+          <p:cNvPr id="4" name="Symbol zastępczy numeru slajdu 3"/>
+          <p:cNvSpPr>
+            <a:spLocks noGrp="1"/>
+          </p:cNvSpPr>
+          <p:nvPr>
+            <p:ph type="sldNum" sz="quarter" idx="12"/>
+          </p:nvPr>
+        </p:nvSpPr>
+        <p:spPr/>
+        <p:txBody>
+          <a:bodyPr/>
+          <a:lstStyle/>
+          <a:p>
+            <a:fld id="{976B8C4A-E01E-49C4-A342-E776841D1431}" type="slidenum">
+              <a:rPr lang="pl-PL" smtClean="0"/>
+              <a:pPr/>
+              <a:t>13</a:t>
+            </a:fld>
+            <a:endParaRPr lang="pl-PL"/>
+          </a:p>
+        </p:txBody>
+      </p:sp>
+      <p:pic>
+        <p:nvPicPr>
+          <p:cNvPr id="5" name="Obraz 4"/>
+          <p:cNvPicPr>
+            <a:picLocks noChangeAspect="1"/>
+          </p:cNvPicPr>
+          <p:nvPr/>
+        </p:nvPicPr>
+        <p:blipFill>
+          <a:blip r:embed="rId3" cstate="print">
+            <a:extLst>
+              <a:ext uri="{28A0092B-C50C-407E-A947-70E740481C1C}">
+                <a14:useLocalDpi xmlns:a14="http://schemas.microsoft.com/office/drawing/2010/main" xmlns="" val="0"/>
+              </a:ext>
+            </a:extLst>
+          </a:blip>
+          <a:stretch>
+            <a:fillRect/>
+          </a:stretch>
+        </p:blipFill>
+        <p:spPr>
+          <a:xfrm>
+            <a:off x="179512" y="6165304"/>
+            <a:ext cx="1008112" cy="574214"/>
+          </a:xfrm>
+          <a:prstGeom prst="rect">
+            <a:avLst/>
+          </a:prstGeom>
+        </p:spPr>
+      </p:pic>
+    </p:spTree>
+    <p:extLst>
+      <p:ext uri="{BB962C8B-B14F-4D97-AF65-F5344CB8AC3E}">
+        <p14:creationId xmlns:p14="http://schemas.microsoft.com/office/powerpoint/2010/main" xmlns="" val="2808115206"/>
+      </p:ext>
+    </p:extLst>
+  </p:cSld>
+  <p:clrMapOvr>
+    <a:masterClrMapping/>
+  </p:clrMapOvr>
+  <p:timing>
+    <p:tnLst>
+      <p:par>
+        <p:cTn id="1" dur="indefinite" restart="never" nodeType="tmRoot"/>
+      </p:par>
+    </p:tnLst>
+  </p:timing>
+</p:sld>
+</file>
+
+<file path=ppt/slides/slide14.xml><?xml version="1.0" encoding="utf-8"?>
+<p:sld xmlns:a="http://schemas.openxmlformats.org/drawingml/2006/main" xmlns:r="http://schemas.openxmlformats.org/officeDocument/2006/relationships" xmlns:p="http://schemas.openxmlformats.org/presentationml/2006/main">
+  <p:cSld>
+    <p:spTree>
+      <p:nvGrpSpPr>
+        <p:cNvPr id="1" name=""/>
+        <p:cNvGrpSpPr/>
+        <p:nvPr/>
+      </p:nvGrpSpPr>
+      <p:grpSpPr>
+        <a:xfrm>
+          <a:off x="0" y="0"/>
+          <a:ext cx="0" cy="0"/>
+          <a:chOff x="0" y="0"/>
+          <a:chExt cx="0" cy="0"/>
+        </a:xfrm>
+      </p:grpSpPr>
+      <p:sp>
+        <p:nvSpPr>
+          <p:cNvPr id="2" name="Symbol zastępczy zawartości 1"/>
+          <p:cNvSpPr>
+            <a:spLocks noGrp="1"/>
+          </p:cNvSpPr>
+          <p:nvPr>
+            <p:ph idx="1"/>
+          </p:nvPr>
+        </p:nvSpPr>
+        <p:spPr/>
+        <p:txBody>
+          <a:bodyPr>
+            <a:normAutofit/>
+          </a:bodyPr>
+          <a:lstStyle/>
+          <a:p>
+            <a:pPr>
+              <a:buNone/>
+            </a:pPr>
+            <a:endParaRPr lang="pl-PL" b="1" dirty="0"/>
+          </a:p>
+        </p:txBody>
+      </p:sp>
+      <p:sp>
+        <p:nvSpPr>
+          <p:cNvPr id="3" name="Tytuł 2"/>
+          <p:cNvSpPr>
+            <a:spLocks noGrp="1"/>
+          </p:cNvSpPr>
+          <p:nvPr>
+            <p:ph type="title"/>
+          </p:nvPr>
+        </p:nvSpPr>
+        <p:spPr/>
+        <p:txBody>
+          <a:bodyPr>
+            <a:normAutofit/>
+          </a:bodyPr>
+          <a:lstStyle/>
+          <a:p>
+            <a:r>
+              <a:rPr lang="pl-PL" dirty="0" smtClean="0"/>
+              <a:t>Wykonywanie zapytań</a:t>
+            </a:r>
+            <a:endParaRPr lang="pl-PL" dirty="0"/>
+          </a:p>
+        </p:txBody>
+      </p:sp>
+      <p:sp>
+        <p:nvSpPr>
+          <p:cNvPr id="4" name="Symbol zastępczy numeru slajdu 3"/>
+          <p:cNvSpPr>
+            <a:spLocks noGrp="1"/>
+          </p:cNvSpPr>
+          <p:nvPr>
+            <p:ph type="sldNum" sz="quarter" idx="12"/>
+          </p:nvPr>
+        </p:nvSpPr>
+        <p:spPr/>
+        <p:txBody>
+          <a:bodyPr/>
+          <a:lstStyle/>
+          <a:p>
+            <a:fld id="{976B8C4A-E01E-49C4-A342-E776841D1431}" type="slidenum">
+              <a:rPr lang="pl-PL" smtClean="0"/>
+              <a:pPr/>
+              <a:t>14</a:t>
+            </a:fld>
+            <a:endParaRPr lang="pl-PL"/>
+          </a:p>
+        </p:txBody>
+      </p:sp>
+      <p:pic>
+        <p:nvPicPr>
+          <p:cNvPr id="5" name="Obraz 4"/>
+          <p:cNvPicPr>
+            <a:picLocks noChangeAspect="1"/>
+          </p:cNvPicPr>
+          <p:nvPr/>
+        </p:nvPicPr>
+        <p:blipFill>
+          <a:blip r:embed="rId3" cstate="print">
+            <a:extLst>
+              <a:ext uri="{28A0092B-C50C-407E-A947-70E740481C1C}">
+                <a14:useLocalDpi xmlns:a14="http://schemas.microsoft.com/office/drawing/2010/main" xmlns="" val="0"/>
+              </a:ext>
+            </a:extLst>
+          </a:blip>
+          <a:stretch>
+            <a:fillRect/>
+          </a:stretch>
+        </p:blipFill>
+        <p:spPr>
+          <a:xfrm>
+            <a:off x="179512" y="6165304"/>
+            <a:ext cx="1008112" cy="574214"/>
+          </a:xfrm>
+          <a:prstGeom prst="rect">
+            <a:avLst/>
+          </a:prstGeom>
+        </p:spPr>
+      </p:pic>
+      <p:pic>
+        <p:nvPicPr>
+          <p:cNvPr id="30722" name="Picture 2"/>
+          <p:cNvPicPr>
+            <a:picLocks noChangeAspect="1" noChangeArrowheads="1"/>
+          </p:cNvPicPr>
+          <p:nvPr/>
+        </p:nvPicPr>
+        <p:blipFill>
+          <a:blip r:embed="rId4" cstate="print"/>
+          <a:srcRect/>
+          <a:stretch>
+            <a:fillRect/>
+          </a:stretch>
+        </p:blipFill>
+        <p:spPr bwMode="auto">
+          <a:xfrm>
+            <a:off x="107504" y="2046536"/>
+            <a:ext cx="8923745" cy="3110656"/>
+          </a:xfrm>
+          <a:prstGeom prst="rect">
+            <a:avLst/>
+          </a:prstGeom>
+          <a:noFill/>
+          <a:ln w="9525">
+            <a:noFill/>
+            <a:miter lim="800000"/>
+            <a:headEnd/>
+            <a:tailEnd/>
+          </a:ln>
+        </p:spPr>
+      </p:pic>
+    </p:spTree>
+    <p:extLst>
+      <p:ext uri="{BB962C8B-B14F-4D97-AF65-F5344CB8AC3E}">
+        <p14:creationId xmlns:p14="http://schemas.microsoft.com/office/powerpoint/2010/main" xmlns="" val="2808115206"/>
+      </p:ext>
+    </p:extLst>
+  </p:cSld>
+  <p:clrMapOvr>
+    <a:masterClrMapping/>
+  </p:clrMapOvr>
+  <p:timing>
+    <p:tnLst>
+      <p:par>
+        <p:cTn id="1" dur="indefinite" restart="never" nodeType="tmRoot"/>
+      </p:par>
+    </p:tnLst>
+  </p:timing>
+</p:sld>
+</file>
+
+<file path=ppt/slides/slide15.xml><?xml version="1.0" encoding="utf-8"?>
+<p:sld xmlns:a="http://schemas.openxmlformats.org/drawingml/2006/main" xmlns:r="http://schemas.openxmlformats.org/officeDocument/2006/relationships" xmlns:p="http://schemas.openxmlformats.org/presentationml/2006/main">
+  <p:cSld>
+    <p:spTree>
+      <p:nvGrpSpPr>
+        <p:cNvPr id="1" name=""/>
+        <p:cNvGrpSpPr/>
+        <p:nvPr/>
+      </p:nvGrpSpPr>
+      <p:grpSpPr>
+        <a:xfrm>
+          <a:off x="0" y="0"/>
+          <a:ext cx="0" cy="0"/>
+          <a:chOff x="0" y="0"/>
+          <a:chExt cx="0" cy="0"/>
+        </a:xfrm>
+      </p:grpSpPr>
+      <p:sp>
+        <p:nvSpPr>
+          <p:cNvPr id="2" name="Symbol zastępczy zawartości 1"/>
+          <p:cNvSpPr>
+            <a:spLocks noGrp="1"/>
+          </p:cNvSpPr>
+          <p:nvPr>
+            <p:ph idx="1"/>
+          </p:nvPr>
+        </p:nvSpPr>
+        <p:spPr/>
+        <p:txBody>
+          <a:bodyPr>
+            <a:normAutofit/>
+          </a:bodyPr>
+          <a:lstStyle/>
+          <a:p>
+            <a:pPr>
+              <a:buNone/>
+            </a:pPr>
+            <a:endParaRPr lang="pl-PL" b="1" dirty="0"/>
+          </a:p>
+        </p:txBody>
+      </p:sp>
+      <p:sp>
+        <p:nvSpPr>
+          <p:cNvPr id="3" name="Tytuł 2"/>
+          <p:cNvSpPr>
+            <a:spLocks noGrp="1"/>
+          </p:cNvSpPr>
+          <p:nvPr>
+            <p:ph type="title"/>
+          </p:nvPr>
+        </p:nvSpPr>
+        <p:spPr/>
+        <p:txBody>
+          <a:bodyPr>
+            <a:normAutofit/>
+          </a:bodyPr>
+          <a:lstStyle/>
+          <a:p>
+            <a:r>
+              <a:rPr lang="pl-PL" dirty="0" smtClean="0"/>
+              <a:t>Wykonywanie zapytań</a:t>
+            </a:r>
+            <a:endParaRPr lang="pl-PL" dirty="0"/>
+          </a:p>
+        </p:txBody>
+      </p:sp>
+      <p:sp>
+        <p:nvSpPr>
+          <p:cNvPr id="4" name="Symbol zastępczy numeru slajdu 3"/>
+          <p:cNvSpPr>
+            <a:spLocks noGrp="1"/>
+          </p:cNvSpPr>
+          <p:nvPr>
+            <p:ph type="sldNum" sz="quarter" idx="12"/>
+          </p:nvPr>
+        </p:nvSpPr>
+        <p:spPr/>
+        <p:txBody>
+          <a:bodyPr/>
+          <a:lstStyle/>
+          <a:p>
+            <a:fld id="{976B8C4A-E01E-49C4-A342-E776841D1431}" type="slidenum">
+              <a:rPr lang="pl-PL" smtClean="0"/>
+              <a:pPr/>
+              <a:t>15</a:t>
+            </a:fld>
+            <a:endParaRPr lang="pl-PL"/>
+          </a:p>
+        </p:txBody>
+      </p:sp>
+      <p:pic>
+        <p:nvPicPr>
+          <p:cNvPr id="5" name="Obraz 4"/>
+          <p:cNvPicPr>
+            <a:picLocks noChangeAspect="1"/>
+          </p:cNvPicPr>
+          <p:nvPr/>
+        </p:nvPicPr>
+        <p:blipFill>
+          <a:blip r:embed="rId3" cstate="print">
+            <a:extLst>
+              <a:ext uri="{28A0092B-C50C-407E-A947-70E740481C1C}">
+                <a14:useLocalDpi xmlns:a14="http://schemas.microsoft.com/office/drawing/2010/main" xmlns="" val="0"/>
+              </a:ext>
+            </a:extLst>
+          </a:blip>
+          <a:stretch>
+            <a:fillRect/>
+          </a:stretch>
+        </p:blipFill>
+        <p:spPr>
+          <a:xfrm>
+            <a:off x="179512" y="6165304"/>
+            <a:ext cx="1008112" cy="574214"/>
+          </a:xfrm>
+          <a:prstGeom prst="rect">
+            <a:avLst/>
+          </a:prstGeom>
+        </p:spPr>
+      </p:pic>
+      <p:pic>
+        <p:nvPicPr>
+          <p:cNvPr id="31747" name="Picture 3"/>
+          <p:cNvPicPr>
+            <a:picLocks noChangeAspect="1" noChangeArrowheads="1"/>
+          </p:cNvPicPr>
+          <p:nvPr/>
+        </p:nvPicPr>
+        <p:blipFill>
+          <a:blip r:embed="rId4" cstate="print"/>
+          <a:srcRect/>
+          <a:stretch>
+            <a:fillRect/>
+          </a:stretch>
+        </p:blipFill>
+        <p:spPr bwMode="auto">
+          <a:xfrm>
+            <a:off x="611560" y="1526687"/>
+            <a:ext cx="8325495" cy="4422593"/>
+          </a:xfrm>
+          <a:prstGeom prst="rect">
+            <a:avLst/>
+          </a:prstGeom>
+          <a:noFill/>
+          <a:ln w="9525">
+            <a:noFill/>
+            <a:miter lim="800000"/>
+            <a:headEnd/>
+            <a:tailEnd/>
+          </a:ln>
+        </p:spPr>
+      </p:pic>
+    </p:spTree>
+    <p:extLst>
+      <p:ext uri="{BB962C8B-B14F-4D97-AF65-F5344CB8AC3E}">
+        <p14:creationId xmlns:p14="http://schemas.microsoft.com/office/powerpoint/2010/main" xmlns="" val="2808115206"/>
+      </p:ext>
+    </p:extLst>
+  </p:cSld>
+  <p:clrMapOvr>
+    <a:masterClrMapping/>
+  </p:clrMapOvr>
+  <p:timing>
+    <p:tnLst>
+      <p:par>
+        <p:cTn id="1" dur="indefinite" restart="never" nodeType="tmRoot"/>
+      </p:par>
+    </p:tnLst>
+  </p:timing>
+</p:sld>
+</file>
+
+<file path=ppt/slides/slide16.xml><?xml version="1.0" encoding="utf-8"?>
+<p:sld xmlns:a="http://schemas.openxmlformats.org/drawingml/2006/main" xmlns:r="http://schemas.openxmlformats.org/officeDocument/2006/relationships" xmlns:p="http://schemas.openxmlformats.org/presentationml/2006/main">
+  <p:cSld>
+    <p:spTree>
+      <p:nvGrpSpPr>
+        <p:cNvPr id="1" name=""/>
+        <p:cNvGrpSpPr/>
+        <p:nvPr/>
+      </p:nvGrpSpPr>
+      <p:grpSpPr>
+        <a:xfrm>
+          <a:off x="0" y="0"/>
+          <a:ext cx="0" cy="0"/>
+          <a:chOff x="0" y="0"/>
+          <a:chExt cx="0" cy="0"/>
+        </a:xfrm>
+      </p:grpSpPr>
+      <p:sp>
+        <p:nvSpPr>
+          <p:cNvPr id="2" name="Symbol zastępczy zawartości 1"/>
+          <p:cNvSpPr>
+            <a:spLocks noGrp="1"/>
+          </p:cNvSpPr>
+          <p:nvPr>
+            <p:ph idx="1"/>
+          </p:nvPr>
+        </p:nvSpPr>
+        <p:spPr/>
+        <p:txBody>
+          <a:bodyPr>
+            <a:normAutofit/>
+          </a:bodyPr>
+          <a:lstStyle/>
+          <a:p>
+            <a:r>
+              <a:rPr lang="pl-PL" b="1" dirty="0" err="1" smtClean="0"/>
+              <a:t>IQueryable</a:t>
+            </a:r>
+            <a:endParaRPr lang="pl-PL" b="1" dirty="0" smtClean="0"/>
+          </a:p>
+          <a:p>
+            <a:endParaRPr lang="pl-PL" b="1" dirty="0" smtClean="0"/>
+          </a:p>
+          <a:p>
+            <a:r>
+              <a:rPr lang="pl-PL" b="1" dirty="0" smtClean="0"/>
+              <a:t>Wywołanie zapytania -&gt; materializowanie rezultatu</a:t>
+            </a:r>
+          </a:p>
+          <a:p>
+            <a:pPr lvl="1"/>
+            <a:r>
+              <a:rPr lang="pl-PL" b="1" dirty="0" smtClean="0"/>
+              <a:t>.</a:t>
+            </a:r>
+            <a:r>
+              <a:rPr lang="pl-PL" b="1" dirty="0" err="1" smtClean="0"/>
+              <a:t>ToList</a:t>
+            </a:r>
+            <a:r>
+              <a:rPr lang="pl-PL" b="1" dirty="0" smtClean="0"/>
+              <a:t>(), .</a:t>
+            </a:r>
+            <a:r>
+              <a:rPr lang="pl-PL" b="1" dirty="0" err="1" smtClean="0"/>
+              <a:t>ToArray</a:t>
+            </a:r>
+            <a:r>
+              <a:rPr lang="pl-PL" b="1" dirty="0" smtClean="0"/>
+              <a:t>(), .</a:t>
+            </a:r>
+            <a:r>
+              <a:rPr lang="pl-PL" b="1" dirty="0" err="1" smtClean="0"/>
+              <a:t>FirstOrDefault</a:t>
+            </a:r>
+            <a:r>
+              <a:rPr lang="pl-PL" b="1" dirty="0" smtClean="0"/>
+              <a:t>() etc</a:t>
+            </a:r>
+          </a:p>
+          <a:p>
+            <a:pPr lvl="1"/>
+            <a:r>
+              <a:rPr lang="pl-PL" dirty="0" smtClean="0"/>
+              <a:t>drzewo wyrażenia skojarzone z obiektem </a:t>
+            </a:r>
+            <a:r>
+              <a:rPr lang="pl-PL" dirty="0" err="1" smtClean="0"/>
+              <a:t>IQueryable</a:t>
+            </a:r>
+            <a:r>
+              <a:rPr lang="pl-PL" dirty="0" smtClean="0"/>
+              <a:t> tłumaczone i wykonane</a:t>
+            </a:r>
+            <a:endParaRPr lang="pl-PL" b="1" dirty="0" smtClean="0"/>
+          </a:p>
+          <a:p>
+            <a:endParaRPr lang="pl-PL" b="1" dirty="0"/>
+          </a:p>
+        </p:txBody>
+      </p:sp>
+      <p:sp>
+        <p:nvSpPr>
+          <p:cNvPr id="3" name="Tytuł 2"/>
+          <p:cNvSpPr>
+            <a:spLocks noGrp="1"/>
+          </p:cNvSpPr>
+          <p:nvPr>
+            <p:ph type="title"/>
+          </p:nvPr>
+        </p:nvSpPr>
+        <p:spPr/>
+        <p:txBody>
+          <a:bodyPr>
+            <a:normAutofit/>
+          </a:bodyPr>
+          <a:lstStyle/>
+          <a:p>
+            <a:r>
+              <a:rPr lang="pl-PL" dirty="0" smtClean="0"/>
+              <a:t>Wykonywanie zapytań</a:t>
+            </a:r>
+            <a:endParaRPr lang="pl-PL" dirty="0"/>
+          </a:p>
+        </p:txBody>
+      </p:sp>
+      <p:sp>
+        <p:nvSpPr>
+          <p:cNvPr id="4" name="Symbol zastępczy numeru slajdu 3"/>
+          <p:cNvSpPr>
+            <a:spLocks noGrp="1"/>
+          </p:cNvSpPr>
+          <p:nvPr>
+            <p:ph type="sldNum" sz="quarter" idx="12"/>
+          </p:nvPr>
+        </p:nvSpPr>
+        <p:spPr/>
+        <p:txBody>
+          <a:bodyPr/>
+          <a:lstStyle/>
+          <a:p>
+            <a:fld id="{976B8C4A-E01E-49C4-A342-E776841D1431}" type="slidenum">
+              <a:rPr lang="pl-PL" smtClean="0"/>
+              <a:pPr/>
+              <a:t>16</a:t>
+            </a:fld>
+            <a:endParaRPr lang="pl-PL"/>
+          </a:p>
+        </p:txBody>
+      </p:sp>
+      <p:pic>
+        <p:nvPicPr>
+          <p:cNvPr id="5" name="Obraz 4"/>
+          <p:cNvPicPr>
+            <a:picLocks noChangeAspect="1"/>
+          </p:cNvPicPr>
+          <p:nvPr/>
+        </p:nvPicPr>
+        <p:blipFill>
+          <a:blip r:embed="rId3" cstate="print">
+            <a:extLst>
+              <a:ext uri="{28A0092B-C50C-407E-A947-70E740481C1C}">
+                <a14:useLocalDpi xmlns:a14="http://schemas.microsoft.com/office/drawing/2010/main" xmlns="" val="0"/>
+              </a:ext>
+            </a:extLst>
+          </a:blip>
+          <a:stretch>
+            <a:fillRect/>
+          </a:stretch>
+        </p:blipFill>
+        <p:spPr>
+          <a:xfrm>
+            <a:off x="179512" y="6165304"/>
+            <a:ext cx="1008112" cy="574214"/>
+          </a:xfrm>
+          <a:prstGeom prst="rect">
+            <a:avLst/>
+          </a:prstGeom>
+        </p:spPr>
+      </p:pic>
+    </p:spTree>
+    <p:extLst>
+      <p:ext uri="{BB962C8B-B14F-4D97-AF65-F5344CB8AC3E}">
+        <p14:creationId xmlns:p14="http://schemas.microsoft.com/office/powerpoint/2010/main" xmlns="" val="2808115206"/>
+      </p:ext>
+    </p:extLst>
+  </p:cSld>
+  <p:clrMapOvr>
+    <a:masterClrMapping/>
+  </p:clrMapOvr>
+  <p:timing>
+    <p:tnLst>
+      <p:par>
+        <p:cTn id="1" dur="indefinite" restart="never" nodeType="tmRoot"/>
+      </p:par>
+    </p:tnLst>
+  </p:timing>
+</p:sld>
+</file>
+
+<file path=ppt/slides/slide17.xml><?xml version="1.0" encoding="utf-8"?>
+<p:sld xmlns:a="http://schemas.openxmlformats.org/drawingml/2006/main" xmlns:r="http://schemas.openxmlformats.org/officeDocument/2006/relationships" xmlns:p="http://schemas.openxmlformats.org/presentationml/2006/main">
+  <p:cSld>
+    <p:spTree>
+      <p:nvGrpSpPr>
+        <p:cNvPr id="1" name=""/>
+        <p:cNvGrpSpPr/>
+        <p:nvPr/>
+      </p:nvGrpSpPr>
+      <p:grpSpPr>
+        <a:xfrm>
+          <a:off x="0" y="0"/>
+          <a:ext cx="0" cy="0"/>
+          <a:chOff x="0" y="0"/>
+          <a:chExt cx="0" cy="0"/>
+        </a:xfrm>
+      </p:grpSpPr>
+      <p:sp>
+        <p:nvSpPr>
+          <p:cNvPr id="2" name="Symbol zastępczy zawartości 1"/>
+          <p:cNvSpPr>
+            <a:spLocks noGrp="1"/>
+          </p:cNvSpPr>
+          <p:nvPr>
+            <p:ph idx="1"/>
+          </p:nvPr>
+        </p:nvSpPr>
+        <p:spPr/>
+        <p:txBody>
+          <a:bodyPr anchor="ctr">
+            <a:normAutofit/>
+          </a:bodyPr>
+          <a:lstStyle/>
+          <a:p>
+            <a:pPr algn="ctr">
+              <a:buNone/>
+            </a:pPr>
+            <a:r>
+              <a:rPr lang="pl-PL" b="1" i="1" dirty="0" smtClean="0"/>
+              <a:t>DEMO</a:t>
+            </a:r>
+            <a:endParaRPr lang="pl-PL" b="1" i="1" dirty="0"/>
+          </a:p>
+        </p:txBody>
+      </p:sp>
+      <p:sp>
+        <p:nvSpPr>
+          <p:cNvPr id="3" name="Tytuł 2"/>
+          <p:cNvSpPr>
+            <a:spLocks noGrp="1"/>
+          </p:cNvSpPr>
+          <p:nvPr>
+            <p:ph type="title"/>
+          </p:nvPr>
+        </p:nvSpPr>
+        <p:spPr/>
+        <p:txBody>
+          <a:bodyPr>
+            <a:normAutofit/>
+          </a:bodyPr>
+          <a:lstStyle/>
+          <a:p>
+            <a:r>
+              <a:rPr lang="pl-PL" dirty="0" smtClean="0"/>
+              <a:t>Wykonywanie zapytań</a:t>
+            </a:r>
+            <a:endParaRPr lang="pl-PL" dirty="0"/>
+          </a:p>
+        </p:txBody>
+      </p:sp>
+      <p:sp>
+        <p:nvSpPr>
+          <p:cNvPr id="4" name="Symbol zastępczy numeru slajdu 3"/>
+          <p:cNvSpPr>
+            <a:spLocks noGrp="1"/>
+          </p:cNvSpPr>
+          <p:nvPr>
+            <p:ph type="sldNum" sz="quarter" idx="12"/>
+          </p:nvPr>
+        </p:nvSpPr>
+        <p:spPr/>
+        <p:txBody>
+          <a:bodyPr/>
+          <a:lstStyle/>
+          <a:p>
+            <a:fld id="{976B8C4A-E01E-49C4-A342-E776841D1431}" type="slidenum">
+              <a:rPr lang="pl-PL" smtClean="0"/>
+              <a:pPr/>
+              <a:t>17</a:t>
+            </a:fld>
+            <a:endParaRPr lang="pl-PL"/>
+          </a:p>
+        </p:txBody>
+      </p:sp>
+      <p:pic>
+        <p:nvPicPr>
+          <p:cNvPr id="5" name="Obraz 4"/>
+          <p:cNvPicPr>
+            <a:picLocks noChangeAspect="1"/>
+          </p:cNvPicPr>
+          <p:nvPr/>
+        </p:nvPicPr>
+        <p:blipFill>
+          <a:blip r:embed="rId3" cstate="print">
+            <a:extLst>
+              <a:ext uri="{28A0092B-C50C-407E-A947-70E740481C1C}">
+                <a14:useLocalDpi xmlns:a14="http://schemas.microsoft.com/office/drawing/2010/main" xmlns="" val="0"/>
+              </a:ext>
+            </a:extLst>
+          </a:blip>
+          <a:stretch>
+            <a:fillRect/>
+          </a:stretch>
+        </p:blipFill>
+        <p:spPr>
+          <a:xfrm>
+            <a:off x="179512" y="6165304"/>
+            <a:ext cx="1008112" cy="574214"/>
+          </a:xfrm>
+          <a:prstGeom prst="rect">
+            <a:avLst/>
+          </a:prstGeom>
+        </p:spPr>
+      </p:pic>
+    </p:spTree>
+    <p:extLst>
+      <p:ext uri="{BB962C8B-B14F-4D97-AF65-F5344CB8AC3E}">
+        <p14:creationId xmlns:p14="http://schemas.microsoft.com/office/powerpoint/2010/main" xmlns="" val="2808115206"/>
+      </p:ext>
+    </p:extLst>
+  </p:cSld>
+  <p:clrMapOvr>
+    <a:masterClrMapping/>
+  </p:clrMapOvr>
+  <p:timing>
+    <p:tnLst>
+      <p:par>
+        <p:cTn id="1" dur="indefinite" restart="never" nodeType="tmRoot"/>
+      </p:par>
+    </p:tnLst>
+  </p:timing>
+</p:sld>
+</file>
+
+<file path=ppt/slides/slide18.xml><?xml version="1.0" encoding="utf-8"?>
+<p:sld xmlns:a="http://schemas.openxmlformats.org/drawingml/2006/main" xmlns:r="http://schemas.openxmlformats.org/officeDocument/2006/relationships" xmlns:p="http://schemas.openxmlformats.org/presentationml/2006/main">
+  <p:cSld>
+    <p:spTree>
+      <p:nvGrpSpPr>
+        <p:cNvPr id="1" name=""/>
+        <p:cNvGrpSpPr/>
+        <p:nvPr/>
+      </p:nvGrpSpPr>
+      <p:grpSpPr>
+        <a:xfrm>
+          <a:off x="0" y="0"/>
+          <a:ext cx="0" cy="0"/>
+          <a:chOff x="0" y="0"/>
+          <a:chExt cx="0" cy="0"/>
+        </a:xfrm>
+      </p:grpSpPr>
+      <p:sp>
+        <p:nvSpPr>
+          <p:cNvPr id="2" name="Symbol zastępczy zawartości 1"/>
+          <p:cNvSpPr>
+            <a:spLocks noGrp="1"/>
+          </p:cNvSpPr>
+          <p:nvPr>
+            <p:ph idx="1"/>
+          </p:nvPr>
+        </p:nvSpPr>
+        <p:spPr/>
+        <p:txBody>
+          <a:bodyPr>
+            <a:normAutofit/>
+          </a:bodyPr>
+          <a:lstStyle/>
+          <a:p>
+            <a:pPr>
+              <a:buNone/>
+            </a:pPr>
+            <a:endParaRPr lang="pl-PL" b="1" dirty="0"/>
+          </a:p>
+        </p:txBody>
+      </p:sp>
+      <p:sp>
+        <p:nvSpPr>
+          <p:cNvPr id="3" name="Tytuł 2"/>
+          <p:cNvSpPr>
+            <a:spLocks noGrp="1"/>
+          </p:cNvSpPr>
+          <p:nvPr>
+            <p:ph type="title"/>
+          </p:nvPr>
+        </p:nvSpPr>
+        <p:spPr/>
+        <p:txBody>
+          <a:bodyPr>
+            <a:normAutofit/>
+          </a:bodyPr>
+          <a:lstStyle/>
+          <a:p>
+            <a:r>
+              <a:rPr lang="pl-PL" dirty="0" smtClean="0"/>
+              <a:t>Śledzenie zmian modelu</a:t>
+            </a:r>
+            <a:endParaRPr lang="pl-PL" dirty="0"/>
+          </a:p>
+        </p:txBody>
+      </p:sp>
+      <p:sp>
+        <p:nvSpPr>
+          <p:cNvPr id="4" name="Symbol zastępczy numeru slajdu 3"/>
+          <p:cNvSpPr>
+            <a:spLocks noGrp="1"/>
+          </p:cNvSpPr>
+          <p:nvPr>
+            <p:ph type="sldNum" sz="quarter" idx="12"/>
+          </p:nvPr>
+        </p:nvSpPr>
+        <p:spPr/>
+        <p:txBody>
+          <a:bodyPr/>
+          <a:lstStyle/>
+          <a:p>
+            <a:fld id="{976B8C4A-E01E-49C4-A342-E776841D1431}" type="slidenum">
+              <a:rPr lang="pl-PL" smtClean="0"/>
+              <a:pPr/>
+              <a:t>18</a:t>
+            </a:fld>
+            <a:endParaRPr lang="pl-PL"/>
+          </a:p>
+        </p:txBody>
+      </p:sp>
+      <p:pic>
+        <p:nvPicPr>
+          <p:cNvPr id="5" name="Obraz 4"/>
+          <p:cNvPicPr>
+            <a:picLocks noChangeAspect="1"/>
+          </p:cNvPicPr>
+          <p:nvPr/>
+        </p:nvPicPr>
+        <p:blipFill>
+          <a:blip r:embed="rId3" cstate="print">
+            <a:extLst>
+              <a:ext uri="{28A0092B-C50C-407E-A947-70E740481C1C}">
+                <a14:useLocalDpi xmlns:a14="http://schemas.microsoft.com/office/drawing/2010/main" xmlns="" val="0"/>
               </a:ext>
             </a:extLst>
           </a:blip>
@@ -6996,7 +9418,7 @@
     </p:spTree>
     <p:extLst>
       <p:ext uri="{BB962C8B-B14F-4D97-AF65-F5344CB8AC3E}">
-        <p14:creationId xmlns:p14="http://schemas.microsoft.com/office/powerpoint/2010/main" val="2808115206"/>
+        <p14:creationId xmlns:p14="http://schemas.microsoft.com/office/powerpoint/2010/main" xmlns="" val="2808115206"/>
       </p:ext>
     </p:extLst>
   </p:cSld>
@@ -7013,7 +9435,7 @@
 </p:sld>
 </file>
 
-<file path=ppt/slides/slide11.xml><?xml version="1.0" encoding="utf-8"?>
+<file path=ppt/slides/slide19.xml><?xml version="1.0" encoding="utf-8"?>
 <p:sld xmlns:a="http://schemas.openxmlformats.org/drawingml/2006/main" xmlns:r="http://schemas.openxmlformats.org/officeDocument/2006/relationships" xmlns:p="http://schemas.openxmlformats.org/presentationml/2006/main">
   <p:cSld>
     <p:spTree>
@@ -7575,7 +9997,7 @@
             <a:fld id="{976B8C4A-E01E-49C4-A342-E776841D1431}" type="slidenum">
               <a:rPr lang="pl-PL" smtClean="0"/>
               <a:pPr/>
-              <a:t>11</a:t>
+              <a:t>19</a:t>
             </a:fld>
             <a:endParaRPr lang="pl-PL"/>
           </a:p>
@@ -7593,7 +10015,7 @@
           <a:blip r:embed="rId3" cstate="print">
             <a:extLst>
               <a:ext uri="{28A0092B-C50C-407E-A947-70E740481C1C}">
-                <a14:useLocalDpi xmlns:a14="http://schemas.microsoft.com/office/drawing/2010/main" val="0"/>
+                <a14:useLocalDpi xmlns:a14="http://schemas.microsoft.com/office/drawing/2010/main" xmlns="" val="0"/>
               </a:ext>
             </a:extLst>
           </a:blip>
@@ -7614,7 +10036,7 @@
     </p:spTree>
     <p:extLst>
       <p:ext uri="{BB962C8B-B14F-4D97-AF65-F5344CB8AC3E}">
-        <p14:creationId xmlns:p14="http://schemas.microsoft.com/office/powerpoint/2010/main" val="2808115206"/>
+        <p14:creationId xmlns:p14="http://schemas.microsoft.com/office/powerpoint/2010/main" xmlns="" val="2808115206"/>
       </p:ext>
     </p:extLst>
   </p:cSld>
@@ -7631,7 +10053,7 @@
 </p:sld>
 </file>
 
-<file path=ppt/slides/slide12.xml><?xml version="1.0" encoding="utf-8"?>
+<file path=ppt/slides/slide2.xml><?xml version="1.0" encoding="utf-8"?>
 <p:sld xmlns:a="http://schemas.openxmlformats.org/drawingml/2006/main" xmlns:r="http://schemas.openxmlformats.org/officeDocument/2006/relationships" xmlns:p="http://schemas.openxmlformats.org/presentationml/2006/main">
   <p:cSld>
     <p:spTree>
@@ -7665,50 +10087,135 @@
           </a:bodyPr>
           <a:lstStyle/>
           <a:p>
-            <a:pPr>
-              <a:buNone/>
+            <a:pPr marL="624078" indent="-514350">
+              <a:buFont typeface="+mj-lt"/>
+              <a:buAutoNum type="arabicPeriod"/>
             </a:pPr>
             <a:r>
-              <a:rPr lang="pl-PL" dirty="0" smtClean="0"/>
-              <a:t>Klasa</a:t>
-            </a:r>
-            <a:r>
-              <a:rPr lang="pl-PL" b="1" dirty="0" smtClean="0"/>
+              <a:rPr lang="pl-PL" sz="3200" dirty="0" smtClean="0"/>
+              <a:t>Wprowadzenie do </a:t>
+            </a:r>
+            <a:r>
+              <a:rPr lang="pl-PL" sz="3200" dirty="0" err="1" smtClean="0"/>
+              <a:t>Entity</a:t>
+            </a:r>
+            <a:r>
+              <a:rPr lang="pl-PL" sz="3200" dirty="0" smtClean="0"/>
+              <a:t> Framework</a:t>
+            </a:r>
+          </a:p>
+          <a:p>
+            <a:pPr marL="624078" indent="-514350">
+              <a:buFont typeface="+mj-lt"/>
+              <a:buAutoNum type="arabicPeriod"/>
+            </a:pPr>
+            <a:r>
+              <a:rPr lang="pl-PL" sz="3200" dirty="0" smtClean="0"/>
+              <a:t>Strategie: DB first </a:t>
+            </a:r>
+            <a:r>
+              <a:rPr lang="pl-PL" sz="3200" dirty="0" err="1" smtClean="0"/>
+              <a:t>vs</a:t>
+            </a:r>
+            <a:r>
+              <a:rPr lang="pl-PL" sz="3200" dirty="0" smtClean="0"/>
               <a:t> </a:t>
             </a:r>
             <a:r>
-              <a:rPr lang="pl-PL" i="1" dirty="0" err="1" smtClean="0"/>
-              <a:t>ChangeTracker</a:t>
-            </a:r>
-            <a:endParaRPr lang="pl-PL" i="1" dirty="0" smtClean="0"/>
-          </a:p>
-          <a:p>
-            <a:pPr>
-              <a:buNone/>
+              <a:rPr lang="pl-PL" sz="3200" dirty="0" err="1" smtClean="0"/>
+              <a:t>Code</a:t>
+            </a:r>
+            <a:r>
+              <a:rPr lang="pl-PL" sz="3200" dirty="0" smtClean="0"/>
+              <a:t> first </a:t>
+            </a:r>
+            <a:r>
+              <a:rPr lang="pl-PL" sz="3200" dirty="0" err="1" smtClean="0"/>
+              <a:t>vs</a:t>
+            </a:r>
+            <a:r>
+              <a:rPr lang="pl-PL" sz="3200" dirty="0" smtClean="0"/>
+              <a:t> Model first</a:t>
+            </a:r>
+          </a:p>
+          <a:p>
+            <a:pPr marL="624078" indent="-514350">
+              <a:buFont typeface="+mj-lt"/>
+              <a:buAutoNum type="arabicPeriod"/>
             </a:pPr>
-            <a:endParaRPr lang="pl-PL" b="1" i="1" dirty="0" smtClean="0"/>
-          </a:p>
-          <a:p>
-            <a:pPr>
-              <a:buNone/>
+            <a:r>
+              <a:rPr lang="pl-PL" sz="3200" dirty="0" smtClean="0"/>
+              <a:t>Prosty przykład użycia (</a:t>
+            </a:r>
+            <a:r>
+              <a:rPr lang="pl-PL" sz="3200" dirty="0" err="1" smtClean="0"/>
+              <a:t>Quick</a:t>
+            </a:r>
+            <a:r>
+              <a:rPr lang="pl-PL" sz="3200" dirty="0" smtClean="0"/>
+              <a:t> start)</a:t>
+            </a:r>
+          </a:p>
+          <a:p>
+            <a:pPr marL="624078" indent="-514350">
+              <a:buFont typeface="+mj-lt"/>
+              <a:buAutoNum type="arabicPeriod"/>
             </a:pPr>
-            <a:endParaRPr lang="pl-PL" b="1" i="1" dirty="0" smtClean="0"/>
-          </a:p>
-          <a:p>
-            <a:pPr>
-              <a:buNone/>
+            <a:r>
+              <a:rPr lang="pl-PL" sz="3200" dirty="0" smtClean="0"/>
+              <a:t>Konstruowanie zapytań</a:t>
+            </a:r>
+          </a:p>
+          <a:p>
+            <a:pPr marL="624078" indent="-514350">
+              <a:buFont typeface="+mj-lt"/>
+              <a:buAutoNum type="arabicPeriod"/>
             </a:pPr>
-            <a:endParaRPr lang="pl-PL" b="1" i="1" dirty="0" smtClean="0"/>
-          </a:p>
-          <a:p>
-            <a:pPr algn="ctr">
-              <a:buNone/>
+            <a:r>
+              <a:rPr lang="pl-PL" sz="3200" dirty="0" err="1" smtClean="0"/>
+              <a:t>Tips</a:t>
+            </a:r>
+            <a:r>
+              <a:rPr lang="pl-PL" sz="3200" dirty="0" smtClean="0"/>
+              <a:t> &amp; </a:t>
+            </a:r>
+            <a:r>
+              <a:rPr lang="pl-PL" sz="3200" dirty="0" err="1" smtClean="0"/>
+              <a:t>tricks</a:t>
+            </a:r>
+            <a:endParaRPr lang="pl-PL" sz="3200" dirty="0" smtClean="0"/>
+          </a:p>
+          <a:p>
+            <a:pPr marL="624078" indent="-514350">
+              <a:buFont typeface="+mj-lt"/>
+              <a:buAutoNum type="arabicPeriod"/>
             </a:pPr>
             <a:r>
-              <a:rPr lang="pl-PL" b="1" i="1" dirty="0" smtClean="0"/>
-              <a:t>DEMO</a:t>
-            </a:r>
-            <a:endParaRPr lang="pl-PL" b="1" i="1" dirty="0"/>
+              <a:rPr lang="pl-PL" sz="3200" dirty="0" smtClean="0"/>
+              <a:t>Migracje: automatyczne </a:t>
+            </a:r>
+            <a:br>
+              <a:rPr lang="pl-PL" sz="3200" dirty="0" smtClean="0"/>
+            </a:br>
+            <a:r>
+              <a:rPr lang="pl-PL" sz="3200" dirty="0" smtClean="0"/>
+              <a:t>i "</a:t>
+            </a:r>
+            <a:r>
+              <a:rPr lang="pl-PL" sz="3200" dirty="0" err="1" smtClean="0"/>
+              <a:t>code-base</a:t>
+            </a:r>
+            <a:r>
+              <a:rPr lang="pl-PL" sz="3200" dirty="0" smtClean="0"/>
+              <a:t>"</a:t>
+            </a:r>
+          </a:p>
+          <a:p>
+            <a:pPr marL="624078" indent="-514350">
+              <a:buFont typeface="+mj-lt"/>
+              <a:buAutoNum type="arabicPeriod"/>
+            </a:pPr>
+            <a:endParaRPr lang="pl-PL" sz="3200" dirty="0"/>
           </a:p>
         </p:txBody>
       </p:sp>
@@ -7731,7 +10238,7 @@
           <a:p>
             <a:r>
               <a:rPr lang="pl-PL" dirty="0" smtClean="0"/>
-              <a:t>Śledzenie zmian modelu</a:t>
+              <a:t>Agenda</a:t>
             </a:r>
             <a:endParaRPr lang="pl-PL" dirty="0"/>
           </a:p>
@@ -7755,7 +10262,7 @@
             <a:fld id="{976B8C4A-E01E-49C4-A342-E776841D1431}" type="slidenum">
               <a:rPr lang="pl-PL" smtClean="0"/>
               <a:pPr/>
-              <a:t>12</a:t>
+              <a:t>2</a:t>
             </a:fld>
             <a:endParaRPr lang="pl-PL"/>
           </a:p>
@@ -7770,10 +10277,10 @@
           <p:nvPr/>
         </p:nvPicPr>
         <p:blipFill>
-          <a:blip r:embed="rId3" cstate="print">
+          <a:blip r:embed="rId2" cstate="print">
             <a:extLst>
               <a:ext uri="{28A0092B-C50C-407E-A947-70E740481C1C}">
-                <a14:useLocalDpi xmlns:a14="http://schemas.microsoft.com/office/drawing/2010/main" val="0"/>
+                <a14:useLocalDpi xmlns:a14="http://schemas.microsoft.com/office/drawing/2010/main" xmlns="" val="0"/>
               </a:ext>
             </a:extLst>
           </a:blip>
@@ -7794,7 +10301,7 @@
     </p:spTree>
     <p:extLst>
       <p:ext uri="{BB962C8B-B14F-4D97-AF65-F5344CB8AC3E}">
-        <p14:creationId xmlns:p14="http://schemas.microsoft.com/office/powerpoint/2010/main" val="2808115206"/>
+        <p14:creationId xmlns:p14="http://schemas.microsoft.com/office/powerpoint/2010/main" xmlns="" val="718025446"/>
       </p:ext>
     </p:extLst>
   </p:cSld>
@@ -7811,7 +10318,7 @@
 </p:sld>
 </file>
 
-<file path=ppt/slides/slide13.xml><?xml version="1.0" encoding="utf-8"?>
+<file path=ppt/slides/slide20.xml><?xml version="1.0" encoding="utf-8"?>
 <p:sld xmlns:a="http://schemas.openxmlformats.org/drawingml/2006/main" xmlns:r="http://schemas.openxmlformats.org/officeDocument/2006/relationships" xmlns:p="http://schemas.openxmlformats.org/presentationml/2006/main">
   <p:cSld>
     <p:spTree>
@@ -7845,9 +10352,49 @@
           </a:bodyPr>
           <a:lstStyle/>
           <a:p>
+            <a:pPr>
+              <a:buNone/>
+            </a:pPr>
+            <a:r>
+              <a:rPr lang="pl-PL" dirty="0" smtClean="0"/>
+              <a:t>Klasa</a:t>
+            </a:r>
+            <a:r>
+              <a:rPr lang="pl-PL" b="1" dirty="0" smtClean="0"/>
+              <a:t> </a:t>
+            </a:r>
+            <a:r>
+              <a:rPr lang="pl-PL" i="1" dirty="0" err="1" smtClean="0"/>
+              <a:t>ChangeTracker</a:t>
+            </a:r>
+            <a:endParaRPr lang="pl-PL" i="1" dirty="0" smtClean="0"/>
+          </a:p>
+          <a:p>
+            <a:pPr>
+              <a:buNone/>
+            </a:pPr>
+            <a:endParaRPr lang="pl-PL" b="1" i="1" dirty="0" smtClean="0"/>
+          </a:p>
+          <a:p>
+            <a:pPr>
+              <a:buNone/>
+            </a:pPr>
+            <a:endParaRPr lang="pl-PL" b="1" i="1" dirty="0" smtClean="0"/>
+          </a:p>
+          <a:p>
+            <a:pPr>
+              <a:buNone/>
+            </a:pPr>
+            <a:endParaRPr lang="pl-PL" b="1" i="1" dirty="0" smtClean="0"/>
+          </a:p>
+          <a:p>
             <a:pPr algn="ctr">
               <a:buNone/>
             </a:pPr>
+            <a:r>
+              <a:rPr lang="pl-PL" b="1" i="1" dirty="0" smtClean="0"/>
+              <a:t>DEMO</a:t>
+            </a:r>
             <a:endParaRPr lang="pl-PL" b="1" i="1" dirty="0"/>
           </a:p>
         </p:txBody>
@@ -7895,7 +10442,7 @@
             <a:fld id="{976B8C4A-E01E-49C4-A342-E776841D1431}" type="slidenum">
               <a:rPr lang="pl-PL" smtClean="0"/>
               <a:pPr/>
-              <a:t>13</a:t>
+              <a:t>20</a:t>
             </a:fld>
             <a:endParaRPr lang="pl-PL"/>
           </a:p>
@@ -7913,7 +10460,147 @@
           <a:blip r:embed="rId3" cstate="print">
             <a:extLst>
               <a:ext uri="{28A0092B-C50C-407E-A947-70E740481C1C}">
-                <a14:useLocalDpi xmlns:a14="http://schemas.microsoft.com/office/drawing/2010/main" val="0"/>
+                <a14:useLocalDpi xmlns:a14="http://schemas.microsoft.com/office/drawing/2010/main" xmlns="" val="0"/>
+              </a:ext>
+            </a:extLst>
+          </a:blip>
+          <a:stretch>
+            <a:fillRect/>
+          </a:stretch>
+        </p:blipFill>
+        <p:spPr>
+          <a:xfrm>
+            <a:off x="179512" y="6165304"/>
+            <a:ext cx="1008112" cy="574214"/>
+          </a:xfrm>
+          <a:prstGeom prst="rect">
+            <a:avLst/>
+          </a:prstGeom>
+        </p:spPr>
+      </p:pic>
+    </p:spTree>
+    <p:extLst>
+      <p:ext uri="{BB962C8B-B14F-4D97-AF65-F5344CB8AC3E}">
+        <p14:creationId xmlns:p14="http://schemas.microsoft.com/office/powerpoint/2010/main" xmlns="" val="2808115206"/>
+      </p:ext>
+    </p:extLst>
+  </p:cSld>
+  <p:clrMapOvr>
+    <a:masterClrMapping/>
+  </p:clrMapOvr>
+  <p:timing>
+    <p:tnLst>
+      <p:par>
+        <p:cTn id="1" dur="indefinite" restart="never" nodeType="tmRoot"/>
+      </p:par>
+    </p:tnLst>
+  </p:timing>
+</p:sld>
+</file>
+
+<file path=ppt/slides/slide21.xml><?xml version="1.0" encoding="utf-8"?>
+<p:sld xmlns:a="http://schemas.openxmlformats.org/drawingml/2006/main" xmlns:r="http://schemas.openxmlformats.org/officeDocument/2006/relationships" xmlns:p="http://schemas.openxmlformats.org/presentationml/2006/main">
+  <p:cSld>
+    <p:spTree>
+      <p:nvGrpSpPr>
+        <p:cNvPr id="1" name=""/>
+        <p:cNvGrpSpPr/>
+        <p:nvPr/>
+      </p:nvGrpSpPr>
+      <p:grpSpPr>
+        <a:xfrm>
+          <a:off x="0" y="0"/>
+          <a:ext cx="0" cy="0"/>
+          <a:chOff x="0" y="0"/>
+          <a:chExt cx="0" cy="0"/>
+        </a:xfrm>
+      </p:grpSpPr>
+      <p:sp>
+        <p:nvSpPr>
+          <p:cNvPr id="2" name="Symbol zastępczy zawartości 1"/>
+          <p:cNvSpPr>
+            <a:spLocks noGrp="1"/>
+          </p:cNvSpPr>
+          <p:nvPr>
+            <p:ph idx="1"/>
+          </p:nvPr>
+        </p:nvSpPr>
+        <p:spPr/>
+        <p:txBody>
+          <a:bodyPr>
+            <a:normAutofit/>
+          </a:bodyPr>
+          <a:lstStyle/>
+          <a:p>
+            <a:pPr algn="ctr">
+              <a:buNone/>
+            </a:pPr>
+            <a:endParaRPr lang="pl-PL" b="1" i="1" dirty="0"/>
+          </a:p>
+        </p:txBody>
+      </p:sp>
+      <p:sp>
+        <p:nvSpPr>
+          <p:cNvPr id="3" name="Tytuł 2"/>
+          <p:cNvSpPr>
+            <a:spLocks noGrp="1"/>
+          </p:cNvSpPr>
+          <p:nvPr>
+            <p:ph type="title"/>
+          </p:nvPr>
+        </p:nvSpPr>
+        <p:spPr/>
+        <p:txBody>
+          <a:bodyPr>
+            <a:normAutofit/>
+          </a:bodyPr>
+          <a:lstStyle/>
+          <a:p>
+            <a:r>
+              <a:rPr lang="pl-PL" dirty="0" smtClean="0"/>
+              <a:t>Śledzenie zmian modelu</a:t>
+            </a:r>
+            <a:endParaRPr lang="pl-PL" dirty="0"/>
+          </a:p>
+        </p:txBody>
+      </p:sp>
+      <p:sp>
+        <p:nvSpPr>
+          <p:cNvPr id="4" name="Symbol zastępczy numeru slajdu 3"/>
+          <p:cNvSpPr>
+            <a:spLocks noGrp="1"/>
+          </p:cNvSpPr>
+          <p:nvPr>
+            <p:ph type="sldNum" sz="quarter" idx="12"/>
+          </p:nvPr>
+        </p:nvSpPr>
+        <p:spPr/>
+        <p:txBody>
+          <a:bodyPr/>
+          <a:lstStyle/>
+          <a:p>
+            <a:fld id="{976B8C4A-E01E-49C4-A342-E776841D1431}" type="slidenum">
+              <a:rPr lang="pl-PL" smtClean="0"/>
+              <a:pPr/>
+              <a:t>21</a:t>
+            </a:fld>
+            <a:endParaRPr lang="pl-PL"/>
+          </a:p>
+        </p:txBody>
+      </p:sp>
+      <p:pic>
+        <p:nvPicPr>
+          <p:cNvPr id="5" name="Obraz 4"/>
+          <p:cNvPicPr>
+            <a:picLocks noChangeAspect="1"/>
+          </p:cNvPicPr>
+          <p:nvPr/>
+        </p:nvPicPr>
+        <p:blipFill>
+          <a:blip r:embed="rId3" cstate="print">
+            <a:extLst>
+              <a:ext uri="{28A0092B-C50C-407E-A947-70E740481C1C}">
+                <a14:useLocalDpi xmlns:a14="http://schemas.microsoft.com/office/drawing/2010/main" xmlns="" val="0"/>
               </a:ext>
             </a:extLst>
           </a:blip>
@@ -7966,7 +10653,7 @@
     </p:spTree>
     <p:extLst>
       <p:ext uri="{BB962C8B-B14F-4D97-AF65-F5344CB8AC3E}">
-        <p14:creationId xmlns:p14="http://schemas.microsoft.com/office/powerpoint/2010/main" val="2808115206"/>
+        <p14:creationId xmlns:p14="http://schemas.microsoft.com/office/powerpoint/2010/main" xmlns="" val="2808115206"/>
       </p:ext>
     </p:extLst>
   </p:cSld>
@@ -7983,7 +10670,7 @@
 </p:sld>
 </file>
 
-<file path=ppt/slides/slide14.xml><?xml version="1.0" encoding="utf-8"?>
+<file path=ppt/slides/slide22.xml><?xml version="1.0" encoding="utf-8"?>
 <p:sld xmlns:a="http://schemas.openxmlformats.org/drawingml/2006/main" xmlns:r="http://schemas.openxmlformats.org/officeDocument/2006/relationships" xmlns:p="http://schemas.openxmlformats.org/presentationml/2006/main">
   <p:cSld>
     <p:spTree>
@@ -8064,7 +10751,7 @@
             <a:fld id="{976B8C4A-E01E-49C4-A342-E776841D1431}" type="slidenum">
               <a:rPr lang="pl-PL" smtClean="0"/>
               <a:pPr/>
-              <a:t>14</a:t>
+              <a:t>22</a:t>
             </a:fld>
             <a:endParaRPr lang="pl-PL"/>
           </a:p>
@@ -8082,7 +10769,7 @@
           <a:blip r:embed="rId3" cstate="print">
             <a:extLst>
               <a:ext uri="{28A0092B-C50C-407E-A947-70E740481C1C}">
-                <a14:useLocalDpi xmlns:a14="http://schemas.microsoft.com/office/drawing/2010/main" val="0"/>
+                <a14:useLocalDpi xmlns:a14="http://schemas.microsoft.com/office/drawing/2010/main" xmlns="" val="0"/>
               </a:ext>
             </a:extLst>
           </a:blip>
@@ -8129,7 +10816,7 @@
     </p:spTree>
     <p:extLst>
       <p:ext uri="{BB962C8B-B14F-4D97-AF65-F5344CB8AC3E}">
-        <p14:creationId xmlns:p14="http://schemas.microsoft.com/office/powerpoint/2010/main" val="2808115206"/>
+        <p14:creationId xmlns:p14="http://schemas.microsoft.com/office/powerpoint/2010/main" xmlns="" val="2808115206"/>
       </p:ext>
     </p:extLst>
   </p:cSld>
@@ -8146,7 +10833,7 @@
 </p:sld>
 </file>
 
-<file path=ppt/slides/slide15.xml><?xml version="1.0" encoding="utf-8"?>
+<file path=ppt/slides/slide23.xml><?xml version="1.0" encoding="utf-8"?>
 <p:sld xmlns:a="http://schemas.openxmlformats.org/drawingml/2006/main" xmlns:r="http://schemas.openxmlformats.org/officeDocument/2006/relationships" xmlns:p="http://schemas.openxmlformats.org/presentationml/2006/main">
   <p:cSld>
     <p:spTree>
@@ -8181,70 +10868,94 @@
           <a:lstStyle/>
           <a:p>
             <a:r>
+              <a:rPr lang="en-US" b="1" dirty="0" smtClean="0"/>
+              <a:t>Enable-Migrations:</a:t>
+            </a:r>
+            <a:r>
+              <a:rPr lang="en-US" dirty="0" smtClean="0"/>
+              <a:t> </a:t>
+            </a:r>
+            <a:r>
               <a:rPr lang="pl-PL" dirty="0" smtClean="0"/>
-              <a:t>Przy braku mapowania -&gt; użycie konwencji</a:t>
-            </a:r>
-          </a:p>
-          <a:p>
-            <a:pPr lvl="1"/>
+              <a:t>włącza migracje w projekcie poprzez utworzenie klasy</a:t>
+            </a:r>
+            <a:r>
+              <a:rPr lang="en-US" dirty="0" smtClean="0"/>
+              <a:t> </a:t>
+            </a:r>
+            <a:r>
+              <a:rPr lang="en-US" b="1" dirty="0" smtClean="0"/>
+              <a:t>Configuration</a:t>
+            </a:r>
+            <a:r>
+              <a:rPr lang="en-US" dirty="0" smtClean="0"/>
+              <a:t>.</a:t>
+            </a:r>
             <a:r>
               <a:rPr lang="pl-PL" dirty="0" smtClean="0"/>
-              <a:t>Nazwa property -&gt; nazwa kolumny w tabeli</a:t>
-            </a:r>
-          </a:p>
-          <a:p>
-            <a:r>
+              <a:t/>
+            </a:r>
+            <a:br>
               <a:rPr lang="pl-PL" dirty="0" smtClean="0"/>
-              <a:t>Typ bazodanowy określany przez </a:t>
-            </a:r>
-            <a:r>
-              <a:rPr lang="pl-PL" dirty="0" err="1" smtClean="0"/>
-              <a:t>Db</a:t>
+            </a:br>
+            <a:endParaRPr lang="en-US" dirty="0" smtClean="0"/>
+          </a:p>
+          <a:p>
+            <a:r>
+              <a:rPr lang="en-US" b="1" dirty="0" smtClean="0"/>
+              <a:t>Add-Migration:</a:t>
+            </a:r>
+            <a:r>
+              <a:rPr lang="en-US" dirty="0" smtClean="0"/>
+              <a:t> </a:t>
             </a:r>
             <a:r>
               <a:rPr lang="pl-PL" dirty="0" smtClean="0"/>
-              <a:t> </a:t>
-            </a:r>
-            <a:r>
-              <a:rPr lang="pl-PL" dirty="0" err="1" smtClean="0"/>
-              <a:t>provider</a:t>
-            </a:r>
-            <a:endParaRPr lang="pl-PL" dirty="0" smtClean="0"/>
-          </a:p>
-          <a:p>
-            <a:pPr lvl="1"/>
-            <a:r>
-              <a:rPr lang="pl-PL" dirty="0" err="1" smtClean="0"/>
-              <a:t>string</a:t>
+              <a:t>tworzy nową klasę z migracją z metodami</a:t>
+            </a:r>
+            <a:r>
+              <a:rPr lang="en-US" dirty="0" smtClean="0"/>
+              <a:t> Up() </a:t>
             </a:r>
             <a:r>
               <a:rPr lang="pl-PL" dirty="0" smtClean="0"/>
-              <a:t>  -&gt; </a:t>
-            </a:r>
-            <a:r>
-              <a:rPr lang="pl-PL" dirty="0" err="1" smtClean="0"/>
-              <a:t>nvarchar</a:t>
+              <a:t>i</a:t>
+            </a:r>
+            <a:r>
+              <a:rPr lang="en-US" dirty="0" smtClean="0"/>
+              <a:t> Down</a:t>
+            </a:r>
+            <a:r>
+              <a:rPr lang="en-US" dirty="0" smtClean="0"/>
+              <a:t>().</a:t>
             </a:r>
             <a:r>
               <a:rPr lang="pl-PL" dirty="0" smtClean="0"/>
-              <a:t>(4000) (</a:t>
-            </a:r>
-            <a:r>
-              <a:rPr lang="pl-PL" dirty="0" err="1" smtClean="0"/>
-              <a:t>Sql</a:t>
-            </a:r>
-            <a:r>
+              <a:t/>
+            </a:r>
+            <a:br>
               <a:rPr lang="pl-PL" dirty="0" smtClean="0"/>
-              <a:t> </a:t>
-            </a:r>
-            <a:r>
-              <a:rPr lang="pl-PL" dirty="0" err="1" smtClean="0"/>
-              <a:t>Provider</a:t>
+            </a:br>
+            <a:endParaRPr lang="en-US" dirty="0" smtClean="0"/>
+          </a:p>
+          <a:p>
+            <a:r>
+              <a:rPr lang="en-US" b="1" dirty="0" smtClean="0"/>
+              <a:t>Update-Database:</a:t>
+            </a:r>
+            <a:r>
+              <a:rPr lang="en-US" dirty="0" smtClean="0"/>
+              <a:t> </a:t>
             </a:r>
             <a:r>
               <a:rPr lang="pl-PL" dirty="0" smtClean="0"/>
-              <a:t>)</a:t>
-            </a:r>
+              <a:t>wdraża migrację schematu bazy danych</a:t>
+            </a:r>
+            <a:r>
+              <a:rPr lang="en-US" dirty="0" smtClean="0"/>
+              <a:t>.</a:t>
+            </a:r>
+            <a:endParaRPr lang="en-US" dirty="0" smtClean="0"/>
           </a:p>
           <a:p>
             <a:endParaRPr lang="pl-PL" dirty="0"/>
@@ -8264,13 +10975,17 @@
         <p:spPr/>
         <p:txBody>
           <a:bodyPr>
-            <a:normAutofit fontScale="90000"/>
+            <a:normAutofit/>
           </a:bodyPr>
           <a:lstStyle/>
           <a:p>
             <a:r>
               <a:rPr lang="pl-PL" dirty="0" smtClean="0"/>
-              <a:t>Migracje: automatyczne i "</a:t>
+              <a:t>Migracje: </a:t>
+            </a:r>
+            <a:r>
+              <a:rPr lang="pl-PL" dirty="0" smtClean="0"/>
+              <a:t>"</a:t>
             </a:r>
             <a:r>
               <a:rPr lang="pl-PL" dirty="0" err="1" smtClean="0"/>
@@ -8302,7 +11017,7 @@
             <a:fld id="{976B8C4A-E01E-49C4-A342-E776841D1431}" type="slidenum">
               <a:rPr lang="pl-PL" smtClean="0"/>
               <a:pPr/>
-              <a:t>15</a:t>
+              <a:t>23</a:t>
             </a:fld>
             <a:endParaRPr lang="pl-PL"/>
           </a:p>
@@ -8320,7 +11035,219 @@
           <a:blip r:embed="rId3" cstate="print">
             <a:extLst>
               <a:ext uri="{28A0092B-C50C-407E-A947-70E740481C1C}">
-                <a14:useLocalDpi xmlns:a14="http://schemas.microsoft.com/office/drawing/2010/main" val="0"/>
+                <a14:useLocalDpi xmlns:a14="http://schemas.microsoft.com/office/drawing/2010/main" xmlns="" val="0"/>
+              </a:ext>
+            </a:extLst>
+          </a:blip>
+          <a:stretch>
+            <a:fillRect/>
+          </a:stretch>
+        </p:blipFill>
+        <p:spPr>
+          <a:xfrm>
+            <a:off x="179512" y="6165304"/>
+            <a:ext cx="1008112" cy="574214"/>
+          </a:xfrm>
+          <a:prstGeom prst="rect">
+            <a:avLst/>
+          </a:prstGeom>
+        </p:spPr>
+      </p:pic>
+    </p:spTree>
+    <p:extLst>
+      <p:ext uri="{BB962C8B-B14F-4D97-AF65-F5344CB8AC3E}">
+        <p14:creationId xmlns:p14="http://schemas.microsoft.com/office/powerpoint/2010/main" xmlns="" val="2808115206"/>
+      </p:ext>
+    </p:extLst>
+  </p:cSld>
+  <p:clrMapOvr>
+    <a:masterClrMapping/>
+  </p:clrMapOvr>
+  <p:timing>
+    <p:tnLst>
+      <p:par>
+        <p:cTn id="1" dur="indefinite" restart="never" nodeType="tmRoot"/>
+      </p:par>
+    </p:tnLst>
+  </p:timing>
+</p:sld>
+</file>
+
+<file path=ppt/slides/slide24.xml><?xml version="1.0" encoding="utf-8"?>
+<p:sld xmlns:a="http://schemas.openxmlformats.org/drawingml/2006/main" xmlns:r="http://schemas.openxmlformats.org/officeDocument/2006/relationships" xmlns:p="http://schemas.openxmlformats.org/presentationml/2006/main">
+  <p:cSld>
+    <p:spTree>
+      <p:nvGrpSpPr>
+        <p:cNvPr id="1" name=""/>
+        <p:cNvGrpSpPr/>
+        <p:nvPr/>
+      </p:nvGrpSpPr>
+      <p:grpSpPr>
+        <a:xfrm>
+          <a:off x="0" y="0"/>
+          <a:ext cx="0" cy="0"/>
+          <a:chOff x="0" y="0"/>
+          <a:chExt cx="0" cy="0"/>
+        </a:xfrm>
+      </p:grpSpPr>
+      <p:sp>
+        <p:nvSpPr>
+          <p:cNvPr id="2" name="Symbol zastępczy zawartości 1"/>
+          <p:cNvSpPr>
+            <a:spLocks noGrp="1"/>
+          </p:cNvSpPr>
+          <p:nvPr>
+            <p:ph idx="1"/>
+          </p:nvPr>
+        </p:nvSpPr>
+        <p:spPr/>
+        <p:txBody>
+          <a:bodyPr>
+            <a:normAutofit/>
+          </a:bodyPr>
+          <a:lstStyle/>
+          <a:p>
+            <a:r>
+              <a:rPr lang="pl-PL" dirty="0" smtClean="0"/>
+              <a:t>Przy braku mapowania -&gt; użycie konwencji</a:t>
+            </a:r>
+          </a:p>
+          <a:p>
+            <a:pPr lvl="1"/>
+            <a:r>
+              <a:rPr lang="pl-PL" dirty="0" smtClean="0"/>
+              <a:t>Nazwa property -&gt; nazwa kolumny w tabeli</a:t>
+            </a:r>
+          </a:p>
+          <a:p>
+            <a:r>
+              <a:rPr lang="pl-PL" dirty="0" smtClean="0"/>
+              <a:t>Typ bazodanowy określany przez </a:t>
+            </a:r>
+            <a:r>
+              <a:rPr lang="pl-PL" dirty="0" err="1" smtClean="0"/>
+              <a:t>Db</a:t>
+            </a:r>
+            <a:r>
+              <a:rPr lang="pl-PL" dirty="0" smtClean="0"/>
+              <a:t> </a:t>
+            </a:r>
+            <a:r>
+              <a:rPr lang="pl-PL" dirty="0" err="1" smtClean="0"/>
+              <a:t>provider</a:t>
+            </a:r>
+            <a:endParaRPr lang="pl-PL" dirty="0" smtClean="0"/>
+          </a:p>
+          <a:p>
+            <a:pPr lvl="1"/>
+            <a:r>
+              <a:rPr lang="pl-PL" dirty="0" err="1" smtClean="0"/>
+              <a:t>string</a:t>
+            </a:r>
+            <a:r>
+              <a:rPr lang="pl-PL" dirty="0" smtClean="0"/>
+              <a:t>  -&gt; </a:t>
+            </a:r>
+            <a:r>
+              <a:rPr lang="pl-PL" dirty="0" err="1" smtClean="0"/>
+              <a:t>nvarchar</a:t>
+            </a:r>
+            <a:r>
+              <a:rPr lang="pl-PL" dirty="0" smtClean="0"/>
+              <a:t>(4000) (</a:t>
+            </a:r>
+            <a:r>
+              <a:rPr lang="pl-PL" dirty="0" err="1" smtClean="0"/>
+              <a:t>Sql</a:t>
+            </a:r>
+            <a:r>
+              <a:rPr lang="pl-PL" dirty="0" smtClean="0"/>
+              <a:t> </a:t>
+            </a:r>
+            <a:r>
+              <a:rPr lang="pl-PL" dirty="0" err="1" smtClean="0"/>
+              <a:t>Provider</a:t>
+            </a:r>
+            <a:r>
+              <a:rPr lang="pl-PL" dirty="0" smtClean="0"/>
+              <a:t>)</a:t>
+            </a:r>
+          </a:p>
+          <a:p>
+            <a:endParaRPr lang="pl-PL" dirty="0"/>
+          </a:p>
+        </p:txBody>
+      </p:sp>
+      <p:sp>
+        <p:nvSpPr>
+          <p:cNvPr id="3" name="Tytuł 2"/>
+          <p:cNvSpPr>
+            <a:spLocks noGrp="1"/>
+          </p:cNvSpPr>
+          <p:nvPr>
+            <p:ph type="title"/>
+          </p:nvPr>
+        </p:nvSpPr>
+        <p:spPr/>
+        <p:txBody>
+          <a:bodyPr>
+            <a:normAutofit fontScale="90000"/>
+          </a:bodyPr>
+          <a:lstStyle/>
+          <a:p>
+            <a:r>
+              <a:rPr lang="pl-PL" dirty="0" smtClean="0"/>
+              <a:t>Migracje: automatyczne i "</a:t>
+            </a:r>
+            <a:r>
+              <a:rPr lang="pl-PL" dirty="0" err="1" smtClean="0"/>
+              <a:t>code-base</a:t>
+            </a:r>
+            <a:r>
+              <a:rPr lang="pl-PL" dirty="0" smtClean="0"/>
+              <a:t>"</a:t>
+            </a:r>
+            <a:endParaRPr lang="pl-PL" dirty="0"/>
+          </a:p>
+        </p:txBody>
+      </p:sp>
+      <p:sp>
+        <p:nvSpPr>
+          <p:cNvPr id="4" name="Symbol zastępczy numeru slajdu 3"/>
+          <p:cNvSpPr>
+            <a:spLocks noGrp="1"/>
+          </p:cNvSpPr>
+          <p:nvPr>
+            <p:ph type="sldNum" sz="quarter" idx="12"/>
+          </p:nvPr>
+        </p:nvSpPr>
+        <p:spPr/>
+        <p:txBody>
+          <a:bodyPr/>
+          <a:lstStyle/>
+          <a:p>
+            <a:fld id="{976B8C4A-E01E-49C4-A342-E776841D1431}" type="slidenum">
+              <a:rPr lang="pl-PL" smtClean="0"/>
+              <a:pPr/>
+              <a:t>24</a:t>
+            </a:fld>
+            <a:endParaRPr lang="pl-PL"/>
+          </a:p>
+        </p:txBody>
+      </p:sp>
+      <p:pic>
+        <p:nvPicPr>
+          <p:cNvPr id="5" name="Obraz 4"/>
+          <p:cNvPicPr>
+            <a:picLocks noChangeAspect="1"/>
+          </p:cNvPicPr>
+          <p:nvPr/>
+        </p:nvPicPr>
+        <p:blipFill>
+          <a:blip r:embed="rId3" cstate="print">
+            <a:extLst>
+              <a:ext uri="{28A0092B-C50C-407E-A947-70E740481C1C}">
+                <a14:useLocalDpi xmlns:a14="http://schemas.microsoft.com/office/drawing/2010/main" xmlns="" val="0"/>
               </a:ext>
             </a:extLst>
           </a:blip>
@@ -8373,7 +11300,7 @@
     </p:spTree>
     <p:extLst>
       <p:ext uri="{BB962C8B-B14F-4D97-AF65-F5344CB8AC3E}">
-        <p14:creationId xmlns:p14="http://schemas.microsoft.com/office/powerpoint/2010/main" val="2808115206"/>
+        <p14:creationId xmlns:p14="http://schemas.microsoft.com/office/powerpoint/2010/main" xmlns="" val="2808115206"/>
       </p:ext>
     </p:extLst>
   </p:cSld>
@@ -8390,7 +11317,7 @@
 </p:sld>
 </file>
 
-<file path=ppt/slides/slide16.xml><?xml version="1.0" encoding="utf-8"?>
+<file path=ppt/slides/slide25.xml><?xml version="1.0" encoding="utf-8"?>
 <p:sld xmlns:a="http://schemas.openxmlformats.org/drawingml/2006/main" xmlns:r="http://schemas.openxmlformats.org/officeDocument/2006/relationships" xmlns:p="http://schemas.openxmlformats.org/presentationml/2006/main">
   <p:cSld>
     <p:spTree>
@@ -8419,128 +11346,39 @@
         </p:nvSpPr>
         <p:spPr/>
         <p:txBody>
+          <a:bodyPr anchor="ctr">
+            <a:normAutofit/>
+          </a:bodyPr>
+          <a:lstStyle/>
+          <a:p>
+            <a:pPr marL="109728" indent="0" algn="ctr">
+              <a:buNone/>
+            </a:pPr>
+            <a:r>
+              <a:rPr lang="pl-PL" b="1" i="1" dirty="0" smtClean="0"/>
+              <a:t>DEMO</a:t>
+            </a:r>
+            <a:endParaRPr lang="pl-PL" i="1" dirty="0" smtClean="0"/>
+          </a:p>
+        </p:txBody>
+      </p:sp>
+      <p:sp>
+        <p:nvSpPr>
+          <p:cNvPr id="3" name="Tytuł 2"/>
+          <p:cNvSpPr>
+            <a:spLocks noGrp="1"/>
+          </p:cNvSpPr>
+          <p:nvPr>
+            <p:ph type="title"/>
+          </p:nvPr>
+        </p:nvSpPr>
+        <p:spPr/>
+        <p:txBody>
           <a:bodyPr>
             <a:normAutofit/>
           </a:bodyPr>
           <a:lstStyle/>
           <a:p>
-            <a:pPr marL="109728" indent="0">
-              <a:buNone/>
-            </a:pPr>
-            <a:r>
-              <a:rPr lang="pl-PL" dirty="0" smtClean="0"/>
-              <a:t>Wdrożenie migracji:</a:t>
-            </a:r>
-          </a:p>
-          <a:p>
-            <a:r>
-              <a:rPr lang="pl-PL" b="1" dirty="0" smtClean="0"/>
-              <a:t>Update-Database</a:t>
-            </a:r>
-            <a:r>
-              <a:rPr lang="pl-PL" dirty="0" smtClean="0"/>
-              <a:t> </a:t>
-            </a:r>
-            <a:r>
-              <a:rPr lang="pl-PL" i="1" dirty="0" smtClean="0"/>
-              <a:t>(</a:t>
-            </a:r>
-            <a:r>
-              <a:rPr lang="pl-PL" i="1" dirty="0" err="1" smtClean="0"/>
-              <a:t>Package</a:t>
-            </a:r>
-            <a:r>
-              <a:rPr lang="pl-PL" i="1" dirty="0" smtClean="0"/>
-              <a:t> </a:t>
-            </a:r>
-            <a:r>
-              <a:rPr lang="pl-PL" i="1" dirty="0"/>
-              <a:t>Manager </a:t>
-            </a:r>
-            <a:r>
-              <a:rPr lang="pl-PL" i="1" dirty="0" err="1" smtClean="0"/>
-              <a:t>console</a:t>
-            </a:r>
-            <a:r>
-              <a:rPr lang="pl-PL" i="1" dirty="0" smtClean="0"/>
-              <a:t>)</a:t>
-            </a:r>
-          </a:p>
-          <a:p>
-            <a:r>
-              <a:rPr lang="pl-PL" b="1" dirty="0" smtClean="0"/>
-              <a:t>migrate.exe</a:t>
-            </a:r>
-            <a:r>
-              <a:rPr lang="pl-PL" dirty="0" smtClean="0"/>
-              <a:t> </a:t>
-            </a:r>
-            <a:r>
-              <a:rPr lang="pl-PL" i="1" dirty="0" smtClean="0"/>
-              <a:t>(</a:t>
-            </a:r>
-            <a:r>
-              <a:rPr lang="pl-PL" i="1" dirty="0" err="1" smtClean="0"/>
-              <a:t>packages</a:t>
-            </a:r>
-            <a:r>
-              <a:rPr lang="pl-PL" i="1" dirty="0" smtClean="0"/>
-              <a:t>\EntityFramework.6.2.0\</a:t>
-            </a:r>
-            <a:r>
-              <a:rPr lang="pl-PL" i="1" dirty="0" err="1" smtClean="0"/>
-              <a:t>tools</a:t>
-            </a:r>
-            <a:r>
-              <a:rPr lang="pl-PL" i="1" dirty="0" smtClean="0"/>
-              <a:t>)</a:t>
-            </a:r>
-          </a:p>
-          <a:p>
-            <a:r>
-              <a:rPr lang="pl-PL" b="1" dirty="0" err="1" smtClean="0"/>
-              <a:t>Script.sql</a:t>
-            </a:r>
-            <a:r>
-              <a:rPr lang="pl-PL" dirty="0" smtClean="0"/>
-              <a:t> </a:t>
-            </a:r>
-            <a:r>
-              <a:rPr lang="pl-PL" i="1" dirty="0" smtClean="0"/>
-              <a:t>(Update-Database </a:t>
-            </a:r>
-            <a:r>
-              <a:rPr lang="pl-PL" i="1" dirty="0"/>
-              <a:t>-</a:t>
-            </a:r>
-            <a:r>
-              <a:rPr lang="pl-PL" i="1" dirty="0" err="1" smtClean="0"/>
-              <a:t>Script</a:t>
-            </a:r>
-            <a:r>
-              <a:rPr lang="pl-PL" i="1" dirty="0" smtClean="0"/>
-              <a:t>)</a:t>
-            </a:r>
-          </a:p>
-        </p:txBody>
-      </p:sp>
-      <p:sp>
-        <p:nvSpPr>
-          <p:cNvPr id="3" name="Tytuł 2"/>
-          <p:cNvSpPr>
-            <a:spLocks noGrp="1"/>
-          </p:cNvSpPr>
-          <p:nvPr>
-            <p:ph type="title"/>
-          </p:nvPr>
-        </p:nvSpPr>
-        <p:spPr/>
-        <p:txBody>
-          <a:bodyPr>
-            <a:normAutofit/>
-          </a:bodyPr>
-          <a:lstStyle/>
-          <a:p>
             <a:r>
               <a:rPr lang="pl-PL" dirty="0" smtClean="0"/>
               <a:t>Migracje: "</a:t>
@@ -8575,7 +11413,7 @@
             <a:fld id="{976B8C4A-E01E-49C4-A342-E776841D1431}" type="slidenum">
               <a:rPr lang="pl-PL" smtClean="0"/>
               <a:pPr/>
-              <a:t>16</a:t>
+              <a:t>25</a:t>
             </a:fld>
             <a:endParaRPr lang="pl-PL"/>
           </a:p>
@@ -8593,7 +11431,7 @@
           <a:blip r:embed="rId3" cstate="print">
             <a:extLst>
               <a:ext uri="{28A0092B-C50C-407E-A947-70E740481C1C}">
-                <a14:useLocalDpi xmlns:a14="http://schemas.microsoft.com/office/drawing/2010/main" val="0"/>
+                <a14:useLocalDpi xmlns:a14="http://schemas.microsoft.com/office/drawing/2010/main" xmlns="" val="0"/>
               </a:ext>
             </a:extLst>
           </a:blip>
@@ -8614,7 +11452,7 @@
     </p:spTree>
     <p:extLst>
       <p:ext uri="{BB962C8B-B14F-4D97-AF65-F5344CB8AC3E}">
-        <p14:creationId xmlns:p14="http://schemas.microsoft.com/office/powerpoint/2010/main" val="2722726801"/>
+        <p14:creationId xmlns:p14="http://schemas.microsoft.com/office/powerpoint/2010/main" xmlns="" val="2722726801"/>
       </p:ext>
     </p:extLst>
   </p:cSld>
@@ -8631,7 +11469,7 @@
 </p:sld>
 </file>
 
-<file path=ppt/slides/slide17.xml><?xml version="1.0" encoding="utf-8"?>
+<file path=ppt/slides/slide26.xml><?xml version="1.0" encoding="utf-8"?>
 <p:sld xmlns:a="http://schemas.openxmlformats.org/drawingml/2006/main" xmlns:r="http://schemas.openxmlformats.org/officeDocument/2006/relationships" xmlns:p="http://schemas.openxmlformats.org/presentationml/2006/main">
   <p:cSld>
     <p:spTree>
@@ -8668,149 +11506,100 @@
             <a:pPr marL="109728" indent="0">
               <a:buNone/>
             </a:pPr>
-            <a:endParaRPr lang="pl-PL" sz="2800" dirty="0" smtClean="0">
-              <a:solidFill>
-                <a:srgbClr val="0000FF"/>
-              </a:solidFill>
-              <a:latin typeface="Consolas"/>
-            </a:endParaRPr>
-          </a:p>
-          <a:p>
-            <a:pPr marL="109728" indent="0">
-              <a:buNone/>
-            </a:pPr>
-            <a:endParaRPr lang="pl-PL" sz="2800" dirty="0">
-              <a:solidFill>
-                <a:srgbClr val="0000FF"/>
-              </a:solidFill>
-              <a:latin typeface="Consolas"/>
-            </a:endParaRPr>
-          </a:p>
-          <a:p>
-            <a:pPr marL="109728" indent="0">
-              <a:buNone/>
-            </a:pPr>
-            <a:r>
-              <a:rPr lang="pl-PL" sz="2800" dirty="0" smtClean="0">
-                <a:solidFill>
-                  <a:srgbClr val="0000FF"/>
-                </a:solidFill>
-                <a:latin typeface="Consolas"/>
-              </a:rPr>
-              <a:t>public</a:t>
-            </a:r>
-            <a:r>
-              <a:rPr lang="pl-PL" sz="2800" dirty="0" smtClean="0">
-                <a:solidFill>
-                  <a:srgbClr val="000000"/>
-                </a:solidFill>
-                <a:latin typeface="Consolas"/>
-              </a:rPr>
+            <a:r>
+              <a:rPr lang="pl-PL" dirty="0" smtClean="0"/>
+              <a:t>Wdrożenie migracji:</a:t>
+            </a:r>
+          </a:p>
+          <a:p>
+            <a:r>
+              <a:rPr lang="pl-PL" b="1" dirty="0" smtClean="0"/>
+              <a:t>Update-Database</a:t>
+            </a:r>
+            <a:r>
+              <a:rPr lang="pl-PL" dirty="0" smtClean="0"/>
               <a:t> </a:t>
             </a:r>
             <a:r>
-              <a:rPr lang="pl-PL" sz="2800" dirty="0" err="1">
-                <a:solidFill>
-                  <a:srgbClr val="000000"/>
-                </a:solidFill>
-                <a:latin typeface="Consolas"/>
-              </a:rPr>
-              <a:t>Configuration</a:t>
-            </a:r>
-            <a:r>
-              <a:rPr lang="pl-PL" sz="2800" dirty="0">
-                <a:solidFill>
-                  <a:srgbClr val="000000"/>
-                </a:solidFill>
-                <a:latin typeface="Consolas"/>
-              </a:rPr>
-              <a:t>()</a:t>
-            </a:r>
-          </a:p>
-          <a:p>
-            <a:pPr marL="109728" indent="0">
-              <a:buNone/>
-            </a:pPr>
-            <a:r>
-              <a:rPr lang="pl-PL" sz="2800" dirty="0" smtClean="0">
-                <a:solidFill>
-                  <a:srgbClr val="000000"/>
-                </a:solidFill>
-                <a:latin typeface="Consolas"/>
-              </a:rPr>
-              <a:t>{</a:t>
-            </a:r>
-            <a:endParaRPr lang="pl-PL" sz="2800" dirty="0">
-              <a:solidFill>
-                <a:srgbClr val="000000"/>
-              </a:solidFill>
-              <a:latin typeface="Consolas"/>
-            </a:endParaRPr>
-          </a:p>
-          <a:p>
-            <a:pPr marL="109728" indent="0">
-              <a:buNone/>
-            </a:pPr>
-            <a:r>
-              <a:rPr lang="pl-PL" sz="2800" dirty="0" smtClean="0">
-                <a:solidFill>
-                  <a:srgbClr val="000000"/>
-                </a:solidFill>
-                <a:latin typeface="Consolas"/>
-              </a:rPr>
-              <a:t>    </a:t>
-            </a:r>
-            <a:r>
-              <a:rPr lang="pl-PL" sz="2800" dirty="0" err="1">
-                <a:solidFill>
-                  <a:srgbClr val="000000"/>
-                </a:solidFill>
-                <a:latin typeface="Consolas"/>
-              </a:rPr>
-              <a:t>AutomaticMigrationsEnabled</a:t>
-            </a:r>
-            <a:r>
-              <a:rPr lang="pl-PL" sz="2800" dirty="0">
-                <a:solidFill>
-                  <a:srgbClr val="000000"/>
-                </a:solidFill>
-                <a:latin typeface="Consolas"/>
-              </a:rPr>
-              <a:t> = </a:t>
-            </a:r>
-            <a:r>
-              <a:rPr lang="pl-PL" sz="2800" dirty="0" err="1">
-                <a:solidFill>
-                  <a:srgbClr val="0000FF"/>
-                </a:solidFill>
-                <a:latin typeface="Consolas"/>
-              </a:rPr>
-              <a:t>true</a:t>
-            </a:r>
-            <a:r>
-              <a:rPr lang="pl-PL" sz="2800" dirty="0">
-                <a:solidFill>
-                  <a:srgbClr val="000000"/>
-                </a:solidFill>
-                <a:latin typeface="Consolas"/>
-              </a:rPr>
-              <a:t>;</a:t>
-            </a:r>
-          </a:p>
-          <a:p>
-            <a:pPr marL="109728" indent="0">
-              <a:buNone/>
-            </a:pPr>
-            <a:r>
-              <a:rPr lang="pl-PL" sz="2800" dirty="0" smtClean="0">
-                <a:solidFill>
-                  <a:srgbClr val="000000"/>
-                </a:solidFill>
-                <a:latin typeface="Consolas"/>
-              </a:rPr>
-              <a:t>}</a:t>
-            </a:r>
-            <a:endParaRPr lang="pl-PL" i="1" dirty="0" smtClean="0"/>
+              <a:rPr lang="pl-PL" i="1" dirty="0" smtClean="0"/>
+              <a:t>(</a:t>
+            </a:r>
+            <a:r>
+              <a:rPr lang="pl-PL" i="1" dirty="0" err="1" smtClean="0"/>
+              <a:t>Package</a:t>
+            </a:r>
+            <a:r>
+              <a:rPr lang="pl-PL" i="1" dirty="0" smtClean="0"/>
+              <a:t> </a:t>
+            </a:r>
+            <a:r>
+              <a:rPr lang="pl-PL" i="1" dirty="0"/>
+              <a:t>Manager </a:t>
+            </a:r>
+            <a:r>
+              <a:rPr lang="pl-PL" i="1" dirty="0" err="1" smtClean="0"/>
+              <a:t>console</a:t>
+            </a:r>
+            <a:r>
+              <a:rPr lang="pl-PL" i="1" dirty="0" smtClean="0"/>
+              <a:t>)</a:t>
+            </a:r>
+          </a:p>
+          <a:p>
+            <a:r>
+              <a:rPr lang="pl-PL" b="1" dirty="0" smtClean="0"/>
+              <a:t>migrate.exe</a:t>
+            </a:r>
+            <a:r>
+              <a:rPr lang="pl-PL" dirty="0" smtClean="0"/>
+              <a:t> </a:t>
+            </a:r>
+            <a:r>
+              <a:rPr lang="pl-PL" i="1" dirty="0" smtClean="0"/>
+              <a:t>(</a:t>
+            </a:r>
+            <a:r>
+              <a:rPr lang="pl-PL" i="1" dirty="0" err="1" smtClean="0"/>
+              <a:t>packages</a:t>
+            </a:r>
+            <a:r>
+              <a:rPr lang="pl-PL" i="1" dirty="0" smtClean="0"/>
+              <a:t>\EntityFramework.6.2.0\</a:t>
+            </a:r>
+            <a:r>
+              <a:rPr lang="pl-PL" i="1" dirty="0" err="1" smtClean="0"/>
+              <a:t>tools</a:t>
+            </a:r>
+            <a:r>
+              <a:rPr lang="pl-PL" i="1" dirty="0" smtClean="0"/>
+              <a:t>)</a:t>
+            </a:r>
+          </a:p>
+          <a:p>
+            <a:r>
+              <a:rPr lang="pl-PL" b="1" dirty="0" err="1" smtClean="0"/>
+              <a:t>Script.sql</a:t>
+            </a:r>
+            <a:r>
+              <a:rPr lang="pl-PL" dirty="0" smtClean="0"/>
+              <a:t> </a:t>
+            </a:r>
+            <a:r>
+              <a:rPr lang="pl-PL" i="1" dirty="0" smtClean="0"/>
+              <a:t>(Update-Database </a:t>
+            </a:r>
+            <a:r>
+              <a:rPr lang="pl-PL" i="1" dirty="0"/>
+              <a:t>-</a:t>
+            </a:r>
+            <a:r>
+              <a:rPr lang="pl-PL" i="1" dirty="0" err="1" smtClean="0"/>
+              <a:t>Script</a:t>
+            </a:r>
+            <a:r>
+              <a:rPr lang="pl-PL" i="1" dirty="0" smtClean="0"/>
+              <a:t>)</a:t>
+            </a:r>
           </a:p>
         </p:txBody>
       </p:sp>
@@ -8833,7 +11622,15 @@
           <a:p>
             <a:r>
               <a:rPr lang="pl-PL" dirty="0" smtClean="0"/>
-              <a:t>Migracje: automatyczne</a:t>
+              <a:t>Migracje: "</a:t>
+            </a:r>
+            <a:r>
+              <a:rPr lang="pl-PL" dirty="0" err="1" smtClean="0"/>
+              <a:t>code-base</a:t>
+            </a:r>
+            <a:r>
+              <a:rPr lang="pl-PL" dirty="0" smtClean="0"/>
+              <a:t>"</a:t>
             </a:r>
             <a:endParaRPr lang="pl-PL" dirty="0"/>
           </a:p>
@@ -8857,7 +11654,7 @@
             <a:fld id="{976B8C4A-E01E-49C4-A342-E776841D1431}" type="slidenum">
               <a:rPr lang="pl-PL" smtClean="0"/>
               <a:pPr/>
-              <a:t>17</a:t>
+              <a:t>26</a:t>
             </a:fld>
             <a:endParaRPr lang="pl-PL"/>
           </a:p>
@@ -8875,7 +11672,7 @@
           <a:blip r:embed="rId3" cstate="print">
             <a:extLst>
               <a:ext uri="{28A0092B-C50C-407E-A947-70E740481C1C}">
-                <a14:useLocalDpi xmlns:a14="http://schemas.microsoft.com/office/drawing/2010/main" val="0"/>
+                <a14:useLocalDpi xmlns:a14="http://schemas.microsoft.com/office/drawing/2010/main" xmlns="" val="0"/>
               </a:ext>
             </a:extLst>
           </a:blip>
@@ -8896,7 +11693,7 @@
     </p:spTree>
     <p:extLst>
       <p:ext uri="{BB962C8B-B14F-4D97-AF65-F5344CB8AC3E}">
-        <p14:creationId xmlns:p14="http://schemas.microsoft.com/office/powerpoint/2010/main" val="3360151137"/>
+        <p14:creationId xmlns:p14="http://schemas.microsoft.com/office/powerpoint/2010/main" xmlns="" val="2722726801"/>
       </p:ext>
     </p:extLst>
   </p:cSld>
@@ -8913,7 +11710,7 @@
 </p:sld>
 </file>
 
-<file path=ppt/slides/slide18.xml><?xml version="1.0" encoding="utf-8"?>
+<file path=ppt/slides/slide27.xml><?xml version="1.0" encoding="utf-8"?>
 <p:sld xmlns:a="http://schemas.openxmlformats.org/drawingml/2006/main" xmlns:r="http://schemas.openxmlformats.org/officeDocument/2006/relationships" xmlns:p="http://schemas.openxmlformats.org/presentationml/2006/main">
   <p:cSld>
     <p:spTree>
@@ -8947,693 +11744,9 @@
           </a:bodyPr>
           <a:lstStyle/>
           <a:p>
-            <a:pPr fontAlgn="base"/>
-            <a:r>
-              <a:rPr lang="pl-PL" sz="2800" dirty="0" err="1">
-                <a:solidFill>
-                  <a:srgbClr val="242729"/>
-                </a:solidFill>
-                <a:latin typeface="Arial"/>
-              </a:rPr>
-              <a:t>If</a:t>
-            </a:r>
-            <a:r>
-              <a:rPr lang="pl-PL" sz="2800" dirty="0">
-                <a:solidFill>
-                  <a:srgbClr val="242729"/>
-                </a:solidFill>
-                <a:latin typeface="Arial"/>
-              </a:rPr>
-              <a:t> </a:t>
-            </a:r>
-            <a:r>
-              <a:rPr lang="pl-PL" sz="2800" dirty="0" err="1">
-                <a:solidFill>
-                  <a:srgbClr val="242729"/>
-                </a:solidFill>
-                <a:latin typeface="Arial"/>
-              </a:rPr>
-              <a:t>you</a:t>
-            </a:r>
-            <a:r>
-              <a:rPr lang="pl-PL" sz="2800" dirty="0">
-                <a:solidFill>
-                  <a:srgbClr val="242729"/>
-                </a:solidFill>
-                <a:latin typeface="Arial"/>
-              </a:rPr>
-              <a:t> want </a:t>
-            </a:r>
-            <a:r>
-              <a:rPr lang="pl-PL" sz="2800" dirty="0" err="1">
-                <a:solidFill>
-                  <a:srgbClr val="242729"/>
-                </a:solidFill>
-                <a:latin typeface="Arial"/>
-              </a:rPr>
-              <a:t>that</a:t>
-            </a:r>
-            <a:r>
-              <a:rPr lang="pl-PL" sz="2800" dirty="0">
-                <a:solidFill>
-                  <a:srgbClr val="242729"/>
-                </a:solidFill>
-                <a:latin typeface="Arial"/>
-              </a:rPr>
-              <a:t> </a:t>
-            </a:r>
-            <a:r>
-              <a:rPr lang="pl-PL" sz="2800" dirty="0" err="1">
-                <a:solidFill>
-                  <a:srgbClr val="242729"/>
-                </a:solidFill>
-                <a:latin typeface="Arial"/>
-              </a:rPr>
-              <a:t>your</a:t>
-            </a:r>
-            <a:r>
-              <a:rPr lang="pl-PL" sz="2800" dirty="0">
-                <a:solidFill>
-                  <a:srgbClr val="242729"/>
-                </a:solidFill>
-                <a:latin typeface="Arial"/>
-              </a:rPr>
-              <a:t> </a:t>
-            </a:r>
-            <a:r>
-              <a:rPr lang="pl-PL" sz="2800" dirty="0" err="1">
-                <a:solidFill>
-                  <a:srgbClr val="242729"/>
-                </a:solidFill>
-                <a:latin typeface="Arial"/>
-              </a:rPr>
-              <a:t>database</a:t>
-            </a:r>
-            <a:r>
-              <a:rPr lang="pl-PL" sz="2800" dirty="0">
-                <a:solidFill>
-                  <a:srgbClr val="242729"/>
-                </a:solidFill>
-                <a:latin typeface="Arial"/>
-              </a:rPr>
-              <a:t> </a:t>
-            </a:r>
-            <a:r>
-              <a:rPr lang="pl-PL" sz="2800" dirty="0" err="1">
-                <a:solidFill>
-                  <a:srgbClr val="242729"/>
-                </a:solidFill>
-                <a:latin typeface="Arial"/>
-              </a:rPr>
-              <a:t>is</a:t>
-            </a:r>
-            <a:r>
-              <a:rPr lang="pl-PL" sz="2800" dirty="0">
-                <a:solidFill>
-                  <a:srgbClr val="242729"/>
-                </a:solidFill>
-                <a:latin typeface="Arial"/>
-              </a:rPr>
-              <a:t> </a:t>
-            </a:r>
-            <a:r>
-              <a:rPr lang="pl-PL" sz="2800" dirty="0" err="1">
-                <a:solidFill>
-                  <a:srgbClr val="242729"/>
-                </a:solidFill>
-                <a:latin typeface="Arial"/>
-              </a:rPr>
-              <a:t>updated</a:t>
-            </a:r>
-            <a:r>
-              <a:rPr lang="pl-PL" sz="2800" dirty="0">
-                <a:solidFill>
-                  <a:srgbClr val="242729"/>
-                </a:solidFill>
-                <a:latin typeface="Arial"/>
-              </a:rPr>
-              <a:t> </a:t>
-            </a:r>
-            <a:r>
-              <a:rPr lang="pl-PL" sz="2800" dirty="0" err="1">
-                <a:solidFill>
-                  <a:srgbClr val="242729"/>
-                </a:solidFill>
-                <a:latin typeface="Arial"/>
-              </a:rPr>
-              <a:t>without</a:t>
-            </a:r>
-            <a:r>
-              <a:rPr lang="pl-PL" sz="2800" dirty="0">
-                <a:solidFill>
-                  <a:srgbClr val="242729"/>
-                </a:solidFill>
-                <a:latin typeface="Arial"/>
-              </a:rPr>
-              <a:t> </a:t>
-            </a:r>
-            <a:r>
-              <a:rPr lang="pl-PL" sz="2800" dirty="0" err="1">
-                <a:solidFill>
-                  <a:srgbClr val="242729"/>
-                </a:solidFill>
-                <a:latin typeface="Arial"/>
-              </a:rPr>
-              <a:t>need</a:t>
-            </a:r>
-            <a:r>
-              <a:rPr lang="pl-PL" sz="2800" dirty="0">
-                <a:solidFill>
-                  <a:srgbClr val="242729"/>
-                </a:solidFill>
-                <a:latin typeface="Arial"/>
-              </a:rPr>
-              <a:t> to </a:t>
-            </a:r>
-            <a:r>
-              <a:rPr lang="pl-PL" sz="2800" dirty="0" err="1">
-                <a:solidFill>
-                  <a:srgbClr val="242729"/>
-                </a:solidFill>
-                <a:latin typeface="Arial"/>
-              </a:rPr>
-              <a:t>call</a:t>
-            </a:r>
-            <a:r>
-              <a:rPr lang="pl-PL" sz="2800" dirty="0">
-                <a:solidFill>
-                  <a:srgbClr val="242729"/>
-                </a:solidFill>
-                <a:latin typeface="Arial"/>
-              </a:rPr>
-              <a:t> update-</a:t>
-            </a:r>
-            <a:r>
-              <a:rPr lang="pl-PL" sz="2800" dirty="0" err="1">
-                <a:solidFill>
-                  <a:srgbClr val="242729"/>
-                </a:solidFill>
-                <a:latin typeface="Arial"/>
-              </a:rPr>
-              <a:t>database</a:t>
-            </a:r>
-            <a:r>
-              <a:rPr lang="pl-PL" sz="2800" dirty="0">
-                <a:solidFill>
-                  <a:srgbClr val="242729"/>
-                </a:solidFill>
-                <a:latin typeface="Arial"/>
-              </a:rPr>
-              <a:t> </a:t>
-            </a:r>
-            <a:r>
-              <a:rPr lang="pl-PL" sz="2800" dirty="0" err="1">
-                <a:solidFill>
-                  <a:srgbClr val="242729"/>
-                </a:solidFill>
-                <a:latin typeface="Arial"/>
-              </a:rPr>
-              <a:t>command</a:t>
-            </a:r>
-            <a:r>
-              <a:rPr lang="pl-PL" sz="2800" dirty="0">
-                <a:solidFill>
-                  <a:srgbClr val="242729"/>
-                </a:solidFill>
-                <a:latin typeface="Arial"/>
-              </a:rPr>
-              <a:t>, </a:t>
-            </a:r>
-            <a:r>
-              <a:rPr lang="pl-PL" sz="2800" dirty="0" err="1">
-                <a:solidFill>
-                  <a:srgbClr val="242729"/>
-                </a:solidFill>
-                <a:latin typeface="Arial"/>
-              </a:rPr>
-              <a:t>you</a:t>
-            </a:r>
-            <a:r>
-              <a:rPr lang="pl-PL" sz="2800" dirty="0">
-                <a:solidFill>
-                  <a:srgbClr val="242729"/>
-                </a:solidFill>
-                <a:latin typeface="Arial"/>
-              </a:rPr>
-              <a:t> </a:t>
-            </a:r>
-            <a:r>
-              <a:rPr lang="pl-PL" sz="2800" dirty="0" err="1">
-                <a:solidFill>
-                  <a:srgbClr val="242729"/>
-                </a:solidFill>
-                <a:latin typeface="Arial"/>
-              </a:rPr>
-              <a:t>can</a:t>
-            </a:r>
-            <a:r>
-              <a:rPr lang="pl-PL" sz="2800" dirty="0">
-                <a:solidFill>
-                  <a:srgbClr val="242729"/>
-                </a:solidFill>
-                <a:latin typeface="Arial"/>
-              </a:rPr>
-              <a:t> </a:t>
-            </a:r>
-            <a:r>
-              <a:rPr lang="pl-PL" sz="2800" dirty="0" err="1">
-                <a:solidFill>
-                  <a:srgbClr val="242729"/>
-                </a:solidFill>
-                <a:latin typeface="Arial"/>
-              </a:rPr>
-              <a:t>add</a:t>
-            </a:r>
-            <a:r>
-              <a:rPr lang="pl-PL" sz="2800" dirty="0">
-                <a:solidFill>
-                  <a:srgbClr val="242729"/>
-                </a:solidFill>
-                <a:latin typeface="Arial"/>
-              </a:rPr>
-              <a:t> </a:t>
-            </a:r>
-            <a:r>
-              <a:rPr lang="pl-PL" sz="2800" dirty="0" err="1">
-                <a:solidFill>
-                  <a:srgbClr val="242729"/>
-                </a:solidFill>
-                <a:latin typeface="Arial"/>
-              </a:rPr>
-              <a:t>Database.SetInitializer</a:t>
-            </a:r>
-            <a:r>
-              <a:rPr lang="pl-PL" sz="2800" dirty="0">
-                <a:solidFill>
-                  <a:srgbClr val="242729"/>
-                </a:solidFill>
-                <a:latin typeface="Arial"/>
-              </a:rPr>
-              <a:t>(...) in </a:t>
-            </a:r>
-            <a:r>
-              <a:rPr lang="pl-PL" sz="2800" dirty="0" err="1">
-                <a:solidFill>
-                  <a:srgbClr val="242729"/>
-                </a:solidFill>
-                <a:latin typeface="Arial"/>
-              </a:rPr>
-              <a:t>OnModelCreating</a:t>
-            </a:r>
-            <a:r>
-              <a:rPr lang="pl-PL" sz="2800" dirty="0">
-                <a:solidFill>
-                  <a:srgbClr val="242729"/>
-                </a:solidFill>
-                <a:latin typeface="Arial"/>
-              </a:rPr>
-              <a:t>() </a:t>
-            </a:r>
-            <a:r>
-              <a:rPr lang="pl-PL" sz="2800" dirty="0" err="1">
-                <a:solidFill>
-                  <a:srgbClr val="242729"/>
-                </a:solidFill>
-                <a:latin typeface="Arial"/>
-              </a:rPr>
-              <a:t>method</a:t>
-            </a:r>
-            <a:r>
-              <a:rPr lang="pl-PL" sz="2800" dirty="0">
-                <a:solidFill>
-                  <a:srgbClr val="242729"/>
-                </a:solidFill>
-                <a:latin typeface="Arial"/>
-              </a:rPr>
-              <a:t> on </a:t>
-            </a:r>
-            <a:r>
-              <a:rPr lang="pl-PL" sz="2800" dirty="0" err="1">
-                <a:solidFill>
-                  <a:srgbClr val="242729"/>
-                </a:solidFill>
-                <a:latin typeface="Arial"/>
-              </a:rPr>
-              <a:t>your</a:t>
-            </a:r>
-            <a:r>
-              <a:rPr lang="pl-PL" sz="2800" dirty="0">
-                <a:solidFill>
-                  <a:srgbClr val="242729"/>
-                </a:solidFill>
-                <a:latin typeface="Arial"/>
-              </a:rPr>
-              <a:t> </a:t>
-            </a:r>
-            <a:r>
-              <a:rPr lang="pl-PL" sz="2800" dirty="0" err="1">
-                <a:solidFill>
-                  <a:srgbClr val="242729"/>
-                </a:solidFill>
-                <a:latin typeface="Arial"/>
-              </a:rPr>
-              <a:t>context</a:t>
-            </a:r>
-            <a:r>
-              <a:rPr lang="pl-PL" sz="2800" dirty="0">
-                <a:solidFill>
-                  <a:srgbClr val="242729"/>
-                </a:solidFill>
-                <a:latin typeface="Arial"/>
-              </a:rPr>
-              <a:t>, </a:t>
-            </a:r>
-            <a:r>
-              <a:rPr lang="pl-PL" sz="2800" dirty="0" err="1">
-                <a:solidFill>
-                  <a:srgbClr val="242729"/>
-                </a:solidFill>
-                <a:latin typeface="Arial"/>
-              </a:rPr>
-              <a:t>like</a:t>
-            </a:r>
-            <a:r>
-              <a:rPr lang="pl-PL" sz="2800" dirty="0">
-                <a:solidFill>
-                  <a:srgbClr val="242729"/>
-                </a:solidFill>
-                <a:latin typeface="Arial"/>
-              </a:rPr>
-              <a:t> </a:t>
-            </a:r>
-            <a:r>
-              <a:rPr lang="pl-PL" sz="2800" dirty="0" err="1">
-                <a:solidFill>
-                  <a:srgbClr val="242729"/>
-                </a:solidFill>
-                <a:latin typeface="Arial"/>
-              </a:rPr>
-              <a:t>so</a:t>
-            </a:r>
-            <a:r>
-              <a:rPr lang="pl-PL" sz="2800" dirty="0">
-                <a:solidFill>
-                  <a:srgbClr val="242729"/>
-                </a:solidFill>
-                <a:latin typeface="Arial"/>
-              </a:rPr>
-              <a:t>:</a:t>
-            </a:r>
-          </a:p>
-          <a:p>
-            <a:r>
-              <a:rPr lang="pl-PL" sz="2800" dirty="0">
-                <a:solidFill>
-                  <a:srgbClr val="101094"/>
-                </a:solidFill>
-                <a:latin typeface="inherit"/>
-              </a:rPr>
-              <a:t>public</a:t>
-            </a:r>
-            <a:r>
-              <a:rPr lang="pl-PL" sz="2800" dirty="0">
-                <a:solidFill>
-                  <a:srgbClr val="303336"/>
-                </a:solidFill>
-                <a:latin typeface="inherit"/>
-              </a:rPr>
-              <a:t> </a:t>
-            </a:r>
-            <a:r>
-              <a:rPr lang="pl-PL" sz="2800" dirty="0" err="1">
-                <a:solidFill>
-                  <a:srgbClr val="101094"/>
-                </a:solidFill>
-                <a:latin typeface="inherit"/>
-              </a:rPr>
-              <a:t>class</a:t>
-            </a:r>
-            <a:r>
-              <a:rPr lang="pl-PL" sz="2800" dirty="0">
-                <a:solidFill>
-                  <a:srgbClr val="303336"/>
-                </a:solidFill>
-                <a:latin typeface="inherit"/>
-              </a:rPr>
-              <a:t> </a:t>
-            </a:r>
-            <a:r>
-              <a:rPr lang="pl-PL" sz="2800" dirty="0" err="1">
-                <a:solidFill>
-                  <a:srgbClr val="2B91AF"/>
-                </a:solidFill>
-                <a:latin typeface="inherit"/>
-              </a:rPr>
-              <a:t>MyContext</a:t>
-            </a:r>
-            <a:r>
-              <a:rPr lang="pl-PL" sz="2800" dirty="0">
-                <a:solidFill>
-                  <a:srgbClr val="303336"/>
-                </a:solidFill>
-                <a:latin typeface="inherit"/>
-              </a:rPr>
-              <a:t> : </a:t>
-            </a:r>
-            <a:r>
-              <a:rPr lang="pl-PL" sz="2800" dirty="0" err="1">
-                <a:solidFill>
-                  <a:srgbClr val="2B91AF"/>
-                </a:solidFill>
-                <a:latin typeface="inherit"/>
-              </a:rPr>
-              <a:t>DbContext</a:t>
-            </a:r>
-            <a:r>
-              <a:rPr lang="pl-PL" sz="2800" dirty="0">
-                <a:solidFill>
-                  <a:srgbClr val="303336"/>
-                </a:solidFill>
-                <a:latin typeface="inherit"/>
-              </a:rPr>
-              <a:t> { </a:t>
-            </a:r>
-            <a:r>
-              <a:rPr lang="pl-PL" sz="2800" dirty="0" err="1">
-                <a:solidFill>
-                  <a:srgbClr val="101094"/>
-                </a:solidFill>
-                <a:latin typeface="inherit"/>
-              </a:rPr>
-              <a:t>protected</a:t>
-            </a:r>
-            <a:r>
-              <a:rPr lang="pl-PL" sz="2800" dirty="0">
-                <a:solidFill>
-                  <a:srgbClr val="303336"/>
-                </a:solidFill>
-                <a:latin typeface="inherit"/>
-              </a:rPr>
-              <a:t> </a:t>
-            </a:r>
-            <a:r>
-              <a:rPr lang="pl-PL" sz="2800" dirty="0" err="1">
-                <a:solidFill>
-                  <a:srgbClr val="101094"/>
-                </a:solidFill>
-                <a:latin typeface="inherit"/>
-              </a:rPr>
-              <a:t>override</a:t>
-            </a:r>
-            <a:r>
-              <a:rPr lang="pl-PL" sz="2800" dirty="0">
-                <a:solidFill>
-                  <a:srgbClr val="303336"/>
-                </a:solidFill>
-                <a:latin typeface="inherit"/>
-              </a:rPr>
-              <a:t> </a:t>
-            </a:r>
-            <a:r>
-              <a:rPr lang="pl-PL" sz="2800" dirty="0" err="1">
-                <a:solidFill>
-                  <a:srgbClr val="101094"/>
-                </a:solidFill>
-                <a:latin typeface="inherit"/>
-              </a:rPr>
-              <a:t>void</a:t>
-            </a:r>
-            <a:r>
-              <a:rPr lang="pl-PL" sz="2800" dirty="0">
-                <a:solidFill>
-                  <a:srgbClr val="303336"/>
-                </a:solidFill>
-                <a:latin typeface="inherit"/>
-              </a:rPr>
-              <a:t> </a:t>
-            </a:r>
-            <a:r>
-              <a:rPr lang="pl-PL" sz="2800" dirty="0" err="1">
-                <a:solidFill>
-                  <a:srgbClr val="2B91AF"/>
-                </a:solidFill>
-                <a:latin typeface="inherit"/>
-              </a:rPr>
-              <a:t>OnModelCreating</a:t>
-            </a:r>
-            <a:r>
-              <a:rPr lang="pl-PL" sz="2800" dirty="0">
-                <a:solidFill>
-                  <a:srgbClr val="303336"/>
-                </a:solidFill>
-                <a:latin typeface="inherit"/>
-              </a:rPr>
-              <a:t>(</a:t>
-            </a:r>
-            <a:r>
-              <a:rPr lang="pl-PL" sz="2800" dirty="0" err="1">
-                <a:solidFill>
-                  <a:srgbClr val="2B91AF"/>
-                </a:solidFill>
-                <a:latin typeface="inherit"/>
-              </a:rPr>
-              <a:t>DbModelBuilder</a:t>
-            </a:r>
-            <a:r>
-              <a:rPr lang="pl-PL" sz="2800" dirty="0">
-                <a:solidFill>
-                  <a:srgbClr val="303336"/>
-                </a:solidFill>
-                <a:latin typeface="inherit"/>
-              </a:rPr>
-              <a:t> </a:t>
-            </a:r>
-            <a:r>
-              <a:rPr lang="pl-PL" sz="2800" dirty="0" err="1">
-                <a:solidFill>
-                  <a:srgbClr val="303336"/>
-                </a:solidFill>
-                <a:latin typeface="inherit"/>
-              </a:rPr>
-              <a:t>modelBuilder</a:t>
-            </a:r>
-            <a:r>
-              <a:rPr lang="pl-PL" sz="2800" dirty="0">
-                <a:solidFill>
-                  <a:srgbClr val="303336"/>
-                </a:solidFill>
-                <a:latin typeface="inherit"/>
-              </a:rPr>
-              <a:t>) { </a:t>
-            </a:r>
-            <a:r>
-              <a:rPr lang="pl-PL" sz="2800" dirty="0" err="1">
-                <a:solidFill>
-                  <a:srgbClr val="2B91AF"/>
-                </a:solidFill>
-                <a:latin typeface="inherit"/>
-              </a:rPr>
-              <a:t>Database</a:t>
-            </a:r>
-            <a:r>
-              <a:rPr lang="pl-PL" sz="2800" dirty="0" err="1">
-                <a:solidFill>
-                  <a:srgbClr val="303336"/>
-                </a:solidFill>
-                <a:latin typeface="inherit"/>
-              </a:rPr>
-              <a:t>.</a:t>
-            </a:r>
-            <a:r>
-              <a:rPr lang="pl-PL" sz="2800" dirty="0" err="1">
-                <a:solidFill>
-                  <a:srgbClr val="2B91AF"/>
-                </a:solidFill>
-                <a:latin typeface="inherit"/>
-              </a:rPr>
-              <a:t>SetInitializer</a:t>
-            </a:r>
-            <a:r>
-              <a:rPr lang="pl-PL" sz="2800" dirty="0">
-                <a:solidFill>
-                  <a:srgbClr val="303336"/>
-                </a:solidFill>
-                <a:latin typeface="inherit"/>
-              </a:rPr>
-              <a:t>(</a:t>
-            </a:r>
-            <a:r>
-              <a:rPr lang="pl-PL" sz="2800" dirty="0" err="1">
-                <a:solidFill>
-                  <a:srgbClr val="101094"/>
-                </a:solidFill>
-                <a:latin typeface="inherit"/>
-              </a:rPr>
-              <a:t>new</a:t>
-            </a:r>
-            <a:r>
-              <a:rPr lang="pl-PL" sz="2800" dirty="0">
-                <a:solidFill>
-                  <a:srgbClr val="303336"/>
-                </a:solidFill>
-                <a:latin typeface="inherit"/>
-              </a:rPr>
-              <a:t> </a:t>
-            </a:r>
-            <a:r>
-              <a:rPr lang="pl-PL" sz="2800" dirty="0" err="1">
-                <a:solidFill>
-                  <a:srgbClr val="2B91AF"/>
-                </a:solidFill>
-                <a:latin typeface="inherit"/>
-              </a:rPr>
-              <a:t>MigrateDatabaseToLatestVersion</a:t>
-            </a:r>
-            <a:r>
-              <a:rPr lang="pl-PL" sz="2800" dirty="0">
-                <a:solidFill>
-                  <a:srgbClr val="303336"/>
-                </a:solidFill>
-                <a:latin typeface="inherit"/>
-              </a:rPr>
-              <a:t>&lt;</a:t>
-            </a:r>
-            <a:r>
-              <a:rPr lang="pl-PL" sz="2800" dirty="0" err="1">
-                <a:solidFill>
-                  <a:srgbClr val="2B91AF"/>
-                </a:solidFill>
-                <a:latin typeface="inherit"/>
-              </a:rPr>
-              <a:t>MyContext</a:t>
-            </a:r>
-            <a:r>
-              <a:rPr lang="pl-PL" sz="2800" dirty="0">
-                <a:solidFill>
-                  <a:srgbClr val="303336"/>
-                </a:solidFill>
-                <a:latin typeface="inherit"/>
-              </a:rPr>
-              <a:t>, </a:t>
-            </a:r>
-            <a:r>
-              <a:rPr lang="pl-PL" sz="2800" dirty="0" err="1">
-                <a:solidFill>
-                  <a:srgbClr val="2B91AF"/>
-                </a:solidFill>
-                <a:latin typeface="inherit"/>
-              </a:rPr>
-              <a:t>MigrateDBConfiguration</a:t>
-            </a:r>
-            <a:r>
-              <a:rPr lang="pl-PL" sz="2800" dirty="0">
-                <a:solidFill>
-                  <a:srgbClr val="303336"/>
-                </a:solidFill>
-                <a:latin typeface="inherit"/>
-              </a:rPr>
-              <a:t>&gt;()); }</a:t>
-            </a:r>
+            <a:pPr marL="109728" indent="0">
+              <a:buNone/>
+            </a:pPr>
             <a:endParaRPr lang="pl-PL" sz="2800" dirty="0" smtClean="0">
               <a:solidFill>
                 <a:srgbClr val="0000FF"/>
@@ -9652,6 +11765,132 @@
               <a:latin typeface="Consolas"/>
             </a:endParaRPr>
           </a:p>
+          <a:p>
+            <a:pPr marL="109728" indent="0">
+              <a:buNone/>
+            </a:pPr>
+            <a:r>
+              <a:rPr lang="pl-PL" sz="2800" dirty="0" smtClean="0">
+                <a:solidFill>
+                  <a:srgbClr val="0000FF"/>
+                </a:solidFill>
+                <a:latin typeface="Consolas"/>
+              </a:rPr>
+              <a:t>public</a:t>
+            </a:r>
+            <a:r>
+              <a:rPr lang="pl-PL" sz="2800" dirty="0" smtClean="0">
+                <a:solidFill>
+                  <a:srgbClr val="000000"/>
+                </a:solidFill>
+                <a:latin typeface="Consolas"/>
+              </a:rPr>
+              <a:t> </a:t>
+            </a:r>
+            <a:r>
+              <a:rPr lang="pl-PL" sz="2800" dirty="0" err="1">
+                <a:solidFill>
+                  <a:srgbClr val="000000"/>
+                </a:solidFill>
+                <a:latin typeface="Consolas"/>
+              </a:rPr>
+              <a:t>Configuration</a:t>
+            </a:r>
+            <a:r>
+              <a:rPr lang="pl-PL" sz="2800" dirty="0">
+                <a:solidFill>
+                  <a:srgbClr val="000000"/>
+                </a:solidFill>
+                <a:latin typeface="Consolas"/>
+              </a:rPr>
+              <a:t>()</a:t>
+            </a:r>
+          </a:p>
+          <a:p>
+            <a:pPr marL="109728" indent="0">
+              <a:buNone/>
+            </a:pPr>
+            <a:r>
+              <a:rPr lang="pl-PL" sz="2800" dirty="0" smtClean="0">
+                <a:solidFill>
+                  <a:srgbClr val="000000"/>
+                </a:solidFill>
+                <a:latin typeface="Consolas"/>
+              </a:rPr>
+              <a:t>{</a:t>
+            </a:r>
+            <a:endParaRPr lang="pl-PL" sz="2800" dirty="0">
+              <a:solidFill>
+                <a:srgbClr val="000000"/>
+              </a:solidFill>
+              <a:latin typeface="Consolas"/>
+            </a:endParaRPr>
+          </a:p>
+          <a:p>
+            <a:pPr marL="109728" indent="0">
+              <a:buNone/>
+            </a:pPr>
+            <a:r>
+              <a:rPr lang="pl-PL" sz="2800" dirty="0" smtClean="0">
+                <a:solidFill>
+                  <a:srgbClr val="000000"/>
+                </a:solidFill>
+                <a:latin typeface="Consolas"/>
+              </a:rPr>
+              <a:t>    </a:t>
+            </a:r>
+            <a:r>
+              <a:rPr lang="pl-PL" sz="2800" dirty="0" err="1">
+                <a:solidFill>
+                  <a:srgbClr val="000000"/>
+                </a:solidFill>
+                <a:latin typeface="Consolas"/>
+              </a:rPr>
+              <a:t>AutomaticMigrationsEnabled</a:t>
+            </a:r>
+            <a:r>
+              <a:rPr lang="pl-PL" sz="2800" dirty="0">
+                <a:solidFill>
+                  <a:srgbClr val="000000"/>
+                </a:solidFill>
+                <a:latin typeface="Consolas"/>
+              </a:rPr>
+              <a:t> = </a:t>
+            </a:r>
+            <a:r>
+              <a:rPr lang="pl-PL" sz="2800" dirty="0" err="1">
+                <a:solidFill>
+                  <a:srgbClr val="0000FF"/>
+                </a:solidFill>
+                <a:latin typeface="Consolas"/>
+              </a:rPr>
+              <a:t>true</a:t>
+            </a:r>
+            <a:r>
+              <a:rPr lang="pl-PL" sz="2800" dirty="0">
+                <a:solidFill>
+                  <a:srgbClr val="000000"/>
+                </a:solidFill>
+                <a:latin typeface="Consolas"/>
+              </a:rPr>
+              <a:t>;</a:t>
+            </a:r>
+          </a:p>
+          <a:p>
+            <a:pPr marL="109728" indent="0">
+              <a:buNone/>
+            </a:pPr>
+            <a:r>
+              <a:rPr lang="pl-PL" sz="2800" dirty="0" smtClean="0">
+                <a:solidFill>
+                  <a:srgbClr val="000000"/>
+                </a:solidFill>
+                <a:latin typeface="Consolas"/>
+              </a:rPr>
+              <a:t>}</a:t>
+            </a:r>
+            <a:endParaRPr lang="pl-PL" i="1" dirty="0" smtClean="0"/>
+          </a:p>
         </p:txBody>
       </p:sp>
       <p:sp>
@@ -9697,7 +11936,7 @@
             <a:fld id="{976B8C4A-E01E-49C4-A342-E776841D1431}" type="slidenum">
               <a:rPr lang="pl-PL" smtClean="0"/>
               <a:pPr/>
-              <a:t>18</a:t>
+              <a:t>27</a:t>
             </a:fld>
             <a:endParaRPr lang="pl-PL"/>
           </a:p>
@@ -9715,7 +11954,7 @@
           <a:blip r:embed="rId3" cstate="print">
             <a:extLst>
               <a:ext uri="{28A0092B-C50C-407E-A947-70E740481C1C}">
-                <a14:useLocalDpi xmlns:a14="http://schemas.microsoft.com/office/drawing/2010/main" val="0"/>
+                <a14:useLocalDpi xmlns:a14="http://schemas.microsoft.com/office/drawing/2010/main" xmlns="" val="0"/>
               </a:ext>
             </a:extLst>
           </a:blip>
@@ -9736,7 +11975,7 @@
     </p:spTree>
     <p:extLst>
       <p:ext uri="{BB962C8B-B14F-4D97-AF65-F5344CB8AC3E}">
-        <p14:creationId xmlns:p14="http://schemas.microsoft.com/office/powerpoint/2010/main" val="4148982605"/>
+        <p14:creationId xmlns:p14="http://schemas.microsoft.com/office/powerpoint/2010/main" xmlns="" val="3360151137"/>
       </p:ext>
     </p:extLst>
   </p:cSld>
@@ -9753,7 +11992,7 @@
 </p:sld>
 </file>
 
-<file path=ppt/slides/slide19.xml><?xml version="1.0" encoding="utf-8"?>
+<file path=ppt/slides/slide28.xml><?xml version="1.0" encoding="utf-8"?>
 <p:sld xmlns:a="http://schemas.openxmlformats.org/drawingml/2006/main" xmlns:r="http://schemas.openxmlformats.org/officeDocument/2006/relationships" xmlns:p="http://schemas.openxmlformats.org/presentationml/2006/main">
   <p:cSld>
     <p:spTree>
@@ -9772,7 +12011,7 @@
       </p:grpSpPr>
       <p:sp>
         <p:nvSpPr>
-          <p:cNvPr id="8" name="Symbol zastępczy zawartości 7"/>
+          <p:cNvPr id="2" name="Symbol zastępczy zawartości 1"/>
           <p:cNvSpPr>
             <a:spLocks noGrp="1"/>
           </p:cNvSpPr>
@@ -9782,53 +12021,496 @@
         </p:nvSpPr>
         <p:spPr/>
         <p:txBody>
-          <a:bodyPr/>
+          <a:bodyPr>
+            <a:normAutofit lnSpcReduction="10000"/>
+          </a:bodyPr>
+          <a:lstStyle/>
+          <a:p>
+            <a:pPr fontAlgn="base">
+              <a:buNone/>
+            </a:pPr>
+            <a:r>
+              <a:rPr lang="pl-PL" sz="2800" dirty="0" err="1" smtClean="0">
+                <a:solidFill>
+                  <a:srgbClr val="242729"/>
+                </a:solidFill>
+                <a:latin typeface="Arial"/>
+              </a:rPr>
+              <a:t>Initializers</a:t>
+            </a:r>
+            <a:r>
+              <a:rPr lang="pl-PL" sz="2800" dirty="0" smtClean="0">
+                <a:solidFill>
+                  <a:srgbClr val="242729"/>
+                </a:solidFill>
+                <a:latin typeface="Arial"/>
+              </a:rPr>
+              <a:t>…</a:t>
+            </a:r>
+            <a:br>
+              <a:rPr lang="pl-PL" sz="2800" dirty="0" smtClean="0">
+                <a:solidFill>
+                  <a:srgbClr val="242729"/>
+                </a:solidFill>
+                <a:latin typeface="Arial"/>
+              </a:rPr>
+            </a:br>
+            <a:endParaRPr lang="pl-PL" sz="2800" dirty="0" smtClean="0">
+              <a:solidFill>
+                <a:srgbClr val="242729"/>
+              </a:solidFill>
+              <a:latin typeface="Arial"/>
+            </a:endParaRPr>
+          </a:p>
+          <a:p>
+            <a:pPr lvl="1" fontAlgn="base"/>
+            <a:r>
+              <a:rPr lang="pl-PL" sz="2400" dirty="0" smtClean="0">
+                <a:solidFill>
+                  <a:srgbClr val="242729"/>
+                </a:solidFill>
+                <a:latin typeface="Arial"/>
+              </a:rPr>
+              <a:t>umożliwiają wdrażanie zmian / inicjalizowanie bazy w </a:t>
+            </a:r>
+            <a:r>
+              <a:rPr lang="pl-PL" sz="2400" dirty="0" err="1" smtClean="0">
+                <a:solidFill>
+                  <a:srgbClr val="242729"/>
+                </a:solidFill>
+                <a:latin typeface="Arial"/>
+              </a:rPr>
+              <a:t>runtime</a:t>
+            </a:r>
+            <a:r>
+              <a:rPr lang="pl-PL" sz="2400" dirty="0" smtClean="0">
+                <a:solidFill>
+                  <a:srgbClr val="242729"/>
+                </a:solidFill>
+                <a:latin typeface="Arial"/>
+              </a:rPr>
+              <a:t> wg obranej strategii</a:t>
+            </a:r>
+          </a:p>
+          <a:p>
+            <a:pPr lvl="1" fontAlgn="base"/>
+            <a:r>
+              <a:rPr lang="pl-PL" sz="2400" dirty="0" smtClean="0">
+                <a:solidFill>
+                  <a:srgbClr val="242729"/>
+                </a:solidFill>
+                <a:latin typeface="Arial"/>
+              </a:rPr>
+              <a:t>uruchamiane przy pierwszym dostępie do bazy</a:t>
+            </a:r>
+            <a:br>
+              <a:rPr lang="pl-PL" sz="2400" dirty="0" smtClean="0">
+                <a:solidFill>
+                  <a:srgbClr val="242729"/>
+                </a:solidFill>
+                <a:latin typeface="Arial"/>
+              </a:rPr>
+            </a:br>
+            <a:endParaRPr lang="pl-PL" sz="2400" dirty="0" smtClean="0">
+              <a:solidFill>
+                <a:srgbClr val="242729"/>
+              </a:solidFill>
+              <a:latin typeface="Arial"/>
+            </a:endParaRPr>
+          </a:p>
+          <a:p>
+            <a:pPr lvl="1">
+              <a:buNone/>
+            </a:pPr>
+            <a:r>
+              <a:rPr lang="pl-PL" sz="1800" dirty="0" smtClean="0">
+                <a:solidFill>
+                  <a:srgbClr val="101094"/>
+                </a:solidFill>
+                <a:latin typeface="inherit"/>
+              </a:rPr>
+              <a:t>    public</a:t>
+            </a:r>
+            <a:r>
+              <a:rPr lang="pl-PL" sz="1800" dirty="0" smtClean="0">
+                <a:solidFill>
+                  <a:srgbClr val="303336"/>
+                </a:solidFill>
+                <a:latin typeface="inherit"/>
+              </a:rPr>
+              <a:t> </a:t>
+            </a:r>
+            <a:r>
+              <a:rPr lang="pl-PL" sz="1800" dirty="0" err="1">
+                <a:solidFill>
+                  <a:srgbClr val="101094"/>
+                </a:solidFill>
+                <a:latin typeface="inherit"/>
+              </a:rPr>
+              <a:t>class</a:t>
+            </a:r>
+            <a:r>
+              <a:rPr lang="pl-PL" sz="1800" dirty="0">
+                <a:solidFill>
+                  <a:srgbClr val="303336"/>
+                </a:solidFill>
+                <a:latin typeface="inherit"/>
+              </a:rPr>
+              <a:t> </a:t>
+            </a:r>
+            <a:r>
+              <a:rPr lang="pl-PL" sz="1800" dirty="0" err="1">
+                <a:solidFill>
+                  <a:srgbClr val="2B91AF"/>
+                </a:solidFill>
+                <a:latin typeface="inherit"/>
+              </a:rPr>
+              <a:t>MyContext</a:t>
+            </a:r>
+            <a:r>
+              <a:rPr lang="pl-PL" sz="1800" dirty="0">
+                <a:solidFill>
+                  <a:srgbClr val="303336"/>
+                </a:solidFill>
+                <a:latin typeface="inherit"/>
+              </a:rPr>
+              <a:t> : </a:t>
+            </a:r>
+            <a:r>
+              <a:rPr lang="pl-PL" sz="1800" dirty="0" err="1">
+                <a:solidFill>
+                  <a:srgbClr val="2B91AF"/>
+                </a:solidFill>
+                <a:latin typeface="inherit"/>
+              </a:rPr>
+              <a:t>DbContext</a:t>
+            </a:r>
+            <a:r>
+              <a:rPr lang="pl-PL" sz="1800" dirty="0">
+                <a:solidFill>
+                  <a:srgbClr val="303336"/>
+                </a:solidFill>
+                <a:latin typeface="inherit"/>
+              </a:rPr>
+              <a:t> </a:t>
+            </a:r>
+            <a:r>
+              <a:rPr lang="pl-PL" sz="1800" dirty="0" smtClean="0">
+                <a:solidFill>
+                  <a:srgbClr val="303336"/>
+                </a:solidFill>
+                <a:latin typeface="inherit"/>
+              </a:rPr>
+              <a:t/>
+            </a:r>
+            <a:br>
+              <a:rPr lang="pl-PL" sz="1800" dirty="0" smtClean="0">
+                <a:solidFill>
+                  <a:srgbClr val="303336"/>
+                </a:solidFill>
+                <a:latin typeface="inherit"/>
+              </a:rPr>
+            </a:br>
+            <a:r>
+              <a:rPr lang="pl-PL" sz="1800" dirty="0" smtClean="0">
+                <a:solidFill>
+                  <a:srgbClr val="303336"/>
+                </a:solidFill>
+                <a:latin typeface="inherit"/>
+              </a:rPr>
+              <a:t>{</a:t>
+            </a:r>
+            <a:br>
+              <a:rPr lang="pl-PL" sz="1800" dirty="0" smtClean="0">
+                <a:solidFill>
+                  <a:srgbClr val="303336"/>
+                </a:solidFill>
+                <a:latin typeface="inherit"/>
+              </a:rPr>
+            </a:br>
+            <a:r>
+              <a:rPr lang="pl-PL" sz="1800" dirty="0" smtClean="0">
+                <a:solidFill>
+                  <a:srgbClr val="303336"/>
+                </a:solidFill>
+                <a:latin typeface="inherit"/>
+              </a:rPr>
+              <a:t>  </a:t>
+            </a:r>
+            <a:r>
+              <a:rPr lang="pl-PL" sz="1800" dirty="0" smtClean="0">
+                <a:solidFill>
+                  <a:srgbClr val="101094"/>
+                </a:solidFill>
+                <a:latin typeface="inherit"/>
+              </a:rPr>
+              <a:t>public </a:t>
+            </a:r>
+            <a:r>
+              <a:rPr lang="pl-PL" sz="1800" dirty="0" err="1" smtClean="0">
+                <a:solidFill>
+                  <a:srgbClr val="2B91AF"/>
+                </a:solidFill>
+                <a:latin typeface="inherit"/>
+              </a:rPr>
+              <a:t>MyContext</a:t>
+            </a:r>
+            <a:r>
+              <a:rPr lang="pl-PL" sz="1800" dirty="0" smtClean="0">
+                <a:solidFill>
+                  <a:srgbClr val="303336"/>
+                </a:solidFill>
+                <a:latin typeface="inherit"/>
+              </a:rPr>
+              <a:t>() </a:t>
+            </a:r>
+            <a:br>
+              <a:rPr lang="pl-PL" sz="1800" dirty="0" smtClean="0">
+                <a:solidFill>
+                  <a:srgbClr val="303336"/>
+                </a:solidFill>
+                <a:latin typeface="inherit"/>
+              </a:rPr>
+            </a:br>
+            <a:r>
+              <a:rPr lang="pl-PL" sz="1800" dirty="0" smtClean="0">
+                <a:solidFill>
+                  <a:srgbClr val="303336"/>
+                </a:solidFill>
+                <a:latin typeface="inherit"/>
+              </a:rPr>
+              <a:t>  { </a:t>
+            </a:r>
+            <a:br>
+              <a:rPr lang="pl-PL" sz="1800" dirty="0" smtClean="0">
+                <a:solidFill>
+                  <a:srgbClr val="303336"/>
+                </a:solidFill>
+                <a:latin typeface="inherit"/>
+              </a:rPr>
+            </a:br>
+            <a:r>
+              <a:rPr lang="pl-PL" sz="1800" dirty="0" smtClean="0">
+                <a:solidFill>
+                  <a:srgbClr val="303336"/>
+                </a:solidFill>
+                <a:latin typeface="inherit"/>
+              </a:rPr>
+              <a:t>     </a:t>
+            </a:r>
+            <a:r>
+              <a:rPr lang="pl-PL" sz="1800" dirty="0" err="1" smtClean="0">
+                <a:solidFill>
+                  <a:srgbClr val="2B91AF"/>
+                </a:solidFill>
+                <a:latin typeface="inherit"/>
+              </a:rPr>
+              <a:t>Database</a:t>
+            </a:r>
+            <a:r>
+              <a:rPr lang="pl-PL" sz="1800" dirty="0" err="1" smtClean="0">
+                <a:solidFill>
+                  <a:srgbClr val="303336"/>
+                </a:solidFill>
+                <a:latin typeface="inherit"/>
+              </a:rPr>
+              <a:t>.</a:t>
+            </a:r>
+            <a:r>
+              <a:rPr lang="pl-PL" sz="1800" dirty="0" err="1" smtClean="0">
+                <a:solidFill>
+                  <a:srgbClr val="2B91AF"/>
+                </a:solidFill>
+                <a:latin typeface="inherit"/>
+              </a:rPr>
+              <a:t>SetInitializer</a:t>
+            </a:r>
+            <a:r>
+              <a:rPr lang="pl-PL" sz="1800" dirty="0" err="1" smtClean="0">
+                <a:solidFill>
+                  <a:srgbClr val="303336"/>
+                </a:solidFill>
+                <a:latin typeface="inherit"/>
+              </a:rPr>
+              <a:t>(</a:t>
+            </a:r>
+            <a:r>
+              <a:rPr lang="pl-PL" sz="1800" dirty="0" err="1" smtClean="0">
+                <a:solidFill>
+                  <a:srgbClr val="101094"/>
+                </a:solidFill>
+                <a:latin typeface="inherit"/>
+              </a:rPr>
+              <a:t>ne</a:t>
+            </a:r>
+            <a:r>
+              <a:rPr lang="pl-PL" sz="1800" dirty="0" smtClean="0">
+                <a:solidFill>
+                  <a:srgbClr val="101094"/>
+                </a:solidFill>
+                <a:latin typeface="inherit"/>
+              </a:rPr>
+              <a:t>w</a:t>
+            </a:r>
+            <a:r>
+              <a:rPr lang="pl-PL" sz="1800" dirty="0" smtClean="0">
+                <a:solidFill>
+                  <a:srgbClr val="303336"/>
+                </a:solidFill>
+                <a:latin typeface="inherit"/>
+              </a:rPr>
+              <a:t>           </a:t>
+            </a:r>
+            <a:r>
+              <a:rPr lang="pl-PL" sz="1800" dirty="0" smtClean="0">
+                <a:solidFill>
+                  <a:srgbClr val="303336"/>
+                </a:solidFill>
+                <a:latin typeface="inherit"/>
+              </a:rPr>
+              <a:t>	</a:t>
+            </a:r>
+            <a:r>
+              <a:rPr lang="pl-PL" sz="1800" dirty="0" smtClean="0">
+                <a:solidFill>
+                  <a:srgbClr val="303336"/>
+                </a:solidFill>
+                <a:latin typeface="inherit"/>
+              </a:rPr>
+              <a:t>					</a:t>
+            </a:r>
+            <a:r>
+              <a:rPr lang="pl-PL" sz="1800" dirty="0" err="1" smtClean="0">
+                <a:solidFill>
+                  <a:srgbClr val="2B91AF"/>
+                </a:solidFill>
+                <a:latin typeface="inherit"/>
+              </a:rPr>
+              <a:t>MigrateDatabaseToLatestVersion</a:t>
+            </a:r>
+            <a:r>
+              <a:rPr lang="pl-PL" sz="1800" dirty="0" err="1" smtClean="0">
+                <a:solidFill>
+                  <a:srgbClr val="303336"/>
+                </a:solidFill>
+                <a:latin typeface="inherit"/>
+              </a:rPr>
+              <a:t>&lt;</a:t>
+            </a:r>
+            <a:r>
+              <a:rPr lang="pl-PL" sz="1800" dirty="0" err="1" smtClean="0">
+                <a:solidFill>
+                  <a:srgbClr val="2B91AF"/>
+                </a:solidFill>
+                <a:latin typeface="inherit"/>
+              </a:rPr>
+              <a:t>MyContext</a:t>
+            </a:r>
+            <a:r>
+              <a:rPr lang="pl-PL" sz="1800" dirty="0" smtClean="0">
+                <a:solidFill>
+                  <a:srgbClr val="303336"/>
+                </a:solidFill>
+                <a:latin typeface="inherit"/>
+              </a:rPr>
+              <a:t>, 			</a:t>
+            </a:r>
+            <a:r>
+              <a:rPr lang="pl-PL" sz="1800" dirty="0" err="1" smtClean="0">
+                <a:solidFill>
+                  <a:srgbClr val="2B91AF"/>
+                </a:solidFill>
+                <a:latin typeface="inherit"/>
+              </a:rPr>
+              <a:t>MigrateDBConfiguration</a:t>
+            </a:r>
+            <a:r>
+              <a:rPr lang="pl-PL" sz="1800" dirty="0" smtClean="0">
+                <a:solidFill>
+                  <a:srgbClr val="303336"/>
+                </a:solidFill>
+                <a:latin typeface="inherit"/>
+              </a:rPr>
+              <a:t>&gt;()); </a:t>
+            </a:r>
+            <a:br>
+              <a:rPr lang="pl-PL" sz="1800" dirty="0" smtClean="0">
+                <a:solidFill>
+                  <a:srgbClr val="303336"/>
+                </a:solidFill>
+                <a:latin typeface="inherit"/>
+              </a:rPr>
+            </a:br>
+            <a:r>
+              <a:rPr lang="pl-PL" sz="1800" dirty="0" smtClean="0">
+                <a:solidFill>
+                  <a:srgbClr val="303336"/>
+                </a:solidFill>
+                <a:latin typeface="inherit"/>
+              </a:rPr>
+              <a:t>  }</a:t>
+            </a:r>
+            <a:br>
+              <a:rPr lang="pl-PL" sz="1800" dirty="0" smtClean="0">
+                <a:solidFill>
+                  <a:srgbClr val="303336"/>
+                </a:solidFill>
+                <a:latin typeface="inherit"/>
+              </a:rPr>
+            </a:br>
+            <a:r>
+              <a:rPr lang="pl-PL" sz="1800" dirty="0" smtClean="0">
+                <a:solidFill>
+                  <a:srgbClr val="303336"/>
+                </a:solidFill>
+                <a:latin typeface="inherit"/>
+              </a:rPr>
+              <a:t>}</a:t>
+            </a:r>
+          </a:p>
+          <a:p>
+            <a:pPr lvl="1"/>
+            <a:endParaRPr lang="pl-PL" sz="1800" dirty="0" smtClean="0">
+              <a:solidFill>
+                <a:srgbClr val="0000FF"/>
+              </a:solidFill>
+              <a:latin typeface="Consolas"/>
+            </a:endParaRPr>
+          </a:p>
+          <a:p>
+            <a:pPr marL="109728" indent="0">
+              <a:buNone/>
+            </a:pPr>
+            <a:endParaRPr lang="pl-PL" sz="2800" dirty="0">
+              <a:solidFill>
+                <a:srgbClr val="0000FF"/>
+              </a:solidFill>
+              <a:latin typeface="Consolas"/>
+            </a:endParaRPr>
+          </a:p>
+        </p:txBody>
+      </p:sp>
+      <p:sp>
+        <p:nvSpPr>
+          <p:cNvPr id="3" name="Tytuł 2"/>
+          <p:cNvSpPr>
+            <a:spLocks noGrp="1"/>
+          </p:cNvSpPr>
+          <p:nvPr>
+            <p:ph type="title"/>
+          </p:nvPr>
+        </p:nvSpPr>
+        <p:spPr/>
+        <p:txBody>
+          <a:bodyPr>
+            <a:normAutofit/>
+          </a:bodyPr>
           <a:lstStyle/>
           <a:p>
             <a:r>
               <a:rPr lang="pl-PL" dirty="0" smtClean="0"/>
-              <a:t>Dostępne strategie</a:t>
-            </a:r>
-          </a:p>
-          <a:p>
-            <a:pPr lvl="1"/>
-            <a:r>
-              <a:rPr lang="pl-PL" dirty="0" err="1" smtClean="0"/>
-              <a:t>DropCreateDatabaseIfModelChanges</a:t>
-            </a:r>
-            <a:endParaRPr lang="pl-PL" dirty="0" smtClean="0"/>
-          </a:p>
-          <a:p>
-            <a:pPr lvl="1"/>
-            <a:r>
-              <a:rPr lang="pl-PL" dirty="0" err="1" smtClean="0"/>
-              <a:t>DropCreateDatabaseAlways</a:t>
-            </a:r>
-            <a:endParaRPr lang="pl-PL" dirty="0" smtClean="0"/>
-          </a:p>
-          <a:p>
-            <a:pPr lvl="1"/>
-            <a:r>
-              <a:rPr lang="pl-PL" dirty="0" err="1" smtClean="0"/>
-              <a:t>CreateDatabaseIfNotExists</a:t>
-            </a:r>
-            <a:r>
-              <a:rPr lang="pl-PL" dirty="0" smtClean="0"/>
-              <a:t> (domyślna)</a:t>
-            </a:r>
-          </a:p>
-          <a:p>
-            <a:r>
-              <a:rPr lang="pl-PL" dirty="0" smtClean="0"/>
-              <a:t>Możliwość własnych strategii (np. dziedziczenie)</a:t>
-            </a:r>
-            <a:r>
-              <a:rPr lang="pl-PL" dirty="0"/>
-              <a:t/>
-            </a:r>
-            <a:br>
-              <a:rPr lang="pl-PL" dirty="0"/>
-            </a:br>
+              <a:t>Migracje: automatyczne</a:t>
+            </a:r>
             <a:endParaRPr lang="pl-PL" dirty="0"/>
           </a:p>
         </p:txBody>
@@ -9851,32 +12533,9 @@
             <a:fld id="{976B8C4A-E01E-49C4-A342-E776841D1431}" type="slidenum">
               <a:rPr lang="pl-PL" smtClean="0"/>
               <a:pPr/>
-              <a:t>19</a:t>
+              <a:t>28</a:t>
             </a:fld>
             <a:endParaRPr lang="pl-PL"/>
-          </a:p>
-        </p:txBody>
-      </p:sp>
-      <p:sp>
-        <p:nvSpPr>
-          <p:cNvPr id="3" name="Tytuł 2"/>
-          <p:cNvSpPr>
-            <a:spLocks noGrp="1"/>
-          </p:cNvSpPr>
-          <p:nvPr>
-            <p:ph type="title"/>
-          </p:nvPr>
-        </p:nvSpPr>
-        <p:spPr/>
-        <p:txBody>
-          <a:bodyPr/>
-          <a:lstStyle/>
-          <a:p>
-            <a:r>
-              <a:rPr lang="pl-PL" smtClean="0"/>
-              <a:t>Migracje: automatyczne</a:t>
-            </a:r>
-            <a:endParaRPr lang="pl-PL" dirty="0"/>
           </a:p>
         </p:txBody>
       </p:sp>
@@ -9892,7 +12551,7 @@
           <a:blip r:embed="rId3" cstate="print">
             <a:extLst>
               <a:ext uri="{28A0092B-C50C-407E-A947-70E740481C1C}">
-                <a14:useLocalDpi xmlns:a14="http://schemas.microsoft.com/office/drawing/2010/main" val="0"/>
+                <a14:useLocalDpi xmlns:a14="http://schemas.microsoft.com/office/drawing/2010/main" xmlns="" val="0"/>
               </a:ext>
             </a:extLst>
           </a:blip>
@@ -9913,7 +12572,7 @@
     </p:spTree>
     <p:extLst>
       <p:ext uri="{BB962C8B-B14F-4D97-AF65-F5344CB8AC3E}">
-        <p14:creationId xmlns:p14="http://schemas.microsoft.com/office/powerpoint/2010/main" val="3470529918"/>
+        <p14:creationId xmlns:p14="http://schemas.microsoft.com/office/powerpoint/2010/main" xmlns="" val="4148982605"/>
       </p:ext>
     </p:extLst>
   </p:cSld>
@@ -9930,7 +12589,7 @@
 </p:sld>
 </file>
 
-<file path=ppt/slides/slide2.xml><?xml version="1.0" encoding="utf-8"?>
+<file path=ppt/slides/slide29.xml><?xml version="1.0" encoding="utf-8"?>
 <p:sld xmlns:a="http://schemas.openxmlformats.org/drawingml/2006/main" xmlns:r="http://schemas.openxmlformats.org/officeDocument/2006/relationships" xmlns:p="http://schemas.openxmlformats.org/presentationml/2006/main">
   <p:cSld>
     <p:spTree>
@@ -9949,7 +12608,7 @@
       </p:grpSpPr>
       <p:sp>
         <p:nvSpPr>
-          <p:cNvPr id="2" name="Symbol zastępczy zawartości 1"/>
+          <p:cNvPr id="8" name="Symbol zastępczy zawartości 7"/>
           <p:cNvSpPr>
             <a:spLocks noGrp="1"/>
           </p:cNvSpPr>
@@ -9959,164 +12618,85 @@
         </p:nvSpPr>
         <p:spPr/>
         <p:txBody>
-          <a:bodyPr>
-            <a:normAutofit/>
-          </a:bodyPr>
-          <a:lstStyle/>
-          <a:p>
-            <a:pPr marL="624078" indent="-514350">
-              <a:buFont typeface="+mj-lt"/>
-              <a:buAutoNum type="arabicPeriod"/>
-            </a:pPr>
-            <a:r>
-              <a:rPr lang="pl-PL" sz="3200" dirty="0" smtClean="0"/>
-              <a:t>Wprowadzenie do </a:t>
-            </a:r>
-            <a:r>
-              <a:rPr lang="pl-PL" sz="3200" dirty="0" err="1" smtClean="0"/>
-              <a:t>Entity</a:t>
-            </a:r>
-            <a:r>
-              <a:rPr lang="pl-PL" sz="3200" dirty="0" smtClean="0"/>
-              <a:t> Framework</a:t>
-            </a:r>
-          </a:p>
-          <a:p>
-            <a:pPr marL="624078" indent="-514350">
-              <a:buFont typeface="+mj-lt"/>
-              <a:buAutoNum type="arabicPeriod"/>
-            </a:pPr>
-            <a:r>
-              <a:rPr lang="pl-PL" sz="3200" dirty="0" smtClean="0"/>
-              <a:t>Strategie: DB first </a:t>
-            </a:r>
-            <a:r>
-              <a:rPr lang="pl-PL" sz="3200" dirty="0" err="1" smtClean="0"/>
-              <a:t>vs</a:t>
-            </a:r>
-            <a:r>
-              <a:rPr lang="pl-PL" sz="3200" dirty="0" smtClean="0"/>
-              <a:t> </a:t>
-            </a:r>
-            <a:r>
-              <a:rPr lang="pl-PL" sz="3200" dirty="0" err="1" smtClean="0"/>
-              <a:t>Code</a:t>
-            </a:r>
-            <a:r>
-              <a:rPr lang="pl-PL" sz="3200" dirty="0" smtClean="0"/>
-              <a:t> first </a:t>
-            </a:r>
-            <a:r>
-              <a:rPr lang="pl-PL" sz="3200" dirty="0" err="1" smtClean="0"/>
-              <a:t>vs</a:t>
-            </a:r>
-            <a:r>
-              <a:rPr lang="pl-PL" sz="3200" dirty="0" smtClean="0"/>
-              <a:t> Model first</a:t>
-            </a:r>
-          </a:p>
-          <a:p>
-            <a:pPr marL="624078" indent="-514350">
-              <a:buFont typeface="+mj-lt"/>
-              <a:buAutoNum type="arabicPeriod"/>
-            </a:pPr>
-            <a:r>
-              <a:rPr lang="pl-PL" sz="3200" dirty="0" smtClean="0"/>
-              <a:t>Prosty przykład użycia (</a:t>
-            </a:r>
-            <a:r>
-              <a:rPr lang="pl-PL" sz="3200" dirty="0" err="1" smtClean="0"/>
-              <a:t>Quick</a:t>
-            </a:r>
-            <a:r>
-              <a:rPr lang="pl-PL" sz="3200" dirty="0" smtClean="0"/>
-              <a:t> start)</a:t>
-            </a:r>
-          </a:p>
-          <a:p>
-            <a:pPr marL="624078" indent="-514350">
-              <a:buFont typeface="+mj-lt"/>
-              <a:buAutoNum type="arabicPeriod"/>
-            </a:pPr>
-            <a:r>
-              <a:rPr lang="pl-PL" sz="3200" dirty="0" smtClean="0"/>
-              <a:t>Konstruowanie zapytań</a:t>
-            </a:r>
-          </a:p>
-          <a:p>
-            <a:pPr marL="624078" indent="-514350">
-              <a:buFont typeface="+mj-lt"/>
-              <a:buAutoNum type="arabicPeriod"/>
-            </a:pPr>
-            <a:r>
-              <a:rPr lang="pl-PL" sz="3200" dirty="0" err="1" smtClean="0"/>
-              <a:t>Tips</a:t>
-            </a:r>
-            <a:r>
-              <a:rPr lang="pl-PL" sz="3200" dirty="0" smtClean="0"/>
-              <a:t> &amp; </a:t>
-            </a:r>
-            <a:r>
-              <a:rPr lang="pl-PL" sz="3200" dirty="0" err="1" smtClean="0"/>
-              <a:t>tricks</a:t>
-            </a:r>
-            <a:endParaRPr lang="pl-PL" sz="3200" dirty="0" smtClean="0"/>
-          </a:p>
-          <a:p>
-            <a:pPr marL="624078" indent="-514350">
-              <a:buFont typeface="+mj-lt"/>
-              <a:buAutoNum type="arabicPeriod"/>
-            </a:pPr>
-            <a:r>
-              <a:rPr lang="pl-PL" sz="3200" dirty="0" smtClean="0"/>
-              <a:t>Migracje: automatyczne </a:t>
+          <a:bodyPr/>
+          <a:lstStyle/>
+          <a:p>
+            <a:r>
+              <a:rPr lang="pl-PL" dirty="0" smtClean="0"/>
+              <a:t>Dostępne </a:t>
+            </a:r>
+            <a:r>
+              <a:rPr lang="pl-PL" dirty="0" smtClean="0"/>
+              <a:t>strategie inicjalizacji</a:t>
+            </a:r>
+            <a:endParaRPr lang="pl-PL" dirty="0" smtClean="0"/>
+          </a:p>
+          <a:p>
+            <a:pPr lvl="1"/>
+            <a:r>
+              <a:rPr lang="pl-PL" dirty="0" err="1" smtClean="0"/>
+              <a:t>CreateDatabaseIfNotExists</a:t>
+            </a:r>
+            <a:r>
+              <a:rPr lang="pl-PL" dirty="0" smtClean="0"/>
+              <a:t> (domyślna)</a:t>
+            </a:r>
+          </a:p>
+          <a:p>
+            <a:pPr lvl="1"/>
+            <a:r>
+              <a:rPr lang="pl-PL" dirty="0" err="1" smtClean="0"/>
+              <a:t>DropCreateDatabaseIfModelChanges</a:t>
+            </a:r>
+            <a:endParaRPr lang="pl-PL" dirty="0" smtClean="0"/>
+          </a:p>
+          <a:p>
+            <a:pPr lvl="1"/>
+            <a:r>
+              <a:rPr lang="pl-PL" dirty="0" err="1" smtClean="0"/>
+              <a:t>DropCreateDatabaseAlways</a:t>
+            </a:r>
+            <a:endParaRPr lang="pl-PL" dirty="0" smtClean="0"/>
+          </a:p>
+          <a:p>
+            <a:r>
+              <a:rPr lang="pl-PL" dirty="0" smtClean="0"/>
+              <a:t>Możliwość tworzenia własnych </a:t>
+            </a:r>
+            <a:r>
+              <a:rPr lang="pl-PL" dirty="0" smtClean="0"/>
+              <a:t>strategii </a:t>
+            </a:r>
+            <a:r>
+              <a:rPr lang="pl-PL" dirty="0" smtClean="0"/>
+              <a:t/>
             </a:r>
             <a:br>
-              <a:rPr lang="pl-PL" sz="3200" dirty="0" smtClean="0"/>
+              <a:rPr lang="pl-PL" dirty="0" smtClean="0"/>
             </a:br>
             <a:r>
-              <a:rPr lang="pl-PL" sz="3200" dirty="0" smtClean="0"/>
-              <a:t>i "</a:t>
-            </a:r>
-            <a:r>
-              <a:rPr lang="pl-PL" sz="3200" dirty="0" err="1" smtClean="0"/>
-              <a:t>code-base</a:t>
-            </a:r>
-            <a:r>
-              <a:rPr lang="pl-PL" sz="3200" dirty="0" smtClean="0"/>
-              <a:t>"</a:t>
-            </a:r>
-          </a:p>
-          <a:p>
-            <a:pPr marL="624078" indent="-514350">
-              <a:buFont typeface="+mj-lt"/>
-              <a:buAutoNum type="arabicPeriod"/>
-            </a:pPr>
-            <a:endParaRPr lang="pl-PL" sz="3200" dirty="0"/>
-          </a:p>
-        </p:txBody>
-      </p:sp>
-      <p:sp>
-        <p:nvSpPr>
-          <p:cNvPr id="3" name="Tytuł 2"/>
-          <p:cNvSpPr>
-            <a:spLocks noGrp="1"/>
-          </p:cNvSpPr>
-          <p:nvPr>
-            <p:ph type="title"/>
-          </p:nvPr>
-        </p:nvSpPr>
-        <p:spPr/>
-        <p:txBody>
-          <a:bodyPr>
-            <a:normAutofit/>
-          </a:bodyPr>
-          <a:lstStyle/>
-          <a:p>
-            <a:r>
               <a:rPr lang="pl-PL" dirty="0" smtClean="0"/>
-              <a:t>Agenda</a:t>
-            </a:r>
+              <a:t>(</a:t>
+            </a:r>
+            <a:r>
+              <a:rPr lang="pl-PL" dirty="0" smtClean="0"/>
+              <a:t>np</a:t>
+            </a:r>
+            <a:r>
+              <a:rPr lang="pl-PL" dirty="0" smtClean="0"/>
+              <a:t>. przez </a:t>
+            </a:r>
+            <a:r>
+              <a:rPr lang="pl-PL" dirty="0" smtClean="0"/>
+              <a:t>dziedziczenie)</a:t>
+            </a:r>
+            <a:r>
+              <a:rPr lang="pl-PL" dirty="0"/>
+              <a:t/>
+            </a:r>
+            <a:br>
+              <a:rPr lang="pl-PL" dirty="0"/>
+            </a:br>
             <a:endParaRPr lang="pl-PL" dirty="0"/>
           </a:p>
         </p:txBody>
@@ -10139,9 +12719,32 @@
             <a:fld id="{976B8C4A-E01E-49C4-A342-E776841D1431}" type="slidenum">
               <a:rPr lang="pl-PL" smtClean="0"/>
               <a:pPr/>
-              <a:t>2</a:t>
+              <a:t>29</a:t>
             </a:fld>
             <a:endParaRPr lang="pl-PL"/>
+          </a:p>
+        </p:txBody>
+      </p:sp>
+      <p:sp>
+        <p:nvSpPr>
+          <p:cNvPr id="3" name="Tytuł 2"/>
+          <p:cNvSpPr>
+            <a:spLocks noGrp="1"/>
+          </p:cNvSpPr>
+          <p:nvPr>
+            <p:ph type="title"/>
+          </p:nvPr>
+        </p:nvSpPr>
+        <p:spPr/>
+        <p:txBody>
+          <a:bodyPr/>
+          <a:lstStyle/>
+          <a:p>
+            <a:r>
+              <a:rPr lang="pl-PL" smtClean="0"/>
+              <a:t>Migracje: automatyczne</a:t>
+            </a:r>
+            <a:endParaRPr lang="pl-PL" dirty="0"/>
           </a:p>
         </p:txBody>
       </p:sp>
@@ -10154,10 +12757,10 @@
           <p:nvPr/>
         </p:nvPicPr>
         <p:blipFill>
-          <a:blip r:embed="rId2" cstate="print">
+          <a:blip r:embed="rId3" cstate="print">
             <a:extLst>
               <a:ext uri="{28A0092B-C50C-407E-A947-70E740481C1C}">
-                <a14:useLocalDpi xmlns:a14="http://schemas.microsoft.com/office/drawing/2010/main" val="0"/>
+                <a14:useLocalDpi xmlns:a14="http://schemas.microsoft.com/office/drawing/2010/main" xmlns="" val="0"/>
               </a:ext>
             </a:extLst>
           </a:blip>
@@ -10178,357 +12781,7 @@
     </p:spTree>
     <p:extLst>
       <p:ext uri="{BB962C8B-B14F-4D97-AF65-F5344CB8AC3E}">
-        <p14:creationId xmlns:p14="http://schemas.microsoft.com/office/powerpoint/2010/main" val="718025446"/>
-      </p:ext>
-    </p:extLst>
-  </p:cSld>
-  <p:clrMapOvr>
-    <a:masterClrMapping/>
-  </p:clrMapOvr>
-  <p:timing>
-    <p:tnLst>
-      <p:par>
-        <p:cTn id="1" dur="indefinite" restart="never" nodeType="tmRoot"/>
-      </p:par>
-    </p:tnLst>
-  </p:timing>
-</p:sld>
-</file>
-
-<file path=ppt/slides/slide20.xml><?xml version="1.0" encoding="utf-8"?>
-<p:sld xmlns:a="http://schemas.openxmlformats.org/drawingml/2006/main" xmlns:r="http://schemas.openxmlformats.org/officeDocument/2006/relationships" xmlns:p="http://schemas.openxmlformats.org/presentationml/2006/main">
-  <p:cSld>
-    <p:spTree>
-      <p:nvGrpSpPr>
-        <p:cNvPr id="1" name=""/>
-        <p:cNvGrpSpPr/>
-        <p:nvPr/>
-      </p:nvGrpSpPr>
-      <p:grpSpPr>
-        <a:xfrm>
-          <a:off x="0" y="0"/>
-          <a:ext cx="0" cy="0"/>
-          <a:chOff x="0" y="0"/>
-          <a:chExt cx="0" cy="0"/>
-        </a:xfrm>
-      </p:grpSpPr>
-      <p:sp>
-        <p:nvSpPr>
-          <p:cNvPr id="2" name="Symbol zastępczy zawartości 1"/>
-          <p:cNvSpPr>
-            <a:spLocks noGrp="1"/>
-          </p:cNvSpPr>
-          <p:nvPr>
-            <p:ph idx="1"/>
-          </p:nvPr>
-        </p:nvSpPr>
-        <p:spPr/>
-        <p:txBody>
-          <a:bodyPr/>
-          <a:lstStyle/>
-          <a:p>
-            <a:endParaRPr lang="pl-PL" dirty="0"/>
-          </a:p>
-        </p:txBody>
-      </p:sp>
-      <p:sp>
-        <p:nvSpPr>
-          <p:cNvPr id="3" name="Tytuł 2"/>
-          <p:cNvSpPr>
-            <a:spLocks noGrp="1"/>
-          </p:cNvSpPr>
-          <p:nvPr>
-            <p:ph type="title"/>
-          </p:nvPr>
-        </p:nvSpPr>
-        <p:spPr/>
-        <p:txBody>
-          <a:bodyPr/>
-          <a:lstStyle/>
-          <a:p>
-            <a:r>
-              <a:rPr lang="pl-PL" dirty="0" smtClean="0"/>
-              <a:t>Bibliografia</a:t>
-            </a:r>
-            <a:endParaRPr lang="pl-PL" dirty="0"/>
-          </a:p>
-        </p:txBody>
-      </p:sp>
-      <p:sp>
-        <p:nvSpPr>
-          <p:cNvPr id="4" name="Symbol zastępczy numeru slajdu 3"/>
-          <p:cNvSpPr>
-            <a:spLocks noGrp="1"/>
-          </p:cNvSpPr>
-          <p:nvPr>
-            <p:ph type="sldNum" sz="quarter" idx="12"/>
-          </p:nvPr>
-        </p:nvSpPr>
-        <p:spPr/>
-        <p:txBody>
-          <a:bodyPr/>
-          <a:lstStyle/>
-          <a:p>
-            <a:fld id="{976B8C4A-E01E-49C4-A342-E776841D1431}" type="slidenum">
-              <a:rPr lang="pl-PL" smtClean="0"/>
-              <a:pPr/>
-              <a:t>20</a:t>
-            </a:fld>
-            <a:endParaRPr lang="pl-PL"/>
-          </a:p>
-        </p:txBody>
-      </p:sp>
-      <p:pic>
-        <p:nvPicPr>
-          <p:cNvPr id="5" name="Obraz 4"/>
-          <p:cNvPicPr>
-            <a:picLocks noChangeAspect="1"/>
-          </p:cNvPicPr>
-          <p:nvPr/>
-        </p:nvPicPr>
-        <p:blipFill>
-          <a:blip r:embed="rId2" cstate="print">
-            <a:extLst>
-              <a:ext uri="{28A0092B-C50C-407E-A947-70E740481C1C}">
-                <a14:useLocalDpi xmlns:a14="http://schemas.microsoft.com/office/drawing/2010/main" val="0"/>
-              </a:ext>
-            </a:extLst>
-          </a:blip>
-          <a:stretch>
-            <a:fillRect/>
-          </a:stretch>
-        </p:blipFill>
-        <p:spPr>
-          <a:xfrm>
-            <a:off x="179512" y="6165304"/>
-            <a:ext cx="1008112" cy="574214"/>
-          </a:xfrm>
-          <a:prstGeom prst="rect">
-            <a:avLst/>
-          </a:prstGeom>
-        </p:spPr>
-      </p:pic>
-    </p:spTree>
-    <p:extLst>
-      <p:ext uri="{BB962C8B-B14F-4D97-AF65-F5344CB8AC3E}">
-        <p14:creationId xmlns:p14="http://schemas.microsoft.com/office/powerpoint/2010/main" val="3028022006"/>
-      </p:ext>
-    </p:extLst>
-  </p:cSld>
-  <p:clrMapOvr>
-    <a:masterClrMapping/>
-  </p:clrMapOvr>
-  <p:timing>
-    <p:tnLst>
-      <p:par>
-        <p:cTn id="1" dur="indefinite" restart="never" nodeType="tmRoot"/>
-      </p:par>
-    </p:tnLst>
-  </p:timing>
-</p:sld>
-</file>
-
-<file path=ppt/slides/slide21.xml><?xml version="1.0" encoding="utf-8"?>
-<p:sld xmlns:a="http://schemas.openxmlformats.org/drawingml/2006/main" xmlns:r="http://schemas.openxmlformats.org/officeDocument/2006/relationships" xmlns:p="http://schemas.openxmlformats.org/presentationml/2006/main">
-  <p:cSld>
-    <p:spTree>
-      <p:nvGrpSpPr>
-        <p:cNvPr id="1" name=""/>
-        <p:cNvGrpSpPr/>
-        <p:nvPr/>
-      </p:nvGrpSpPr>
-      <p:grpSpPr>
-        <a:xfrm>
-          <a:off x="0" y="0"/>
-          <a:ext cx="0" cy="0"/>
-          <a:chOff x="0" y="0"/>
-          <a:chExt cx="0" cy="0"/>
-        </a:xfrm>
-      </p:grpSpPr>
-      <p:sp>
-        <p:nvSpPr>
-          <p:cNvPr id="2" name="Tytuł 1"/>
-          <p:cNvSpPr>
-            <a:spLocks noGrp="1"/>
-          </p:cNvSpPr>
-          <p:nvPr>
-            <p:ph type="ctrTitle"/>
-          </p:nvPr>
-        </p:nvSpPr>
-        <p:spPr/>
-        <p:txBody>
-          <a:bodyPr/>
-          <a:lstStyle/>
-          <a:p>
-            <a:r>
-              <a:rPr lang="pl-PL" dirty="0" smtClean="0"/>
-              <a:t>Pytania ?</a:t>
-            </a:r>
-            <a:endParaRPr lang="pl-PL" dirty="0"/>
-          </a:p>
-        </p:txBody>
-      </p:sp>
-      <p:sp>
-        <p:nvSpPr>
-          <p:cNvPr id="3" name="Podtytuł 2"/>
-          <p:cNvSpPr>
-            <a:spLocks noGrp="1"/>
-          </p:cNvSpPr>
-          <p:nvPr>
-            <p:ph type="subTitle" idx="1"/>
-          </p:nvPr>
-        </p:nvSpPr>
-        <p:spPr/>
-        <p:txBody>
-          <a:bodyPr/>
-          <a:lstStyle/>
-          <a:p>
-            <a:endParaRPr lang="pl-PL" dirty="0"/>
-          </a:p>
-        </p:txBody>
-      </p:sp>
-      <p:pic>
-        <p:nvPicPr>
-          <p:cNvPr id="4" name="Obraz 3"/>
-          <p:cNvPicPr>
-            <a:picLocks noChangeAspect="1"/>
-          </p:cNvPicPr>
-          <p:nvPr/>
-        </p:nvPicPr>
-        <p:blipFill>
-          <a:blip r:embed="rId2" cstate="print">
-            <a:extLst>
-              <a:ext uri="{28A0092B-C50C-407E-A947-70E740481C1C}">
-                <a14:useLocalDpi xmlns:a14="http://schemas.microsoft.com/office/drawing/2010/main" val="0"/>
-              </a:ext>
-            </a:extLst>
-          </a:blip>
-          <a:stretch>
-            <a:fillRect/>
-          </a:stretch>
-        </p:blipFill>
-        <p:spPr>
-          <a:xfrm>
-            <a:off x="107504" y="5229200"/>
-            <a:ext cx="2664296" cy="1517565"/>
-          </a:xfrm>
-          <a:prstGeom prst="rect">
-            <a:avLst/>
-          </a:prstGeom>
-        </p:spPr>
-      </p:pic>
-    </p:spTree>
-    <p:extLst>
-      <p:ext uri="{BB962C8B-B14F-4D97-AF65-F5344CB8AC3E}">
-        <p14:creationId xmlns:p14="http://schemas.microsoft.com/office/powerpoint/2010/main" val="1895918166"/>
-      </p:ext>
-    </p:extLst>
-  </p:cSld>
-  <p:clrMapOvr>
-    <a:masterClrMapping/>
-  </p:clrMapOvr>
-  <p:timing>
-    <p:tnLst>
-      <p:par>
-        <p:cTn id="1" dur="indefinite" restart="never" nodeType="tmRoot"/>
-      </p:par>
-    </p:tnLst>
-  </p:timing>
-</p:sld>
-</file>
-
-<file path=ppt/slides/slide22.xml><?xml version="1.0" encoding="utf-8"?>
-<p:sld xmlns:a="http://schemas.openxmlformats.org/drawingml/2006/main" xmlns:r="http://schemas.openxmlformats.org/officeDocument/2006/relationships" xmlns:p="http://schemas.openxmlformats.org/presentationml/2006/main">
-  <p:cSld>
-    <p:spTree>
-      <p:nvGrpSpPr>
-        <p:cNvPr id="1" name=""/>
-        <p:cNvGrpSpPr/>
-        <p:nvPr/>
-      </p:nvGrpSpPr>
-      <p:grpSpPr>
-        <a:xfrm>
-          <a:off x="0" y="0"/>
-          <a:ext cx="0" cy="0"/>
-          <a:chOff x="0" y="0"/>
-          <a:chExt cx="0" cy="0"/>
-        </a:xfrm>
-      </p:grpSpPr>
-      <p:sp>
-        <p:nvSpPr>
-          <p:cNvPr id="2" name="Tytuł 1"/>
-          <p:cNvSpPr>
-            <a:spLocks noGrp="1"/>
-          </p:cNvSpPr>
-          <p:nvPr>
-            <p:ph type="ctrTitle"/>
-          </p:nvPr>
-        </p:nvSpPr>
-        <p:spPr/>
-        <p:txBody>
-          <a:bodyPr/>
-          <a:lstStyle/>
-          <a:p>
-            <a:r>
-              <a:rPr lang="pl-PL" dirty="0"/>
-              <a:t>Dziękuję za uwagę </a:t>
-            </a:r>
-          </a:p>
-        </p:txBody>
-      </p:sp>
-      <p:sp>
-        <p:nvSpPr>
-          <p:cNvPr id="3" name="Podtytuł 2"/>
-          <p:cNvSpPr>
-            <a:spLocks noGrp="1"/>
-          </p:cNvSpPr>
-          <p:nvPr>
-            <p:ph type="subTitle" idx="1"/>
-          </p:nvPr>
-        </p:nvSpPr>
-        <p:spPr/>
-        <p:txBody>
-          <a:bodyPr/>
-          <a:lstStyle/>
-          <a:p>
-            <a:endParaRPr lang="pl-PL" dirty="0"/>
-          </a:p>
-        </p:txBody>
-      </p:sp>
-      <p:pic>
-        <p:nvPicPr>
-          <p:cNvPr id="4" name="Obraz 3"/>
-          <p:cNvPicPr>
-            <a:picLocks noChangeAspect="1"/>
-          </p:cNvPicPr>
-          <p:nvPr/>
-        </p:nvPicPr>
-        <p:blipFill>
-          <a:blip r:embed="rId2" cstate="print">
-            <a:extLst>
-              <a:ext uri="{28A0092B-C50C-407E-A947-70E740481C1C}">
-                <a14:useLocalDpi xmlns:a14="http://schemas.microsoft.com/office/drawing/2010/main" val="0"/>
-              </a:ext>
-            </a:extLst>
-          </a:blip>
-          <a:stretch>
-            <a:fillRect/>
-          </a:stretch>
-        </p:blipFill>
-        <p:spPr>
-          <a:xfrm>
-            <a:off x="107504" y="5229200"/>
-            <a:ext cx="2664296" cy="1517565"/>
-          </a:xfrm>
-          <a:prstGeom prst="rect">
-            <a:avLst/>
-          </a:prstGeom>
-        </p:spPr>
-      </p:pic>
-    </p:spTree>
-    <p:extLst>
-      <p:ext uri="{BB962C8B-B14F-4D97-AF65-F5344CB8AC3E}">
-        <p14:creationId xmlns:p14="http://schemas.microsoft.com/office/powerpoint/2010/main" val="1895918166"/>
+        <p14:creationId xmlns:p14="http://schemas.microsoft.com/office/powerpoint/2010/main" xmlns="" val="3470529918"/>
       </p:ext>
     </p:extLst>
   </p:cSld>
@@ -10583,8 +12836,37 @@
               <a:buNone/>
             </a:pPr>
             <a:r>
+              <a:rPr lang="pl-PL" b="1" dirty="0" err="1" smtClean="0"/>
+              <a:t>Entity</a:t>
+            </a:r>
+            <a:r>
               <a:rPr lang="pl-PL" b="1" dirty="0" smtClean="0"/>
-              <a:t>Demo</a:t>
+              <a:t> Framework </a:t>
+            </a:r>
+            <a:br>
+              <a:rPr lang="pl-PL" b="1" dirty="0" smtClean="0"/>
+            </a:br>
+            <a:r>
+              <a:rPr lang="pl-PL" dirty="0" smtClean="0"/>
+              <a:t>≠</a:t>
+            </a:r>
+            <a:endParaRPr lang="pl-PL" dirty="0" smtClean="0"/>
+          </a:p>
+          <a:p>
+            <a:pPr algn="ctr">
+              <a:buNone/>
+            </a:pPr>
+            <a:r>
+              <a:rPr lang="pl-PL" b="1" dirty="0" err="1" smtClean="0"/>
+              <a:t>Entity</a:t>
+            </a:r>
+            <a:r>
+              <a:rPr lang="pl-PL" b="1" dirty="0" smtClean="0"/>
+              <a:t> Framework </a:t>
+            </a:r>
+            <a:r>
+              <a:rPr lang="pl-PL" b="1" dirty="0" err="1" smtClean="0"/>
+              <a:t>Core</a:t>
             </a:r>
             <a:endParaRPr lang="pl-PL" b="1" dirty="0"/>
           </a:p>
@@ -10603,19 +12885,34 @@
         <p:spPr/>
         <p:txBody>
           <a:bodyPr>
-            <a:normAutofit/>
+            <a:normAutofit fontScale="90000"/>
           </a:bodyPr>
           <a:lstStyle/>
           <a:p>
+            <a:pPr marL="624078" indent="-514350"/>
+            <a:r>
+              <a:rPr lang="pl-PL" sz="4400" dirty="0" smtClean="0"/>
+              <a:t>Wprowadzenie do </a:t>
+            </a:r>
+            <a:r>
+              <a:rPr lang="pl-PL" sz="4400" dirty="0" smtClean="0"/>
+              <a:t/>
+            </a:r>
+            <a:br>
+              <a:rPr lang="pl-PL" sz="4400" dirty="0" smtClean="0"/>
+            </a:br>
             <a:r>
               <a:rPr lang="pl-PL" sz="4400" dirty="0" err="1" smtClean="0"/>
-              <a:t>Quick</a:t>
+              <a:t>Entity</a:t>
             </a:r>
             <a:r>
               <a:rPr lang="pl-PL" sz="4400" dirty="0" smtClean="0"/>
-              <a:t> start</a:t>
-            </a:r>
-            <a:endParaRPr lang="pl-PL" dirty="0"/>
+              <a:t> </a:t>
+            </a:r>
+            <a:r>
+              <a:rPr lang="pl-PL" sz="4400" dirty="0" smtClean="0"/>
+              <a:t>Framework</a:t>
+            </a:r>
           </a:p>
         </p:txBody>
       </p:sp>
@@ -10655,7 +12952,7 @@
           <a:blip r:embed="rId3" cstate="print">
             <a:extLst>
               <a:ext uri="{28A0092B-C50C-407E-A947-70E740481C1C}">
-                <a14:useLocalDpi xmlns:a14="http://schemas.microsoft.com/office/drawing/2010/main" val="0"/>
+                <a14:useLocalDpi xmlns:a14="http://schemas.microsoft.com/office/drawing/2010/main" xmlns="" val="0"/>
               </a:ext>
             </a:extLst>
           </a:blip>
@@ -10676,7 +12973,906 @@
     </p:spTree>
     <p:extLst>
       <p:ext uri="{BB962C8B-B14F-4D97-AF65-F5344CB8AC3E}">
-        <p14:creationId xmlns:p14="http://schemas.microsoft.com/office/powerpoint/2010/main" val="2808115206"/>
+        <p14:creationId xmlns:p14="http://schemas.microsoft.com/office/powerpoint/2010/main" xmlns="" val="2808115206"/>
+      </p:ext>
+    </p:extLst>
+  </p:cSld>
+  <p:clrMapOvr>
+    <a:masterClrMapping/>
+  </p:clrMapOvr>
+  <p:timing>
+    <p:tnLst>
+      <p:par>
+        <p:cTn id="1" dur="indefinite" restart="never" nodeType="tmRoot"/>
+      </p:par>
+    </p:tnLst>
+  </p:timing>
+</p:sld>
+</file>
+
+<file path=ppt/slides/slide30.xml><?xml version="1.0" encoding="utf-8"?>
+<p:sld xmlns:a="http://schemas.openxmlformats.org/drawingml/2006/main" xmlns:r="http://schemas.openxmlformats.org/officeDocument/2006/relationships" xmlns:p="http://schemas.openxmlformats.org/presentationml/2006/main">
+  <p:cSld>
+    <p:spTree>
+      <p:nvGrpSpPr>
+        <p:cNvPr id="1" name=""/>
+        <p:cNvGrpSpPr/>
+        <p:nvPr/>
+      </p:nvGrpSpPr>
+      <p:grpSpPr>
+        <a:xfrm>
+          <a:off x="0" y="0"/>
+          <a:ext cx="0" cy="0"/>
+          <a:chOff x="0" y="0"/>
+          <a:chExt cx="0" cy="0"/>
+        </a:xfrm>
+      </p:grpSpPr>
+      <p:sp>
+        <p:nvSpPr>
+          <p:cNvPr id="8" name="Symbol zastępczy zawartości 7"/>
+          <p:cNvSpPr>
+            <a:spLocks noGrp="1"/>
+          </p:cNvSpPr>
+          <p:nvPr>
+            <p:ph idx="1"/>
+          </p:nvPr>
+        </p:nvSpPr>
+        <p:spPr/>
+        <p:txBody>
+          <a:bodyPr>
+            <a:normAutofit fontScale="85000" lnSpcReduction="20000"/>
+          </a:bodyPr>
+          <a:lstStyle/>
+          <a:p>
+            <a:pPr>
+              <a:buNone/>
+            </a:pPr>
+            <a:r>
+              <a:rPr lang="pl-PL" dirty="0" smtClean="0"/>
+              <a:t>Wyłączenie inicjalizacji</a:t>
+            </a:r>
+          </a:p>
+          <a:p>
+            <a:endParaRPr lang="pl-PL" dirty="0" smtClean="0"/>
+          </a:p>
+          <a:p>
+            <a:pPr lvl="1"/>
+            <a:r>
+              <a:rPr lang="pl-PL" dirty="0" err="1" smtClean="0"/>
+              <a:t>Database.SetInitializer&lt;MyDBContext</a:t>
+            </a:r>
+            <a:r>
+              <a:rPr lang="pl-PL" dirty="0" smtClean="0"/>
+              <a:t>&gt;(</a:t>
+            </a:r>
+            <a:r>
+              <a:rPr lang="pl-PL" dirty="0" err="1" smtClean="0"/>
+              <a:t>null</a:t>
+            </a:r>
+            <a:r>
+              <a:rPr lang="pl-PL" dirty="0" smtClean="0"/>
+              <a:t>);</a:t>
+            </a:r>
+          </a:p>
+          <a:p>
+            <a:pPr lvl="1"/>
+            <a:endParaRPr lang="pl-PL" sz="2800" dirty="0" smtClean="0">
+              <a:solidFill>
+                <a:srgbClr val="0000FF"/>
+              </a:solidFill>
+              <a:latin typeface="Consolas"/>
+            </a:endParaRPr>
+          </a:p>
+          <a:p>
+            <a:pPr lvl="1"/>
+            <a:r>
+              <a:rPr lang="pl-PL" sz="2400" dirty="0" smtClean="0">
+                <a:solidFill>
+                  <a:srgbClr val="0000FF"/>
+                </a:solidFill>
+                <a:latin typeface="Consolas"/>
+              </a:rPr>
+              <a:t>&lt;</a:t>
+            </a:r>
+            <a:r>
+              <a:rPr lang="pl-PL" sz="2400" dirty="0" err="1" smtClean="0">
+                <a:solidFill>
+                  <a:srgbClr val="A31515"/>
+                </a:solidFill>
+                <a:latin typeface="Consolas"/>
+              </a:rPr>
+              <a:t>entityFramework</a:t>
+            </a:r>
+            <a:r>
+              <a:rPr lang="pl-PL" sz="2400" dirty="0" smtClean="0">
+                <a:solidFill>
+                  <a:srgbClr val="0000FF"/>
+                </a:solidFill>
+                <a:latin typeface="Consolas"/>
+              </a:rPr>
+              <a:t>&gt;</a:t>
+            </a:r>
+            <a:endParaRPr lang="pl-PL" sz="2400" dirty="0" smtClean="0"/>
+          </a:p>
+          <a:p>
+            <a:pPr lvl="1">
+              <a:buNone/>
+            </a:pPr>
+            <a:r>
+              <a:rPr lang="pl-PL" sz="2400" dirty="0" smtClean="0">
+                <a:solidFill>
+                  <a:srgbClr val="0000FF"/>
+                </a:solidFill>
+                <a:latin typeface="Consolas"/>
+              </a:rPr>
+              <a:t>   …</a:t>
+            </a:r>
+            <a:endParaRPr lang="pl-PL" sz="2400" dirty="0" smtClean="0">
+              <a:solidFill>
+                <a:srgbClr val="0000FF"/>
+              </a:solidFill>
+              <a:latin typeface="Consolas"/>
+            </a:endParaRPr>
+          </a:p>
+          <a:p>
+            <a:pPr lvl="2">
+              <a:buNone/>
+            </a:pPr>
+            <a:r>
+              <a:rPr lang="pl-PL" sz="2400" dirty="0" smtClean="0">
+                <a:solidFill>
+                  <a:srgbClr val="0000FF"/>
+                </a:solidFill>
+                <a:latin typeface="Consolas"/>
+              </a:rPr>
+              <a:t> &lt;</a:t>
+            </a:r>
+            <a:r>
+              <a:rPr lang="pl-PL" sz="2400" dirty="0" err="1" smtClean="0">
+                <a:solidFill>
+                  <a:srgbClr val="A31515"/>
+                </a:solidFill>
+                <a:latin typeface="Consolas"/>
+              </a:rPr>
+              <a:t>contexts</a:t>
+            </a:r>
+            <a:r>
+              <a:rPr lang="pl-PL" sz="2400" dirty="0" smtClean="0">
+                <a:solidFill>
+                  <a:srgbClr val="0000FF"/>
+                </a:solidFill>
+                <a:latin typeface="Consolas"/>
+              </a:rPr>
+              <a:t>&gt;</a:t>
+            </a:r>
+            <a:endParaRPr lang="pl-PL" sz="2400" dirty="0" smtClean="0">
+              <a:solidFill>
+                <a:srgbClr val="000000"/>
+              </a:solidFill>
+              <a:latin typeface="Consolas"/>
+            </a:endParaRPr>
+          </a:p>
+          <a:p>
+            <a:pPr>
+              <a:buNone/>
+            </a:pPr>
+            <a:r>
+              <a:rPr lang="pl-PL" sz="2400" dirty="0" smtClean="0">
+                <a:solidFill>
+                  <a:srgbClr val="0000FF"/>
+                </a:solidFill>
+                <a:latin typeface="Consolas"/>
+              </a:rPr>
+              <a:t>  </a:t>
+            </a:r>
+            <a:r>
+              <a:rPr lang="pl-PL" sz="2400" dirty="0" smtClean="0">
+                <a:solidFill>
+                  <a:srgbClr val="0000FF"/>
+                </a:solidFill>
+                <a:latin typeface="Consolas"/>
+              </a:rPr>
+              <a:t>    &lt;</a:t>
+            </a:r>
+            <a:r>
+              <a:rPr lang="pl-PL" sz="2400" dirty="0" err="1" smtClean="0">
+                <a:solidFill>
+                  <a:srgbClr val="A31515"/>
+                </a:solidFill>
+                <a:latin typeface="Consolas"/>
+              </a:rPr>
+              <a:t>context</a:t>
+            </a:r>
+            <a:r>
+              <a:rPr lang="pl-PL" sz="2400" dirty="0" smtClean="0">
+                <a:solidFill>
+                  <a:srgbClr val="0000FF"/>
+                </a:solidFill>
+                <a:latin typeface="Consolas"/>
+              </a:rPr>
+              <a:t> </a:t>
+            </a:r>
+            <a:r>
+              <a:rPr lang="pl-PL" sz="2400" dirty="0" err="1" smtClean="0">
+                <a:solidFill>
+                  <a:srgbClr val="FF0000"/>
+                </a:solidFill>
+                <a:latin typeface="Consolas"/>
+              </a:rPr>
+              <a:t>type</a:t>
+            </a:r>
+            <a:r>
+              <a:rPr lang="pl-PL" sz="2400" dirty="0" err="1" smtClean="0">
+                <a:solidFill>
+                  <a:srgbClr val="0000FF"/>
+                </a:solidFill>
+                <a:latin typeface="Consolas"/>
+              </a:rPr>
+              <a:t>=</a:t>
+            </a:r>
+            <a:r>
+              <a:rPr lang="pl-PL" sz="2400" dirty="0" err="1" smtClean="0">
+                <a:solidFill>
+                  <a:srgbClr val="000000"/>
+                </a:solidFill>
+                <a:latin typeface="Consolas"/>
+              </a:rPr>
+              <a:t>"</a:t>
+            </a:r>
+            <a:r>
+              <a:rPr lang="pl-PL" sz="2400" dirty="0" err="1" smtClean="0">
+                <a:solidFill>
+                  <a:srgbClr val="0000FF"/>
+                </a:solidFill>
+                <a:latin typeface="Consolas"/>
+              </a:rPr>
+              <a:t>Domain.MyDbContext</a:t>
+            </a:r>
+            <a:r>
+              <a:rPr lang="pl-PL" sz="2400" dirty="0" smtClean="0">
+                <a:solidFill>
+                  <a:srgbClr val="0000FF"/>
+                </a:solidFill>
+                <a:latin typeface="Consolas"/>
+              </a:rPr>
+              <a:t>, </a:t>
+            </a:r>
+            <a:r>
+              <a:rPr lang="pl-PL" sz="2400" dirty="0" err="1" smtClean="0">
+                <a:solidFill>
+                  <a:srgbClr val="0000FF"/>
+                </a:solidFill>
+                <a:latin typeface="Consolas"/>
+              </a:rPr>
+              <a:t>Domain</a:t>
+            </a:r>
+            <a:r>
+              <a:rPr lang="pl-PL" sz="2400" dirty="0" smtClean="0">
+                <a:solidFill>
+                  <a:srgbClr val="000000"/>
+                </a:solidFill>
+                <a:latin typeface="Consolas"/>
+              </a:rPr>
+              <a:t>"</a:t>
+            </a:r>
+            <a:r>
+              <a:rPr lang="pl-PL" sz="2400" dirty="0" smtClean="0">
+                <a:solidFill>
+                  <a:srgbClr val="0000FF"/>
+                </a:solidFill>
+                <a:latin typeface="Consolas"/>
+              </a:rPr>
+              <a:t> </a:t>
+            </a:r>
+            <a:r>
+              <a:rPr lang="pl-PL" sz="2400" b="1" dirty="0" err="1" smtClean="0">
+                <a:solidFill>
+                  <a:srgbClr val="FF0000"/>
+                </a:solidFill>
+                <a:latin typeface="Consolas"/>
+              </a:rPr>
+              <a:t>disableDatabaseInitialization</a:t>
+            </a:r>
+            <a:r>
+              <a:rPr lang="pl-PL" sz="2400" b="1" dirty="0" err="1" smtClean="0">
+                <a:solidFill>
+                  <a:srgbClr val="0000FF"/>
+                </a:solidFill>
+                <a:latin typeface="Consolas"/>
+              </a:rPr>
+              <a:t>=</a:t>
+            </a:r>
+            <a:r>
+              <a:rPr lang="pl-PL" sz="2400" b="1" dirty="0" err="1" smtClean="0">
+                <a:solidFill>
+                  <a:srgbClr val="000000"/>
+                </a:solidFill>
+                <a:latin typeface="Consolas"/>
+              </a:rPr>
+              <a:t>"</a:t>
+            </a:r>
+            <a:r>
+              <a:rPr lang="pl-PL" sz="2400" b="1" dirty="0" err="1" smtClean="0">
+                <a:solidFill>
+                  <a:srgbClr val="0000FF"/>
+                </a:solidFill>
+                <a:latin typeface="Consolas"/>
+              </a:rPr>
+              <a:t>true</a:t>
+            </a:r>
+            <a:r>
+              <a:rPr lang="pl-PL" sz="2400" b="1" dirty="0" smtClean="0">
+                <a:solidFill>
+                  <a:srgbClr val="000000"/>
+                </a:solidFill>
+                <a:latin typeface="Consolas"/>
+              </a:rPr>
+              <a:t>"</a:t>
+            </a:r>
+            <a:r>
+              <a:rPr lang="pl-PL" sz="2400" dirty="0" smtClean="0">
+                <a:solidFill>
+                  <a:srgbClr val="0000FF"/>
+                </a:solidFill>
+                <a:latin typeface="Consolas"/>
+              </a:rPr>
+              <a:t> /&gt;</a:t>
+            </a:r>
+            <a:endParaRPr lang="pl-PL" sz="2400" dirty="0" smtClean="0">
+              <a:solidFill>
+                <a:srgbClr val="000000"/>
+              </a:solidFill>
+              <a:latin typeface="Consolas"/>
+            </a:endParaRPr>
+          </a:p>
+          <a:p>
+            <a:pPr>
+              <a:buNone/>
+            </a:pPr>
+            <a:r>
+              <a:rPr lang="pl-PL" sz="2400" dirty="0" smtClean="0">
+                <a:solidFill>
+                  <a:srgbClr val="0000FF"/>
+                </a:solidFill>
+                <a:latin typeface="Consolas"/>
+              </a:rPr>
+              <a:t> </a:t>
+            </a:r>
+            <a:r>
+              <a:rPr lang="pl-PL" sz="2400" dirty="0" smtClean="0">
+                <a:solidFill>
+                  <a:srgbClr val="0000FF"/>
+                </a:solidFill>
+                <a:latin typeface="Consolas"/>
+              </a:rPr>
+              <a:t>   </a:t>
+            </a:r>
+            <a:r>
+              <a:rPr lang="pl-PL" sz="2400" dirty="0" smtClean="0">
+                <a:solidFill>
+                  <a:srgbClr val="0000FF"/>
+                </a:solidFill>
+                <a:latin typeface="Consolas"/>
+              </a:rPr>
+              <a:t>&lt;/</a:t>
+            </a:r>
+            <a:r>
+              <a:rPr lang="pl-PL" sz="2400" dirty="0" err="1" smtClean="0">
+                <a:solidFill>
+                  <a:srgbClr val="A31515"/>
+                </a:solidFill>
+                <a:latin typeface="Consolas"/>
+              </a:rPr>
+              <a:t>contexts</a:t>
+            </a:r>
+            <a:r>
+              <a:rPr lang="pl-PL" sz="2400" dirty="0" smtClean="0">
+                <a:solidFill>
+                  <a:srgbClr val="0000FF"/>
+                </a:solidFill>
+                <a:latin typeface="Consolas"/>
+              </a:rPr>
+              <a:t>&gt;</a:t>
+            </a:r>
+            <a:endParaRPr lang="pl-PL" sz="2400" dirty="0" smtClean="0">
+              <a:solidFill>
+                <a:srgbClr val="000000"/>
+              </a:solidFill>
+              <a:latin typeface="Consolas"/>
+            </a:endParaRPr>
+          </a:p>
+          <a:p>
+            <a:pPr>
+              <a:buNone/>
+            </a:pPr>
+            <a:r>
+              <a:rPr lang="pl-PL" sz="2400" dirty="0" smtClean="0">
+                <a:solidFill>
+                  <a:srgbClr val="0000FF"/>
+                </a:solidFill>
+                <a:latin typeface="Consolas"/>
+              </a:rPr>
+              <a:t>   </a:t>
+            </a:r>
+            <a:r>
+              <a:rPr lang="pl-PL" sz="2400" dirty="0" smtClean="0">
+                <a:solidFill>
+                  <a:srgbClr val="0000FF"/>
+                </a:solidFill>
+                <a:latin typeface="Consolas"/>
+              </a:rPr>
+              <a:t>&lt;/</a:t>
+            </a:r>
+            <a:r>
+              <a:rPr lang="pl-PL" sz="2400" dirty="0" err="1" smtClean="0">
+                <a:solidFill>
+                  <a:srgbClr val="A31515"/>
+                </a:solidFill>
+                <a:latin typeface="Consolas"/>
+              </a:rPr>
+              <a:t>entityFramework</a:t>
+            </a:r>
+            <a:r>
+              <a:rPr lang="pl-PL" sz="2400" dirty="0" smtClean="0">
+                <a:solidFill>
+                  <a:srgbClr val="0000FF"/>
+                </a:solidFill>
+                <a:latin typeface="Consolas"/>
+              </a:rPr>
+              <a:t>&gt;</a:t>
+            </a:r>
+            <a:endParaRPr lang="pl-PL" sz="2400" dirty="0" smtClean="0"/>
+          </a:p>
+          <a:p>
+            <a:pPr lvl="1"/>
+            <a:endParaRPr lang="pl-PL" dirty="0" smtClean="0"/>
+          </a:p>
+          <a:p>
+            <a:pPr lvl="1">
+              <a:buNone/>
+            </a:pPr>
+            <a:r>
+              <a:rPr lang="pl-PL" dirty="0"/>
+              <a:t/>
+            </a:r>
+            <a:br>
+              <a:rPr lang="pl-PL" dirty="0"/>
+            </a:br>
+            <a:endParaRPr lang="pl-PL" dirty="0"/>
+          </a:p>
+        </p:txBody>
+      </p:sp>
+      <p:sp>
+        <p:nvSpPr>
+          <p:cNvPr id="4" name="Symbol zastępczy numeru slajdu 3"/>
+          <p:cNvSpPr>
+            <a:spLocks noGrp="1"/>
+          </p:cNvSpPr>
+          <p:nvPr>
+            <p:ph type="sldNum" sz="quarter" idx="12"/>
+          </p:nvPr>
+        </p:nvSpPr>
+        <p:spPr/>
+        <p:txBody>
+          <a:bodyPr/>
+          <a:lstStyle/>
+          <a:p>
+            <a:fld id="{976B8C4A-E01E-49C4-A342-E776841D1431}" type="slidenum">
+              <a:rPr lang="pl-PL" smtClean="0"/>
+              <a:pPr/>
+              <a:t>30</a:t>
+            </a:fld>
+            <a:endParaRPr lang="pl-PL"/>
+          </a:p>
+        </p:txBody>
+      </p:sp>
+      <p:sp>
+        <p:nvSpPr>
+          <p:cNvPr id="3" name="Tytuł 2"/>
+          <p:cNvSpPr>
+            <a:spLocks noGrp="1"/>
+          </p:cNvSpPr>
+          <p:nvPr>
+            <p:ph type="title"/>
+          </p:nvPr>
+        </p:nvSpPr>
+        <p:spPr/>
+        <p:txBody>
+          <a:bodyPr/>
+          <a:lstStyle/>
+          <a:p>
+            <a:r>
+              <a:rPr lang="pl-PL" smtClean="0"/>
+              <a:t>Migracje: automatyczne</a:t>
+            </a:r>
+            <a:endParaRPr lang="pl-PL" dirty="0"/>
+          </a:p>
+        </p:txBody>
+      </p:sp>
+      <p:pic>
+        <p:nvPicPr>
+          <p:cNvPr id="5" name="Obraz 4"/>
+          <p:cNvPicPr>
+            <a:picLocks noChangeAspect="1"/>
+          </p:cNvPicPr>
+          <p:nvPr/>
+        </p:nvPicPr>
+        <p:blipFill>
+          <a:blip r:embed="rId3" cstate="print">
+            <a:extLst>
+              <a:ext uri="{28A0092B-C50C-407E-A947-70E740481C1C}">
+                <a14:useLocalDpi xmlns:a14="http://schemas.microsoft.com/office/drawing/2010/main" xmlns="" val="0"/>
+              </a:ext>
+            </a:extLst>
+          </a:blip>
+          <a:stretch>
+            <a:fillRect/>
+          </a:stretch>
+        </p:blipFill>
+        <p:spPr>
+          <a:xfrm>
+            <a:off x="179512" y="6165304"/>
+            <a:ext cx="1008112" cy="574214"/>
+          </a:xfrm>
+          <a:prstGeom prst="rect">
+            <a:avLst/>
+          </a:prstGeom>
+        </p:spPr>
+      </p:pic>
+    </p:spTree>
+    <p:extLst>
+      <p:ext uri="{BB962C8B-B14F-4D97-AF65-F5344CB8AC3E}">
+        <p14:creationId xmlns:p14="http://schemas.microsoft.com/office/powerpoint/2010/main" xmlns="" val="3470529918"/>
+      </p:ext>
+    </p:extLst>
+  </p:cSld>
+  <p:clrMapOvr>
+    <a:masterClrMapping/>
+  </p:clrMapOvr>
+  <p:timing>
+    <p:tnLst>
+      <p:par>
+        <p:cTn id="1" dur="indefinite" restart="never" nodeType="tmRoot"/>
+      </p:par>
+    </p:tnLst>
+  </p:timing>
+</p:sld>
+</file>
+
+<file path=ppt/slides/slide31.xml><?xml version="1.0" encoding="utf-8"?>
+<p:sld xmlns:a="http://schemas.openxmlformats.org/drawingml/2006/main" xmlns:r="http://schemas.openxmlformats.org/officeDocument/2006/relationships" xmlns:p="http://schemas.openxmlformats.org/presentationml/2006/main">
+  <p:cSld>
+    <p:spTree>
+      <p:nvGrpSpPr>
+        <p:cNvPr id="1" name=""/>
+        <p:cNvGrpSpPr/>
+        <p:nvPr/>
+      </p:nvGrpSpPr>
+      <p:grpSpPr>
+        <a:xfrm>
+          <a:off x="0" y="0"/>
+          <a:ext cx="0" cy="0"/>
+          <a:chOff x="0" y="0"/>
+          <a:chExt cx="0" cy="0"/>
+        </a:xfrm>
+      </p:grpSpPr>
+      <p:sp>
+        <p:nvSpPr>
+          <p:cNvPr id="2" name="Symbol zastępczy zawartości 1"/>
+          <p:cNvSpPr>
+            <a:spLocks noGrp="1"/>
+          </p:cNvSpPr>
+          <p:nvPr>
+            <p:ph idx="1"/>
+          </p:nvPr>
+        </p:nvSpPr>
+        <p:spPr/>
+        <p:txBody>
+          <a:bodyPr/>
+          <a:lstStyle/>
+          <a:p>
+            <a:endParaRPr lang="pl-PL" dirty="0"/>
+          </a:p>
+        </p:txBody>
+      </p:sp>
+      <p:sp>
+        <p:nvSpPr>
+          <p:cNvPr id="3" name="Tytuł 2"/>
+          <p:cNvSpPr>
+            <a:spLocks noGrp="1"/>
+          </p:cNvSpPr>
+          <p:nvPr>
+            <p:ph type="title"/>
+          </p:nvPr>
+        </p:nvSpPr>
+        <p:spPr/>
+        <p:txBody>
+          <a:bodyPr/>
+          <a:lstStyle/>
+          <a:p>
+            <a:r>
+              <a:rPr lang="pl-PL" dirty="0" smtClean="0"/>
+              <a:t>Bibliografia</a:t>
+            </a:r>
+            <a:endParaRPr lang="pl-PL" dirty="0"/>
+          </a:p>
+        </p:txBody>
+      </p:sp>
+      <p:sp>
+        <p:nvSpPr>
+          <p:cNvPr id="4" name="Symbol zastępczy numeru slajdu 3"/>
+          <p:cNvSpPr>
+            <a:spLocks noGrp="1"/>
+          </p:cNvSpPr>
+          <p:nvPr>
+            <p:ph type="sldNum" sz="quarter" idx="12"/>
+          </p:nvPr>
+        </p:nvSpPr>
+        <p:spPr/>
+        <p:txBody>
+          <a:bodyPr/>
+          <a:lstStyle/>
+          <a:p>
+            <a:fld id="{976B8C4A-E01E-49C4-A342-E776841D1431}" type="slidenum">
+              <a:rPr lang="pl-PL" smtClean="0"/>
+              <a:pPr/>
+              <a:t>31</a:t>
+            </a:fld>
+            <a:endParaRPr lang="pl-PL"/>
+          </a:p>
+        </p:txBody>
+      </p:sp>
+      <p:pic>
+        <p:nvPicPr>
+          <p:cNvPr id="5" name="Obraz 4"/>
+          <p:cNvPicPr>
+            <a:picLocks noChangeAspect="1"/>
+          </p:cNvPicPr>
+          <p:nvPr/>
+        </p:nvPicPr>
+        <p:blipFill>
+          <a:blip r:embed="rId2" cstate="print">
+            <a:extLst>
+              <a:ext uri="{28A0092B-C50C-407E-A947-70E740481C1C}">
+                <a14:useLocalDpi xmlns:a14="http://schemas.microsoft.com/office/drawing/2010/main" xmlns="" val="0"/>
+              </a:ext>
+            </a:extLst>
+          </a:blip>
+          <a:stretch>
+            <a:fillRect/>
+          </a:stretch>
+        </p:blipFill>
+        <p:spPr>
+          <a:xfrm>
+            <a:off x="179512" y="6165304"/>
+            <a:ext cx="1008112" cy="574214"/>
+          </a:xfrm>
+          <a:prstGeom prst="rect">
+            <a:avLst/>
+          </a:prstGeom>
+        </p:spPr>
+      </p:pic>
+    </p:spTree>
+    <p:extLst>
+      <p:ext uri="{BB962C8B-B14F-4D97-AF65-F5344CB8AC3E}">
+        <p14:creationId xmlns:p14="http://schemas.microsoft.com/office/powerpoint/2010/main" xmlns="" val="3028022006"/>
+      </p:ext>
+    </p:extLst>
+  </p:cSld>
+  <p:clrMapOvr>
+    <a:masterClrMapping/>
+  </p:clrMapOvr>
+  <p:timing>
+    <p:tnLst>
+      <p:par>
+        <p:cTn id="1" dur="indefinite" restart="never" nodeType="tmRoot"/>
+      </p:par>
+    </p:tnLst>
+  </p:timing>
+</p:sld>
+</file>
+
+<file path=ppt/slides/slide32.xml><?xml version="1.0" encoding="utf-8"?>
+<p:sld xmlns:a="http://schemas.openxmlformats.org/drawingml/2006/main" xmlns:r="http://schemas.openxmlformats.org/officeDocument/2006/relationships" xmlns:p="http://schemas.openxmlformats.org/presentationml/2006/main">
+  <p:cSld>
+    <p:spTree>
+      <p:nvGrpSpPr>
+        <p:cNvPr id="1" name=""/>
+        <p:cNvGrpSpPr/>
+        <p:nvPr/>
+      </p:nvGrpSpPr>
+      <p:grpSpPr>
+        <a:xfrm>
+          <a:off x="0" y="0"/>
+          <a:ext cx="0" cy="0"/>
+          <a:chOff x="0" y="0"/>
+          <a:chExt cx="0" cy="0"/>
+        </a:xfrm>
+      </p:grpSpPr>
+      <p:sp>
+        <p:nvSpPr>
+          <p:cNvPr id="2" name="Tytuł 1"/>
+          <p:cNvSpPr>
+            <a:spLocks noGrp="1"/>
+          </p:cNvSpPr>
+          <p:nvPr>
+            <p:ph type="ctrTitle"/>
+          </p:nvPr>
+        </p:nvSpPr>
+        <p:spPr/>
+        <p:txBody>
+          <a:bodyPr/>
+          <a:lstStyle/>
+          <a:p>
+            <a:r>
+              <a:rPr lang="pl-PL" dirty="0" smtClean="0"/>
+              <a:t>Pytania ?</a:t>
+            </a:r>
+            <a:endParaRPr lang="pl-PL" dirty="0"/>
+          </a:p>
+        </p:txBody>
+      </p:sp>
+      <p:sp>
+        <p:nvSpPr>
+          <p:cNvPr id="3" name="Podtytuł 2"/>
+          <p:cNvSpPr>
+            <a:spLocks noGrp="1"/>
+          </p:cNvSpPr>
+          <p:nvPr>
+            <p:ph type="subTitle" idx="1"/>
+          </p:nvPr>
+        </p:nvSpPr>
+        <p:spPr/>
+        <p:txBody>
+          <a:bodyPr/>
+          <a:lstStyle/>
+          <a:p>
+            <a:endParaRPr lang="pl-PL" dirty="0"/>
+          </a:p>
+        </p:txBody>
+      </p:sp>
+      <p:pic>
+        <p:nvPicPr>
+          <p:cNvPr id="4" name="Obraz 3"/>
+          <p:cNvPicPr>
+            <a:picLocks noChangeAspect="1"/>
+          </p:cNvPicPr>
+          <p:nvPr/>
+        </p:nvPicPr>
+        <p:blipFill>
+          <a:blip r:embed="rId2" cstate="print">
+            <a:extLst>
+              <a:ext uri="{28A0092B-C50C-407E-A947-70E740481C1C}">
+                <a14:useLocalDpi xmlns:a14="http://schemas.microsoft.com/office/drawing/2010/main" xmlns="" val="0"/>
+              </a:ext>
+            </a:extLst>
+          </a:blip>
+          <a:stretch>
+            <a:fillRect/>
+          </a:stretch>
+        </p:blipFill>
+        <p:spPr>
+          <a:xfrm>
+            <a:off x="107504" y="5229200"/>
+            <a:ext cx="2664296" cy="1517565"/>
+          </a:xfrm>
+          <a:prstGeom prst="rect">
+            <a:avLst/>
+          </a:prstGeom>
+        </p:spPr>
+      </p:pic>
+    </p:spTree>
+    <p:extLst>
+      <p:ext uri="{BB962C8B-B14F-4D97-AF65-F5344CB8AC3E}">
+        <p14:creationId xmlns:p14="http://schemas.microsoft.com/office/powerpoint/2010/main" xmlns="" val="1895918166"/>
+      </p:ext>
+    </p:extLst>
+  </p:cSld>
+  <p:clrMapOvr>
+    <a:masterClrMapping/>
+  </p:clrMapOvr>
+  <p:timing>
+    <p:tnLst>
+      <p:par>
+        <p:cTn id="1" dur="indefinite" restart="never" nodeType="tmRoot"/>
+      </p:par>
+    </p:tnLst>
+  </p:timing>
+</p:sld>
+</file>
+
+<file path=ppt/slides/slide33.xml><?xml version="1.0" encoding="utf-8"?>
+<p:sld xmlns:a="http://schemas.openxmlformats.org/drawingml/2006/main" xmlns:r="http://schemas.openxmlformats.org/officeDocument/2006/relationships" xmlns:p="http://schemas.openxmlformats.org/presentationml/2006/main">
+  <p:cSld>
+    <p:spTree>
+      <p:nvGrpSpPr>
+        <p:cNvPr id="1" name=""/>
+        <p:cNvGrpSpPr/>
+        <p:nvPr/>
+      </p:nvGrpSpPr>
+      <p:grpSpPr>
+        <a:xfrm>
+          <a:off x="0" y="0"/>
+          <a:ext cx="0" cy="0"/>
+          <a:chOff x="0" y="0"/>
+          <a:chExt cx="0" cy="0"/>
+        </a:xfrm>
+      </p:grpSpPr>
+      <p:sp>
+        <p:nvSpPr>
+          <p:cNvPr id="2" name="Tytuł 1"/>
+          <p:cNvSpPr>
+            <a:spLocks noGrp="1"/>
+          </p:cNvSpPr>
+          <p:nvPr>
+            <p:ph type="ctrTitle"/>
+          </p:nvPr>
+        </p:nvSpPr>
+        <p:spPr/>
+        <p:txBody>
+          <a:bodyPr/>
+          <a:lstStyle/>
+          <a:p>
+            <a:r>
+              <a:rPr lang="pl-PL" dirty="0"/>
+              <a:t>Dziękuję za uwagę </a:t>
+            </a:r>
+          </a:p>
+        </p:txBody>
+      </p:sp>
+      <p:sp>
+        <p:nvSpPr>
+          <p:cNvPr id="3" name="Podtytuł 2"/>
+          <p:cNvSpPr>
+            <a:spLocks noGrp="1"/>
+          </p:cNvSpPr>
+          <p:nvPr>
+            <p:ph type="subTitle" idx="1"/>
+          </p:nvPr>
+        </p:nvSpPr>
+        <p:spPr/>
+        <p:txBody>
+          <a:bodyPr/>
+          <a:lstStyle/>
+          <a:p>
+            <a:endParaRPr lang="pl-PL" dirty="0"/>
+          </a:p>
+        </p:txBody>
+      </p:sp>
+      <p:pic>
+        <p:nvPicPr>
+          <p:cNvPr id="4" name="Obraz 3"/>
+          <p:cNvPicPr>
+            <a:picLocks noChangeAspect="1"/>
+          </p:cNvPicPr>
+          <p:nvPr/>
+        </p:nvPicPr>
+        <p:blipFill>
+          <a:blip r:embed="rId2" cstate="print">
+            <a:extLst>
+              <a:ext uri="{28A0092B-C50C-407E-A947-70E740481C1C}">
+                <a14:useLocalDpi xmlns:a14="http://schemas.microsoft.com/office/drawing/2010/main" xmlns="" val="0"/>
+              </a:ext>
+            </a:extLst>
+          </a:blip>
+          <a:stretch>
+            <a:fillRect/>
+          </a:stretch>
+        </p:blipFill>
+        <p:spPr>
+          <a:xfrm>
+            <a:off x="107504" y="5229200"/>
+            <a:ext cx="2664296" cy="1517565"/>
+          </a:xfrm>
+          <a:prstGeom prst="rect">
+            <a:avLst/>
+          </a:prstGeom>
+        </p:spPr>
+      </p:pic>
+    </p:spTree>
+    <p:extLst>
+      <p:ext uri="{BB962C8B-B14F-4D97-AF65-F5344CB8AC3E}">
+        <p14:creationId xmlns:p14="http://schemas.microsoft.com/office/powerpoint/2010/main" xmlns="" val="1895918166"/>
       </p:ext>
     </p:extLst>
   </p:cSld>
@@ -10722,12 +13918,12 @@
         </p:nvSpPr>
         <p:spPr/>
         <p:txBody>
-          <a:bodyPr>
+          <a:bodyPr anchor="ctr">
             <a:normAutofit/>
           </a:bodyPr>
           <a:lstStyle/>
           <a:p>
-            <a:pPr>
+            <a:pPr algn="ctr">
               <a:buNone/>
             </a:pPr>
             <a:endParaRPr lang="pl-PL" b="1" dirty="0"/>
@@ -10751,38 +13947,30 @@
           </a:bodyPr>
           <a:lstStyle/>
           <a:p>
+            <a:pPr marL="624078" indent="-514350"/>
             <a:r>
               <a:rPr lang="pl-PL" sz="4400" dirty="0" smtClean="0"/>
-              <a:t>DB first </a:t>
-            </a:r>
-            <a:r>
-              <a:rPr lang="pl-PL" sz="4400" dirty="0" err="1" smtClean="0"/>
-              <a:t>vs</a:t>
+              <a:t>Wprowadzenie do </a:t>
             </a:r>
             <a:r>
               <a:rPr lang="pl-PL" sz="4400" dirty="0" smtClean="0"/>
-              <a:t> </a:t>
-            </a:r>
-            <a:r>
-              <a:rPr lang="pl-PL" sz="4400" dirty="0" err="1" smtClean="0"/>
-              <a:t>Code</a:t>
-            </a:r>
-            <a:r>
-              <a:rPr lang="pl-PL" sz="4400" dirty="0" smtClean="0"/>
-              <a:t> first </a:t>
+              <a:t/>
             </a:r>
             <a:br>
               <a:rPr lang="pl-PL" sz="4400" dirty="0" smtClean="0"/>
             </a:br>
             <a:r>
               <a:rPr lang="pl-PL" sz="4400" dirty="0" err="1" smtClean="0"/>
-              <a:t>vs</a:t>
+              <a:t>Entity</a:t>
             </a:r>
             <a:r>
               <a:rPr lang="pl-PL" sz="4400" dirty="0" smtClean="0"/>
-              <a:t> Model first</a:t>
-            </a:r>
-            <a:endParaRPr lang="pl-PL" dirty="0"/>
+              <a:t> </a:t>
+            </a:r>
+            <a:r>
+              <a:rPr lang="pl-PL" sz="4400" dirty="0" smtClean="0"/>
+              <a:t>Framework</a:t>
+            </a:r>
           </a:p>
         </p:txBody>
       </p:sp>
@@ -10822,7 +14010,545 @@
           <a:blip r:embed="rId3" cstate="print">
             <a:extLst>
               <a:ext uri="{28A0092B-C50C-407E-A947-70E740481C1C}">
-                <a14:useLocalDpi xmlns:a14="http://schemas.microsoft.com/office/drawing/2010/main" val="0"/>
+                <a14:useLocalDpi xmlns:a14="http://schemas.microsoft.com/office/drawing/2010/main" xmlns="" val="0"/>
+              </a:ext>
+            </a:extLst>
+          </a:blip>
+          <a:stretch>
+            <a:fillRect/>
+          </a:stretch>
+        </p:blipFill>
+        <p:spPr>
+          <a:xfrm>
+            <a:off x="179512" y="6165304"/>
+            <a:ext cx="1008112" cy="574214"/>
+          </a:xfrm>
+          <a:prstGeom prst="rect">
+            <a:avLst/>
+          </a:prstGeom>
+        </p:spPr>
+      </p:pic>
+      <p:pic>
+        <p:nvPicPr>
+          <p:cNvPr id="1026" name="Picture 2"/>
+          <p:cNvPicPr>
+            <a:picLocks noChangeAspect="1" noChangeArrowheads="1"/>
+          </p:cNvPicPr>
+          <p:nvPr/>
+        </p:nvPicPr>
+        <p:blipFill>
+          <a:blip r:embed="rId4" cstate="print"/>
+          <a:srcRect/>
+          <a:stretch>
+            <a:fillRect/>
+          </a:stretch>
+        </p:blipFill>
+        <p:spPr bwMode="auto">
+          <a:xfrm>
+            <a:off x="134542" y="1655812"/>
+            <a:ext cx="8901954" cy="4077444"/>
+          </a:xfrm>
+          <a:prstGeom prst="rect">
+            <a:avLst/>
+          </a:prstGeom>
+          <a:noFill/>
+          <a:ln w="9525">
+            <a:noFill/>
+            <a:miter lim="800000"/>
+            <a:headEnd/>
+            <a:tailEnd/>
+          </a:ln>
+        </p:spPr>
+      </p:pic>
+    </p:spTree>
+    <p:extLst>
+      <p:ext uri="{BB962C8B-B14F-4D97-AF65-F5344CB8AC3E}">
+        <p14:creationId xmlns:p14="http://schemas.microsoft.com/office/powerpoint/2010/main" xmlns="" val="2808115206"/>
+      </p:ext>
+    </p:extLst>
+  </p:cSld>
+  <p:clrMapOvr>
+    <a:masterClrMapping/>
+  </p:clrMapOvr>
+  <p:timing>
+    <p:tnLst>
+      <p:par>
+        <p:cTn id="1" dur="indefinite" restart="never" nodeType="tmRoot"/>
+      </p:par>
+    </p:tnLst>
+  </p:timing>
+</p:sld>
+</file>
+
+<file path=ppt/slides/slide5.xml><?xml version="1.0" encoding="utf-8"?>
+<p:sld xmlns:a="http://schemas.openxmlformats.org/drawingml/2006/main" xmlns:r="http://schemas.openxmlformats.org/officeDocument/2006/relationships" xmlns:p="http://schemas.openxmlformats.org/presentationml/2006/main">
+  <p:cSld>
+    <p:spTree>
+      <p:nvGrpSpPr>
+        <p:cNvPr id="1" name=""/>
+        <p:cNvGrpSpPr/>
+        <p:nvPr/>
+      </p:nvGrpSpPr>
+      <p:grpSpPr>
+        <a:xfrm>
+          <a:off x="0" y="0"/>
+          <a:ext cx="0" cy="0"/>
+          <a:chOff x="0" y="0"/>
+          <a:chExt cx="0" cy="0"/>
+        </a:xfrm>
+      </p:grpSpPr>
+      <p:sp>
+        <p:nvSpPr>
+          <p:cNvPr id="2" name="Symbol zastępczy zawartości 1"/>
+          <p:cNvSpPr>
+            <a:spLocks noGrp="1"/>
+          </p:cNvSpPr>
+          <p:nvPr>
+            <p:ph idx="1"/>
+          </p:nvPr>
+        </p:nvSpPr>
+        <p:spPr/>
+        <p:txBody>
+          <a:bodyPr anchor="ctr">
+            <a:normAutofit/>
+          </a:bodyPr>
+          <a:lstStyle/>
+          <a:p>
+            <a:pPr algn="ctr">
+              <a:buNone/>
+            </a:pPr>
+            <a:endParaRPr lang="pl-PL" b="1" dirty="0"/>
+          </a:p>
+        </p:txBody>
+      </p:sp>
+      <p:sp>
+        <p:nvSpPr>
+          <p:cNvPr id="3" name="Tytuł 2"/>
+          <p:cNvSpPr>
+            <a:spLocks noGrp="1"/>
+          </p:cNvSpPr>
+          <p:nvPr>
+            <p:ph type="title"/>
+          </p:nvPr>
+        </p:nvSpPr>
+        <p:spPr/>
+        <p:txBody>
+          <a:bodyPr>
+            <a:normAutofit fontScale="90000"/>
+          </a:bodyPr>
+          <a:lstStyle/>
+          <a:p>
+            <a:pPr marL="624078" indent="-514350"/>
+            <a:r>
+              <a:rPr lang="pl-PL" sz="4400" dirty="0" smtClean="0"/>
+              <a:t>Wprowadzenie do </a:t>
+            </a:r>
+            <a:r>
+              <a:rPr lang="pl-PL" sz="4400" dirty="0" smtClean="0"/>
+              <a:t/>
+            </a:r>
+            <a:br>
+              <a:rPr lang="pl-PL" sz="4400" dirty="0" smtClean="0"/>
+            </a:br>
+            <a:r>
+              <a:rPr lang="pl-PL" sz="4400" dirty="0" err="1" smtClean="0"/>
+              <a:t>Entity</a:t>
+            </a:r>
+            <a:r>
+              <a:rPr lang="pl-PL" sz="4400" dirty="0" smtClean="0"/>
+              <a:t> </a:t>
+            </a:r>
+            <a:r>
+              <a:rPr lang="pl-PL" sz="4400" dirty="0" smtClean="0"/>
+              <a:t>Framework</a:t>
+            </a:r>
+          </a:p>
+        </p:txBody>
+      </p:sp>
+      <p:sp>
+        <p:nvSpPr>
+          <p:cNvPr id="4" name="Symbol zastępczy numeru slajdu 3"/>
+          <p:cNvSpPr>
+            <a:spLocks noGrp="1"/>
+          </p:cNvSpPr>
+          <p:nvPr>
+            <p:ph type="sldNum" sz="quarter" idx="12"/>
+          </p:nvPr>
+        </p:nvSpPr>
+        <p:spPr/>
+        <p:txBody>
+          <a:bodyPr/>
+          <a:lstStyle/>
+          <a:p>
+            <a:fld id="{976B8C4A-E01E-49C4-A342-E776841D1431}" type="slidenum">
+              <a:rPr lang="pl-PL" smtClean="0"/>
+              <a:pPr/>
+              <a:t>5</a:t>
+            </a:fld>
+            <a:endParaRPr lang="pl-PL"/>
+          </a:p>
+        </p:txBody>
+      </p:sp>
+      <p:pic>
+        <p:nvPicPr>
+          <p:cNvPr id="5" name="Obraz 4"/>
+          <p:cNvPicPr>
+            <a:picLocks noChangeAspect="1"/>
+          </p:cNvPicPr>
+          <p:nvPr/>
+        </p:nvPicPr>
+        <p:blipFill>
+          <a:blip r:embed="rId3" cstate="print">
+            <a:extLst>
+              <a:ext uri="{28A0092B-C50C-407E-A947-70E740481C1C}">
+                <a14:useLocalDpi xmlns:a14="http://schemas.microsoft.com/office/drawing/2010/main" xmlns="" val="0"/>
+              </a:ext>
+            </a:extLst>
+          </a:blip>
+          <a:stretch>
+            <a:fillRect/>
+          </a:stretch>
+        </p:blipFill>
+        <p:spPr>
+          <a:xfrm>
+            <a:off x="179512" y="6165304"/>
+            <a:ext cx="1008112" cy="574214"/>
+          </a:xfrm>
+          <a:prstGeom prst="rect">
+            <a:avLst/>
+          </a:prstGeom>
+        </p:spPr>
+      </p:pic>
+      <p:pic>
+        <p:nvPicPr>
+          <p:cNvPr id="2050" name="Picture 2"/>
+          <p:cNvPicPr>
+            <a:picLocks noChangeAspect="1" noChangeArrowheads="1"/>
+          </p:cNvPicPr>
+          <p:nvPr/>
+        </p:nvPicPr>
+        <p:blipFill>
+          <a:blip r:embed="rId4" cstate="print"/>
+          <a:srcRect/>
+          <a:stretch>
+            <a:fillRect/>
+          </a:stretch>
+        </p:blipFill>
+        <p:spPr bwMode="auto">
+          <a:xfrm>
+            <a:off x="251520" y="1489910"/>
+            <a:ext cx="8604448" cy="4315354"/>
+          </a:xfrm>
+          <a:prstGeom prst="rect">
+            <a:avLst/>
+          </a:prstGeom>
+          <a:noFill/>
+          <a:ln w="9525">
+            <a:noFill/>
+            <a:miter lim="800000"/>
+            <a:headEnd/>
+            <a:tailEnd/>
+          </a:ln>
+        </p:spPr>
+      </p:pic>
+    </p:spTree>
+    <p:extLst>
+      <p:ext uri="{BB962C8B-B14F-4D97-AF65-F5344CB8AC3E}">
+        <p14:creationId xmlns:p14="http://schemas.microsoft.com/office/powerpoint/2010/main" xmlns="" val="2808115206"/>
+      </p:ext>
+    </p:extLst>
+  </p:cSld>
+  <p:clrMapOvr>
+    <a:masterClrMapping/>
+  </p:clrMapOvr>
+  <p:timing>
+    <p:tnLst>
+      <p:par>
+        <p:cTn id="1" dur="indefinite" restart="never" nodeType="tmRoot"/>
+      </p:par>
+    </p:tnLst>
+  </p:timing>
+</p:sld>
+</file>
+
+<file path=ppt/slides/slide6.xml><?xml version="1.0" encoding="utf-8"?>
+<p:sld xmlns:a="http://schemas.openxmlformats.org/drawingml/2006/main" xmlns:r="http://schemas.openxmlformats.org/officeDocument/2006/relationships" xmlns:p="http://schemas.openxmlformats.org/presentationml/2006/main">
+  <p:cSld>
+    <p:spTree>
+      <p:nvGrpSpPr>
+        <p:cNvPr id="1" name=""/>
+        <p:cNvGrpSpPr/>
+        <p:nvPr/>
+      </p:nvGrpSpPr>
+      <p:grpSpPr>
+        <a:xfrm>
+          <a:off x="0" y="0"/>
+          <a:ext cx="0" cy="0"/>
+          <a:chOff x="0" y="0"/>
+          <a:chExt cx="0" cy="0"/>
+        </a:xfrm>
+      </p:grpSpPr>
+      <p:sp>
+        <p:nvSpPr>
+          <p:cNvPr id="2" name="Symbol zastępczy zawartości 1"/>
+          <p:cNvSpPr>
+            <a:spLocks noGrp="1"/>
+          </p:cNvSpPr>
+          <p:nvPr>
+            <p:ph idx="1"/>
+          </p:nvPr>
+        </p:nvSpPr>
+        <p:spPr/>
+        <p:txBody>
+          <a:bodyPr anchor="ctr">
+            <a:normAutofit/>
+          </a:bodyPr>
+          <a:lstStyle/>
+          <a:p>
+            <a:pPr algn="ctr">
+              <a:buNone/>
+            </a:pPr>
+            <a:r>
+              <a:rPr lang="pl-PL" b="1" dirty="0" smtClean="0"/>
+              <a:t>Demo</a:t>
+            </a:r>
+            <a:endParaRPr lang="pl-PL" b="1" dirty="0"/>
+          </a:p>
+        </p:txBody>
+      </p:sp>
+      <p:sp>
+        <p:nvSpPr>
+          <p:cNvPr id="3" name="Tytuł 2"/>
+          <p:cNvSpPr>
+            <a:spLocks noGrp="1"/>
+          </p:cNvSpPr>
+          <p:nvPr>
+            <p:ph type="title"/>
+          </p:nvPr>
+        </p:nvSpPr>
+        <p:spPr/>
+        <p:txBody>
+          <a:bodyPr>
+            <a:normAutofit/>
+          </a:bodyPr>
+          <a:lstStyle/>
+          <a:p>
+            <a:r>
+              <a:rPr lang="pl-PL" sz="4400" dirty="0" err="1" smtClean="0"/>
+              <a:t>Quick</a:t>
+            </a:r>
+            <a:r>
+              <a:rPr lang="pl-PL" sz="4400" dirty="0" smtClean="0"/>
+              <a:t> start</a:t>
+            </a:r>
+            <a:endParaRPr lang="pl-PL" dirty="0"/>
+          </a:p>
+        </p:txBody>
+      </p:sp>
+      <p:sp>
+        <p:nvSpPr>
+          <p:cNvPr id="4" name="Symbol zastępczy numeru slajdu 3"/>
+          <p:cNvSpPr>
+            <a:spLocks noGrp="1"/>
+          </p:cNvSpPr>
+          <p:nvPr>
+            <p:ph type="sldNum" sz="quarter" idx="12"/>
+          </p:nvPr>
+        </p:nvSpPr>
+        <p:spPr/>
+        <p:txBody>
+          <a:bodyPr/>
+          <a:lstStyle/>
+          <a:p>
+            <a:fld id="{976B8C4A-E01E-49C4-A342-E776841D1431}" type="slidenum">
+              <a:rPr lang="pl-PL" smtClean="0"/>
+              <a:pPr/>
+              <a:t>6</a:t>
+            </a:fld>
+            <a:endParaRPr lang="pl-PL"/>
+          </a:p>
+        </p:txBody>
+      </p:sp>
+      <p:pic>
+        <p:nvPicPr>
+          <p:cNvPr id="5" name="Obraz 4"/>
+          <p:cNvPicPr>
+            <a:picLocks noChangeAspect="1"/>
+          </p:cNvPicPr>
+          <p:nvPr/>
+        </p:nvPicPr>
+        <p:blipFill>
+          <a:blip r:embed="rId3" cstate="print">
+            <a:extLst>
+              <a:ext uri="{28A0092B-C50C-407E-A947-70E740481C1C}">
+                <a14:useLocalDpi xmlns:a14="http://schemas.microsoft.com/office/drawing/2010/main" xmlns="" val="0"/>
+              </a:ext>
+            </a:extLst>
+          </a:blip>
+          <a:stretch>
+            <a:fillRect/>
+          </a:stretch>
+        </p:blipFill>
+        <p:spPr>
+          <a:xfrm>
+            <a:off x="179512" y="6165304"/>
+            <a:ext cx="1008112" cy="574214"/>
+          </a:xfrm>
+          <a:prstGeom prst="rect">
+            <a:avLst/>
+          </a:prstGeom>
+        </p:spPr>
+      </p:pic>
+    </p:spTree>
+    <p:extLst>
+      <p:ext uri="{BB962C8B-B14F-4D97-AF65-F5344CB8AC3E}">
+        <p14:creationId xmlns:p14="http://schemas.microsoft.com/office/powerpoint/2010/main" xmlns="" val="2808115206"/>
+      </p:ext>
+    </p:extLst>
+  </p:cSld>
+  <p:clrMapOvr>
+    <a:masterClrMapping/>
+  </p:clrMapOvr>
+  <p:timing>
+    <p:tnLst>
+      <p:par>
+        <p:cTn id="1" dur="indefinite" restart="never" nodeType="tmRoot"/>
+      </p:par>
+    </p:tnLst>
+  </p:timing>
+</p:sld>
+</file>
+
+<file path=ppt/slides/slide7.xml><?xml version="1.0" encoding="utf-8"?>
+<p:sld xmlns:a="http://schemas.openxmlformats.org/drawingml/2006/main" xmlns:r="http://schemas.openxmlformats.org/officeDocument/2006/relationships" xmlns:p="http://schemas.openxmlformats.org/presentationml/2006/main">
+  <p:cSld>
+    <p:spTree>
+      <p:nvGrpSpPr>
+        <p:cNvPr id="1" name=""/>
+        <p:cNvGrpSpPr/>
+        <p:nvPr/>
+      </p:nvGrpSpPr>
+      <p:grpSpPr>
+        <a:xfrm>
+          <a:off x="0" y="0"/>
+          <a:ext cx="0" cy="0"/>
+          <a:chOff x="0" y="0"/>
+          <a:chExt cx="0" cy="0"/>
+        </a:xfrm>
+      </p:grpSpPr>
+      <p:sp>
+        <p:nvSpPr>
+          <p:cNvPr id="2" name="Symbol zastępczy zawartości 1"/>
+          <p:cNvSpPr>
+            <a:spLocks noGrp="1"/>
+          </p:cNvSpPr>
+          <p:nvPr>
+            <p:ph idx="1"/>
+          </p:nvPr>
+        </p:nvSpPr>
+        <p:spPr/>
+        <p:txBody>
+          <a:bodyPr>
+            <a:normAutofit/>
+          </a:bodyPr>
+          <a:lstStyle/>
+          <a:p>
+            <a:pPr>
+              <a:buNone/>
+            </a:pPr>
+            <a:endParaRPr lang="pl-PL" b="1" dirty="0"/>
+          </a:p>
+        </p:txBody>
+      </p:sp>
+      <p:sp>
+        <p:nvSpPr>
+          <p:cNvPr id="3" name="Tytuł 2"/>
+          <p:cNvSpPr>
+            <a:spLocks noGrp="1"/>
+          </p:cNvSpPr>
+          <p:nvPr>
+            <p:ph type="title"/>
+          </p:nvPr>
+        </p:nvSpPr>
+        <p:spPr/>
+        <p:txBody>
+          <a:bodyPr>
+            <a:normAutofit fontScale="90000"/>
+          </a:bodyPr>
+          <a:lstStyle/>
+          <a:p>
+            <a:r>
+              <a:rPr lang="pl-PL" sz="4400" dirty="0" smtClean="0"/>
+              <a:t>DB first </a:t>
+            </a:r>
+            <a:r>
+              <a:rPr lang="pl-PL" sz="4400" dirty="0" err="1" smtClean="0"/>
+              <a:t>vs</a:t>
+            </a:r>
+            <a:r>
+              <a:rPr lang="pl-PL" sz="4400" dirty="0" smtClean="0"/>
+              <a:t> </a:t>
+            </a:r>
+            <a:r>
+              <a:rPr lang="pl-PL" sz="4400" dirty="0" err="1" smtClean="0"/>
+              <a:t>Code</a:t>
+            </a:r>
+            <a:r>
+              <a:rPr lang="pl-PL" sz="4400" dirty="0" smtClean="0"/>
+              <a:t> first </a:t>
+            </a:r>
+            <a:br>
+              <a:rPr lang="pl-PL" sz="4400" dirty="0" smtClean="0"/>
+            </a:br>
+            <a:r>
+              <a:rPr lang="pl-PL" sz="4400" dirty="0" err="1" smtClean="0"/>
+              <a:t>vs</a:t>
+            </a:r>
+            <a:r>
+              <a:rPr lang="pl-PL" sz="4400" dirty="0" smtClean="0"/>
+              <a:t> Model first</a:t>
+            </a:r>
+            <a:endParaRPr lang="pl-PL" dirty="0"/>
+          </a:p>
+        </p:txBody>
+      </p:sp>
+      <p:sp>
+        <p:nvSpPr>
+          <p:cNvPr id="4" name="Symbol zastępczy numeru slajdu 3"/>
+          <p:cNvSpPr>
+            <a:spLocks noGrp="1"/>
+          </p:cNvSpPr>
+          <p:nvPr>
+            <p:ph type="sldNum" sz="quarter" idx="12"/>
+          </p:nvPr>
+        </p:nvSpPr>
+        <p:spPr/>
+        <p:txBody>
+          <a:bodyPr/>
+          <a:lstStyle/>
+          <a:p>
+            <a:fld id="{976B8C4A-E01E-49C4-A342-E776841D1431}" type="slidenum">
+              <a:rPr lang="pl-PL" smtClean="0"/>
+              <a:pPr/>
+              <a:t>7</a:t>
+            </a:fld>
+            <a:endParaRPr lang="pl-PL"/>
+          </a:p>
+        </p:txBody>
+      </p:sp>
+      <p:pic>
+        <p:nvPicPr>
+          <p:cNvPr id="5" name="Obraz 4"/>
+          <p:cNvPicPr>
+            <a:picLocks noChangeAspect="1"/>
+          </p:cNvPicPr>
+          <p:nvPr/>
+        </p:nvPicPr>
+        <p:blipFill>
+          <a:blip r:embed="rId3" cstate="print">
+            <a:extLst>
+              <a:ext uri="{28A0092B-C50C-407E-A947-70E740481C1C}">
+                <a14:useLocalDpi xmlns:a14="http://schemas.microsoft.com/office/drawing/2010/main" xmlns="" val="0"/>
               </a:ext>
             </a:extLst>
           </a:blip>
@@ -10875,577 +14601,7 @@
     </p:spTree>
     <p:extLst>
       <p:ext uri="{BB962C8B-B14F-4D97-AF65-F5344CB8AC3E}">
-        <p14:creationId xmlns:p14="http://schemas.microsoft.com/office/powerpoint/2010/main" val="2808115206"/>
-      </p:ext>
-    </p:extLst>
-  </p:cSld>
-  <p:clrMapOvr>
-    <a:masterClrMapping/>
-  </p:clrMapOvr>
-  <p:timing>
-    <p:tnLst>
-      <p:par>
-        <p:cTn id="1" dur="indefinite" restart="never" nodeType="tmRoot"/>
-      </p:par>
-    </p:tnLst>
-  </p:timing>
-</p:sld>
-</file>
-
-<file path=ppt/slides/slide5.xml><?xml version="1.0" encoding="utf-8"?>
-<p:sld xmlns:a="http://schemas.openxmlformats.org/drawingml/2006/main" xmlns:r="http://schemas.openxmlformats.org/officeDocument/2006/relationships" xmlns:p="http://schemas.openxmlformats.org/presentationml/2006/main">
-  <p:cSld>
-    <p:spTree>
-      <p:nvGrpSpPr>
-        <p:cNvPr id="1" name=""/>
-        <p:cNvGrpSpPr/>
-        <p:nvPr/>
-      </p:nvGrpSpPr>
-      <p:grpSpPr>
-        <a:xfrm>
-          <a:off x="0" y="0"/>
-          <a:ext cx="0" cy="0"/>
-          <a:chOff x="0" y="0"/>
-          <a:chExt cx="0" cy="0"/>
-        </a:xfrm>
-      </p:grpSpPr>
-      <p:sp>
-        <p:nvSpPr>
-          <p:cNvPr id="2" name="Symbol zastępczy zawartości 1"/>
-          <p:cNvSpPr>
-            <a:spLocks noGrp="1"/>
-          </p:cNvSpPr>
-          <p:nvPr>
-            <p:ph idx="1"/>
-          </p:nvPr>
-        </p:nvSpPr>
-        <p:spPr/>
-        <p:txBody>
-          <a:bodyPr>
-            <a:normAutofit/>
-          </a:bodyPr>
-          <a:lstStyle/>
-          <a:p>
-            <a:pPr>
-              <a:buNone/>
-            </a:pPr>
-            <a:endParaRPr lang="pl-PL" b="1" dirty="0"/>
-          </a:p>
-        </p:txBody>
-      </p:sp>
-      <p:sp>
-        <p:nvSpPr>
-          <p:cNvPr id="3" name="Tytuł 2"/>
-          <p:cNvSpPr>
-            <a:spLocks noGrp="1"/>
-          </p:cNvSpPr>
-          <p:nvPr>
-            <p:ph type="title"/>
-          </p:nvPr>
-        </p:nvSpPr>
-        <p:spPr/>
-        <p:txBody>
-          <a:bodyPr>
-            <a:normAutofit fontScale="90000"/>
-          </a:bodyPr>
-          <a:lstStyle/>
-          <a:p>
-            <a:r>
-              <a:rPr lang="pl-PL" sz="4400" dirty="0" smtClean="0"/>
-              <a:t>DB first </a:t>
-            </a:r>
-            <a:r>
-              <a:rPr lang="pl-PL" sz="4400" dirty="0" err="1" smtClean="0"/>
-              <a:t>vs</a:t>
-            </a:r>
-            <a:r>
-              <a:rPr lang="pl-PL" sz="4400" dirty="0" smtClean="0"/>
-              <a:t> </a:t>
-            </a:r>
-            <a:r>
-              <a:rPr lang="pl-PL" sz="4400" dirty="0" err="1" smtClean="0"/>
-              <a:t>Code</a:t>
-            </a:r>
-            <a:r>
-              <a:rPr lang="pl-PL" sz="4400" dirty="0" smtClean="0"/>
-              <a:t> first </a:t>
-            </a:r>
-            <a:br>
-              <a:rPr lang="pl-PL" sz="4400" dirty="0" smtClean="0"/>
-            </a:br>
-            <a:r>
-              <a:rPr lang="pl-PL" sz="4400" dirty="0" err="1" smtClean="0"/>
-              <a:t>vs</a:t>
-            </a:r>
-            <a:r>
-              <a:rPr lang="pl-PL" sz="4400" dirty="0" smtClean="0"/>
-              <a:t> Model first</a:t>
-            </a:r>
-            <a:endParaRPr lang="pl-PL" dirty="0"/>
-          </a:p>
-        </p:txBody>
-      </p:sp>
-      <p:sp>
-        <p:nvSpPr>
-          <p:cNvPr id="4" name="Symbol zastępczy numeru slajdu 3"/>
-          <p:cNvSpPr>
-            <a:spLocks noGrp="1"/>
-          </p:cNvSpPr>
-          <p:nvPr>
-            <p:ph type="sldNum" sz="quarter" idx="12"/>
-          </p:nvPr>
-        </p:nvSpPr>
-        <p:spPr/>
-        <p:txBody>
-          <a:bodyPr/>
-          <a:lstStyle/>
-          <a:p>
-            <a:fld id="{976B8C4A-E01E-49C4-A342-E776841D1431}" type="slidenum">
-              <a:rPr lang="pl-PL" smtClean="0"/>
-              <a:pPr/>
-              <a:t>5</a:t>
-            </a:fld>
-            <a:endParaRPr lang="pl-PL"/>
-          </a:p>
-        </p:txBody>
-      </p:sp>
-      <p:pic>
-        <p:nvPicPr>
-          <p:cNvPr id="5" name="Obraz 4"/>
-          <p:cNvPicPr>
-            <a:picLocks noChangeAspect="1"/>
-          </p:cNvPicPr>
-          <p:nvPr/>
-        </p:nvPicPr>
-        <p:blipFill>
-          <a:blip r:embed="rId3" cstate="print">
-            <a:extLst>
-              <a:ext uri="{28A0092B-C50C-407E-A947-70E740481C1C}">
-                <a14:useLocalDpi xmlns:a14="http://schemas.microsoft.com/office/drawing/2010/main" val="0"/>
-              </a:ext>
-            </a:extLst>
-          </a:blip>
-          <a:stretch>
-            <a:fillRect/>
-          </a:stretch>
-        </p:blipFill>
-        <p:spPr>
-          <a:xfrm>
-            <a:off x="179512" y="6165304"/>
-            <a:ext cx="1008112" cy="574214"/>
-          </a:xfrm>
-          <a:prstGeom prst="rect">
-            <a:avLst/>
-          </a:prstGeom>
-        </p:spPr>
-      </p:pic>
-      <p:pic>
-        <p:nvPicPr>
-          <p:cNvPr id="1026" name="Picture 2"/>
-          <p:cNvPicPr>
-            <a:picLocks noChangeAspect="1" noChangeArrowheads="1"/>
-          </p:cNvPicPr>
-          <p:nvPr/>
-        </p:nvPicPr>
-        <p:blipFill>
-          <a:blip r:embed="rId4" cstate="print"/>
-          <a:srcRect/>
-          <a:stretch>
-            <a:fillRect/>
-          </a:stretch>
-        </p:blipFill>
-        <p:spPr bwMode="auto">
-          <a:xfrm>
-            <a:off x="107504" y="2060848"/>
-            <a:ext cx="8882686" cy="3096344"/>
-          </a:xfrm>
-          <a:prstGeom prst="rect">
-            <a:avLst/>
-          </a:prstGeom>
-          <a:noFill/>
-          <a:ln w="9525">
-            <a:noFill/>
-            <a:miter lim="800000"/>
-            <a:headEnd/>
-            <a:tailEnd/>
-          </a:ln>
-        </p:spPr>
-      </p:pic>
-    </p:spTree>
-    <p:extLst>
-      <p:ext uri="{BB962C8B-B14F-4D97-AF65-F5344CB8AC3E}">
-        <p14:creationId xmlns:p14="http://schemas.microsoft.com/office/powerpoint/2010/main" val="2808115206"/>
-      </p:ext>
-    </p:extLst>
-  </p:cSld>
-  <p:clrMapOvr>
-    <a:masterClrMapping/>
-  </p:clrMapOvr>
-  <p:timing>
-    <p:tnLst>
-      <p:par>
-        <p:cTn id="1" dur="indefinite" restart="never" nodeType="tmRoot"/>
-      </p:par>
-    </p:tnLst>
-  </p:timing>
-</p:sld>
-</file>
-
-<file path=ppt/slides/slide6.xml><?xml version="1.0" encoding="utf-8"?>
-<p:sld xmlns:a="http://schemas.openxmlformats.org/drawingml/2006/main" xmlns:r="http://schemas.openxmlformats.org/officeDocument/2006/relationships" xmlns:p="http://schemas.openxmlformats.org/presentationml/2006/main">
-  <p:cSld>
-    <p:spTree>
-      <p:nvGrpSpPr>
-        <p:cNvPr id="1" name=""/>
-        <p:cNvGrpSpPr/>
-        <p:nvPr/>
-      </p:nvGrpSpPr>
-      <p:grpSpPr>
-        <a:xfrm>
-          <a:off x="0" y="0"/>
-          <a:ext cx="0" cy="0"/>
-          <a:chOff x="0" y="0"/>
-          <a:chExt cx="0" cy="0"/>
-        </a:xfrm>
-      </p:grpSpPr>
-      <p:sp>
-        <p:nvSpPr>
-          <p:cNvPr id="2" name="Symbol zastępczy zawartości 1"/>
-          <p:cNvSpPr>
-            <a:spLocks noGrp="1"/>
-          </p:cNvSpPr>
-          <p:nvPr>
-            <p:ph idx="1"/>
-          </p:nvPr>
-        </p:nvSpPr>
-        <p:spPr/>
-        <p:txBody>
-          <a:bodyPr>
-            <a:normAutofit/>
-          </a:bodyPr>
-          <a:lstStyle/>
-          <a:p>
-            <a:pPr>
-              <a:buNone/>
-            </a:pPr>
-            <a:endParaRPr lang="pl-PL" b="1" dirty="0"/>
-          </a:p>
-        </p:txBody>
-      </p:sp>
-      <p:sp>
-        <p:nvSpPr>
-          <p:cNvPr id="3" name="Tytuł 2"/>
-          <p:cNvSpPr>
-            <a:spLocks noGrp="1"/>
-          </p:cNvSpPr>
-          <p:nvPr>
-            <p:ph type="title"/>
-          </p:nvPr>
-        </p:nvSpPr>
-        <p:spPr/>
-        <p:txBody>
-          <a:bodyPr>
-            <a:normAutofit fontScale="90000"/>
-          </a:bodyPr>
-          <a:lstStyle/>
-          <a:p>
-            <a:r>
-              <a:rPr lang="pl-PL" sz="4400" dirty="0" smtClean="0"/>
-              <a:t>DB first </a:t>
-            </a:r>
-            <a:r>
-              <a:rPr lang="pl-PL" sz="4400" dirty="0" err="1" smtClean="0"/>
-              <a:t>vs</a:t>
-            </a:r>
-            <a:r>
-              <a:rPr lang="pl-PL" sz="4400" dirty="0" smtClean="0"/>
-              <a:t> </a:t>
-            </a:r>
-            <a:r>
-              <a:rPr lang="pl-PL" sz="4400" dirty="0" err="1" smtClean="0"/>
-              <a:t>Code</a:t>
-            </a:r>
-            <a:r>
-              <a:rPr lang="pl-PL" sz="4400" dirty="0" smtClean="0"/>
-              <a:t> first </a:t>
-            </a:r>
-            <a:br>
-              <a:rPr lang="pl-PL" sz="4400" dirty="0" smtClean="0"/>
-            </a:br>
-            <a:r>
-              <a:rPr lang="pl-PL" sz="4400" dirty="0" err="1" smtClean="0"/>
-              <a:t>vs</a:t>
-            </a:r>
-            <a:r>
-              <a:rPr lang="pl-PL" sz="4400" dirty="0" smtClean="0"/>
-              <a:t> Model first</a:t>
-            </a:r>
-            <a:endParaRPr lang="pl-PL" dirty="0"/>
-          </a:p>
-        </p:txBody>
-      </p:sp>
-      <p:sp>
-        <p:nvSpPr>
-          <p:cNvPr id="4" name="Symbol zastępczy numeru slajdu 3"/>
-          <p:cNvSpPr>
-            <a:spLocks noGrp="1"/>
-          </p:cNvSpPr>
-          <p:nvPr>
-            <p:ph type="sldNum" sz="quarter" idx="12"/>
-          </p:nvPr>
-        </p:nvSpPr>
-        <p:spPr/>
-        <p:txBody>
-          <a:bodyPr/>
-          <a:lstStyle/>
-          <a:p>
-            <a:fld id="{976B8C4A-E01E-49C4-A342-E776841D1431}" type="slidenum">
-              <a:rPr lang="pl-PL" smtClean="0"/>
-              <a:pPr/>
-              <a:t>6</a:t>
-            </a:fld>
-            <a:endParaRPr lang="pl-PL"/>
-          </a:p>
-        </p:txBody>
-      </p:sp>
-      <p:pic>
-        <p:nvPicPr>
-          <p:cNvPr id="5" name="Obraz 4"/>
-          <p:cNvPicPr>
-            <a:picLocks noChangeAspect="1"/>
-          </p:cNvPicPr>
-          <p:nvPr/>
-        </p:nvPicPr>
-        <p:blipFill>
-          <a:blip r:embed="rId3" cstate="print">
-            <a:extLst>
-              <a:ext uri="{28A0092B-C50C-407E-A947-70E740481C1C}">
-                <a14:useLocalDpi xmlns:a14="http://schemas.microsoft.com/office/drawing/2010/main" val="0"/>
-              </a:ext>
-            </a:extLst>
-          </a:blip>
-          <a:stretch>
-            <a:fillRect/>
-          </a:stretch>
-        </p:blipFill>
-        <p:spPr>
-          <a:xfrm>
-            <a:off x="179512" y="6165304"/>
-            <a:ext cx="1008112" cy="574214"/>
-          </a:xfrm>
-          <a:prstGeom prst="rect">
-            <a:avLst/>
-          </a:prstGeom>
-        </p:spPr>
-      </p:pic>
-      <p:pic>
-        <p:nvPicPr>
-          <p:cNvPr id="2051" name="Picture 3"/>
-          <p:cNvPicPr>
-            <a:picLocks noChangeAspect="1" noChangeArrowheads="1"/>
-          </p:cNvPicPr>
-          <p:nvPr/>
-        </p:nvPicPr>
-        <p:blipFill>
-          <a:blip r:embed="rId4" cstate="print"/>
-          <a:srcRect/>
-          <a:stretch>
-            <a:fillRect/>
-          </a:stretch>
-        </p:blipFill>
-        <p:spPr bwMode="auto">
-          <a:xfrm>
-            <a:off x="144017" y="2132856"/>
-            <a:ext cx="8964487" cy="2759545"/>
-          </a:xfrm>
-          <a:prstGeom prst="rect">
-            <a:avLst/>
-          </a:prstGeom>
-          <a:noFill/>
-          <a:ln w="9525">
-            <a:noFill/>
-            <a:miter lim="800000"/>
-            <a:headEnd/>
-            <a:tailEnd/>
-          </a:ln>
-        </p:spPr>
-      </p:pic>
-    </p:spTree>
-    <p:extLst>
-      <p:ext uri="{BB962C8B-B14F-4D97-AF65-F5344CB8AC3E}">
-        <p14:creationId xmlns:p14="http://schemas.microsoft.com/office/powerpoint/2010/main" val="2808115206"/>
-      </p:ext>
-    </p:extLst>
-  </p:cSld>
-  <p:clrMapOvr>
-    <a:masterClrMapping/>
-  </p:clrMapOvr>
-  <p:timing>
-    <p:tnLst>
-      <p:par>
-        <p:cTn id="1" dur="indefinite" restart="never" nodeType="tmRoot"/>
-      </p:par>
-    </p:tnLst>
-  </p:timing>
-</p:sld>
-</file>
-
-<file path=ppt/slides/slide7.xml><?xml version="1.0" encoding="utf-8"?>
-<p:sld xmlns:a="http://schemas.openxmlformats.org/drawingml/2006/main" xmlns:r="http://schemas.openxmlformats.org/officeDocument/2006/relationships" xmlns:p="http://schemas.openxmlformats.org/presentationml/2006/main">
-  <p:cSld>
-    <p:spTree>
-      <p:nvGrpSpPr>
-        <p:cNvPr id="1" name=""/>
-        <p:cNvGrpSpPr/>
-        <p:nvPr/>
-      </p:nvGrpSpPr>
-      <p:grpSpPr>
-        <a:xfrm>
-          <a:off x="0" y="0"/>
-          <a:ext cx="0" cy="0"/>
-          <a:chOff x="0" y="0"/>
-          <a:chExt cx="0" cy="0"/>
-        </a:xfrm>
-      </p:grpSpPr>
-      <p:sp>
-        <p:nvSpPr>
-          <p:cNvPr id="2" name="Symbol zastępczy zawartości 1"/>
-          <p:cNvSpPr>
-            <a:spLocks noGrp="1"/>
-          </p:cNvSpPr>
-          <p:nvPr>
-            <p:ph idx="1"/>
-          </p:nvPr>
-        </p:nvSpPr>
-        <p:spPr/>
-        <p:txBody>
-          <a:bodyPr>
-            <a:normAutofit/>
-          </a:bodyPr>
-          <a:lstStyle/>
-          <a:p>
-            <a:pPr>
-              <a:buNone/>
-            </a:pPr>
-            <a:endParaRPr lang="pl-PL" b="1" dirty="0"/>
-          </a:p>
-        </p:txBody>
-      </p:sp>
-      <p:sp>
-        <p:nvSpPr>
-          <p:cNvPr id="3" name="Tytuł 2"/>
-          <p:cNvSpPr>
-            <a:spLocks noGrp="1"/>
-          </p:cNvSpPr>
-          <p:nvPr>
-            <p:ph type="title"/>
-          </p:nvPr>
-        </p:nvSpPr>
-        <p:spPr/>
-        <p:txBody>
-          <a:bodyPr>
-            <a:normAutofit/>
-          </a:bodyPr>
-          <a:lstStyle/>
-          <a:p>
-            <a:r>
-              <a:rPr lang="pl-PL" dirty="0" smtClean="0"/>
-              <a:t>Wykonywanie zapytań</a:t>
-            </a:r>
-            <a:endParaRPr lang="pl-PL" dirty="0"/>
-          </a:p>
-        </p:txBody>
-      </p:sp>
-      <p:sp>
-        <p:nvSpPr>
-          <p:cNvPr id="4" name="Symbol zastępczy numeru slajdu 3"/>
-          <p:cNvSpPr>
-            <a:spLocks noGrp="1"/>
-          </p:cNvSpPr>
-          <p:nvPr>
-            <p:ph type="sldNum" sz="quarter" idx="12"/>
-          </p:nvPr>
-        </p:nvSpPr>
-        <p:spPr/>
-        <p:txBody>
-          <a:bodyPr/>
-          <a:lstStyle/>
-          <a:p>
-            <a:fld id="{976B8C4A-E01E-49C4-A342-E776841D1431}" type="slidenum">
-              <a:rPr lang="pl-PL" smtClean="0"/>
-              <a:pPr/>
-              <a:t>7</a:t>
-            </a:fld>
-            <a:endParaRPr lang="pl-PL"/>
-          </a:p>
-        </p:txBody>
-      </p:sp>
-      <p:pic>
-        <p:nvPicPr>
-          <p:cNvPr id="5" name="Obraz 4"/>
-          <p:cNvPicPr>
-            <a:picLocks noChangeAspect="1"/>
-          </p:cNvPicPr>
-          <p:nvPr/>
-        </p:nvPicPr>
-        <p:blipFill>
-          <a:blip r:embed="rId3" cstate="print">
-            <a:extLst>
-              <a:ext uri="{28A0092B-C50C-407E-A947-70E740481C1C}">
-                <a14:useLocalDpi xmlns:a14="http://schemas.microsoft.com/office/drawing/2010/main" val="0"/>
-              </a:ext>
-            </a:extLst>
-          </a:blip>
-          <a:stretch>
-            <a:fillRect/>
-          </a:stretch>
-        </p:blipFill>
-        <p:spPr>
-          <a:xfrm>
-            <a:off x="179512" y="6165304"/>
-            <a:ext cx="1008112" cy="574214"/>
-          </a:xfrm>
-          <a:prstGeom prst="rect">
-            <a:avLst/>
-          </a:prstGeom>
-        </p:spPr>
-      </p:pic>
-      <p:pic>
-        <p:nvPicPr>
-          <p:cNvPr id="30722" name="Picture 2"/>
-          <p:cNvPicPr>
-            <a:picLocks noChangeAspect="1" noChangeArrowheads="1"/>
-          </p:cNvPicPr>
-          <p:nvPr/>
-        </p:nvPicPr>
-        <p:blipFill>
-          <a:blip r:embed="rId4" cstate="print"/>
-          <a:srcRect/>
-          <a:stretch>
-            <a:fillRect/>
-          </a:stretch>
-        </p:blipFill>
-        <p:spPr bwMode="auto">
-          <a:xfrm>
-            <a:off x="107504" y="2046536"/>
-            <a:ext cx="8923745" cy="3110656"/>
-          </a:xfrm>
-          <a:prstGeom prst="rect">
-            <a:avLst/>
-          </a:prstGeom>
-          <a:noFill/>
-          <a:ln w="9525">
-            <a:noFill/>
-            <a:miter lim="800000"/>
-            <a:headEnd/>
-            <a:tailEnd/>
-          </a:ln>
-        </p:spPr>
-      </p:pic>
-    </p:spTree>
-    <p:extLst>
-      <p:ext uri="{BB962C8B-B14F-4D97-AF65-F5344CB8AC3E}">
-        <p14:creationId xmlns:p14="http://schemas.microsoft.com/office/powerpoint/2010/main" val="2808115206"/>
+        <p14:creationId xmlns:p14="http://schemas.microsoft.com/office/powerpoint/2010/main" xmlns="" val="2808115206"/>
       </p:ext>
     </p:extLst>
   </p:cSld>
@@ -11516,13 +14672,40 @@
         <p:spPr/>
         <p:txBody>
           <a:bodyPr>
-            <a:normAutofit/>
+            <a:normAutofit fontScale="90000"/>
           </a:bodyPr>
           <a:lstStyle/>
           <a:p>
             <a:r>
-              <a:rPr lang="pl-PL" dirty="0" smtClean="0"/>
-              <a:t>Wykonywanie zapytań</a:t>
+              <a:rPr lang="pl-PL" sz="4400" dirty="0" smtClean="0"/>
+              <a:t>DB first </a:t>
+            </a:r>
+            <a:r>
+              <a:rPr lang="pl-PL" sz="4400" dirty="0" err="1" smtClean="0"/>
+              <a:t>vs</a:t>
+            </a:r>
+            <a:r>
+              <a:rPr lang="pl-PL" sz="4400" dirty="0" smtClean="0"/>
+              <a:t> </a:t>
+            </a:r>
+            <a:r>
+              <a:rPr lang="pl-PL" sz="4400" dirty="0" err="1" smtClean="0"/>
+              <a:t>Code</a:t>
+            </a:r>
+            <a:r>
+              <a:rPr lang="pl-PL" sz="4400" dirty="0" smtClean="0"/>
+              <a:t> first </a:t>
+            </a:r>
+            <a:br>
+              <a:rPr lang="pl-PL" sz="4400" dirty="0" smtClean="0"/>
+            </a:br>
+            <a:r>
+              <a:rPr lang="pl-PL" sz="4400" dirty="0" err="1" smtClean="0"/>
+              <a:t>vs</a:t>
+            </a:r>
+            <a:r>
+              <a:rPr lang="pl-PL" sz="4400" dirty="0" smtClean="0"/>
+              <a:t> Model first</a:t>
             </a:r>
             <a:endParaRPr lang="pl-PL" dirty="0"/>
           </a:p>
@@ -11564,7 +14747,7 @@
           <a:blip r:embed="rId3" cstate="print">
             <a:extLst>
               <a:ext uri="{28A0092B-C50C-407E-A947-70E740481C1C}">
-                <a14:useLocalDpi xmlns:a14="http://schemas.microsoft.com/office/drawing/2010/main" val="0"/>
+                <a14:useLocalDpi xmlns:a14="http://schemas.microsoft.com/office/drawing/2010/main" xmlns="" val="0"/>
               </a:ext>
             </a:extLst>
           </a:blip>
@@ -11584,7 +14767,7 @@
       </p:pic>
       <p:pic>
         <p:nvPicPr>
-          <p:cNvPr id="31747" name="Picture 3"/>
+          <p:cNvPr id="3074" name="Picture 2"/>
           <p:cNvPicPr>
             <a:picLocks noChangeAspect="1" noChangeArrowheads="1"/>
           </p:cNvPicPr>
@@ -11599,8 +14782,8 @@
         </p:blipFill>
         <p:spPr bwMode="auto">
           <a:xfrm>
-            <a:off x="611560" y="1526687"/>
-            <a:ext cx="8325495" cy="4422593"/>
+            <a:off x="216024" y="1772816"/>
+            <a:ext cx="8676456" cy="4088904"/>
           </a:xfrm>
           <a:prstGeom prst="rect">
             <a:avLst/>
@@ -11617,7 +14800,7 @@
     </p:spTree>
     <p:extLst>
       <p:ext uri="{BB962C8B-B14F-4D97-AF65-F5344CB8AC3E}">
-        <p14:creationId xmlns:p14="http://schemas.microsoft.com/office/powerpoint/2010/main" val="2808115206"/>
+        <p14:creationId xmlns:p14="http://schemas.microsoft.com/office/powerpoint/2010/main" xmlns="" val="2808115206"/>
       </p:ext>
     </p:extLst>
   </p:cSld>
@@ -11668,69 +14851,9 @@
           </a:bodyPr>
           <a:lstStyle/>
           <a:p>
-            <a:r>
-              <a:rPr lang="pl-PL" b="1" dirty="0" err="1" smtClean="0"/>
-              <a:t>IQueryable</a:t>
-            </a:r>
-            <a:endParaRPr lang="pl-PL" b="1" dirty="0" smtClean="0"/>
-          </a:p>
-          <a:p>
-            <a:endParaRPr lang="pl-PL" b="1" dirty="0" smtClean="0"/>
-          </a:p>
-          <a:p>
-            <a:r>
-              <a:rPr lang="pl-PL" b="1" dirty="0" smtClean="0"/>
-              <a:t>Wywołanie zapytania -&gt; materializowanie rezultatu</a:t>
-            </a:r>
-          </a:p>
-          <a:p>
-            <a:pPr lvl="1"/>
-            <a:r>
-              <a:rPr lang="pl-PL" b="1" dirty="0" smtClean="0"/>
-              <a:t>.</a:t>
-            </a:r>
-            <a:r>
-              <a:rPr lang="pl-PL" b="1" dirty="0" err="1" smtClean="0"/>
-              <a:t>ToList</a:t>
-            </a:r>
-            <a:r>
-              <a:rPr lang="pl-PL" b="1" dirty="0" smtClean="0"/>
-              <a:t>(), .</a:t>
-            </a:r>
-            <a:r>
-              <a:rPr lang="pl-PL" b="1" dirty="0" err="1" smtClean="0"/>
-              <a:t>ToArray</a:t>
-            </a:r>
-            <a:r>
-              <a:rPr lang="pl-PL" b="1" dirty="0" smtClean="0"/>
-              <a:t>(), .</a:t>
-            </a:r>
-            <a:r>
-              <a:rPr lang="pl-PL" b="1" dirty="0" err="1" smtClean="0"/>
-              <a:t>FirstOrDefault</a:t>
-            </a:r>
-            <a:r>
-              <a:rPr lang="pl-PL" b="1" dirty="0" smtClean="0"/>
-              <a:t>() etc</a:t>
-            </a:r>
-          </a:p>
-          <a:p>
-            <a:pPr lvl="1"/>
-            <a:r>
-              <a:rPr lang="pl-PL" dirty="0" smtClean="0"/>
-              <a:t>drzewo wyrażenia skojarzone z obiektem </a:t>
-            </a:r>
-            <a:r>
-              <a:rPr lang="pl-PL" dirty="0" err="1" smtClean="0"/>
-              <a:t>IQueryable</a:t>
-            </a:r>
-            <a:r>
-              <a:rPr lang="pl-PL" dirty="0" smtClean="0"/>
-              <a:t> tłumaczone i wykonane</a:t>
-            </a:r>
-            <a:endParaRPr lang="pl-PL" b="1" dirty="0" smtClean="0"/>
-          </a:p>
-          <a:p>
+            <a:pPr>
+              <a:buNone/>
+            </a:pPr>
             <a:endParaRPr lang="pl-PL" b="1" dirty="0"/>
           </a:p>
         </p:txBody>
@@ -11748,13 +14871,40 @@
         <p:spPr/>
         <p:txBody>
           <a:bodyPr>
-            <a:normAutofit/>
+            <a:normAutofit fontScale="90000"/>
           </a:bodyPr>
           <a:lstStyle/>
           <a:p>
             <a:r>
-              <a:rPr lang="pl-PL" dirty="0" smtClean="0"/>
-              <a:t>Wykonywanie zapytań</a:t>
+              <a:rPr lang="pl-PL" sz="4400" dirty="0" smtClean="0"/>
+              <a:t>DB first </a:t>
+            </a:r>
+            <a:r>
+              <a:rPr lang="pl-PL" sz="4400" dirty="0" err="1" smtClean="0"/>
+              <a:t>vs</a:t>
+            </a:r>
+            <a:r>
+              <a:rPr lang="pl-PL" sz="4400" dirty="0" smtClean="0"/>
+              <a:t> </a:t>
+            </a:r>
+            <a:r>
+              <a:rPr lang="pl-PL" sz="4400" dirty="0" err="1" smtClean="0"/>
+              <a:t>Code</a:t>
+            </a:r>
+            <a:r>
+              <a:rPr lang="pl-PL" sz="4400" dirty="0" smtClean="0"/>
+              <a:t> first </a:t>
+            </a:r>
+            <a:br>
+              <a:rPr lang="pl-PL" sz="4400" dirty="0" smtClean="0"/>
+            </a:br>
+            <a:r>
+              <a:rPr lang="pl-PL" sz="4400" dirty="0" err="1" smtClean="0"/>
+              <a:t>vs</a:t>
+            </a:r>
+            <a:r>
+              <a:rPr lang="pl-PL" sz="4400" dirty="0" smtClean="0"/>
+              <a:t> Model first</a:t>
             </a:r>
             <a:endParaRPr lang="pl-PL" dirty="0"/>
           </a:p>
@@ -11796,7 +14946,7 @@
           <a:blip r:embed="rId3" cstate="print">
             <a:extLst>
               <a:ext uri="{28A0092B-C50C-407E-A947-70E740481C1C}">
-                <a14:useLocalDpi xmlns:a14="http://schemas.microsoft.com/office/drawing/2010/main" val="0"/>
+                <a14:useLocalDpi xmlns:a14="http://schemas.microsoft.com/office/drawing/2010/main" xmlns="" val="0"/>
               </a:ext>
             </a:extLst>
           </a:blip>
@@ -11814,10 +14964,42 @@
           </a:prstGeom>
         </p:spPr>
       </p:pic>
+      <p:pic>
+        <p:nvPicPr>
+          <p:cNvPr id="4098" name="Picture 2"/>
+          <p:cNvPicPr>
+            <a:picLocks noChangeAspect="1" noChangeArrowheads="1"/>
+          </p:cNvPicPr>
+          <p:nvPr/>
+        </p:nvPicPr>
+        <p:blipFill>
+          <a:blip r:embed="rId4" cstate="print"/>
+          <a:srcRect/>
+          <a:stretch>
+            <a:fillRect/>
+          </a:stretch>
+        </p:blipFill>
+        <p:spPr bwMode="auto">
+          <a:xfrm>
+            <a:off x="179512" y="1678370"/>
+            <a:ext cx="8664194" cy="4342918"/>
+          </a:xfrm>
+          <a:prstGeom prst="rect">
+            <a:avLst/>
+          </a:prstGeom>
+          <a:noFill/>
+          <a:ln w="9525">
+            <a:noFill/>
+            <a:miter lim="800000"/>
+            <a:headEnd/>
+            <a:tailEnd/>
+          </a:ln>
+        </p:spPr>
+      </p:pic>
     </p:spTree>
     <p:extLst>
       <p:ext uri="{BB962C8B-B14F-4D97-AF65-F5344CB8AC3E}">
-        <p14:creationId xmlns:p14="http://schemas.microsoft.com/office/powerpoint/2010/main" val="2808115206"/>
+        <p14:creationId xmlns:p14="http://schemas.microsoft.com/office/powerpoint/2010/main" xmlns="" val="2808115206"/>
       </p:ext>
     </p:extLst>
   </p:cSld>

--- a/ItKrd_EF.pptx
+++ b/ItKrd_EF.pptx
@@ -5,7 +5,7 @@
     <p:sldMasterId id="2147483672" r:id="rId1"/>
   </p:sldMasterIdLst>
   <p:notesMasterIdLst>
-    <p:notesMasterId r:id="rId35"/>
+    <p:notesMasterId r:id="rId37"/>
   </p:notesMasterIdLst>
   <p:sldIdLst>
     <p:sldId id="259" r:id="rId2"/>
@@ -30,17 +30,19 @@
     <p:sldId id="340" r:id="rId21"/>
     <p:sldId id="347" r:id="rId22"/>
     <p:sldId id="338" r:id="rId23"/>
-    <p:sldId id="348" r:id="rId24"/>
-    <p:sldId id="356" r:id="rId25"/>
-    <p:sldId id="355" r:id="rId26"/>
-    <p:sldId id="350" r:id="rId27"/>
-    <p:sldId id="351" r:id="rId28"/>
-    <p:sldId id="352" r:id="rId29"/>
-    <p:sldId id="353" r:id="rId30"/>
-    <p:sldId id="354" r:id="rId31"/>
-    <p:sldId id="273" r:id="rId32"/>
-    <p:sldId id="265" r:id="rId33"/>
-    <p:sldId id="312" r:id="rId34"/>
+    <p:sldId id="366" r:id="rId24"/>
+    <p:sldId id="365" r:id="rId25"/>
+    <p:sldId id="348" r:id="rId26"/>
+    <p:sldId id="356" r:id="rId27"/>
+    <p:sldId id="355" r:id="rId28"/>
+    <p:sldId id="350" r:id="rId29"/>
+    <p:sldId id="351" r:id="rId30"/>
+    <p:sldId id="352" r:id="rId31"/>
+    <p:sldId id="353" r:id="rId32"/>
+    <p:sldId id="354" r:id="rId33"/>
+    <p:sldId id="273" r:id="rId34"/>
+    <p:sldId id="265" r:id="rId35"/>
+    <p:sldId id="312" r:id="rId36"/>
   </p:sldIdLst>
   <p:sldSz cx="9144000" cy="6858000" type="screen4x3"/>
   <p:notesSz cx="6858000" cy="9144000"/>
@@ -141,7 +143,7 @@
   </p:defaultTextStyle>
   <p:extLst>
     <p:ext uri="{521415D9-36F7-43E2-AB2F-B90AF26B5E84}">
-      <p14:sectionLst xmlns:p14="http://schemas.microsoft.com/office/powerpoint/2010/main" xmlns="">
+      <p14:sectionLst xmlns:p14="http://schemas.microsoft.com/office/powerpoint/2010/main">
         <p14:section name="Sekcja domyślna" id="{3BC6E1D2-328C-41CB-9057-F3B961AC0247}">
           <p14:sldIdLst/>
         </p14:section>
@@ -149,23 +151,36 @@
           <p14:sldIdLst>
             <p14:sldId id="259"/>
             <p14:sldId id="261"/>
+            <p14:sldId id="363"/>
+            <p14:sldId id="357"/>
+            <p14:sldId id="358"/>
             <p14:sldId id="341"/>
             <p14:sldId id="349"/>
+            <p14:sldId id="359"/>
+            <p14:sldId id="360"/>
+            <p14:sldId id="361"/>
             <p14:sldId id="346"/>
             <p14:sldId id="345"/>
+            <p14:sldId id="364"/>
             <p14:sldId id="344"/>
             <p14:sldId id="342"/>
             <p14:sldId id="343"/>
+            <p14:sldId id="362"/>
             <p14:sldId id="337"/>
             <p14:sldId id="339"/>
             <p14:sldId id="340"/>
             <p14:sldId id="347"/>
             <p14:sldId id="338"/>
+            <p14:sldId id="366"/>
+            <p14:sldId id="365"/>
             <p14:sldId id="348"/>
+            <p14:sldId id="356"/>
+            <p14:sldId id="355"/>
             <p14:sldId id="350"/>
             <p14:sldId id="351"/>
             <p14:sldId id="352"/>
             <p14:sldId id="353"/>
+            <p14:sldId id="354"/>
             <p14:sldId id="273"/>
             <p14:sldId id="265"/>
             <p14:sldId id="312"/>
@@ -260,7 +275,7 @@
             <a:fld id="{BA253BF4-6D38-4006-9F12-A6653E7283E6}" type="datetimeFigureOut">
               <a:rPr lang="pl-PL" smtClean="0"/>
               <a:pPr/>
-              <a:t>2018-06-13</a:t>
+              <a:t>14.06.2018</a:t>
             </a:fld>
             <a:endParaRPr lang="pl-PL"/>
           </a:p>
@@ -429,7 +444,7 @@
     </p:spTree>
     <p:extLst>
       <p:ext uri="{BB962C8B-B14F-4D97-AF65-F5344CB8AC3E}">
-        <p14:creationId xmlns:p14="http://schemas.microsoft.com/office/powerpoint/2010/main" xmlns="" val="369149221"/>
+        <p14:creationId xmlns:p14="http://schemas.microsoft.com/office/powerpoint/2010/main" val="369149221"/>
       </p:ext>
     </p:extLst>
   </p:cSld>
@@ -604,7 +619,7 @@
     </p:spTree>
     <p:extLst>
       <p:ext uri="{BB962C8B-B14F-4D97-AF65-F5344CB8AC3E}">
-        <p14:creationId xmlns:p14="http://schemas.microsoft.com/office/powerpoint/2010/main" xmlns="" val="1294036258"/>
+        <p14:creationId xmlns:p14="http://schemas.microsoft.com/office/powerpoint/2010/main" val="1294036258"/>
       </p:ext>
     </p:extLst>
   </p:cSld>
@@ -2040,7 +2055,7 @@
           <a:p>
             <a:pPr>
               <a:buFontTx/>
-              <a:buNone/>
+              <a:buChar char="-"/>
             </a:pPr>
             <a:endParaRPr lang="pl-PL" baseline="0" dirty="0" smtClean="0"/>
           </a:p>
@@ -2126,7 +2141,7 @@
           <a:p>
             <a:pPr>
               <a:buFontTx/>
-              <a:buNone/>
+              <a:buChar char="-"/>
             </a:pPr>
             <a:endParaRPr lang="pl-PL" baseline="0" dirty="0" smtClean="0"/>
           </a:p>
@@ -2584,6 +2599,178 @@
               <a:rPr lang="pl-PL" smtClean="0"/>
               <a:pPr/>
               <a:t>4</a:t>
+            </a:fld>
+            <a:endParaRPr lang="pl-PL"/>
+          </a:p>
+        </p:txBody>
+      </p:sp>
+    </p:spTree>
+  </p:cSld>
+  <p:clrMapOvr>
+    <a:masterClrMapping/>
+  </p:clrMapOvr>
+</p:notes>
+</file>
+
+<file path=ppt/notesSlides/notesSlide30.xml><?xml version="1.0" encoding="utf-8"?>
+<p:notes xmlns:a="http://schemas.openxmlformats.org/drawingml/2006/main" xmlns:r="http://schemas.openxmlformats.org/officeDocument/2006/relationships" xmlns:p="http://schemas.openxmlformats.org/presentationml/2006/main">
+  <p:cSld>
+    <p:spTree>
+      <p:nvGrpSpPr>
+        <p:cNvPr id="1" name=""/>
+        <p:cNvGrpSpPr/>
+        <p:nvPr/>
+      </p:nvGrpSpPr>
+      <p:grpSpPr>
+        <a:xfrm>
+          <a:off x="0" y="0"/>
+          <a:ext cx="0" cy="0"/>
+          <a:chOff x="0" y="0"/>
+          <a:chExt cx="0" cy="0"/>
+        </a:xfrm>
+      </p:grpSpPr>
+      <p:sp>
+        <p:nvSpPr>
+          <p:cNvPr id="2" name="Symbol zastępczy obrazu slajdu 1"/>
+          <p:cNvSpPr>
+            <a:spLocks noGrp="1" noRot="1" noChangeAspect="1"/>
+          </p:cNvSpPr>
+          <p:nvPr>
+            <p:ph type="sldImg"/>
+          </p:nvPr>
+        </p:nvSpPr>
+        <p:spPr/>
+      </p:sp>
+      <p:sp>
+        <p:nvSpPr>
+          <p:cNvPr id="3" name="Symbol zastępczy notatek 2"/>
+          <p:cNvSpPr>
+            <a:spLocks noGrp="1"/>
+          </p:cNvSpPr>
+          <p:nvPr>
+            <p:ph type="body" idx="1"/>
+          </p:nvPr>
+        </p:nvSpPr>
+        <p:spPr/>
+        <p:txBody>
+          <a:bodyPr>
+            <a:normAutofit/>
+          </a:bodyPr>
+          <a:lstStyle/>
+          <a:p>
+            <a:pPr>
+              <a:buFontTx/>
+              <a:buNone/>
+            </a:pPr>
+            <a:endParaRPr lang="pl-PL" baseline="0" dirty="0" smtClean="0"/>
+          </a:p>
+        </p:txBody>
+      </p:sp>
+      <p:sp>
+        <p:nvSpPr>
+          <p:cNvPr id="4" name="Symbol zastępczy numeru slajdu 3"/>
+          <p:cNvSpPr>
+            <a:spLocks noGrp="1"/>
+          </p:cNvSpPr>
+          <p:nvPr>
+            <p:ph type="sldNum" sz="quarter" idx="10"/>
+          </p:nvPr>
+        </p:nvSpPr>
+        <p:spPr/>
+        <p:txBody>
+          <a:bodyPr/>
+          <a:lstStyle/>
+          <a:p>
+            <a:fld id="{70356EB1-0873-493D-B649-9A936806DB67}" type="slidenum">
+              <a:rPr lang="pl-PL" smtClean="0"/>
+              <a:pPr/>
+              <a:t>31</a:t>
+            </a:fld>
+            <a:endParaRPr lang="pl-PL"/>
+          </a:p>
+        </p:txBody>
+      </p:sp>
+    </p:spTree>
+  </p:cSld>
+  <p:clrMapOvr>
+    <a:masterClrMapping/>
+  </p:clrMapOvr>
+</p:notes>
+</file>
+
+<file path=ppt/notesSlides/notesSlide31.xml><?xml version="1.0" encoding="utf-8"?>
+<p:notes xmlns:a="http://schemas.openxmlformats.org/drawingml/2006/main" xmlns:r="http://schemas.openxmlformats.org/officeDocument/2006/relationships" xmlns:p="http://schemas.openxmlformats.org/presentationml/2006/main">
+  <p:cSld>
+    <p:spTree>
+      <p:nvGrpSpPr>
+        <p:cNvPr id="1" name=""/>
+        <p:cNvGrpSpPr/>
+        <p:nvPr/>
+      </p:nvGrpSpPr>
+      <p:grpSpPr>
+        <a:xfrm>
+          <a:off x="0" y="0"/>
+          <a:ext cx="0" cy="0"/>
+          <a:chOff x="0" y="0"/>
+          <a:chExt cx="0" cy="0"/>
+        </a:xfrm>
+      </p:grpSpPr>
+      <p:sp>
+        <p:nvSpPr>
+          <p:cNvPr id="2" name="Symbol zastępczy obrazu slajdu 1"/>
+          <p:cNvSpPr>
+            <a:spLocks noGrp="1" noRot="1" noChangeAspect="1"/>
+          </p:cNvSpPr>
+          <p:nvPr>
+            <p:ph type="sldImg"/>
+          </p:nvPr>
+        </p:nvSpPr>
+        <p:spPr/>
+      </p:sp>
+      <p:sp>
+        <p:nvSpPr>
+          <p:cNvPr id="3" name="Symbol zastępczy notatek 2"/>
+          <p:cNvSpPr>
+            <a:spLocks noGrp="1"/>
+          </p:cNvSpPr>
+          <p:nvPr>
+            <p:ph type="body" idx="1"/>
+          </p:nvPr>
+        </p:nvSpPr>
+        <p:spPr/>
+        <p:txBody>
+          <a:bodyPr>
+            <a:normAutofit/>
+          </a:bodyPr>
+          <a:lstStyle/>
+          <a:p>
+            <a:pPr>
+              <a:buFontTx/>
+              <a:buNone/>
+            </a:pPr>
+            <a:endParaRPr lang="pl-PL" baseline="0" dirty="0" smtClean="0"/>
+          </a:p>
+        </p:txBody>
+      </p:sp>
+      <p:sp>
+        <p:nvSpPr>
+          <p:cNvPr id="4" name="Symbol zastępczy numeru slajdu 3"/>
+          <p:cNvSpPr>
+            <a:spLocks noGrp="1"/>
+          </p:cNvSpPr>
+          <p:nvPr>
+            <p:ph type="sldNum" sz="quarter" idx="10"/>
+          </p:nvPr>
+        </p:nvSpPr>
+        <p:spPr/>
+        <p:txBody>
+          <a:bodyPr/>
+          <a:lstStyle/>
+          <a:p>
+            <a:fld id="{70356EB1-0873-493D-B649-9A936806DB67}" type="slidenum">
+              <a:rPr lang="pl-PL" smtClean="0"/>
+              <a:pPr/>
+              <a:t>32</a:t>
             </a:fld>
             <a:endParaRPr lang="pl-PL"/>
           </a:p>
@@ -3796,7 +3983,7 @@
             <a:fld id="{799B1624-8819-4D6B-919D-578434B16426}" type="datetime1">
               <a:rPr lang="pl-PL" smtClean="0"/>
               <a:pPr/>
-              <a:t>2018-06-13</a:t>
+              <a:t>14.06.2018</a:t>
             </a:fld>
             <a:endParaRPr lang="pl-PL"/>
           </a:p>
@@ -3994,7 +4181,7 @@
             <a:fld id="{601446BC-F8B9-47CB-AFC3-DE6DE2F0F6B3}" type="datetime1">
               <a:rPr lang="pl-PL" smtClean="0"/>
               <a:pPr/>
-              <a:t>2018-06-13</a:t>
+              <a:t>14.06.2018</a:t>
             </a:fld>
             <a:endParaRPr lang="pl-PL"/>
           </a:p>
@@ -4181,7 +4368,7 @@
             <a:fld id="{1B7B9A85-6194-450B-A4EC-90260B3BB407}" type="datetime1">
               <a:rPr lang="pl-PL" smtClean="0"/>
               <a:pPr/>
-              <a:t>2018-06-13</a:t>
+              <a:t>14.06.2018</a:t>
             </a:fld>
             <a:endParaRPr lang="pl-PL"/>
           </a:p>
@@ -4333,7 +4520,7 @@
             <a:fld id="{920BE0C5-60E3-4117-8638-1F1C468BA7A2}" type="datetime1">
               <a:rPr lang="pl-PL" smtClean="0"/>
               <a:pPr/>
-              <a:t>2018-06-13</a:t>
+              <a:t>14.06.2018</a:t>
             </a:fld>
             <a:endParaRPr lang="pl-PL"/>
           </a:p>
@@ -4590,7 +4777,7 @@
             <a:fld id="{D0626FED-AB84-4C32-8595-BD4872B9C791}" type="datetime1">
               <a:rPr lang="pl-PL" smtClean="0"/>
               <a:pPr/>
-              <a:t>2018-06-13</a:t>
+              <a:t>14.06.2018</a:t>
             </a:fld>
             <a:endParaRPr lang="pl-PL"/>
           </a:p>
@@ -5001,7 +5188,7 @@
             <a:fld id="{A6995F53-04EE-4A67-9EED-8FE911D5C70A}" type="datetime1">
               <a:rPr lang="pl-PL" smtClean="0"/>
               <a:pPr/>
-              <a:t>2018-06-13</a:t>
+              <a:t>14.06.2018</a:t>
             </a:fld>
             <a:endParaRPr lang="pl-PL"/>
           </a:p>
@@ -5449,7 +5636,7 @@
             <a:fld id="{D19A3F59-6A1D-465C-9AB9-069469750EA2}" type="datetime1">
               <a:rPr lang="pl-PL" smtClean="0"/>
               <a:pPr/>
-              <a:t>2018-06-13</a:t>
+              <a:t>14.06.2018</a:t>
             </a:fld>
             <a:endParaRPr lang="pl-PL"/>
           </a:p>
@@ -5552,7 +5739,7 @@
             <a:fld id="{7191BA32-4892-4059-9D23-7C2D66D8892A}" type="datetime1">
               <a:rPr lang="pl-PL" smtClean="0"/>
               <a:pPr/>
-              <a:t>2018-06-13</a:t>
+              <a:t>14.06.2018</a:t>
             </a:fld>
             <a:endParaRPr lang="pl-PL"/>
           </a:p>
@@ -5675,7 +5862,7 @@
             <a:fld id="{57B7B363-005F-4AA1-B9EB-7CD1AD716AB0}" type="datetime1">
               <a:rPr lang="pl-PL" smtClean="0"/>
               <a:pPr/>
-              <a:t>2018-06-13</a:t>
+              <a:t>14.06.2018</a:t>
             </a:fld>
             <a:endParaRPr lang="pl-PL"/>
           </a:p>
@@ -5951,7 +6138,7 @@
             <a:fld id="{3A16DBD4-665A-4F4F-9874-79722C57D8D3}" type="datetime1">
               <a:rPr lang="pl-PL" smtClean="0"/>
               <a:pPr/>
-              <a:t>2018-06-13</a:t>
+              <a:t>14.06.2018</a:t>
             </a:fld>
             <a:endParaRPr lang="pl-PL"/>
           </a:p>
@@ -6158,7 +6345,7 @@
             <a:fld id="{090F78FD-E44B-4298-ADA0-48A742E66713}" type="datetime1">
               <a:rPr lang="pl-PL" smtClean="0"/>
               <a:pPr/>
-              <a:t>2018-06-13</a:t>
+              <a:t>14.06.2018</a:t>
             </a:fld>
             <a:endParaRPr lang="pl-PL"/>
           </a:p>
@@ -7269,7 +7456,7 @@
             <a:fld id="{E776A798-8808-471E-95CD-3CC8125631CF}" type="datetime1">
               <a:rPr lang="pl-PL" smtClean="0"/>
               <a:pPr/>
-              <a:t>2018-06-13</a:t>
+              <a:t>14.06.2018</a:t>
             </a:fld>
             <a:endParaRPr lang="pl-PL"/>
           </a:p>
@@ -7738,7 +7925,7 @@
           <a:blip r:embed="rId3" cstate="print">
             <a:extLst>
               <a:ext uri="{28A0092B-C50C-407E-A947-70E740481C1C}">
-                <a14:useLocalDpi xmlns:a14="http://schemas.microsoft.com/office/drawing/2010/main" xmlns="" val="0"/>
+                <a14:useLocalDpi xmlns:a14="http://schemas.microsoft.com/office/drawing/2010/main" val="0"/>
               </a:ext>
             </a:extLst>
           </a:blip>
@@ -7790,7 +7977,7 @@
     </p:spTree>
     <p:extLst>
       <p:ext uri="{BB962C8B-B14F-4D97-AF65-F5344CB8AC3E}">
-        <p14:creationId xmlns:p14="http://schemas.microsoft.com/office/powerpoint/2010/main" xmlns="" val="3157427889"/>
+        <p14:creationId xmlns:p14="http://schemas.microsoft.com/office/powerpoint/2010/main" val="3157427889"/>
       </p:ext>
     </p:extLst>
   </p:cSld>
@@ -7936,7 +8123,7 @@
           <a:blip r:embed="rId3" cstate="print">
             <a:extLst>
               <a:ext uri="{28A0092B-C50C-407E-A947-70E740481C1C}">
-                <a14:useLocalDpi xmlns:a14="http://schemas.microsoft.com/office/drawing/2010/main" xmlns="" val="0"/>
+                <a14:useLocalDpi xmlns:a14="http://schemas.microsoft.com/office/drawing/2010/main" val="0"/>
               </a:ext>
             </a:extLst>
           </a:blip>
@@ -7989,7 +8176,7 @@
     </p:spTree>
     <p:extLst>
       <p:ext uri="{BB962C8B-B14F-4D97-AF65-F5344CB8AC3E}">
-        <p14:creationId xmlns:p14="http://schemas.microsoft.com/office/powerpoint/2010/main" xmlns="" val="2808115206"/>
+        <p14:creationId xmlns:p14="http://schemas.microsoft.com/office/powerpoint/2010/main" val="2808115206"/>
       </p:ext>
     </p:extLst>
   </p:cSld>
@@ -8135,7 +8322,7 @@
           <a:blip r:embed="rId3" cstate="print">
             <a:extLst>
               <a:ext uri="{28A0092B-C50C-407E-A947-70E740481C1C}">
-                <a14:useLocalDpi xmlns:a14="http://schemas.microsoft.com/office/drawing/2010/main" xmlns="" val="0"/>
+                <a14:useLocalDpi xmlns:a14="http://schemas.microsoft.com/office/drawing/2010/main" val="0"/>
               </a:ext>
             </a:extLst>
           </a:blip>
@@ -8188,7 +8375,7 @@
     </p:spTree>
     <p:extLst>
       <p:ext uri="{BB962C8B-B14F-4D97-AF65-F5344CB8AC3E}">
-        <p14:creationId xmlns:p14="http://schemas.microsoft.com/office/powerpoint/2010/main" xmlns="" val="2808115206"/>
+        <p14:creationId xmlns:p14="http://schemas.microsoft.com/office/powerpoint/2010/main" val="2808115206"/>
       </p:ext>
     </p:extLst>
   </p:cSld>
@@ -8334,7 +8521,7 @@
           <a:blip r:embed="rId3" cstate="print">
             <a:extLst>
               <a:ext uri="{28A0092B-C50C-407E-A947-70E740481C1C}">
-                <a14:useLocalDpi xmlns:a14="http://schemas.microsoft.com/office/drawing/2010/main" xmlns="" val="0"/>
+                <a14:useLocalDpi xmlns:a14="http://schemas.microsoft.com/office/drawing/2010/main" val="0"/>
               </a:ext>
             </a:extLst>
           </a:blip>
@@ -8387,7 +8574,7 @@
     </p:spTree>
     <p:extLst>
       <p:ext uri="{BB962C8B-B14F-4D97-AF65-F5344CB8AC3E}">
-        <p14:creationId xmlns:p14="http://schemas.microsoft.com/office/powerpoint/2010/main" xmlns="" val="2808115206"/>
+        <p14:creationId xmlns:p14="http://schemas.microsoft.com/office/powerpoint/2010/main" val="2808115206"/>
       </p:ext>
     </p:extLst>
   </p:cSld>
@@ -8537,7 +8724,7 @@
           <a:blip r:embed="rId3" cstate="print">
             <a:extLst>
               <a:ext uri="{28A0092B-C50C-407E-A947-70E740481C1C}">
-                <a14:useLocalDpi xmlns:a14="http://schemas.microsoft.com/office/drawing/2010/main" xmlns="" val="0"/>
+                <a14:useLocalDpi xmlns:a14="http://schemas.microsoft.com/office/drawing/2010/main" val="0"/>
               </a:ext>
             </a:extLst>
           </a:blip>
@@ -8558,7 +8745,7 @@
     </p:spTree>
     <p:extLst>
       <p:ext uri="{BB962C8B-B14F-4D97-AF65-F5344CB8AC3E}">
-        <p14:creationId xmlns:p14="http://schemas.microsoft.com/office/powerpoint/2010/main" xmlns="" val="2808115206"/>
+        <p14:creationId xmlns:p14="http://schemas.microsoft.com/office/powerpoint/2010/main" val="2808115206"/>
       </p:ext>
     </p:extLst>
   </p:cSld>
@@ -8677,7 +8864,7 @@
           <a:blip r:embed="rId3" cstate="print">
             <a:extLst>
               <a:ext uri="{28A0092B-C50C-407E-A947-70E740481C1C}">
-                <a14:useLocalDpi xmlns:a14="http://schemas.microsoft.com/office/drawing/2010/main" xmlns="" val="0"/>
+                <a14:useLocalDpi xmlns:a14="http://schemas.microsoft.com/office/drawing/2010/main" val="0"/>
               </a:ext>
             </a:extLst>
           </a:blip>
@@ -8730,7 +8917,7 @@
     </p:spTree>
     <p:extLst>
       <p:ext uri="{BB962C8B-B14F-4D97-AF65-F5344CB8AC3E}">
-        <p14:creationId xmlns:p14="http://schemas.microsoft.com/office/powerpoint/2010/main" xmlns="" val="2808115206"/>
+        <p14:creationId xmlns:p14="http://schemas.microsoft.com/office/powerpoint/2010/main" val="2808115206"/>
       </p:ext>
     </p:extLst>
   </p:cSld>
@@ -8849,7 +9036,7 @@
           <a:blip r:embed="rId3" cstate="print">
             <a:extLst>
               <a:ext uri="{28A0092B-C50C-407E-A947-70E740481C1C}">
-                <a14:useLocalDpi xmlns:a14="http://schemas.microsoft.com/office/drawing/2010/main" xmlns="" val="0"/>
+                <a14:useLocalDpi xmlns:a14="http://schemas.microsoft.com/office/drawing/2010/main" val="0"/>
               </a:ext>
             </a:extLst>
           </a:blip>
@@ -8902,7 +9089,7 @@
     </p:spTree>
     <p:extLst>
       <p:ext uri="{BB962C8B-B14F-4D97-AF65-F5344CB8AC3E}">
-        <p14:creationId xmlns:p14="http://schemas.microsoft.com/office/powerpoint/2010/main" xmlns="" val="2808115206"/>
+        <p14:creationId xmlns:p14="http://schemas.microsoft.com/office/powerpoint/2010/main" val="2808115206"/>
       </p:ext>
     </p:extLst>
   </p:cSld>
@@ -9081,7 +9268,7 @@
           <a:blip r:embed="rId3" cstate="print">
             <a:extLst>
               <a:ext uri="{28A0092B-C50C-407E-A947-70E740481C1C}">
-                <a14:useLocalDpi xmlns:a14="http://schemas.microsoft.com/office/drawing/2010/main" xmlns="" val="0"/>
+                <a14:useLocalDpi xmlns:a14="http://schemas.microsoft.com/office/drawing/2010/main" val="0"/>
               </a:ext>
             </a:extLst>
           </a:blip>
@@ -9102,7 +9289,7 @@
     </p:spTree>
     <p:extLst>
       <p:ext uri="{BB962C8B-B14F-4D97-AF65-F5344CB8AC3E}">
-        <p14:creationId xmlns:p14="http://schemas.microsoft.com/office/powerpoint/2010/main" xmlns="" val="2808115206"/>
+        <p14:creationId xmlns:p14="http://schemas.microsoft.com/office/powerpoint/2010/main" val="2808115206"/>
       </p:ext>
     </p:extLst>
   </p:cSld>
@@ -9225,7 +9412,7 @@
           <a:blip r:embed="rId3" cstate="print">
             <a:extLst>
               <a:ext uri="{28A0092B-C50C-407E-A947-70E740481C1C}">
-                <a14:useLocalDpi xmlns:a14="http://schemas.microsoft.com/office/drawing/2010/main" xmlns="" val="0"/>
+                <a14:useLocalDpi xmlns:a14="http://schemas.microsoft.com/office/drawing/2010/main" val="0"/>
               </a:ext>
             </a:extLst>
           </a:blip>
@@ -9246,7 +9433,7 @@
     </p:spTree>
     <p:extLst>
       <p:ext uri="{BB962C8B-B14F-4D97-AF65-F5344CB8AC3E}">
-        <p14:creationId xmlns:p14="http://schemas.microsoft.com/office/powerpoint/2010/main" xmlns="" val="2808115206"/>
+        <p14:creationId xmlns:p14="http://schemas.microsoft.com/office/powerpoint/2010/main" val="2808115206"/>
       </p:ext>
     </p:extLst>
   </p:cSld>
@@ -9365,7 +9552,7 @@
           <a:blip r:embed="rId3" cstate="print">
             <a:extLst>
               <a:ext uri="{28A0092B-C50C-407E-A947-70E740481C1C}">
-                <a14:useLocalDpi xmlns:a14="http://schemas.microsoft.com/office/drawing/2010/main" xmlns="" val="0"/>
+                <a14:useLocalDpi xmlns:a14="http://schemas.microsoft.com/office/drawing/2010/main" val="0"/>
               </a:ext>
             </a:extLst>
           </a:blip>
@@ -9418,7 +9605,7 @@
     </p:spTree>
     <p:extLst>
       <p:ext uri="{BB962C8B-B14F-4D97-AF65-F5344CB8AC3E}">
-        <p14:creationId xmlns:p14="http://schemas.microsoft.com/office/powerpoint/2010/main" xmlns="" val="2808115206"/>
+        <p14:creationId xmlns:p14="http://schemas.microsoft.com/office/powerpoint/2010/main" val="2808115206"/>
       </p:ext>
     </p:extLst>
   </p:cSld>
@@ -10015,7 +10202,7 @@
           <a:blip r:embed="rId3" cstate="print">
             <a:extLst>
               <a:ext uri="{28A0092B-C50C-407E-A947-70E740481C1C}">
-                <a14:useLocalDpi xmlns:a14="http://schemas.microsoft.com/office/drawing/2010/main" xmlns="" val="0"/>
+                <a14:useLocalDpi xmlns:a14="http://schemas.microsoft.com/office/drawing/2010/main" val="0"/>
               </a:ext>
             </a:extLst>
           </a:blip>
@@ -10036,7 +10223,7 @@
     </p:spTree>
     <p:extLst>
       <p:ext uri="{BB962C8B-B14F-4D97-AF65-F5344CB8AC3E}">
-        <p14:creationId xmlns:p14="http://schemas.microsoft.com/office/powerpoint/2010/main" xmlns="" val="2808115206"/>
+        <p14:creationId xmlns:p14="http://schemas.microsoft.com/office/powerpoint/2010/main" val="2808115206"/>
       </p:ext>
     </p:extLst>
   </p:cSld>
@@ -10280,7 +10467,7 @@
           <a:blip r:embed="rId2" cstate="print">
             <a:extLst>
               <a:ext uri="{28A0092B-C50C-407E-A947-70E740481C1C}">
-                <a14:useLocalDpi xmlns:a14="http://schemas.microsoft.com/office/drawing/2010/main" xmlns="" val="0"/>
+                <a14:useLocalDpi xmlns:a14="http://schemas.microsoft.com/office/drawing/2010/main" val="0"/>
               </a:ext>
             </a:extLst>
           </a:blip>
@@ -10301,7 +10488,7 @@
     </p:spTree>
     <p:extLst>
       <p:ext uri="{BB962C8B-B14F-4D97-AF65-F5344CB8AC3E}">
-        <p14:creationId xmlns:p14="http://schemas.microsoft.com/office/powerpoint/2010/main" xmlns="" val="718025446"/>
+        <p14:creationId xmlns:p14="http://schemas.microsoft.com/office/powerpoint/2010/main" val="718025446"/>
       </p:ext>
     </p:extLst>
   </p:cSld>
@@ -10460,7 +10647,7 @@
           <a:blip r:embed="rId3" cstate="print">
             <a:extLst>
               <a:ext uri="{28A0092B-C50C-407E-A947-70E740481C1C}">
-                <a14:useLocalDpi xmlns:a14="http://schemas.microsoft.com/office/drawing/2010/main" xmlns="" val="0"/>
+                <a14:useLocalDpi xmlns:a14="http://schemas.microsoft.com/office/drawing/2010/main" val="0"/>
               </a:ext>
             </a:extLst>
           </a:blip>
@@ -10481,7 +10668,7 @@
     </p:spTree>
     <p:extLst>
       <p:ext uri="{BB962C8B-B14F-4D97-AF65-F5344CB8AC3E}">
-        <p14:creationId xmlns:p14="http://schemas.microsoft.com/office/powerpoint/2010/main" xmlns="" val="2808115206"/>
+        <p14:creationId xmlns:p14="http://schemas.microsoft.com/office/powerpoint/2010/main" val="2808115206"/>
       </p:ext>
     </p:extLst>
   </p:cSld>
@@ -10600,7 +10787,7 @@
           <a:blip r:embed="rId3" cstate="print">
             <a:extLst>
               <a:ext uri="{28A0092B-C50C-407E-A947-70E740481C1C}">
-                <a14:useLocalDpi xmlns:a14="http://schemas.microsoft.com/office/drawing/2010/main" xmlns="" val="0"/>
+                <a14:useLocalDpi xmlns:a14="http://schemas.microsoft.com/office/drawing/2010/main" val="0"/>
               </a:ext>
             </a:extLst>
           </a:blip>
@@ -10653,7 +10840,7 @@
     </p:spTree>
     <p:extLst>
       <p:ext uri="{BB962C8B-B14F-4D97-AF65-F5344CB8AC3E}">
-        <p14:creationId xmlns:p14="http://schemas.microsoft.com/office/powerpoint/2010/main" xmlns="" val="2808115206"/>
+        <p14:creationId xmlns:p14="http://schemas.microsoft.com/office/powerpoint/2010/main" val="2808115206"/>
       </p:ext>
     </p:extLst>
   </p:cSld>
@@ -10726,8 +10913,16 @@
           <a:lstStyle/>
           <a:p>
             <a:r>
+              <a:rPr lang="pl-PL" dirty="0" err="1" smtClean="0"/>
+              <a:t>Tips</a:t>
+            </a:r>
+            <a:r>
               <a:rPr lang="pl-PL" dirty="0" smtClean="0"/>
-              <a:t>Migracje</a:t>
+              <a:t> and </a:t>
+            </a:r>
+            <a:r>
+              <a:rPr lang="pl-PL" dirty="0" err="1" smtClean="0"/>
+              <a:t>tricks</a:t>
             </a:r>
             <a:endParaRPr lang="pl-PL" dirty="0"/>
           </a:p>
@@ -10769,7 +10964,549 @@
           <a:blip r:embed="rId3" cstate="print">
             <a:extLst>
               <a:ext uri="{28A0092B-C50C-407E-A947-70E740481C1C}">
-                <a14:useLocalDpi xmlns:a14="http://schemas.microsoft.com/office/drawing/2010/main" xmlns="" val="0"/>
+                <a14:useLocalDpi xmlns:a14="http://schemas.microsoft.com/office/drawing/2010/main" val="0"/>
+              </a:ext>
+            </a:extLst>
+          </a:blip>
+          <a:stretch>
+            <a:fillRect/>
+          </a:stretch>
+        </p:blipFill>
+        <p:spPr>
+          <a:xfrm>
+            <a:off x="179512" y="6165304"/>
+            <a:ext cx="1008112" cy="574214"/>
+          </a:xfrm>
+          <a:prstGeom prst="rect">
+            <a:avLst/>
+          </a:prstGeom>
+        </p:spPr>
+      </p:pic>
+      <p:pic>
+        <p:nvPicPr>
+          <p:cNvPr id="1026" name="Picture 2" descr="https://menstrualcupreviews.net/images/blog/tips-and-tricks-for-your-menstrual-cup1.jpg"/>
+          <p:cNvPicPr>
+            <a:picLocks noChangeAspect="1" noChangeArrowheads="1"/>
+          </p:cNvPicPr>
+          <p:nvPr/>
+        </p:nvPicPr>
+        <p:blipFill>
+          <a:blip r:embed="rId4">
+            <a:extLst>
+              <a:ext uri="{28A0092B-C50C-407E-A947-70E740481C1C}">
+                <a14:useLocalDpi xmlns:a14="http://schemas.microsoft.com/office/drawing/2010/main" val="0"/>
+              </a:ext>
+            </a:extLst>
+          </a:blip>
+          <a:srcRect/>
+          <a:stretch>
+            <a:fillRect/>
+          </a:stretch>
+        </p:blipFill>
+        <p:spPr bwMode="auto">
+          <a:xfrm>
+            <a:off x="2267744" y="2204864"/>
+            <a:ext cx="4689487" cy="3071615"/>
+          </a:xfrm>
+          <a:prstGeom prst="rect">
+            <a:avLst/>
+          </a:prstGeom>
+          <a:noFill/>
+          <a:extLst>
+            <a:ext uri="{909E8E84-426E-40DD-AFC4-6F175D3DCCD1}">
+              <a14:hiddenFill xmlns:a14="http://schemas.microsoft.com/office/drawing/2010/main">
+                <a:solidFill>
+                  <a:srgbClr val="FFFFFF"/>
+                </a:solidFill>
+              </a14:hiddenFill>
+            </a:ext>
+          </a:extLst>
+        </p:spPr>
+      </p:pic>
+    </p:spTree>
+    <p:extLst>
+      <p:ext uri="{BB962C8B-B14F-4D97-AF65-F5344CB8AC3E}">
+        <p14:creationId xmlns:p14="http://schemas.microsoft.com/office/powerpoint/2010/main" val="2808115206"/>
+      </p:ext>
+    </p:extLst>
+  </p:cSld>
+  <p:clrMapOvr>
+    <a:masterClrMapping/>
+  </p:clrMapOvr>
+  <p:timing>
+    <p:tnLst>
+      <p:par>
+        <p:cTn id="1" dur="indefinite" restart="never" nodeType="tmRoot"/>
+      </p:par>
+    </p:tnLst>
+  </p:timing>
+</p:sld>
+</file>
+
+<file path=ppt/slides/slide23.xml><?xml version="1.0" encoding="utf-8"?>
+<p:sld xmlns:a="http://schemas.openxmlformats.org/drawingml/2006/main" xmlns:r="http://schemas.openxmlformats.org/officeDocument/2006/relationships" xmlns:p="http://schemas.openxmlformats.org/presentationml/2006/main">
+  <p:cSld>
+    <p:spTree>
+      <p:nvGrpSpPr>
+        <p:cNvPr id="1" name=""/>
+        <p:cNvGrpSpPr/>
+        <p:nvPr/>
+      </p:nvGrpSpPr>
+      <p:grpSpPr>
+        <a:xfrm>
+          <a:off x="0" y="0"/>
+          <a:ext cx="0" cy="0"/>
+          <a:chOff x="0" y="0"/>
+          <a:chExt cx="0" cy="0"/>
+        </a:xfrm>
+      </p:grpSpPr>
+      <p:sp>
+        <p:nvSpPr>
+          <p:cNvPr id="2" name="Symbol zastępczy zawartości 1"/>
+          <p:cNvSpPr>
+            <a:spLocks noGrp="1"/>
+          </p:cNvSpPr>
+          <p:nvPr>
+            <p:ph idx="1"/>
+          </p:nvPr>
+        </p:nvSpPr>
+        <p:spPr/>
+        <p:txBody>
+          <a:bodyPr>
+            <a:normAutofit/>
+          </a:bodyPr>
+          <a:lstStyle/>
+          <a:p>
+            <a:pPr marL="109728" indent="0">
+              <a:buNone/>
+            </a:pPr>
+            <a:r>
+              <a:rPr lang="pl-PL" dirty="0" err="1" smtClean="0"/>
+              <a:t>Future</a:t>
+            </a:r>
+            <a:r>
+              <a:rPr lang="pl-PL" dirty="0" smtClean="0"/>
+              <a:t> </a:t>
+            </a:r>
+            <a:r>
+              <a:rPr lang="pl-PL" dirty="0" err="1" smtClean="0"/>
+              <a:t>queries</a:t>
+            </a:r>
+            <a:endParaRPr lang="pl-PL" dirty="0"/>
+          </a:p>
+        </p:txBody>
+      </p:sp>
+      <p:sp>
+        <p:nvSpPr>
+          <p:cNvPr id="3" name="Tytuł 2"/>
+          <p:cNvSpPr>
+            <a:spLocks noGrp="1"/>
+          </p:cNvSpPr>
+          <p:nvPr>
+            <p:ph type="title"/>
+          </p:nvPr>
+        </p:nvSpPr>
+        <p:spPr/>
+        <p:txBody>
+          <a:bodyPr>
+            <a:normAutofit/>
+          </a:bodyPr>
+          <a:lstStyle/>
+          <a:p>
+            <a:r>
+              <a:rPr lang="pl-PL" dirty="0" err="1" smtClean="0"/>
+              <a:t>Tips</a:t>
+            </a:r>
+            <a:r>
+              <a:rPr lang="pl-PL" dirty="0" smtClean="0"/>
+              <a:t> and </a:t>
+            </a:r>
+            <a:r>
+              <a:rPr lang="pl-PL" dirty="0" err="1" smtClean="0"/>
+              <a:t>tricks</a:t>
+            </a:r>
+            <a:endParaRPr lang="pl-PL" dirty="0"/>
+          </a:p>
+        </p:txBody>
+      </p:sp>
+      <p:sp>
+        <p:nvSpPr>
+          <p:cNvPr id="4" name="Symbol zastępczy numeru slajdu 3"/>
+          <p:cNvSpPr>
+            <a:spLocks noGrp="1"/>
+          </p:cNvSpPr>
+          <p:nvPr>
+            <p:ph type="sldNum" sz="quarter" idx="12"/>
+          </p:nvPr>
+        </p:nvSpPr>
+        <p:spPr/>
+        <p:txBody>
+          <a:bodyPr/>
+          <a:lstStyle/>
+          <a:p>
+            <a:fld id="{976B8C4A-E01E-49C4-A342-E776841D1431}" type="slidenum">
+              <a:rPr lang="pl-PL" smtClean="0"/>
+              <a:pPr/>
+              <a:t>23</a:t>
+            </a:fld>
+            <a:endParaRPr lang="pl-PL"/>
+          </a:p>
+        </p:txBody>
+      </p:sp>
+      <p:pic>
+        <p:nvPicPr>
+          <p:cNvPr id="5" name="Obraz 4"/>
+          <p:cNvPicPr>
+            <a:picLocks noChangeAspect="1"/>
+          </p:cNvPicPr>
+          <p:nvPr/>
+        </p:nvPicPr>
+        <p:blipFill>
+          <a:blip r:embed="rId3" cstate="print">
+            <a:extLst>
+              <a:ext uri="{28A0092B-C50C-407E-A947-70E740481C1C}">
+                <a14:useLocalDpi xmlns:a14="http://schemas.microsoft.com/office/drawing/2010/main" val="0"/>
+              </a:ext>
+            </a:extLst>
+          </a:blip>
+          <a:stretch>
+            <a:fillRect/>
+          </a:stretch>
+        </p:blipFill>
+        <p:spPr>
+          <a:xfrm>
+            <a:off x="179512" y="6165304"/>
+            <a:ext cx="1008112" cy="574214"/>
+          </a:xfrm>
+          <a:prstGeom prst="rect">
+            <a:avLst/>
+          </a:prstGeom>
+        </p:spPr>
+      </p:pic>
+      <p:sp>
+        <p:nvSpPr>
+          <p:cNvPr id="7" name="Symbol zastępczy zawartości 1"/>
+          <p:cNvSpPr txBox="1">
+            <a:spLocks/>
+          </p:cNvSpPr>
+          <p:nvPr/>
+        </p:nvSpPr>
+        <p:spPr>
+          <a:xfrm>
+            <a:off x="467544" y="1412776"/>
+            <a:ext cx="8229600" cy="4525963"/>
+          </a:xfrm>
+          <a:prstGeom prst="rect">
+            <a:avLst/>
+          </a:prstGeom>
+        </p:spPr>
+        <p:txBody>
+          <a:bodyPr vert="horz" anchor="ctr">
+            <a:normAutofit/>
+          </a:bodyPr>
+          <a:lstStyle>
+            <a:lvl1pPr marL="365760" indent="-256032" algn="l" rtl="0" eaLnBrk="1" latinLnBrk="0" hangingPunct="1">
+              <a:spcBef>
+                <a:spcPts val="400"/>
+              </a:spcBef>
+              <a:spcAft>
+                <a:spcPts val="0"/>
+              </a:spcAft>
+              <a:buClr>
+                <a:schemeClr val="accent1"/>
+              </a:buClr>
+              <a:buSzPct val="68000"/>
+              <a:buFont typeface="Wingdings 3"/>
+              <a:buChar char=""/>
+              <a:defRPr kumimoji="0" sz="2700" kern="1200">
+                <a:solidFill>
+                  <a:schemeClr val="tx1"/>
+                </a:solidFill>
+                <a:latin typeface="+mn-lt"/>
+                <a:ea typeface="+mn-ea"/>
+                <a:cs typeface="+mn-cs"/>
+              </a:defRPr>
+            </a:lvl1pPr>
+            <a:lvl2pPr marL="621792" indent="-228600" algn="l" rtl="0" eaLnBrk="1" latinLnBrk="0" hangingPunct="1">
+              <a:spcBef>
+                <a:spcPts val="324"/>
+              </a:spcBef>
+              <a:buClr>
+                <a:schemeClr val="accent1"/>
+              </a:buClr>
+              <a:buFont typeface="Verdana"/>
+              <a:buChar char="◦"/>
+              <a:defRPr kumimoji="0" sz="2300" kern="1200">
+                <a:solidFill>
+                  <a:schemeClr val="tx1"/>
+                </a:solidFill>
+                <a:latin typeface="+mn-lt"/>
+                <a:ea typeface="+mn-ea"/>
+                <a:cs typeface="+mn-cs"/>
+              </a:defRPr>
+            </a:lvl2pPr>
+            <a:lvl3pPr marL="859536" indent="-228600" algn="l" rtl="0" eaLnBrk="1" latinLnBrk="0" hangingPunct="1">
+              <a:spcBef>
+                <a:spcPts val="350"/>
+              </a:spcBef>
+              <a:buClr>
+                <a:schemeClr val="accent2"/>
+              </a:buClr>
+              <a:buSzPct val="100000"/>
+              <a:buFont typeface="Wingdings 2"/>
+              <a:buChar char=""/>
+              <a:defRPr kumimoji="0" sz="2100" kern="1200">
+                <a:solidFill>
+                  <a:schemeClr val="tx1"/>
+                </a:solidFill>
+                <a:latin typeface="+mn-lt"/>
+                <a:ea typeface="+mn-ea"/>
+                <a:cs typeface="+mn-cs"/>
+              </a:defRPr>
+            </a:lvl3pPr>
+            <a:lvl4pPr marL="1143000" indent="-228600" algn="l" rtl="0" eaLnBrk="1" latinLnBrk="0" hangingPunct="1">
+              <a:spcBef>
+                <a:spcPts val="350"/>
+              </a:spcBef>
+              <a:buClr>
+                <a:schemeClr val="accent2"/>
+              </a:buClr>
+              <a:buFont typeface="Wingdings 2"/>
+              <a:buChar char=""/>
+              <a:defRPr kumimoji="0" sz="1900" kern="1200">
+                <a:solidFill>
+                  <a:schemeClr val="tx1"/>
+                </a:solidFill>
+                <a:latin typeface="+mn-lt"/>
+                <a:ea typeface="+mn-ea"/>
+                <a:cs typeface="+mn-cs"/>
+              </a:defRPr>
+            </a:lvl4pPr>
+            <a:lvl5pPr marL="1371600" indent="-228600" algn="l" rtl="0" eaLnBrk="1" latinLnBrk="0" hangingPunct="1">
+              <a:spcBef>
+                <a:spcPts val="350"/>
+              </a:spcBef>
+              <a:buClr>
+                <a:schemeClr val="accent2"/>
+              </a:buClr>
+              <a:buFont typeface="Wingdings 2"/>
+              <a:buChar char=""/>
+              <a:defRPr kumimoji="0" sz="1800" kern="1200">
+                <a:solidFill>
+                  <a:schemeClr val="tx1"/>
+                </a:solidFill>
+                <a:latin typeface="+mn-lt"/>
+                <a:ea typeface="+mn-ea"/>
+                <a:cs typeface="+mn-cs"/>
+              </a:defRPr>
+            </a:lvl5pPr>
+            <a:lvl6pPr marL="1600200" indent="-228600" algn="l" rtl="0" eaLnBrk="1" latinLnBrk="0" hangingPunct="1">
+              <a:spcBef>
+                <a:spcPts val="350"/>
+              </a:spcBef>
+              <a:buClr>
+                <a:schemeClr val="accent3"/>
+              </a:buClr>
+              <a:buFont typeface="Wingdings 2"/>
+              <a:buChar char=""/>
+              <a:defRPr kumimoji="0" sz="1800" kern="1200">
+                <a:solidFill>
+                  <a:schemeClr val="tx1"/>
+                </a:solidFill>
+                <a:latin typeface="+mn-lt"/>
+                <a:ea typeface="+mn-ea"/>
+                <a:cs typeface="+mn-cs"/>
+              </a:defRPr>
+            </a:lvl6pPr>
+            <a:lvl7pPr marL="1828800" indent="-228600" algn="l" rtl="0" eaLnBrk="1" latinLnBrk="0" hangingPunct="1">
+              <a:spcBef>
+                <a:spcPts val="350"/>
+              </a:spcBef>
+              <a:buClr>
+                <a:schemeClr val="accent3"/>
+              </a:buClr>
+              <a:buFont typeface="Wingdings 2"/>
+              <a:buChar char=""/>
+              <a:defRPr kumimoji="0" sz="1600" kern="1200">
+                <a:solidFill>
+                  <a:schemeClr val="tx1"/>
+                </a:solidFill>
+                <a:latin typeface="+mn-lt"/>
+                <a:ea typeface="+mn-ea"/>
+                <a:cs typeface="+mn-cs"/>
+              </a:defRPr>
+            </a:lvl7pPr>
+            <a:lvl8pPr marL="2057400" indent="-228600" algn="l" rtl="0" eaLnBrk="1" latinLnBrk="0" hangingPunct="1">
+              <a:spcBef>
+                <a:spcPts val="350"/>
+              </a:spcBef>
+              <a:buClr>
+                <a:schemeClr val="accent3"/>
+              </a:buClr>
+              <a:buFont typeface="Wingdings 2"/>
+              <a:buChar char=""/>
+              <a:defRPr kumimoji="0" sz="1600" kern="1200">
+                <a:solidFill>
+                  <a:schemeClr val="tx1"/>
+                </a:solidFill>
+                <a:latin typeface="+mn-lt"/>
+                <a:ea typeface="+mn-ea"/>
+                <a:cs typeface="+mn-cs"/>
+              </a:defRPr>
+            </a:lvl8pPr>
+            <a:lvl9pPr marL="2286000" indent="-228600" algn="l" rtl="0" eaLnBrk="1" latinLnBrk="0" hangingPunct="1">
+              <a:spcBef>
+                <a:spcPts val="350"/>
+              </a:spcBef>
+              <a:buClr>
+                <a:schemeClr val="accent3"/>
+              </a:buClr>
+              <a:buFont typeface="Wingdings 2"/>
+              <a:buChar char=""/>
+              <a:defRPr kumimoji="0" sz="1600" kern="1200" baseline="0">
+                <a:solidFill>
+                  <a:schemeClr val="tx1"/>
+                </a:solidFill>
+                <a:latin typeface="+mn-lt"/>
+                <a:ea typeface="+mn-ea"/>
+                <a:cs typeface="+mn-cs"/>
+              </a:defRPr>
+            </a:lvl9pPr>
+            <a:extLst/>
+          </a:lstStyle>
+          <a:p>
+            <a:pPr marL="109728" indent="0" algn="ctr">
+              <a:buFont typeface="Wingdings 3"/>
+              <a:buNone/>
+            </a:pPr>
+            <a:r>
+              <a:rPr lang="pl-PL" b="1" i="1" dirty="0" smtClean="0"/>
+              <a:t>DEMO</a:t>
+            </a:r>
+            <a:endParaRPr lang="pl-PL" b="1" i="1" dirty="0"/>
+          </a:p>
+        </p:txBody>
+      </p:sp>
+    </p:spTree>
+    <p:extLst>
+      <p:ext uri="{BB962C8B-B14F-4D97-AF65-F5344CB8AC3E}">
+        <p14:creationId xmlns:p14="http://schemas.microsoft.com/office/powerpoint/2010/main" val="1640579644"/>
+      </p:ext>
+    </p:extLst>
+  </p:cSld>
+  <p:clrMapOvr>
+    <a:masterClrMapping/>
+  </p:clrMapOvr>
+  <p:timing>
+    <p:tnLst>
+      <p:par>
+        <p:cTn id="1" dur="indefinite" restart="never" nodeType="tmRoot"/>
+      </p:par>
+    </p:tnLst>
+  </p:timing>
+</p:sld>
+</file>
+
+<file path=ppt/slides/slide24.xml><?xml version="1.0" encoding="utf-8"?>
+<p:sld xmlns:a="http://schemas.openxmlformats.org/drawingml/2006/main" xmlns:r="http://schemas.openxmlformats.org/officeDocument/2006/relationships" xmlns:p="http://schemas.openxmlformats.org/presentationml/2006/main">
+  <p:cSld>
+    <p:spTree>
+      <p:nvGrpSpPr>
+        <p:cNvPr id="1" name=""/>
+        <p:cNvGrpSpPr/>
+        <p:nvPr/>
+      </p:nvGrpSpPr>
+      <p:grpSpPr>
+        <a:xfrm>
+          <a:off x="0" y="0"/>
+          <a:ext cx="0" cy="0"/>
+          <a:chOff x="0" y="0"/>
+          <a:chExt cx="0" cy="0"/>
+        </a:xfrm>
+      </p:grpSpPr>
+      <p:sp>
+        <p:nvSpPr>
+          <p:cNvPr id="2" name="Symbol zastępczy zawartości 1"/>
+          <p:cNvSpPr>
+            <a:spLocks noGrp="1"/>
+          </p:cNvSpPr>
+          <p:nvPr>
+            <p:ph idx="1"/>
+          </p:nvPr>
+        </p:nvSpPr>
+        <p:spPr/>
+        <p:txBody>
+          <a:bodyPr>
+            <a:normAutofit/>
+          </a:bodyPr>
+          <a:lstStyle/>
+          <a:p>
+            <a:endParaRPr lang="pl-PL" dirty="0"/>
+          </a:p>
+        </p:txBody>
+      </p:sp>
+      <p:sp>
+        <p:nvSpPr>
+          <p:cNvPr id="3" name="Tytuł 2"/>
+          <p:cNvSpPr>
+            <a:spLocks noGrp="1"/>
+          </p:cNvSpPr>
+          <p:nvPr>
+            <p:ph type="title"/>
+          </p:nvPr>
+        </p:nvSpPr>
+        <p:spPr/>
+        <p:txBody>
+          <a:bodyPr>
+            <a:normAutofit/>
+          </a:bodyPr>
+          <a:lstStyle/>
+          <a:p>
+            <a:r>
+              <a:rPr lang="pl-PL" dirty="0" smtClean="0"/>
+              <a:t>Migracje</a:t>
+            </a:r>
+            <a:endParaRPr lang="pl-PL" dirty="0"/>
+          </a:p>
+        </p:txBody>
+      </p:sp>
+      <p:sp>
+        <p:nvSpPr>
+          <p:cNvPr id="4" name="Symbol zastępczy numeru slajdu 3"/>
+          <p:cNvSpPr>
+            <a:spLocks noGrp="1"/>
+          </p:cNvSpPr>
+          <p:nvPr>
+            <p:ph type="sldNum" sz="quarter" idx="12"/>
+          </p:nvPr>
+        </p:nvSpPr>
+        <p:spPr/>
+        <p:txBody>
+          <a:bodyPr/>
+          <a:lstStyle/>
+          <a:p>
+            <a:fld id="{976B8C4A-E01E-49C4-A342-E776841D1431}" type="slidenum">
+              <a:rPr lang="pl-PL" smtClean="0"/>
+              <a:pPr/>
+              <a:t>24</a:t>
+            </a:fld>
+            <a:endParaRPr lang="pl-PL"/>
+          </a:p>
+        </p:txBody>
+      </p:sp>
+      <p:pic>
+        <p:nvPicPr>
+          <p:cNvPr id="5" name="Obraz 4"/>
+          <p:cNvPicPr>
+            <a:picLocks noChangeAspect="1"/>
+          </p:cNvPicPr>
+          <p:nvPr/>
+        </p:nvPicPr>
+        <p:blipFill>
+          <a:blip r:embed="rId3" cstate="print">
+            <a:extLst>
+              <a:ext uri="{28A0092B-C50C-407E-A947-70E740481C1C}">
+                <a14:useLocalDpi xmlns:a14="http://schemas.microsoft.com/office/drawing/2010/main" val="0"/>
               </a:ext>
             </a:extLst>
           </a:blip>
@@ -10816,7 +11553,7 @@
     </p:spTree>
     <p:extLst>
       <p:ext uri="{BB962C8B-B14F-4D97-AF65-F5344CB8AC3E}">
-        <p14:creationId xmlns:p14="http://schemas.microsoft.com/office/powerpoint/2010/main" xmlns="" val="2808115206"/>
+        <p14:creationId xmlns:p14="http://schemas.microsoft.com/office/powerpoint/2010/main" val="3443361362"/>
       </p:ext>
     </p:extLst>
   </p:cSld>
@@ -10833,7 +11570,7 @@
 </p:sld>
 </file>
 
-<file path=ppt/slides/slide23.xml><?xml version="1.0" encoding="utf-8"?>
+<file path=ppt/slides/slide25.xml><?xml version="1.0" encoding="utf-8"?>
 <p:sld xmlns:a="http://schemas.openxmlformats.org/drawingml/2006/main" xmlns:r="http://schemas.openxmlformats.org/officeDocument/2006/relationships" xmlns:p="http://schemas.openxmlformats.org/presentationml/2006/main">
   <p:cSld>
     <p:spTree>
@@ -10923,11 +11660,7 @@
             </a:r>
             <a:r>
               <a:rPr lang="en-US" dirty="0" smtClean="0"/>
-              <a:t> Down</a:t>
-            </a:r>
-            <a:r>
-              <a:rPr lang="en-US" dirty="0" smtClean="0"/>
-              <a:t>().</a:t>
+              <a:t> Down().</a:t>
             </a:r>
             <a:r>
               <a:rPr lang="pl-PL" dirty="0" smtClean="0"/>
@@ -10955,7 +11688,6 @@
               <a:rPr lang="en-US" dirty="0" smtClean="0"/>
               <a:t>.</a:t>
             </a:r>
-            <a:endParaRPr lang="en-US" dirty="0" smtClean="0"/>
           </a:p>
           <a:p>
             <a:endParaRPr lang="pl-PL" dirty="0"/>
@@ -10981,11 +11713,7 @@
           <a:p>
             <a:r>
               <a:rPr lang="pl-PL" dirty="0" smtClean="0"/>
-              <a:t>Migracje: </a:t>
-            </a:r>
-            <a:r>
-              <a:rPr lang="pl-PL" dirty="0" smtClean="0"/>
-              <a:t>"</a:t>
+              <a:t>Migracje: "</a:t>
             </a:r>
             <a:r>
               <a:rPr lang="pl-PL" dirty="0" err="1" smtClean="0"/>
@@ -11017,7 +11745,7 @@
             <a:fld id="{976B8C4A-E01E-49C4-A342-E776841D1431}" type="slidenum">
               <a:rPr lang="pl-PL" smtClean="0"/>
               <a:pPr/>
-              <a:t>23</a:t>
+              <a:t>25</a:t>
             </a:fld>
             <a:endParaRPr lang="pl-PL"/>
           </a:p>
@@ -11035,7 +11763,7 @@
           <a:blip r:embed="rId3" cstate="print">
             <a:extLst>
               <a:ext uri="{28A0092B-C50C-407E-A947-70E740481C1C}">
-                <a14:useLocalDpi xmlns:a14="http://schemas.microsoft.com/office/drawing/2010/main" xmlns="" val="0"/>
+                <a14:useLocalDpi xmlns:a14="http://schemas.microsoft.com/office/drawing/2010/main" val="0"/>
               </a:ext>
             </a:extLst>
           </a:blip>
@@ -11056,7 +11784,7 @@
     </p:spTree>
     <p:extLst>
       <p:ext uri="{BB962C8B-B14F-4D97-AF65-F5344CB8AC3E}">
-        <p14:creationId xmlns:p14="http://schemas.microsoft.com/office/powerpoint/2010/main" xmlns="" val="2808115206"/>
+        <p14:creationId xmlns:p14="http://schemas.microsoft.com/office/powerpoint/2010/main" val="2808115206"/>
       </p:ext>
     </p:extLst>
   </p:cSld>
@@ -11073,7 +11801,7 @@
 </p:sld>
 </file>
 
-<file path=ppt/slides/slide24.xml><?xml version="1.0" encoding="utf-8"?>
+<file path=ppt/slides/slide26.xml><?xml version="1.0" encoding="utf-8"?>
 <p:sld xmlns:a="http://schemas.openxmlformats.org/drawingml/2006/main" xmlns:r="http://schemas.openxmlformats.org/officeDocument/2006/relationships" xmlns:p="http://schemas.openxmlformats.org/presentationml/2006/main">
   <p:cSld>
     <p:spTree>
@@ -11229,7 +11957,7 @@
             <a:fld id="{976B8C4A-E01E-49C4-A342-E776841D1431}" type="slidenum">
               <a:rPr lang="pl-PL" smtClean="0"/>
               <a:pPr/>
-              <a:t>24</a:t>
+              <a:t>26</a:t>
             </a:fld>
             <a:endParaRPr lang="pl-PL"/>
           </a:p>
@@ -11247,7 +11975,7 @@
           <a:blip r:embed="rId3" cstate="print">
             <a:extLst>
               <a:ext uri="{28A0092B-C50C-407E-A947-70E740481C1C}">
-                <a14:useLocalDpi xmlns:a14="http://schemas.microsoft.com/office/drawing/2010/main" xmlns="" val="0"/>
+                <a14:useLocalDpi xmlns:a14="http://schemas.microsoft.com/office/drawing/2010/main" val="0"/>
               </a:ext>
             </a:extLst>
           </a:blip>
@@ -11300,400 +12028,7 @@
     </p:spTree>
     <p:extLst>
       <p:ext uri="{BB962C8B-B14F-4D97-AF65-F5344CB8AC3E}">
-        <p14:creationId xmlns:p14="http://schemas.microsoft.com/office/powerpoint/2010/main" xmlns="" val="2808115206"/>
-      </p:ext>
-    </p:extLst>
-  </p:cSld>
-  <p:clrMapOvr>
-    <a:masterClrMapping/>
-  </p:clrMapOvr>
-  <p:timing>
-    <p:tnLst>
-      <p:par>
-        <p:cTn id="1" dur="indefinite" restart="never" nodeType="tmRoot"/>
-      </p:par>
-    </p:tnLst>
-  </p:timing>
-</p:sld>
-</file>
-
-<file path=ppt/slides/slide25.xml><?xml version="1.0" encoding="utf-8"?>
-<p:sld xmlns:a="http://schemas.openxmlformats.org/drawingml/2006/main" xmlns:r="http://schemas.openxmlformats.org/officeDocument/2006/relationships" xmlns:p="http://schemas.openxmlformats.org/presentationml/2006/main">
-  <p:cSld>
-    <p:spTree>
-      <p:nvGrpSpPr>
-        <p:cNvPr id="1" name=""/>
-        <p:cNvGrpSpPr/>
-        <p:nvPr/>
-      </p:nvGrpSpPr>
-      <p:grpSpPr>
-        <a:xfrm>
-          <a:off x="0" y="0"/>
-          <a:ext cx="0" cy="0"/>
-          <a:chOff x="0" y="0"/>
-          <a:chExt cx="0" cy="0"/>
-        </a:xfrm>
-      </p:grpSpPr>
-      <p:sp>
-        <p:nvSpPr>
-          <p:cNvPr id="2" name="Symbol zastępczy zawartości 1"/>
-          <p:cNvSpPr>
-            <a:spLocks noGrp="1"/>
-          </p:cNvSpPr>
-          <p:nvPr>
-            <p:ph idx="1"/>
-          </p:nvPr>
-        </p:nvSpPr>
-        <p:spPr/>
-        <p:txBody>
-          <a:bodyPr anchor="ctr">
-            <a:normAutofit/>
-          </a:bodyPr>
-          <a:lstStyle/>
-          <a:p>
-            <a:pPr marL="109728" indent="0" algn="ctr">
-              <a:buNone/>
-            </a:pPr>
-            <a:r>
-              <a:rPr lang="pl-PL" b="1" i="1" dirty="0" smtClean="0"/>
-              <a:t>DEMO</a:t>
-            </a:r>
-            <a:endParaRPr lang="pl-PL" i="1" dirty="0" smtClean="0"/>
-          </a:p>
-        </p:txBody>
-      </p:sp>
-      <p:sp>
-        <p:nvSpPr>
-          <p:cNvPr id="3" name="Tytuł 2"/>
-          <p:cNvSpPr>
-            <a:spLocks noGrp="1"/>
-          </p:cNvSpPr>
-          <p:nvPr>
-            <p:ph type="title"/>
-          </p:nvPr>
-        </p:nvSpPr>
-        <p:spPr/>
-        <p:txBody>
-          <a:bodyPr>
-            <a:normAutofit/>
-          </a:bodyPr>
-          <a:lstStyle/>
-          <a:p>
-            <a:r>
-              <a:rPr lang="pl-PL" dirty="0" smtClean="0"/>
-              <a:t>Migracje: "</a:t>
-            </a:r>
-            <a:r>
-              <a:rPr lang="pl-PL" dirty="0" err="1" smtClean="0"/>
-              <a:t>code-base</a:t>
-            </a:r>
-            <a:r>
-              <a:rPr lang="pl-PL" dirty="0" smtClean="0"/>
-              <a:t>"</a:t>
-            </a:r>
-            <a:endParaRPr lang="pl-PL" dirty="0"/>
-          </a:p>
-        </p:txBody>
-      </p:sp>
-      <p:sp>
-        <p:nvSpPr>
-          <p:cNvPr id="4" name="Symbol zastępczy numeru slajdu 3"/>
-          <p:cNvSpPr>
-            <a:spLocks noGrp="1"/>
-          </p:cNvSpPr>
-          <p:nvPr>
-            <p:ph type="sldNum" sz="quarter" idx="12"/>
-          </p:nvPr>
-        </p:nvSpPr>
-        <p:spPr/>
-        <p:txBody>
-          <a:bodyPr/>
-          <a:lstStyle/>
-          <a:p>
-            <a:fld id="{976B8C4A-E01E-49C4-A342-E776841D1431}" type="slidenum">
-              <a:rPr lang="pl-PL" smtClean="0"/>
-              <a:pPr/>
-              <a:t>25</a:t>
-            </a:fld>
-            <a:endParaRPr lang="pl-PL"/>
-          </a:p>
-        </p:txBody>
-      </p:sp>
-      <p:pic>
-        <p:nvPicPr>
-          <p:cNvPr id="5" name="Obraz 4"/>
-          <p:cNvPicPr>
-            <a:picLocks noChangeAspect="1"/>
-          </p:cNvPicPr>
-          <p:nvPr/>
-        </p:nvPicPr>
-        <p:blipFill>
-          <a:blip r:embed="rId3" cstate="print">
-            <a:extLst>
-              <a:ext uri="{28A0092B-C50C-407E-A947-70E740481C1C}">
-                <a14:useLocalDpi xmlns:a14="http://schemas.microsoft.com/office/drawing/2010/main" xmlns="" val="0"/>
-              </a:ext>
-            </a:extLst>
-          </a:blip>
-          <a:stretch>
-            <a:fillRect/>
-          </a:stretch>
-        </p:blipFill>
-        <p:spPr>
-          <a:xfrm>
-            <a:off x="179512" y="6165304"/>
-            <a:ext cx="1008112" cy="574214"/>
-          </a:xfrm>
-          <a:prstGeom prst="rect">
-            <a:avLst/>
-          </a:prstGeom>
-        </p:spPr>
-      </p:pic>
-    </p:spTree>
-    <p:extLst>
-      <p:ext uri="{BB962C8B-B14F-4D97-AF65-F5344CB8AC3E}">
-        <p14:creationId xmlns:p14="http://schemas.microsoft.com/office/powerpoint/2010/main" xmlns="" val="2722726801"/>
-      </p:ext>
-    </p:extLst>
-  </p:cSld>
-  <p:clrMapOvr>
-    <a:masterClrMapping/>
-  </p:clrMapOvr>
-  <p:timing>
-    <p:tnLst>
-      <p:par>
-        <p:cTn id="1" dur="indefinite" restart="never" nodeType="tmRoot"/>
-      </p:par>
-    </p:tnLst>
-  </p:timing>
-</p:sld>
-</file>
-
-<file path=ppt/slides/slide26.xml><?xml version="1.0" encoding="utf-8"?>
-<p:sld xmlns:a="http://schemas.openxmlformats.org/drawingml/2006/main" xmlns:r="http://schemas.openxmlformats.org/officeDocument/2006/relationships" xmlns:p="http://schemas.openxmlformats.org/presentationml/2006/main">
-  <p:cSld>
-    <p:spTree>
-      <p:nvGrpSpPr>
-        <p:cNvPr id="1" name=""/>
-        <p:cNvGrpSpPr/>
-        <p:nvPr/>
-      </p:nvGrpSpPr>
-      <p:grpSpPr>
-        <a:xfrm>
-          <a:off x="0" y="0"/>
-          <a:ext cx="0" cy="0"/>
-          <a:chOff x="0" y="0"/>
-          <a:chExt cx="0" cy="0"/>
-        </a:xfrm>
-      </p:grpSpPr>
-      <p:sp>
-        <p:nvSpPr>
-          <p:cNvPr id="2" name="Symbol zastępczy zawartości 1"/>
-          <p:cNvSpPr>
-            <a:spLocks noGrp="1"/>
-          </p:cNvSpPr>
-          <p:nvPr>
-            <p:ph idx="1"/>
-          </p:nvPr>
-        </p:nvSpPr>
-        <p:spPr/>
-        <p:txBody>
-          <a:bodyPr>
-            <a:normAutofit/>
-          </a:bodyPr>
-          <a:lstStyle/>
-          <a:p>
-            <a:pPr marL="109728" indent="0">
-              <a:buNone/>
-            </a:pPr>
-            <a:r>
-              <a:rPr lang="pl-PL" dirty="0" smtClean="0"/>
-              <a:t>Wdrożenie migracji:</a:t>
-            </a:r>
-          </a:p>
-          <a:p>
-            <a:r>
-              <a:rPr lang="pl-PL" b="1" dirty="0" smtClean="0"/>
-              <a:t>Update-Database</a:t>
-            </a:r>
-            <a:r>
-              <a:rPr lang="pl-PL" dirty="0" smtClean="0"/>
-              <a:t> </a:t>
-            </a:r>
-            <a:r>
-              <a:rPr lang="pl-PL" i="1" dirty="0" smtClean="0"/>
-              <a:t>(</a:t>
-            </a:r>
-            <a:r>
-              <a:rPr lang="pl-PL" i="1" dirty="0" err="1" smtClean="0"/>
-              <a:t>Package</a:t>
-            </a:r>
-            <a:r>
-              <a:rPr lang="pl-PL" i="1" dirty="0" smtClean="0"/>
-              <a:t> </a:t>
-            </a:r>
-            <a:r>
-              <a:rPr lang="pl-PL" i="1" dirty="0"/>
-              <a:t>Manager </a:t>
-            </a:r>
-            <a:r>
-              <a:rPr lang="pl-PL" i="1" dirty="0" err="1" smtClean="0"/>
-              <a:t>console</a:t>
-            </a:r>
-            <a:r>
-              <a:rPr lang="pl-PL" i="1" dirty="0" smtClean="0"/>
-              <a:t>)</a:t>
-            </a:r>
-          </a:p>
-          <a:p>
-            <a:r>
-              <a:rPr lang="pl-PL" b="1" dirty="0" smtClean="0"/>
-              <a:t>migrate.exe</a:t>
-            </a:r>
-            <a:r>
-              <a:rPr lang="pl-PL" dirty="0" smtClean="0"/>
-              <a:t> </a:t>
-            </a:r>
-            <a:r>
-              <a:rPr lang="pl-PL" i="1" dirty="0" smtClean="0"/>
-              <a:t>(</a:t>
-            </a:r>
-            <a:r>
-              <a:rPr lang="pl-PL" i="1" dirty="0" err="1" smtClean="0"/>
-              <a:t>packages</a:t>
-            </a:r>
-            <a:r>
-              <a:rPr lang="pl-PL" i="1" dirty="0" smtClean="0"/>
-              <a:t>\EntityFramework.6.2.0\</a:t>
-            </a:r>
-            <a:r>
-              <a:rPr lang="pl-PL" i="1" dirty="0" err="1" smtClean="0"/>
-              <a:t>tools</a:t>
-            </a:r>
-            <a:r>
-              <a:rPr lang="pl-PL" i="1" dirty="0" smtClean="0"/>
-              <a:t>)</a:t>
-            </a:r>
-          </a:p>
-          <a:p>
-            <a:r>
-              <a:rPr lang="pl-PL" b="1" dirty="0" err="1" smtClean="0"/>
-              <a:t>Script.sql</a:t>
-            </a:r>
-            <a:r>
-              <a:rPr lang="pl-PL" dirty="0" smtClean="0"/>
-              <a:t> </a:t>
-            </a:r>
-            <a:r>
-              <a:rPr lang="pl-PL" i="1" dirty="0" smtClean="0"/>
-              <a:t>(Update-Database </a:t>
-            </a:r>
-            <a:r>
-              <a:rPr lang="pl-PL" i="1" dirty="0"/>
-              <a:t>-</a:t>
-            </a:r>
-            <a:r>
-              <a:rPr lang="pl-PL" i="1" dirty="0" err="1" smtClean="0"/>
-              <a:t>Script</a:t>
-            </a:r>
-            <a:r>
-              <a:rPr lang="pl-PL" i="1" dirty="0" smtClean="0"/>
-              <a:t>)</a:t>
-            </a:r>
-          </a:p>
-        </p:txBody>
-      </p:sp>
-      <p:sp>
-        <p:nvSpPr>
-          <p:cNvPr id="3" name="Tytuł 2"/>
-          <p:cNvSpPr>
-            <a:spLocks noGrp="1"/>
-          </p:cNvSpPr>
-          <p:nvPr>
-            <p:ph type="title"/>
-          </p:nvPr>
-        </p:nvSpPr>
-        <p:spPr/>
-        <p:txBody>
-          <a:bodyPr>
-            <a:normAutofit/>
-          </a:bodyPr>
-          <a:lstStyle/>
-          <a:p>
-            <a:r>
-              <a:rPr lang="pl-PL" dirty="0" smtClean="0"/>
-              <a:t>Migracje: "</a:t>
-            </a:r>
-            <a:r>
-              <a:rPr lang="pl-PL" dirty="0" err="1" smtClean="0"/>
-              <a:t>code-base</a:t>
-            </a:r>
-            <a:r>
-              <a:rPr lang="pl-PL" dirty="0" smtClean="0"/>
-              <a:t>"</a:t>
-            </a:r>
-            <a:endParaRPr lang="pl-PL" dirty="0"/>
-          </a:p>
-        </p:txBody>
-      </p:sp>
-      <p:sp>
-        <p:nvSpPr>
-          <p:cNvPr id="4" name="Symbol zastępczy numeru slajdu 3"/>
-          <p:cNvSpPr>
-            <a:spLocks noGrp="1"/>
-          </p:cNvSpPr>
-          <p:nvPr>
-            <p:ph type="sldNum" sz="quarter" idx="12"/>
-          </p:nvPr>
-        </p:nvSpPr>
-        <p:spPr/>
-        <p:txBody>
-          <a:bodyPr/>
-          <a:lstStyle/>
-          <a:p>
-            <a:fld id="{976B8C4A-E01E-49C4-A342-E776841D1431}" type="slidenum">
-              <a:rPr lang="pl-PL" smtClean="0"/>
-              <a:pPr/>
-              <a:t>26</a:t>
-            </a:fld>
-            <a:endParaRPr lang="pl-PL"/>
-          </a:p>
-        </p:txBody>
-      </p:sp>
-      <p:pic>
-        <p:nvPicPr>
-          <p:cNvPr id="5" name="Obraz 4"/>
-          <p:cNvPicPr>
-            <a:picLocks noChangeAspect="1"/>
-          </p:cNvPicPr>
-          <p:nvPr/>
-        </p:nvPicPr>
-        <p:blipFill>
-          <a:blip r:embed="rId3" cstate="print">
-            <a:extLst>
-              <a:ext uri="{28A0092B-C50C-407E-A947-70E740481C1C}">
-                <a14:useLocalDpi xmlns:a14="http://schemas.microsoft.com/office/drawing/2010/main" xmlns="" val="0"/>
-              </a:ext>
-            </a:extLst>
-          </a:blip>
-          <a:stretch>
-            <a:fillRect/>
-          </a:stretch>
-        </p:blipFill>
-        <p:spPr>
-          <a:xfrm>
-            <a:off x="179512" y="6165304"/>
-            <a:ext cx="1008112" cy="574214"/>
-          </a:xfrm>
-          <a:prstGeom prst="rect">
-            <a:avLst/>
-          </a:prstGeom>
-        </p:spPr>
-      </p:pic>
-    </p:spTree>
-    <p:extLst>
-      <p:ext uri="{BB962C8B-B14F-4D97-AF65-F5344CB8AC3E}">
-        <p14:creationId xmlns:p14="http://schemas.microsoft.com/office/powerpoint/2010/main" xmlns="" val="2722726801"/>
+        <p14:creationId xmlns:p14="http://schemas.microsoft.com/office/powerpoint/2010/main" val="2808115206"/>
       </p:ext>
     </p:extLst>
   </p:cSld>
@@ -11739,180 +12074,50 @@
         </p:nvSpPr>
         <p:spPr/>
         <p:txBody>
+          <a:bodyPr anchor="ctr">
+            <a:normAutofit/>
+          </a:bodyPr>
+          <a:lstStyle/>
+          <a:p>
+            <a:pPr marL="109728" indent="0" algn="ctr">
+              <a:buNone/>
+            </a:pPr>
+            <a:r>
+              <a:rPr lang="pl-PL" b="1" i="1" dirty="0" smtClean="0"/>
+              <a:t>DEMO</a:t>
+            </a:r>
+            <a:endParaRPr lang="pl-PL" i="1" dirty="0" smtClean="0"/>
+          </a:p>
+        </p:txBody>
+      </p:sp>
+      <p:sp>
+        <p:nvSpPr>
+          <p:cNvPr id="3" name="Tytuł 2"/>
+          <p:cNvSpPr>
+            <a:spLocks noGrp="1"/>
+          </p:cNvSpPr>
+          <p:nvPr>
+            <p:ph type="title"/>
+          </p:nvPr>
+        </p:nvSpPr>
+        <p:spPr/>
+        <p:txBody>
           <a:bodyPr>
             <a:normAutofit/>
           </a:bodyPr>
           <a:lstStyle/>
           <a:p>
-            <a:pPr marL="109728" indent="0">
-              <a:buNone/>
-            </a:pPr>
-            <a:endParaRPr lang="pl-PL" sz="2800" dirty="0" smtClean="0">
-              <a:solidFill>
-                <a:srgbClr val="0000FF"/>
-              </a:solidFill>
-              <a:latin typeface="Consolas"/>
-            </a:endParaRPr>
-          </a:p>
-          <a:p>
-            <a:pPr marL="109728" indent="0">
-              <a:buNone/>
-            </a:pPr>
-            <a:endParaRPr lang="pl-PL" sz="2800" dirty="0">
-              <a:solidFill>
-                <a:srgbClr val="0000FF"/>
-              </a:solidFill>
-              <a:latin typeface="Consolas"/>
-            </a:endParaRPr>
-          </a:p>
-          <a:p>
-            <a:pPr marL="109728" indent="0">
-              <a:buNone/>
-            </a:pPr>
-            <a:r>
-              <a:rPr lang="pl-PL" sz="2800" dirty="0" smtClean="0">
-                <a:solidFill>
-                  <a:srgbClr val="0000FF"/>
-                </a:solidFill>
-                <a:latin typeface="Consolas"/>
-              </a:rPr>
-              <a:t>public</a:t>
-            </a:r>
-            <a:r>
-              <a:rPr lang="pl-PL" sz="2800" dirty="0" smtClean="0">
-                <a:solidFill>
-                  <a:srgbClr val="000000"/>
-                </a:solidFill>
-                <a:latin typeface="Consolas"/>
-              </a:rPr>
-              <a:t> </a:t>
-            </a:r>
-            <a:r>
-              <a:rPr lang="pl-PL" sz="2800" dirty="0" err="1">
-                <a:solidFill>
-                  <a:srgbClr val="000000"/>
-                </a:solidFill>
-                <a:latin typeface="Consolas"/>
-              </a:rPr>
-              <a:t>Configuration</a:t>
-            </a:r>
-            <a:r>
-              <a:rPr lang="pl-PL" sz="2800" dirty="0">
-                <a:solidFill>
-                  <a:srgbClr val="000000"/>
-                </a:solidFill>
-                <a:latin typeface="Consolas"/>
-              </a:rPr>
-              <a:t>()</a:t>
-            </a:r>
-          </a:p>
-          <a:p>
-            <a:pPr marL="109728" indent="0">
-              <a:buNone/>
-            </a:pPr>
-            <a:r>
-              <a:rPr lang="pl-PL" sz="2800" dirty="0" smtClean="0">
-                <a:solidFill>
-                  <a:srgbClr val="000000"/>
-                </a:solidFill>
-                <a:latin typeface="Consolas"/>
-              </a:rPr>
-              <a:t>{</a:t>
-            </a:r>
-            <a:endParaRPr lang="pl-PL" sz="2800" dirty="0">
-              <a:solidFill>
-                <a:srgbClr val="000000"/>
-              </a:solidFill>
-              <a:latin typeface="Consolas"/>
-            </a:endParaRPr>
-          </a:p>
-          <a:p>
-            <a:pPr marL="109728" indent="0">
-              <a:buNone/>
-            </a:pPr>
-            <a:r>
-              <a:rPr lang="pl-PL" sz="2800" dirty="0" smtClean="0">
-                <a:solidFill>
-                  <a:srgbClr val="000000"/>
-                </a:solidFill>
-                <a:latin typeface="Consolas"/>
-              </a:rPr>
-              <a:t>    </a:t>
-            </a:r>
-            <a:r>
-              <a:rPr lang="pl-PL" sz="2800" dirty="0" err="1">
-                <a:solidFill>
-                  <a:srgbClr val="000000"/>
-                </a:solidFill>
-                <a:latin typeface="Consolas"/>
-              </a:rPr>
-              <a:t>AutomaticMigrationsEnabled</a:t>
-            </a:r>
-            <a:r>
-              <a:rPr lang="pl-PL" sz="2800" dirty="0">
-                <a:solidFill>
-                  <a:srgbClr val="000000"/>
-                </a:solidFill>
-                <a:latin typeface="Consolas"/>
-              </a:rPr>
-              <a:t> = </a:t>
-            </a:r>
-            <a:r>
-              <a:rPr lang="pl-PL" sz="2800" dirty="0" err="1">
-                <a:solidFill>
-                  <a:srgbClr val="0000FF"/>
-                </a:solidFill>
-                <a:latin typeface="Consolas"/>
-              </a:rPr>
-              <a:t>true</a:t>
-            </a:r>
-            <a:r>
-              <a:rPr lang="pl-PL" sz="2800" dirty="0">
-                <a:solidFill>
-                  <a:srgbClr val="000000"/>
-                </a:solidFill>
-                <a:latin typeface="Consolas"/>
-              </a:rPr>
-              <a:t>;</a:t>
-            </a:r>
-          </a:p>
-          <a:p>
-            <a:pPr marL="109728" indent="0">
-              <a:buNone/>
-            </a:pPr>
-            <a:r>
-              <a:rPr lang="pl-PL" sz="2800" dirty="0" smtClean="0">
-                <a:solidFill>
-                  <a:srgbClr val="000000"/>
-                </a:solidFill>
-                <a:latin typeface="Consolas"/>
-              </a:rPr>
-              <a:t>}</a:t>
-            </a:r>
-            <a:endParaRPr lang="pl-PL" i="1" dirty="0" smtClean="0"/>
-          </a:p>
-        </p:txBody>
-      </p:sp>
-      <p:sp>
-        <p:nvSpPr>
-          <p:cNvPr id="3" name="Tytuł 2"/>
-          <p:cNvSpPr>
-            <a:spLocks noGrp="1"/>
-          </p:cNvSpPr>
-          <p:nvPr>
-            <p:ph type="title"/>
-          </p:nvPr>
-        </p:nvSpPr>
-        <p:spPr/>
-        <p:txBody>
-          <a:bodyPr>
-            <a:normAutofit/>
-          </a:bodyPr>
-          <a:lstStyle/>
-          <a:p>
             <a:r>
               <a:rPr lang="pl-PL" dirty="0" smtClean="0"/>
-              <a:t>Migracje: automatyczne</a:t>
+              <a:t>Migracje: "</a:t>
+            </a:r>
+            <a:r>
+              <a:rPr lang="pl-PL" dirty="0" err="1" smtClean="0"/>
+              <a:t>code-base</a:t>
+            </a:r>
+            <a:r>
+              <a:rPr lang="pl-PL" dirty="0" smtClean="0"/>
+              <a:t>"</a:t>
             </a:r>
             <a:endParaRPr lang="pl-PL" dirty="0"/>
           </a:p>
@@ -11954,7 +12159,7 @@
           <a:blip r:embed="rId3" cstate="print">
             <a:extLst>
               <a:ext uri="{28A0092B-C50C-407E-A947-70E740481C1C}">
-                <a14:useLocalDpi xmlns:a14="http://schemas.microsoft.com/office/drawing/2010/main" xmlns="" val="0"/>
+                <a14:useLocalDpi xmlns:a14="http://schemas.microsoft.com/office/drawing/2010/main" val="0"/>
               </a:ext>
             </a:extLst>
           </a:blip>
@@ -11975,7 +12180,7 @@
     </p:spTree>
     <p:extLst>
       <p:ext uri="{BB962C8B-B14F-4D97-AF65-F5344CB8AC3E}">
-        <p14:creationId xmlns:p14="http://schemas.microsoft.com/office/powerpoint/2010/main" xmlns="" val="3360151137"/>
+        <p14:creationId xmlns:p14="http://schemas.microsoft.com/office/powerpoint/2010/main" val="2722726801"/>
       </p:ext>
     </p:extLst>
   </p:cSld>
@@ -12022,471 +12227,107 @@
         <p:spPr/>
         <p:txBody>
           <a:bodyPr>
-            <a:normAutofit lnSpcReduction="10000"/>
+            <a:normAutofit/>
           </a:bodyPr>
           <a:lstStyle/>
-          <a:p>
-            <a:pPr fontAlgn="base">
-              <a:buNone/>
-            </a:pPr>
-            <a:r>
-              <a:rPr lang="pl-PL" sz="2800" dirty="0" err="1" smtClean="0">
-                <a:solidFill>
-                  <a:srgbClr val="242729"/>
-                </a:solidFill>
-                <a:latin typeface="Arial"/>
-              </a:rPr>
-              <a:t>Initializers</a:t>
-            </a:r>
-            <a:r>
-              <a:rPr lang="pl-PL" sz="2800" dirty="0" smtClean="0">
-                <a:solidFill>
-                  <a:srgbClr val="242729"/>
-                </a:solidFill>
-                <a:latin typeface="Arial"/>
-              </a:rPr>
-              <a:t>…</a:t>
-            </a:r>
-            <a:br>
-              <a:rPr lang="pl-PL" sz="2800" dirty="0" smtClean="0">
-                <a:solidFill>
-                  <a:srgbClr val="242729"/>
-                </a:solidFill>
-                <a:latin typeface="Arial"/>
-              </a:rPr>
-            </a:br>
-            <a:endParaRPr lang="pl-PL" sz="2800" dirty="0" smtClean="0">
-              <a:solidFill>
-                <a:srgbClr val="242729"/>
-              </a:solidFill>
-              <a:latin typeface="Arial"/>
-            </a:endParaRPr>
-          </a:p>
-          <a:p>
-            <a:pPr lvl="1" fontAlgn="base"/>
-            <a:r>
-              <a:rPr lang="pl-PL" sz="2400" dirty="0" smtClean="0">
-                <a:solidFill>
-                  <a:srgbClr val="242729"/>
-                </a:solidFill>
-                <a:latin typeface="Arial"/>
-              </a:rPr>
-              <a:t>umożliwiają wdrażanie zmian / inicjalizowanie bazy w </a:t>
-            </a:r>
-            <a:r>
-              <a:rPr lang="pl-PL" sz="2400" dirty="0" err="1" smtClean="0">
-                <a:solidFill>
-                  <a:srgbClr val="242729"/>
-                </a:solidFill>
-                <a:latin typeface="Arial"/>
-              </a:rPr>
-              <a:t>runtime</a:t>
-            </a:r>
-            <a:r>
-              <a:rPr lang="pl-PL" sz="2400" dirty="0" smtClean="0">
-                <a:solidFill>
-                  <a:srgbClr val="242729"/>
-                </a:solidFill>
-                <a:latin typeface="Arial"/>
-              </a:rPr>
-              <a:t> wg obranej strategii</a:t>
-            </a:r>
-          </a:p>
-          <a:p>
-            <a:pPr lvl="1" fontAlgn="base"/>
-            <a:r>
-              <a:rPr lang="pl-PL" sz="2400" dirty="0" smtClean="0">
-                <a:solidFill>
-                  <a:srgbClr val="242729"/>
-                </a:solidFill>
-                <a:latin typeface="Arial"/>
-              </a:rPr>
-              <a:t>uruchamiane przy pierwszym dostępie do bazy</a:t>
-            </a:r>
-            <a:br>
-              <a:rPr lang="pl-PL" sz="2400" dirty="0" smtClean="0">
-                <a:solidFill>
-                  <a:srgbClr val="242729"/>
-                </a:solidFill>
-                <a:latin typeface="Arial"/>
-              </a:rPr>
-            </a:br>
-            <a:endParaRPr lang="pl-PL" sz="2400" dirty="0" smtClean="0">
-              <a:solidFill>
-                <a:srgbClr val="242729"/>
-              </a:solidFill>
-              <a:latin typeface="Arial"/>
-            </a:endParaRPr>
-          </a:p>
-          <a:p>
-            <a:pPr lvl="1">
-              <a:buNone/>
-            </a:pPr>
-            <a:r>
-              <a:rPr lang="pl-PL" sz="1800" dirty="0" smtClean="0">
-                <a:solidFill>
-                  <a:srgbClr val="101094"/>
-                </a:solidFill>
-                <a:latin typeface="inherit"/>
-              </a:rPr>
-              <a:t>    public</a:t>
-            </a:r>
-            <a:r>
-              <a:rPr lang="pl-PL" sz="1800" dirty="0" smtClean="0">
-                <a:solidFill>
-                  <a:srgbClr val="303336"/>
-                </a:solidFill>
-                <a:latin typeface="inherit"/>
-              </a:rPr>
-              <a:t> </a:t>
-            </a:r>
-            <a:r>
-              <a:rPr lang="pl-PL" sz="1800" dirty="0" err="1">
-                <a:solidFill>
-                  <a:srgbClr val="101094"/>
-                </a:solidFill>
-                <a:latin typeface="inherit"/>
-              </a:rPr>
-              <a:t>class</a:t>
-            </a:r>
-            <a:r>
-              <a:rPr lang="pl-PL" sz="1800" dirty="0">
-                <a:solidFill>
-                  <a:srgbClr val="303336"/>
-                </a:solidFill>
-                <a:latin typeface="inherit"/>
-              </a:rPr>
-              <a:t> </a:t>
-            </a:r>
-            <a:r>
-              <a:rPr lang="pl-PL" sz="1800" dirty="0" err="1">
-                <a:solidFill>
-                  <a:srgbClr val="2B91AF"/>
-                </a:solidFill>
-                <a:latin typeface="inherit"/>
-              </a:rPr>
-              <a:t>MyContext</a:t>
-            </a:r>
-            <a:r>
-              <a:rPr lang="pl-PL" sz="1800" dirty="0">
-                <a:solidFill>
-                  <a:srgbClr val="303336"/>
-                </a:solidFill>
-                <a:latin typeface="inherit"/>
-              </a:rPr>
-              <a:t> : </a:t>
-            </a:r>
-            <a:r>
-              <a:rPr lang="pl-PL" sz="1800" dirty="0" err="1">
-                <a:solidFill>
-                  <a:srgbClr val="2B91AF"/>
-                </a:solidFill>
-                <a:latin typeface="inherit"/>
-              </a:rPr>
-              <a:t>DbContext</a:t>
-            </a:r>
-            <a:r>
-              <a:rPr lang="pl-PL" sz="1800" dirty="0">
-                <a:solidFill>
-                  <a:srgbClr val="303336"/>
-                </a:solidFill>
-                <a:latin typeface="inherit"/>
-              </a:rPr>
-              <a:t> </a:t>
-            </a:r>
-            <a:r>
-              <a:rPr lang="pl-PL" sz="1800" dirty="0" smtClean="0">
-                <a:solidFill>
-                  <a:srgbClr val="303336"/>
-                </a:solidFill>
-                <a:latin typeface="inherit"/>
-              </a:rPr>
-              <a:t/>
-            </a:r>
-            <a:br>
-              <a:rPr lang="pl-PL" sz="1800" dirty="0" smtClean="0">
-                <a:solidFill>
-                  <a:srgbClr val="303336"/>
-                </a:solidFill>
-                <a:latin typeface="inherit"/>
-              </a:rPr>
-            </a:br>
-            <a:r>
-              <a:rPr lang="pl-PL" sz="1800" dirty="0" smtClean="0">
-                <a:solidFill>
-                  <a:srgbClr val="303336"/>
-                </a:solidFill>
-                <a:latin typeface="inherit"/>
-              </a:rPr>
-              <a:t>{</a:t>
-            </a:r>
-            <a:br>
-              <a:rPr lang="pl-PL" sz="1800" dirty="0" smtClean="0">
-                <a:solidFill>
-                  <a:srgbClr val="303336"/>
-                </a:solidFill>
-                <a:latin typeface="inherit"/>
-              </a:rPr>
-            </a:br>
-            <a:r>
-              <a:rPr lang="pl-PL" sz="1800" dirty="0" smtClean="0">
-                <a:solidFill>
-                  <a:srgbClr val="303336"/>
-                </a:solidFill>
-                <a:latin typeface="inherit"/>
-              </a:rPr>
-              <a:t>  </a:t>
-            </a:r>
-            <a:r>
-              <a:rPr lang="pl-PL" sz="1800" dirty="0" smtClean="0">
-                <a:solidFill>
-                  <a:srgbClr val="101094"/>
-                </a:solidFill>
-                <a:latin typeface="inherit"/>
-              </a:rPr>
-              <a:t>public </a:t>
-            </a:r>
-            <a:r>
-              <a:rPr lang="pl-PL" sz="1800" dirty="0" err="1" smtClean="0">
-                <a:solidFill>
-                  <a:srgbClr val="2B91AF"/>
-                </a:solidFill>
-                <a:latin typeface="inherit"/>
-              </a:rPr>
-              <a:t>MyContext</a:t>
-            </a:r>
-            <a:r>
-              <a:rPr lang="pl-PL" sz="1800" dirty="0" smtClean="0">
-                <a:solidFill>
-                  <a:srgbClr val="303336"/>
-                </a:solidFill>
-                <a:latin typeface="inherit"/>
-              </a:rPr>
-              <a:t>() </a:t>
-            </a:r>
-            <a:br>
-              <a:rPr lang="pl-PL" sz="1800" dirty="0" smtClean="0">
-                <a:solidFill>
-                  <a:srgbClr val="303336"/>
-                </a:solidFill>
-                <a:latin typeface="inherit"/>
-              </a:rPr>
-            </a:br>
-            <a:r>
-              <a:rPr lang="pl-PL" sz="1800" dirty="0" smtClean="0">
-                <a:solidFill>
-                  <a:srgbClr val="303336"/>
-                </a:solidFill>
-                <a:latin typeface="inherit"/>
-              </a:rPr>
-              <a:t>  { </a:t>
-            </a:r>
-            <a:br>
-              <a:rPr lang="pl-PL" sz="1800" dirty="0" smtClean="0">
-                <a:solidFill>
-                  <a:srgbClr val="303336"/>
-                </a:solidFill>
-                <a:latin typeface="inherit"/>
-              </a:rPr>
-            </a:br>
-            <a:r>
-              <a:rPr lang="pl-PL" sz="1800" dirty="0" smtClean="0">
-                <a:solidFill>
-                  <a:srgbClr val="303336"/>
-                </a:solidFill>
-                <a:latin typeface="inherit"/>
-              </a:rPr>
-              <a:t>     </a:t>
-            </a:r>
-            <a:r>
-              <a:rPr lang="pl-PL" sz="1800" dirty="0" err="1" smtClean="0">
-                <a:solidFill>
-                  <a:srgbClr val="2B91AF"/>
-                </a:solidFill>
-                <a:latin typeface="inherit"/>
-              </a:rPr>
-              <a:t>Database</a:t>
-            </a:r>
-            <a:r>
-              <a:rPr lang="pl-PL" sz="1800" dirty="0" err="1" smtClean="0">
-                <a:solidFill>
-                  <a:srgbClr val="303336"/>
-                </a:solidFill>
-                <a:latin typeface="inherit"/>
-              </a:rPr>
-              <a:t>.</a:t>
-            </a:r>
-            <a:r>
-              <a:rPr lang="pl-PL" sz="1800" dirty="0" err="1" smtClean="0">
-                <a:solidFill>
-                  <a:srgbClr val="2B91AF"/>
-                </a:solidFill>
-                <a:latin typeface="inherit"/>
-              </a:rPr>
-              <a:t>SetInitializer</a:t>
-            </a:r>
-            <a:r>
-              <a:rPr lang="pl-PL" sz="1800" dirty="0" err="1" smtClean="0">
-                <a:solidFill>
-                  <a:srgbClr val="303336"/>
-                </a:solidFill>
-                <a:latin typeface="inherit"/>
-              </a:rPr>
-              <a:t>(</a:t>
-            </a:r>
-            <a:r>
-              <a:rPr lang="pl-PL" sz="1800" dirty="0" err="1" smtClean="0">
-                <a:solidFill>
-                  <a:srgbClr val="101094"/>
-                </a:solidFill>
-                <a:latin typeface="inherit"/>
-              </a:rPr>
-              <a:t>ne</a:t>
-            </a:r>
-            <a:r>
-              <a:rPr lang="pl-PL" sz="1800" dirty="0" smtClean="0">
-                <a:solidFill>
-                  <a:srgbClr val="101094"/>
-                </a:solidFill>
-                <a:latin typeface="inherit"/>
-              </a:rPr>
-              <a:t>w</a:t>
-            </a:r>
-            <a:r>
-              <a:rPr lang="pl-PL" sz="1800" dirty="0" smtClean="0">
-                <a:solidFill>
-                  <a:srgbClr val="303336"/>
-                </a:solidFill>
-                <a:latin typeface="inherit"/>
-              </a:rPr>
-              <a:t>           </a:t>
-            </a:r>
-            <a:r>
-              <a:rPr lang="pl-PL" sz="1800" dirty="0" smtClean="0">
-                <a:solidFill>
-                  <a:srgbClr val="303336"/>
-                </a:solidFill>
-                <a:latin typeface="inherit"/>
-              </a:rPr>
-              <a:t>	</a:t>
-            </a:r>
-            <a:r>
-              <a:rPr lang="pl-PL" sz="1800" dirty="0" smtClean="0">
-                <a:solidFill>
-                  <a:srgbClr val="303336"/>
-                </a:solidFill>
-                <a:latin typeface="inherit"/>
-              </a:rPr>
-              <a:t>					</a:t>
-            </a:r>
-            <a:r>
-              <a:rPr lang="pl-PL" sz="1800" dirty="0" err="1" smtClean="0">
-                <a:solidFill>
-                  <a:srgbClr val="2B91AF"/>
-                </a:solidFill>
-                <a:latin typeface="inherit"/>
-              </a:rPr>
-              <a:t>MigrateDatabaseToLatestVersion</a:t>
-            </a:r>
-            <a:r>
-              <a:rPr lang="pl-PL" sz="1800" dirty="0" err="1" smtClean="0">
-                <a:solidFill>
-                  <a:srgbClr val="303336"/>
-                </a:solidFill>
-                <a:latin typeface="inherit"/>
-              </a:rPr>
-              <a:t>&lt;</a:t>
-            </a:r>
-            <a:r>
-              <a:rPr lang="pl-PL" sz="1800" dirty="0" err="1" smtClean="0">
-                <a:solidFill>
-                  <a:srgbClr val="2B91AF"/>
-                </a:solidFill>
-                <a:latin typeface="inherit"/>
-              </a:rPr>
-              <a:t>MyContext</a:t>
-            </a:r>
-            <a:r>
-              <a:rPr lang="pl-PL" sz="1800" dirty="0" smtClean="0">
-                <a:solidFill>
-                  <a:srgbClr val="303336"/>
-                </a:solidFill>
-                <a:latin typeface="inherit"/>
-              </a:rPr>
-              <a:t>, 			</a:t>
-            </a:r>
-            <a:r>
-              <a:rPr lang="pl-PL" sz="1800" dirty="0" err="1" smtClean="0">
-                <a:solidFill>
-                  <a:srgbClr val="2B91AF"/>
-                </a:solidFill>
-                <a:latin typeface="inherit"/>
-              </a:rPr>
-              <a:t>MigrateDBConfiguration</a:t>
-            </a:r>
-            <a:r>
-              <a:rPr lang="pl-PL" sz="1800" dirty="0" smtClean="0">
-                <a:solidFill>
-                  <a:srgbClr val="303336"/>
-                </a:solidFill>
-                <a:latin typeface="inherit"/>
-              </a:rPr>
-              <a:t>&gt;()); </a:t>
-            </a:r>
-            <a:br>
-              <a:rPr lang="pl-PL" sz="1800" dirty="0" smtClean="0">
-                <a:solidFill>
-                  <a:srgbClr val="303336"/>
-                </a:solidFill>
-                <a:latin typeface="inherit"/>
-              </a:rPr>
-            </a:br>
-            <a:r>
-              <a:rPr lang="pl-PL" sz="1800" dirty="0" smtClean="0">
-                <a:solidFill>
-                  <a:srgbClr val="303336"/>
-                </a:solidFill>
-                <a:latin typeface="inherit"/>
-              </a:rPr>
-              <a:t>  }</a:t>
-            </a:r>
-            <a:br>
-              <a:rPr lang="pl-PL" sz="1800" dirty="0" smtClean="0">
-                <a:solidFill>
-                  <a:srgbClr val="303336"/>
-                </a:solidFill>
-                <a:latin typeface="inherit"/>
-              </a:rPr>
-            </a:br>
-            <a:r>
-              <a:rPr lang="pl-PL" sz="1800" dirty="0" smtClean="0">
-                <a:solidFill>
-                  <a:srgbClr val="303336"/>
-                </a:solidFill>
-                <a:latin typeface="inherit"/>
-              </a:rPr>
-              <a:t>}</a:t>
-            </a:r>
-          </a:p>
-          <a:p>
-            <a:pPr lvl="1"/>
-            <a:endParaRPr lang="pl-PL" sz="1800" dirty="0" smtClean="0">
-              <a:solidFill>
-                <a:srgbClr val="0000FF"/>
-              </a:solidFill>
-              <a:latin typeface="Consolas"/>
-            </a:endParaRPr>
-          </a:p>
           <a:p>
             <a:pPr marL="109728" indent="0">
               <a:buNone/>
             </a:pPr>
-            <a:endParaRPr lang="pl-PL" sz="2800" dirty="0">
-              <a:solidFill>
-                <a:srgbClr val="0000FF"/>
-              </a:solidFill>
-              <a:latin typeface="Consolas"/>
-            </a:endParaRPr>
+            <a:r>
+              <a:rPr lang="pl-PL" dirty="0" smtClean="0"/>
+              <a:t>Wdrożenie migracji:</a:t>
+            </a:r>
+          </a:p>
+          <a:p>
+            <a:r>
+              <a:rPr lang="pl-PL" b="1" dirty="0" smtClean="0"/>
+              <a:t>Update-Database</a:t>
+            </a:r>
+            <a:r>
+              <a:rPr lang="pl-PL" dirty="0" smtClean="0"/>
+              <a:t> </a:t>
+            </a:r>
+            <a:r>
+              <a:rPr lang="pl-PL" i="1" dirty="0" smtClean="0"/>
+              <a:t>(</a:t>
+            </a:r>
+            <a:r>
+              <a:rPr lang="pl-PL" i="1" dirty="0" err="1" smtClean="0"/>
+              <a:t>Package</a:t>
+            </a:r>
+            <a:r>
+              <a:rPr lang="pl-PL" i="1" dirty="0" smtClean="0"/>
+              <a:t> </a:t>
+            </a:r>
+            <a:r>
+              <a:rPr lang="pl-PL" i="1" dirty="0"/>
+              <a:t>Manager </a:t>
+            </a:r>
+            <a:r>
+              <a:rPr lang="pl-PL" i="1" dirty="0" err="1" smtClean="0"/>
+              <a:t>console</a:t>
+            </a:r>
+            <a:r>
+              <a:rPr lang="pl-PL" i="1" dirty="0" smtClean="0"/>
+              <a:t>)</a:t>
+            </a:r>
+          </a:p>
+          <a:p>
+            <a:r>
+              <a:rPr lang="pl-PL" b="1" dirty="0" smtClean="0"/>
+              <a:t>migrate.exe</a:t>
+            </a:r>
+            <a:r>
+              <a:rPr lang="pl-PL" dirty="0" smtClean="0"/>
+              <a:t> </a:t>
+            </a:r>
+            <a:r>
+              <a:rPr lang="pl-PL" i="1" dirty="0" smtClean="0"/>
+              <a:t>(</a:t>
+            </a:r>
+            <a:r>
+              <a:rPr lang="pl-PL" i="1" dirty="0" err="1" smtClean="0"/>
+              <a:t>packages</a:t>
+            </a:r>
+            <a:r>
+              <a:rPr lang="pl-PL" i="1" dirty="0" smtClean="0"/>
+              <a:t>\EntityFramework.6.2.0\</a:t>
+            </a:r>
+            <a:r>
+              <a:rPr lang="pl-PL" i="1" dirty="0" err="1" smtClean="0"/>
+              <a:t>tools</a:t>
+            </a:r>
+            <a:r>
+              <a:rPr lang="pl-PL" i="1" dirty="0" smtClean="0"/>
+              <a:t>)</a:t>
+            </a:r>
+          </a:p>
+          <a:p>
+            <a:r>
+              <a:rPr lang="pl-PL" b="1" dirty="0" err="1" smtClean="0"/>
+              <a:t>Script.sql</a:t>
+            </a:r>
+            <a:r>
+              <a:rPr lang="pl-PL" dirty="0" smtClean="0"/>
+              <a:t> </a:t>
+            </a:r>
+            <a:r>
+              <a:rPr lang="pl-PL" i="1" dirty="0" smtClean="0"/>
+              <a:t>(Update-Database </a:t>
+            </a:r>
+            <a:r>
+              <a:rPr lang="pl-PL" i="1" dirty="0"/>
+              <a:t>-</a:t>
+            </a:r>
+            <a:r>
+              <a:rPr lang="pl-PL" i="1" dirty="0" err="1" smtClean="0"/>
+              <a:t>Script</a:t>
+            </a:r>
+            <a:r>
+              <a:rPr lang="pl-PL" i="1" dirty="0" smtClean="0"/>
+              <a:t>)</a:t>
+            </a:r>
           </a:p>
         </p:txBody>
       </p:sp>
@@ -12509,7 +12350,15 @@
           <a:p>
             <a:r>
               <a:rPr lang="pl-PL" dirty="0" smtClean="0"/>
-              <a:t>Migracje: automatyczne</a:t>
+              <a:t>Migracje: "</a:t>
+            </a:r>
+            <a:r>
+              <a:rPr lang="pl-PL" dirty="0" err="1" smtClean="0"/>
+              <a:t>code-base</a:t>
+            </a:r>
+            <a:r>
+              <a:rPr lang="pl-PL" dirty="0" smtClean="0"/>
+              <a:t>"</a:t>
             </a:r>
             <a:endParaRPr lang="pl-PL" dirty="0"/>
           </a:p>
@@ -12551,7 +12400,7 @@
           <a:blip r:embed="rId3" cstate="print">
             <a:extLst>
               <a:ext uri="{28A0092B-C50C-407E-A947-70E740481C1C}">
-                <a14:useLocalDpi xmlns:a14="http://schemas.microsoft.com/office/drawing/2010/main" xmlns="" val="0"/>
+                <a14:useLocalDpi xmlns:a14="http://schemas.microsoft.com/office/drawing/2010/main" val="0"/>
               </a:ext>
             </a:extLst>
           </a:blip>
@@ -12572,7 +12421,7 @@
     </p:spTree>
     <p:extLst>
       <p:ext uri="{BB962C8B-B14F-4D97-AF65-F5344CB8AC3E}">
-        <p14:creationId xmlns:p14="http://schemas.microsoft.com/office/powerpoint/2010/main" xmlns="" val="4148982605"/>
+        <p14:creationId xmlns:p14="http://schemas.microsoft.com/office/powerpoint/2010/main" val="2722726801"/>
       </p:ext>
     </p:extLst>
   </p:cSld>
@@ -12608,7 +12457,7 @@
       </p:grpSpPr>
       <p:sp>
         <p:nvSpPr>
-          <p:cNvPr id="8" name="Symbol zastępczy zawartości 7"/>
+          <p:cNvPr id="2" name="Symbol zastępczy zawartości 1"/>
           <p:cNvSpPr>
             <a:spLocks noGrp="1"/>
           </p:cNvSpPr>
@@ -12618,85 +12467,181 @@
         </p:nvSpPr>
         <p:spPr/>
         <p:txBody>
-          <a:bodyPr/>
+          <a:bodyPr>
+            <a:normAutofit/>
+          </a:bodyPr>
+          <a:lstStyle/>
+          <a:p>
+            <a:pPr marL="109728" indent="0">
+              <a:buNone/>
+            </a:pPr>
+            <a:endParaRPr lang="pl-PL" sz="2800" dirty="0" smtClean="0">
+              <a:solidFill>
+                <a:srgbClr val="0000FF"/>
+              </a:solidFill>
+              <a:latin typeface="Consolas"/>
+            </a:endParaRPr>
+          </a:p>
+          <a:p>
+            <a:pPr marL="109728" indent="0">
+              <a:buNone/>
+            </a:pPr>
+            <a:endParaRPr lang="pl-PL" sz="2800" dirty="0">
+              <a:solidFill>
+                <a:srgbClr val="0000FF"/>
+              </a:solidFill>
+              <a:latin typeface="Consolas"/>
+            </a:endParaRPr>
+          </a:p>
+          <a:p>
+            <a:pPr marL="109728" indent="0">
+              <a:buNone/>
+            </a:pPr>
+            <a:r>
+              <a:rPr lang="pl-PL" sz="2800" dirty="0" smtClean="0">
+                <a:solidFill>
+                  <a:srgbClr val="0000FF"/>
+                </a:solidFill>
+                <a:latin typeface="Consolas"/>
+              </a:rPr>
+              <a:t>public</a:t>
+            </a:r>
+            <a:r>
+              <a:rPr lang="pl-PL" sz="2800" dirty="0" smtClean="0">
+                <a:solidFill>
+                  <a:srgbClr val="000000"/>
+                </a:solidFill>
+                <a:latin typeface="Consolas"/>
+              </a:rPr>
+              <a:t> </a:t>
+            </a:r>
+            <a:r>
+              <a:rPr lang="pl-PL" sz="2800" dirty="0" err="1">
+                <a:solidFill>
+                  <a:srgbClr val="000000"/>
+                </a:solidFill>
+                <a:latin typeface="Consolas"/>
+              </a:rPr>
+              <a:t>Configuration</a:t>
+            </a:r>
+            <a:r>
+              <a:rPr lang="pl-PL" sz="2800" dirty="0">
+                <a:solidFill>
+                  <a:srgbClr val="000000"/>
+                </a:solidFill>
+                <a:latin typeface="Consolas"/>
+              </a:rPr>
+              <a:t>()</a:t>
+            </a:r>
+          </a:p>
+          <a:p>
+            <a:pPr marL="109728" indent="0">
+              <a:buNone/>
+            </a:pPr>
+            <a:r>
+              <a:rPr lang="pl-PL" sz="2800" dirty="0" smtClean="0">
+                <a:solidFill>
+                  <a:srgbClr val="000000"/>
+                </a:solidFill>
+                <a:latin typeface="Consolas"/>
+              </a:rPr>
+              <a:t>{</a:t>
+            </a:r>
+            <a:endParaRPr lang="pl-PL" sz="2800" dirty="0">
+              <a:solidFill>
+                <a:srgbClr val="000000"/>
+              </a:solidFill>
+              <a:latin typeface="Consolas"/>
+            </a:endParaRPr>
+          </a:p>
+          <a:p>
+            <a:pPr marL="109728" indent="0">
+              <a:buNone/>
+            </a:pPr>
+            <a:r>
+              <a:rPr lang="pl-PL" sz="2800" dirty="0" smtClean="0">
+                <a:solidFill>
+                  <a:srgbClr val="000000"/>
+                </a:solidFill>
+                <a:latin typeface="Consolas"/>
+              </a:rPr>
+              <a:t>    </a:t>
+            </a:r>
+            <a:r>
+              <a:rPr lang="pl-PL" sz="2800" dirty="0" err="1">
+                <a:solidFill>
+                  <a:srgbClr val="000000"/>
+                </a:solidFill>
+                <a:latin typeface="Consolas"/>
+              </a:rPr>
+              <a:t>AutomaticMigrationsEnabled</a:t>
+            </a:r>
+            <a:r>
+              <a:rPr lang="pl-PL" sz="2800" dirty="0">
+                <a:solidFill>
+                  <a:srgbClr val="000000"/>
+                </a:solidFill>
+                <a:latin typeface="Consolas"/>
+              </a:rPr>
+              <a:t> = </a:t>
+            </a:r>
+            <a:r>
+              <a:rPr lang="pl-PL" sz="2800" dirty="0" err="1">
+                <a:solidFill>
+                  <a:srgbClr val="0000FF"/>
+                </a:solidFill>
+                <a:latin typeface="Consolas"/>
+              </a:rPr>
+              <a:t>true</a:t>
+            </a:r>
+            <a:r>
+              <a:rPr lang="pl-PL" sz="2800" dirty="0">
+                <a:solidFill>
+                  <a:srgbClr val="000000"/>
+                </a:solidFill>
+                <a:latin typeface="Consolas"/>
+              </a:rPr>
+              <a:t>;</a:t>
+            </a:r>
+          </a:p>
+          <a:p>
+            <a:pPr marL="109728" indent="0">
+              <a:buNone/>
+            </a:pPr>
+            <a:r>
+              <a:rPr lang="pl-PL" sz="2800" dirty="0" smtClean="0">
+                <a:solidFill>
+                  <a:srgbClr val="000000"/>
+                </a:solidFill>
+                <a:latin typeface="Consolas"/>
+              </a:rPr>
+              <a:t>}</a:t>
+            </a:r>
+            <a:endParaRPr lang="pl-PL" i="1" dirty="0" smtClean="0"/>
+          </a:p>
+        </p:txBody>
+      </p:sp>
+      <p:sp>
+        <p:nvSpPr>
+          <p:cNvPr id="3" name="Tytuł 2"/>
+          <p:cNvSpPr>
+            <a:spLocks noGrp="1"/>
+          </p:cNvSpPr>
+          <p:nvPr>
+            <p:ph type="title"/>
+          </p:nvPr>
+        </p:nvSpPr>
+        <p:spPr/>
+        <p:txBody>
+          <a:bodyPr>
+            <a:normAutofit/>
+          </a:bodyPr>
           <a:lstStyle/>
           <a:p>
             <a:r>
               <a:rPr lang="pl-PL" dirty="0" smtClean="0"/>
-              <a:t>Dostępne </a:t>
-            </a:r>
-            <a:r>
-              <a:rPr lang="pl-PL" dirty="0" smtClean="0"/>
-              <a:t>strategie inicjalizacji</a:t>
-            </a:r>
-            <a:endParaRPr lang="pl-PL" dirty="0" smtClean="0"/>
-          </a:p>
-          <a:p>
-            <a:pPr lvl="1"/>
-            <a:r>
-              <a:rPr lang="pl-PL" dirty="0" err="1" smtClean="0"/>
-              <a:t>CreateDatabaseIfNotExists</a:t>
-            </a:r>
-            <a:r>
-              <a:rPr lang="pl-PL" dirty="0" smtClean="0"/>
-              <a:t> (domyślna)</a:t>
-            </a:r>
-          </a:p>
-          <a:p>
-            <a:pPr lvl="1"/>
-            <a:r>
-              <a:rPr lang="pl-PL" dirty="0" err="1" smtClean="0"/>
-              <a:t>DropCreateDatabaseIfModelChanges</a:t>
-            </a:r>
-            <a:endParaRPr lang="pl-PL" dirty="0" smtClean="0"/>
-          </a:p>
-          <a:p>
-            <a:pPr lvl="1"/>
-            <a:r>
-              <a:rPr lang="pl-PL" dirty="0" err="1" smtClean="0"/>
-              <a:t>DropCreateDatabaseAlways</a:t>
-            </a:r>
-            <a:endParaRPr lang="pl-PL" dirty="0" smtClean="0"/>
-          </a:p>
-          <a:p>
-            <a:r>
-              <a:rPr lang="pl-PL" dirty="0" smtClean="0"/>
-              <a:t>Możliwość tworzenia własnych </a:t>
-            </a:r>
-            <a:r>
-              <a:rPr lang="pl-PL" dirty="0" smtClean="0"/>
-              <a:t>strategii </a:t>
-            </a:r>
-            <a:r>
-              <a:rPr lang="pl-PL" dirty="0" smtClean="0"/>
-              <a:t/>
-            </a:r>
-            <a:br>
-              <a:rPr lang="pl-PL" dirty="0" smtClean="0"/>
-            </a:br>
-            <a:r>
-              <a:rPr lang="pl-PL" dirty="0" smtClean="0"/>
-              <a:t>(</a:t>
-            </a:r>
-            <a:r>
-              <a:rPr lang="pl-PL" dirty="0" smtClean="0"/>
-              <a:t>np</a:t>
-            </a:r>
-            <a:r>
-              <a:rPr lang="pl-PL" dirty="0" smtClean="0"/>
-              <a:t>. przez </a:t>
-            </a:r>
-            <a:r>
-              <a:rPr lang="pl-PL" dirty="0" smtClean="0"/>
-              <a:t>dziedziczenie)</a:t>
-            </a:r>
-            <a:r>
-              <a:rPr lang="pl-PL" dirty="0"/>
-              <a:t/>
-            </a:r>
-            <a:br>
-              <a:rPr lang="pl-PL" dirty="0"/>
-            </a:br>
+              <a:t>Migracje: automatyczne</a:t>
+            </a:r>
             <a:endParaRPr lang="pl-PL" dirty="0"/>
           </a:p>
         </p:txBody>
@@ -12722,29 +12667,6 @@
               <a:t>29</a:t>
             </a:fld>
             <a:endParaRPr lang="pl-PL"/>
-          </a:p>
-        </p:txBody>
-      </p:sp>
-      <p:sp>
-        <p:nvSpPr>
-          <p:cNvPr id="3" name="Tytuł 2"/>
-          <p:cNvSpPr>
-            <a:spLocks noGrp="1"/>
-          </p:cNvSpPr>
-          <p:nvPr>
-            <p:ph type="title"/>
-          </p:nvPr>
-        </p:nvSpPr>
-        <p:spPr/>
-        <p:txBody>
-          <a:bodyPr/>
-          <a:lstStyle/>
-          <a:p>
-            <a:r>
-              <a:rPr lang="pl-PL" smtClean="0"/>
-              <a:t>Migracje: automatyczne</a:t>
-            </a:r>
-            <a:endParaRPr lang="pl-PL" dirty="0"/>
           </a:p>
         </p:txBody>
       </p:sp>
@@ -12760,7 +12682,7 @@
           <a:blip r:embed="rId3" cstate="print">
             <a:extLst>
               <a:ext uri="{28A0092B-C50C-407E-A947-70E740481C1C}">
-                <a14:useLocalDpi xmlns:a14="http://schemas.microsoft.com/office/drawing/2010/main" xmlns="" val="0"/>
+                <a14:useLocalDpi xmlns:a14="http://schemas.microsoft.com/office/drawing/2010/main" val="0"/>
               </a:ext>
             </a:extLst>
           </a:blip>
@@ -12781,7 +12703,7 @@
     </p:spTree>
     <p:extLst>
       <p:ext uri="{BB962C8B-B14F-4D97-AF65-F5344CB8AC3E}">
-        <p14:creationId xmlns:p14="http://schemas.microsoft.com/office/powerpoint/2010/main" xmlns="" val="3470529918"/>
+        <p14:creationId xmlns:p14="http://schemas.microsoft.com/office/powerpoint/2010/main" val="3360151137"/>
       </p:ext>
     </p:extLst>
   </p:cSld>
@@ -12850,7 +12772,6 @@
               <a:rPr lang="pl-PL" dirty="0" smtClean="0"/>
               <a:t>≠</a:t>
             </a:r>
-            <a:endParaRPr lang="pl-PL" dirty="0" smtClean="0"/>
           </a:p>
           <a:p>
             <a:pPr algn="ctr">
@@ -12894,10 +12815,6 @@
               <a:rPr lang="pl-PL" sz="4400" dirty="0" smtClean="0"/>
               <a:t>Wprowadzenie do </a:t>
             </a:r>
-            <a:r>
-              <a:rPr lang="pl-PL" sz="4400" dirty="0" smtClean="0"/>
-              <a:t/>
-            </a:r>
             <a:br>
               <a:rPr lang="pl-PL" sz="4400" dirty="0" smtClean="0"/>
             </a:br>
@@ -12907,11 +12824,7 @@
             </a:r>
             <a:r>
               <a:rPr lang="pl-PL" sz="4400" dirty="0" smtClean="0"/>
-              <a:t> </a:t>
-            </a:r>
-            <a:r>
-              <a:rPr lang="pl-PL" sz="4400" dirty="0" smtClean="0"/>
-              <a:t>Framework</a:t>
+              <a:t> Framework</a:t>
             </a:r>
           </a:p>
         </p:txBody>
@@ -12952,7 +12865,7 @@
           <a:blip r:embed="rId3" cstate="print">
             <a:extLst>
               <a:ext uri="{28A0092B-C50C-407E-A947-70E740481C1C}">
-                <a14:useLocalDpi xmlns:a14="http://schemas.microsoft.com/office/drawing/2010/main" xmlns="" val="0"/>
+                <a14:useLocalDpi xmlns:a14="http://schemas.microsoft.com/office/drawing/2010/main" val="0"/>
               </a:ext>
             </a:extLst>
           </a:blip>
@@ -12973,7 +12886,7 @@
     </p:spTree>
     <p:extLst>
       <p:ext uri="{BB962C8B-B14F-4D97-AF65-F5344CB8AC3E}">
-        <p14:creationId xmlns:p14="http://schemas.microsoft.com/office/powerpoint/2010/main" xmlns="" val="2808115206"/>
+        <p14:creationId xmlns:p14="http://schemas.microsoft.com/office/powerpoint/2010/main" val="2808115206"/>
       </p:ext>
     </p:extLst>
   </p:cSld>
@@ -13009,7 +12922,7 @@
       </p:grpSpPr>
       <p:sp>
         <p:nvSpPr>
-          <p:cNvPr id="8" name="Symbol zastępczy zawartości 7"/>
+          <p:cNvPr id="2" name="Symbol zastępczy zawartości 1"/>
           <p:cNvSpPr>
             <a:spLocks noGrp="1"/>
           </p:cNvSpPr>
@@ -13020,43 +12933,437 @@
         <p:spPr/>
         <p:txBody>
           <a:bodyPr>
-            <a:normAutofit fontScale="85000" lnSpcReduction="20000"/>
+            <a:normAutofit lnSpcReduction="10000"/>
           </a:bodyPr>
           <a:lstStyle/>
           <a:p>
-            <a:pPr>
+            <a:pPr fontAlgn="base">
               <a:buNone/>
             </a:pPr>
             <a:r>
-              <a:rPr lang="pl-PL" dirty="0" smtClean="0"/>
-              <a:t>Wyłączenie inicjalizacji</a:t>
-            </a:r>
-          </a:p>
-          <a:p>
-            <a:endParaRPr lang="pl-PL" dirty="0" smtClean="0"/>
+              <a:rPr lang="pl-PL" sz="2800" dirty="0" err="1" smtClean="0">
+                <a:solidFill>
+                  <a:srgbClr val="242729"/>
+                </a:solidFill>
+                <a:latin typeface="Arial"/>
+              </a:rPr>
+              <a:t>Initializers</a:t>
+            </a:r>
+            <a:r>
+              <a:rPr lang="pl-PL" sz="2800" dirty="0" smtClean="0">
+                <a:solidFill>
+                  <a:srgbClr val="242729"/>
+                </a:solidFill>
+                <a:latin typeface="Arial"/>
+              </a:rPr>
+              <a:t>…</a:t>
+            </a:r>
+            <a:br>
+              <a:rPr lang="pl-PL" sz="2800" dirty="0" smtClean="0">
+                <a:solidFill>
+                  <a:srgbClr val="242729"/>
+                </a:solidFill>
+                <a:latin typeface="Arial"/>
+              </a:rPr>
+            </a:br>
+            <a:endParaRPr lang="pl-PL" sz="2800" dirty="0" smtClean="0">
+              <a:solidFill>
+                <a:srgbClr val="242729"/>
+              </a:solidFill>
+              <a:latin typeface="Arial"/>
+            </a:endParaRPr>
+          </a:p>
+          <a:p>
+            <a:pPr lvl="1" fontAlgn="base"/>
+            <a:r>
+              <a:rPr lang="pl-PL" sz="2400" dirty="0" smtClean="0">
+                <a:solidFill>
+                  <a:srgbClr val="242729"/>
+                </a:solidFill>
+                <a:latin typeface="Arial"/>
+              </a:rPr>
+              <a:t>umożliwiają wdrażanie zmian / inicjalizowanie bazy w </a:t>
+            </a:r>
+            <a:r>
+              <a:rPr lang="pl-PL" sz="2400" dirty="0" err="1" smtClean="0">
+                <a:solidFill>
+                  <a:srgbClr val="242729"/>
+                </a:solidFill>
+                <a:latin typeface="Arial"/>
+              </a:rPr>
+              <a:t>runtime</a:t>
+            </a:r>
+            <a:r>
+              <a:rPr lang="pl-PL" sz="2400" dirty="0" smtClean="0">
+                <a:solidFill>
+                  <a:srgbClr val="242729"/>
+                </a:solidFill>
+                <a:latin typeface="Arial"/>
+              </a:rPr>
+              <a:t> wg obranej strategii</a:t>
+            </a:r>
+          </a:p>
+          <a:p>
+            <a:pPr lvl="1" fontAlgn="base"/>
+            <a:r>
+              <a:rPr lang="pl-PL" sz="2400" dirty="0" smtClean="0">
+                <a:solidFill>
+                  <a:srgbClr val="242729"/>
+                </a:solidFill>
+                <a:latin typeface="Arial"/>
+              </a:rPr>
+              <a:t>uruchamiane przy pierwszym dostępie do bazy</a:t>
+            </a:r>
+            <a:br>
+              <a:rPr lang="pl-PL" sz="2400" dirty="0" smtClean="0">
+                <a:solidFill>
+                  <a:srgbClr val="242729"/>
+                </a:solidFill>
+                <a:latin typeface="Arial"/>
+              </a:rPr>
+            </a:br>
+            <a:endParaRPr lang="pl-PL" sz="2400" dirty="0" smtClean="0">
+              <a:solidFill>
+                <a:srgbClr val="242729"/>
+              </a:solidFill>
+              <a:latin typeface="Arial"/>
+            </a:endParaRPr>
+          </a:p>
+          <a:p>
+            <a:pPr lvl="1">
+              <a:buNone/>
+            </a:pPr>
+            <a:r>
+              <a:rPr lang="pl-PL" sz="1800" dirty="0" smtClean="0">
+                <a:solidFill>
+                  <a:srgbClr val="101094"/>
+                </a:solidFill>
+                <a:latin typeface="inherit"/>
+              </a:rPr>
+              <a:t>    public</a:t>
+            </a:r>
+            <a:r>
+              <a:rPr lang="pl-PL" sz="1800" dirty="0" smtClean="0">
+                <a:solidFill>
+                  <a:srgbClr val="303336"/>
+                </a:solidFill>
+                <a:latin typeface="inherit"/>
+              </a:rPr>
+              <a:t> </a:t>
+            </a:r>
+            <a:r>
+              <a:rPr lang="pl-PL" sz="1800" dirty="0" err="1">
+                <a:solidFill>
+                  <a:srgbClr val="101094"/>
+                </a:solidFill>
+                <a:latin typeface="inherit"/>
+              </a:rPr>
+              <a:t>class</a:t>
+            </a:r>
+            <a:r>
+              <a:rPr lang="pl-PL" sz="1800" dirty="0">
+                <a:solidFill>
+                  <a:srgbClr val="303336"/>
+                </a:solidFill>
+                <a:latin typeface="inherit"/>
+              </a:rPr>
+              <a:t> </a:t>
+            </a:r>
+            <a:r>
+              <a:rPr lang="pl-PL" sz="1800" dirty="0" err="1">
+                <a:solidFill>
+                  <a:srgbClr val="2B91AF"/>
+                </a:solidFill>
+                <a:latin typeface="inherit"/>
+              </a:rPr>
+              <a:t>MyContext</a:t>
+            </a:r>
+            <a:r>
+              <a:rPr lang="pl-PL" sz="1800" dirty="0">
+                <a:solidFill>
+                  <a:srgbClr val="303336"/>
+                </a:solidFill>
+                <a:latin typeface="inherit"/>
+              </a:rPr>
+              <a:t> : </a:t>
+            </a:r>
+            <a:r>
+              <a:rPr lang="pl-PL" sz="1800" dirty="0" err="1">
+                <a:solidFill>
+                  <a:srgbClr val="2B91AF"/>
+                </a:solidFill>
+                <a:latin typeface="inherit"/>
+              </a:rPr>
+              <a:t>DbContext</a:t>
+            </a:r>
+            <a:r>
+              <a:rPr lang="pl-PL" sz="1800" dirty="0">
+                <a:solidFill>
+                  <a:srgbClr val="303336"/>
+                </a:solidFill>
+                <a:latin typeface="inherit"/>
+              </a:rPr>
+              <a:t> </a:t>
+            </a:r>
+            <a:r>
+              <a:rPr lang="pl-PL" sz="1800" dirty="0" smtClean="0">
+                <a:solidFill>
+                  <a:srgbClr val="303336"/>
+                </a:solidFill>
+                <a:latin typeface="inherit"/>
+              </a:rPr>
+              <a:t/>
+            </a:r>
+            <a:br>
+              <a:rPr lang="pl-PL" sz="1800" dirty="0" smtClean="0">
+                <a:solidFill>
+                  <a:srgbClr val="303336"/>
+                </a:solidFill>
+                <a:latin typeface="inherit"/>
+              </a:rPr>
+            </a:br>
+            <a:r>
+              <a:rPr lang="pl-PL" sz="1800" dirty="0" smtClean="0">
+                <a:solidFill>
+                  <a:srgbClr val="303336"/>
+                </a:solidFill>
+                <a:latin typeface="inherit"/>
+              </a:rPr>
+              <a:t>{</a:t>
+            </a:r>
+            <a:br>
+              <a:rPr lang="pl-PL" sz="1800" dirty="0" smtClean="0">
+                <a:solidFill>
+                  <a:srgbClr val="303336"/>
+                </a:solidFill>
+                <a:latin typeface="inherit"/>
+              </a:rPr>
+            </a:br>
+            <a:r>
+              <a:rPr lang="pl-PL" sz="1800" dirty="0" smtClean="0">
+                <a:solidFill>
+                  <a:srgbClr val="303336"/>
+                </a:solidFill>
+                <a:latin typeface="inherit"/>
+              </a:rPr>
+              <a:t>  </a:t>
+            </a:r>
+            <a:r>
+              <a:rPr lang="pl-PL" sz="1800" dirty="0" smtClean="0">
+                <a:solidFill>
+                  <a:srgbClr val="101094"/>
+                </a:solidFill>
+                <a:latin typeface="inherit"/>
+              </a:rPr>
+              <a:t>public </a:t>
+            </a:r>
+            <a:r>
+              <a:rPr lang="pl-PL" sz="1800" dirty="0" err="1" smtClean="0">
+                <a:solidFill>
+                  <a:srgbClr val="2B91AF"/>
+                </a:solidFill>
+                <a:latin typeface="inherit"/>
+              </a:rPr>
+              <a:t>MyContext</a:t>
+            </a:r>
+            <a:r>
+              <a:rPr lang="pl-PL" sz="1800" dirty="0" smtClean="0">
+                <a:solidFill>
+                  <a:srgbClr val="303336"/>
+                </a:solidFill>
+                <a:latin typeface="inherit"/>
+              </a:rPr>
+              <a:t>() </a:t>
+            </a:r>
+            <a:br>
+              <a:rPr lang="pl-PL" sz="1800" dirty="0" smtClean="0">
+                <a:solidFill>
+                  <a:srgbClr val="303336"/>
+                </a:solidFill>
+                <a:latin typeface="inherit"/>
+              </a:rPr>
+            </a:br>
+            <a:r>
+              <a:rPr lang="pl-PL" sz="1800" dirty="0" smtClean="0">
+                <a:solidFill>
+                  <a:srgbClr val="303336"/>
+                </a:solidFill>
+                <a:latin typeface="inherit"/>
+              </a:rPr>
+              <a:t>  { </a:t>
+            </a:r>
+            <a:br>
+              <a:rPr lang="pl-PL" sz="1800" dirty="0" smtClean="0">
+                <a:solidFill>
+                  <a:srgbClr val="303336"/>
+                </a:solidFill>
+                <a:latin typeface="inherit"/>
+              </a:rPr>
+            </a:br>
+            <a:r>
+              <a:rPr lang="pl-PL" sz="1800" dirty="0" smtClean="0">
+                <a:solidFill>
+                  <a:srgbClr val="303336"/>
+                </a:solidFill>
+                <a:latin typeface="inherit"/>
+              </a:rPr>
+              <a:t>     </a:t>
+            </a:r>
+            <a:r>
+              <a:rPr lang="pl-PL" sz="1800" dirty="0" err="1" smtClean="0">
+                <a:solidFill>
+                  <a:srgbClr val="2B91AF"/>
+                </a:solidFill>
+                <a:latin typeface="inherit"/>
+              </a:rPr>
+              <a:t>Database</a:t>
+            </a:r>
+            <a:r>
+              <a:rPr lang="pl-PL" sz="1800" dirty="0" err="1" smtClean="0">
+                <a:solidFill>
+                  <a:srgbClr val="303336"/>
+                </a:solidFill>
+                <a:latin typeface="inherit"/>
+              </a:rPr>
+              <a:t>.</a:t>
+            </a:r>
+            <a:r>
+              <a:rPr lang="pl-PL" sz="1800" dirty="0" err="1" smtClean="0">
+                <a:solidFill>
+                  <a:srgbClr val="2B91AF"/>
+                </a:solidFill>
+                <a:latin typeface="inherit"/>
+              </a:rPr>
+              <a:t>SetInitializer</a:t>
+            </a:r>
+            <a:r>
+              <a:rPr lang="pl-PL" sz="1800" dirty="0" err="1" smtClean="0">
+                <a:solidFill>
+                  <a:srgbClr val="303336"/>
+                </a:solidFill>
+                <a:latin typeface="inherit"/>
+              </a:rPr>
+              <a:t>(</a:t>
+            </a:r>
+            <a:r>
+              <a:rPr lang="pl-PL" sz="1800" dirty="0" err="1" smtClean="0">
+                <a:solidFill>
+                  <a:srgbClr val="101094"/>
+                </a:solidFill>
+                <a:latin typeface="inherit"/>
+              </a:rPr>
+              <a:t>ne</a:t>
+            </a:r>
+            <a:r>
+              <a:rPr lang="pl-PL" sz="1800" dirty="0" smtClean="0">
+                <a:solidFill>
+                  <a:srgbClr val="101094"/>
+                </a:solidFill>
+                <a:latin typeface="inherit"/>
+              </a:rPr>
+              <a:t>w</a:t>
+            </a:r>
+            <a:r>
+              <a:rPr lang="pl-PL" sz="1800" dirty="0" smtClean="0">
+                <a:solidFill>
+                  <a:srgbClr val="303336"/>
+                </a:solidFill>
+                <a:latin typeface="inherit"/>
+              </a:rPr>
+              <a:t>           						</a:t>
+            </a:r>
+            <a:r>
+              <a:rPr lang="pl-PL" sz="1800" dirty="0" err="1" smtClean="0">
+                <a:solidFill>
+                  <a:srgbClr val="2B91AF"/>
+                </a:solidFill>
+                <a:latin typeface="inherit"/>
+              </a:rPr>
+              <a:t>MigrateDatabaseToLatestVersion</a:t>
+            </a:r>
+            <a:r>
+              <a:rPr lang="pl-PL" sz="1800" dirty="0" err="1" smtClean="0">
+                <a:solidFill>
+                  <a:srgbClr val="303336"/>
+                </a:solidFill>
+                <a:latin typeface="inherit"/>
+              </a:rPr>
+              <a:t>&lt;</a:t>
+            </a:r>
+            <a:r>
+              <a:rPr lang="pl-PL" sz="1800" dirty="0" err="1" smtClean="0">
+                <a:solidFill>
+                  <a:srgbClr val="2B91AF"/>
+                </a:solidFill>
+                <a:latin typeface="inherit"/>
+              </a:rPr>
+              <a:t>MyContext</a:t>
+            </a:r>
+            <a:r>
+              <a:rPr lang="pl-PL" sz="1800" dirty="0" smtClean="0">
+                <a:solidFill>
+                  <a:srgbClr val="303336"/>
+                </a:solidFill>
+                <a:latin typeface="inherit"/>
+              </a:rPr>
+              <a:t>, 			</a:t>
+            </a:r>
+            <a:r>
+              <a:rPr lang="pl-PL" sz="1800" dirty="0" err="1" smtClean="0">
+                <a:solidFill>
+                  <a:srgbClr val="2B91AF"/>
+                </a:solidFill>
+                <a:latin typeface="inherit"/>
+              </a:rPr>
+              <a:t>MigrateDBConfiguration</a:t>
+            </a:r>
+            <a:r>
+              <a:rPr lang="pl-PL" sz="1800" dirty="0" smtClean="0">
+                <a:solidFill>
+                  <a:srgbClr val="303336"/>
+                </a:solidFill>
+                <a:latin typeface="inherit"/>
+              </a:rPr>
+              <a:t>&gt;()); </a:t>
+            </a:r>
+            <a:br>
+              <a:rPr lang="pl-PL" sz="1800" dirty="0" smtClean="0">
+                <a:solidFill>
+                  <a:srgbClr val="303336"/>
+                </a:solidFill>
+                <a:latin typeface="inherit"/>
+              </a:rPr>
+            </a:br>
+            <a:r>
+              <a:rPr lang="pl-PL" sz="1800" dirty="0" smtClean="0">
+                <a:solidFill>
+                  <a:srgbClr val="303336"/>
+                </a:solidFill>
+                <a:latin typeface="inherit"/>
+              </a:rPr>
+              <a:t>  }</a:t>
+            </a:r>
+            <a:br>
+              <a:rPr lang="pl-PL" sz="1800" dirty="0" smtClean="0">
+                <a:solidFill>
+                  <a:srgbClr val="303336"/>
+                </a:solidFill>
+                <a:latin typeface="inherit"/>
+              </a:rPr>
+            </a:br>
+            <a:r>
+              <a:rPr lang="pl-PL" sz="1800" dirty="0" smtClean="0">
+                <a:solidFill>
+                  <a:srgbClr val="303336"/>
+                </a:solidFill>
+                <a:latin typeface="inherit"/>
+              </a:rPr>
+              <a:t>}</a:t>
+            </a:r>
           </a:p>
           <a:p>
             <a:pPr lvl="1"/>
-            <a:r>
-              <a:rPr lang="pl-PL" dirty="0" err="1" smtClean="0"/>
-              <a:t>Database.SetInitializer&lt;MyDBContext</a:t>
-            </a:r>
-            <a:r>
-              <a:rPr lang="pl-PL" dirty="0" smtClean="0"/>
-              <a:t>&gt;(</a:t>
-            </a:r>
-            <a:r>
-              <a:rPr lang="pl-PL" dirty="0" err="1" smtClean="0"/>
-              <a:t>null</a:t>
-            </a:r>
-            <a:r>
-              <a:rPr lang="pl-PL" dirty="0" smtClean="0"/>
-              <a:t>);</a:t>
-            </a:r>
-          </a:p>
-          <a:p>
-            <a:pPr lvl="1"/>
-            <a:endParaRPr lang="pl-PL" sz="2800" dirty="0" smtClean="0">
+            <a:endParaRPr lang="pl-PL" sz="1800" dirty="0" smtClean="0">
               <a:solidFill>
                 <a:srgbClr val="0000FF"/>
               </a:solidFill>
@@ -13064,380 +13371,39 @@
             </a:endParaRPr>
           </a:p>
           <a:p>
-            <a:pPr lvl="1"/>
-            <a:r>
-              <a:rPr lang="pl-PL" sz="2400" dirty="0" smtClean="0">
-                <a:solidFill>
-                  <a:srgbClr val="0000FF"/>
-                </a:solidFill>
-                <a:latin typeface="Consolas"/>
-              </a:rPr>
-              <a:t>&lt;</a:t>
-            </a:r>
-            <a:r>
-              <a:rPr lang="pl-PL" sz="2400" dirty="0" err="1" smtClean="0">
-                <a:solidFill>
-                  <a:srgbClr val="A31515"/>
-                </a:solidFill>
-                <a:latin typeface="Consolas"/>
-              </a:rPr>
-              <a:t>entityFramework</a:t>
-            </a:r>
-            <a:r>
-              <a:rPr lang="pl-PL" sz="2400" dirty="0" smtClean="0">
-                <a:solidFill>
-                  <a:srgbClr val="0000FF"/>
-                </a:solidFill>
-                <a:latin typeface="Consolas"/>
-              </a:rPr>
-              <a:t>&gt;</a:t>
-            </a:r>
-            <a:endParaRPr lang="pl-PL" sz="2400" dirty="0" smtClean="0"/>
-          </a:p>
-          <a:p>
-            <a:pPr lvl="1">
+            <a:pPr marL="109728" indent="0">
               <a:buNone/>
             </a:pPr>
-            <a:r>
-              <a:rPr lang="pl-PL" sz="2400" dirty="0" smtClean="0">
-                <a:solidFill>
-                  <a:srgbClr val="0000FF"/>
-                </a:solidFill>
-                <a:latin typeface="Consolas"/>
-              </a:rPr>
-              <a:t>   …</a:t>
-            </a:r>
-            <a:endParaRPr lang="pl-PL" sz="2400" dirty="0" smtClean="0">
+            <a:endParaRPr lang="pl-PL" sz="2800" dirty="0">
               <a:solidFill>
                 <a:srgbClr val="0000FF"/>
               </a:solidFill>
               <a:latin typeface="Consolas"/>
             </a:endParaRPr>
           </a:p>
-          <a:p>
-            <a:pPr lvl="2">
-              <a:buNone/>
-            </a:pPr>
-            <a:r>
-              <a:rPr lang="pl-PL" sz="2400" dirty="0" smtClean="0">
-                <a:solidFill>
-                  <a:srgbClr val="0000FF"/>
-                </a:solidFill>
-                <a:latin typeface="Consolas"/>
-              </a:rPr>
-              <a:t> &lt;</a:t>
-            </a:r>
-            <a:r>
-              <a:rPr lang="pl-PL" sz="2400" dirty="0" err="1" smtClean="0">
-                <a:solidFill>
-                  <a:srgbClr val="A31515"/>
-                </a:solidFill>
-                <a:latin typeface="Consolas"/>
-              </a:rPr>
-              <a:t>contexts</a:t>
-            </a:r>
-            <a:r>
-              <a:rPr lang="pl-PL" sz="2400" dirty="0" smtClean="0">
-                <a:solidFill>
-                  <a:srgbClr val="0000FF"/>
-                </a:solidFill>
-                <a:latin typeface="Consolas"/>
-              </a:rPr>
-              <a:t>&gt;</a:t>
-            </a:r>
-            <a:endParaRPr lang="pl-PL" sz="2400" dirty="0" smtClean="0">
-              <a:solidFill>
-                <a:srgbClr val="000000"/>
-              </a:solidFill>
-              <a:latin typeface="Consolas"/>
-            </a:endParaRPr>
-          </a:p>
-          <a:p>
-            <a:pPr>
-              <a:buNone/>
-            </a:pPr>
-            <a:r>
-              <a:rPr lang="pl-PL" sz="2400" dirty="0" smtClean="0">
-                <a:solidFill>
-                  <a:srgbClr val="0000FF"/>
-                </a:solidFill>
-                <a:latin typeface="Consolas"/>
-              </a:rPr>
-              <a:t>  </a:t>
-            </a:r>
-            <a:r>
-              <a:rPr lang="pl-PL" sz="2400" dirty="0" smtClean="0">
-                <a:solidFill>
-                  <a:srgbClr val="0000FF"/>
-                </a:solidFill>
-                <a:latin typeface="Consolas"/>
-              </a:rPr>
-              <a:t>    &lt;</a:t>
-            </a:r>
-            <a:r>
-              <a:rPr lang="pl-PL" sz="2400" dirty="0" err="1" smtClean="0">
-                <a:solidFill>
-                  <a:srgbClr val="A31515"/>
-                </a:solidFill>
-                <a:latin typeface="Consolas"/>
-              </a:rPr>
-              <a:t>context</a:t>
-            </a:r>
-            <a:r>
-              <a:rPr lang="pl-PL" sz="2400" dirty="0" smtClean="0">
-                <a:solidFill>
-                  <a:srgbClr val="0000FF"/>
-                </a:solidFill>
-                <a:latin typeface="Consolas"/>
-              </a:rPr>
-              <a:t> </a:t>
-            </a:r>
-            <a:r>
-              <a:rPr lang="pl-PL" sz="2400" dirty="0" err="1" smtClean="0">
-                <a:solidFill>
-                  <a:srgbClr val="FF0000"/>
-                </a:solidFill>
-                <a:latin typeface="Consolas"/>
-              </a:rPr>
-              <a:t>type</a:t>
-            </a:r>
-            <a:r>
-              <a:rPr lang="pl-PL" sz="2400" dirty="0" err="1" smtClean="0">
-                <a:solidFill>
-                  <a:srgbClr val="0000FF"/>
-                </a:solidFill>
-                <a:latin typeface="Consolas"/>
-              </a:rPr>
-              <a:t>=</a:t>
-            </a:r>
-            <a:r>
-              <a:rPr lang="pl-PL" sz="2400" dirty="0" err="1" smtClean="0">
-                <a:solidFill>
-                  <a:srgbClr val="000000"/>
-                </a:solidFill>
-                <a:latin typeface="Consolas"/>
-              </a:rPr>
-              <a:t>"</a:t>
-            </a:r>
-            <a:r>
-              <a:rPr lang="pl-PL" sz="2400" dirty="0" err="1" smtClean="0">
-                <a:solidFill>
-                  <a:srgbClr val="0000FF"/>
-                </a:solidFill>
-                <a:latin typeface="Consolas"/>
-              </a:rPr>
-              <a:t>Domain.MyDbContext</a:t>
-            </a:r>
-            <a:r>
-              <a:rPr lang="pl-PL" sz="2400" dirty="0" smtClean="0">
-                <a:solidFill>
-                  <a:srgbClr val="0000FF"/>
-                </a:solidFill>
-                <a:latin typeface="Consolas"/>
-              </a:rPr>
-              <a:t>, </a:t>
-            </a:r>
-            <a:r>
-              <a:rPr lang="pl-PL" sz="2400" dirty="0" err="1" smtClean="0">
-                <a:solidFill>
-                  <a:srgbClr val="0000FF"/>
-                </a:solidFill>
-                <a:latin typeface="Consolas"/>
-              </a:rPr>
-              <a:t>Domain</a:t>
-            </a:r>
-            <a:r>
-              <a:rPr lang="pl-PL" sz="2400" dirty="0" smtClean="0">
-                <a:solidFill>
-                  <a:srgbClr val="000000"/>
-                </a:solidFill>
-                <a:latin typeface="Consolas"/>
-              </a:rPr>
-              <a:t>"</a:t>
-            </a:r>
-            <a:r>
-              <a:rPr lang="pl-PL" sz="2400" dirty="0" smtClean="0">
-                <a:solidFill>
-                  <a:srgbClr val="0000FF"/>
-                </a:solidFill>
-                <a:latin typeface="Consolas"/>
-              </a:rPr>
-              <a:t> </a:t>
-            </a:r>
-            <a:r>
-              <a:rPr lang="pl-PL" sz="2400" b="1" dirty="0" err="1" smtClean="0">
-                <a:solidFill>
-                  <a:srgbClr val="FF0000"/>
-                </a:solidFill>
-                <a:latin typeface="Consolas"/>
-              </a:rPr>
-              <a:t>disableDatabaseInitialization</a:t>
-            </a:r>
-            <a:r>
-              <a:rPr lang="pl-PL" sz="2400" b="1" dirty="0" err="1" smtClean="0">
-                <a:solidFill>
-                  <a:srgbClr val="0000FF"/>
-                </a:solidFill>
-                <a:latin typeface="Consolas"/>
-              </a:rPr>
-              <a:t>=</a:t>
-            </a:r>
-            <a:r>
-              <a:rPr lang="pl-PL" sz="2400" b="1" dirty="0" err="1" smtClean="0">
-                <a:solidFill>
-                  <a:srgbClr val="000000"/>
-                </a:solidFill>
-                <a:latin typeface="Consolas"/>
-              </a:rPr>
-              <a:t>"</a:t>
-            </a:r>
-            <a:r>
-              <a:rPr lang="pl-PL" sz="2400" b="1" dirty="0" err="1" smtClean="0">
-                <a:solidFill>
-                  <a:srgbClr val="0000FF"/>
-                </a:solidFill>
-                <a:latin typeface="Consolas"/>
-              </a:rPr>
-              <a:t>true</a:t>
-            </a:r>
-            <a:r>
-              <a:rPr lang="pl-PL" sz="2400" b="1" dirty="0" smtClean="0">
-                <a:solidFill>
-                  <a:srgbClr val="000000"/>
-                </a:solidFill>
-                <a:latin typeface="Consolas"/>
-              </a:rPr>
-              <a:t>"</a:t>
-            </a:r>
-            <a:r>
-              <a:rPr lang="pl-PL" sz="2400" dirty="0" smtClean="0">
-                <a:solidFill>
-                  <a:srgbClr val="0000FF"/>
-                </a:solidFill>
-                <a:latin typeface="Consolas"/>
-              </a:rPr>
-              <a:t> /&gt;</a:t>
-            </a:r>
-            <a:endParaRPr lang="pl-PL" sz="2400" dirty="0" smtClean="0">
-              <a:solidFill>
-                <a:srgbClr val="000000"/>
-              </a:solidFill>
-              <a:latin typeface="Consolas"/>
-            </a:endParaRPr>
-          </a:p>
-          <a:p>
-            <a:pPr>
-              <a:buNone/>
-            </a:pPr>
-            <a:r>
-              <a:rPr lang="pl-PL" sz="2400" dirty="0" smtClean="0">
-                <a:solidFill>
-                  <a:srgbClr val="0000FF"/>
-                </a:solidFill>
-                <a:latin typeface="Consolas"/>
-              </a:rPr>
-              <a:t> </a:t>
-            </a:r>
-            <a:r>
-              <a:rPr lang="pl-PL" sz="2400" dirty="0" smtClean="0">
-                <a:solidFill>
-                  <a:srgbClr val="0000FF"/>
-                </a:solidFill>
-                <a:latin typeface="Consolas"/>
-              </a:rPr>
-              <a:t>   </a:t>
-            </a:r>
-            <a:r>
-              <a:rPr lang="pl-PL" sz="2400" dirty="0" smtClean="0">
-                <a:solidFill>
-                  <a:srgbClr val="0000FF"/>
-                </a:solidFill>
-                <a:latin typeface="Consolas"/>
-              </a:rPr>
-              <a:t>&lt;/</a:t>
-            </a:r>
-            <a:r>
-              <a:rPr lang="pl-PL" sz="2400" dirty="0" err="1" smtClean="0">
-                <a:solidFill>
-                  <a:srgbClr val="A31515"/>
-                </a:solidFill>
-                <a:latin typeface="Consolas"/>
-              </a:rPr>
-              <a:t>contexts</a:t>
-            </a:r>
-            <a:r>
-              <a:rPr lang="pl-PL" sz="2400" dirty="0" smtClean="0">
-                <a:solidFill>
-                  <a:srgbClr val="0000FF"/>
-                </a:solidFill>
-                <a:latin typeface="Consolas"/>
-              </a:rPr>
-              <a:t>&gt;</a:t>
-            </a:r>
-            <a:endParaRPr lang="pl-PL" sz="2400" dirty="0" smtClean="0">
-              <a:solidFill>
-                <a:srgbClr val="000000"/>
-              </a:solidFill>
-              <a:latin typeface="Consolas"/>
-            </a:endParaRPr>
-          </a:p>
-          <a:p>
-            <a:pPr>
-              <a:buNone/>
-            </a:pPr>
-            <a:r>
-              <a:rPr lang="pl-PL" sz="2400" dirty="0" smtClean="0">
-                <a:solidFill>
-                  <a:srgbClr val="0000FF"/>
-                </a:solidFill>
-                <a:latin typeface="Consolas"/>
-              </a:rPr>
-              <a:t>   </a:t>
-            </a:r>
-            <a:r>
-              <a:rPr lang="pl-PL" sz="2400" dirty="0" smtClean="0">
-                <a:solidFill>
-                  <a:srgbClr val="0000FF"/>
-                </a:solidFill>
-                <a:latin typeface="Consolas"/>
-              </a:rPr>
-              <a:t>&lt;/</a:t>
-            </a:r>
-            <a:r>
-              <a:rPr lang="pl-PL" sz="2400" dirty="0" err="1" smtClean="0">
-                <a:solidFill>
-                  <a:srgbClr val="A31515"/>
-                </a:solidFill>
-                <a:latin typeface="Consolas"/>
-              </a:rPr>
-              <a:t>entityFramework</a:t>
-            </a:r>
-            <a:r>
-              <a:rPr lang="pl-PL" sz="2400" dirty="0" smtClean="0">
-                <a:solidFill>
-                  <a:srgbClr val="0000FF"/>
-                </a:solidFill>
-                <a:latin typeface="Consolas"/>
-              </a:rPr>
-              <a:t>&gt;</a:t>
-            </a:r>
-            <a:endParaRPr lang="pl-PL" sz="2400" dirty="0" smtClean="0"/>
-          </a:p>
-          <a:p>
-            <a:pPr lvl="1"/>
-            <a:endParaRPr lang="pl-PL" dirty="0" smtClean="0"/>
-          </a:p>
-          <a:p>
-            <a:pPr lvl="1">
-              <a:buNone/>
-            </a:pPr>
-            <a:r>
-              <a:rPr lang="pl-PL" dirty="0"/>
-              <a:t/>
-            </a:r>
-            <a:br>
-              <a:rPr lang="pl-PL" dirty="0"/>
-            </a:br>
+        </p:txBody>
+      </p:sp>
+      <p:sp>
+        <p:nvSpPr>
+          <p:cNvPr id="3" name="Tytuł 2"/>
+          <p:cNvSpPr>
+            <a:spLocks noGrp="1"/>
+          </p:cNvSpPr>
+          <p:nvPr>
+            <p:ph type="title"/>
+          </p:nvPr>
+        </p:nvSpPr>
+        <p:spPr/>
+        <p:txBody>
+          <a:bodyPr>
+            <a:normAutofit/>
+          </a:bodyPr>
+          <a:lstStyle/>
+          <a:p>
+            <a:r>
+              <a:rPr lang="pl-PL" dirty="0" smtClean="0"/>
+              <a:t>Migracje: automatyczne</a:t>
+            </a:r>
             <a:endParaRPr lang="pl-PL" dirty="0"/>
           </a:p>
         </p:txBody>
@@ -13463,29 +13429,6 @@
               <a:t>30</a:t>
             </a:fld>
             <a:endParaRPr lang="pl-PL"/>
-          </a:p>
-        </p:txBody>
-      </p:sp>
-      <p:sp>
-        <p:nvSpPr>
-          <p:cNvPr id="3" name="Tytuł 2"/>
-          <p:cNvSpPr>
-            <a:spLocks noGrp="1"/>
-          </p:cNvSpPr>
-          <p:nvPr>
-            <p:ph type="title"/>
-          </p:nvPr>
-        </p:nvSpPr>
-        <p:spPr/>
-        <p:txBody>
-          <a:bodyPr/>
-          <a:lstStyle/>
-          <a:p>
-            <a:r>
-              <a:rPr lang="pl-PL" smtClean="0"/>
-              <a:t>Migracje: automatyczne</a:t>
-            </a:r>
-            <a:endParaRPr lang="pl-PL" dirty="0"/>
           </a:p>
         </p:txBody>
       </p:sp>
@@ -13501,7 +13444,7 @@
           <a:blip r:embed="rId3" cstate="print">
             <a:extLst>
               <a:ext uri="{28A0092B-C50C-407E-A947-70E740481C1C}">
-                <a14:useLocalDpi xmlns:a14="http://schemas.microsoft.com/office/drawing/2010/main" xmlns="" val="0"/>
+                <a14:useLocalDpi xmlns:a14="http://schemas.microsoft.com/office/drawing/2010/main" val="0"/>
               </a:ext>
             </a:extLst>
           </a:blip>
@@ -13522,7 +13465,7 @@
     </p:spTree>
     <p:extLst>
       <p:ext uri="{BB962C8B-B14F-4D97-AF65-F5344CB8AC3E}">
-        <p14:creationId xmlns:p14="http://schemas.microsoft.com/office/powerpoint/2010/main" xmlns="" val="3470529918"/>
+        <p14:creationId xmlns:p14="http://schemas.microsoft.com/office/powerpoint/2010/main" val="4148982605"/>
       </p:ext>
     </p:extLst>
   </p:cSld>
@@ -13558,7 +13501,7 @@
       </p:grpSpPr>
       <p:sp>
         <p:nvSpPr>
-          <p:cNvPr id="2" name="Symbol zastępczy zawartości 1"/>
+          <p:cNvPr id="8" name="Symbol zastępczy zawartości 7"/>
           <p:cNvSpPr>
             <a:spLocks noGrp="1"/>
           </p:cNvSpPr>
@@ -13571,29 +13514,57 @@
           <a:bodyPr/>
           <a:lstStyle/>
           <a:p>
-            <a:endParaRPr lang="pl-PL" dirty="0"/>
-          </a:p>
-        </p:txBody>
-      </p:sp>
-      <p:sp>
-        <p:nvSpPr>
-          <p:cNvPr id="3" name="Tytuł 2"/>
-          <p:cNvSpPr>
-            <a:spLocks noGrp="1"/>
-          </p:cNvSpPr>
-          <p:nvPr>
-            <p:ph type="title"/>
-          </p:nvPr>
-        </p:nvSpPr>
-        <p:spPr/>
-        <p:txBody>
-          <a:bodyPr/>
-          <a:lstStyle/>
-          <a:p>
             <a:r>
               <a:rPr lang="pl-PL" dirty="0" smtClean="0"/>
-              <a:t>Bibliografia</a:t>
-            </a:r>
+              <a:t>Dostępne strategie inicjalizacji</a:t>
+            </a:r>
+          </a:p>
+          <a:p>
+            <a:pPr lvl="1"/>
+            <a:r>
+              <a:rPr lang="pl-PL" dirty="0" err="1" smtClean="0"/>
+              <a:t>CreateDatabaseIfNotExists</a:t>
+            </a:r>
+            <a:r>
+              <a:rPr lang="pl-PL" dirty="0" smtClean="0"/>
+              <a:t> (domyślna)</a:t>
+            </a:r>
+          </a:p>
+          <a:p>
+            <a:pPr lvl="1"/>
+            <a:r>
+              <a:rPr lang="pl-PL" dirty="0" err="1" smtClean="0"/>
+              <a:t>DropCreateDatabaseIfModelChanges</a:t>
+            </a:r>
+            <a:endParaRPr lang="pl-PL" dirty="0" smtClean="0"/>
+          </a:p>
+          <a:p>
+            <a:pPr lvl="1"/>
+            <a:r>
+              <a:rPr lang="pl-PL" dirty="0" err="1" smtClean="0"/>
+              <a:t>DropCreateDatabaseAlways</a:t>
+            </a:r>
+            <a:endParaRPr lang="pl-PL" dirty="0" smtClean="0"/>
+          </a:p>
+          <a:p>
+            <a:r>
+              <a:rPr lang="pl-PL" dirty="0" smtClean="0"/>
+              <a:t>Możliwość tworzenia własnych strategii </a:t>
+            </a:r>
+            <a:br>
+              <a:rPr lang="pl-PL" dirty="0" smtClean="0"/>
+            </a:br>
+            <a:r>
+              <a:rPr lang="pl-PL" dirty="0" smtClean="0"/>
+              <a:t>(np. przez dziedziczenie)</a:t>
+            </a:r>
+            <a:r>
+              <a:rPr lang="pl-PL" dirty="0"/>
+              <a:t/>
+            </a:r>
+            <a:br>
+              <a:rPr lang="pl-PL" dirty="0"/>
+            </a:br>
             <a:endParaRPr lang="pl-PL" dirty="0"/>
           </a:p>
         </p:txBody>
@@ -13619,6 +13590,29 @@
               <a:t>31</a:t>
             </a:fld>
             <a:endParaRPr lang="pl-PL"/>
+          </a:p>
+        </p:txBody>
+      </p:sp>
+      <p:sp>
+        <p:nvSpPr>
+          <p:cNvPr id="3" name="Tytuł 2"/>
+          <p:cNvSpPr>
+            <a:spLocks noGrp="1"/>
+          </p:cNvSpPr>
+          <p:nvPr>
+            <p:ph type="title"/>
+          </p:nvPr>
+        </p:nvSpPr>
+        <p:spPr/>
+        <p:txBody>
+          <a:bodyPr/>
+          <a:lstStyle/>
+          <a:p>
+            <a:r>
+              <a:rPr lang="pl-PL" smtClean="0"/>
+              <a:t>Migracje: automatyczne</a:t>
+            </a:r>
+            <a:endParaRPr lang="pl-PL" dirty="0"/>
           </a:p>
         </p:txBody>
       </p:sp>
@@ -13631,10 +13625,10 @@
           <p:nvPr/>
         </p:nvPicPr>
         <p:blipFill>
-          <a:blip r:embed="rId2" cstate="print">
+          <a:blip r:embed="rId3" cstate="print">
             <a:extLst>
               <a:ext uri="{28A0092B-C50C-407E-A947-70E740481C1C}">
-                <a14:useLocalDpi xmlns:a14="http://schemas.microsoft.com/office/drawing/2010/main" xmlns="" val="0"/>
+                <a14:useLocalDpi xmlns:a14="http://schemas.microsoft.com/office/drawing/2010/main" val="0"/>
               </a:ext>
             </a:extLst>
           </a:blip>
@@ -13655,7 +13649,7 @@
     </p:spTree>
     <p:extLst>
       <p:ext uri="{BB962C8B-B14F-4D97-AF65-F5344CB8AC3E}">
-        <p14:creationId xmlns:p14="http://schemas.microsoft.com/office/powerpoint/2010/main" xmlns="" val="3028022006"/>
+        <p14:creationId xmlns:p14="http://schemas.microsoft.com/office/powerpoint/2010/main" val="3470529918"/>
       </p:ext>
     </p:extLst>
   </p:cSld>
@@ -13691,12 +13685,405 @@
       </p:grpSpPr>
       <p:sp>
         <p:nvSpPr>
-          <p:cNvPr id="2" name="Tytuł 1"/>
-          <p:cNvSpPr>
-            <a:spLocks noGrp="1"/>
-          </p:cNvSpPr>
-          <p:nvPr>
-            <p:ph type="ctrTitle"/>
+          <p:cNvPr id="8" name="Symbol zastępczy zawartości 7"/>
+          <p:cNvSpPr>
+            <a:spLocks noGrp="1"/>
+          </p:cNvSpPr>
+          <p:nvPr>
+            <p:ph idx="1"/>
+          </p:nvPr>
+        </p:nvSpPr>
+        <p:spPr/>
+        <p:txBody>
+          <a:bodyPr>
+            <a:normAutofit fontScale="85000" lnSpcReduction="20000"/>
+          </a:bodyPr>
+          <a:lstStyle/>
+          <a:p>
+            <a:pPr>
+              <a:buNone/>
+            </a:pPr>
+            <a:r>
+              <a:rPr lang="pl-PL" dirty="0" smtClean="0"/>
+              <a:t>Wyłączenie inicjalizacji</a:t>
+            </a:r>
+          </a:p>
+          <a:p>
+            <a:endParaRPr lang="pl-PL" dirty="0" smtClean="0"/>
+          </a:p>
+          <a:p>
+            <a:pPr lvl="1"/>
+            <a:r>
+              <a:rPr lang="pl-PL" dirty="0" err="1" smtClean="0"/>
+              <a:t>Database.SetInitializer&lt;MyDBContext</a:t>
+            </a:r>
+            <a:r>
+              <a:rPr lang="pl-PL" dirty="0" smtClean="0"/>
+              <a:t>&gt;(</a:t>
+            </a:r>
+            <a:r>
+              <a:rPr lang="pl-PL" dirty="0" err="1" smtClean="0"/>
+              <a:t>null</a:t>
+            </a:r>
+            <a:r>
+              <a:rPr lang="pl-PL" dirty="0" smtClean="0"/>
+              <a:t>);</a:t>
+            </a:r>
+          </a:p>
+          <a:p>
+            <a:pPr lvl="1"/>
+            <a:endParaRPr lang="pl-PL" sz="2800" dirty="0" smtClean="0">
+              <a:solidFill>
+                <a:srgbClr val="0000FF"/>
+              </a:solidFill>
+              <a:latin typeface="Consolas"/>
+            </a:endParaRPr>
+          </a:p>
+          <a:p>
+            <a:pPr lvl="1"/>
+            <a:r>
+              <a:rPr lang="pl-PL" sz="2400" dirty="0" smtClean="0">
+                <a:solidFill>
+                  <a:srgbClr val="0000FF"/>
+                </a:solidFill>
+                <a:latin typeface="Consolas"/>
+              </a:rPr>
+              <a:t>&lt;</a:t>
+            </a:r>
+            <a:r>
+              <a:rPr lang="pl-PL" sz="2400" dirty="0" err="1" smtClean="0">
+                <a:solidFill>
+                  <a:srgbClr val="A31515"/>
+                </a:solidFill>
+                <a:latin typeface="Consolas"/>
+              </a:rPr>
+              <a:t>entityFramework</a:t>
+            </a:r>
+            <a:r>
+              <a:rPr lang="pl-PL" sz="2400" dirty="0" smtClean="0">
+                <a:solidFill>
+                  <a:srgbClr val="0000FF"/>
+                </a:solidFill>
+                <a:latin typeface="Consolas"/>
+              </a:rPr>
+              <a:t>&gt;</a:t>
+            </a:r>
+            <a:endParaRPr lang="pl-PL" sz="2400" dirty="0" smtClean="0"/>
+          </a:p>
+          <a:p>
+            <a:pPr lvl="1">
+              <a:buNone/>
+            </a:pPr>
+            <a:r>
+              <a:rPr lang="pl-PL" sz="2400" dirty="0" smtClean="0">
+                <a:solidFill>
+                  <a:srgbClr val="0000FF"/>
+                </a:solidFill>
+                <a:latin typeface="Consolas"/>
+              </a:rPr>
+              <a:t>   …</a:t>
+            </a:r>
+          </a:p>
+          <a:p>
+            <a:pPr lvl="2">
+              <a:buNone/>
+            </a:pPr>
+            <a:r>
+              <a:rPr lang="pl-PL" sz="2400" dirty="0" smtClean="0">
+                <a:solidFill>
+                  <a:srgbClr val="0000FF"/>
+                </a:solidFill>
+                <a:latin typeface="Consolas"/>
+              </a:rPr>
+              <a:t> &lt;</a:t>
+            </a:r>
+            <a:r>
+              <a:rPr lang="pl-PL" sz="2400" dirty="0" err="1" smtClean="0">
+                <a:solidFill>
+                  <a:srgbClr val="A31515"/>
+                </a:solidFill>
+                <a:latin typeface="Consolas"/>
+              </a:rPr>
+              <a:t>contexts</a:t>
+            </a:r>
+            <a:r>
+              <a:rPr lang="pl-PL" sz="2400" dirty="0" smtClean="0">
+                <a:solidFill>
+                  <a:srgbClr val="0000FF"/>
+                </a:solidFill>
+                <a:latin typeface="Consolas"/>
+              </a:rPr>
+              <a:t>&gt;</a:t>
+            </a:r>
+            <a:endParaRPr lang="pl-PL" sz="2400" dirty="0" smtClean="0">
+              <a:solidFill>
+                <a:srgbClr val="000000"/>
+              </a:solidFill>
+              <a:latin typeface="Consolas"/>
+            </a:endParaRPr>
+          </a:p>
+          <a:p>
+            <a:pPr>
+              <a:buNone/>
+            </a:pPr>
+            <a:r>
+              <a:rPr lang="pl-PL" sz="2400" dirty="0" smtClean="0">
+                <a:solidFill>
+                  <a:srgbClr val="0000FF"/>
+                </a:solidFill>
+                <a:latin typeface="Consolas"/>
+              </a:rPr>
+              <a:t>      &lt;</a:t>
+            </a:r>
+            <a:r>
+              <a:rPr lang="pl-PL" sz="2400" dirty="0" err="1" smtClean="0">
+                <a:solidFill>
+                  <a:srgbClr val="A31515"/>
+                </a:solidFill>
+                <a:latin typeface="Consolas"/>
+              </a:rPr>
+              <a:t>context</a:t>
+            </a:r>
+            <a:r>
+              <a:rPr lang="pl-PL" sz="2400" dirty="0" smtClean="0">
+                <a:solidFill>
+                  <a:srgbClr val="0000FF"/>
+                </a:solidFill>
+                <a:latin typeface="Consolas"/>
+              </a:rPr>
+              <a:t> </a:t>
+            </a:r>
+            <a:r>
+              <a:rPr lang="pl-PL" sz="2400" dirty="0" err="1" smtClean="0">
+                <a:solidFill>
+                  <a:srgbClr val="FF0000"/>
+                </a:solidFill>
+                <a:latin typeface="Consolas"/>
+              </a:rPr>
+              <a:t>type</a:t>
+            </a:r>
+            <a:r>
+              <a:rPr lang="pl-PL" sz="2400" dirty="0" err="1" smtClean="0">
+                <a:solidFill>
+                  <a:srgbClr val="0000FF"/>
+                </a:solidFill>
+                <a:latin typeface="Consolas"/>
+              </a:rPr>
+              <a:t>=</a:t>
+            </a:r>
+            <a:r>
+              <a:rPr lang="pl-PL" sz="2400" dirty="0" err="1" smtClean="0">
+                <a:solidFill>
+                  <a:srgbClr val="000000"/>
+                </a:solidFill>
+                <a:latin typeface="Consolas"/>
+              </a:rPr>
+              <a:t>"</a:t>
+            </a:r>
+            <a:r>
+              <a:rPr lang="pl-PL" sz="2400" dirty="0" err="1" smtClean="0">
+                <a:solidFill>
+                  <a:srgbClr val="0000FF"/>
+                </a:solidFill>
+                <a:latin typeface="Consolas"/>
+              </a:rPr>
+              <a:t>Domain.MyDbContext</a:t>
+            </a:r>
+            <a:r>
+              <a:rPr lang="pl-PL" sz="2400" dirty="0" smtClean="0">
+                <a:solidFill>
+                  <a:srgbClr val="0000FF"/>
+                </a:solidFill>
+                <a:latin typeface="Consolas"/>
+              </a:rPr>
+              <a:t>, </a:t>
+            </a:r>
+            <a:r>
+              <a:rPr lang="pl-PL" sz="2400" dirty="0" err="1" smtClean="0">
+                <a:solidFill>
+                  <a:srgbClr val="0000FF"/>
+                </a:solidFill>
+                <a:latin typeface="Consolas"/>
+              </a:rPr>
+              <a:t>Domain</a:t>
+            </a:r>
+            <a:r>
+              <a:rPr lang="pl-PL" sz="2400" dirty="0" smtClean="0">
+                <a:solidFill>
+                  <a:srgbClr val="000000"/>
+                </a:solidFill>
+                <a:latin typeface="Consolas"/>
+              </a:rPr>
+              <a:t>"</a:t>
+            </a:r>
+            <a:r>
+              <a:rPr lang="pl-PL" sz="2400" dirty="0" smtClean="0">
+                <a:solidFill>
+                  <a:srgbClr val="0000FF"/>
+                </a:solidFill>
+                <a:latin typeface="Consolas"/>
+              </a:rPr>
+              <a:t> </a:t>
+            </a:r>
+            <a:r>
+              <a:rPr lang="pl-PL" sz="2400" b="1" dirty="0" err="1" smtClean="0">
+                <a:solidFill>
+                  <a:srgbClr val="FF0000"/>
+                </a:solidFill>
+                <a:latin typeface="Consolas"/>
+              </a:rPr>
+              <a:t>disableDatabaseInitialization</a:t>
+            </a:r>
+            <a:r>
+              <a:rPr lang="pl-PL" sz="2400" b="1" dirty="0" err="1" smtClean="0">
+                <a:solidFill>
+                  <a:srgbClr val="0000FF"/>
+                </a:solidFill>
+                <a:latin typeface="Consolas"/>
+              </a:rPr>
+              <a:t>=</a:t>
+            </a:r>
+            <a:r>
+              <a:rPr lang="pl-PL" sz="2400" b="1" dirty="0" err="1" smtClean="0">
+                <a:solidFill>
+                  <a:srgbClr val="000000"/>
+                </a:solidFill>
+                <a:latin typeface="Consolas"/>
+              </a:rPr>
+              <a:t>"</a:t>
+            </a:r>
+            <a:r>
+              <a:rPr lang="pl-PL" sz="2400" b="1" dirty="0" err="1" smtClean="0">
+                <a:solidFill>
+                  <a:srgbClr val="0000FF"/>
+                </a:solidFill>
+                <a:latin typeface="Consolas"/>
+              </a:rPr>
+              <a:t>true</a:t>
+            </a:r>
+            <a:r>
+              <a:rPr lang="pl-PL" sz="2400" b="1" dirty="0" smtClean="0">
+                <a:solidFill>
+                  <a:srgbClr val="000000"/>
+                </a:solidFill>
+                <a:latin typeface="Consolas"/>
+              </a:rPr>
+              <a:t>"</a:t>
+            </a:r>
+            <a:r>
+              <a:rPr lang="pl-PL" sz="2400" dirty="0" smtClean="0">
+                <a:solidFill>
+                  <a:srgbClr val="0000FF"/>
+                </a:solidFill>
+                <a:latin typeface="Consolas"/>
+              </a:rPr>
+              <a:t> /&gt;</a:t>
+            </a:r>
+            <a:endParaRPr lang="pl-PL" sz="2400" dirty="0" smtClean="0">
+              <a:solidFill>
+                <a:srgbClr val="000000"/>
+              </a:solidFill>
+              <a:latin typeface="Consolas"/>
+            </a:endParaRPr>
+          </a:p>
+          <a:p>
+            <a:pPr>
+              <a:buNone/>
+            </a:pPr>
+            <a:r>
+              <a:rPr lang="pl-PL" sz="2400" dirty="0" smtClean="0">
+                <a:solidFill>
+                  <a:srgbClr val="0000FF"/>
+                </a:solidFill>
+                <a:latin typeface="Consolas"/>
+              </a:rPr>
+              <a:t>    &lt;/</a:t>
+            </a:r>
+            <a:r>
+              <a:rPr lang="pl-PL" sz="2400" dirty="0" err="1" smtClean="0">
+                <a:solidFill>
+                  <a:srgbClr val="A31515"/>
+                </a:solidFill>
+                <a:latin typeface="Consolas"/>
+              </a:rPr>
+              <a:t>contexts</a:t>
+            </a:r>
+            <a:r>
+              <a:rPr lang="pl-PL" sz="2400" dirty="0" smtClean="0">
+                <a:solidFill>
+                  <a:srgbClr val="0000FF"/>
+                </a:solidFill>
+                <a:latin typeface="Consolas"/>
+              </a:rPr>
+              <a:t>&gt;</a:t>
+            </a:r>
+            <a:endParaRPr lang="pl-PL" sz="2400" dirty="0" smtClean="0">
+              <a:solidFill>
+                <a:srgbClr val="000000"/>
+              </a:solidFill>
+              <a:latin typeface="Consolas"/>
+            </a:endParaRPr>
+          </a:p>
+          <a:p>
+            <a:pPr>
+              <a:buNone/>
+            </a:pPr>
+            <a:r>
+              <a:rPr lang="pl-PL" sz="2400" dirty="0" smtClean="0">
+                <a:solidFill>
+                  <a:srgbClr val="0000FF"/>
+                </a:solidFill>
+                <a:latin typeface="Consolas"/>
+              </a:rPr>
+              <a:t>   &lt;/</a:t>
+            </a:r>
+            <a:r>
+              <a:rPr lang="pl-PL" sz="2400" dirty="0" err="1" smtClean="0">
+                <a:solidFill>
+                  <a:srgbClr val="A31515"/>
+                </a:solidFill>
+                <a:latin typeface="Consolas"/>
+              </a:rPr>
+              <a:t>entityFramework</a:t>
+            </a:r>
+            <a:r>
+              <a:rPr lang="pl-PL" sz="2400" dirty="0" smtClean="0">
+                <a:solidFill>
+                  <a:srgbClr val="0000FF"/>
+                </a:solidFill>
+                <a:latin typeface="Consolas"/>
+              </a:rPr>
+              <a:t>&gt;</a:t>
+            </a:r>
+            <a:endParaRPr lang="pl-PL" sz="2400" dirty="0" smtClean="0"/>
+          </a:p>
+          <a:p>
+            <a:pPr lvl="1"/>
+            <a:endParaRPr lang="pl-PL" dirty="0" smtClean="0"/>
+          </a:p>
+          <a:p>
+            <a:pPr lvl="1">
+              <a:buNone/>
+            </a:pPr>
+            <a:r>
+              <a:rPr lang="pl-PL" dirty="0"/>
+              <a:t/>
+            </a:r>
+            <a:br>
+              <a:rPr lang="pl-PL" dirty="0"/>
+            </a:br>
+            <a:endParaRPr lang="pl-PL" dirty="0"/>
+          </a:p>
+        </p:txBody>
+      </p:sp>
+      <p:sp>
+        <p:nvSpPr>
+          <p:cNvPr id="4" name="Symbol zastępczy numeru slajdu 3"/>
+          <p:cNvSpPr>
+            <a:spLocks noGrp="1"/>
+          </p:cNvSpPr>
+          <p:nvPr>
+            <p:ph type="sldNum" sz="quarter" idx="12"/>
           </p:nvPr>
         </p:nvSpPr>
         <p:spPr/>
@@ -13704,22 +14091,23 @@
           <a:bodyPr/>
           <a:lstStyle/>
           <a:p>
-            <a:r>
-              <a:rPr lang="pl-PL" dirty="0" smtClean="0"/>
-              <a:t>Pytania ?</a:t>
-            </a:r>
-            <a:endParaRPr lang="pl-PL" dirty="0"/>
-          </a:p>
-        </p:txBody>
-      </p:sp>
-      <p:sp>
-        <p:nvSpPr>
-          <p:cNvPr id="3" name="Podtytuł 2"/>
-          <p:cNvSpPr>
-            <a:spLocks noGrp="1"/>
-          </p:cNvSpPr>
-          <p:nvPr>
-            <p:ph type="subTitle" idx="1"/>
+            <a:fld id="{976B8C4A-E01E-49C4-A342-E776841D1431}" type="slidenum">
+              <a:rPr lang="pl-PL" smtClean="0"/>
+              <a:pPr/>
+              <a:t>32</a:t>
+            </a:fld>
+            <a:endParaRPr lang="pl-PL"/>
+          </a:p>
+        </p:txBody>
+      </p:sp>
+      <p:sp>
+        <p:nvSpPr>
+          <p:cNvPr id="3" name="Tytuł 2"/>
+          <p:cNvSpPr>
+            <a:spLocks noGrp="1"/>
+          </p:cNvSpPr>
+          <p:nvPr>
+            <p:ph type="title"/>
           </p:nvPr>
         </p:nvSpPr>
         <p:spPr/>
@@ -13727,23 +14115,27 @@
           <a:bodyPr/>
           <a:lstStyle/>
           <a:p>
+            <a:r>
+              <a:rPr lang="pl-PL" smtClean="0"/>
+              <a:t>Migracje: automatyczne</a:t>
+            </a:r>
             <a:endParaRPr lang="pl-PL" dirty="0"/>
           </a:p>
         </p:txBody>
       </p:sp>
       <p:pic>
         <p:nvPicPr>
-          <p:cNvPr id="4" name="Obraz 3"/>
+          <p:cNvPr id="5" name="Obraz 4"/>
           <p:cNvPicPr>
             <a:picLocks noChangeAspect="1"/>
           </p:cNvPicPr>
           <p:nvPr/>
         </p:nvPicPr>
         <p:blipFill>
-          <a:blip r:embed="rId2" cstate="print">
+          <a:blip r:embed="rId3" cstate="print">
             <a:extLst>
               <a:ext uri="{28A0092B-C50C-407E-A947-70E740481C1C}">
-                <a14:useLocalDpi xmlns:a14="http://schemas.microsoft.com/office/drawing/2010/main" xmlns="" val="0"/>
+                <a14:useLocalDpi xmlns:a14="http://schemas.microsoft.com/office/drawing/2010/main" val="0"/>
               </a:ext>
             </a:extLst>
           </a:blip>
@@ -13753,8 +14145,8 @@
         </p:blipFill>
         <p:spPr>
           <a:xfrm>
-            <a:off x="107504" y="5229200"/>
-            <a:ext cx="2664296" cy="1517565"/>
+            <a:off x="179512" y="6165304"/>
+            <a:ext cx="1008112" cy="574214"/>
           </a:xfrm>
           <a:prstGeom prst="rect">
             <a:avLst/>
@@ -13764,7 +14156,7 @@
     </p:spTree>
     <p:extLst>
       <p:ext uri="{BB962C8B-B14F-4D97-AF65-F5344CB8AC3E}">
-        <p14:creationId xmlns:p14="http://schemas.microsoft.com/office/powerpoint/2010/main" xmlns="" val="1895918166"/>
+        <p14:creationId xmlns:p14="http://schemas.microsoft.com/office/powerpoint/2010/main" val="3470529918"/>
       </p:ext>
     </p:extLst>
   </p:cSld>
@@ -13800,6 +14192,211 @@
       </p:grpSpPr>
       <p:sp>
         <p:nvSpPr>
+          <p:cNvPr id="2" name="Symbol zastępczy zawartości 1"/>
+          <p:cNvSpPr>
+            <a:spLocks noGrp="1"/>
+          </p:cNvSpPr>
+          <p:nvPr>
+            <p:ph idx="1"/>
+          </p:nvPr>
+        </p:nvSpPr>
+        <p:spPr/>
+        <p:txBody>
+          <a:bodyPr/>
+          <a:lstStyle/>
+          <a:p>
+            <a:r>
+              <a:rPr lang="pl-PL" dirty="0" smtClean="0"/>
+              <a:t>pluralsight.com </a:t>
+            </a:r>
+          </a:p>
+          <a:p>
+            <a:pPr lvl="1"/>
+            <a:r>
+              <a:rPr lang="en-US" dirty="0"/>
+              <a:t>Julie </a:t>
+            </a:r>
+            <a:r>
+              <a:rPr lang="en-US" dirty="0" err="1" smtClean="0"/>
+              <a:t>Lerman</a:t>
+            </a:r>
+            <a:r>
+              <a:rPr lang="pl-PL" dirty="0" smtClean="0"/>
+              <a:t>, </a:t>
+            </a:r>
+            <a:br>
+              <a:rPr lang="pl-PL" dirty="0" smtClean="0"/>
+            </a:br>
+            <a:r>
+              <a:rPr lang="en-US" i="1" dirty="0" smtClean="0"/>
+              <a:t>Getting </a:t>
+            </a:r>
+            <a:r>
+              <a:rPr lang="en-US" i="1" dirty="0"/>
+              <a:t>Started with Entity Framework </a:t>
+            </a:r>
+            <a:r>
+              <a:rPr lang="en-US" i="1" dirty="0" smtClean="0"/>
+              <a:t>6</a:t>
+            </a:r>
+            <a:endParaRPr lang="pl-PL" i="1" dirty="0" smtClean="0"/>
+          </a:p>
+          <a:p>
+            <a:pPr lvl="1"/>
+            <a:r>
+              <a:rPr lang="en-US" dirty="0"/>
+              <a:t>Julie </a:t>
+            </a:r>
+            <a:r>
+              <a:rPr lang="en-US" dirty="0" err="1" smtClean="0"/>
+              <a:t>Lerman</a:t>
+            </a:r>
+            <a:r>
+              <a:rPr lang="pl-PL" dirty="0" smtClean="0"/>
+              <a:t>,</a:t>
+            </a:r>
+            <a:br>
+              <a:rPr lang="pl-PL" dirty="0" smtClean="0"/>
+            </a:br>
+            <a:r>
+              <a:rPr lang="en-US" i="1" dirty="0" smtClean="0"/>
+              <a:t>Entity </a:t>
+            </a:r>
+            <a:r>
+              <a:rPr lang="en-US" i="1" dirty="0"/>
+              <a:t>Framework Code First </a:t>
+            </a:r>
+            <a:r>
+              <a:rPr lang="en-US" i="1" dirty="0" smtClean="0"/>
+              <a:t>Migrations</a:t>
+            </a:r>
+            <a:endParaRPr lang="pl-PL" dirty="0" smtClean="0"/>
+          </a:p>
+          <a:p>
+            <a:r>
+              <a:rPr lang="pl-PL" dirty="0"/>
+              <a:t>http://entityframework-plus.net/</a:t>
+            </a:r>
+            <a:endParaRPr lang="pl-PL" dirty="0"/>
+          </a:p>
+        </p:txBody>
+      </p:sp>
+      <p:sp>
+        <p:nvSpPr>
+          <p:cNvPr id="3" name="Tytuł 2"/>
+          <p:cNvSpPr>
+            <a:spLocks noGrp="1"/>
+          </p:cNvSpPr>
+          <p:nvPr>
+            <p:ph type="title"/>
+          </p:nvPr>
+        </p:nvSpPr>
+        <p:spPr/>
+        <p:txBody>
+          <a:bodyPr/>
+          <a:lstStyle/>
+          <a:p>
+            <a:r>
+              <a:rPr lang="pl-PL" dirty="0" smtClean="0"/>
+              <a:t>Bibliografia</a:t>
+            </a:r>
+            <a:endParaRPr lang="pl-PL" dirty="0"/>
+          </a:p>
+        </p:txBody>
+      </p:sp>
+      <p:sp>
+        <p:nvSpPr>
+          <p:cNvPr id="4" name="Symbol zastępczy numeru slajdu 3"/>
+          <p:cNvSpPr>
+            <a:spLocks noGrp="1"/>
+          </p:cNvSpPr>
+          <p:nvPr>
+            <p:ph type="sldNum" sz="quarter" idx="12"/>
+          </p:nvPr>
+        </p:nvSpPr>
+        <p:spPr/>
+        <p:txBody>
+          <a:bodyPr/>
+          <a:lstStyle/>
+          <a:p>
+            <a:fld id="{976B8C4A-E01E-49C4-A342-E776841D1431}" type="slidenum">
+              <a:rPr lang="pl-PL" smtClean="0"/>
+              <a:pPr/>
+              <a:t>33</a:t>
+            </a:fld>
+            <a:endParaRPr lang="pl-PL"/>
+          </a:p>
+        </p:txBody>
+      </p:sp>
+      <p:pic>
+        <p:nvPicPr>
+          <p:cNvPr id="5" name="Obraz 4"/>
+          <p:cNvPicPr>
+            <a:picLocks noChangeAspect="1"/>
+          </p:cNvPicPr>
+          <p:nvPr/>
+        </p:nvPicPr>
+        <p:blipFill>
+          <a:blip r:embed="rId2" cstate="print">
+            <a:extLst>
+              <a:ext uri="{28A0092B-C50C-407E-A947-70E740481C1C}">
+                <a14:useLocalDpi xmlns:a14="http://schemas.microsoft.com/office/drawing/2010/main" val="0"/>
+              </a:ext>
+            </a:extLst>
+          </a:blip>
+          <a:stretch>
+            <a:fillRect/>
+          </a:stretch>
+        </p:blipFill>
+        <p:spPr>
+          <a:xfrm>
+            <a:off x="179512" y="6165304"/>
+            <a:ext cx="1008112" cy="574214"/>
+          </a:xfrm>
+          <a:prstGeom prst="rect">
+            <a:avLst/>
+          </a:prstGeom>
+        </p:spPr>
+      </p:pic>
+    </p:spTree>
+    <p:extLst>
+      <p:ext uri="{BB962C8B-B14F-4D97-AF65-F5344CB8AC3E}">
+        <p14:creationId xmlns:p14="http://schemas.microsoft.com/office/powerpoint/2010/main" val="3028022006"/>
+      </p:ext>
+    </p:extLst>
+  </p:cSld>
+  <p:clrMapOvr>
+    <a:masterClrMapping/>
+  </p:clrMapOvr>
+  <p:timing>
+    <p:tnLst>
+      <p:par>
+        <p:cTn id="1" dur="indefinite" restart="never" nodeType="tmRoot"/>
+      </p:par>
+    </p:tnLst>
+  </p:timing>
+</p:sld>
+</file>
+
+<file path=ppt/slides/slide34.xml><?xml version="1.0" encoding="utf-8"?>
+<p:sld xmlns:a="http://schemas.openxmlformats.org/drawingml/2006/main" xmlns:r="http://schemas.openxmlformats.org/officeDocument/2006/relationships" xmlns:p="http://schemas.openxmlformats.org/presentationml/2006/main">
+  <p:cSld>
+    <p:spTree>
+      <p:nvGrpSpPr>
+        <p:cNvPr id="1" name=""/>
+        <p:cNvGrpSpPr/>
+        <p:nvPr/>
+      </p:nvGrpSpPr>
+      <p:grpSpPr>
+        <a:xfrm>
+          <a:off x="0" y="0"/>
+          <a:ext cx="0" cy="0"/>
+          <a:chOff x="0" y="0"/>
+          <a:chExt cx="0" cy="0"/>
+        </a:xfrm>
+      </p:grpSpPr>
+      <p:sp>
+        <p:nvSpPr>
           <p:cNvPr id="2" name="Tytuł 1"/>
           <p:cNvSpPr>
             <a:spLocks noGrp="1"/>
@@ -13814,9 +14411,10 @@
           <a:lstStyle/>
           <a:p>
             <a:r>
-              <a:rPr lang="pl-PL" dirty="0"/>
-              <a:t>Dziękuję za uwagę </a:t>
-            </a:r>
+              <a:rPr lang="pl-PL" dirty="0" smtClean="0"/>
+              <a:t>Pytania ?</a:t>
+            </a:r>
+            <a:endParaRPr lang="pl-PL" dirty="0"/>
           </a:p>
         </p:txBody>
       </p:sp>
@@ -13851,7 +14449,7 @@
           <a:blip r:embed="rId2" cstate="print">
             <a:extLst>
               <a:ext uri="{28A0092B-C50C-407E-A947-70E740481C1C}">
-                <a14:useLocalDpi xmlns:a14="http://schemas.microsoft.com/office/drawing/2010/main" xmlns="" val="0"/>
+                <a14:useLocalDpi xmlns:a14="http://schemas.microsoft.com/office/drawing/2010/main" val="0"/>
               </a:ext>
             </a:extLst>
           </a:blip>
@@ -13872,7 +14470,115 @@
     </p:spTree>
     <p:extLst>
       <p:ext uri="{BB962C8B-B14F-4D97-AF65-F5344CB8AC3E}">
-        <p14:creationId xmlns:p14="http://schemas.microsoft.com/office/powerpoint/2010/main" xmlns="" val="1895918166"/>
+        <p14:creationId xmlns:p14="http://schemas.microsoft.com/office/powerpoint/2010/main" val="1895918166"/>
+      </p:ext>
+    </p:extLst>
+  </p:cSld>
+  <p:clrMapOvr>
+    <a:masterClrMapping/>
+  </p:clrMapOvr>
+  <p:timing>
+    <p:tnLst>
+      <p:par>
+        <p:cTn id="1" dur="indefinite" restart="never" nodeType="tmRoot"/>
+      </p:par>
+    </p:tnLst>
+  </p:timing>
+</p:sld>
+</file>
+
+<file path=ppt/slides/slide35.xml><?xml version="1.0" encoding="utf-8"?>
+<p:sld xmlns:a="http://schemas.openxmlformats.org/drawingml/2006/main" xmlns:r="http://schemas.openxmlformats.org/officeDocument/2006/relationships" xmlns:p="http://schemas.openxmlformats.org/presentationml/2006/main">
+  <p:cSld>
+    <p:spTree>
+      <p:nvGrpSpPr>
+        <p:cNvPr id="1" name=""/>
+        <p:cNvGrpSpPr/>
+        <p:nvPr/>
+      </p:nvGrpSpPr>
+      <p:grpSpPr>
+        <a:xfrm>
+          <a:off x="0" y="0"/>
+          <a:ext cx="0" cy="0"/>
+          <a:chOff x="0" y="0"/>
+          <a:chExt cx="0" cy="0"/>
+        </a:xfrm>
+      </p:grpSpPr>
+      <p:sp>
+        <p:nvSpPr>
+          <p:cNvPr id="2" name="Tytuł 1"/>
+          <p:cNvSpPr>
+            <a:spLocks noGrp="1"/>
+          </p:cNvSpPr>
+          <p:nvPr>
+            <p:ph type="ctrTitle"/>
+          </p:nvPr>
+        </p:nvSpPr>
+        <p:spPr/>
+        <p:txBody>
+          <a:bodyPr/>
+          <a:lstStyle/>
+          <a:p>
+            <a:r>
+              <a:rPr lang="pl-PL" dirty="0"/>
+              <a:t>Dziękuję za uwagę </a:t>
+            </a:r>
+          </a:p>
+        </p:txBody>
+      </p:sp>
+      <p:sp>
+        <p:nvSpPr>
+          <p:cNvPr id="3" name="Podtytuł 2"/>
+          <p:cNvSpPr>
+            <a:spLocks noGrp="1"/>
+          </p:cNvSpPr>
+          <p:nvPr>
+            <p:ph type="subTitle" idx="1"/>
+          </p:nvPr>
+        </p:nvSpPr>
+        <p:spPr/>
+        <p:txBody>
+          <a:bodyPr/>
+          <a:lstStyle/>
+          <a:p>
+            <a:endParaRPr lang="pl-PL" dirty="0"/>
+          </a:p>
+        </p:txBody>
+      </p:sp>
+      <p:pic>
+        <p:nvPicPr>
+          <p:cNvPr id="4" name="Obraz 3"/>
+          <p:cNvPicPr>
+            <a:picLocks noChangeAspect="1"/>
+          </p:cNvPicPr>
+          <p:nvPr/>
+        </p:nvPicPr>
+        <p:blipFill>
+          <a:blip r:embed="rId2" cstate="print">
+            <a:extLst>
+              <a:ext uri="{28A0092B-C50C-407E-A947-70E740481C1C}">
+                <a14:useLocalDpi xmlns:a14="http://schemas.microsoft.com/office/drawing/2010/main" val="0"/>
+              </a:ext>
+            </a:extLst>
+          </a:blip>
+          <a:stretch>
+            <a:fillRect/>
+          </a:stretch>
+        </p:blipFill>
+        <p:spPr>
+          <a:xfrm>
+            <a:off x="107504" y="5229200"/>
+            <a:ext cx="2664296" cy="1517565"/>
+          </a:xfrm>
+          <a:prstGeom prst="rect">
+            <a:avLst/>
+          </a:prstGeom>
+        </p:spPr>
+      </p:pic>
+    </p:spTree>
+    <p:extLst>
+      <p:ext uri="{BB962C8B-B14F-4D97-AF65-F5344CB8AC3E}">
+        <p14:creationId xmlns:p14="http://schemas.microsoft.com/office/powerpoint/2010/main" val="1895918166"/>
       </p:ext>
     </p:extLst>
   </p:cSld>
@@ -13952,10 +14658,6 @@
               <a:rPr lang="pl-PL" sz="4400" dirty="0" smtClean="0"/>
               <a:t>Wprowadzenie do </a:t>
             </a:r>
-            <a:r>
-              <a:rPr lang="pl-PL" sz="4400" dirty="0" smtClean="0"/>
-              <a:t/>
-            </a:r>
             <a:br>
               <a:rPr lang="pl-PL" sz="4400" dirty="0" smtClean="0"/>
             </a:br>
@@ -13965,11 +14667,7 @@
             </a:r>
             <a:r>
               <a:rPr lang="pl-PL" sz="4400" dirty="0" smtClean="0"/>
-              <a:t> </a:t>
-            </a:r>
-            <a:r>
-              <a:rPr lang="pl-PL" sz="4400" dirty="0" smtClean="0"/>
-              <a:t>Framework</a:t>
+              <a:t> Framework</a:t>
             </a:r>
           </a:p>
         </p:txBody>
@@ -14010,7 +14708,7 @@
           <a:blip r:embed="rId3" cstate="print">
             <a:extLst>
               <a:ext uri="{28A0092B-C50C-407E-A947-70E740481C1C}">
-                <a14:useLocalDpi xmlns:a14="http://schemas.microsoft.com/office/drawing/2010/main" xmlns="" val="0"/>
+                <a14:useLocalDpi xmlns:a14="http://schemas.microsoft.com/office/drawing/2010/main" val="0"/>
               </a:ext>
             </a:extLst>
           </a:blip>
@@ -14063,7 +14761,7 @@
     </p:spTree>
     <p:extLst>
       <p:ext uri="{BB962C8B-B14F-4D97-AF65-F5344CB8AC3E}">
-        <p14:creationId xmlns:p14="http://schemas.microsoft.com/office/powerpoint/2010/main" xmlns="" val="2808115206"/>
+        <p14:creationId xmlns:p14="http://schemas.microsoft.com/office/powerpoint/2010/main" val="2808115206"/>
       </p:ext>
     </p:extLst>
   </p:cSld>
@@ -14143,10 +14841,6 @@
               <a:rPr lang="pl-PL" sz="4400" dirty="0" smtClean="0"/>
               <a:t>Wprowadzenie do </a:t>
             </a:r>
-            <a:r>
-              <a:rPr lang="pl-PL" sz="4400" dirty="0" smtClean="0"/>
-              <a:t/>
-            </a:r>
             <a:br>
               <a:rPr lang="pl-PL" sz="4400" dirty="0" smtClean="0"/>
             </a:br>
@@ -14156,11 +14850,7 @@
             </a:r>
             <a:r>
               <a:rPr lang="pl-PL" sz="4400" dirty="0" smtClean="0"/>
-              <a:t> </a:t>
-            </a:r>
-            <a:r>
-              <a:rPr lang="pl-PL" sz="4400" dirty="0" smtClean="0"/>
-              <a:t>Framework</a:t>
+              <a:t> Framework</a:t>
             </a:r>
           </a:p>
         </p:txBody>
@@ -14201,7 +14891,7 @@
           <a:blip r:embed="rId3" cstate="print">
             <a:extLst>
               <a:ext uri="{28A0092B-C50C-407E-A947-70E740481C1C}">
-                <a14:useLocalDpi xmlns:a14="http://schemas.microsoft.com/office/drawing/2010/main" xmlns="" val="0"/>
+                <a14:useLocalDpi xmlns:a14="http://schemas.microsoft.com/office/drawing/2010/main" val="0"/>
               </a:ext>
             </a:extLst>
           </a:blip>
@@ -14254,7 +14944,7 @@
     </p:spTree>
     <p:extLst>
       <p:ext uri="{BB962C8B-B14F-4D97-AF65-F5344CB8AC3E}">
-        <p14:creationId xmlns:p14="http://schemas.microsoft.com/office/powerpoint/2010/main" xmlns="" val="2808115206"/>
+        <p14:creationId xmlns:p14="http://schemas.microsoft.com/office/powerpoint/2010/main" val="2808115206"/>
       </p:ext>
     </p:extLst>
   </p:cSld>
@@ -14381,7 +15071,7 @@
           <a:blip r:embed="rId3" cstate="print">
             <a:extLst>
               <a:ext uri="{28A0092B-C50C-407E-A947-70E740481C1C}">
-                <a14:useLocalDpi xmlns:a14="http://schemas.microsoft.com/office/drawing/2010/main" xmlns="" val="0"/>
+                <a14:useLocalDpi xmlns:a14="http://schemas.microsoft.com/office/drawing/2010/main" val="0"/>
               </a:ext>
             </a:extLst>
           </a:blip>
@@ -14402,7 +15092,7 @@
     </p:spTree>
     <p:extLst>
       <p:ext uri="{BB962C8B-B14F-4D97-AF65-F5344CB8AC3E}">
-        <p14:creationId xmlns:p14="http://schemas.microsoft.com/office/powerpoint/2010/main" xmlns="" val="2808115206"/>
+        <p14:creationId xmlns:p14="http://schemas.microsoft.com/office/powerpoint/2010/main" val="2808115206"/>
       </p:ext>
     </p:extLst>
   </p:cSld>
@@ -14548,7 +15238,7 @@
           <a:blip r:embed="rId3" cstate="print">
             <a:extLst>
               <a:ext uri="{28A0092B-C50C-407E-A947-70E740481C1C}">
-                <a14:useLocalDpi xmlns:a14="http://schemas.microsoft.com/office/drawing/2010/main" xmlns="" val="0"/>
+                <a14:useLocalDpi xmlns:a14="http://schemas.microsoft.com/office/drawing/2010/main" val="0"/>
               </a:ext>
             </a:extLst>
           </a:blip>
@@ -14601,7 +15291,7 @@
     </p:spTree>
     <p:extLst>
       <p:ext uri="{BB962C8B-B14F-4D97-AF65-F5344CB8AC3E}">
-        <p14:creationId xmlns:p14="http://schemas.microsoft.com/office/powerpoint/2010/main" xmlns="" val="2808115206"/>
+        <p14:creationId xmlns:p14="http://schemas.microsoft.com/office/powerpoint/2010/main" val="2808115206"/>
       </p:ext>
     </p:extLst>
   </p:cSld>
@@ -14747,7 +15437,7 @@
           <a:blip r:embed="rId3" cstate="print">
             <a:extLst>
               <a:ext uri="{28A0092B-C50C-407E-A947-70E740481C1C}">
-                <a14:useLocalDpi xmlns:a14="http://schemas.microsoft.com/office/drawing/2010/main" xmlns="" val="0"/>
+                <a14:useLocalDpi xmlns:a14="http://schemas.microsoft.com/office/drawing/2010/main" val="0"/>
               </a:ext>
             </a:extLst>
           </a:blip>
@@ -14800,7 +15490,7 @@
     </p:spTree>
     <p:extLst>
       <p:ext uri="{BB962C8B-B14F-4D97-AF65-F5344CB8AC3E}">
-        <p14:creationId xmlns:p14="http://schemas.microsoft.com/office/powerpoint/2010/main" xmlns="" val="2808115206"/>
+        <p14:creationId xmlns:p14="http://schemas.microsoft.com/office/powerpoint/2010/main" val="2808115206"/>
       </p:ext>
     </p:extLst>
   </p:cSld>
@@ -14946,7 +15636,7 @@
           <a:blip r:embed="rId3" cstate="print">
             <a:extLst>
               <a:ext uri="{28A0092B-C50C-407E-A947-70E740481C1C}">
-                <a14:useLocalDpi xmlns:a14="http://schemas.microsoft.com/office/drawing/2010/main" xmlns="" val="0"/>
+                <a14:useLocalDpi xmlns:a14="http://schemas.microsoft.com/office/drawing/2010/main" val="0"/>
               </a:ext>
             </a:extLst>
           </a:blip>
@@ -14999,7 +15689,7 @@
     </p:spTree>
     <p:extLst>
       <p:ext uri="{BB962C8B-B14F-4D97-AF65-F5344CB8AC3E}">
-        <p14:creationId xmlns:p14="http://schemas.microsoft.com/office/powerpoint/2010/main" xmlns="" val="2808115206"/>
+        <p14:creationId xmlns:p14="http://schemas.microsoft.com/office/powerpoint/2010/main" val="2808115206"/>
       </p:ext>
     </p:extLst>
   </p:cSld>

--- a/ItKrd_EF.pptx
+++ b/ItKrd_EF.pptx
@@ -26,11 +26,11 @@
     <p:sldId id="343" r:id="rId17"/>
     <p:sldId id="362" r:id="rId18"/>
     <p:sldId id="337" r:id="rId19"/>
-    <p:sldId id="339" r:id="rId20"/>
-    <p:sldId id="340" r:id="rId21"/>
-    <p:sldId id="347" r:id="rId22"/>
-    <p:sldId id="338" r:id="rId23"/>
-    <p:sldId id="366" r:id="rId24"/>
+    <p:sldId id="340" r:id="rId20"/>
+    <p:sldId id="347" r:id="rId21"/>
+    <p:sldId id="338" r:id="rId22"/>
+    <p:sldId id="366" r:id="rId23"/>
+    <p:sldId id="367" r:id="rId24"/>
     <p:sldId id="365" r:id="rId25"/>
     <p:sldId id="348" r:id="rId26"/>
     <p:sldId id="356" r:id="rId27"/>
@@ -167,11 +167,11 @@
             <p14:sldId id="343"/>
             <p14:sldId id="362"/>
             <p14:sldId id="337"/>
-            <p14:sldId id="339"/>
             <p14:sldId id="340"/>
             <p14:sldId id="347"/>
             <p14:sldId id="338"/>
             <p14:sldId id="366"/>
+            <p14:sldId id="367"/>
             <p14:sldId id="365"/>
             <p14:sldId id="348"/>
             <p14:sldId id="356"/>
@@ -1519,26 +1519,9 @@
           <a:p>
             <a:pPr>
               <a:buFontTx/>
-              <a:buChar char="-"/>
+              <a:buNone/>
             </a:pPr>
-            <a:r>
-              <a:rPr lang="pl-PL" dirty="0" smtClean="0"/>
-              <a:t> Program jest </a:t>
-            </a:r>
-            <a:r>
-              <a:rPr lang="pl-PL" baseline="0" dirty="0" smtClean="0"/>
-              <a:t>zbiorem klas i struktur</a:t>
-            </a:r>
-          </a:p>
-          <a:p>
-            <a:pPr>
-              <a:buFontTx/>
-              <a:buChar char="-"/>
-            </a:pPr>
-            <a:r>
-              <a:rPr lang="pl-PL" baseline="0" dirty="0" smtClean="0"/>
-              <a:t> Jakakolwiek logika jest zawarta w którymś z tych bytów</a:t>
-            </a:r>
+            <a:endParaRPr lang="pl-PL" baseline="0" dirty="0" smtClean="0"/>
           </a:p>
         </p:txBody>
       </p:sp>
@@ -1711,7 +1694,7 @@
           <a:p>
             <a:pPr>
               <a:buFontTx/>
-              <a:buNone/>
+              <a:buChar char="-"/>
             </a:pPr>
             <a:endParaRPr lang="pl-PL" baseline="0" dirty="0" smtClean="0"/>
           </a:p>
@@ -9652,7 +9635,7 @@
         <p:spPr/>
         <p:txBody>
           <a:bodyPr>
-            <a:normAutofit fontScale="92500" lnSpcReduction="10000"/>
+            <a:normAutofit/>
           </a:bodyPr>
           <a:lstStyle/>
           <a:p>
@@ -9660,484 +9643,46 @@
               <a:buNone/>
             </a:pPr>
             <a:r>
-              <a:rPr lang="pl-PL" dirty="0" err="1" smtClean="0">
-                <a:solidFill>
-                  <a:srgbClr val="0000FF"/>
-                </a:solidFill>
-              </a:rPr>
-              <a:t>using</a:t>
-            </a:r>
-            <a:r>
-              <a:rPr lang="pl-PL" dirty="0" smtClean="0">
-                <a:solidFill>
-                  <a:srgbClr val="000000"/>
-                </a:solidFill>
-              </a:rPr>
-              <a:t> (</a:t>
-            </a:r>
-            <a:r>
-              <a:rPr lang="pl-PL" dirty="0" err="1" smtClean="0">
-                <a:solidFill>
-                  <a:srgbClr val="0000FF"/>
-                </a:solidFill>
-              </a:rPr>
-              <a:t>var</a:t>
-            </a:r>
-            <a:r>
-              <a:rPr lang="pl-PL" dirty="0" smtClean="0">
-                <a:solidFill>
-                  <a:srgbClr val="000000"/>
-                </a:solidFill>
-              </a:rPr>
+              <a:rPr lang="pl-PL" dirty="0" smtClean="0"/>
+              <a:t>Klasa</a:t>
+            </a:r>
+            <a:r>
+              <a:rPr lang="pl-PL" b="1" dirty="0" smtClean="0"/>
               <a:t> </a:t>
             </a:r>
             <a:r>
-              <a:rPr lang="pl-PL" dirty="0" err="1" smtClean="0">
-                <a:solidFill>
-                  <a:srgbClr val="000000"/>
-                </a:solidFill>
-              </a:rPr>
-              <a:t>db</a:t>
-            </a:r>
-            <a:r>
-              <a:rPr lang="pl-PL" dirty="0" smtClean="0">
-                <a:solidFill>
-                  <a:srgbClr val="000000"/>
-                </a:solidFill>
-              </a:rPr>
-              <a:t> = </a:t>
-            </a:r>
-            <a:r>
-              <a:rPr lang="pl-PL" dirty="0" err="1" smtClean="0">
-                <a:solidFill>
-                  <a:srgbClr val="0000FF"/>
-                </a:solidFill>
-              </a:rPr>
-              <a:t>new</a:t>
-            </a:r>
-            <a:r>
-              <a:rPr lang="pl-PL" dirty="0" smtClean="0">
-                <a:solidFill>
-                  <a:srgbClr val="000000"/>
-                </a:solidFill>
-              </a:rPr>
-              <a:t> </a:t>
-            </a:r>
-            <a:r>
-              <a:rPr lang="pl-PL" dirty="0" err="1" smtClean="0">
-                <a:solidFill>
-                  <a:srgbClr val="2B91AF"/>
-                </a:solidFill>
-              </a:rPr>
-              <a:t>DemoContext</a:t>
-            </a:r>
-            <a:r>
-              <a:rPr lang="pl-PL" dirty="0" smtClean="0">
-                <a:solidFill>
-                  <a:srgbClr val="000000"/>
-                </a:solidFill>
-              </a:rPr>
-              <a:t>()) </a:t>
-            </a:r>
+              <a:rPr lang="pl-PL" i="1" dirty="0" err="1" smtClean="0"/>
+              <a:t>ChangeTracker</a:t>
+            </a:r>
+            <a:endParaRPr lang="pl-PL" i="1" dirty="0" smtClean="0"/>
           </a:p>
           <a:p>
             <a:pPr>
               <a:buNone/>
             </a:pPr>
-            <a:r>
-              <a:rPr lang="pl-PL" dirty="0" smtClean="0">
-                <a:solidFill>
-                  <a:srgbClr val="000000"/>
-                </a:solidFill>
-              </a:rPr>
-              <a:t>{ </a:t>
-            </a:r>
-          </a:p>
-          <a:p>
-            <a:pPr lvl="1">
-              <a:buNone/>
-            </a:pPr>
-            <a:r>
-              <a:rPr lang="pl-PL" dirty="0" err="1" smtClean="0">
-                <a:solidFill>
-                  <a:srgbClr val="0000FF"/>
-                </a:solidFill>
-              </a:rPr>
-              <a:t>var</a:t>
-            </a:r>
-            <a:r>
-              <a:rPr lang="pl-PL" dirty="0" smtClean="0">
-                <a:solidFill>
-                  <a:srgbClr val="000000"/>
-                </a:solidFill>
-              </a:rPr>
-              <a:t> p1 = </a:t>
-            </a:r>
-            <a:r>
-              <a:rPr lang="pl-PL" dirty="0" err="1" smtClean="0">
-                <a:solidFill>
-                  <a:srgbClr val="000000"/>
-                </a:solidFill>
-              </a:rPr>
-              <a:t>db.</a:t>
-            </a:r>
-            <a:r>
-              <a:rPr lang="pl-PL" dirty="0" err="1" smtClean="0">
-                <a:solidFill>
-                  <a:srgbClr val="2B91AF"/>
-                </a:solidFill>
-              </a:rPr>
-              <a:t>Products</a:t>
-            </a:r>
-            <a:r>
-              <a:rPr lang="pl-PL" dirty="0" err="1" smtClean="0">
-                <a:solidFill>
-                  <a:srgbClr val="000000"/>
-                </a:solidFill>
-              </a:rPr>
-              <a:t>.</a:t>
-            </a:r>
-            <a:r>
-              <a:rPr lang="pl-PL" dirty="0" err="1" smtClean="0">
-                <a:solidFill>
-                  <a:srgbClr val="2B91AF"/>
-                </a:solidFill>
-              </a:rPr>
-              <a:t>Find</a:t>
-            </a:r>
-            <a:r>
-              <a:rPr lang="pl-PL" dirty="0" smtClean="0">
-                <a:solidFill>
-                  <a:srgbClr val="000000"/>
-                </a:solidFill>
-              </a:rPr>
-              <a:t>(</a:t>
-            </a:r>
-            <a:r>
-              <a:rPr lang="pl-PL" dirty="0" smtClean="0">
-                <a:solidFill>
-                  <a:srgbClr val="FF0000"/>
-                </a:solidFill>
-              </a:rPr>
-              <a:t>1</a:t>
-            </a:r>
-            <a:r>
-              <a:rPr lang="pl-PL" dirty="0" smtClean="0">
-                <a:solidFill>
-                  <a:srgbClr val="000000"/>
-                </a:solidFill>
-              </a:rPr>
-              <a:t>); </a:t>
-            </a:r>
-          </a:p>
-          <a:p>
-            <a:pPr lvl="1">
-              <a:buNone/>
-            </a:pPr>
-            <a:r>
-              <a:rPr lang="pl-PL" dirty="0" smtClean="0">
-                <a:solidFill>
-                  <a:srgbClr val="000000"/>
-                </a:solidFill>
-              </a:rPr>
-              <a:t>p1.</a:t>
-            </a:r>
-            <a:r>
-              <a:rPr lang="pl-PL" dirty="0" smtClean="0">
-                <a:solidFill>
-                  <a:srgbClr val="2B91AF"/>
-                </a:solidFill>
-              </a:rPr>
-              <a:t>Name</a:t>
-            </a:r>
-            <a:r>
-              <a:rPr lang="pl-PL" dirty="0" smtClean="0">
-                <a:solidFill>
-                  <a:srgbClr val="000000"/>
-                </a:solidFill>
-              </a:rPr>
-              <a:t> = </a:t>
-            </a:r>
-            <a:r>
-              <a:rPr lang="pl-PL" dirty="0" smtClean="0">
-                <a:solidFill>
-                  <a:srgbClr val="A31515"/>
-                </a:solidFill>
-              </a:rPr>
-              <a:t>"TE"</a:t>
-            </a:r>
-            <a:r>
-              <a:rPr lang="pl-PL" dirty="0" smtClean="0">
-                <a:solidFill>
-                  <a:srgbClr val="000000"/>
-                </a:solidFill>
-              </a:rPr>
-              <a:t>; </a:t>
-            </a:r>
-          </a:p>
-          <a:p>
-            <a:pPr lvl="1">
-              <a:buNone/>
-            </a:pPr>
-            <a:endParaRPr lang="pl-PL" dirty="0" smtClean="0">
-              <a:solidFill>
-                <a:srgbClr val="0000FF"/>
-              </a:solidFill>
-            </a:endParaRPr>
-          </a:p>
-          <a:p>
-            <a:pPr lvl="1">
-              <a:buNone/>
-            </a:pPr>
-            <a:r>
-              <a:rPr lang="pl-PL" dirty="0" err="1" smtClean="0">
-                <a:solidFill>
-                  <a:srgbClr val="0000FF"/>
-                </a:solidFill>
-              </a:rPr>
-              <a:t>DbEntityEntry</a:t>
-            </a:r>
-            <a:r>
-              <a:rPr lang="pl-PL" dirty="0" smtClean="0">
-                <a:solidFill>
-                  <a:srgbClr val="0000FF"/>
-                </a:solidFill>
-              </a:rPr>
-              <a:t> </a:t>
-            </a:r>
-            <a:r>
-              <a:rPr lang="pl-PL" dirty="0" err="1" smtClean="0">
-                <a:solidFill>
-                  <a:srgbClr val="000000"/>
-                </a:solidFill>
-              </a:rPr>
-              <a:t>entry</a:t>
-            </a:r>
-            <a:r>
-              <a:rPr lang="pl-PL" dirty="0" smtClean="0">
-                <a:solidFill>
-                  <a:srgbClr val="000000"/>
-                </a:solidFill>
-              </a:rPr>
-              <a:t> = </a:t>
-            </a:r>
-            <a:r>
-              <a:rPr lang="pl-PL" dirty="0" err="1" smtClean="0">
-                <a:solidFill>
-                  <a:srgbClr val="000000"/>
-                </a:solidFill>
-              </a:rPr>
-              <a:t>db.</a:t>
-            </a:r>
-            <a:r>
-              <a:rPr lang="pl-PL" dirty="0" err="1" smtClean="0">
-                <a:solidFill>
-                  <a:srgbClr val="2B91AF"/>
-                </a:solidFill>
-              </a:rPr>
-              <a:t>Entry</a:t>
-            </a:r>
-            <a:r>
-              <a:rPr lang="pl-PL" dirty="0" err="1" smtClean="0">
-                <a:solidFill>
-                  <a:srgbClr val="000000"/>
-                </a:solidFill>
-              </a:rPr>
-              <a:t>&lt;</a:t>
-            </a:r>
-            <a:r>
-              <a:rPr lang="pl-PL" dirty="0" err="1" smtClean="0">
-                <a:solidFill>
-                  <a:srgbClr val="2B91AF"/>
-                </a:solidFill>
-              </a:rPr>
-              <a:t>Product</a:t>
-            </a:r>
-            <a:r>
-              <a:rPr lang="pl-PL" dirty="0" smtClean="0">
-                <a:solidFill>
-                  <a:srgbClr val="000000"/>
-                </a:solidFill>
-              </a:rPr>
-              <a:t>&gt;(p1); </a:t>
-            </a:r>
-          </a:p>
-          <a:p>
-            <a:pPr lvl="1">
-              <a:buNone/>
-            </a:pPr>
-            <a:endParaRPr lang="pl-PL" dirty="0" smtClean="0">
-              <a:solidFill>
-                <a:srgbClr val="000000"/>
-              </a:solidFill>
-            </a:endParaRPr>
-          </a:p>
-          <a:p>
-            <a:pPr lvl="1">
-              <a:buNone/>
-            </a:pPr>
-            <a:r>
-              <a:rPr lang="pl-PL" dirty="0" err="1" smtClean="0">
-                <a:solidFill>
-                  <a:srgbClr val="0000FF"/>
-                </a:solidFill>
-              </a:rPr>
-              <a:t>if</a:t>
-            </a:r>
-            <a:r>
-              <a:rPr lang="pl-PL" dirty="0" smtClean="0">
-                <a:solidFill>
-                  <a:srgbClr val="000000"/>
-                </a:solidFill>
-              </a:rPr>
-              <a:t> (</a:t>
-            </a:r>
-            <a:r>
-              <a:rPr lang="pl-PL" dirty="0" err="1" smtClean="0">
-                <a:solidFill>
-                  <a:srgbClr val="000000"/>
-                </a:solidFill>
-              </a:rPr>
-              <a:t>entry.</a:t>
-            </a:r>
-            <a:r>
-              <a:rPr lang="pl-PL" dirty="0" err="1" smtClean="0">
-                <a:solidFill>
-                  <a:srgbClr val="2B91AF"/>
-                </a:solidFill>
-              </a:rPr>
-              <a:t>State</a:t>
-            </a:r>
-            <a:r>
-              <a:rPr lang="pl-PL" dirty="0" smtClean="0">
-                <a:solidFill>
-                  <a:srgbClr val="000000"/>
-                </a:solidFill>
-              </a:rPr>
-              <a:t> == </a:t>
-            </a:r>
-            <a:r>
-              <a:rPr lang="pl-PL" dirty="0" err="1" smtClean="0">
-                <a:solidFill>
-                  <a:srgbClr val="2B91AF"/>
-                </a:solidFill>
-              </a:rPr>
-              <a:t>EntityState.Modified</a:t>
-            </a:r>
-            <a:r>
-              <a:rPr lang="pl-PL" dirty="0" smtClean="0">
-                <a:solidFill>
-                  <a:srgbClr val="2B91AF"/>
-                </a:solidFill>
-              </a:rPr>
-              <a:t> ) </a:t>
-            </a:r>
-            <a:r>
-              <a:rPr lang="pl-PL" dirty="0" smtClean="0">
-                <a:solidFill>
-                  <a:srgbClr val="000000"/>
-                </a:solidFill>
-              </a:rPr>
-              <a:t> </a:t>
-            </a:r>
-          </a:p>
-          <a:p>
-            <a:pPr lvl="1">
-              <a:buNone/>
-            </a:pPr>
-            <a:r>
-              <a:rPr lang="pl-PL" dirty="0" smtClean="0">
-                <a:solidFill>
-                  <a:srgbClr val="000000"/>
-                </a:solidFill>
-              </a:rPr>
-              <a:t>{ </a:t>
-            </a:r>
-          </a:p>
-          <a:p>
-            <a:pPr lvl="2">
-              <a:buNone/>
-            </a:pPr>
-            <a:r>
-              <a:rPr lang="pl-PL" dirty="0" smtClean="0">
-                <a:solidFill>
-                  <a:srgbClr val="000000"/>
-                </a:solidFill>
-              </a:rPr>
-              <a:t>// do </a:t>
-            </a:r>
-            <a:r>
-              <a:rPr lang="pl-PL" dirty="0" err="1" smtClean="0">
-                <a:solidFill>
-                  <a:srgbClr val="000000"/>
-                </a:solidFill>
-              </a:rPr>
-              <a:t>some</a:t>
-            </a:r>
-            <a:r>
-              <a:rPr lang="pl-PL" dirty="0" smtClean="0">
-                <a:solidFill>
-                  <a:srgbClr val="000000"/>
-                </a:solidFill>
-              </a:rPr>
-              <a:t> action</a:t>
-            </a:r>
-          </a:p>
-          <a:p>
-            <a:pPr lvl="1">
-              <a:buNone/>
-            </a:pPr>
-            <a:r>
-              <a:rPr lang="pl-PL" dirty="0" smtClean="0">
-                <a:solidFill>
-                  <a:srgbClr val="000000"/>
-                </a:solidFill>
-              </a:rPr>
-              <a:t>} </a:t>
-            </a:r>
-          </a:p>
-          <a:p>
-            <a:pPr lvl="1">
-              <a:buNone/>
-            </a:pPr>
-            <a:r>
-              <a:rPr lang="pl-PL" dirty="0" err="1" smtClean="0">
-                <a:solidFill>
-                  <a:srgbClr val="000000"/>
-                </a:solidFill>
-              </a:rPr>
-              <a:t>db.</a:t>
-            </a:r>
-            <a:r>
-              <a:rPr lang="pl-PL" dirty="0" err="1" smtClean="0">
-                <a:solidFill>
-                  <a:srgbClr val="2B91AF"/>
-                </a:solidFill>
-              </a:rPr>
-              <a:t>SaveChanges</a:t>
-            </a:r>
-            <a:r>
-              <a:rPr lang="pl-PL" dirty="0" smtClean="0">
-                <a:solidFill>
-                  <a:srgbClr val="000000"/>
-                </a:solidFill>
-              </a:rPr>
-              <a:t>();</a:t>
-            </a:r>
+            <a:endParaRPr lang="pl-PL" b="1" i="1" dirty="0" smtClean="0"/>
           </a:p>
           <a:p>
             <a:pPr>
               <a:buNone/>
             </a:pPr>
-            <a:r>
-              <a:rPr lang="pl-PL" b="1" dirty="0" smtClean="0">
-                <a:solidFill>
-                  <a:srgbClr val="000000"/>
-                </a:solidFill>
-              </a:rPr>
-              <a:t>}</a:t>
-            </a:r>
-            <a:endParaRPr lang="pl-PL" b="1" dirty="0"/>
+            <a:endParaRPr lang="pl-PL" b="1" i="1" dirty="0" smtClean="0"/>
+          </a:p>
+          <a:p>
+            <a:pPr>
+              <a:buNone/>
+            </a:pPr>
+            <a:endParaRPr lang="pl-PL" b="1" i="1" dirty="0" smtClean="0"/>
+          </a:p>
+          <a:p>
+            <a:pPr algn="ctr">
+              <a:buNone/>
+            </a:pPr>
+            <a:r>
+              <a:rPr lang="pl-PL" b="1" i="1" dirty="0" smtClean="0"/>
+              <a:t>DEMO</a:t>
+            </a:r>
+            <a:endParaRPr lang="pl-PL" b="1" i="1" dirty="0"/>
           </a:p>
         </p:txBody>
       </p:sp>
@@ -10539,49 +10084,9 @@
           </a:bodyPr>
           <a:lstStyle/>
           <a:p>
-            <a:pPr>
-              <a:buNone/>
-            </a:pPr>
-            <a:r>
-              <a:rPr lang="pl-PL" dirty="0" smtClean="0"/>
-              <a:t>Klasa</a:t>
-            </a:r>
-            <a:r>
-              <a:rPr lang="pl-PL" b="1" dirty="0" smtClean="0"/>
-              <a:t> </a:t>
-            </a:r>
-            <a:r>
-              <a:rPr lang="pl-PL" i="1" dirty="0" err="1" smtClean="0"/>
-              <a:t>ChangeTracker</a:t>
-            </a:r>
-            <a:endParaRPr lang="pl-PL" i="1" dirty="0" smtClean="0"/>
-          </a:p>
-          <a:p>
-            <a:pPr>
-              <a:buNone/>
-            </a:pPr>
-            <a:endParaRPr lang="pl-PL" b="1" i="1" dirty="0" smtClean="0"/>
-          </a:p>
-          <a:p>
-            <a:pPr>
-              <a:buNone/>
-            </a:pPr>
-            <a:endParaRPr lang="pl-PL" b="1" i="1" dirty="0" smtClean="0"/>
-          </a:p>
-          <a:p>
-            <a:pPr>
-              <a:buNone/>
-            </a:pPr>
-            <a:endParaRPr lang="pl-PL" b="1" i="1" dirty="0" smtClean="0"/>
-          </a:p>
-          <a:p>
             <a:pPr algn="ctr">
               <a:buNone/>
             </a:pPr>
-            <a:r>
-              <a:rPr lang="pl-PL" b="1" i="1" dirty="0" smtClean="0"/>
-              <a:t>DEMO</a:t>
-            </a:r>
             <a:endParaRPr lang="pl-PL" b="1" i="1" dirty="0"/>
           </a:p>
         </p:txBody>
@@ -10630,146 +10135,6 @@
               <a:rPr lang="pl-PL" smtClean="0"/>
               <a:pPr/>
               <a:t>20</a:t>
-            </a:fld>
-            <a:endParaRPr lang="pl-PL"/>
-          </a:p>
-        </p:txBody>
-      </p:sp>
-      <p:pic>
-        <p:nvPicPr>
-          <p:cNvPr id="5" name="Obraz 4"/>
-          <p:cNvPicPr>
-            <a:picLocks noChangeAspect="1"/>
-          </p:cNvPicPr>
-          <p:nvPr/>
-        </p:nvPicPr>
-        <p:blipFill>
-          <a:blip r:embed="rId3" cstate="print">
-            <a:extLst>
-              <a:ext uri="{28A0092B-C50C-407E-A947-70E740481C1C}">
-                <a14:useLocalDpi xmlns:a14="http://schemas.microsoft.com/office/drawing/2010/main" val="0"/>
-              </a:ext>
-            </a:extLst>
-          </a:blip>
-          <a:stretch>
-            <a:fillRect/>
-          </a:stretch>
-        </p:blipFill>
-        <p:spPr>
-          <a:xfrm>
-            <a:off x="179512" y="6165304"/>
-            <a:ext cx="1008112" cy="574214"/>
-          </a:xfrm>
-          <a:prstGeom prst="rect">
-            <a:avLst/>
-          </a:prstGeom>
-        </p:spPr>
-      </p:pic>
-    </p:spTree>
-    <p:extLst>
-      <p:ext uri="{BB962C8B-B14F-4D97-AF65-F5344CB8AC3E}">
-        <p14:creationId xmlns:p14="http://schemas.microsoft.com/office/powerpoint/2010/main" val="2808115206"/>
-      </p:ext>
-    </p:extLst>
-  </p:cSld>
-  <p:clrMapOvr>
-    <a:masterClrMapping/>
-  </p:clrMapOvr>
-  <p:timing>
-    <p:tnLst>
-      <p:par>
-        <p:cTn id="1" dur="indefinite" restart="never" nodeType="tmRoot"/>
-      </p:par>
-    </p:tnLst>
-  </p:timing>
-</p:sld>
-</file>
-
-<file path=ppt/slides/slide21.xml><?xml version="1.0" encoding="utf-8"?>
-<p:sld xmlns:a="http://schemas.openxmlformats.org/drawingml/2006/main" xmlns:r="http://schemas.openxmlformats.org/officeDocument/2006/relationships" xmlns:p="http://schemas.openxmlformats.org/presentationml/2006/main">
-  <p:cSld>
-    <p:spTree>
-      <p:nvGrpSpPr>
-        <p:cNvPr id="1" name=""/>
-        <p:cNvGrpSpPr/>
-        <p:nvPr/>
-      </p:nvGrpSpPr>
-      <p:grpSpPr>
-        <a:xfrm>
-          <a:off x="0" y="0"/>
-          <a:ext cx="0" cy="0"/>
-          <a:chOff x="0" y="0"/>
-          <a:chExt cx="0" cy="0"/>
-        </a:xfrm>
-      </p:grpSpPr>
-      <p:sp>
-        <p:nvSpPr>
-          <p:cNvPr id="2" name="Symbol zastępczy zawartości 1"/>
-          <p:cNvSpPr>
-            <a:spLocks noGrp="1"/>
-          </p:cNvSpPr>
-          <p:nvPr>
-            <p:ph idx="1"/>
-          </p:nvPr>
-        </p:nvSpPr>
-        <p:spPr/>
-        <p:txBody>
-          <a:bodyPr>
-            <a:normAutofit/>
-          </a:bodyPr>
-          <a:lstStyle/>
-          <a:p>
-            <a:pPr algn="ctr">
-              <a:buNone/>
-            </a:pPr>
-            <a:endParaRPr lang="pl-PL" b="1" i="1" dirty="0"/>
-          </a:p>
-        </p:txBody>
-      </p:sp>
-      <p:sp>
-        <p:nvSpPr>
-          <p:cNvPr id="3" name="Tytuł 2"/>
-          <p:cNvSpPr>
-            <a:spLocks noGrp="1"/>
-          </p:cNvSpPr>
-          <p:nvPr>
-            <p:ph type="title"/>
-          </p:nvPr>
-        </p:nvSpPr>
-        <p:spPr/>
-        <p:txBody>
-          <a:bodyPr>
-            <a:normAutofit/>
-          </a:bodyPr>
-          <a:lstStyle/>
-          <a:p>
-            <a:r>
-              <a:rPr lang="pl-PL" dirty="0" smtClean="0"/>
-              <a:t>Śledzenie zmian modelu</a:t>
-            </a:r>
-            <a:endParaRPr lang="pl-PL" dirty="0"/>
-          </a:p>
-        </p:txBody>
-      </p:sp>
-      <p:sp>
-        <p:nvSpPr>
-          <p:cNvPr id="4" name="Symbol zastępczy numeru slajdu 3"/>
-          <p:cNvSpPr>
-            <a:spLocks noGrp="1"/>
-          </p:cNvSpPr>
-          <p:nvPr>
-            <p:ph type="sldNum" sz="quarter" idx="12"/>
-          </p:nvPr>
-        </p:nvSpPr>
-        <p:spPr/>
-        <p:txBody>
-          <a:bodyPr/>
-          <a:lstStyle/>
-          <a:p>
-            <a:fld id="{976B8C4A-E01E-49C4-A342-E776841D1431}" type="slidenum">
-              <a:rPr lang="pl-PL" smtClean="0"/>
-              <a:pPr/>
-              <a:t>21</a:t>
             </a:fld>
             <a:endParaRPr lang="pl-PL"/>
           </a:p>
@@ -10857,7 +10222,7 @@
 </p:sld>
 </file>
 
-<file path=ppt/slides/slide22.xml><?xml version="1.0" encoding="utf-8"?>
+<file path=ppt/slides/slide21.xml><?xml version="1.0" encoding="utf-8"?>
 <p:sld xmlns:a="http://schemas.openxmlformats.org/drawingml/2006/main" xmlns:r="http://schemas.openxmlformats.org/officeDocument/2006/relationships" xmlns:p="http://schemas.openxmlformats.org/presentationml/2006/main">
   <p:cSld>
     <p:spTree>
@@ -10946,7 +10311,7 @@
             <a:fld id="{976B8C4A-E01E-49C4-A342-E776841D1431}" type="slidenum">
               <a:rPr lang="pl-PL" smtClean="0"/>
               <a:pPr/>
-              <a:t>22</a:t>
+              <a:t>21</a:t>
             </a:fld>
             <a:endParaRPr lang="pl-PL"/>
           </a:p>
@@ -11043,7 +10408,7 @@
 </p:sld>
 </file>
 
-<file path=ppt/slides/slide23.xml><?xml version="1.0" encoding="utf-8"?>
+<file path=ppt/slides/slide22.xml><?xml version="1.0" encoding="utf-8"?>
 <p:sld xmlns:a="http://schemas.openxmlformats.org/drawingml/2006/main" xmlns:r="http://schemas.openxmlformats.org/officeDocument/2006/relationships" xmlns:p="http://schemas.openxmlformats.org/presentationml/2006/main">
   <p:cSld>
     <p:spTree>
@@ -11147,7 +10512,7 @@
             <a:fld id="{976B8C4A-E01E-49C4-A342-E776841D1431}" type="slidenum">
               <a:rPr lang="pl-PL" smtClean="0"/>
               <a:pPr/>
-              <a:t>23</a:t>
+              <a:t>22</a:t>
             </a:fld>
             <a:endParaRPr lang="pl-PL"/>
           </a:p>
@@ -11407,6 +10772,362 @@
 </p:sld>
 </file>
 
+<file path=ppt/slides/slide23.xml><?xml version="1.0" encoding="utf-8"?>
+<p:sld xmlns:a="http://schemas.openxmlformats.org/drawingml/2006/main" xmlns:r="http://schemas.openxmlformats.org/officeDocument/2006/relationships" xmlns:p="http://schemas.openxmlformats.org/presentationml/2006/main">
+  <p:cSld>
+    <p:spTree>
+      <p:nvGrpSpPr>
+        <p:cNvPr id="1" name=""/>
+        <p:cNvGrpSpPr/>
+        <p:nvPr/>
+      </p:nvGrpSpPr>
+      <p:grpSpPr>
+        <a:xfrm>
+          <a:off x="0" y="0"/>
+          <a:ext cx="0" cy="0"/>
+          <a:chOff x="0" y="0"/>
+          <a:chExt cx="0" cy="0"/>
+        </a:xfrm>
+      </p:grpSpPr>
+      <p:sp>
+        <p:nvSpPr>
+          <p:cNvPr id="2" name="Symbol zastępczy zawartości 1"/>
+          <p:cNvSpPr>
+            <a:spLocks noGrp="1"/>
+          </p:cNvSpPr>
+          <p:nvPr>
+            <p:ph idx="1"/>
+          </p:nvPr>
+        </p:nvSpPr>
+        <p:spPr/>
+        <p:txBody>
+          <a:bodyPr>
+            <a:normAutofit/>
+          </a:bodyPr>
+          <a:lstStyle/>
+          <a:p>
+            <a:pPr marL="109728" indent="0">
+              <a:buNone/>
+            </a:pPr>
+            <a:r>
+              <a:rPr lang="pl-PL" dirty="0" err="1" smtClean="0"/>
+              <a:t>AsNoTracking</a:t>
+            </a:r>
+            <a:endParaRPr lang="pl-PL" dirty="0"/>
+          </a:p>
+        </p:txBody>
+      </p:sp>
+      <p:sp>
+        <p:nvSpPr>
+          <p:cNvPr id="3" name="Tytuł 2"/>
+          <p:cNvSpPr>
+            <a:spLocks noGrp="1"/>
+          </p:cNvSpPr>
+          <p:nvPr>
+            <p:ph type="title"/>
+          </p:nvPr>
+        </p:nvSpPr>
+        <p:spPr/>
+        <p:txBody>
+          <a:bodyPr>
+            <a:normAutofit/>
+          </a:bodyPr>
+          <a:lstStyle/>
+          <a:p>
+            <a:r>
+              <a:rPr lang="pl-PL" dirty="0" err="1" smtClean="0"/>
+              <a:t>Tips</a:t>
+            </a:r>
+            <a:r>
+              <a:rPr lang="pl-PL" dirty="0" smtClean="0"/>
+              <a:t> and </a:t>
+            </a:r>
+            <a:r>
+              <a:rPr lang="pl-PL" dirty="0" err="1" smtClean="0"/>
+              <a:t>tricks</a:t>
+            </a:r>
+            <a:endParaRPr lang="pl-PL" dirty="0"/>
+          </a:p>
+        </p:txBody>
+      </p:sp>
+      <p:sp>
+        <p:nvSpPr>
+          <p:cNvPr id="4" name="Symbol zastępczy numeru slajdu 3"/>
+          <p:cNvSpPr>
+            <a:spLocks noGrp="1"/>
+          </p:cNvSpPr>
+          <p:nvPr>
+            <p:ph type="sldNum" sz="quarter" idx="12"/>
+          </p:nvPr>
+        </p:nvSpPr>
+        <p:spPr/>
+        <p:txBody>
+          <a:bodyPr/>
+          <a:lstStyle/>
+          <a:p>
+            <a:fld id="{976B8C4A-E01E-49C4-A342-E776841D1431}" type="slidenum">
+              <a:rPr lang="pl-PL" smtClean="0"/>
+              <a:pPr/>
+              <a:t>23</a:t>
+            </a:fld>
+            <a:endParaRPr lang="pl-PL"/>
+          </a:p>
+        </p:txBody>
+      </p:sp>
+      <p:pic>
+        <p:nvPicPr>
+          <p:cNvPr id="5" name="Obraz 4"/>
+          <p:cNvPicPr>
+            <a:picLocks noChangeAspect="1"/>
+          </p:cNvPicPr>
+          <p:nvPr/>
+        </p:nvPicPr>
+        <p:blipFill>
+          <a:blip r:embed="rId3" cstate="print">
+            <a:extLst>
+              <a:ext uri="{28A0092B-C50C-407E-A947-70E740481C1C}">
+                <a14:useLocalDpi xmlns:a14="http://schemas.microsoft.com/office/drawing/2010/main" val="0"/>
+              </a:ext>
+            </a:extLst>
+          </a:blip>
+          <a:stretch>
+            <a:fillRect/>
+          </a:stretch>
+        </p:blipFill>
+        <p:spPr>
+          <a:xfrm>
+            <a:off x="179512" y="6165304"/>
+            <a:ext cx="1008112" cy="574214"/>
+          </a:xfrm>
+          <a:prstGeom prst="rect">
+            <a:avLst/>
+          </a:prstGeom>
+        </p:spPr>
+      </p:pic>
+      <p:sp>
+        <p:nvSpPr>
+          <p:cNvPr id="7" name="Symbol zastępczy zawartości 1"/>
+          <p:cNvSpPr txBox="1">
+            <a:spLocks/>
+          </p:cNvSpPr>
+          <p:nvPr/>
+        </p:nvSpPr>
+        <p:spPr>
+          <a:xfrm>
+            <a:off x="467544" y="1412776"/>
+            <a:ext cx="8229600" cy="4525963"/>
+          </a:xfrm>
+          <a:prstGeom prst="rect">
+            <a:avLst/>
+          </a:prstGeom>
+        </p:spPr>
+        <p:txBody>
+          <a:bodyPr vert="horz" anchor="ctr">
+            <a:normAutofit/>
+          </a:bodyPr>
+          <a:lstStyle>
+            <a:lvl1pPr marL="365760" indent="-256032" algn="l" rtl="0" eaLnBrk="1" latinLnBrk="0" hangingPunct="1">
+              <a:spcBef>
+                <a:spcPts val="400"/>
+              </a:spcBef>
+              <a:spcAft>
+                <a:spcPts val="0"/>
+              </a:spcAft>
+              <a:buClr>
+                <a:schemeClr val="accent1"/>
+              </a:buClr>
+              <a:buSzPct val="68000"/>
+              <a:buFont typeface="Wingdings 3"/>
+              <a:buChar char=""/>
+              <a:defRPr kumimoji="0" sz="2700" kern="1200">
+                <a:solidFill>
+                  <a:schemeClr val="tx1"/>
+                </a:solidFill>
+                <a:latin typeface="+mn-lt"/>
+                <a:ea typeface="+mn-ea"/>
+                <a:cs typeface="+mn-cs"/>
+              </a:defRPr>
+            </a:lvl1pPr>
+            <a:lvl2pPr marL="621792" indent="-228600" algn="l" rtl="0" eaLnBrk="1" latinLnBrk="0" hangingPunct="1">
+              <a:spcBef>
+                <a:spcPts val="324"/>
+              </a:spcBef>
+              <a:buClr>
+                <a:schemeClr val="accent1"/>
+              </a:buClr>
+              <a:buFont typeface="Verdana"/>
+              <a:buChar char="◦"/>
+              <a:defRPr kumimoji="0" sz="2300" kern="1200">
+                <a:solidFill>
+                  <a:schemeClr val="tx1"/>
+                </a:solidFill>
+                <a:latin typeface="+mn-lt"/>
+                <a:ea typeface="+mn-ea"/>
+                <a:cs typeface="+mn-cs"/>
+              </a:defRPr>
+            </a:lvl2pPr>
+            <a:lvl3pPr marL="859536" indent="-228600" algn="l" rtl="0" eaLnBrk="1" latinLnBrk="0" hangingPunct="1">
+              <a:spcBef>
+                <a:spcPts val="350"/>
+              </a:spcBef>
+              <a:buClr>
+                <a:schemeClr val="accent2"/>
+              </a:buClr>
+              <a:buSzPct val="100000"/>
+              <a:buFont typeface="Wingdings 2"/>
+              <a:buChar char=""/>
+              <a:defRPr kumimoji="0" sz="2100" kern="1200">
+                <a:solidFill>
+                  <a:schemeClr val="tx1"/>
+                </a:solidFill>
+                <a:latin typeface="+mn-lt"/>
+                <a:ea typeface="+mn-ea"/>
+                <a:cs typeface="+mn-cs"/>
+              </a:defRPr>
+            </a:lvl3pPr>
+            <a:lvl4pPr marL="1143000" indent="-228600" algn="l" rtl="0" eaLnBrk="1" latinLnBrk="0" hangingPunct="1">
+              <a:spcBef>
+                <a:spcPts val="350"/>
+              </a:spcBef>
+              <a:buClr>
+                <a:schemeClr val="accent2"/>
+              </a:buClr>
+              <a:buFont typeface="Wingdings 2"/>
+              <a:buChar char=""/>
+              <a:defRPr kumimoji="0" sz="1900" kern="1200">
+                <a:solidFill>
+                  <a:schemeClr val="tx1"/>
+                </a:solidFill>
+                <a:latin typeface="+mn-lt"/>
+                <a:ea typeface="+mn-ea"/>
+                <a:cs typeface="+mn-cs"/>
+              </a:defRPr>
+            </a:lvl4pPr>
+            <a:lvl5pPr marL="1371600" indent="-228600" algn="l" rtl="0" eaLnBrk="1" latinLnBrk="0" hangingPunct="1">
+              <a:spcBef>
+                <a:spcPts val="350"/>
+              </a:spcBef>
+              <a:buClr>
+                <a:schemeClr val="accent2"/>
+              </a:buClr>
+              <a:buFont typeface="Wingdings 2"/>
+              <a:buChar char=""/>
+              <a:defRPr kumimoji="0" sz="1800" kern="1200">
+                <a:solidFill>
+                  <a:schemeClr val="tx1"/>
+                </a:solidFill>
+                <a:latin typeface="+mn-lt"/>
+                <a:ea typeface="+mn-ea"/>
+                <a:cs typeface="+mn-cs"/>
+              </a:defRPr>
+            </a:lvl5pPr>
+            <a:lvl6pPr marL="1600200" indent="-228600" algn="l" rtl="0" eaLnBrk="1" latinLnBrk="0" hangingPunct="1">
+              <a:spcBef>
+                <a:spcPts val="350"/>
+              </a:spcBef>
+              <a:buClr>
+                <a:schemeClr val="accent3"/>
+              </a:buClr>
+              <a:buFont typeface="Wingdings 2"/>
+              <a:buChar char=""/>
+              <a:defRPr kumimoji="0" sz="1800" kern="1200">
+                <a:solidFill>
+                  <a:schemeClr val="tx1"/>
+                </a:solidFill>
+                <a:latin typeface="+mn-lt"/>
+                <a:ea typeface="+mn-ea"/>
+                <a:cs typeface="+mn-cs"/>
+              </a:defRPr>
+            </a:lvl6pPr>
+            <a:lvl7pPr marL="1828800" indent="-228600" algn="l" rtl="0" eaLnBrk="1" latinLnBrk="0" hangingPunct="1">
+              <a:spcBef>
+                <a:spcPts val="350"/>
+              </a:spcBef>
+              <a:buClr>
+                <a:schemeClr val="accent3"/>
+              </a:buClr>
+              <a:buFont typeface="Wingdings 2"/>
+              <a:buChar char=""/>
+              <a:defRPr kumimoji="0" sz="1600" kern="1200">
+                <a:solidFill>
+                  <a:schemeClr val="tx1"/>
+                </a:solidFill>
+                <a:latin typeface="+mn-lt"/>
+                <a:ea typeface="+mn-ea"/>
+                <a:cs typeface="+mn-cs"/>
+              </a:defRPr>
+            </a:lvl7pPr>
+            <a:lvl8pPr marL="2057400" indent="-228600" algn="l" rtl="0" eaLnBrk="1" latinLnBrk="0" hangingPunct="1">
+              <a:spcBef>
+                <a:spcPts val="350"/>
+              </a:spcBef>
+              <a:buClr>
+                <a:schemeClr val="accent3"/>
+              </a:buClr>
+              <a:buFont typeface="Wingdings 2"/>
+              <a:buChar char=""/>
+              <a:defRPr kumimoji="0" sz="1600" kern="1200">
+                <a:solidFill>
+                  <a:schemeClr val="tx1"/>
+                </a:solidFill>
+                <a:latin typeface="+mn-lt"/>
+                <a:ea typeface="+mn-ea"/>
+                <a:cs typeface="+mn-cs"/>
+              </a:defRPr>
+            </a:lvl8pPr>
+            <a:lvl9pPr marL="2286000" indent="-228600" algn="l" rtl="0" eaLnBrk="1" latinLnBrk="0" hangingPunct="1">
+              <a:spcBef>
+                <a:spcPts val="350"/>
+              </a:spcBef>
+              <a:buClr>
+                <a:schemeClr val="accent3"/>
+              </a:buClr>
+              <a:buFont typeface="Wingdings 2"/>
+              <a:buChar char=""/>
+              <a:defRPr kumimoji="0" sz="1600" kern="1200" baseline="0">
+                <a:solidFill>
+                  <a:schemeClr val="tx1"/>
+                </a:solidFill>
+                <a:latin typeface="+mn-lt"/>
+                <a:ea typeface="+mn-ea"/>
+                <a:cs typeface="+mn-cs"/>
+              </a:defRPr>
+            </a:lvl9pPr>
+            <a:extLst/>
+          </a:lstStyle>
+          <a:p>
+            <a:pPr marL="109728" indent="0" algn="ctr">
+              <a:buFont typeface="Wingdings 3"/>
+              <a:buNone/>
+            </a:pPr>
+            <a:r>
+              <a:rPr lang="pl-PL" b="1" i="1" dirty="0" smtClean="0"/>
+              <a:t>DEMO</a:t>
+            </a:r>
+            <a:endParaRPr lang="pl-PL" b="1" i="1" dirty="0"/>
+          </a:p>
+        </p:txBody>
+      </p:sp>
+    </p:spTree>
+    <p:extLst>
+      <p:ext uri="{BB962C8B-B14F-4D97-AF65-F5344CB8AC3E}">
+        <p14:creationId xmlns:p14="http://schemas.microsoft.com/office/powerpoint/2010/main" val="3474143783"/>
+      </p:ext>
+    </p:extLst>
+  </p:cSld>
+  <p:clrMapOvr>
+    <a:masterClrMapping/>
+  </p:clrMapOvr>
+  <p:timing>
+    <p:tnLst>
+      <p:par>
+        <p:cTn id="1" dur="indefinite" restart="never" nodeType="tmRoot"/>
+      </p:par>
+    </p:tnLst>
+  </p:timing>
+</p:sld>
+</file>
+
 <file path=ppt/slides/slide24.xml><?xml version="1.0" encoding="utf-8"?>
 <p:sld xmlns:a="http://schemas.openxmlformats.org/drawingml/2006/main" xmlns:r="http://schemas.openxmlformats.org/officeDocument/2006/relationships" xmlns:p="http://schemas.openxmlformats.org/presentationml/2006/main">
   <p:cSld>
@@ -11869,12 +11590,8 @@
           <a:p>
             <a:pPr lvl="1"/>
             <a:r>
-              <a:rPr lang="pl-PL" dirty="0" err="1" smtClean="0"/>
-              <a:t>string</a:t>
-            </a:r>
-            <a:r>
               <a:rPr lang="pl-PL" dirty="0" smtClean="0"/>
-              <a:t>  -&gt; </a:t>
+              <a:t>string  -&gt; </a:t>
             </a:r>
             <a:r>
               <a:rPr lang="pl-PL" dirty="0" err="1" smtClean="0"/>
@@ -11882,7 +11599,11 @@
             </a:r>
             <a:r>
               <a:rPr lang="pl-PL" dirty="0" smtClean="0"/>
-              <a:t>(4000) (</a:t>
+              <a:t>(max) </a:t>
+            </a:r>
+            <a:r>
+              <a:rPr lang="pl-PL" dirty="0" smtClean="0"/>
+              <a:t>(</a:t>
             </a:r>
             <a:r>
               <a:rPr lang="pl-PL" dirty="0" err="1" smtClean="0"/>
@@ -11890,15 +11611,7 @@
             </a:r>
             <a:r>
               <a:rPr lang="pl-PL" dirty="0" smtClean="0"/>
-              <a:t> </a:t>
-            </a:r>
-            <a:r>
-              <a:rPr lang="pl-PL" dirty="0" err="1" smtClean="0"/>
-              <a:t>Provider</a:t>
-            </a:r>
-            <a:r>
-              <a:rPr lang="pl-PL" dirty="0" smtClean="0"/>
-              <a:t>)</a:t>
+              <a:t> Provider)</a:t>
             </a:r>
           </a:p>
           <a:p>
@@ -12758,18 +12471,18 @@
               <a:buNone/>
             </a:pPr>
             <a:r>
-              <a:rPr lang="pl-PL" b="1" dirty="0" err="1" smtClean="0"/>
+              <a:rPr lang="pl-PL" sz="3600" b="1" dirty="0" err="1" smtClean="0"/>
               <a:t>Entity</a:t>
             </a:r>
             <a:r>
-              <a:rPr lang="pl-PL" b="1" dirty="0" smtClean="0"/>
+              <a:rPr lang="pl-PL" sz="3600" b="1" dirty="0" smtClean="0"/>
               <a:t> Framework </a:t>
             </a:r>
             <a:br>
-              <a:rPr lang="pl-PL" b="1" dirty="0" smtClean="0"/>
+              <a:rPr lang="pl-PL" sz="3600" b="1" dirty="0" smtClean="0"/>
             </a:br>
             <a:r>
-              <a:rPr lang="pl-PL" dirty="0" smtClean="0"/>
+              <a:rPr lang="pl-PL" sz="3600" dirty="0" smtClean="0"/>
               <a:t>≠</a:t>
             </a:r>
           </a:p>
@@ -12778,18 +12491,18 @@
               <a:buNone/>
             </a:pPr>
             <a:r>
-              <a:rPr lang="pl-PL" b="1" dirty="0" err="1" smtClean="0"/>
+              <a:rPr lang="pl-PL" sz="3600" b="1" dirty="0" err="1" smtClean="0"/>
               <a:t>Entity</a:t>
             </a:r>
             <a:r>
-              <a:rPr lang="pl-PL" b="1" dirty="0" smtClean="0"/>
+              <a:rPr lang="pl-PL" sz="3600" b="1" dirty="0" smtClean="0"/>
               <a:t> Framework </a:t>
             </a:r>
             <a:r>
-              <a:rPr lang="pl-PL" b="1" dirty="0" err="1" smtClean="0"/>
+              <a:rPr lang="pl-PL" sz="3600" b="1" dirty="0" err="1" smtClean="0"/>
               <a:t>Core</a:t>
             </a:r>
-            <a:endParaRPr lang="pl-PL" b="1" dirty="0"/>
+            <a:endParaRPr lang="pl-PL" sz="3600" b="1" dirty="0"/>
           </a:p>
         </p:txBody>
       </p:sp>
@@ -12806,25 +12519,30 @@
         <p:spPr/>
         <p:txBody>
           <a:bodyPr>
-            <a:normAutofit fontScale="90000"/>
+            <a:noAutofit/>
           </a:bodyPr>
           <a:lstStyle/>
           <a:p>
             <a:pPr marL="624078" indent="-514350"/>
             <a:r>
-              <a:rPr lang="pl-PL" sz="4400" dirty="0" smtClean="0"/>
-              <a:t>Wprowadzenie do </a:t>
-            </a:r>
-            <a:br>
-              <a:rPr lang="pl-PL" sz="4400" dirty="0" smtClean="0"/>
-            </a:br>
-            <a:r>
-              <a:rPr lang="pl-PL" sz="4400" dirty="0" err="1" smtClean="0"/>
+              <a:rPr lang="pl-PL" sz="3600" dirty="0" smtClean="0"/>
+              <a:t>Wprowadzenie </a:t>
+            </a:r>
+            <a:r>
+              <a:rPr lang="pl-PL" sz="3600" dirty="0" smtClean="0"/>
+              <a:t>do </a:t>
+            </a:r>
+            <a:r>
+              <a:rPr lang="pl-PL" sz="3600" dirty="0" err="1" smtClean="0"/>
               <a:t>Entity</a:t>
             </a:r>
             <a:r>
-              <a:rPr lang="pl-PL" sz="4400" dirty="0" smtClean="0"/>
-              <a:t> Framework</a:t>
+              <a:rPr lang="pl-PL" sz="3600" dirty="0" smtClean="0"/>
+              <a:t> </a:t>
+            </a:r>
+            <a:r>
+              <a:rPr lang="pl-PL" sz="3600" dirty="0" smtClean="0"/>
+              <a:t>Framework</a:t>
             </a:r>
           </a:p>
         </p:txBody>
@@ -12982,16 +12700,7 @@
                 </a:solidFill>
                 <a:latin typeface="Arial"/>
               </a:rPr>
-              <a:t>umożliwiają wdrażanie zmian / inicjalizowanie bazy w </a:t>
-            </a:r>
-            <a:r>
-              <a:rPr lang="pl-PL" sz="2400" dirty="0" err="1" smtClean="0">
-                <a:solidFill>
-                  <a:srgbClr val="242729"/>
-                </a:solidFill>
-                <a:latin typeface="Arial"/>
-              </a:rPr>
-              <a:t>runtime</a:t>
+              <a:t>umożliwiają wdrażanie zmian / inicjalizowanie bazy </a:t>
             </a:r>
             <a:r>
               <a:rPr lang="pl-PL" sz="2400" dirty="0" smtClean="0">
@@ -13000,7 +12709,7 @@
                 </a:solidFill>
                 <a:latin typeface="Arial"/>
               </a:rPr>
-              <a:t> wg obranej strategii</a:t>
+              <a:t>wg obranej strategii</a:t>
             </a:r>
           </a:p>
           <a:p>
@@ -13040,7 +12749,16 @@
                 </a:solidFill>
                 <a:latin typeface="inherit"/>
               </a:rPr>
-              <a:t>    public</a:t>
+              <a:t>    </a:t>
+            </a:r>
+            <a:r>
+              <a:rPr lang="pl-PL" sz="1800" dirty="0" smtClean="0">
+                <a:solidFill>
+                  <a:srgbClr val="101094"/>
+                </a:solidFill>
+                <a:latin typeface="inherit"/>
+              </a:rPr>
+              <a:t>public</a:t>
             </a:r>
             <a:r>
               <a:rPr lang="pl-PL" sz="1800" dirty="0" smtClean="0">
@@ -13237,7 +12955,7 @@
               <a:t>SetInitializer</a:t>
             </a:r>
             <a:r>
-              <a:rPr lang="pl-PL" sz="1800" dirty="0" err="1" smtClean="0">
+              <a:rPr lang="pl-PL" sz="1800" dirty="0" smtClean="0">
                 <a:solidFill>
                   <a:srgbClr val="303336"/>
                 </a:solidFill>
@@ -13252,16 +12970,7 @@
                 </a:solidFill>
                 <a:latin typeface="inherit"/>
               </a:rPr>
-              <a:t>ne</a:t>
-            </a:r>
-            <a:r>
-              <a:rPr lang="pl-PL" sz="1800" dirty="0" smtClean="0">
-                <a:solidFill>
-                  <a:srgbClr val="101094"/>
-                </a:solidFill>
-                <a:latin typeface="inherit"/>
-              </a:rPr>
-              <a:t>w</a:t>
+              <a:t>new</a:t>
             </a:r>
             <a:r>
               <a:rPr lang="pl-PL" sz="1800" dirty="0" smtClean="0">
@@ -13282,7 +12991,7 @@
               <a:t>MigrateDatabaseToLatestVersion</a:t>
             </a:r>
             <a:r>
-              <a:rPr lang="pl-PL" sz="1800" dirty="0" err="1" smtClean="0">
+              <a:rPr lang="pl-PL" sz="1800" dirty="0" smtClean="0">
                 <a:solidFill>
                   <a:srgbClr val="303336"/>
                 </a:solidFill>
@@ -13547,6 +13256,22 @@
             <a:endParaRPr lang="pl-PL" dirty="0" smtClean="0"/>
           </a:p>
           <a:p>
+            <a:pPr lvl="1"/>
+            <a:r>
+              <a:rPr lang="pl-PL" dirty="0" err="1"/>
+              <a:t>MigrateDatabaseToLatestVersion</a:t>
+            </a:r>
+            <a:endParaRPr lang="pl-PL" dirty="0" smtClean="0"/>
+          </a:p>
+          <a:p>
+            <a:pPr lvl="1"/>
+            <a:r>
+              <a:rPr lang="pl-PL" dirty="0" err="1"/>
+              <a:t>NullDatabaseInitializer</a:t>
+            </a:r>
+            <a:endParaRPr lang="pl-PL" dirty="0" smtClean="0"/>
+          </a:p>
+          <a:p>
             <a:r>
               <a:rPr lang="pl-PL" dirty="0" smtClean="0"/>
               <a:t>Możliwość tworzenia własnych strategii </a:t>
@@ -13556,7 +13281,23 @@
             </a:br>
             <a:r>
               <a:rPr lang="pl-PL" dirty="0" smtClean="0"/>
-              <a:t>(np. przez dziedziczenie)</a:t>
+              <a:t>(</a:t>
+            </a:r>
+            <a:r>
+              <a:rPr lang="pl-PL" dirty="0" err="1" smtClean="0"/>
+              <a:t>w.w</a:t>
+            </a:r>
+            <a:r>
+              <a:rPr lang="pl-PL" dirty="0" smtClean="0"/>
+              <a:t>. lub </a:t>
+            </a:r>
+            <a:r>
+              <a:rPr lang="pl-PL" dirty="0" err="1" smtClean="0"/>
+              <a:t>IDatabaseInitializer</a:t>
+            </a:r>
+            <a:r>
+              <a:rPr lang="pl-PL" dirty="0" smtClean="0"/>
+              <a:t>)</a:t>
             </a:r>
             <a:r>
               <a:rPr lang="pl-PL" dirty="0"/>
@@ -14277,7 +14018,6 @@
               <a:rPr lang="pl-PL" dirty="0"/>
               <a:t>http://entityframework-plus.net/</a:t>
             </a:r>
-            <a:endParaRPr lang="pl-PL" dirty="0"/>
           </a:p>
         </p:txBody>
       </p:sp>
@@ -14649,26 +14389,24 @@
         <p:spPr/>
         <p:txBody>
           <a:bodyPr>
-            <a:normAutofit fontScale="90000"/>
+            <a:normAutofit/>
           </a:bodyPr>
           <a:lstStyle/>
           <a:p>
             <a:pPr marL="624078" indent="-514350"/>
             <a:r>
-              <a:rPr lang="pl-PL" sz="4400" dirty="0" smtClean="0"/>
+              <a:rPr lang="pl-PL" sz="3600" dirty="0"/>
               <a:t>Wprowadzenie do </a:t>
             </a:r>
-            <a:br>
-              <a:rPr lang="pl-PL" sz="4400" dirty="0" smtClean="0"/>
-            </a:br>
-            <a:r>
-              <a:rPr lang="pl-PL" sz="4400" dirty="0" err="1" smtClean="0"/>
+            <a:r>
+              <a:rPr lang="pl-PL" sz="3600" dirty="0" err="1"/>
               <a:t>Entity</a:t>
             </a:r>
             <a:r>
-              <a:rPr lang="pl-PL" sz="4400" dirty="0" smtClean="0"/>
+              <a:rPr lang="pl-PL" sz="3600" dirty="0"/>
               <a:t> Framework</a:t>
             </a:r>
+            <a:endParaRPr lang="pl-PL" sz="3600" dirty="0" smtClean="0"/>
           </a:p>
         </p:txBody>
       </p:sp>
@@ -14832,26 +14570,36 @@
         <p:spPr/>
         <p:txBody>
           <a:bodyPr>
-            <a:normAutofit fontScale="90000"/>
+            <a:normAutofit/>
           </a:bodyPr>
           <a:lstStyle/>
           <a:p>
             <a:pPr marL="624078" indent="-514350"/>
             <a:r>
-              <a:rPr lang="pl-PL" sz="4400" dirty="0" smtClean="0"/>
+              <a:rPr lang="pl-PL" sz="3600" dirty="0">
+                <a:solidFill>
+                  <a:srgbClr val="464646"/>
+                </a:solidFill>
+              </a:rPr>
               <a:t>Wprowadzenie do </a:t>
             </a:r>
-            <a:br>
-              <a:rPr lang="pl-PL" sz="4400" dirty="0" smtClean="0"/>
-            </a:br>
-            <a:r>
-              <a:rPr lang="pl-PL" sz="4400" dirty="0" err="1" smtClean="0"/>
+            <a:r>
+              <a:rPr lang="pl-PL" sz="3600" dirty="0" err="1">
+                <a:solidFill>
+                  <a:srgbClr val="464646"/>
+                </a:solidFill>
+              </a:rPr>
               <a:t>Entity</a:t>
             </a:r>
             <a:r>
-              <a:rPr lang="pl-PL" sz="4400" dirty="0" smtClean="0"/>
+              <a:rPr lang="pl-PL" sz="3600" dirty="0">
+                <a:solidFill>
+                  <a:srgbClr val="464646"/>
+                </a:solidFill>
+              </a:rPr>
               <a:t> Framework</a:t>
             </a:r>
+            <a:endParaRPr lang="pl-PL" sz="4400" dirty="0" smtClean="0"/>
           </a:p>
         </p:txBody>
       </p:sp>

--- a/ItKrd_EF.pptx
+++ b/ItKrd_EF.pptx
@@ -5,7 +5,7 @@
     <p:sldMasterId id="2147483672" r:id="rId1"/>
   </p:sldMasterIdLst>
   <p:notesMasterIdLst>
-    <p:notesMasterId r:id="rId37"/>
+    <p:notesMasterId r:id="rId40"/>
   </p:notesMasterIdLst>
   <p:sldIdLst>
     <p:sldId id="259" r:id="rId2"/>
@@ -13,11 +13,11 @@
     <p:sldId id="363" r:id="rId4"/>
     <p:sldId id="357" r:id="rId5"/>
     <p:sldId id="358" r:id="rId6"/>
-    <p:sldId id="341" r:id="rId7"/>
-    <p:sldId id="349" r:id="rId8"/>
-    <p:sldId id="359" r:id="rId9"/>
-    <p:sldId id="360" r:id="rId10"/>
-    <p:sldId id="361" r:id="rId11"/>
+    <p:sldId id="349" r:id="rId7"/>
+    <p:sldId id="359" r:id="rId8"/>
+    <p:sldId id="360" r:id="rId9"/>
+    <p:sldId id="361" r:id="rId10"/>
+    <p:sldId id="368" r:id="rId11"/>
     <p:sldId id="346" r:id="rId12"/>
     <p:sldId id="345" r:id="rId13"/>
     <p:sldId id="364" r:id="rId14"/>
@@ -28,21 +28,24 @@
     <p:sldId id="337" r:id="rId19"/>
     <p:sldId id="340" r:id="rId20"/>
     <p:sldId id="347" r:id="rId21"/>
-    <p:sldId id="338" r:id="rId22"/>
-    <p:sldId id="366" r:id="rId23"/>
-    <p:sldId id="367" r:id="rId24"/>
-    <p:sldId id="365" r:id="rId25"/>
-    <p:sldId id="348" r:id="rId26"/>
-    <p:sldId id="356" r:id="rId27"/>
-    <p:sldId id="355" r:id="rId28"/>
-    <p:sldId id="350" r:id="rId29"/>
-    <p:sldId id="351" r:id="rId30"/>
-    <p:sldId id="352" r:id="rId31"/>
-    <p:sldId id="353" r:id="rId32"/>
-    <p:sldId id="354" r:id="rId33"/>
-    <p:sldId id="273" r:id="rId34"/>
-    <p:sldId id="265" r:id="rId35"/>
-    <p:sldId id="312" r:id="rId36"/>
+    <p:sldId id="369" r:id="rId22"/>
+    <p:sldId id="338" r:id="rId23"/>
+    <p:sldId id="366" r:id="rId24"/>
+    <p:sldId id="367" r:id="rId25"/>
+    <p:sldId id="365" r:id="rId26"/>
+    <p:sldId id="348" r:id="rId27"/>
+    <p:sldId id="370" r:id="rId28"/>
+    <p:sldId id="371" r:id="rId29"/>
+    <p:sldId id="356" r:id="rId30"/>
+    <p:sldId id="355" r:id="rId31"/>
+    <p:sldId id="350" r:id="rId32"/>
+    <p:sldId id="351" r:id="rId33"/>
+    <p:sldId id="352" r:id="rId34"/>
+    <p:sldId id="353" r:id="rId35"/>
+    <p:sldId id="354" r:id="rId36"/>
+    <p:sldId id="273" r:id="rId37"/>
+    <p:sldId id="265" r:id="rId38"/>
+    <p:sldId id="312" r:id="rId39"/>
   </p:sldIdLst>
   <p:sldSz cx="9144000" cy="6858000" type="screen4x3"/>
   <p:notesSz cx="6858000" cy="9144000"/>
@@ -143,7 +146,7 @@
   </p:defaultTextStyle>
   <p:extLst>
     <p:ext uri="{521415D9-36F7-43E2-AB2F-B90AF26B5E84}">
-      <p14:sectionLst xmlns:p14="http://schemas.microsoft.com/office/powerpoint/2010/main">
+      <p14:sectionLst xmlns:p14="http://schemas.microsoft.com/office/powerpoint/2010/main" xmlns="">
         <p14:section name="Sekcja domyślna" id="{3BC6E1D2-328C-41CB-9057-F3B961AC0247}">
           <p14:sldIdLst/>
         </p14:section>
@@ -275,7 +278,7 @@
             <a:fld id="{BA253BF4-6D38-4006-9F12-A6653E7283E6}" type="datetimeFigureOut">
               <a:rPr lang="pl-PL" smtClean="0"/>
               <a:pPr/>
-              <a:t>14.06.2018</a:t>
+              <a:t>2018-06-14</a:t>
             </a:fld>
             <a:endParaRPr lang="pl-PL"/>
           </a:p>
@@ -444,7 +447,7 @@
     </p:spTree>
     <p:extLst>
       <p:ext uri="{BB962C8B-B14F-4D97-AF65-F5344CB8AC3E}">
-        <p14:creationId xmlns:p14="http://schemas.microsoft.com/office/powerpoint/2010/main" val="369149221"/>
+        <p14:creationId xmlns:p14="http://schemas.microsoft.com/office/powerpoint/2010/main" xmlns="" val="369149221"/>
       </p:ext>
     </p:extLst>
   </p:cSld>
@@ -619,7 +622,7 @@
     </p:spTree>
     <p:extLst>
       <p:ext uri="{BB962C8B-B14F-4D97-AF65-F5344CB8AC3E}">
-        <p14:creationId xmlns:p14="http://schemas.microsoft.com/office/powerpoint/2010/main" val="1294036258"/>
+        <p14:creationId xmlns:p14="http://schemas.microsoft.com/office/powerpoint/2010/main" xmlns="" val="1294036258"/>
       </p:ext>
     </p:extLst>
   </p:cSld>
@@ -677,9 +680,12 @@
           <a:p>
             <a:pPr>
               <a:buFontTx/>
-              <a:buChar char="-"/>
+              <a:buNone/>
             </a:pPr>
-            <a:endParaRPr lang="pl-PL" baseline="0" dirty="0" smtClean="0"/>
+            <a:r>
+              <a:rPr lang="pl-PL" baseline="0" dirty="0" smtClean="0"/>
+              <a:t>s</a:t>
+            </a:r>
           </a:p>
         </p:txBody>
       </p:sp>
@@ -701,7 +707,7 @@
             <a:fld id="{70356EB1-0873-493D-B649-9A936806DB67}" type="slidenum">
               <a:rPr lang="pl-PL" smtClean="0"/>
               <a:pPr/>
-              <a:t>11</a:t>
+              <a:t>10</a:t>
             </a:fld>
             <a:endParaRPr lang="pl-PL"/>
           </a:p>
@@ -763,7 +769,7 @@
           <a:p>
             <a:pPr>
               <a:buFontTx/>
-              <a:buNone/>
+              <a:buChar char="-"/>
             </a:pPr>
             <a:endParaRPr lang="pl-PL" baseline="0" dirty="0" smtClean="0"/>
           </a:p>
@@ -787,7 +793,7 @@
             <a:fld id="{70356EB1-0873-493D-B649-9A936806DB67}" type="slidenum">
               <a:rPr lang="pl-PL" smtClean="0"/>
               <a:pPr/>
-              <a:t>12</a:t>
+              <a:t>11</a:t>
             </a:fld>
             <a:endParaRPr lang="pl-PL"/>
           </a:p>
@@ -873,7 +879,7 @@
             <a:fld id="{70356EB1-0873-493D-B649-9A936806DB67}" type="slidenum">
               <a:rPr lang="pl-PL" smtClean="0"/>
               <a:pPr/>
-              <a:t>13</a:t>
+              <a:t>12</a:t>
             </a:fld>
             <a:endParaRPr lang="pl-PL"/>
           </a:p>
@@ -959,7 +965,7 @@
             <a:fld id="{70356EB1-0873-493D-B649-9A936806DB67}" type="slidenum">
               <a:rPr lang="pl-PL" smtClean="0"/>
               <a:pPr/>
-              <a:t>14</a:t>
+              <a:t>13</a:t>
             </a:fld>
             <a:endParaRPr lang="pl-PL"/>
           </a:p>
@@ -1021,26 +1027,9 @@
           <a:p>
             <a:pPr>
               <a:buFontTx/>
-              <a:buChar char="-"/>
+              <a:buNone/>
             </a:pPr>
-            <a:r>
-              <a:rPr lang="pl-PL" dirty="0" smtClean="0"/>
-              <a:t> Program jest </a:t>
-            </a:r>
-            <a:r>
-              <a:rPr lang="pl-PL" baseline="0" dirty="0" smtClean="0"/>
-              <a:t>zbiorem klas i struktur</a:t>
-            </a:r>
-          </a:p>
-          <a:p>
-            <a:pPr>
-              <a:buFontTx/>
-              <a:buChar char="-"/>
-            </a:pPr>
-            <a:r>
-              <a:rPr lang="pl-PL" baseline="0" dirty="0" smtClean="0"/>
-              <a:t> Jakakolwiek logika jest zawarta w którymś z tych bytów</a:t>
-            </a:r>
+            <a:endParaRPr lang="pl-PL" baseline="0" dirty="0" smtClean="0"/>
           </a:p>
         </p:txBody>
       </p:sp>
@@ -1062,7 +1051,7 @@
             <a:fld id="{70356EB1-0873-493D-B649-9A936806DB67}" type="slidenum">
               <a:rPr lang="pl-PL" smtClean="0"/>
               <a:pPr/>
-              <a:t>15</a:t>
+              <a:t>14</a:t>
             </a:fld>
             <a:endParaRPr lang="pl-PL"/>
           </a:p>
@@ -1165,7 +1154,7 @@
             <a:fld id="{70356EB1-0873-493D-B649-9A936806DB67}" type="slidenum">
               <a:rPr lang="pl-PL" smtClean="0"/>
               <a:pPr/>
-              <a:t>16</a:t>
+              <a:t>15</a:t>
             </a:fld>
             <a:endParaRPr lang="pl-PL"/>
           </a:p>
@@ -1227,9 +1216,9 @@
           <a:p>
             <a:pPr>
               <a:buFontTx/>
-              <a:buNone/>
+              <a:buChar char="-"/>
             </a:pPr>
-            <a:endParaRPr lang="pl-PL" baseline="0" smtClean="0"/>
+            <a:endParaRPr lang="pl-PL" baseline="0" dirty="0" smtClean="0"/>
           </a:p>
         </p:txBody>
       </p:sp>
@@ -1251,7 +1240,7 @@
             <a:fld id="{70356EB1-0873-493D-B649-9A936806DB67}" type="slidenum">
               <a:rPr lang="pl-PL" smtClean="0"/>
               <a:pPr/>
-              <a:t>17</a:t>
+              <a:t>16</a:t>
             </a:fld>
             <a:endParaRPr lang="pl-PL"/>
           </a:p>
@@ -1313,26 +1302,9 @@
           <a:p>
             <a:pPr>
               <a:buFontTx/>
-              <a:buChar char="-"/>
+              <a:buNone/>
             </a:pPr>
-            <a:r>
-              <a:rPr lang="pl-PL" dirty="0" smtClean="0"/>
-              <a:t> Program jest </a:t>
-            </a:r>
-            <a:r>
-              <a:rPr lang="pl-PL" baseline="0" dirty="0" smtClean="0"/>
-              <a:t>zbiorem klas i struktur</a:t>
-            </a:r>
-          </a:p>
-          <a:p>
-            <a:pPr>
-              <a:buFontTx/>
-              <a:buChar char="-"/>
-            </a:pPr>
-            <a:r>
-              <a:rPr lang="pl-PL" baseline="0" dirty="0" smtClean="0"/>
-              <a:t> Jakakolwiek logika jest zawarta w którymś z tych bytów</a:t>
-            </a:r>
+            <a:endParaRPr lang="pl-PL" baseline="0" smtClean="0"/>
           </a:p>
         </p:txBody>
       </p:sp>
@@ -1354,7 +1326,7 @@
             <a:fld id="{70356EB1-0873-493D-B649-9A936806DB67}" type="slidenum">
               <a:rPr lang="pl-PL" smtClean="0"/>
               <a:pPr/>
-              <a:t>18</a:t>
+              <a:t>17</a:t>
             </a:fld>
             <a:endParaRPr lang="pl-PL"/>
           </a:p>
@@ -1416,26 +1388,9 @@
           <a:p>
             <a:pPr>
               <a:buFontTx/>
-              <a:buChar char="-"/>
+              <a:buNone/>
             </a:pPr>
-            <a:r>
-              <a:rPr lang="pl-PL" dirty="0" smtClean="0"/>
-              <a:t> Program jest </a:t>
-            </a:r>
-            <a:r>
-              <a:rPr lang="pl-PL" baseline="0" dirty="0" smtClean="0"/>
-              <a:t>zbiorem klas i struktur</a:t>
-            </a:r>
-          </a:p>
-          <a:p>
-            <a:pPr>
-              <a:buFontTx/>
-              <a:buChar char="-"/>
-            </a:pPr>
-            <a:r>
-              <a:rPr lang="pl-PL" baseline="0" dirty="0" smtClean="0"/>
-              <a:t> Jakakolwiek logika jest zawarta w którymś z tych bytów</a:t>
-            </a:r>
+            <a:endParaRPr lang="pl-PL" baseline="0" dirty="0" smtClean="0"/>
           </a:p>
         </p:txBody>
       </p:sp>
@@ -1457,7 +1412,7 @@
             <a:fld id="{70356EB1-0873-493D-B649-9A936806DB67}" type="slidenum">
               <a:rPr lang="pl-PL" smtClean="0"/>
               <a:pPr/>
-              <a:t>19</a:t>
+              <a:t>18</a:t>
             </a:fld>
             <a:endParaRPr lang="pl-PL"/>
           </a:p>
@@ -1519,9 +1474,26 @@
           <a:p>
             <a:pPr>
               <a:buFontTx/>
-              <a:buNone/>
+              <a:buChar char="-"/>
             </a:pPr>
-            <a:endParaRPr lang="pl-PL" baseline="0" dirty="0" smtClean="0"/>
+            <a:r>
+              <a:rPr lang="pl-PL" dirty="0" smtClean="0"/>
+              <a:t> Program jest </a:t>
+            </a:r>
+            <a:r>
+              <a:rPr lang="pl-PL" baseline="0" dirty="0" smtClean="0"/>
+              <a:t>zbiorem klas i struktur</a:t>
+            </a:r>
+          </a:p>
+          <a:p>
+            <a:pPr>
+              <a:buFontTx/>
+              <a:buChar char="-"/>
+            </a:pPr>
+            <a:r>
+              <a:rPr lang="pl-PL" baseline="0" dirty="0" smtClean="0"/>
+              <a:t> Jakakolwiek logika jest zawarta w którymś z tych bytów</a:t>
+            </a:r>
           </a:p>
         </p:txBody>
       </p:sp>
@@ -1543,7 +1515,7 @@
             <a:fld id="{70356EB1-0873-493D-B649-9A936806DB67}" type="slidenum">
               <a:rPr lang="pl-PL" smtClean="0"/>
               <a:pPr/>
-              <a:t>20</a:t>
+              <a:t>19</a:t>
             </a:fld>
             <a:endParaRPr lang="pl-PL"/>
           </a:p>
@@ -1603,14 +1575,7 @@
           </a:bodyPr>
           <a:lstStyle/>
           <a:p>
-            <a:pPr>
-              <a:buFontTx/>
-              <a:buNone/>
-            </a:pPr>
-            <a:r>
-              <a:rPr lang="pl-PL" baseline="0" dirty="0" smtClean="0"/>
-              <a:t>s</a:t>
-            </a:r>
+            <a:endParaRPr lang="pl-PL" dirty="0"/>
           </a:p>
         </p:txBody>
       </p:sp>
@@ -1632,7 +1597,7 @@
             <a:fld id="{70356EB1-0873-493D-B649-9A936806DB67}" type="slidenum">
               <a:rPr lang="pl-PL" smtClean="0"/>
               <a:pPr/>
-              <a:t>3</a:t>
+              <a:t>2</a:t>
             </a:fld>
             <a:endParaRPr lang="pl-PL"/>
           </a:p>
@@ -1694,7 +1659,7 @@
           <a:p>
             <a:pPr>
               <a:buFontTx/>
-              <a:buChar char="-"/>
+              <a:buNone/>
             </a:pPr>
             <a:endParaRPr lang="pl-PL" baseline="0" dirty="0" smtClean="0"/>
           </a:p>
@@ -1718,7 +1683,7 @@
             <a:fld id="{70356EB1-0873-493D-B649-9A936806DB67}" type="slidenum">
               <a:rPr lang="pl-PL" smtClean="0"/>
               <a:pPr/>
-              <a:t>21</a:t>
+              <a:t>20</a:t>
             </a:fld>
             <a:endParaRPr lang="pl-PL"/>
           </a:p>
@@ -1780,7 +1745,7 @@
           <a:p>
             <a:pPr>
               <a:buFontTx/>
-              <a:buChar char="-"/>
+              <a:buNone/>
             </a:pPr>
             <a:endParaRPr lang="pl-PL" baseline="0" dirty="0" smtClean="0"/>
           </a:p>
@@ -1804,7 +1769,7 @@
             <a:fld id="{70356EB1-0873-493D-B649-9A936806DB67}" type="slidenum">
               <a:rPr lang="pl-PL" smtClean="0"/>
               <a:pPr/>
-              <a:t>22</a:t>
+              <a:t>21</a:t>
             </a:fld>
             <a:endParaRPr lang="pl-PL"/>
           </a:p>
@@ -1890,7 +1855,7 @@
             <a:fld id="{70356EB1-0873-493D-B649-9A936806DB67}" type="slidenum">
               <a:rPr lang="pl-PL" smtClean="0"/>
               <a:pPr/>
-              <a:t>23</a:t>
+              <a:t>22</a:t>
             </a:fld>
             <a:endParaRPr lang="pl-PL"/>
           </a:p>
@@ -1976,7 +1941,7 @@
             <a:fld id="{70356EB1-0873-493D-B649-9A936806DB67}" type="slidenum">
               <a:rPr lang="pl-PL" smtClean="0"/>
               <a:pPr/>
-              <a:t>24</a:t>
+              <a:t>23</a:t>
             </a:fld>
             <a:endParaRPr lang="pl-PL"/>
           </a:p>
@@ -2062,7 +2027,7 @@
             <a:fld id="{70356EB1-0873-493D-B649-9A936806DB67}" type="slidenum">
               <a:rPr lang="pl-PL" smtClean="0"/>
               <a:pPr/>
-              <a:t>25</a:t>
+              <a:t>24</a:t>
             </a:fld>
             <a:endParaRPr lang="pl-PL"/>
           </a:p>
@@ -2148,7 +2113,7 @@
             <a:fld id="{70356EB1-0873-493D-B649-9A936806DB67}" type="slidenum">
               <a:rPr lang="pl-PL" smtClean="0"/>
               <a:pPr/>
-              <a:t>26</a:t>
+              <a:t>25</a:t>
             </a:fld>
             <a:endParaRPr lang="pl-PL"/>
           </a:p>
@@ -2210,7 +2175,7 @@
           <a:p>
             <a:pPr>
               <a:buFontTx/>
-              <a:buNone/>
+              <a:buChar char="-"/>
             </a:pPr>
             <a:endParaRPr lang="pl-PL" baseline="0" dirty="0" smtClean="0"/>
           </a:p>
@@ -2234,7 +2199,7 @@
             <a:fld id="{70356EB1-0873-493D-B649-9A936806DB67}" type="slidenum">
               <a:rPr lang="pl-PL" smtClean="0"/>
               <a:pPr/>
-              <a:t>27</a:t>
+              <a:t>26</a:t>
             </a:fld>
             <a:endParaRPr lang="pl-PL"/>
           </a:p>
@@ -2296,7 +2261,7 @@
           <a:p>
             <a:pPr>
               <a:buFontTx/>
-              <a:buNone/>
+              <a:buChar char="-"/>
             </a:pPr>
             <a:endParaRPr lang="pl-PL" baseline="0" dirty="0" smtClean="0"/>
           </a:p>
@@ -2320,7 +2285,7 @@
             <a:fld id="{70356EB1-0873-493D-B649-9A936806DB67}" type="slidenum">
               <a:rPr lang="pl-PL" smtClean="0"/>
               <a:pPr/>
-              <a:t>28</a:t>
+              <a:t>27</a:t>
             </a:fld>
             <a:endParaRPr lang="pl-PL"/>
           </a:p>
@@ -2382,7 +2347,7 @@
           <a:p>
             <a:pPr>
               <a:buFontTx/>
-              <a:buNone/>
+              <a:buChar char="-"/>
             </a:pPr>
             <a:endParaRPr lang="pl-PL" baseline="0" dirty="0" smtClean="0"/>
           </a:p>
@@ -2406,7 +2371,7 @@
             <a:fld id="{70356EB1-0873-493D-B649-9A936806DB67}" type="slidenum">
               <a:rPr lang="pl-PL" smtClean="0"/>
               <a:pPr/>
-              <a:t>29</a:t>
+              <a:t>28</a:t>
             </a:fld>
             <a:endParaRPr lang="pl-PL"/>
           </a:p>
@@ -2468,7 +2433,7 @@
           <a:p>
             <a:pPr>
               <a:buFontTx/>
-              <a:buNone/>
+              <a:buChar char="-"/>
             </a:pPr>
             <a:endParaRPr lang="pl-PL" baseline="0" dirty="0" smtClean="0"/>
           </a:p>
@@ -2492,7 +2457,7 @@
             <a:fld id="{70356EB1-0873-493D-B649-9A936806DB67}" type="slidenum">
               <a:rPr lang="pl-PL" smtClean="0"/>
               <a:pPr/>
-              <a:t>30</a:t>
+              <a:t>29</a:t>
             </a:fld>
             <a:endParaRPr lang="pl-PL"/>
           </a:p>
@@ -2581,7 +2546,7 @@
             <a:fld id="{70356EB1-0873-493D-B649-9A936806DB67}" type="slidenum">
               <a:rPr lang="pl-PL" smtClean="0"/>
               <a:pPr/>
-              <a:t>4</a:t>
+              <a:t>3</a:t>
             </a:fld>
             <a:endParaRPr lang="pl-PL"/>
           </a:p>
@@ -2667,7 +2632,7 @@
             <a:fld id="{70356EB1-0873-493D-B649-9A936806DB67}" type="slidenum">
               <a:rPr lang="pl-PL" smtClean="0"/>
               <a:pPr/>
-              <a:t>31</a:t>
+              <a:t>30</a:t>
             </a:fld>
             <a:endParaRPr lang="pl-PL"/>
           </a:p>
@@ -2753,7 +2718,351 @@
             <a:fld id="{70356EB1-0873-493D-B649-9A936806DB67}" type="slidenum">
               <a:rPr lang="pl-PL" smtClean="0"/>
               <a:pPr/>
+              <a:t>31</a:t>
+            </a:fld>
+            <a:endParaRPr lang="pl-PL"/>
+          </a:p>
+        </p:txBody>
+      </p:sp>
+    </p:spTree>
+  </p:cSld>
+  <p:clrMapOvr>
+    <a:masterClrMapping/>
+  </p:clrMapOvr>
+</p:notes>
+</file>
+
+<file path=ppt/notesSlides/notesSlide32.xml><?xml version="1.0" encoding="utf-8"?>
+<p:notes xmlns:a="http://schemas.openxmlformats.org/drawingml/2006/main" xmlns:r="http://schemas.openxmlformats.org/officeDocument/2006/relationships" xmlns:p="http://schemas.openxmlformats.org/presentationml/2006/main">
+  <p:cSld>
+    <p:spTree>
+      <p:nvGrpSpPr>
+        <p:cNvPr id="1" name=""/>
+        <p:cNvGrpSpPr/>
+        <p:nvPr/>
+      </p:nvGrpSpPr>
+      <p:grpSpPr>
+        <a:xfrm>
+          <a:off x="0" y="0"/>
+          <a:ext cx="0" cy="0"/>
+          <a:chOff x="0" y="0"/>
+          <a:chExt cx="0" cy="0"/>
+        </a:xfrm>
+      </p:grpSpPr>
+      <p:sp>
+        <p:nvSpPr>
+          <p:cNvPr id="2" name="Symbol zastępczy obrazu slajdu 1"/>
+          <p:cNvSpPr>
+            <a:spLocks noGrp="1" noRot="1" noChangeAspect="1"/>
+          </p:cNvSpPr>
+          <p:nvPr>
+            <p:ph type="sldImg"/>
+          </p:nvPr>
+        </p:nvSpPr>
+        <p:spPr/>
+      </p:sp>
+      <p:sp>
+        <p:nvSpPr>
+          <p:cNvPr id="3" name="Symbol zastępczy notatek 2"/>
+          <p:cNvSpPr>
+            <a:spLocks noGrp="1"/>
+          </p:cNvSpPr>
+          <p:nvPr>
+            <p:ph type="body" idx="1"/>
+          </p:nvPr>
+        </p:nvSpPr>
+        <p:spPr/>
+        <p:txBody>
+          <a:bodyPr>
+            <a:normAutofit/>
+          </a:bodyPr>
+          <a:lstStyle/>
+          <a:p>
+            <a:pPr>
+              <a:buFontTx/>
+              <a:buNone/>
+            </a:pPr>
+            <a:endParaRPr lang="pl-PL" baseline="0" dirty="0" smtClean="0"/>
+          </a:p>
+        </p:txBody>
+      </p:sp>
+      <p:sp>
+        <p:nvSpPr>
+          <p:cNvPr id="4" name="Symbol zastępczy numeru slajdu 3"/>
+          <p:cNvSpPr>
+            <a:spLocks noGrp="1"/>
+          </p:cNvSpPr>
+          <p:nvPr>
+            <p:ph type="sldNum" sz="quarter" idx="10"/>
+          </p:nvPr>
+        </p:nvSpPr>
+        <p:spPr/>
+        <p:txBody>
+          <a:bodyPr/>
+          <a:lstStyle/>
+          <a:p>
+            <a:fld id="{70356EB1-0873-493D-B649-9A936806DB67}" type="slidenum">
+              <a:rPr lang="pl-PL" smtClean="0"/>
+              <a:pPr/>
               <a:t>32</a:t>
+            </a:fld>
+            <a:endParaRPr lang="pl-PL"/>
+          </a:p>
+        </p:txBody>
+      </p:sp>
+    </p:spTree>
+  </p:cSld>
+  <p:clrMapOvr>
+    <a:masterClrMapping/>
+  </p:clrMapOvr>
+</p:notes>
+</file>
+
+<file path=ppt/notesSlides/notesSlide33.xml><?xml version="1.0" encoding="utf-8"?>
+<p:notes xmlns:a="http://schemas.openxmlformats.org/drawingml/2006/main" xmlns:r="http://schemas.openxmlformats.org/officeDocument/2006/relationships" xmlns:p="http://schemas.openxmlformats.org/presentationml/2006/main">
+  <p:cSld>
+    <p:spTree>
+      <p:nvGrpSpPr>
+        <p:cNvPr id="1" name=""/>
+        <p:cNvGrpSpPr/>
+        <p:nvPr/>
+      </p:nvGrpSpPr>
+      <p:grpSpPr>
+        <a:xfrm>
+          <a:off x="0" y="0"/>
+          <a:ext cx="0" cy="0"/>
+          <a:chOff x="0" y="0"/>
+          <a:chExt cx="0" cy="0"/>
+        </a:xfrm>
+      </p:grpSpPr>
+      <p:sp>
+        <p:nvSpPr>
+          <p:cNvPr id="2" name="Symbol zastępczy obrazu slajdu 1"/>
+          <p:cNvSpPr>
+            <a:spLocks noGrp="1" noRot="1" noChangeAspect="1"/>
+          </p:cNvSpPr>
+          <p:nvPr>
+            <p:ph type="sldImg"/>
+          </p:nvPr>
+        </p:nvSpPr>
+        <p:spPr/>
+      </p:sp>
+      <p:sp>
+        <p:nvSpPr>
+          <p:cNvPr id="3" name="Symbol zastępczy notatek 2"/>
+          <p:cNvSpPr>
+            <a:spLocks noGrp="1"/>
+          </p:cNvSpPr>
+          <p:nvPr>
+            <p:ph type="body" idx="1"/>
+          </p:nvPr>
+        </p:nvSpPr>
+        <p:spPr/>
+        <p:txBody>
+          <a:bodyPr>
+            <a:normAutofit/>
+          </a:bodyPr>
+          <a:lstStyle/>
+          <a:p>
+            <a:pPr>
+              <a:buFontTx/>
+              <a:buNone/>
+            </a:pPr>
+            <a:endParaRPr lang="pl-PL" baseline="0" dirty="0" smtClean="0"/>
+          </a:p>
+        </p:txBody>
+      </p:sp>
+      <p:sp>
+        <p:nvSpPr>
+          <p:cNvPr id="4" name="Symbol zastępczy numeru slajdu 3"/>
+          <p:cNvSpPr>
+            <a:spLocks noGrp="1"/>
+          </p:cNvSpPr>
+          <p:nvPr>
+            <p:ph type="sldNum" sz="quarter" idx="10"/>
+          </p:nvPr>
+        </p:nvSpPr>
+        <p:spPr/>
+        <p:txBody>
+          <a:bodyPr/>
+          <a:lstStyle/>
+          <a:p>
+            <a:fld id="{70356EB1-0873-493D-B649-9A936806DB67}" type="slidenum">
+              <a:rPr lang="pl-PL" smtClean="0"/>
+              <a:pPr/>
+              <a:t>33</a:t>
+            </a:fld>
+            <a:endParaRPr lang="pl-PL"/>
+          </a:p>
+        </p:txBody>
+      </p:sp>
+    </p:spTree>
+  </p:cSld>
+  <p:clrMapOvr>
+    <a:masterClrMapping/>
+  </p:clrMapOvr>
+</p:notes>
+</file>
+
+<file path=ppt/notesSlides/notesSlide34.xml><?xml version="1.0" encoding="utf-8"?>
+<p:notes xmlns:a="http://schemas.openxmlformats.org/drawingml/2006/main" xmlns:r="http://schemas.openxmlformats.org/officeDocument/2006/relationships" xmlns:p="http://schemas.openxmlformats.org/presentationml/2006/main">
+  <p:cSld>
+    <p:spTree>
+      <p:nvGrpSpPr>
+        <p:cNvPr id="1" name=""/>
+        <p:cNvGrpSpPr/>
+        <p:nvPr/>
+      </p:nvGrpSpPr>
+      <p:grpSpPr>
+        <a:xfrm>
+          <a:off x="0" y="0"/>
+          <a:ext cx="0" cy="0"/>
+          <a:chOff x="0" y="0"/>
+          <a:chExt cx="0" cy="0"/>
+        </a:xfrm>
+      </p:grpSpPr>
+      <p:sp>
+        <p:nvSpPr>
+          <p:cNvPr id="2" name="Symbol zastępczy obrazu slajdu 1"/>
+          <p:cNvSpPr>
+            <a:spLocks noGrp="1" noRot="1" noChangeAspect="1"/>
+          </p:cNvSpPr>
+          <p:nvPr>
+            <p:ph type="sldImg"/>
+          </p:nvPr>
+        </p:nvSpPr>
+        <p:spPr/>
+      </p:sp>
+      <p:sp>
+        <p:nvSpPr>
+          <p:cNvPr id="3" name="Symbol zastępczy notatek 2"/>
+          <p:cNvSpPr>
+            <a:spLocks noGrp="1"/>
+          </p:cNvSpPr>
+          <p:nvPr>
+            <p:ph type="body" idx="1"/>
+          </p:nvPr>
+        </p:nvSpPr>
+        <p:spPr/>
+        <p:txBody>
+          <a:bodyPr>
+            <a:normAutofit/>
+          </a:bodyPr>
+          <a:lstStyle/>
+          <a:p>
+            <a:pPr>
+              <a:buFontTx/>
+              <a:buNone/>
+            </a:pPr>
+            <a:endParaRPr lang="pl-PL" baseline="0" dirty="0" smtClean="0"/>
+          </a:p>
+        </p:txBody>
+      </p:sp>
+      <p:sp>
+        <p:nvSpPr>
+          <p:cNvPr id="4" name="Symbol zastępczy numeru slajdu 3"/>
+          <p:cNvSpPr>
+            <a:spLocks noGrp="1"/>
+          </p:cNvSpPr>
+          <p:nvPr>
+            <p:ph type="sldNum" sz="quarter" idx="10"/>
+          </p:nvPr>
+        </p:nvSpPr>
+        <p:spPr/>
+        <p:txBody>
+          <a:bodyPr/>
+          <a:lstStyle/>
+          <a:p>
+            <a:fld id="{70356EB1-0873-493D-B649-9A936806DB67}" type="slidenum">
+              <a:rPr lang="pl-PL" smtClean="0"/>
+              <a:pPr/>
+              <a:t>34</a:t>
+            </a:fld>
+            <a:endParaRPr lang="pl-PL"/>
+          </a:p>
+        </p:txBody>
+      </p:sp>
+    </p:spTree>
+  </p:cSld>
+  <p:clrMapOvr>
+    <a:masterClrMapping/>
+  </p:clrMapOvr>
+</p:notes>
+</file>
+
+<file path=ppt/notesSlides/notesSlide35.xml><?xml version="1.0" encoding="utf-8"?>
+<p:notes xmlns:a="http://schemas.openxmlformats.org/drawingml/2006/main" xmlns:r="http://schemas.openxmlformats.org/officeDocument/2006/relationships" xmlns:p="http://schemas.openxmlformats.org/presentationml/2006/main">
+  <p:cSld>
+    <p:spTree>
+      <p:nvGrpSpPr>
+        <p:cNvPr id="1" name=""/>
+        <p:cNvGrpSpPr/>
+        <p:nvPr/>
+      </p:nvGrpSpPr>
+      <p:grpSpPr>
+        <a:xfrm>
+          <a:off x="0" y="0"/>
+          <a:ext cx="0" cy="0"/>
+          <a:chOff x="0" y="0"/>
+          <a:chExt cx="0" cy="0"/>
+        </a:xfrm>
+      </p:grpSpPr>
+      <p:sp>
+        <p:nvSpPr>
+          <p:cNvPr id="2" name="Symbol zastępczy obrazu slajdu 1"/>
+          <p:cNvSpPr>
+            <a:spLocks noGrp="1" noRot="1" noChangeAspect="1"/>
+          </p:cNvSpPr>
+          <p:nvPr>
+            <p:ph type="sldImg"/>
+          </p:nvPr>
+        </p:nvSpPr>
+        <p:spPr/>
+      </p:sp>
+      <p:sp>
+        <p:nvSpPr>
+          <p:cNvPr id="3" name="Symbol zastępczy notatek 2"/>
+          <p:cNvSpPr>
+            <a:spLocks noGrp="1"/>
+          </p:cNvSpPr>
+          <p:nvPr>
+            <p:ph type="body" idx="1"/>
+          </p:nvPr>
+        </p:nvSpPr>
+        <p:spPr/>
+        <p:txBody>
+          <a:bodyPr>
+            <a:normAutofit/>
+          </a:bodyPr>
+          <a:lstStyle/>
+          <a:p>
+            <a:pPr>
+              <a:buFontTx/>
+              <a:buNone/>
+            </a:pPr>
+            <a:endParaRPr lang="pl-PL" baseline="0" dirty="0" smtClean="0"/>
+          </a:p>
+        </p:txBody>
+      </p:sp>
+      <p:sp>
+        <p:nvSpPr>
+          <p:cNvPr id="4" name="Symbol zastępczy numeru slajdu 3"/>
+          <p:cNvSpPr>
+            <a:spLocks noGrp="1"/>
+          </p:cNvSpPr>
+          <p:nvPr>
+            <p:ph type="sldNum" sz="quarter" idx="10"/>
+          </p:nvPr>
+        </p:nvSpPr>
+        <p:spPr/>
+        <p:txBody>
+          <a:bodyPr/>
+          <a:lstStyle/>
+          <a:p>
+            <a:fld id="{70356EB1-0873-493D-B649-9A936806DB67}" type="slidenum">
+              <a:rPr lang="pl-PL" smtClean="0"/>
+              <a:pPr/>
+              <a:t>35</a:t>
             </a:fld>
             <a:endParaRPr lang="pl-PL"/>
           </a:p>
@@ -2817,10 +3126,7 @@
               <a:buFontTx/>
               <a:buNone/>
             </a:pPr>
-            <a:r>
-              <a:rPr lang="pl-PL" baseline="0" dirty="0" smtClean="0"/>
-              <a:t>s</a:t>
-            </a:r>
+            <a:endParaRPr lang="pl-PL" baseline="0" dirty="0" smtClean="0"/>
           </a:p>
         </p:txBody>
       </p:sp>
@@ -2842,7 +3148,7 @@
             <a:fld id="{70356EB1-0873-493D-B649-9A936806DB67}" type="slidenum">
               <a:rPr lang="pl-PL" smtClean="0"/>
               <a:pPr/>
-              <a:t>5</a:t>
+              <a:t>4</a:t>
             </a:fld>
             <a:endParaRPr lang="pl-PL"/>
           </a:p>
@@ -2906,10 +3212,7 @@
               <a:buFontTx/>
               <a:buNone/>
             </a:pPr>
-            <a:r>
-              <a:rPr lang="pl-PL" baseline="0" dirty="0" smtClean="0"/>
-              <a:t>s</a:t>
-            </a:r>
+            <a:endParaRPr lang="pl-PL" baseline="0" dirty="0" smtClean="0"/>
           </a:p>
         </p:txBody>
       </p:sp>
@@ -2931,7 +3234,7 @@
             <a:fld id="{70356EB1-0873-493D-B649-9A936806DB67}" type="slidenum">
               <a:rPr lang="pl-PL" smtClean="0"/>
               <a:pPr/>
-              <a:t>6</a:t>
+              <a:t>5</a:t>
             </a:fld>
             <a:endParaRPr lang="pl-PL"/>
           </a:p>
@@ -3034,7 +3337,7 @@
             <a:fld id="{70356EB1-0873-493D-B649-9A936806DB67}" type="slidenum">
               <a:rPr lang="pl-PL" smtClean="0"/>
               <a:pPr/>
-              <a:t>7</a:t>
+              <a:t>6</a:t>
             </a:fld>
             <a:endParaRPr lang="pl-PL"/>
           </a:p>
@@ -3120,7 +3423,7 @@
             <a:fld id="{70356EB1-0873-493D-B649-9A936806DB67}" type="slidenum">
               <a:rPr lang="pl-PL" smtClean="0"/>
               <a:pPr/>
-              <a:t>8</a:t>
+              <a:t>7</a:t>
             </a:fld>
             <a:endParaRPr lang="pl-PL"/>
           </a:p>
@@ -3223,7 +3526,7 @@
             <a:fld id="{70356EB1-0873-493D-B649-9A936806DB67}" type="slidenum">
               <a:rPr lang="pl-PL" smtClean="0"/>
               <a:pPr/>
-              <a:t>9</a:t>
+              <a:t>8</a:t>
             </a:fld>
             <a:endParaRPr lang="pl-PL"/>
           </a:p>
@@ -3326,7 +3629,7 @@
             <a:fld id="{70356EB1-0873-493D-B649-9A936806DB67}" type="slidenum">
               <a:rPr lang="pl-PL" smtClean="0"/>
               <a:pPr/>
-              <a:t>10</a:t>
+              <a:t>9</a:t>
             </a:fld>
             <a:endParaRPr lang="pl-PL"/>
           </a:p>
@@ -3966,7 +4269,7 @@
             <a:fld id="{799B1624-8819-4D6B-919D-578434B16426}" type="datetime1">
               <a:rPr lang="pl-PL" smtClean="0"/>
               <a:pPr/>
-              <a:t>14.06.2018</a:t>
+              <a:t>2018-06-14</a:t>
             </a:fld>
             <a:endParaRPr lang="pl-PL"/>
           </a:p>
@@ -4164,7 +4467,7 @@
             <a:fld id="{601446BC-F8B9-47CB-AFC3-DE6DE2F0F6B3}" type="datetime1">
               <a:rPr lang="pl-PL" smtClean="0"/>
               <a:pPr/>
-              <a:t>14.06.2018</a:t>
+              <a:t>2018-06-14</a:t>
             </a:fld>
             <a:endParaRPr lang="pl-PL"/>
           </a:p>
@@ -4351,7 +4654,7 @@
             <a:fld id="{1B7B9A85-6194-450B-A4EC-90260B3BB407}" type="datetime1">
               <a:rPr lang="pl-PL" smtClean="0"/>
               <a:pPr/>
-              <a:t>14.06.2018</a:t>
+              <a:t>2018-06-14</a:t>
             </a:fld>
             <a:endParaRPr lang="pl-PL"/>
           </a:p>
@@ -4503,7 +4806,7 @@
             <a:fld id="{920BE0C5-60E3-4117-8638-1F1C468BA7A2}" type="datetime1">
               <a:rPr lang="pl-PL" smtClean="0"/>
               <a:pPr/>
-              <a:t>14.06.2018</a:t>
+              <a:t>2018-06-14</a:t>
             </a:fld>
             <a:endParaRPr lang="pl-PL"/>
           </a:p>
@@ -4760,7 +5063,7 @@
             <a:fld id="{D0626FED-AB84-4C32-8595-BD4872B9C791}" type="datetime1">
               <a:rPr lang="pl-PL" smtClean="0"/>
               <a:pPr/>
-              <a:t>14.06.2018</a:t>
+              <a:t>2018-06-14</a:t>
             </a:fld>
             <a:endParaRPr lang="pl-PL"/>
           </a:p>
@@ -5171,7 +5474,7 @@
             <a:fld id="{A6995F53-04EE-4A67-9EED-8FE911D5C70A}" type="datetime1">
               <a:rPr lang="pl-PL" smtClean="0"/>
               <a:pPr/>
-              <a:t>14.06.2018</a:t>
+              <a:t>2018-06-14</a:t>
             </a:fld>
             <a:endParaRPr lang="pl-PL"/>
           </a:p>
@@ -5619,7 +5922,7 @@
             <a:fld id="{D19A3F59-6A1D-465C-9AB9-069469750EA2}" type="datetime1">
               <a:rPr lang="pl-PL" smtClean="0"/>
               <a:pPr/>
-              <a:t>14.06.2018</a:t>
+              <a:t>2018-06-14</a:t>
             </a:fld>
             <a:endParaRPr lang="pl-PL"/>
           </a:p>
@@ -5722,7 +6025,7 @@
             <a:fld id="{7191BA32-4892-4059-9D23-7C2D66D8892A}" type="datetime1">
               <a:rPr lang="pl-PL" smtClean="0"/>
               <a:pPr/>
-              <a:t>14.06.2018</a:t>
+              <a:t>2018-06-14</a:t>
             </a:fld>
             <a:endParaRPr lang="pl-PL"/>
           </a:p>
@@ -5845,7 +6148,7 @@
             <a:fld id="{57B7B363-005F-4AA1-B9EB-7CD1AD716AB0}" type="datetime1">
               <a:rPr lang="pl-PL" smtClean="0"/>
               <a:pPr/>
-              <a:t>14.06.2018</a:t>
+              <a:t>2018-06-14</a:t>
             </a:fld>
             <a:endParaRPr lang="pl-PL"/>
           </a:p>
@@ -6121,7 +6424,7 @@
             <a:fld id="{3A16DBD4-665A-4F4F-9874-79722C57D8D3}" type="datetime1">
               <a:rPr lang="pl-PL" smtClean="0"/>
               <a:pPr/>
-              <a:t>14.06.2018</a:t>
+              <a:t>2018-06-14</a:t>
             </a:fld>
             <a:endParaRPr lang="pl-PL"/>
           </a:p>
@@ -6328,7 +6631,7 @@
             <a:fld id="{090F78FD-E44B-4298-ADA0-48A742E66713}" type="datetime1">
               <a:rPr lang="pl-PL" smtClean="0"/>
               <a:pPr/>
-              <a:t>14.06.2018</a:t>
+              <a:t>2018-06-14</a:t>
             </a:fld>
             <a:endParaRPr lang="pl-PL"/>
           </a:p>
@@ -7439,7 +7742,7 @@
             <a:fld id="{E776A798-8808-471E-95CD-3CC8125631CF}" type="datetime1">
               <a:rPr lang="pl-PL" smtClean="0"/>
               <a:pPr/>
-              <a:t>14.06.2018</a:t>
+              <a:t>2018-06-14</a:t>
             </a:fld>
             <a:endParaRPr lang="pl-PL"/>
           </a:p>
@@ -7908,7 +8211,7 @@
           <a:blip r:embed="rId3" cstate="print">
             <a:extLst>
               <a:ext uri="{28A0092B-C50C-407E-A947-70E740481C1C}">
-                <a14:useLocalDpi xmlns:a14="http://schemas.microsoft.com/office/drawing/2010/main" val="0"/>
+                <a14:useLocalDpi xmlns:a14="http://schemas.microsoft.com/office/drawing/2010/main" xmlns="" val="0"/>
               </a:ext>
             </a:extLst>
           </a:blip>
@@ -7960,7 +8263,7 @@
     </p:spTree>
     <p:extLst>
       <p:ext uri="{BB962C8B-B14F-4D97-AF65-F5344CB8AC3E}">
-        <p14:creationId xmlns:p14="http://schemas.microsoft.com/office/powerpoint/2010/main" val="3157427889"/>
+        <p14:creationId xmlns:p14="http://schemas.microsoft.com/office/powerpoint/2010/main" xmlns="" val="3157427889"/>
       </p:ext>
     </p:extLst>
   </p:cSld>
@@ -8006,65 +8309,65 @@
         </p:nvSpPr>
         <p:spPr/>
         <p:txBody>
+          <a:bodyPr anchor="ctr">
+            <a:normAutofit/>
+          </a:bodyPr>
+          <a:lstStyle/>
+          <a:p>
+            <a:pPr algn="ctr">
+              <a:buNone/>
+            </a:pPr>
+            <a:r>
+              <a:rPr lang="pl-PL" b="1" i="1" dirty="0" smtClean="0"/>
+              <a:t>Demo</a:t>
+            </a:r>
+            <a:br>
+              <a:rPr lang="pl-PL" b="1" i="1" dirty="0" smtClean="0"/>
+            </a:br>
+            <a:r>
+              <a:rPr lang="pl-PL" b="1" i="1" dirty="0" smtClean="0"/>
+              <a:t>(</a:t>
+            </a:r>
+            <a:r>
+              <a:rPr lang="pl-PL" b="1" i="1" dirty="0" err="1" smtClean="0"/>
+              <a:t>Q</a:t>
+            </a:r>
+            <a:r>
+              <a:rPr lang="pl-PL" b="1" i="1" dirty="0" err="1" smtClean="0"/>
+              <a:t>uickstart</a:t>
+            </a:r>
+            <a:r>
+              <a:rPr lang="pl-PL" b="1" i="1" dirty="0" smtClean="0"/>
+              <a:t>)</a:t>
+            </a:r>
+            <a:endParaRPr lang="pl-PL" b="1" i="1" dirty="0"/>
+          </a:p>
+        </p:txBody>
+      </p:sp>
+      <p:sp>
+        <p:nvSpPr>
+          <p:cNvPr id="3" name="Tytuł 2"/>
+          <p:cNvSpPr>
+            <a:spLocks noGrp="1"/>
+          </p:cNvSpPr>
+          <p:nvPr>
+            <p:ph type="title"/>
+          </p:nvPr>
+        </p:nvSpPr>
+        <p:spPr/>
+        <p:txBody>
           <a:bodyPr>
             <a:normAutofit/>
           </a:bodyPr>
           <a:lstStyle/>
           <a:p>
-            <a:pPr>
-              <a:buNone/>
-            </a:pPr>
-            <a:endParaRPr lang="pl-PL" b="1" dirty="0"/>
-          </a:p>
-        </p:txBody>
-      </p:sp>
-      <p:sp>
-        <p:nvSpPr>
-          <p:cNvPr id="3" name="Tytuł 2"/>
-          <p:cNvSpPr>
-            <a:spLocks noGrp="1"/>
-          </p:cNvSpPr>
-          <p:nvPr>
-            <p:ph type="title"/>
-          </p:nvPr>
-        </p:nvSpPr>
-        <p:spPr/>
-        <p:txBody>
-          <a:bodyPr>
-            <a:normAutofit fontScale="90000"/>
-          </a:bodyPr>
-          <a:lstStyle/>
-          <a:p>
+            <a:r>
+              <a:rPr lang="pl-PL" sz="4400" dirty="0" err="1" smtClean="0"/>
+              <a:t>Quick</a:t>
+            </a:r>
             <a:r>
               <a:rPr lang="pl-PL" sz="4400" dirty="0" smtClean="0"/>
-              <a:t>DB first </a:t>
-            </a:r>
-            <a:r>
-              <a:rPr lang="pl-PL" sz="4400" dirty="0" err="1" smtClean="0"/>
-              <a:t>vs</a:t>
-            </a:r>
-            <a:r>
-              <a:rPr lang="pl-PL" sz="4400" dirty="0" smtClean="0"/>
-              <a:t> </a:t>
-            </a:r>
-            <a:r>
-              <a:rPr lang="pl-PL" sz="4400" dirty="0" err="1" smtClean="0"/>
-              <a:t>Code</a:t>
-            </a:r>
-            <a:r>
-              <a:rPr lang="pl-PL" sz="4400" dirty="0" smtClean="0"/>
-              <a:t> first </a:t>
-            </a:r>
-            <a:br>
-              <a:rPr lang="pl-PL" sz="4400" dirty="0" smtClean="0"/>
-            </a:br>
-            <a:r>
-              <a:rPr lang="pl-PL" sz="4400" dirty="0" err="1" smtClean="0"/>
-              <a:t>vs</a:t>
-            </a:r>
-            <a:r>
-              <a:rPr lang="pl-PL" sz="4400" dirty="0" smtClean="0"/>
-              <a:t> Model first</a:t>
+              <a:t> start</a:t>
             </a:r>
             <a:endParaRPr lang="pl-PL" dirty="0"/>
           </a:p>
@@ -8106,7 +8409,7 @@
           <a:blip r:embed="rId3" cstate="print">
             <a:extLst>
               <a:ext uri="{28A0092B-C50C-407E-A947-70E740481C1C}">
-                <a14:useLocalDpi xmlns:a14="http://schemas.microsoft.com/office/drawing/2010/main" val="0"/>
+                <a14:useLocalDpi xmlns:a14="http://schemas.microsoft.com/office/drawing/2010/main" xmlns="" val="0"/>
               </a:ext>
             </a:extLst>
           </a:blip>
@@ -8124,42 +8427,10 @@
           </a:prstGeom>
         </p:spPr>
       </p:pic>
-      <p:pic>
-        <p:nvPicPr>
-          <p:cNvPr id="5123" name="Picture 3"/>
-          <p:cNvPicPr>
-            <a:picLocks noChangeAspect="1" noChangeArrowheads="1"/>
-          </p:cNvPicPr>
-          <p:nvPr/>
-        </p:nvPicPr>
-        <p:blipFill>
-          <a:blip r:embed="rId4" cstate="print"/>
-          <a:srcRect/>
-          <a:stretch>
-            <a:fillRect/>
-          </a:stretch>
-        </p:blipFill>
-        <p:spPr bwMode="auto">
-          <a:xfrm>
-            <a:off x="1691680" y="2031549"/>
-            <a:ext cx="7272808" cy="3989739"/>
-          </a:xfrm>
-          <a:prstGeom prst="rect">
-            <a:avLst/>
-          </a:prstGeom>
-          <a:noFill/>
-          <a:ln w="9525">
-            <a:noFill/>
-            <a:miter lim="800000"/>
-            <a:headEnd/>
-            <a:tailEnd/>
-          </a:ln>
-        </p:spPr>
-      </p:pic>
     </p:spTree>
     <p:extLst>
       <p:ext uri="{BB962C8B-B14F-4D97-AF65-F5344CB8AC3E}">
-        <p14:creationId xmlns:p14="http://schemas.microsoft.com/office/powerpoint/2010/main" val="2808115206"/>
+        <p14:creationId xmlns:p14="http://schemas.microsoft.com/office/powerpoint/2010/main" xmlns="" val="2808115206"/>
       </p:ext>
     </p:extLst>
   </p:cSld>
@@ -8230,40 +8501,17 @@
         <p:spPr/>
         <p:txBody>
           <a:bodyPr>
-            <a:normAutofit fontScale="90000"/>
+            <a:normAutofit/>
           </a:bodyPr>
           <a:lstStyle/>
           <a:p>
             <a:r>
               <a:rPr lang="pl-PL" sz="4400" dirty="0" smtClean="0"/>
-              <a:t>DB first </a:t>
-            </a:r>
-            <a:r>
-              <a:rPr lang="pl-PL" sz="4400" dirty="0" err="1" smtClean="0"/>
-              <a:t>vs</a:t>
+              <a:t>Operacje na </a:t>
             </a:r>
             <a:r>
               <a:rPr lang="pl-PL" sz="4400" dirty="0" smtClean="0"/>
-              <a:t> </a:t>
-            </a:r>
-            <a:r>
-              <a:rPr lang="pl-PL" sz="4400" dirty="0" err="1" smtClean="0"/>
-              <a:t>Code</a:t>
-            </a:r>
-            <a:r>
-              <a:rPr lang="pl-PL" sz="4400" dirty="0" smtClean="0"/>
-              <a:t> first </a:t>
-            </a:r>
-            <a:br>
-              <a:rPr lang="pl-PL" sz="4400" dirty="0" smtClean="0"/>
-            </a:br>
-            <a:r>
-              <a:rPr lang="pl-PL" sz="4400" dirty="0" err="1" smtClean="0"/>
-              <a:t>vs</a:t>
-            </a:r>
-            <a:r>
-              <a:rPr lang="pl-PL" sz="4400" dirty="0" smtClean="0"/>
-              <a:t> Model first</a:t>
+              <a:t>modelu</a:t>
             </a:r>
             <a:endParaRPr lang="pl-PL" dirty="0"/>
           </a:p>
@@ -8305,7 +8553,7 @@
           <a:blip r:embed="rId3" cstate="print">
             <a:extLst>
               <a:ext uri="{28A0092B-C50C-407E-A947-70E740481C1C}">
-                <a14:useLocalDpi xmlns:a14="http://schemas.microsoft.com/office/drawing/2010/main" val="0"/>
+                <a14:useLocalDpi xmlns:a14="http://schemas.microsoft.com/office/drawing/2010/main" xmlns="" val="0"/>
               </a:ext>
             </a:extLst>
           </a:blip>
@@ -8358,7 +8606,7 @@
     </p:spTree>
     <p:extLst>
       <p:ext uri="{BB962C8B-B14F-4D97-AF65-F5344CB8AC3E}">
-        <p14:creationId xmlns:p14="http://schemas.microsoft.com/office/powerpoint/2010/main" val="2808115206"/>
+        <p14:creationId xmlns:p14="http://schemas.microsoft.com/office/powerpoint/2010/main" xmlns="" val="2808115206"/>
       </p:ext>
     </p:extLst>
   </p:cSld>
@@ -8418,58 +8666,6 @@
       </p:sp>
       <p:sp>
         <p:nvSpPr>
-          <p:cNvPr id="3" name="Tytuł 2"/>
-          <p:cNvSpPr>
-            <a:spLocks noGrp="1"/>
-          </p:cNvSpPr>
-          <p:nvPr>
-            <p:ph type="title"/>
-          </p:nvPr>
-        </p:nvSpPr>
-        <p:spPr/>
-        <p:txBody>
-          <a:bodyPr>
-            <a:normAutofit fontScale="90000"/>
-          </a:bodyPr>
-          <a:lstStyle/>
-          <a:p>
-            <a:r>
-              <a:rPr lang="pl-PL" sz="4400" dirty="0" smtClean="0"/>
-              <a:t>DB first </a:t>
-            </a:r>
-            <a:r>
-              <a:rPr lang="pl-PL" sz="4400" dirty="0" err="1" smtClean="0"/>
-              <a:t>vs</a:t>
-            </a:r>
-            <a:r>
-              <a:rPr lang="pl-PL" sz="4400" dirty="0" smtClean="0"/>
-              <a:t> </a:t>
-            </a:r>
-            <a:r>
-              <a:rPr lang="pl-PL" sz="4400" dirty="0" err="1" smtClean="0"/>
-              <a:t>Code</a:t>
-            </a:r>
-            <a:r>
-              <a:rPr lang="pl-PL" sz="4400" dirty="0" smtClean="0"/>
-              <a:t> first </a:t>
-            </a:r>
-            <a:br>
-              <a:rPr lang="pl-PL" sz="4400" dirty="0" smtClean="0"/>
-            </a:br>
-            <a:r>
-              <a:rPr lang="pl-PL" sz="4400" dirty="0" err="1" smtClean="0"/>
-              <a:t>vs</a:t>
-            </a:r>
-            <a:r>
-              <a:rPr lang="pl-PL" sz="4400" dirty="0" smtClean="0"/>
-              <a:t> Model first</a:t>
-            </a:r>
-            <a:endParaRPr lang="pl-PL" dirty="0"/>
-          </a:p>
-        </p:txBody>
-      </p:sp>
-      <p:sp>
-        <p:nvSpPr>
           <p:cNvPr id="4" name="Symbol zastępczy numeru slajdu 3"/>
           <p:cNvSpPr>
             <a:spLocks noGrp="1"/>
@@ -8504,7 +8700,7 @@
           <a:blip r:embed="rId3" cstate="print">
             <a:extLst>
               <a:ext uri="{28A0092B-C50C-407E-A947-70E740481C1C}">
-                <a14:useLocalDpi xmlns:a14="http://schemas.microsoft.com/office/drawing/2010/main" val="0"/>
+                <a14:useLocalDpi xmlns:a14="http://schemas.microsoft.com/office/drawing/2010/main" xmlns="" val="0"/>
               </a:ext>
             </a:extLst>
           </a:blip>
@@ -8554,10 +8750,103 @@
           </a:ln>
         </p:spPr>
       </p:pic>
+      <p:sp>
+        <p:nvSpPr>
+          <p:cNvPr id="8" name="Tytuł 2"/>
+          <p:cNvSpPr txBox="1">
+            <a:spLocks/>
+          </p:cNvSpPr>
+          <p:nvPr/>
+        </p:nvSpPr>
+        <p:spPr>
+          <a:xfrm>
+            <a:off x="467544" y="269776"/>
+            <a:ext cx="8229600" cy="1143000"/>
+          </a:xfrm>
+          <a:prstGeom prst="rect">
+            <a:avLst/>
+          </a:prstGeom>
+        </p:spPr>
+        <p:txBody>
+          <a:bodyPr vert="horz" rtlCol="0" anchor="ctr">
+            <a:normAutofit/>
+            <a:scene3d>
+              <a:camera prst="orthographicFront"/>
+              <a:lightRig rig="soft" dir="t"/>
+            </a:scene3d>
+            <a:sp3d prstMaterial="softEdge">
+              <a:bevelT w="25400" h="25400"/>
+            </a:sp3d>
+          </a:bodyPr>
+          <a:lstStyle/>
+          <a:p>
+            <a:pPr marL="0" marR="0" lvl="0" indent="0" algn="l" defTabSz="914400" rtl="0" eaLnBrk="1" fontAlgn="auto" latinLnBrk="0" hangingPunct="1">
+              <a:lnSpc>
+                <a:spcPct val="100000"/>
+              </a:lnSpc>
+              <a:spcBef>
+                <a:spcPct val="0"/>
+              </a:spcBef>
+              <a:spcAft>
+                <a:spcPts val="0"/>
+              </a:spcAft>
+              <a:buClrTx/>
+              <a:buSzTx/>
+              <a:buFontTx/>
+              <a:buNone/>
+              <a:tabLst/>
+              <a:defRPr/>
+            </a:pPr>
+            <a:r>
+              <a:rPr kumimoji="0" lang="pl-PL" sz="4400" b="1" i="0" u="none" strike="noStrike" kern="1200" cap="none" spc="0" normalizeH="0" baseline="0" noProof="0" dirty="0" smtClean="0">
+                <a:ln>
+                  <a:noFill/>
+                </a:ln>
+                <a:solidFill>
+                  <a:schemeClr val="tx2"/>
+                </a:solidFill>
+                <a:effectLst>
+                  <a:outerShdw blurRad="31750" dist="25400" dir="5400000" algn="tl" rotWithShape="0">
+                    <a:srgbClr val="000000">
+                      <a:alpha val="25000"/>
+                    </a:srgbClr>
+                  </a:outerShdw>
+                </a:effectLst>
+                <a:uLnTx/>
+                <a:uFillTx/>
+                <a:latin typeface="+mj-lt"/>
+                <a:ea typeface="+mj-ea"/>
+                <a:cs typeface="+mj-cs"/>
+              </a:rPr>
+              <a:t>Operacje na modelu</a:t>
+            </a:r>
+            <a:endParaRPr kumimoji="0" lang="pl-PL" sz="4100" b="1" i="0" u="none" strike="noStrike" kern="1200" cap="none" spc="0" normalizeH="0" baseline="0" noProof="0" dirty="0">
+              <a:ln>
+                <a:noFill/>
+              </a:ln>
+              <a:solidFill>
+                <a:schemeClr val="tx2"/>
+              </a:solidFill>
+              <a:effectLst>
+                <a:outerShdw blurRad="31750" dist="25400" dir="5400000" algn="tl" rotWithShape="0">
+                  <a:srgbClr val="000000">
+                    <a:alpha val="25000"/>
+                  </a:srgbClr>
+                </a:outerShdw>
+              </a:effectLst>
+              <a:uLnTx/>
+              <a:uFillTx/>
+              <a:latin typeface="+mj-lt"/>
+              <a:ea typeface="+mj-ea"/>
+              <a:cs typeface="+mj-cs"/>
+            </a:endParaRPr>
+          </a:p>
+        </p:txBody>
+      </p:sp>
     </p:spTree>
     <p:extLst>
       <p:ext uri="{BB962C8B-B14F-4D97-AF65-F5344CB8AC3E}">
-        <p14:creationId xmlns:p14="http://schemas.microsoft.com/office/powerpoint/2010/main" val="2808115206"/>
+        <p14:creationId xmlns:p14="http://schemas.microsoft.com/office/powerpoint/2010/main" xmlns="" val="2808115206"/>
       </p:ext>
     </p:extLst>
   </p:cSld>
@@ -8615,59 +8904,22 @@
               <a:rPr lang="pl-PL" b="1" i="1" dirty="0" smtClean="0"/>
               <a:t>DEMO</a:t>
             </a:r>
+            <a:br>
+              <a:rPr lang="pl-PL" b="1" i="1" dirty="0" smtClean="0"/>
+            </a:br>
+            <a:r>
+              <a:rPr lang="pl-PL" b="1" i="1" dirty="0" smtClean="0"/>
+              <a:t>(</a:t>
+            </a:r>
+            <a:r>
+              <a:rPr lang="pl-PL" b="1" i="1" dirty="0" err="1" smtClean="0"/>
+              <a:t>mapping</a:t>
+            </a:r>
+            <a:r>
+              <a:rPr lang="pl-PL" b="1" i="1" dirty="0" smtClean="0"/>
+              <a:t>)</a:t>
+            </a:r>
             <a:endParaRPr lang="pl-PL" b="1" i="1" dirty="0"/>
-          </a:p>
-        </p:txBody>
-      </p:sp>
-      <p:sp>
-        <p:nvSpPr>
-          <p:cNvPr id="3" name="Tytuł 2"/>
-          <p:cNvSpPr>
-            <a:spLocks noGrp="1"/>
-          </p:cNvSpPr>
-          <p:nvPr>
-            <p:ph type="title"/>
-          </p:nvPr>
-        </p:nvSpPr>
-        <p:spPr/>
-        <p:txBody>
-          <a:bodyPr>
-            <a:normAutofit fontScale="90000"/>
-          </a:bodyPr>
-          <a:lstStyle/>
-          <a:p>
-            <a:r>
-              <a:rPr lang="pl-PL" sz="4400" dirty="0" smtClean="0"/>
-              <a:t>DB first </a:t>
-            </a:r>
-            <a:r>
-              <a:rPr lang="pl-PL" sz="4400" dirty="0" err="1" smtClean="0"/>
-              <a:t>vs</a:t>
-            </a:r>
-            <a:r>
-              <a:rPr lang="pl-PL" sz="4400" dirty="0" smtClean="0"/>
-              <a:t> </a:t>
-            </a:r>
-            <a:r>
-              <a:rPr lang="pl-PL" sz="4400" dirty="0" err="1" smtClean="0"/>
-              <a:t>Code</a:t>
-            </a:r>
-            <a:r>
-              <a:rPr lang="pl-PL" sz="4400" dirty="0" smtClean="0"/>
-              <a:t> first </a:t>
-            </a:r>
-            <a:br>
-              <a:rPr lang="pl-PL" sz="4400" dirty="0" smtClean="0"/>
-            </a:br>
-            <a:r>
-              <a:rPr lang="pl-PL" sz="4400" dirty="0" err="1" smtClean="0"/>
-              <a:t>vs</a:t>
-            </a:r>
-            <a:r>
-              <a:rPr lang="pl-PL" sz="4400" dirty="0" smtClean="0"/>
-              <a:t> Model first</a:t>
-            </a:r>
-            <a:endParaRPr lang="pl-PL" dirty="0"/>
           </a:p>
         </p:txBody>
       </p:sp>
@@ -8707,7 +8959,7 @@
           <a:blip r:embed="rId3" cstate="print">
             <a:extLst>
               <a:ext uri="{28A0092B-C50C-407E-A947-70E740481C1C}">
-                <a14:useLocalDpi xmlns:a14="http://schemas.microsoft.com/office/drawing/2010/main" val="0"/>
+                <a14:useLocalDpi xmlns:a14="http://schemas.microsoft.com/office/drawing/2010/main" xmlns="" val="0"/>
               </a:ext>
             </a:extLst>
           </a:blip>
@@ -8725,10 +8977,44 @@
           </a:prstGeom>
         </p:spPr>
       </p:pic>
+      <p:sp>
+        <p:nvSpPr>
+          <p:cNvPr id="7" name="Tytuł 2"/>
+          <p:cNvSpPr>
+            <a:spLocks noGrp="1"/>
+          </p:cNvSpPr>
+          <p:nvPr>
+            <p:ph type="title"/>
+          </p:nvPr>
+        </p:nvSpPr>
+        <p:spPr>
+          <a:xfrm>
+            <a:off x="457200" y="274638"/>
+            <a:ext cx="8229600" cy="1143000"/>
+          </a:xfrm>
+        </p:spPr>
+        <p:txBody>
+          <a:bodyPr>
+            <a:normAutofit/>
+          </a:bodyPr>
+          <a:lstStyle/>
+          <a:p>
+            <a:r>
+              <a:rPr lang="pl-PL" sz="4400" dirty="0" smtClean="0"/>
+              <a:t>Operacje na </a:t>
+            </a:r>
+            <a:r>
+              <a:rPr lang="pl-PL" sz="4400" dirty="0" smtClean="0"/>
+              <a:t>modelu</a:t>
+            </a:r>
+            <a:endParaRPr lang="pl-PL" dirty="0"/>
+          </a:p>
+        </p:txBody>
+      </p:sp>
     </p:spTree>
     <p:extLst>
       <p:ext uri="{BB962C8B-B14F-4D97-AF65-F5344CB8AC3E}">
-        <p14:creationId xmlns:p14="http://schemas.microsoft.com/office/powerpoint/2010/main" val="2808115206"/>
+        <p14:creationId xmlns:p14="http://schemas.microsoft.com/office/powerpoint/2010/main" xmlns="" val="2808115206"/>
       </p:ext>
     </p:extLst>
   </p:cSld>
@@ -8847,7 +9133,7 @@
           <a:blip r:embed="rId3" cstate="print">
             <a:extLst>
               <a:ext uri="{28A0092B-C50C-407E-A947-70E740481C1C}">
-                <a14:useLocalDpi xmlns:a14="http://schemas.microsoft.com/office/drawing/2010/main" val="0"/>
+                <a14:useLocalDpi xmlns:a14="http://schemas.microsoft.com/office/drawing/2010/main" xmlns="" val="0"/>
               </a:ext>
             </a:extLst>
           </a:blip>
@@ -8900,7 +9186,7 @@
     </p:spTree>
     <p:extLst>
       <p:ext uri="{BB962C8B-B14F-4D97-AF65-F5344CB8AC3E}">
-        <p14:creationId xmlns:p14="http://schemas.microsoft.com/office/powerpoint/2010/main" val="2808115206"/>
+        <p14:creationId xmlns:p14="http://schemas.microsoft.com/office/powerpoint/2010/main" xmlns="" val="2808115206"/>
       </p:ext>
     </p:extLst>
   </p:cSld>
@@ -9019,7 +9305,7 @@
           <a:blip r:embed="rId3" cstate="print">
             <a:extLst>
               <a:ext uri="{28A0092B-C50C-407E-A947-70E740481C1C}">
-                <a14:useLocalDpi xmlns:a14="http://schemas.microsoft.com/office/drawing/2010/main" val="0"/>
+                <a14:useLocalDpi xmlns:a14="http://schemas.microsoft.com/office/drawing/2010/main" xmlns="" val="0"/>
               </a:ext>
             </a:extLst>
           </a:blip>
@@ -9072,7 +9358,7 @@
     </p:spTree>
     <p:extLst>
       <p:ext uri="{BB962C8B-B14F-4D97-AF65-F5344CB8AC3E}">
-        <p14:creationId xmlns:p14="http://schemas.microsoft.com/office/powerpoint/2010/main" val="2808115206"/>
+        <p14:creationId xmlns:p14="http://schemas.microsoft.com/office/powerpoint/2010/main" xmlns="" val="2808115206"/>
       </p:ext>
     </p:extLst>
   </p:cSld>
@@ -9130,6 +9416,30 @@
             <a:endParaRPr lang="pl-PL" b="1" dirty="0" smtClean="0"/>
           </a:p>
           <a:p>
+            <a:pPr lvl="1"/>
+            <a:r>
+              <a:rPr lang="pl-PL" dirty="0" smtClean="0"/>
+              <a:t>drzewo </a:t>
+            </a:r>
+            <a:r>
+              <a:rPr lang="pl-PL" dirty="0" smtClean="0"/>
+              <a:t>wyrażeń </a:t>
+            </a:r>
+            <a:r>
+              <a:rPr lang="pl-PL" dirty="0" smtClean="0"/>
+              <a:t>skojarzone z </a:t>
+            </a:r>
+            <a:r>
+              <a:rPr lang="pl-PL" dirty="0" smtClean="0"/>
+              <a:t>obiektem </a:t>
+            </a:r>
+            <a:r>
+              <a:rPr lang="pl-PL" dirty="0" err="1" smtClean="0"/>
+              <a:t>IQueryable</a:t>
+            </a:r>
+            <a:endParaRPr lang="pl-PL" b="1" dirty="0" smtClean="0"/>
+          </a:p>
+          <a:p>
             <a:endParaRPr lang="pl-PL" b="1" dirty="0" smtClean="0"/>
           </a:p>
           <a:p>
@@ -9166,18 +9476,19 @@
             </a:r>
             <a:r>
               <a:rPr lang="pl-PL" b="1" dirty="0" smtClean="0"/>
-              <a:t>() etc</a:t>
-            </a:r>
+              <a:t>(), etc.</a:t>
+            </a:r>
+            <a:endParaRPr lang="pl-PL" b="1" dirty="0" smtClean="0"/>
           </a:p>
           <a:p>
             <a:pPr lvl="1"/>
             <a:r>
               <a:rPr lang="pl-PL" dirty="0" smtClean="0"/>
-              <a:t>drzewo wyrażenia skojarzone z obiektem </a:t>
-            </a:r>
-            <a:r>
-              <a:rPr lang="pl-PL" dirty="0" err="1" smtClean="0"/>
-              <a:t>IQueryable</a:t>
+              <a:t>drzewo </a:t>
+            </a:r>
+            <a:r>
+              <a:rPr lang="pl-PL" dirty="0" smtClean="0"/>
+              <a:t>wyrażenia</a:t>
             </a:r>
             <a:r>
               <a:rPr lang="pl-PL" dirty="0" smtClean="0"/>
@@ -9251,7 +9562,7 @@
           <a:blip r:embed="rId3" cstate="print">
             <a:extLst>
               <a:ext uri="{28A0092B-C50C-407E-A947-70E740481C1C}">
-                <a14:useLocalDpi xmlns:a14="http://schemas.microsoft.com/office/drawing/2010/main" val="0"/>
+                <a14:useLocalDpi xmlns:a14="http://schemas.microsoft.com/office/drawing/2010/main" xmlns="" val="0"/>
               </a:ext>
             </a:extLst>
           </a:blip>
@@ -9272,7 +9583,7 @@
     </p:spTree>
     <p:extLst>
       <p:ext uri="{BB962C8B-B14F-4D97-AF65-F5344CB8AC3E}">
-        <p14:creationId xmlns:p14="http://schemas.microsoft.com/office/powerpoint/2010/main" val="2808115206"/>
+        <p14:creationId xmlns:p14="http://schemas.microsoft.com/office/powerpoint/2010/main" xmlns="" val="2808115206"/>
       </p:ext>
     </p:extLst>
   </p:cSld>
@@ -9330,6 +9641,21 @@
               <a:rPr lang="pl-PL" b="1" i="1" dirty="0" smtClean="0"/>
               <a:t>DEMO</a:t>
             </a:r>
+            <a:br>
+              <a:rPr lang="pl-PL" b="1" i="1" dirty="0" smtClean="0"/>
+            </a:br>
+            <a:r>
+              <a:rPr lang="pl-PL" b="1" i="1" dirty="0" smtClean="0"/>
+              <a:t>(</a:t>
+            </a:r>
+            <a:r>
+              <a:rPr lang="pl-PL" b="1" i="1" dirty="0" err="1" smtClean="0"/>
+              <a:t>Queryable</a:t>
+            </a:r>
+            <a:r>
+              <a:rPr lang="pl-PL" b="1" i="1" dirty="0" smtClean="0"/>
+              <a:t>)</a:t>
+            </a:r>
             <a:endParaRPr lang="pl-PL" b="1" i="1" dirty="0"/>
           </a:p>
         </p:txBody>
@@ -9395,7 +9721,7 @@
           <a:blip r:embed="rId3" cstate="print">
             <a:extLst>
               <a:ext uri="{28A0092B-C50C-407E-A947-70E740481C1C}">
-                <a14:useLocalDpi xmlns:a14="http://schemas.microsoft.com/office/drawing/2010/main" val="0"/>
+                <a14:useLocalDpi xmlns:a14="http://schemas.microsoft.com/office/drawing/2010/main" xmlns="" val="0"/>
               </a:ext>
             </a:extLst>
           </a:blip>
@@ -9416,7 +9742,7 @@
     </p:spTree>
     <p:extLst>
       <p:ext uri="{BB962C8B-B14F-4D97-AF65-F5344CB8AC3E}">
-        <p14:creationId xmlns:p14="http://schemas.microsoft.com/office/powerpoint/2010/main" val="2808115206"/>
+        <p14:creationId xmlns:p14="http://schemas.microsoft.com/office/powerpoint/2010/main" xmlns="" val="2808115206"/>
       </p:ext>
     </p:extLst>
   </p:cSld>
@@ -9535,7 +9861,7 @@
           <a:blip r:embed="rId3" cstate="print">
             <a:extLst>
               <a:ext uri="{28A0092B-C50C-407E-A947-70E740481C1C}">
-                <a14:useLocalDpi xmlns:a14="http://schemas.microsoft.com/office/drawing/2010/main" val="0"/>
+                <a14:useLocalDpi xmlns:a14="http://schemas.microsoft.com/office/drawing/2010/main" xmlns="" val="0"/>
               </a:ext>
             </a:extLst>
           </a:blip>
@@ -9588,7 +9914,7 @@
     </p:spTree>
     <p:extLst>
       <p:ext uri="{BB962C8B-B14F-4D97-AF65-F5344CB8AC3E}">
-        <p14:creationId xmlns:p14="http://schemas.microsoft.com/office/powerpoint/2010/main" val="2808115206"/>
+        <p14:creationId xmlns:p14="http://schemas.microsoft.com/office/powerpoint/2010/main" xmlns="" val="2808115206"/>
       </p:ext>
     </p:extLst>
   </p:cSld>
@@ -9747,7 +10073,7 @@
           <a:blip r:embed="rId3" cstate="print">
             <a:extLst>
               <a:ext uri="{28A0092B-C50C-407E-A947-70E740481C1C}">
-                <a14:useLocalDpi xmlns:a14="http://schemas.microsoft.com/office/drawing/2010/main" val="0"/>
+                <a14:useLocalDpi xmlns:a14="http://schemas.microsoft.com/office/drawing/2010/main" xmlns="" val="0"/>
               </a:ext>
             </a:extLst>
           </a:blip>
@@ -9768,7 +10094,7 @@
     </p:spTree>
     <p:extLst>
       <p:ext uri="{BB962C8B-B14F-4D97-AF65-F5344CB8AC3E}">
-        <p14:creationId xmlns:p14="http://schemas.microsoft.com/office/powerpoint/2010/main" val="2808115206"/>
+        <p14:creationId xmlns:p14="http://schemas.microsoft.com/office/powerpoint/2010/main" xmlns="" val="2808115206"/>
       </p:ext>
     </p:extLst>
   </p:cSld>
@@ -9815,7 +10141,7 @@
         <p:spPr/>
         <p:txBody>
           <a:bodyPr>
-            <a:normAutofit/>
+            <a:normAutofit fontScale="92500" lnSpcReduction="20000"/>
           </a:bodyPr>
           <a:lstStyle/>
           <a:p>
@@ -9895,8 +10221,52 @@
             </a:pPr>
             <a:r>
               <a:rPr lang="pl-PL" sz="3200" dirty="0" smtClean="0"/>
+              <a:t>Operacje na modelu</a:t>
+            </a:r>
+          </a:p>
+          <a:p>
+            <a:pPr marL="880110" lvl="1" indent="-514350">
+              <a:buNone/>
+            </a:pPr>
+            <a:r>
+              <a:rPr lang="pl-PL" sz="2400" dirty="0" smtClean="0"/>
+              <a:t>	</a:t>
+            </a:r>
+            <a:r>
+              <a:rPr lang="pl-PL" sz="2400" dirty="0" smtClean="0"/>
               <a:t>Konstruowanie zapytań</a:t>
             </a:r>
+          </a:p>
+          <a:p>
+            <a:pPr marL="880110" lvl="1" indent="-514350">
+              <a:buNone/>
+            </a:pPr>
+            <a:r>
+              <a:rPr lang="pl-PL" sz="2400" dirty="0" smtClean="0"/>
+              <a:t>	Śledzenie zmian </a:t>
+            </a:r>
+            <a:r>
+              <a:rPr lang="pl-PL" sz="2400" dirty="0" smtClean="0"/>
+              <a:t>modelu</a:t>
+            </a:r>
+          </a:p>
+          <a:p>
+            <a:pPr marL="880110" lvl="1" indent="-514350">
+              <a:buNone/>
+            </a:pPr>
+            <a:r>
+              <a:rPr lang="pl-PL" sz="2400" dirty="0" smtClean="0"/>
+              <a:t>	</a:t>
+            </a:r>
+            <a:r>
+              <a:rPr lang="pl-PL" sz="2400" dirty="0" err="1" smtClean="0"/>
+              <a:t>Persystowanie</a:t>
+            </a:r>
+            <a:r>
+              <a:rPr lang="pl-PL" sz="2400" dirty="0" smtClean="0"/>
+              <a:t> zmian</a:t>
+            </a:r>
+            <a:endParaRPr lang="pl-PL" sz="2400" dirty="0" smtClean="0"/>
           </a:p>
           <a:p>
             <a:pPr marL="624078" indent="-514350">
@@ -9909,7 +10279,11 @@
             </a:r>
             <a:r>
               <a:rPr lang="pl-PL" sz="3200" dirty="0" smtClean="0"/>
-              <a:t> &amp; </a:t>
+              <a:t> </a:t>
+            </a:r>
+            <a:r>
+              <a:rPr lang="pl-PL" sz="3200" dirty="0" smtClean="0"/>
+              <a:t>&amp; </a:t>
             </a:r>
             <a:r>
               <a:rPr lang="pl-PL" sz="3200" dirty="0" err="1" smtClean="0"/>
@@ -10009,10 +10383,10 @@
           <p:nvPr/>
         </p:nvPicPr>
         <p:blipFill>
-          <a:blip r:embed="rId2" cstate="print">
+          <a:blip r:embed="rId3" cstate="print">
             <a:extLst>
               <a:ext uri="{28A0092B-C50C-407E-A947-70E740481C1C}">
-                <a14:useLocalDpi xmlns:a14="http://schemas.microsoft.com/office/drawing/2010/main" val="0"/>
+                <a14:useLocalDpi xmlns:a14="http://schemas.microsoft.com/office/drawing/2010/main" xmlns="" val="0"/>
               </a:ext>
             </a:extLst>
           </a:blip>
@@ -10033,7 +10407,7 @@
     </p:spTree>
     <p:extLst>
       <p:ext uri="{BB962C8B-B14F-4D97-AF65-F5344CB8AC3E}">
-        <p14:creationId xmlns:p14="http://schemas.microsoft.com/office/powerpoint/2010/main" val="718025446"/>
+        <p14:creationId xmlns:p14="http://schemas.microsoft.com/office/powerpoint/2010/main" xmlns="" val="718025446"/>
       </p:ext>
     </p:extLst>
   </p:cSld>
@@ -10109,10 +10483,17 @@
           <a:lstStyle/>
           <a:p>
             <a:r>
+              <a:rPr lang="pl-PL" dirty="0" err="1" smtClean="0"/>
+              <a:t>Persystowanie</a:t>
+            </a:r>
+            <a:r>
               <a:rPr lang="pl-PL" dirty="0" smtClean="0"/>
-              <a:t>Śledzenie zmian modelu</a:t>
-            </a:r>
-            <a:endParaRPr lang="pl-PL" dirty="0"/>
+              <a:t> </a:t>
+            </a:r>
+            <a:r>
+              <a:rPr lang="pl-PL" dirty="0" smtClean="0"/>
+              <a:t>zmian</a:t>
+            </a:r>
           </a:p>
         </p:txBody>
       </p:sp>
@@ -10152,7 +10533,186 @@
           <a:blip r:embed="rId3" cstate="print">
             <a:extLst>
               <a:ext uri="{28A0092B-C50C-407E-A947-70E740481C1C}">
-                <a14:useLocalDpi xmlns:a14="http://schemas.microsoft.com/office/drawing/2010/main" val="0"/>
+                <a14:useLocalDpi xmlns:a14="http://schemas.microsoft.com/office/drawing/2010/main" xmlns="" val="0"/>
+              </a:ext>
+            </a:extLst>
+          </a:blip>
+          <a:stretch>
+            <a:fillRect/>
+          </a:stretch>
+        </p:blipFill>
+        <p:spPr>
+          <a:xfrm>
+            <a:off x="179512" y="6165304"/>
+            <a:ext cx="1008112" cy="574214"/>
+          </a:xfrm>
+          <a:prstGeom prst="rect">
+            <a:avLst/>
+          </a:prstGeom>
+        </p:spPr>
+      </p:pic>
+      <p:pic>
+        <p:nvPicPr>
+          <p:cNvPr id="2050" name="Picture 2"/>
+          <p:cNvPicPr>
+            <a:picLocks noChangeAspect="1" noChangeArrowheads="1"/>
+          </p:cNvPicPr>
+          <p:nvPr/>
+        </p:nvPicPr>
+        <p:blipFill>
+          <a:blip r:embed="rId4" cstate="print"/>
+          <a:srcRect/>
+          <a:stretch>
+            <a:fillRect/>
+          </a:stretch>
+        </p:blipFill>
+        <p:spPr bwMode="auto">
+          <a:xfrm>
+            <a:off x="72008" y="2320182"/>
+            <a:ext cx="8964488" cy="2637581"/>
+          </a:xfrm>
+          <a:prstGeom prst="rect">
+            <a:avLst/>
+          </a:prstGeom>
+          <a:noFill/>
+          <a:ln w="9525">
+            <a:noFill/>
+            <a:miter lim="800000"/>
+            <a:headEnd/>
+            <a:tailEnd/>
+          </a:ln>
+        </p:spPr>
+      </p:pic>
+    </p:spTree>
+    <p:extLst>
+      <p:ext uri="{BB962C8B-B14F-4D97-AF65-F5344CB8AC3E}">
+        <p14:creationId xmlns:p14="http://schemas.microsoft.com/office/powerpoint/2010/main" xmlns="" val="2808115206"/>
+      </p:ext>
+    </p:extLst>
+  </p:cSld>
+  <p:clrMapOvr>
+    <a:masterClrMapping/>
+  </p:clrMapOvr>
+  <p:timing>
+    <p:tnLst>
+      <p:par>
+        <p:cTn id="1" dur="indefinite" restart="never" nodeType="tmRoot"/>
+      </p:par>
+    </p:tnLst>
+  </p:timing>
+</p:sld>
+</file>
+
+<file path=ppt/slides/slide21.xml><?xml version="1.0" encoding="utf-8"?>
+<p:sld xmlns:a="http://schemas.openxmlformats.org/drawingml/2006/main" xmlns:r="http://schemas.openxmlformats.org/officeDocument/2006/relationships" xmlns:p="http://schemas.openxmlformats.org/presentationml/2006/main">
+  <p:cSld>
+    <p:spTree>
+      <p:nvGrpSpPr>
+        <p:cNvPr id="1" name=""/>
+        <p:cNvGrpSpPr/>
+        <p:nvPr/>
+      </p:nvGrpSpPr>
+      <p:grpSpPr>
+        <a:xfrm>
+          <a:off x="0" y="0"/>
+          <a:ext cx="0" cy="0"/>
+          <a:chOff x="0" y="0"/>
+          <a:chExt cx="0" cy="0"/>
+        </a:xfrm>
+      </p:grpSpPr>
+      <p:sp>
+        <p:nvSpPr>
+          <p:cNvPr id="2" name="Symbol zastępczy zawartości 1"/>
+          <p:cNvSpPr>
+            <a:spLocks noGrp="1"/>
+          </p:cNvSpPr>
+          <p:nvPr>
+            <p:ph idx="1"/>
+          </p:nvPr>
+        </p:nvSpPr>
+        <p:spPr/>
+        <p:txBody>
+          <a:bodyPr>
+            <a:normAutofit/>
+          </a:bodyPr>
+          <a:lstStyle/>
+          <a:p>
+            <a:pPr algn="ctr">
+              <a:buNone/>
+            </a:pPr>
+            <a:endParaRPr lang="pl-PL" b="1" i="1" dirty="0"/>
+          </a:p>
+        </p:txBody>
+      </p:sp>
+      <p:sp>
+        <p:nvSpPr>
+          <p:cNvPr id="3" name="Tytuł 2"/>
+          <p:cNvSpPr>
+            <a:spLocks noGrp="1"/>
+          </p:cNvSpPr>
+          <p:nvPr>
+            <p:ph type="title"/>
+          </p:nvPr>
+        </p:nvSpPr>
+        <p:spPr/>
+        <p:txBody>
+          <a:bodyPr>
+            <a:normAutofit/>
+          </a:bodyPr>
+          <a:lstStyle/>
+          <a:p>
+            <a:r>
+              <a:rPr lang="pl-PL" dirty="0" err="1" smtClean="0"/>
+              <a:t>Persystowanie</a:t>
+            </a:r>
+            <a:r>
+              <a:rPr lang="pl-PL" dirty="0" smtClean="0"/>
+              <a:t> </a:t>
+            </a:r>
+            <a:r>
+              <a:rPr lang="pl-PL" dirty="0" smtClean="0"/>
+              <a:t>zmian</a:t>
+            </a:r>
+          </a:p>
+        </p:txBody>
+      </p:sp>
+      <p:sp>
+        <p:nvSpPr>
+          <p:cNvPr id="4" name="Symbol zastępczy numeru slajdu 3"/>
+          <p:cNvSpPr>
+            <a:spLocks noGrp="1"/>
+          </p:cNvSpPr>
+          <p:nvPr>
+            <p:ph type="sldNum" sz="quarter" idx="12"/>
+          </p:nvPr>
+        </p:nvSpPr>
+        <p:spPr/>
+        <p:txBody>
+          <a:bodyPr/>
+          <a:lstStyle/>
+          <a:p>
+            <a:fld id="{976B8C4A-E01E-49C4-A342-E776841D1431}" type="slidenum">
+              <a:rPr lang="pl-PL" smtClean="0"/>
+              <a:pPr/>
+              <a:t>21</a:t>
+            </a:fld>
+            <a:endParaRPr lang="pl-PL"/>
+          </a:p>
+        </p:txBody>
+      </p:sp>
+      <p:pic>
+        <p:nvPicPr>
+          <p:cNvPr id="5" name="Obraz 4"/>
+          <p:cNvPicPr>
+            <a:picLocks noChangeAspect="1"/>
+          </p:cNvPicPr>
+          <p:nvPr/>
+        </p:nvPicPr>
+        <p:blipFill>
+          <a:blip r:embed="rId3" cstate="print">
+            <a:extLst>
+              <a:ext uri="{28A0092B-C50C-407E-A947-70E740481C1C}">
+                <a14:useLocalDpi xmlns:a14="http://schemas.microsoft.com/office/drawing/2010/main" xmlns="" val="0"/>
               </a:ext>
             </a:extLst>
           </a:blip>
@@ -10205,193 +10765,7 @@
     </p:spTree>
     <p:extLst>
       <p:ext uri="{BB962C8B-B14F-4D97-AF65-F5344CB8AC3E}">
-        <p14:creationId xmlns:p14="http://schemas.microsoft.com/office/powerpoint/2010/main" val="2808115206"/>
-      </p:ext>
-    </p:extLst>
-  </p:cSld>
-  <p:clrMapOvr>
-    <a:masterClrMapping/>
-  </p:clrMapOvr>
-  <p:timing>
-    <p:tnLst>
-      <p:par>
-        <p:cTn id="1" dur="indefinite" restart="never" nodeType="tmRoot"/>
-      </p:par>
-    </p:tnLst>
-  </p:timing>
-</p:sld>
-</file>
-
-<file path=ppt/slides/slide21.xml><?xml version="1.0" encoding="utf-8"?>
-<p:sld xmlns:a="http://schemas.openxmlformats.org/drawingml/2006/main" xmlns:r="http://schemas.openxmlformats.org/officeDocument/2006/relationships" xmlns:p="http://schemas.openxmlformats.org/presentationml/2006/main">
-  <p:cSld>
-    <p:spTree>
-      <p:nvGrpSpPr>
-        <p:cNvPr id="1" name=""/>
-        <p:cNvGrpSpPr/>
-        <p:nvPr/>
-      </p:nvGrpSpPr>
-      <p:grpSpPr>
-        <a:xfrm>
-          <a:off x="0" y="0"/>
-          <a:ext cx="0" cy="0"/>
-          <a:chOff x="0" y="0"/>
-          <a:chExt cx="0" cy="0"/>
-        </a:xfrm>
-      </p:grpSpPr>
-      <p:sp>
-        <p:nvSpPr>
-          <p:cNvPr id="2" name="Symbol zastępczy zawartości 1"/>
-          <p:cNvSpPr>
-            <a:spLocks noGrp="1"/>
-          </p:cNvSpPr>
-          <p:nvPr>
-            <p:ph idx="1"/>
-          </p:nvPr>
-        </p:nvSpPr>
-        <p:spPr/>
-        <p:txBody>
-          <a:bodyPr>
-            <a:normAutofit/>
-          </a:bodyPr>
-          <a:lstStyle/>
-          <a:p>
-            <a:endParaRPr lang="pl-PL" dirty="0"/>
-          </a:p>
-        </p:txBody>
-      </p:sp>
-      <p:sp>
-        <p:nvSpPr>
-          <p:cNvPr id="3" name="Tytuł 2"/>
-          <p:cNvSpPr>
-            <a:spLocks noGrp="1"/>
-          </p:cNvSpPr>
-          <p:nvPr>
-            <p:ph type="title"/>
-          </p:nvPr>
-        </p:nvSpPr>
-        <p:spPr/>
-        <p:txBody>
-          <a:bodyPr>
-            <a:normAutofit/>
-          </a:bodyPr>
-          <a:lstStyle/>
-          <a:p>
-            <a:r>
-              <a:rPr lang="pl-PL" dirty="0" err="1" smtClean="0"/>
-              <a:t>Tips</a:t>
-            </a:r>
-            <a:r>
-              <a:rPr lang="pl-PL" dirty="0" smtClean="0"/>
-              <a:t> and </a:t>
-            </a:r>
-            <a:r>
-              <a:rPr lang="pl-PL" dirty="0" err="1" smtClean="0"/>
-              <a:t>tricks</a:t>
-            </a:r>
-            <a:endParaRPr lang="pl-PL" dirty="0"/>
-          </a:p>
-        </p:txBody>
-      </p:sp>
-      <p:sp>
-        <p:nvSpPr>
-          <p:cNvPr id="4" name="Symbol zastępczy numeru slajdu 3"/>
-          <p:cNvSpPr>
-            <a:spLocks noGrp="1"/>
-          </p:cNvSpPr>
-          <p:nvPr>
-            <p:ph type="sldNum" sz="quarter" idx="12"/>
-          </p:nvPr>
-        </p:nvSpPr>
-        <p:spPr/>
-        <p:txBody>
-          <a:bodyPr/>
-          <a:lstStyle/>
-          <a:p>
-            <a:fld id="{976B8C4A-E01E-49C4-A342-E776841D1431}" type="slidenum">
-              <a:rPr lang="pl-PL" smtClean="0"/>
-              <a:pPr/>
-              <a:t>21</a:t>
-            </a:fld>
-            <a:endParaRPr lang="pl-PL"/>
-          </a:p>
-        </p:txBody>
-      </p:sp>
-      <p:pic>
-        <p:nvPicPr>
-          <p:cNvPr id="5" name="Obraz 4"/>
-          <p:cNvPicPr>
-            <a:picLocks noChangeAspect="1"/>
-          </p:cNvPicPr>
-          <p:nvPr/>
-        </p:nvPicPr>
-        <p:blipFill>
-          <a:blip r:embed="rId3" cstate="print">
-            <a:extLst>
-              <a:ext uri="{28A0092B-C50C-407E-A947-70E740481C1C}">
-                <a14:useLocalDpi xmlns:a14="http://schemas.microsoft.com/office/drawing/2010/main" val="0"/>
-              </a:ext>
-            </a:extLst>
-          </a:blip>
-          <a:stretch>
-            <a:fillRect/>
-          </a:stretch>
-        </p:blipFill>
-        <p:spPr>
-          <a:xfrm>
-            <a:off x="179512" y="6165304"/>
-            <a:ext cx="1008112" cy="574214"/>
-          </a:xfrm>
-          <a:prstGeom prst="rect">
-            <a:avLst/>
-          </a:prstGeom>
-        </p:spPr>
-      </p:pic>
-      <p:pic>
-        <p:nvPicPr>
-          <p:cNvPr id="1026" name="Picture 2" descr="https://menstrualcupreviews.net/images/blog/tips-and-tricks-for-your-menstrual-cup1.jpg"/>
-          <p:cNvPicPr>
-            <a:picLocks noChangeAspect="1" noChangeArrowheads="1"/>
-          </p:cNvPicPr>
-          <p:nvPr/>
-        </p:nvPicPr>
-        <p:blipFill>
-          <a:blip r:embed="rId4">
-            <a:extLst>
-              <a:ext uri="{28A0092B-C50C-407E-A947-70E740481C1C}">
-                <a14:useLocalDpi xmlns:a14="http://schemas.microsoft.com/office/drawing/2010/main" val="0"/>
-              </a:ext>
-            </a:extLst>
-          </a:blip>
-          <a:srcRect/>
-          <a:stretch>
-            <a:fillRect/>
-          </a:stretch>
-        </p:blipFill>
-        <p:spPr bwMode="auto">
-          <a:xfrm>
-            <a:off x="2267744" y="2204864"/>
-            <a:ext cx="4689487" cy="3071615"/>
-          </a:xfrm>
-          <a:prstGeom prst="rect">
-            <a:avLst/>
-          </a:prstGeom>
-          <a:noFill/>
-          <a:extLst>
-            <a:ext uri="{909E8E84-426E-40DD-AFC4-6F175D3DCCD1}">
-              <a14:hiddenFill xmlns:a14="http://schemas.microsoft.com/office/drawing/2010/main">
-                <a:solidFill>
-                  <a:srgbClr val="FFFFFF"/>
-                </a:solidFill>
-              </a14:hiddenFill>
-            </a:ext>
-          </a:extLst>
-        </p:spPr>
-      </p:pic>
-    </p:spTree>
-    <p:extLst>
-      <p:ext uri="{BB962C8B-B14F-4D97-AF65-F5344CB8AC3E}">
-        <p14:creationId xmlns:p14="http://schemas.microsoft.com/office/powerpoint/2010/main" val="2808115206"/>
+        <p14:creationId xmlns:p14="http://schemas.microsoft.com/office/powerpoint/2010/main" xmlns="" val="2808115206"/>
       </p:ext>
     </p:extLst>
   </p:cSld>
@@ -10442,21 +10816,6 @@
           </a:bodyPr>
           <a:lstStyle/>
           <a:p>
-            <a:pPr marL="109728" indent="0">
-              <a:buNone/>
-            </a:pPr>
-            <a:r>
-              <a:rPr lang="pl-PL" dirty="0" err="1" smtClean="0"/>
-              <a:t>Future</a:t>
-            </a:r>
-            <a:r>
-              <a:rPr lang="pl-PL" dirty="0" smtClean="0"/>
-              <a:t> </a:t>
-            </a:r>
-            <a:r>
-              <a:rPr lang="pl-PL" dirty="0" err="1" smtClean="0"/>
-              <a:t>queries</a:t>
-            </a:r>
             <a:endParaRPr lang="pl-PL" dirty="0"/>
           </a:p>
         </p:txBody>
@@ -10530,7 +10889,208 @@
           <a:blip r:embed="rId3" cstate="print">
             <a:extLst>
               <a:ext uri="{28A0092B-C50C-407E-A947-70E740481C1C}">
-                <a14:useLocalDpi xmlns:a14="http://schemas.microsoft.com/office/drawing/2010/main" val="0"/>
+                <a14:useLocalDpi xmlns:a14="http://schemas.microsoft.com/office/drawing/2010/main" xmlns="" val="0"/>
+              </a:ext>
+            </a:extLst>
+          </a:blip>
+          <a:stretch>
+            <a:fillRect/>
+          </a:stretch>
+        </p:blipFill>
+        <p:spPr>
+          <a:xfrm>
+            <a:off x="179512" y="6165304"/>
+            <a:ext cx="1008112" cy="574214"/>
+          </a:xfrm>
+          <a:prstGeom prst="rect">
+            <a:avLst/>
+          </a:prstGeom>
+        </p:spPr>
+      </p:pic>
+      <p:pic>
+        <p:nvPicPr>
+          <p:cNvPr id="1026" name="Picture 2" descr="https://menstrualcupreviews.net/images/blog/tips-and-tricks-for-your-menstrual-cup1.jpg"/>
+          <p:cNvPicPr>
+            <a:picLocks noChangeAspect="1" noChangeArrowheads="1"/>
+          </p:cNvPicPr>
+          <p:nvPr/>
+        </p:nvPicPr>
+        <p:blipFill>
+          <a:blip r:embed="rId4" cstate="print">
+            <a:extLst>
+              <a:ext uri="{28A0092B-C50C-407E-A947-70E740481C1C}">
+                <a14:useLocalDpi xmlns:a14="http://schemas.microsoft.com/office/drawing/2010/main" xmlns="" val="0"/>
+              </a:ext>
+            </a:extLst>
+          </a:blip>
+          <a:srcRect/>
+          <a:stretch>
+            <a:fillRect/>
+          </a:stretch>
+        </p:blipFill>
+        <p:spPr bwMode="auto">
+          <a:xfrm>
+            <a:off x="2267744" y="2204864"/>
+            <a:ext cx="4689487" cy="3071615"/>
+          </a:xfrm>
+          <a:prstGeom prst="rect">
+            <a:avLst/>
+          </a:prstGeom>
+          <a:noFill/>
+          <a:extLst>
+            <a:ext uri="{909E8E84-426E-40DD-AFC4-6F175D3DCCD1}">
+              <a14:hiddenFill xmlns:a14="http://schemas.microsoft.com/office/drawing/2010/main" xmlns="">
+                <a:solidFill>
+                  <a:srgbClr val="FFFFFF"/>
+                </a:solidFill>
+              </a14:hiddenFill>
+            </a:ext>
+          </a:extLst>
+        </p:spPr>
+      </p:pic>
+    </p:spTree>
+    <p:extLst>
+      <p:ext uri="{BB962C8B-B14F-4D97-AF65-F5344CB8AC3E}">
+        <p14:creationId xmlns:p14="http://schemas.microsoft.com/office/powerpoint/2010/main" xmlns="" val="2808115206"/>
+      </p:ext>
+    </p:extLst>
+  </p:cSld>
+  <p:clrMapOvr>
+    <a:masterClrMapping/>
+  </p:clrMapOvr>
+  <p:timing>
+    <p:tnLst>
+      <p:par>
+        <p:cTn id="1" dur="indefinite" restart="never" nodeType="tmRoot"/>
+      </p:par>
+    </p:tnLst>
+  </p:timing>
+</p:sld>
+</file>
+
+<file path=ppt/slides/slide23.xml><?xml version="1.0" encoding="utf-8"?>
+<p:sld xmlns:a="http://schemas.openxmlformats.org/drawingml/2006/main" xmlns:r="http://schemas.openxmlformats.org/officeDocument/2006/relationships" xmlns:p="http://schemas.openxmlformats.org/presentationml/2006/main">
+  <p:cSld>
+    <p:spTree>
+      <p:nvGrpSpPr>
+        <p:cNvPr id="1" name=""/>
+        <p:cNvGrpSpPr/>
+        <p:nvPr/>
+      </p:nvGrpSpPr>
+      <p:grpSpPr>
+        <a:xfrm>
+          <a:off x="0" y="0"/>
+          <a:ext cx="0" cy="0"/>
+          <a:chOff x="0" y="0"/>
+          <a:chExt cx="0" cy="0"/>
+        </a:xfrm>
+      </p:grpSpPr>
+      <p:sp>
+        <p:nvSpPr>
+          <p:cNvPr id="2" name="Symbol zastępczy zawartości 1"/>
+          <p:cNvSpPr>
+            <a:spLocks noGrp="1"/>
+          </p:cNvSpPr>
+          <p:nvPr>
+            <p:ph idx="1"/>
+          </p:nvPr>
+        </p:nvSpPr>
+        <p:spPr/>
+        <p:txBody>
+          <a:bodyPr>
+            <a:normAutofit/>
+          </a:bodyPr>
+          <a:lstStyle/>
+          <a:p>
+            <a:pPr marL="109728" indent="0">
+              <a:buNone/>
+            </a:pPr>
+            <a:r>
+              <a:rPr lang="pl-PL" dirty="0" err="1" smtClean="0"/>
+              <a:t>Future</a:t>
+            </a:r>
+            <a:r>
+              <a:rPr lang="pl-PL" dirty="0" smtClean="0"/>
+              <a:t> </a:t>
+            </a:r>
+            <a:r>
+              <a:rPr lang="pl-PL" dirty="0" err="1" smtClean="0"/>
+              <a:t>queries</a:t>
+            </a:r>
+            <a:endParaRPr lang="pl-PL" dirty="0"/>
+          </a:p>
+        </p:txBody>
+      </p:sp>
+      <p:sp>
+        <p:nvSpPr>
+          <p:cNvPr id="3" name="Tytuł 2"/>
+          <p:cNvSpPr>
+            <a:spLocks noGrp="1"/>
+          </p:cNvSpPr>
+          <p:nvPr>
+            <p:ph type="title"/>
+          </p:nvPr>
+        </p:nvSpPr>
+        <p:spPr/>
+        <p:txBody>
+          <a:bodyPr>
+            <a:normAutofit/>
+          </a:bodyPr>
+          <a:lstStyle/>
+          <a:p>
+            <a:r>
+              <a:rPr lang="pl-PL" dirty="0" err="1" smtClean="0"/>
+              <a:t>Tips</a:t>
+            </a:r>
+            <a:r>
+              <a:rPr lang="pl-PL" dirty="0" smtClean="0"/>
+              <a:t> and </a:t>
+            </a:r>
+            <a:r>
+              <a:rPr lang="pl-PL" dirty="0" err="1" smtClean="0"/>
+              <a:t>tricks</a:t>
+            </a:r>
+            <a:endParaRPr lang="pl-PL" dirty="0"/>
+          </a:p>
+        </p:txBody>
+      </p:sp>
+      <p:sp>
+        <p:nvSpPr>
+          <p:cNvPr id="4" name="Symbol zastępczy numeru slajdu 3"/>
+          <p:cNvSpPr>
+            <a:spLocks noGrp="1"/>
+          </p:cNvSpPr>
+          <p:nvPr>
+            <p:ph type="sldNum" sz="quarter" idx="12"/>
+          </p:nvPr>
+        </p:nvSpPr>
+        <p:spPr/>
+        <p:txBody>
+          <a:bodyPr/>
+          <a:lstStyle/>
+          <a:p>
+            <a:fld id="{976B8C4A-E01E-49C4-A342-E776841D1431}" type="slidenum">
+              <a:rPr lang="pl-PL" smtClean="0"/>
+              <a:pPr/>
+              <a:t>23</a:t>
+            </a:fld>
+            <a:endParaRPr lang="pl-PL"/>
+          </a:p>
+        </p:txBody>
+      </p:sp>
+      <p:pic>
+        <p:nvPicPr>
+          <p:cNvPr id="5" name="Obraz 4"/>
+          <p:cNvPicPr>
+            <a:picLocks noChangeAspect="1"/>
+          </p:cNvPicPr>
+          <p:nvPr/>
+        </p:nvPicPr>
+        <p:blipFill>
+          <a:blip r:embed="rId3" cstate="print">
+            <a:extLst>
+              <a:ext uri="{28A0092B-C50C-407E-A947-70E740481C1C}">
+                <a14:useLocalDpi xmlns:a14="http://schemas.microsoft.com/office/drawing/2010/main" xmlns="" val="0"/>
               </a:ext>
             </a:extLst>
           </a:blip>
@@ -10755,7 +11315,7 @@
     </p:spTree>
     <p:extLst>
       <p:ext uri="{BB962C8B-B14F-4D97-AF65-F5344CB8AC3E}">
-        <p14:creationId xmlns:p14="http://schemas.microsoft.com/office/powerpoint/2010/main" val="1640579644"/>
+        <p14:creationId xmlns:p14="http://schemas.microsoft.com/office/powerpoint/2010/main" xmlns="" val="1640579644"/>
       </p:ext>
     </p:extLst>
   </p:cSld>
@@ -10772,7 +11332,7 @@
 </p:sld>
 </file>
 
-<file path=ppt/slides/slide23.xml><?xml version="1.0" encoding="utf-8"?>
+<file path=ppt/slides/slide24.xml><?xml version="1.0" encoding="utf-8"?>
 <p:sld xmlns:a="http://schemas.openxmlformats.org/drawingml/2006/main" xmlns:r="http://schemas.openxmlformats.org/officeDocument/2006/relationships" xmlns:p="http://schemas.openxmlformats.org/presentationml/2006/main">
   <p:cSld>
     <p:spTree>
@@ -10868,7 +11428,7 @@
             <a:fld id="{976B8C4A-E01E-49C4-A342-E776841D1431}" type="slidenum">
               <a:rPr lang="pl-PL" smtClean="0"/>
               <a:pPr/>
-              <a:t>23</a:t>
+              <a:t>24</a:t>
             </a:fld>
             <a:endParaRPr lang="pl-PL"/>
           </a:p>
@@ -10886,7 +11446,7 @@
           <a:blip r:embed="rId3" cstate="print">
             <a:extLst>
               <a:ext uri="{28A0092B-C50C-407E-A947-70E740481C1C}">
-                <a14:useLocalDpi xmlns:a14="http://schemas.microsoft.com/office/drawing/2010/main" val="0"/>
+                <a14:useLocalDpi xmlns:a14="http://schemas.microsoft.com/office/drawing/2010/main" xmlns="" val="0"/>
               </a:ext>
             </a:extLst>
           </a:blip>
@@ -11097,21 +11657,39 @@
           </a:lstStyle>
           <a:p>
             <a:pPr marL="109728" indent="0" algn="ctr">
-              <a:buFont typeface="Wingdings 3"/>
               <a:buNone/>
             </a:pPr>
             <a:r>
               <a:rPr lang="pl-PL" b="1" i="1" dirty="0" smtClean="0"/>
               <a:t>DEMO</a:t>
             </a:r>
-            <a:endParaRPr lang="pl-PL" b="1" i="1" dirty="0"/>
+            <a:r>
+              <a:rPr lang="pl-PL" b="1" i="1" dirty="0"/>
+              <a:t/>
+            </a:r>
+            <a:br>
+              <a:rPr lang="pl-PL" b="1" i="1" dirty="0"/>
+            </a:br>
+            <a:r>
+              <a:rPr lang="pl-PL" b="1" i="1" dirty="0" smtClean="0"/>
+              <a:t>(</a:t>
+            </a:r>
+            <a:r>
+              <a:rPr lang="pl-PL" b="1" i="1" dirty="0" err="1" smtClean="0"/>
+              <a:t>TrackChanges</a:t>
+            </a:r>
+            <a:r>
+              <a:rPr lang="pl-PL" b="1" i="1" dirty="0" smtClean="0"/>
+              <a:t>)</a:t>
+            </a:r>
+            <a:endParaRPr lang="pl-PL" b="1" i="1" dirty="0" smtClean="0"/>
           </a:p>
         </p:txBody>
       </p:sp>
     </p:spTree>
     <p:extLst>
       <p:ext uri="{BB962C8B-B14F-4D97-AF65-F5344CB8AC3E}">
-        <p14:creationId xmlns:p14="http://schemas.microsoft.com/office/powerpoint/2010/main" val="3474143783"/>
+        <p14:creationId xmlns:p14="http://schemas.microsoft.com/office/powerpoint/2010/main" xmlns="" val="3474143783"/>
       </p:ext>
     </p:extLst>
   </p:cSld>
@@ -11128,7 +11706,7 @@
 </p:sld>
 </file>
 
-<file path=ppt/slides/slide24.xml><?xml version="1.0" encoding="utf-8"?>
+<file path=ppt/slides/slide25.xml><?xml version="1.0" encoding="utf-8"?>
 <p:sld xmlns:a="http://schemas.openxmlformats.org/drawingml/2006/main" xmlns:r="http://schemas.openxmlformats.org/officeDocument/2006/relationships" xmlns:p="http://schemas.openxmlformats.org/presentationml/2006/main">
   <p:cSld>
     <p:spTree>
@@ -11209,7 +11787,7 @@
             <a:fld id="{976B8C4A-E01E-49C4-A342-E776841D1431}" type="slidenum">
               <a:rPr lang="pl-PL" smtClean="0"/>
               <a:pPr/>
-              <a:t>24</a:t>
+              <a:t>25</a:t>
             </a:fld>
             <a:endParaRPr lang="pl-PL"/>
           </a:p>
@@ -11227,7 +11805,7 @@
           <a:blip r:embed="rId3" cstate="print">
             <a:extLst>
               <a:ext uri="{28A0092B-C50C-407E-A947-70E740481C1C}">
-                <a14:useLocalDpi xmlns:a14="http://schemas.microsoft.com/office/drawing/2010/main" val="0"/>
+                <a14:useLocalDpi xmlns:a14="http://schemas.microsoft.com/office/drawing/2010/main" xmlns="" val="0"/>
               </a:ext>
             </a:extLst>
           </a:blip>
@@ -11274,238 +11852,7 @@
     </p:spTree>
     <p:extLst>
       <p:ext uri="{BB962C8B-B14F-4D97-AF65-F5344CB8AC3E}">
-        <p14:creationId xmlns:p14="http://schemas.microsoft.com/office/powerpoint/2010/main" val="3443361362"/>
-      </p:ext>
-    </p:extLst>
-  </p:cSld>
-  <p:clrMapOvr>
-    <a:masterClrMapping/>
-  </p:clrMapOvr>
-  <p:timing>
-    <p:tnLst>
-      <p:par>
-        <p:cTn id="1" dur="indefinite" restart="never" nodeType="tmRoot"/>
-      </p:par>
-    </p:tnLst>
-  </p:timing>
-</p:sld>
-</file>
-
-<file path=ppt/slides/slide25.xml><?xml version="1.0" encoding="utf-8"?>
-<p:sld xmlns:a="http://schemas.openxmlformats.org/drawingml/2006/main" xmlns:r="http://schemas.openxmlformats.org/officeDocument/2006/relationships" xmlns:p="http://schemas.openxmlformats.org/presentationml/2006/main">
-  <p:cSld>
-    <p:spTree>
-      <p:nvGrpSpPr>
-        <p:cNvPr id="1" name=""/>
-        <p:cNvGrpSpPr/>
-        <p:nvPr/>
-      </p:nvGrpSpPr>
-      <p:grpSpPr>
-        <a:xfrm>
-          <a:off x="0" y="0"/>
-          <a:ext cx="0" cy="0"/>
-          <a:chOff x="0" y="0"/>
-          <a:chExt cx="0" cy="0"/>
-        </a:xfrm>
-      </p:grpSpPr>
-      <p:sp>
-        <p:nvSpPr>
-          <p:cNvPr id="2" name="Symbol zastępczy zawartości 1"/>
-          <p:cNvSpPr>
-            <a:spLocks noGrp="1"/>
-          </p:cNvSpPr>
-          <p:nvPr>
-            <p:ph idx="1"/>
-          </p:nvPr>
-        </p:nvSpPr>
-        <p:spPr/>
-        <p:txBody>
-          <a:bodyPr>
-            <a:normAutofit/>
-          </a:bodyPr>
-          <a:lstStyle/>
-          <a:p>
-            <a:r>
-              <a:rPr lang="en-US" b="1" dirty="0" smtClean="0"/>
-              <a:t>Enable-Migrations:</a:t>
-            </a:r>
-            <a:r>
-              <a:rPr lang="en-US" dirty="0" smtClean="0"/>
-              <a:t> </a:t>
-            </a:r>
-            <a:r>
-              <a:rPr lang="pl-PL" dirty="0" smtClean="0"/>
-              <a:t>włącza migracje w projekcie poprzez utworzenie klasy</a:t>
-            </a:r>
-            <a:r>
-              <a:rPr lang="en-US" dirty="0" smtClean="0"/>
-              <a:t> </a:t>
-            </a:r>
-            <a:r>
-              <a:rPr lang="en-US" b="1" dirty="0" smtClean="0"/>
-              <a:t>Configuration</a:t>
-            </a:r>
-            <a:r>
-              <a:rPr lang="en-US" dirty="0" smtClean="0"/>
-              <a:t>.</a:t>
-            </a:r>
-            <a:r>
-              <a:rPr lang="pl-PL" dirty="0" smtClean="0"/>
-              <a:t/>
-            </a:r>
-            <a:br>
-              <a:rPr lang="pl-PL" dirty="0" smtClean="0"/>
-            </a:br>
-            <a:endParaRPr lang="en-US" dirty="0" smtClean="0"/>
-          </a:p>
-          <a:p>
-            <a:r>
-              <a:rPr lang="en-US" b="1" dirty="0" smtClean="0"/>
-              <a:t>Add-Migration:</a:t>
-            </a:r>
-            <a:r>
-              <a:rPr lang="en-US" dirty="0" smtClean="0"/>
-              <a:t> </a:t>
-            </a:r>
-            <a:r>
-              <a:rPr lang="pl-PL" dirty="0" smtClean="0"/>
-              <a:t>tworzy nową klasę z migracją z metodami</a:t>
-            </a:r>
-            <a:r>
-              <a:rPr lang="en-US" dirty="0" smtClean="0"/>
-              <a:t> Up() </a:t>
-            </a:r>
-            <a:r>
-              <a:rPr lang="pl-PL" dirty="0" smtClean="0"/>
-              <a:t>i</a:t>
-            </a:r>
-            <a:r>
-              <a:rPr lang="en-US" dirty="0" smtClean="0"/>
-              <a:t> Down().</a:t>
-            </a:r>
-            <a:r>
-              <a:rPr lang="pl-PL" dirty="0" smtClean="0"/>
-              <a:t/>
-            </a:r>
-            <a:br>
-              <a:rPr lang="pl-PL" dirty="0" smtClean="0"/>
-            </a:br>
-            <a:endParaRPr lang="en-US" dirty="0" smtClean="0"/>
-          </a:p>
-          <a:p>
-            <a:r>
-              <a:rPr lang="en-US" b="1" dirty="0" smtClean="0"/>
-              <a:t>Update-Database:</a:t>
-            </a:r>
-            <a:r>
-              <a:rPr lang="en-US" dirty="0" smtClean="0"/>
-              <a:t> </a:t>
-            </a:r>
-            <a:r>
-              <a:rPr lang="pl-PL" dirty="0" smtClean="0"/>
-              <a:t>wdraża migrację schematu bazy danych</a:t>
-            </a:r>
-            <a:r>
-              <a:rPr lang="en-US" dirty="0" smtClean="0"/>
-              <a:t>.</a:t>
-            </a:r>
-          </a:p>
-          <a:p>
-            <a:endParaRPr lang="pl-PL" dirty="0"/>
-          </a:p>
-        </p:txBody>
-      </p:sp>
-      <p:sp>
-        <p:nvSpPr>
-          <p:cNvPr id="3" name="Tytuł 2"/>
-          <p:cNvSpPr>
-            <a:spLocks noGrp="1"/>
-          </p:cNvSpPr>
-          <p:nvPr>
-            <p:ph type="title"/>
-          </p:nvPr>
-        </p:nvSpPr>
-        <p:spPr/>
-        <p:txBody>
-          <a:bodyPr>
-            <a:normAutofit/>
-          </a:bodyPr>
-          <a:lstStyle/>
-          <a:p>
-            <a:r>
-              <a:rPr lang="pl-PL" dirty="0" smtClean="0"/>
-              <a:t>Migracje: "</a:t>
-            </a:r>
-            <a:r>
-              <a:rPr lang="pl-PL" dirty="0" err="1" smtClean="0"/>
-              <a:t>code-base</a:t>
-            </a:r>
-            <a:r>
-              <a:rPr lang="pl-PL" dirty="0" smtClean="0"/>
-              <a:t>"</a:t>
-            </a:r>
-            <a:endParaRPr lang="pl-PL" dirty="0"/>
-          </a:p>
-        </p:txBody>
-      </p:sp>
-      <p:sp>
-        <p:nvSpPr>
-          <p:cNvPr id="4" name="Symbol zastępczy numeru slajdu 3"/>
-          <p:cNvSpPr>
-            <a:spLocks noGrp="1"/>
-          </p:cNvSpPr>
-          <p:nvPr>
-            <p:ph type="sldNum" sz="quarter" idx="12"/>
-          </p:nvPr>
-        </p:nvSpPr>
-        <p:spPr/>
-        <p:txBody>
-          <a:bodyPr/>
-          <a:lstStyle/>
-          <a:p>
-            <a:fld id="{976B8C4A-E01E-49C4-A342-E776841D1431}" type="slidenum">
-              <a:rPr lang="pl-PL" smtClean="0"/>
-              <a:pPr/>
-              <a:t>25</a:t>
-            </a:fld>
-            <a:endParaRPr lang="pl-PL"/>
-          </a:p>
-        </p:txBody>
-      </p:sp>
-      <p:pic>
-        <p:nvPicPr>
-          <p:cNvPr id="5" name="Obraz 4"/>
-          <p:cNvPicPr>
-            <a:picLocks noChangeAspect="1"/>
-          </p:cNvPicPr>
-          <p:nvPr/>
-        </p:nvPicPr>
-        <p:blipFill>
-          <a:blip r:embed="rId3" cstate="print">
-            <a:extLst>
-              <a:ext uri="{28A0092B-C50C-407E-A947-70E740481C1C}">
-                <a14:useLocalDpi xmlns:a14="http://schemas.microsoft.com/office/drawing/2010/main" val="0"/>
-              </a:ext>
-            </a:extLst>
-          </a:blip>
-          <a:stretch>
-            <a:fillRect/>
-          </a:stretch>
-        </p:blipFill>
-        <p:spPr>
-          <a:xfrm>
-            <a:off x="179512" y="6165304"/>
-            <a:ext cx="1008112" cy="574214"/>
-          </a:xfrm>
-          <a:prstGeom prst="rect">
-            <a:avLst/>
-          </a:prstGeom>
-        </p:spPr>
-      </p:pic>
-    </p:spTree>
-    <p:extLst>
-      <p:ext uri="{BB962C8B-B14F-4D97-AF65-F5344CB8AC3E}">
-        <p14:creationId xmlns:p14="http://schemas.microsoft.com/office/powerpoint/2010/main" val="2808115206"/>
+        <p14:creationId xmlns:p14="http://schemas.microsoft.com/office/powerpoint/2010/main" xmlns="" val="3443361362"/>
       </p:ext>
     </p:extLst>
   </p:cSld>
@@ -11557,61 +11904,88 @@
           <a:lstStyle/>
           <a:p>
             <a:r>
+              <a:rPr lang="en-US" b="1" dirty="0" smtClean="0"/>
+              <a:t>Enable-Migrations:</a:t>
+            </a:r>
+            <a:r>
+              <a:rPr lang="en-US" dirty="0" smtClean="0"/>
+              <a:t> </a:t>
+            </a:r>
+            <a:r>
               <a:rPr lang="pl-PL" dirty="0" smtClean="0"/>
-              <a:t>Przy braku mapowania -&gt; użycie konwencji</a:t>
-            </a:r>
-          </a:p>
-          <a:p>
-            <a:pPr lvl="1"/>
+              <a:t>włącza migracje w projekcie poprzez utworzenie klasy</a:t>
+            </a:r>
+            <a:r>
+              <a:rPr lang="en-US" dirty="0" smtClean="0"/>
+              <a:t> </a:t>
+            </a:r>
+            <a:r>
+              <a:rPr lang="en-US" b="1" dirty="0" smtClean="0"/>
+              <a:t>Configuration</a:t>
+            </a:r>
+            <a:r>
+              <a:rPr lang="en-US" dirty="0" smtClean="0"/>
+              <a:t>.</a:t>
+            </a:r>
             <a:r>
               <a:rPr lang="pl-PL" dirty="0" smtClean="0"/>
-              <a:t>Nazwa property -&gt; nazwa kolumny w tabeli</a:t>
-            </a:r>
-          </a:p>
-          <a:p>
-            <a:r>
+              <a:t/>
+            </a:r>
+            <a:br>
               <a:rPr lang="pl-PL" dirty="0" smtClean="0"/>
-              <a:t>Typ bazodanowy określany przez </a:t>
-            </a:r>
-            <a:r>
-              <a:rPr lang="pl-PL" dirty="0" err="1" smtClean="0"/>
-              <a:t>Db</a:t>
+            </a:br>
+            <a:endParaRPr lang="en-US" dirty="0" smtClean="0"/>
+          </a:p>
+          <a:p>
+            <a:r>
+              <a:rPr lang="en-US" b="1" dirty="0" smtClean="0"/>
+              <a:t>Add-Migration:</a:t>
+            </a:r>
+            <a:r>
+              <a:rPr lang="en-US" dirty="0" smtClean="0"/>
+              <a:t> </a:t>
             </a:r>
             <a:r>
               <a:rPr lang="pl-PL" dirty="0" smtClean="0"/>
-              <a:t> </a:t>
-            </a:r>
-            <a:r>
-              <a:rPr lang="pl-PL" dirty="0" err="1" smtClean="0"/>
-              <a:t>provider</a:t>
-            </a:r>
-            <a:endParaRPr lang="pl-PL" dirty="0" smtClean="0"/>
-          </a:p>
-          <a:p>
-            <a:pPr lvl="1"/>
+              <a:t>tworzy nową klasę z migracją z metodami</a:t>
+            </a:r>
+            <a:r>
+              <a:rPr lang="en-US" dirty="0" smtClean="0"/>
+              <a:t> Up() </a:t>
+            </a:r>
             <a:r>
               <a:rPr lang="pl-PL" dirty="0" smtClean="0"/>
-              <a:t>string  -&gt; </a:t>
-            </a:r>
-            <a:r>
-              <a:rPr lang="pl-PL" dirty="0" err="1" smtClean="0"/>
-              <a:t>nvarchar</a:t>
+              <a:t>i</a:t>
+            </a:r>
+            <a:r>
+              <a:rPr lang="en-US" dirty="0" smtClean="0"/>
+              <a:t> Down().</a:t>
             </a:r>
             <a:r>
               <a:rPr lang="pl-PL" dirty="0" smtClean="0"/>
-              <a:t>(max) </a:t>
-            </a:r>
-            <a:r>
+              <a:t/>
+            </a:r>
+            <a:br>
               <a:rPr lang="pl-PL" dirty="0" smtClean="0"/>
-              <a:t>(</a:t>
-            </a:r>
-            <a:r>
-              <a:rPr lang="pl-PL" dirty="0" err="1" smtClean="0"/>
-              <a:t>Sql</a:t>
+            </a:br>
+            <a:endParaRPr lang="en-US" dirty="0" smtClean="0"/>
+          </a:p>
+          <a:p>
+            <a:r>
+              <a:rPr lang="en-US" b="1" dirty="0" smtClean="0"/>
+              <a:t>Update-Database:</a:t>
+            </a:r>
+            <a:r>
+              <a:rPr lang="en-US" dirty="0" smtClean="0"/>
+              <a:t> </a:t>
             </a:r>
             <a:r>
               <a:rPr lang="pl-PL" dirty="0" smtClean="0"/>
-              <a:t> Provider)</a:t>
+              <a:t>wdraża migrację schematu bazy danych</a:t>
+            </a:r>
+            <a:r>
+              <a:rPr lang="en-US" dirty="0" smtClean="0"/>
+              <a:t>.</a:t>
             </a:r>
           </a:p>
           <a:p>
@@ -11632,13 +12006,13 @@
         <p:spPr/>
         <p:txBody>
           <a:bodyPr>
-            <a:normAutofit fontScale="90000"/>
+            <a:normAutofit/>
           </a:bodyPr>
           <a:lstStyle/>
           <a:p>
             <a:r>
               <a:rPr lang="pl-PL" dirty="0" smtClean="0"/>
-              <a:t>Migracje: automatyczne i "</a:t>
+              <a:t>Migracje: "</a:t>
             </a:r>
             <a:r>
               <a:rPr lang="pl-PL" dirty="0" err="1" smtClean="0"/>
@@ -11688,7 +12062,540 @@
           <a:blip r:embed="rId3" cstate="print">
             <a:extLst>
               <a:ext uri="{28A0092B-C50C-407E-A947-70E740481C1C}">
-                <a14:useLocalDpi xmlns:a14="http://schemas.microsoft.com/office/drawing/2010/main" val="0"/>
+                <a14:useLocalDpi xmlns:a14="http://schemas.microsoft.com/office/drawing/2010/main" xmlns="" val="0"/>
+              </a:ext>
+            </a:extLst>
+          </a:blip>
+          <a:stretch>
+            <a:fillRect/>
+          </a:stretch>
+        </p:blipFill>
+        <p:spPr>
+          <a:xfrm>
+            <a:off x="179512" y="6165304"/>
+            <a:ext cx="1008112" cy="574214"/>
+          </a:xfrm>
+          <a:prstGeom prst="rect">
+            <a:avLst/>
+          </a:prstGeom>
+        </p:spPr>
+      </p:pic>
+    </p:spTree>
+    <p:extLst>
+      <p:ext uri="{BB962C8B-B14F-4D97-AF65-F5344CB8AC3E}">
+        <p14:creationId xmlns:p14="http://schemas.microsoft.com/office/powerpoint/2010/main" xmlns="" val="2808115206"/>
+      </p:ext>
+    </p:extLst>
+  </p:cSld>
+  <p:clrMapOvr>
+    <a:masterClrMapping/>
+  </p:clrMapOvr>
+  <p:timing>
+    <p:tnLst>
+      <p:par>
+        <p:cTn id="1" dur="indefinite" restart="never" nodeType="tmRoot"/>
+      </p:par>
+    </p:tnLst>
+  </p:timing>
+</p:sld>
+</file>
+
+<file path=ppt/slides/slide27.xml><?xml version="1.0" encoding="utf-8"?>
+<p:sld xmlns:a="http://schemas.openxmlformats.org/drawingml/2006/main" xmlns:r="http://schemas.openxmlformats.org/officeDocument/2006/relationships" xmlns:p="http://schemas.openxmlformats.org/presentationml/2006/main">
+  <p:cSld>
+    <p:spTree>
+      <p:nvGrpSpPr>
+        <p:cNvPr id="1" name=""/>
+        <p:cNvGrpSpPr/>
+        <p:nvPr/>
+      </p:nvGrpSpPr>
+      <p:grpSpPr>
+        <a:xfrm>
+          <a:off x="0" y="0"/>
+          <a:ext cx="0" cy="0"/>
+          <a:chOff x="0" y="0"/>
+          <a:chExt cx="0" cy="0"/>
+        </a:xfrm>
+      </p:grpSpPr>
+      <p:sp>
+        <p:nvSpPr>
+          <p:cNvPr id="3" name="Tytuł 2"/>
+          <p:cNvSpPr>
+            <a:spLocks noGrp="1"/>
+          </p:cNvSpPr>
+          <p:nvPr>
+            <p:ph type="title"/>
+          </p:nvPr>
+        </p:nvSpPr>
+        <p:spPr/>
+        <p:txBody>
+          <a:bodyPr>
+            <a:normAutofit/>
+          </a:bodyPr>
+          <a:lstStyle/>
+          <a:p>
+            <a:r>
+              <a:rPr lang="pl-PL" dirty="0" smtClean="0"/>
+              <a:t>Migracje: "</a:t>
+            </a:r>
+            <a:r>
+              <a:rPr lang="pl-PL" dirty="0" err="1" smtClean="0"/>
+              <a:t>code-base</a:t>
+            </a:r>
+            <a:r>
+              <a:rPr lang="pl-PL" dirty="0" smtClean="0"/>
+              <a:t>"</a:t>
+            </a:r>
+            <a:endParaRPr lang="pl-PL" dirty="0"/>
+          </a:p>
+        </p:txBody>
+      </p:sp>
+      <p:sp>
+        <p:nvSpPr>
+          <p:cNvPr id="4" name="Symbol zastępczy numeru slajdu 3"/>
+          <p:cNvSpPr>
+            <a:spLocks noGrp="1"/>
+          </p:cNvSpPr>
+          <p:nvPr>
+            <p:ph type="sldNum" sz="quarter" idx="12"/>
+          </p:nvPr>
+        </p:nvSpPr>
+        <p:spPr/>
+        <p:txBody>
+          <a:bodyPr/>
+          <a:lstStyle/>
+          <a:p>
+            <a:fld id="{976B8C4A-E01E-49C4-A342-E776841D1431}" type="slidenum">
+              <a:rPr lang="pl-PL" smtClean="0"/>
+              <a:pPr/>
+              <a:t>27</a:t>
+            </a:fld>
+            <a:endParaRPr lang="pl-PL"/>
+          </a:p>
+        </p:txBody>
+      </p:sp>
+      <p:pic>
+        <p:nvPicPr>
+          <p:cNvPr id="5" name="Obraz 4"/>
+          <p:cNvPicPr>
+            <a:picLocks noChangeAspect="1"/>
+          </p:cNvPicPr>
+          <p:nvPr/>
+        </p:nvPicPr>
+        <p:blipFill>
+          <a:blip r:embed="rId3" cstate="print">
+            <a:extLst>
+              <a:ext uri="{28A0092B-C50C-407E-A947-70E740481C1C}">
+                <a14:useLocalDpi xmlns:a14="http://schemas.microsoft.com/office/drawing/2010/main" xmlns="" val="0"/>
+              </a:ext>
+            </a:extLst>
+          </a:blip>
+          <a:stretch>
+            <a:fillRect/>
+          </a:stretch>
+        </p:blipFill>
+        <p:spPr>
+          <a:xfrm>
+            <a:off x="179512" y="6165304"/>
+            <a:ext cx="1008112" cy="574214"/>
+          </a:xfrm>
+          <a:prstGeom prst="rect">
+            <a:avLst/>
+          </a:prstGeom>
+        </p:spPr>
+      </p:pic>
+      <p:pic>
+        <p:nvPicPr>
+          <p:cNvPr id="3074" name="Picture 2"/>
+          <p:cNvPicPr>
+            <a:picLocks noGrp="1" noChangeAspect="1" noChangeArrowheads="1"/>
+          </p:cNvPicPr>
+          <p:nvPr>
+            <p:ph idx="1"/>
+          </p:nvPr>
+        </p:nvPicPr>
+        <p:blipFill>
+          <a:blip r:embed="rId4" cstate="print"/>
+          <a:srcRect/>
+          <a:stretch>
+            <a:fillRect/>
+          </a:stretch>
+        </p:blipFill>
+        <p:spPr bwMode="auto">
+          <a:xfrm>
+            <a:off x="842962" y="1624806"/>
+            <a:ext cx="7458075" cy="4238625"/>
+          </a:xfrm>
+          <a:prstGeom prst="rect">
+            <a:avLst/>
+          </a:prstGeom>
+          <a:noFill/>
+          <a:ln w="9525">
+            <a:noFill/>
+            <a:miter lim="800000"/>
+            <a:headEnd/>
+            <a:tailEnd/>
+          </a:ln>
+        </p:spPr>
+      </p:pic>
+    </p:spTree>
+    <p:extLst>
+      <p:ext uri="{BB962C8B-B14F-4D97-AF65-F5344CB8AC3E}">
+        <p14:creationId xmlns:p14="http://schemas.microsoft.com/office/powerpoint/2010/main" xmlns="" val="2808115206"/>
+      </p:ext>
+    </p:extLst>
+  </p:cSld>
+  <p:clrMapOvr>
+    <a:masterClrMapping/>
+  </p:clrMapOvr>
+  <p:timing>
+    <p:tnLst>
+      <p:par>
+        <p:cTn id="1" dur="indefinite" restart="never" nodeType="tmRoot"/>
+      </p:par>
+    </p:tnLst>
+  </p:timing>
+</p:sld>
+</file>
+
+<file path=ppt/slides/slide28.xml><?xml version="1.0" encoding="utf-8"?>
+<p:sld xmlns:a="http://schemas.openxmlformats.org/drawingml/2006/main" xmlns:r="http://schemas.openxmlformats.org/officeDocument/2006/relationships" xmlns:p="http://schemas.openxmlformats.org/presentationml/2006/main">
+  <p:cSld>
+    <p:spTree>
+      <p:nvGrpSpPr>
+        <p:cNvPr id="1" name=""/>
+        <p:cNvGrpSpPr/>
+        <p:nvPr/>
+      </p:nvGrpSpPr>
+      <p:grpSpPr>
+        <a:xfrm>
+          <a:off x="0" y="0"/>
+          <a:ext cx="0" cy="0"/>
+          <a:chOff x="0" y="0"/>
+          <a:chExt cx="0" cy="0"/>
+        </a:xfrm>
+      </p:grpSpPr>
+      <p:sp>
+        <p:nvSpPr>
+          <p:cNvPr id="3" name="Tytuł 2"/>
+          <p:cNvSpPr>
+            <a:spLocks noGrp="1"/>
+          </p:cNvSpPr>
+          <p:nvPr>
+            <p:ph type="title"/>
+          </p:nvPr>
+        </p:nvSpPr>
+        <p:spPr/>
+        <p:txBody>
+          <a:bodyPr>
+            <a:normAutofit/>
+          </a:bodyPr>
+          <a:lstStyle/>
+          <a:p>
+            <a:r>
+              <a:rPr lang="pl-PL" dirty="0" smtClean="0"/>
+              <a:t>Migracje: "</a:t>
+            </a:r>
+            <a:r>
+              <a:rPr lang="pl-PL" dirty="0" err="1" smtClean="0"/>
+              <a:t>code-base</a:t>
+            </a:r>
+            <a:r>
+              <a:rPr lang="pl-PL" dirty="0" smtClean="0"/>
+              <a:t>"</a:t>
+            </a:r>
+            <a:endParaRPr lang="pl-PL" dirty="0"/>
+          </a:p>
+        </p:txBody>
+      </p:sp>
+      <p:sp>
+        <p:nvSpPr>
+          <p:cNvPr id="4" name="Symbol zastępczy numeru slajdu 3"/>
+          <p:cNvSpPr>
+            <a:spLocks noGrp="1"/>
+          </p:cNvSpPr>
+          <p:nvPr>
+            <p:ph type="sldNum" sz="quarter" idx="12"/>
+          </p:nvPr>
+        </p:nvSpPr>
+        <p:spPr/>
+        <p:txBody>
+          <a:bodyPr/>
+          <a:lstStyle/>
+          <a:p>
+            <a:fld id="{976B8C4A-E01E-49C4-A342-E776841D1431}" type="slidenum">
+              <a:rPr lang="pl-PL" smtClean="0"/>
+              <a:pPr/>
+              <a:t>28</a:t>
+            </a:fld>
+            <a:endParaRPr lang="pl-PL"/>
+          </a:p>
+        </p:txBody>
+      </p:sp>
+      <p:pic>
+        <p:nvPicPr>
+          <p:cNvPr id="5" name="Obraz 4"/>
+          <p:cNvPicPr>
+            <a:picLocks noChangeAspect="1"/>
+          </p:cNvPicPr>
+          <p:nvPr/>
+        </p:nvPicPr>
+        <p:blipFill>
+          <a:blip r:embed="rId3" cstate="print">
+            <a:extLst>
+              <a:ext uri="{28A0092B-C50C-407E-A947-70E740481C1C}">
+                <a14:useLocalDpi xmlns:a14="http://schemas.microsoft.com/office/drawing/2010/main" xmlns="" val="0"/>
+              </a:ext>
+            </a:extLst>
+          </a:blip>
+          <a:stretch>
+            <a:fillRect/>
+          </a:stretch>
+        </p:blipFill>
+        <p:spPr>
+          <a:xfrm>
+            <a:off x="179512" y="6165304"/>
+            <a:ext cx="1008112" cy="574214"/>
+          </a:xfrm>
+          <a:prstGeom prst="rect">
+            <a:avLst/>
+          </a:prstGeom>
+        </p:spPr>
+      </p:pic>
+      <p:sp>
+        <p:nvSpPr>
+          <p:cNvPr id="6" name="Symbol zastępczy zawartości 5"/>
+          <p:cNvSpPr>
+            <a:spLocks noGrp="1"/>
+          </p:cNvSpPr>
+          <p:nvPr>
+            <p:ph idx="1"/>
+          </p:nvPr>
+        </p:nvSpPr>
+        <p:spPr/>
+        <p:txBody>
+          <a:bodyPr/>
+          <a:lstStyle/>
+          <a:p>
+            <a:endParaRPr lang="pl-PL"/>
+          </a:p>
+        </p:txBody>
+      </p:sp>
+      <p:pic>
+        <p:nvPicPr>
+          <p:cNvPr id="4098" name="Picture 2"/>
+          <p:cNvPicPr>
+            <a:picLocks noChangeAspect="1" noChangeArrowheads="1"/>
+          </p:cNvPicPr>
+          <p:nvPr/>
+        </p:nvPicPr>
+        <p:blipFill>
+          <a:blip r:embed="rId4" cstate="print"/>
+          <a:srcRect/>
+          <a:stretch>
+            <a:fillRect/>
+          </a:stretch>
+        </p:blipFill>
+        <p:spPr bwMode="auto">
+          <a:xfrm>
+            <a:off x="803473" y="1739230"/>
+            <a:ext cx="7800975" cy="4210050"/>
+          </a:xfrm>
+          <a:prstGeom prst="rect">
+            <a:avLst/>
+          </a:prstGeom>
+          <a:noFill/>
+          <a:ln w="9525">
+            <a:noFill/>
+            <a:miter lim="800000"/>
+            <a:headEnd/>
+            <a:tailEnd/>
+          </a:ln>
+        </p:spPr>
+      </p:pic>
+    </p:spTree>
+    <p:extLst>
+      <p:ext uri="{BB962C8B-B14F-4D97-AF65-F5344CB8AC3E}">
+        <p14:creationId xmlns:p14="http://schemas.microsoft.com/office/powerpoint/2010/main" xmlns="" val="2808115206"/>
+      </p:ext>
+    </p:extLst>
+  </p:cSld>
+  <p:clrMapOvr>
+    <a:masterClrMapping/>
+  </p:clrMapOvr>
+  <p:timing>
+    <p:tnLst>
+      <p:par>
+        <p:cTn id="1" dur="indefinite" restart="never" nodeType="tmRoot"/>
+      </p:par>
+    </p:tnLst>
+  </p:timing>
+</p:sld>
+</file>
+
+<file path=ppt/slides/slide29.xml><?xml version="1.0" encoding="utf-8"?>
+<p:sld xmlns:a="http://schemas.openxmlformats.org/drawingml/2006/main" xmlns:r="http://schemas.openxmlformats.org/officeDocument/2006/relationships" xmlns:p="http://schemas.openxmlformats.org/presentationml/2006/main">
+  <p:cSld>
+    <p:spTree>
+      <p:nvGrpSpPr>
+        <p:cNvPr id="1" name=""/>
+        <p:cNvGrpSpPr/>
+        <p:nvPr/>
+      </p:nvGrpSpPr>
+      <p:grpSpPr>
+        <a:xfrm>
+          <a:off x="0" y="0"/>
+          <a:ext cx="0" cy="0"/>
+          <a:chOff x="0" y="0"/>
+          <a:chExt cx="0" cy="0"/>
+        </a:xfrm>
+      </p:grpSpPr>
+      <p:sp>
+        <p:nvSpPr>
+          <p:cNvPr id="2" name="Symbol zastępczy zawartości 1"/>
+          <p:cNvSpPr>
+            <a:spLocks noGrp="1"/>
+          </p:cNvSpPr>
+          <p:nvPr>
+            <p:ph idx="1"/>
+          </p:nvPr>
+        </p:nvSpPr>
+        <p:spPr/>
+        <p:txBody>
+          <a:bodyPr>
+            <a:normAutofit/>
+          </a:bodyPr>
+          <a:lstStyle/>
+          <a:p>
+            <a:r>
+              <a:rPr lang="pl-PL" dirty="0" smtClean="0"/>
+              <a:t>Przy braku mapowania -&gt; użycie konwencji</a:t>
+            </a:r>
+          </a:p>
+          <a:p>
+            <a:pPr lvl="1"/>
+            <a:r>
+              <a:rPr lang="pl-PL" dirty="0" smtClean="0"/>
+              <a:t>Nazwa property -&gt; nazwa kolumny w tabeli</a:t>
+            </a:r>
+          </a:p>
+          <a:p>
+            <a:r>
+              <a:rPr lang="pl-PL" dirty="0" smtClean="0"/>
+              <a:t>Typ bazodanowy określany przez </a:t>
+            </a:r>
+            <a:r>
+              <a:rPr lang="pl-PL" dirty="0" err="1" smtClean="0"/>
+              <a:t>Db</a:t>
+            </a:r>
+            <a:r>
+              <a:rPr lang="pl-PL" dirty="0" smtClean="0"/>
+              <a:t> </a:t>
+            </a:r>
+            <a:r>
+              <a:rPr lang="pl-PL" dirty="0" err="1" smtClean="0"/>
+              <a:t>provider</a:t>
+            </a:r>
+            <a:endParaRPr lang="pl-PL" dirty="0" smtClean="0"/>
+          </a:p>
+          <a:p>
+            <a:pPr lvl="1"/>
+            <a:r>
+              <a:rPr lang="pl-PL" dirty="0" smtClean="0"/>
+              <a:t>string  -&gt; </a:t>
+            </a:r>
+            <a:r>
+              <a:rPr lang="pl-PL" dirty="0" err="1" smtClean="0"/>
+              <a:t>nvarchar</a:t>
+            </a:r>
+            <a:r>
+              <a:rPr lang="pl-PL" dirty="0" smtClean="0"/>
+              <a:t>(max) (</a:t>
+            </a:r>
+            <a:r>
+              <a:rPr lang="pl-PL" dirty="0" err="1" smtClean="0"/>
+              <a:t>Sql</a:t>
+            </a:r>
+            <a:r>
+              <a:rPr lang="pl-PL" dirty="0" smtClean="0"/>
+              <a:t> Provider)</a:t>
+            </a:r>
+          </a:p>
+          <a:p>
+            <a:endParaRPr lang="pl-PL" dirty="0"/>
+          </a:p>
+        </p:txBody>
+      </p:sp>
+      <p:sp>
+        <p:nvSpPr>
+          <p:cNvPr id="3" name="Tytuł 2"/>
+          <p:cNvSpPr>
+            <a:spLocks noGrp="1"/>
+          </p:cNvSpPr>
+          <p:nvPr>
+            <p:ph type="title"/>
+          </p:nvPr>
+        </p:nvSpPr>
+        <p:spPr/>
+        <p:txBody>
+          <a:bodyPr>
+            <a:normAutofit fontScale="90000"/>
+          </a:bodyPr>
+          <a:lstStyle/>
+          <a:p>
+            <a:r>
+              <a:rPr lang="pl-PL" dirty="0" smtClean="0"/>
+              <a:t>Migracje: automatyczne i "</a:t>
+            </a:r>
+            <a:r>
+              <a:rPr lang="pl-PL" dirty="0" err="1" smtClean="0"/>
+              <a:t>code-base</a:t>
+            </a:r>
+            <a:r>
+              <a:rPr lang="pl-PL" dirty="0" smtClean="0"/>
+              <a:t>"</a:t>
+            </a:r>
+            <a:endParaRPr lang="pl-PL" dirty="0"/>
+          </a:p>
+        </p:txBody>
+      </p:sp>
+      <p:sp>
+        <p:nvSpPr>
+          <p:cNvPr id="4" name="Symbol zastępczy numeru slajdu 3"/>
+          <p:cNvSpPr>
+            <a:spLocks noGrp="1"/>
+          </p:cNvSpPr>
+          <p:nvPr>
+            <p:ph type="sldNum" sz="quarter" idx="12"/>
+          </p:nvPr>
+        </p:nvSpPr>
+        <p:spPr/>
+        <p:txBody>
+          <a:bodyPr/>
+          <a:lstStyle/>
+          <a:p>
+            <a:fld id="{976B8C4A-E01E-49C4-A342-E776841D1431}" type="slidenum">
+              <a:rPr lang="pl-PL" smtClean="0"/>
+              <a:pPr/>
+              <a:t>29</a:t>
+            </a:fld>
+            <a:endParaRPr lang="pl-PL"/>
+          </a:p>
+        </p:txBody>
+      </p:sp>
+      <p:pic>
+        <p:nvPicPr>
+          <p:cNvPr id="5" name="Obraz 4"/>
+          <p:cNvPicPr>
+            <a:picLocks noChangeAspect="1"/>
+          </p:cNvPicPr>
+          <p:nvPr/>
+        </p:nvPicPr>
+        <p:blipFill>
+          <a:blip r:embed="rId3" cstate="print">
+            <a:extLst>
+              <a:ext uri="{28A0092B-C50C-407E-A947-70E740481C1C}">
+                <a14:useLocalDpi xmlns:a14="http://schemas.microsoft.com/office/drawing/2010/main" xmlns="" val="0"/>
               </a:ext>
             </a:extLst>
           </a:blip>
@@ -11741,682 +12648,7 @@
     </p:spTree>
     <p:extLst>
       <p:ext uri="{BB962C8B-B14F-4D97-AF65-F5344CB8AC3E}">
-        <p14:creationId xmlns:p14="http://schemas.microsoft.com/office/powerpoint/2010/main" val="2808115206"/>
-      </p:ext>
-    </p:extLst>
-  </p:cSld>
-  <p:clrMapOvr>
-    <a:masterClrMapping/>
-  </p:clrMapOvr>
-  <p:timing>
-    <p:tnLst>
-      <p:par>
-        <p:cTn id="1" dur="indefinite" restart="never" nodeType="tmRoot"/>
-      </p:par>
-    </p:tnLst>
-  </p:timing>
-</p:sld>
-</file>
-
-<file path=ppt/slides/slide27.xml><?xml version="1.0" encoding="utf-8"?>
-<p:sld xmlns:a="http://schemas.openxmlformats.org/drawingml/2006/main" xmlns:r="http://schemas.openxmlformats.org/officeDocument/2006/relationships" xmlns:p="http://schemas.openxmlformats.org/presentationml/2006/main">
-  <p:cSld>
-    <p:spTree>
-      <p:nvGrpSpPr>
-        <p:cNvPr id="1" name=""/>
-        <p:cNvGrpSpPr/>
-        <p:nvPr/>
-      </p:nvGrpSpPr>
-      <p:grpSpPr>
-        <a:xfrm>
-          <a:off x="0" y="0"/>
-          <a:ext cx="0" cy="0"/>
-          <a:chOff x="0" y="0"/>
-          <a:chExt cx="0" cy="0"/>
-        </a:xfrm>
-      </p:grpSpPr>
-      <p:sp>
-        <p:nvSpPr>
-          <p:cNvPr id="2" name="Symbol zastępczy zawartości 1"/>
-          <p:cNvSpPr>
-            <a:spLocks noGrp="1"/>
-          </p:cNvSpPr>
-          <p:nvPr>
-            <p:ph idx="1"/>
-          </p:nvPr>
-        </p:nvSpPr>
-        <p:spPr/>
-        <p:txBody>
-          <a:bodyPr anchor="ctr">
-            <a:normAutofit/>
-          </a:bodyPr>
-          <a:lstStyle/>
-          <a:p>
-            <a:pPr marL="109728" indent="0" algn="ctr">
-              <a:buNone/>
-            </a:pPr>
-            <a:r>
-              <a:rPr lang="pl-PL" b="1" i="1" dirty="0" smtClean="0"/>
-              <a:t>DEMO</a:t>
-            </a:r>
-            <a:endParaRPr lang="pl-PL" i="1" dirty="0" smtClean="0"/>
-          </a:p>
-        </p:txBody>
-      </p:sp>
-      <p:sp>
-        <p:nvSpPr>
-          <p:cNvPr id="3" name="Tytuł 2"/>
-          <p:cNvSpPr>
-            <a:spLocks noGrp="1"/>
-          </p:cNvSpPr>
-          <p:nvPr>
-            <p:ph type="title"/>
-          </p:nvPr>
-        </p:nvSpPr>
-        <p:spPr/>
-        <p:txBody>
-          <a:bodyPr>
-            <a:normAutofit/>
-          </a:bodyPr>
-          <a:lstStyle/>
-          <a:p>
-            <a:r>
-              <a:rPr lang="pl-PL" dirty="0" smtClean="0"/>
-              <a:t>Migracje: "</a:t>
-            </a:r>
-            <a:r>
-              <a:rPr lang="pl-PL" dirty="0" err="1" smtClean="0"/>
-              <a:t>code-base</a:t>
-            </a:r>
-            <a:r>
-              <a:rPr lang="pl-PL" dirty="0" smtClean="0"/>
-              <a:t>"</a:t>
-            </a:r>
-            <a:endParaRPr lang="pl-PL" dirty="0"/>
-          </a:p>
-        </p:txBody>
-      </p:sp>
-      <p:sp>
-        <p:nvSpPr>
-          <p:cNvPr id="4" name="Symbol zastępczy numeru slajdu 3"/>
-          <p:cNvSpPr>
-            <a:spLocks noGrp="1"/>
-          </p:cNvSpPr>
-          <p:nvPr>
-            <p:ph type="sldNum" sz="quarter" idx="12"/>
-          </p:nvPr>
-        </p:nvSpPr>
-        <p:spPr/>
-        <p:txBody>
-          <a:bodyPr/>
-          <a:lstStyle/>
-          <a:p>
-            <a:fld id="{976B8C4A-E01E-49C4-A342-E776841D1431}" type="slidenum">
-              <a:rPr lang="pl-PL" smtClean="0"/>
-              <a:pPr/>
-              <a:t>27</a:t>
-            </a:fld>
-            <a:endParaRPr lang="pl-PL"/>
-          </a:p>
-        </p:txBody>
-      </p:sp>
-      <p:pic>
-        <p:nvPicPr>
-          <p:cNvPr id="5" name="Obraz 4"/>
-          <p:cNvPicPr>
-            <a:picLocks noChangeAspect="1"/>
-          </p:cNvPicPr>
-          <p:nvPr/>
-        </p:nvPicPr>
-        <p:blipFill>
-          <a:blip r:embed="rId3" cstate="print">
-            <a:extLst>
-              <a:ext uri="{28A0092B-C50C-407E-A947-70E740481C1C}">
-                <a14:useLocalDpi xmlns:a14="http://schemas.microsoft.com/office/drawing/2010/main" val="0"/>
-              </a:ext>
-            </a:extLst>
-          </a:blip>
-          <a:stretch>
-            <a:fillRect/>
-          </a:stretch>
-        </p:blipFill>
-        <p:spPr>
-          <a:xfrm>
-            <a:off x="179512" y="6165304"/>
-            <a:ext cx="1008112" cy="574214"/>
-          </a:xfrm>
-          <a:prstGeom prst="rect">
-            <a:avLst/>
-          </a:prstGeom>
-        </p:spPr>
-      </p:pic>
-    </p:spTree>
-    <p:extLst>
-      <p:ext uri="{BB962C8B-B14F-4D97-AF65-F5344CB8AC3E}">
-        <p14:creationId xmlns:p14="http://schemas.microsoft.com/office/powerpoint/2010/main" val="2722726801"/>
-      </p:ext>
-    </p:extLst>
-  </p:cSld>
-  <p:clrMapOvr>
-    <a:masterClrMapping/>
-  </p:clrMapOvr>
-  <p:timing>
-    <p:tnLst>
-      <p:par>
-        <p:cTn id="1" dur="indefinite" restart="never" nodeType="tmRoot"/>
-      </p:par>
-    </p:tnLst>
-  </p:timing>
-</p:sld>
-</file>
-
-<file path=ppt/slides/slide28.xml><?xml version="1.0" encoding="utf-8"?>
-<p:sld xmlns:a="http://schemas.openxmlformats.org/drawingml/2006/main" xmlns:r="http://schemas.openxmlformats.org/officeDocument/2006/relationships" xmlns:p="http://schemas.openxmlformats.org/presentationml/2006/main">
-  <p:cSld>
-    <p:spTree>
-      <p:nvGrpSpPr>
-        <p:cNvPr id="1" name=""/>
-        <p:cNvGrpSpPr/>
-        <p:nvPr/>
-      </p:nvGrpSpPr>
-      <p:grpSpPr>
-        <a:xfrm>
-          <a:off x="0" y="0"/>
-          <a:ext cx="0" cy="0"/>
-          <a:chOff x="0" y="0"/>
-          <a:chExt cx="0" cy="0"/>
-        </a:xfrm>
-      </p:grpSpPr>
-      <p:sp>
-        <p:nvSpPr>
-          <p:cNvPr id="2" name="Symbol zastępczy zawartości 1"/>
-          <p:cNvSpPr>
-            <a:spLocks noGrp="1"/>
-          </p:cNvSpPr>
-          <p:nvPr>
-            <p:ph idx="1"/>
-          </p:nvPr>
-        </p:nvSpPr>
-        <p:spPr/>
-        <p:txBody>
-          <a:bodyPr>
-            <a:normAutofit/>
-          </a:bodyPr>
-          <a:lstStyle/>
-          <a:p>
-            <a:pPr marL="109728" indent="0">
-              <a:buNone/>
-            </a:pPr>
-            <a:r>
-              <a:rPr lang="pl-PL" dirty="0" smtClean="0"/>
-              <a:t>Wdrożenie migracji:</a:t>
-            </a:r>
-          </a:p>
-          <a:p>
-            <a:r>
-              <a:rPr lang="pl-PL" b="1" dirty="0" smtClean="0"/>
-              <a:t>Update-Database</a:t>
-            </a:r>
-            <a:r>
-              <a:rPr lang="pl-PL" dirty="0" smtClean="0"/>
-              <a:t> </a:t>
-            </a:r>
-            <a:r>
-              <a:rPr lang="pl-PL" i="1" dirty="0" smtClean="0"/>
-              <a:t>(</a:t>
-            </a:r>
-            <a:r>
-              <a:rPr lang="pl-PL" i="1" dirty="0" err="1" smtClean="0"/>
-              <a:t>Package</a:t>
-            </a:r>
-            <a:r>
-              <a:rPr lang="pl-PL" i="1" dirty="0" smtClean="0"/>
-              <a:t> </a:t>
-            </a:r>
-            <a:r>
-              <a:rPr lang="pl-PL" i="1" dirty="0"/>
-              <a:t>Manager </a:t>
-            </a:r>
-            <a:r>
-              <a:rPr lang="pl-PL" i="1" dirty="0" err="1" smtClean="0"/>
-              <a:t>console</a:t>
-            </a:r>
-            <a:r>
-              <a:rPr lang="pl-PL" i="1" dirty="0" smtClean="0"/>
-              <a:t>)</a:t>
-            </a:r>
-          </a:p>
-          <a:p>
-            <a:r>
-              <a:rPr lang="pl-PL" b="1" dirty="0" smtClean="0"/>
-              <a:t>migrate.exe</a:t>
-            </a:r>
-            <a:r>
-              <a:rPr lang="pl-PL" dirty="0" smtClean="0"/>
-              <a:t> </a:t>
-            </a:r>
-            <a:r>
-              <a:rPr lang="pl-PL" i="1" dirty="0" smtClean="0"/>
-              <a:t>(</a:t>
-            </a:r>
-            <a:r>
-              <a:rPr lang="pl-PL" i="1" dirty="0" err="1" smtClean="0"/>
-              <a:t>packages</a:t>
-            </a:r>
-            <a:r>
-              <a:rPr lang="pl-PL" i="1" dirty="0" smtClean="0"/>
-              <a:t>\EntityFramework.6.2.0\</a:t>
-            </a:r>
-            <a:r>
-              <a:rPr lang="pl-PL" i="1" dirty="0" err="1" smtClean="0"/>
-              <a:t>tools</a:t>
-            </a:r>
-            <a:r>
-              <a:rPr lang="pl-PL" i="1" dirty="0" smtClean="0"/>
-              <a:t>)</a:t>
-            </a:r>
-          </a:p>
-          <a:p>
-            <a:r>
-              <a:rPr lang="pl-PL" b="1" dirty="0" err="1" smtClean="0"/>
-              <a:t>Script.sql</a:t>
-            </a:r>
-            <a:r>
-              <a:rPr lang="pl-PL" dirty="0" smtClean="0"/>
-              <a:t> </a:t>
-            </a:r>
-            <a:r>
-              <a:rPr lang="pl-PL" i="1" dirty="0" smtClean="0"/>
-              <a:t>(Update-Database </a:t>
-            </a:r>
-            <a:r>
-              <a:rPr lang="pl-PL" i="1" dirty="0"/>
-              <a:t>-</a:t>
-            </a:r>
-            <a:r>
-              <a:rPr lang="pl-PL" i="1" dirty="0" err="1" smtClean="0"/>
-              <a:t>Script</a:t>
-            </a:r>
-            <a:r>
-              <a:rPr lang="pl-PL" i="1" dirty="0" smtClean="0"/>
-              <a:t>)</a:t>
-            </a:r>
-          </a:p>
-        </p:txBody>
-      </p:sp>
-      <p:sp>
-        <p:nvSpPr>
-          <p:cNvPr id="3" name="Tytuł 2"/>
-          <p:cNvSpPr>
-            <a:spLocks noGrp="1"/>
-          </p:cNvSpPr>
-          <p:nvPr>
-            <p:ph type="title"/>
-          </p:nvPr>
-        </p:nvSpPr>
-        <p:spPr/>
-        <p:txBody>
-          <a:bodyPr>
-            <a:normAutofit/>
-          </a:bodyPr>
-          <a:lstStyle/>
-          <a:p>
-            <a:r>
-              <a:rPr lang="pl-PL" dirty="0" smtClean="0"/>
-              <a:t>Migracje: "</a:t>
-            </a:r>
-            <a:r>
-              <a:rPr lang="pl-PL" dirty="0" err="1" smtClean="0"/>
-              <a:t>code-base</a:t>
-            </a:r>
-            <a:r>
-              <a:rPr lang="pl-PL" dirty="0" smtClean="0"/>
-              <a:t>"</a:t>
-            </a:r>
-            <a:endParaRPr lang="pl-PL" dirty="0"/>
-          </a:p>
-        </p:txBody>
-      </p:sp>
-      <p:sp>
-        <p:nvSpPr>
-          <p:cNvPr id="4" name="Symbol zastępczy numeru slajdu 3"/>
-          <p:cNvSpPr>
-            <a:spLocks noGrp="1"/>
-          </p:cNvSpPr>
-          <p:nvPr>
-            <p:ph type="sldNum" sz="quarter" idx="12"/>
-          </p:nvPr>
-        </p:nvSpPr>
-        <p:spPr/>
-        <p:txBody>
-          <a:bodyPr/>
-          <a:lstStyle/>
-          <a:p>
-            <a:fld id="{976B8C4A-E01E-49C4-A342-E776841D1431}" type="slidenum">
-              <a:rPr lang="pl-PL" smtClean="0"/>
-              <a:pPr/>
-              <a:t>28</a:t>
-            </a:fld>
-            <a:endParaRPr lang="pl-PL"/>
-          </a:p>
-        </p:txBody>
-      </p:sp>
-      <p:pic>
-        <p:nvPicPr>
-          <p:cNvPr id="5" name="Obraz 4"/>
-          <p:cNvPicPr>
-            <a:picLocks noChangeAspect="1"/>
-          </p:cNvPicPr>
-          <p:nvPr/>
-        </p:nvPicPr>
-        <p:blipFill>
-          <a:blip r:embed="rId3" cstate="print">
-            <a:extLst>
-              <a:ext uri="{28A0092B-C50C-407E-A947-70E740481C1C}">
-                <a14:useLocalDpi xmlns:a14="http://schemas.microsoft.com/office/drawing/2010/main" val="0"/>
-              </a:ext>
-            </a:extLst>
-          </a:blip>
-          <a:stretch>
-            <a:fillRect/>
-          </a:stretch>
-        </p:blipFill>
-        <p:spPr>
-          <a:xfrm>
-            <a:off x="179512" y="6165304"/>
-            <a:ext cx="1008112" cy="574214"/>
-          </a:xfrm>
-          <a:prstGeom prst="rect">
-            <a:avLst/>
-          </a:prstGeom>
-        </p:spPr>
-      </p:pic>
-    </p:spTree>
-    <p:extLst>
-      <p:ext uri="{BB962C8B-B14F-4D97-AF65-F5344CB8AC3E}">
-        <p14:creationId xmlns:p14="http://schemas.microsoft.com/office/powerpoint/2010/main" val="2722726801"/>
-      </p:ext>
-    </p:extLst>
-  </p:cSld>
-  <p:clrMapOvr>
-    <a:masterClrMapping/>
-  </p:clrMapOvr>
-  <p:timing>
-    <p:tnLst>
-      <p:par>
-        <p:cTn id="1" dur="indefinite" restart="never" nodeType="tmRoot"/>
-      </p:par>
-    </p:tnLst>
-  </p:timing>
-</p:sld>
-</file>
-
-<file path=ppt/slides/slide29.xml><?xml version="1.0" encoding="utf-8"?>
-<p:sld xmlns:a="http://schemas.openxmlformats.org/drawingml/2006/main" xmlns:r="http://schemas.openxmlformats.org/officeDocument/2006/relationships" xmlns:p="http://schemas.openxmlformats.org/presentationml/2006/main">
-  <p:cSld>
-    <p:spTree>
-      <p:nvGrpSpPr>
-        <p:cNvPr id="1" name=""/>
-        <p:cNvGrpSpPr/>
-        <p:nvPr/>
-      </p:nvGrpSpPr>
-      <p:grpSpPr>
-        <a:xfrm>
-          <a:off x="0" y="0"/>
-          <a:ext cx="0" cy="0"/>
-          <a:chOff x="0" y="0"/>
-          <a:chExt cx="0" cy="0"/>
-        </a:xfrm>
-      </p:grpSpPr>
-      <p:sp>
-        <p:nvSpPr>
-          <p:cNvPr id="2" name="Symbol zastępczy zawartości 1"/>
-          <p:cNvSpPr>
-            <a:spLocks noGrp="1"/>
-          </p:cNvSpPr>
-          <p:nvPr>
-            <p:ph idx="1"/>
-          </p:nvPr>
-        </p:nvSpPr>
-        <p:spPr/>
-        <p:txBody>
-          <a:bodyPr>
-            <a:normAutofit/>
-          </a:bodyPr>
-          <a:lstStyle/>
-          <a:p>
-            <a:pPr marL="109728" indent="0">
-              <a:buNone/>
-            </a:pPr>
-            <a:endParaRPr lang="pl-PL" sz="2800" dirty="0" smtClean="0">
-              <a:solidFill>
-                <a:srgbClr val="0000FF"/>
-              </a:solidFill>
-              <a:latin typeface="Consolas"/>
-            </a:endParaRPr>
-          </a:p>
-          <a:p>
-            <a:pPr marL="109728" indent="0">
-              <a:buNone/>
-            </a:pPr>
-            <a:endParaRPr lang="pl-PL" sz="2800" dirty="0">
-              <a:solidFill>
-                <a:srgbClr val="0000FF"/>
-              </a:solidFill>
-              <a:latin typeface="Consolas"/>
-            </a:endParaRPr>
-          </a:p>
-          <a:p>
-            <a:pPr marL="109728" indent="0">
-              <a:buNone/>
-            </a:pPr>
-            <a:r>
-              <a:rPr lang="pl-PL" sz="2800" dirty="0" smtClean="0">
-                <a:solidFill>
-                  <a:srgbClr val="0000FF"/>
-                </a:solidFill>
-                <a:latin typeface="Consolas"/>
-              </a:rPr>
-              <a:t>public</a:t>
-            </a:r>
-            <a:r>
-              <a:rPr lang="pl-PL" sz="2800" dirty="0" smtClean="0">
-                <a:solidFill>
-                  <a:srgbClr val="000000"/>
-                </a:solidFill>
-                <a:latin typeface="Consolas"/>
-              </a:rPr>
-              <a:t> </a:t>
-            </a:r>
-            <a:r>
-              <a:rPr lang="pl-PL" sz="2800" dirty="0" err="1">
-                <a:solidFill>
-                  <a:srgbClr val="000000"/>
-                </a:solidFill>
-                <a:latin typeface="Consolas"/>
-              </a:rPr>
-              <a:t>Configuration</a:t>
-            </a:r>
-            <a:r>
-              <a:rPr lang="pl-PL" sz="2800" dirty="0">
-                <a:solidFill>
-                  <a:srgbClr val="000000"/>
-                </a:solidFill>
-                <a:latin typeface="Consolas"/>
-              </a:rPr>
-              <a:t>()</a:t>
-            </a:r>
-          </a:p>
-          <a:p>
-            <a:pPr marL="109728" indent="0">
-              <a:buNone/>
-            </a:pPr>
-            <a:r>
-              <a:rPr lang="pl-PL" sz="2800" dirty="0" smtClean="0">
-                <a:solidFill>
-                  <a:srgbClr val="000000"/>
-                </a:solidFill>
-                <a:latin typeface="Consolas"/>
-              </a:rPr>
-              <a:t>{</a:t>
-            </a:r>
-            <a:endParaRPr lang="pl-PL" sz="2800" dirty="0">
-              <a:solidFill>
-                <a:srgbClr val="000000"/>
-              </a:solidFill>
-              <a:latin typeface="Consolas"/>
-            </a:endParaRPr>
-          </a:p>
-          <a:p>
-            <a:pPr marL="109728" indent="0">
-              <a:buNone/>
-            </a:pPr>
-            <a:r>
-              <a:rPr lang="pl-PL" sz="2800" dirty="0" smtClean="0">
-                <a:solidFill>
-                  <a:srgbClr val="000000"/>
-                </a:solidFill>
-                <a:latin typeface="Consolas"/>
-              </a:rPr>
-              <a:t>    </a:t>
-            </a:r>
-            <a:r>
-              <a:rPr lang="pl-PL" sz="2800" dirty="0" err="1">
-                <a:solidFill>
-                  <a:srgbClr val="000000"/>
-                </a:solidFill>
-                <a:latin typeface="Consolas"/>
-              </a:rPr>
-              <a:t>AutomaticMigrationsEnabled</a:t>
-            </a:r>
-            <a:r>
-              <a:rPr lang="pl-PL" sz="2800" dirty="0">
-                <a:solidFill>
-                  <a:srgbClr val="000000"/>
-                </a:solidFill>
-                <a:latin typeface="Consolas"/>
-              </a:rPr>
-              <a:t> = </a:t>
-            </a:r>
-            <a:r>
-              <a:rPr lang="pl-PL" sz="2800" dirty="0" err="1">
-                <a:solidFill>
-                  <a:srgbClr val="0000FF"/>
-                </a:solidFill>
-                <a:latin typeface="Consolas"/>
-              </a:rPr>
-              <a:t>true</a:t>
-            </a:r>
-            <a:r>
-              <a:rPr lang="pl-PL" sz="2800" dirty="0">
-                <a:solidFill>
-                  <a:srgbClr val="000000"/>
-                </a:solidFill>
-                <a:latin typeface="Consolas"/>
-              </a:rPr>
-              <a:t>;</a:t>
-            </a:r>
-          </a:p>
-          <a:p>
-            <a:pPr marL="109728" indent="0">
-              <a:buNone/>
-            </a:pPr>
-            <a:r>
-              <a:rPr lang="pl-PL" sz="2800" dirty="0" smtClean="0">
-                <a:solidFill>
-                  <a:srgbClr val="000000"/>
-                </a:solidFill>
-                <a:latin typeface="Consolas"/>
-              </a:rPr>
-              <a:t>}</a:t>
-            </a:r>
-            <a:endParaRPr lang="pl-PL" i="1" dirty="0" smtClean="0"/>
-          </a:p>
-        </p:txBody>
-      </p:sp>
-      <p:sp>
-        <p:nvSpPr>
-          <p:cNvPr id="3" name="Tytuł 2"/>
-          <p:cNvSpPr>
-            <a:spLocks noGrp="1"/>
-          </p:cNvSpPr>
-          <p:nvPr>
-            <p:ph type="title"/>
-          </p:nvPr>
-        </p:nvSpPr>
-        <p:spPr/>
-        <p:txBody>
-          <a:bodyPr>
-            <a:normAutofit/>
-          </a:bodyPr>
-          <a:lstStyle/>
-          <a:p>
-            <a:r>
-              <a:rPr lang="pl-PL" dirty="0" smtClean="0"/>
-              <a:t>Migracje: automatyczne</a:t>
-            </a:r>
-            <a:endParaRPr lang="pl-PL" dirty="0"/>
-          </a:p>
-        </p:txBody>
-      </p:sp>
-      <p:sp>
-        <p:nvSpPr>
-          <p:cNvPr id="4" name="Symbol zastępczy numeru slajdu 3"/>
-          <p:cNvSpPr>
-            <a:spLocks noGrp="1"/>
-          </p:cNvSpPr>
-          <p:nvPr>
-            <p:ph type="sldNum" sz="quarter" idx="12"/>
-          </p:nvPr>
-        </p:nvSpPr>
-        <p:spPr/>
-        <p:txBody>
-          <a:bodyPr/>
-          <a:lstStyle/>
-          <a:p>
-            <a:fld id="{976B8C4A-E01E-49C4-A342-E776841D1431}" type="slidenum">
-              <a:rPr lang="pl-PL" smtClean="0"/>
-              <a:pPr/>
-              <a:t>29</a:t>
-            </a:fld>
-            <a:endParaRPr lang="pl-PL"/>
-          </a:p>
-        </p:txBody>
-      </p:sp>
-      <p:pic>
-        <p:nvPicPr>
-          <p:cNvPr id="5" name="Obraz 4"/>
-          <p:cNvPicPr>
-            <a:picLocks noChangeAspect="1"/>
-          </p:cNvPicPr>
-          <p:nvPr/>
-        </p:nvPicPr>
-        <p:blipFill>
-          <a:blip r:embed="rId3" cstate="print">
-            <a:extLst>
-              <a:ext uri="{28A0092B-C50C-407E-A947-70E740481C1C}">
-                <a14:useLocalDpi xmlns:a14="http://schemas.microsoft.com/office/drawing/2010/main" val="0"/>
-              </a:ext>
-            </a:extLst>
-          </a:blip>
-          <a:stretch>
-            <a:fillRect/>
-          </a:stretch>
-        </p:blipFill>
-        <p:spPr>
-          <a:xfrm>
-            <a:off x="179512" y="6165304"/>
-            <a:ext cx="1008112" cy="574214"/>
-          </a:xfrm>
-          <a:prstGeom prst="rect">
-            <a:avLst/>
-          </a:prstGeom>
-        </p:spPr>
-      </p:pic>
-    </p:spTree>
-    <p:extLst>
-      <p:ext uri="{BB962C8B-B14F-4D97-AF65-F5344CB8AC3E}">
-        <p14:creationId xmlns:p14="http://schemas.microsoft.com/office/powerpoint/2010/main" val="3360151137"/>
+        <p14:creationId xmlns:p14="http://schemas.microsoft.com/office/powerpoint/2010/main" xmlns="" val="2808115206"/>
       </p:ext>
     </p:extLst>
   </p:cSld>
@@ -12526,11 +12758,7 @@
             <a:pPr marL="624078" indent="-514350"/>
             <a:r>
               <a:rPr lang="pl-PL" sz="3600" dirty="0" smtClean="0"/>
-              <a:t>Wprowadzenie </a:t>
-            </a:r>
-            <a:r>
-              <a:rPr lang="pl-PL" sz="3600" dirty="0" smtClean="0"/>
-              <a:t>do </a:t>
+              <a:t>Wprowadzenie do </a:t>
             </a:r>
             <a:r>
               <a:rPr lang="pl-PL" sz="3600" dirty="0" err="1" smtClean="0"/>
@@ -12538,11 +12766,7 @@
             </a:r>
             <a:r>
               <a:rPr lang="pl-PL" sz="3600" dirty="0" smtClean="0"/>
-              <a:t> </a:t>
-            </a:r>
-            <a:r>
-              <a:rPr lang="pl-PL" sz="3600" dirty="0" smtClean="0"/>
-              <a:t>Framework</a:t>
+              <a:t> Framework</a:t>
             </a:r>
           </a:p>
         </p:txBody>
@@ -12583,7 +12807,7 @@
           <a:blip r:embed="rId3" cstate="print">
             <a:extLst>
               <a:ext uri="{28A0092B-C50C-407E-A947-70E740481C1C}">
-                <a14:useLocalDpi xmlns:a14="http://schemas.microsoft.com/office/drawing/2010/main" val="0"/>
+                <a14:useLocalDpi xmlns:a14="http://schemas.microsoft.com/office/drawing/2010/main" xmlns="" val="0"/>
               </a:ext>
             </a:extLst>
           </a:blip>
@@ -12604,7 +12828,7 @@
     </p:spTree>
     <p:extLst>
       <p:ext uri="{BB962C8B-B14F-4D97-AF65-F5344CB8AC3E}">
-        <p14:creationId xmlns:p14="http://schemas.microsoft.com/office/powerpoint/2010/main" val="2808115206"/>
+        <p14:creationId xmlns:p14="http://schemas.microsoft.com/office/powerpoint/2010/main" xmlns="" val="2808115206"/>
       </p:ext>
     </p:extLst>
   </p:cSld>
@@ -12650,445 +12874,19 @@
         </p:nvSpPr>
         <p:spPr/>
         <p:txBody>
-          <a:bodyPr>
-            <a:normAutofit lnSpcReduction="10000"/>
+          <a:bodyPr anchor="ctr">
+            <a:normAutofit/>
           </a:bodyPr>
           <a:lstStyle/>
           <a:p>
-            <a:pPr fontAlgn="base">
+            <a:pPr marL="109728" indent="0" algn="ctr">
               <a:buNone/>
             </a:pPr>
             <a:r>
-              <a:rPr lang="pl-PL" sz="2800" dirty="0" err="1" smtClean="0">
-                <a:solidFill>
-                  <a:srgbClr val="242729"/>
-                </a:solidFill>
-                <a:latin typeface="Arial"/>
-              </a:rPr>
-              <a:t>Initializers</a:t>
-            </a:r>
-            <a:r>
-              <a:rPr lang="pl-PL" sz="2800" dirty="0" smtClean="0">
-                <a:solidFill>
-                  <a:srgbClr val="242729"/>
-                </a:solidFill>
-                <a:latin typeface="Arial"/>
-              </a:rPr>
-              <a:t>…</a:t>
-            </a:r>
-            <a:br>
-              <a:rPr lang="pl-PL" sz="2800" dirty="0" smtClean="0">
-                <a:solidFill>
-                  <a:srgbClr val="242729"/>
-                </a:solidFill>
-                <a:latin typeface="Arial"/>
-              </a:rPr>
-            </a:br>
-            <a:endParaRPr lang="pl-PL" sz="2800" dirty="0" smtClean="0">
-              <a:solidFill>
-                <a:srgbClr val="242729"/>
-              </a:solidFill>
-              <a:latin typeface="Arial"/>
-            </a:endParaRPr>
-          </a:p>
-          <a:p>
-            <a:pPr lvl="1" fontAlgn="base"/>
-            <a:r>
-              <a:rPr lang="pl-PL" sz="2400" dirty="0" smtClean="0">
-                <a:solidFill>
-                  <a:srgbClr val="242729"/>
-                </a:solidFill>
-                <a:latin typeface="Arial"/>
-              </a:rPr>
-              <a:t>umożliwiają wdrażanie zmian / inicjalizowanie bazy </a:t>
-            </a:r>
-            <a:r>
-              <a:rPr lang="pl-PL" sz="2400" dirty="0" smtClean="0">
-                <a:solidFill>
-                  <a:srgbClr val="242729"/>
-                </a:solidFill>
-                <a:latin typeface="Arial"/>
-              </a:rPr>
-              <a:t>wg obranej strategii</a:t>
-            </a:r>
-          </a:p>
-          <a:p>
-            <a:pPr lvl="1" fontAlgn="base"/>
-            <a:r>
-              <a:rPr lang="pl-PL" sz="2400" dirty="0" smtClean="0">
-                <a:solidFill>
-                  <a:srgbClr val="242729"/>
-                </a:solidFill>
-                <a:latin typeface="Arial"/>
-              </a:rPr>
-              <a:t>uruchamiane przy pierwszym dostępie do bazy</a:t>
-            </a:r>
-            <a:br>
-              <a:rPr lang="pl-PL" sz="2400" dirty="0" smtClean="0">
-                <a:solidFill>
-                  <a:srgbClr val="242729"/>
-                </a:solidFill>
-                <a:latin typeface="Arial"/>
-              </a:rPr>
-            </a:br>
-            <a:endParaRPr lang="pl-PL" sz="2400" dirty="0" smtClean="0">
-              <a:solidFill>
-                <a:srgbClr val="242729"/>
-              </a:solidFill>
-              <a:latin typeface="Arial"/>
-            </a:endParaRPr>
-          </a:p>
-          <a:p>
-            <a:pPr lvl="1">
-              <a:buNone/>
-            </a:pPr>
-            <a:r>
-              <a:rPr lang="pl-PL" sz="1800" dirty="0" smtClean="0">
-                <a:solidFill>
-                  <a:srgbClr val="101094"/>
-                </a:solidFill>
-                <a:latin typeface="inherit"/>
-              </a:rPr>
-              <a:t>    </a:t>
-            </a:r>
-            <a:r>
-              <a:rPr lang="pl-PL" sz="1800" dirty="0" smtClean="0">
-                <a:solidFill>
-                  <a:srgbClr val="101094"/>
-                </a:solidFill>
-                <a:latin typeface="inherit"/>
-              </a:rPr>
-              <a:t>public</a:t>
-            </a:r>
-            <a:r>
-              <a:rPr lang="pl-PL" sz="1800" dirty="0" smtClean="0">
-                <a:solidFill>
-                  <a:srgbClr val="303336"/>
-                </a:solidFill>
-                <a:latin typeface="inherit"/>
-              </a:rPr>
-              <a:t> </a:t>
-            </a:r>
-            <a:r>
-              <a:rPr lang="pl-PL" sz="1800" dirty="0" err="1">
-                <a:solidFill>
-                  <a:srgbClr val="101094"/>
-                </a:solidFill>
-                <a:latin typeface="inherit"/>
-              </a:rPr>
-              <a:t>class</a:t>
-            </a:r>
-            <a:r>
-              <a:rPr lang="pl-PL" sz="1800" dirty="0">
-                <a:solidFill>
-                  <a:srgbClr val="303336"/>
-                </a:solidFill>
-                <a:latin typeface="inherit"/>
-              </a:rPr>
-              <a:t> </a:t>
-            </a:r>
-            <a:r>
-              <a:rPr lang="pl-PL" sz="1800" dirty="0" err="1">
-                <a:solidFill>
-                  <a:srgbClr val="2B91AF"/>
-                </a:solidFill>
-                <a:latin typeface="inherit"/>
-              </a:rPr>
-              <a:t>MyContext</a:t>
-            </a:r>
-            <a:r>
-              <a:rPr lang="pl-PL" sz="1800" dirty="0">
-                <a:solidFill>
-                  <a:srgbClr val="303336"/>
-                </a:solidFill>
-                <a:latin typeface="inherit"/>
-              </a:rPr>
-              <a:t> : </a:t>
-            </a:r>
-            <a:r>
-              <a:rPr lang="pl-PL" sz="1800" dirty="0" err="1">
-                <a:solidFill>
-                  <a:srgbClr val="2B91AF"/>
-                </a:solidFill>
-                <a:latin typeface="inherit"/>
-              </a:rPr>
-              <a:t>DbContext</a:t>
-            </a:r>
-            <a:r>
-              <a:rPr lang="pl-PL" sz="1800" dirty="0">
-                <a:solidFill>
-                  <a:srgbClr val="303336"/>
-                </a:solidFill>
-                <a:latin typeface="inherit"/>
-              </a:rPr>
-              <a:t> </a:t>
-            </a:r>
-            <a:r>
-              <a:rPr lang="pl-PL" sz="1800" dirty="0" smtClean="0">
-                <a:solidFill>
-                  <a:srgbClr val="303336"/>
-                </a:solidFill>
-                <a:latin typeface="inherit"/>
-              </a:rPr>
-              <a:t/>
-            </a:r>
-            <a:br>
-              <a:rPr lang="pl-PL" sz="1800" dirty="0" smtClean="0">
-                <a:solidFill>
-                  <a:srgbClr val="303336"/>
-                </a:solidFill>
-                <a:latin typeface="inherit"/>
-              </a:rPr>
-            </a:br>
-            <a:r>
-              <a:rPr lang="pl-PL" sz="1800" dirty="0" smtClean="0">
-                <a:solidFill>
-                  <a:srgbClr val="303336"/>
-                </a:solidFill>
-                <a:latin typeface="inherit"/>
-              </a:rPr>
-              <a:t>{</a:t>
-            </a:r>
-            <a:br>
-              <a:rPr lang="pl-PL" sz="1800" dirty="0" smtClean="0">
-                <a:solidFill>
-                  <a:srgbClr val="303336"/>
-                </a:solidFill>
-                <a:latin typeface="inherit"/>
-              </a:rPr>
-            </a:br>
-            <a:r>
-              <a:rPr lang="pl-PL" sz="1800" dirty="0" smtClean="0">
-                <a:solidFill>
-                  <a:srgbClr val="303336"/>
-                </a:solidFill>
-                <a:latin typeface="inherit"/>
-              </a:rPr>
-              <a:t>  </a:t>
-            </a:r>
-            <a:r>
-              <a:rPr lang="pl-PL" sz="1800" dirty="0" smtClean="0">
-                <a:solidFill>
-                  <a:srgbClr val="101094"/>
-                </a:solidFill>
-                <a:latin typeface="inherit"/>
-              </a:rPr>
-              <a:t>public </a:t>
-            </a:r>
-            <a:r>
-              <a:rPr lang="pl-PL" sz="1800" dirty="0" err="1" smtClean="0">
-                <a:solidFill>
-                  <a:srgbClr val="2B91AF"/>
-                </a:solidFill>
-                <a:latin typeface="inherit"/>
-              </a:rPr>
-              <a:t>MyContext</a:t>
-            </a:r>
-            <a:r>
-              <a:rPr lang="pl-PL" sz="1800" dirty="0" smtClean="0">
-                <a:solidFill>
-                  <a:srgbClr val="303336"/>
-                </a:solidFill>
-                <a:latin typeface="inherit"/>
-              </a:rPr>
-              <a:t>() </a:t>
-            </a:r>
-            <a:br>
-              <a:rPr lang="pl-PL" sz="1800" dirty="0" smtClean="0">
-                <a:solidFill>
-                  <a:srgbClr val="303336"/>
-                </a:solidFill>
-                <a:latin typeface="inherit"/>
-              </a:rPr>
-            </a:br>
-            <a:r>
-              <a:rPr lang="pl-PL" sz="1800" dirty="0" smtClean="0">
-                <a:solidFill>
-                  <a:srgbClr val="303336"/>
-                </a:solidFill>
-                <a:latin typeface="inherit"/>
-              </a:rPr>
-              <a:t>  { </a:t>
-            </a:r>
-            <a:br>
-              <a:rPr lang="pl-PL" sz="1800" dirty="0" smtClean="0">
-                <a:solidFill>
-                  <a:srgbClr val="303336"/>
-                </a:solidFill>
-                <a:latin typeface="inherit"/>
-              </a:rPr>
-            </a:br>
-            <a:r>
-              <a:rPr lang="pl-PL" sz="1800" dirty="0" smtClean="0">
-                <a:solidFill>
-                  <a:srgbClr val="303336"/>
-                </a:solidFill>
-                <a:latin typeface="inherit"/>
-              </a:rPr>
-              <a:t>     </a:t>
-            </a:r>
-            <a:r>
-              <a:rPr lang="pl-PL" sz="1800" dirty="0" err="1" smtClean="0">
-                <a:solidFill>
-                  <a:srgbClr val="2B91AF"/>
-                </a:solidFill>
-                <a:latin typeface="inherit"/>
-              </a:rPr>
-              <a:t>Database</a:t>
-            </a:r>
-            <a:r>
-              <a:rPr lang="pl-PL" sz="1800" dirty="0" err="1" smtClean="0">
-                <a:solidFill>
-                  <a:srgbClr val="303336"/>
-                </a:solidFill>
-                <a:latin typeface="inherit"/>
-              </a:rPr>
-              <a:t>.</a:t>
-            </a:r>
-            <a:r>
-              <a:rPr lang="pl-PL" sz="1800" dirty="0" err="1" smtClean="0">
-                <a:solidFill>
-                  <a:srgbClr val="2B91AF"/>
-                </a:solidFill>
-                <a:latin typeface="inherit"/>
-              </a:rPr>
-              <a:t>SetInitializer</a:t>
-            </a:r>
-            <a:r>
-              <a:rPr lang="pl-PL" sz="1800" dirty="0" smtClean="0">
-                <a:solidFill>
-                  <a:srgbClr val="303336"/>
-                </a:solidFill>
-                <a:latin typeface="inherit"/>
-              </a:rPr>
-              <a:t>(</a:t>
-            </a:r>
-            <a:r>
-              <a:rPr lang="pl-PL" sz="1800" dirty="0" err="1" smtClean="0">
-                <a:solidFill>
-                  <a:srgbClr val="101094"/>
-                </a:solidFill>
-                <a:latin typeface="inherit"/>
-              </a:rPr>
-              <a:t>new</a:t>
-            </a:r>
-            <a:r>
-              <a:rPr lang="pl-PL" sz="1800" dirty="0" smtClean="0">
-                <a:solidFill>
-                  <a:srgbClr val="303336"/>
-                </a:solidFill>
-                <a:latin typeface="inherit"/>
-              </a:rPr>
-              <a:t>           						</a:t>
-            </a:r>
-            <a:r>
-              <a:rPr lang="pl-PL" sz="1800" dirty="0" err="1" smtClean="0">
-                <a:solidFill>
-                  <a:srgbClr val="2B91AF"/>
-                </a:solidFill>
-                <a:latin typeface="inherit"/>
-              </a:rPr>
-              <a:t>MigrateDatabaseToLatestVersion</a:t>
-            </a:r>
-            <a:r>
-              <a:rPr lang="pl-PL" sz="1800" dirty="0" smtClean="0">
-                <a:solidFill>
-                  <a:srgbClr val="303336"/>
-                </a:solidFill>
-                <a:latin typeface="inherit"/>
-              </a:rPr>
-              <a:t>&lt;</a:t>
-            </a:r>
-            <a:r>
-              <a:rPr lang="pl-PL" sz="1800" dirty="0" err="1" smtClean="0">
-                <a:solidFill>
-                  <a:srgbClr val="2B91AF"/>
-                </a:solidFill>
-                <a:latin typeface="inherit"/>
-              </a:rPr>
-              <a:t>MyContext</a:t>
-            </a:r>
-            <a:r>
-              <a:rPr lang="pl-PL" sz="1800" dirty="0" smtClean="0">
-                <a:solidFill>
-                  <a:srgbClr val="303336"/>
-                </a:solidFill>
-                <a:latin typeface="inherit"/>
-              </a:rPr>
-              <a:t>, 			</a:t>
-            </a:r>
-            <a:r>
-              <a:rPr lang="pl-PL" sz="1800" dirty="0" err="1" smtClean="0">
-                <a:solidFill>
-                  <a:srgbClr val="2B91AF"/>
-                </a:solidFill>
-                <a:latin typeface="inherit"/>
-              </a:rPr>
-              <a:t>MigrateDBConfiguration</a:t>
-            </a:r>
-            <a:r>
-              <a:rPr lang="pl-PL" sz="1800" dirty="0" smtClean="0">
-                <a:solidFill>
-                  <a:srgbClr val="303336"/>
-                </a:solidFill>
-                <a:latin typeface="inherit"/>
-              </a:rPr>
-              <a:t>&gt;()); </a:t>
-            </a:r>
-            <a:br>
-              <a:rPr lang="pl-PL" sz="1800" dirty="0" smtClean="0">
-                <a:solidFill>
-                  <a:srgbClr val="303336"/>
-                </a:solidFill>
-                <a:latin typeface="inherit"/>
-              </a:rPr>
-            </a:br>
-            <a:r>
-              <a:rPr lang="pl-PL" sz="1800" dirty="0" smtClean="0">
-                <a:solidFill>
-                  <a:srgbClr val="303336"/>
-                </a:solidFill>
-                <a:latin typeface="inherit"/>
-              </a:rPr>
-              <a:t>  }</a:t>
-            </a:r>
-            <a:br>
-              <a:rPr lang="pl-PL" sz="1800" dirty="0" smtClean="0">
-                <a:solidFill>
-                  <a:srgbClr val="303336"/>
-                </a:solidFill>
-                <a:latin typeface="inherit"/>
-              </a:rPr>
-            </a:br>
-            <a:r>
-              <a:rPr lang="pl-PL" sz="1800" dirty="0" smtClean="0">
-                <a:solidFill>
-                  <a:srgbClr val="303336"/>
-                </a:solidFill>
-                <a:latin typeface="inherit"/>
-              </a:rPr>
-              <a:t>}</a:t>
-            </a:r>
-          </a:p>
-          <a:p>
-            <a:pPr lvl="1"/>
-            <a:endParaRPr lang="pl-PL" sz="1800" dirty="0" smtClean="0">
-              <a:solidFill>
-                <a:srgbClr val="0000FF"/>
-              </a:solidFill>
-              <a:latin typeface="Consolas"/>
-            </a:endParaRPr>
-          </a:p>
-          <a:p>
-            <a:pPr marL="109728" indent="0">
-              <a:buNone/>
-            </a:pPr>
-            <a:endParaRPr lang="pl-PL" sz="2800" dirty="0">
-              <a:solidFill>
-                <a:srgbClr val="0000FF"/>
-              </a:solidFill>
-              <a:latin typeface="Consolas"/>
-            </a:endParaRPr>
+              <a:rPr lang="pl-PL" b="1" i="1" dirty="0" smtClean="0"/>
+              <a:t>DEMO</a:t>
+            </a:r>
+            <a:endParaRPr lang="pl-PL" i="1" dirty="0" smtClean="0"/>
           </a:p>
         </p:txBody>
       </p:sp>
@@ -13111,7 +12909,15 @@
           <a:p>
             <a:r>
               <a:rPr lang="pl-PL" dirty="0" smtClean="0"/>
-              <a:t>Migracje: automatyczne</a:t>
+              <a:t>Migracje: "</a:t>
+            </a:r>
+            <a:r>
+              <a:rPr lang="pl-PL" dirty="0" err="1" smtClean="0"/>
+              <a:t>code-base</a:t>
+            </a:r>
+            <a:r>
+              <a:rPr lang="pl-PL" dirty="0" smtClean="0"/>
+              <a:t>"</a:t>
             </a:r>
             <a:endParaRPr lang="pl-PL" dirty="0"/>
           </a:p>
@@ -13153,7 +12959,7 @@
           <a:blip r:embed="rId3" cstate="print">
             <a:extLst>
               <a:ext uri="{28A0092B-C50C-407E-A947-70E740481C1C}">
-                <a14:useLocalDpi xmlns:a14="http://schemas.microsoft.com/office/drawing/2010/main" val="0"/>
+                <a14:useLocalDpi xmlns:a14="http://schemas.microsoft.com/office/drawing/2010/main" xmlns="" val="0"/>
               </a:ext>
             </a:extLst>
           </a:blip>
@@ -13174,7 +12980,7 @@
     </p:spTree>
     <p:extLst>
       <p:ext uri="{BB962C8B-B14F-4D97-AF65-F5344CB8AC3E}">
-        <p14:creationId xmlns:p14="http://schemas.microsoft.com/office/powerpoint/2010/main" val="4148982605"/>
+        <p14:creationId xmlns:p14="http://schemas.microsoft.com/office/powerpoint/2010/main" xmlns="" val="2722726801"/>
       </p:ext>
     </p:extLst>
   </p:cSld>
@@ -13210,7 +13016,7 @@
       </p:grpSpPr>
       <p:sp>
         <p:nvSpPr>
-          <p:cNvPr id="8" name="Symbol zastępczy zawartości 7"/>
+          <p:cNvPr id="2" name="Symbol zastępczy zawartości 1"/>
           <p:cNvSpPr>
             <a:spLocks noGrp="1"/>
           </p:cNvSpPr>
@@ -13220,92 +13026,140 @@
         </p:nvSpPr>
         <p:spPr/>
         <p:txBody>
-          <a:bodyPr/>
-          <a:lstStyle/>
-          <a:p>
+          <a:bodyPr>
+            <a:normAutofit/>
+          </a:bodyPr>
+          <a:lstStyle/>
+          <a:p>
+            <a:pPr marL="109728" indent="0">
+              <a:buNone/>
+            </a:pPr>
             <a:r>
               <a:rPr lang="pl-PL" dirty="0" smtClean="0"/>
-              <a:t>Dostępne strategie inicjalizacji</a:t>
-            </a:r>
-          </a:p>
-          <a:p>
-            <a:pPr lvl="1"/>
+              <a:t>Wdrożenie migracji:</a:t>
+            </a:r>
+          </a:p>
+          <a:p>
+            <a:r>
+              <a:rPr lang="pl-PL" b="1" dirty="0" smtClean="0"/>
+              <a:t>Update-Database</a:t>
+            </a:r>
+            <a:r>
+              <a:rPr lang="pl-PL" dirty="0" smtClean="0"/>
+              <a:t> </a:t>
+            </a:r>
+            <a:r>
+              <a:rPr lang="pl-PL" i="1" dirty="0" smtClean="0"/>
+              <a:t>(</a:t>
+            </a:r>
+            <a:r>
+              <a:rPr lang="pl-PL" i="1" dirty="0" err="1" smtClean="0"/>
+              <a:t>Package</a:t>
+            </a:r>
+            <a:r>
+              <a:rPr lang="pl-PL" i="1" dirty="0" smtClean="0"/>
+              <a:t> </a:t>
+            </a:r>
+            <a:r>
+              <a:rPr lang="pl-PL" i="1" dirty="0"/>
+              <a:t>Manager </a:t>
+            </a:r>
+            <a:r>
+              <a:rPr lang="pl-PL" i="1" dirty="0" err="1" smtClean="0"/>
+              <a:t>console</a:t>
+            </a:r>
+            <a:r>
+              <a:rPr lang="pl-PL" i="1" dirty="0" smtClean="0"/>
+              <a:t>)</a:t>
+            </a:r>
+          </a:p>
+          <a:p>
+            <a:r>
+              <a:rPr lang="pl-PL" b="1" dirty="0" smtClean="0"/>
+              <a:t>migrate.exe</a:t>
+            </a:r>
+            <a:r>
+              <a:rPr lang="pl-PL" dirty="0" smtClean="0"/>
+              <a:t> </a:t>
+            </a:r>
+            <a:r>
+              <a:rPr lang="pl-PL" i="1" dirty="0" smtClean="0"/>
+              <a:t>(</a:t>
+            </a:r>
+            <a:r>
+              <a:rPr lang="pl-PL" i="1" dirty="0" err="1" smtClean="0"/>
+              <a:t>packages</a:t>
+            </a:r>
+            <a:r>
+              <a:rPr lang="pl-PL" i="1" dirty="0" smtClean="0"/>
+              <a:t>\EntityFramework.6.2.0\</a:t>
+            </a:r>
+            <a:r>
+              <a:rPr lang="pl-PL" i="1" dirty="0" err="1" smtClean="0"/>
+              <a:t>tools</a:t>
+            </a:r>
+            <a:r>
+              <a:rPr lang="pl-PL" i="1" dirty="0" smtClean="0"/>
+              <a:t>)</a:t>
+            </a:r>
+          </a:p>
+          <a:p>
+            <a:r>
+              <a:rPr lang="pl-PL" b="1" dirty="0" err="1" smtClean="0"/>
+              <a:t>Script.sql</a:t>
+            </a:r>
+            <a:r>
+              <a:rPr lang="pl-PL" dirty="0" smtClean="0"/>
+              <a:t> </a:t>
+            </a:r>
+            <a:r>
+              <a:rPr lang="pl-PL" i="1" dirty="0" smtClean="0"/>
+              <a:t>(Update-Database </a:t>
+            </a:r>
+            <a:r>
+              <a:rPr lang="pl-PL" i="1" dirty="0"/>
+              <a:t>-</a:t>
+            </a:r>
+            <a:r>
+              <a:rPr lang="pl-PL" i="1" dirty="0" err="1" smtClean="0"/>
+              <a:t>Script</a:t>
+            </a:r>
+            <a:r>
+              <a:rPr lang="pl-PL" i="1" dirty="0" smtClean="0"/>
+              <a:t>)</a:t>
+            </a:r>
+          </a:p>
+        </p:txBody>
+      </p:sp>
+      <p:sp>
+        <p:nvSpPr>
+          <p:cNvPr id="3" name="Tytuł 2"/>
+          <p:cNvSpPr>
+            <a:spLocks noGrp="1"/>
+          </p:cNvSpPr>
+          <p:nvPr>
+            <p:ph type="title"/>
+          </p:nvPr>
+        </p:nvSpPr>
+        <p:spPr/>
+        <p:txBody>
+          <a:bodyPr>
+            <a:normAutofit/>
+          </a:bodyPr>
+          <a:lstStyle/>
+          <a:p>
+            <a:r>
+              <a:rPr lang="pl-PL" dirty="0" smtClean="0"/>
+              <a:t>Migracje: "</a:t>
+            </a:r>
             <a:r>
               <a:rPr lang="pl-PL" dirty="0" err="1" smtClean="0"/>
-              <a:t>CreateDatabaseIfNotExists</a:t>
+              <a:t>code-base</a:t>
             </a:r>
             <a:r>
               <a:rPr lang="pl-PL" dirty="0" smtClean="0"/>
-              <a:t> (domyślna)</a:t>
-            </a:r>
-          </a:p>
-          <a:p>
-            <a:pPr lvl="1"/>
-            <a:r>
-              <a:rPr lang="pl-PL" dirty="0" err="1" smtClean="0"/>
-              <a:t>DropCreateDatabaseIfModelChanges</a:t>
-            </a:r>
-            <a:endParaRPr lang="pl-PL" dirty="0" smtClean="0"/>
-          </a:p>
-          <a:p>
-            <a:pPr lvl="1"/>
-            <a:r>
-              <a:rPr lang="pl-PL" dirty="0" err="1" smtClean="0"/>
-              <a:t>DropCreateDatabaseAlways</a:t>
-            </a:r>
-            <a:endParaRPr lang="pl-PL" dirty="0" smtClean="0"/>
-          </a:p>
-          <a:p>
-            <a:pPr lvl="1"/>
-            <a:r>
-              <a:rPr lang="pl-PL" dirty="0" err="1"/>
-              <a:t>MigrateDatabaseToLatestVersion</a:t>
-            </a:r>
-            <a:endParaRPr lang="pl-PL" dirty="0" smtClean="0"/>
-          </a:p>
-          <a:p>
-            <a:pPr lvl="1"/>
-            <a:r>
-              <a:rPr lang="pl-PL" dirty="0" err="1"/>
-              <a:t>NullDatabaseInitializer</a:t>
-            </a:r>
-            <a:endParaRPr lang="pl-PL" dirty="0" smtClean="0"/>
-          </a:p>
-          <a:p>
-            <a:r>
-              <a:rPr lang="pl-PL" dirty="0" smtClean="0"/>
-              <a:t>Możliwość tworzenia własnych strategii </a:t>
-            </a:r>
-            <a:br>
-              <a:rPr lang="pl-PL" dirty="0" smtClean="0"/>
-            </a:br>
-            <a:r>
-              <a:rPr lang="pl-PL" dirty="0" smtClean="0"/>
-              <a:t>(</a:t>
-            </a:r>
-            <a:r>
-              <a:rPr lang="pl-PL" dirty="0" err="1" smtClean="0"/>
-              <a:t>w.w</a:t>
-            </a:r>
-            <a:r>
-              <a:rPr lang="pl-PL" dirty="0" smtClean="0"/>
-              <a:t>. lub </a:t>
-            </a:r>
-            <a:r>
-              <a:rPr lang="pl-PL" dirty="0" err="1" smtClean="0"/>
-              <a:t>IDatabaseInitializer</a:t>
-            </a:r>
-            <a:r>
-              <a:rPr lang="pl-PL" dirty="0" smtClean="0"/>
-              <a:t>)</a:t>
-            </a:r>
-            <a:r>
-              <a:rPr lang="pl-PL" dirty="0"/>
-              <a:t/>
-            </a:r>
-            <a:br>
-              <a:rPr lang="pl-PL" dirty="0"/>
-            </a:br>
+              <a:t>"</a:t>
+            </a:r>
             <a:endParaRPr lang="pl-PL" dirty="0"/>
           </a:p>
         </p:txBody>
@@ -13331,29 +13185,6 @@
               <a:t>31</a:t>
             </a:fld>
             <a:endParaRPr lang="pl-PL"/>
-          </a:p>
-        </p:txBody>
-      </p:sp>
-      <p:sp>
-        <p:nvSpPr>
-          <p:cNvPr id="3" name="Tytuł 2"/>
-          <p:cNvSpPr>
-            <a:spLocks noGrp="1"/>
-          </p:cNvSpPr>
-          <p:nvPr>
-            <p:ph type="title"/>
-          </p:nvPr>
-        </p:nvSpPr>
-        <p:spPr/>
-        <p:txBody>
-          <a:bodyPr/>
-          <a:lstStyle/>
-          <a:p>
-            <a:r>
-              <a:rPr lang="pl-PL" smtClean="0"/>
-              <a:t>Migracje: automatyczne</a:t>
-            </a:r>
-            <a:endParaRPr lang="pl-PL" dirty="0"/>
           </a:p>
         </p:txBody>
       </p:sp>
@@ -13369,7 +13200,7 @@
           <a:blip r:embed="rId3" cstate="print">
             <a:extLst>
               <a:ext uri="{28A0092B-C50C-407E-A947-70E740481C1C}">
-                <a14:useLocalDpi xmlns:a14="http://schemas.microsoft.com/office/drawing/2010/main" val="0"/>
+                <a14:useLocalDpi xmlns:a14="http://schemas.microsoft.com/office/drawing/2010/main" xmlns="" val="0"/>
               </a:ext>
             </a:extLst>
           </a:blip>
@@ -13390,7 +13221,7 @@
     </p:spTree>
     <p:extLst>
       <p:ext uri="{BB962C8B-B14F-4D97-AF65-F5344CB8AC3E}">
-        <p14:creationId xmlns:p14="http://schemas.microsoft.com/office/powerpoint/2010/main" val="3470529918"/>
+        <p14:creationId xmlns:p14="http://schemas.microsoft.com/office/powerpoint/2010/main" xmlns="" val="2722726801"/>
       </p:ext>
     </p:extLst>
   </p:cSld>
@@ -13426,7 +13257,7 @@
       </p:grpSpPr>
       <p:sp>
         <p:nvSpPr>
-          <p:cNvPr id="8" name="Symbol zastępczy zawartości 7"/>
+          <p:cNvPr id="2" name="Symbol zastępczy zawartości 1"/>
           <p:cNvSpPr>
             <a:spLocks noGrp="1"/>
           </p:cNvSpPr>
@@ -13437,42 +13268,13 @@
         <p:spPr/>
         <p:txBody>
           <a:bodyPr>
-            <a:normAutofit fontScale="85000" lnSpcReduction="20000"/>
+            <a:normAutofit/>
           </a:bodyPr>
           <a:lstStyle/>
           <a:p>
-            <a:pPr>
+            <a:pPr marL="109728" indent="0">
               <a:buNone/>
             </a:pPr>
-            <a:r>
-              <a:rPr lang="pl-PL" dirty="0" smtClean="0"/>
-              <a:t>Wyłączenie inicjalizacji</a:t>
-            </a:r>
-          </a:p>
-          <a:p>
-            <a:endParaRPr lang="pl-PL" dirty="0" smtClean="0"/>
-          </a:p>
-          <a:p>
-            <a:pPr lvl="1"/>
-            <a:r>
-              <a:rPr lang="pl-PL" dirty="0" err="1" smtClean="0"/>
-              <a:t>Database.SetInitializer&lt;MyDBContext</a:t>
-            </a:r>
-            <a:r>
-              <a:rPr lang="pl-PL" dirty="0" smtClean="0"/>
-              <a:t>&gt;(</a:t>
-            </a:r>
-            <a:r>
-              <a:rPr lang="pl-PL" dirty="0" err="1" smtClean="0"/>
-              <a:t>null</a:t>
-            </a:r>
-            <a:r>
-              <a:rPr lang="pl-PL" dirty="0" smtClean="0"/>
-              <a:t>);</a:t>
-            </a:r>
-          </a:p>
-          <a:p>
-            <a:pPr lvl="1"/>
             <a:endParaRPr lang="pl-PL" sz="2800" dirty="0" smtClean="0">
               <a:solidFill>
                 <a:srgbClr val="0000FF"/>
@@ -13481,82 +13283,71 @@
             </a:endParaRPr>
           </a:p>
           <a:p>
-            <a:pPr lvl="1"/>
-            <a:r>
-              <a:rPr lang="pl-PL" sz="2400" dirty="0" smtClean="0">
+            <a:pPr marL="109728" indent="0">
+              <a:buNone/>
+            </a:pPr>
+            <a:endParaRPr lang="pl-PL" sz="2800" dirty="0">
+              <a:solidFill>
+                <a:srgbClr val="0000FF"/>
+              </a:solidFill>
+              <a:latin typeface="Consolas"/>
+            </a:endParaRPr>
+          </a:p>
+          <a:p>
+            <a:pPr marL="109728" indent="0">
+              <a:buNone/>
+            </a:pPr>
+            <a:r>
+              <a:rPr lang="pl-PL" sz="2800" dirty="0" smtClean="0">
                 <a:solidFill>
                   <a:srgbClr val="0000FF"/>
                 </a:solidFill>
                 <a:latin typeface="Consolas"/>
               </a:rPr>
-              <a:t>&lt;</a:t>
-            </a:r>
-            <a:r>
-              <a:rPr lang="pl-PL" sz="2400" dirty="0" err="1" smtClean="0">
+              <a:t>public</a:t>
+            </a:r>
+            <a:r>
+              <a:rPr lang="pl-PL" sz="2800" dirty="0" smtClean="0">
                 <a:solidFill>
-                  <a:srgbClr val="A31515"/>
+                  <a:srgbClr val="000000"/>
                 </a:solidFill>
                 <a:latin typeface="Consolas"/>
               </a:rPr>
-              <a:t>entityFramework</a:t>
-            </a:r>
-            <a:r>
-              <a:rPr lang="pl-PL" sz="2400" dirty="0" smtClean="0">
+              <a:t> </a:t>
+            </a:r>
+            <a:r>
+              <a:rPr lang="pl-PL" sz="2800" dirty="0" err="1">
                 <a:solidFill>
-                  <a:srgbClr val="0000FF"/>
+                  <a:srgbClr val="000000"/>
                 </a:solidFill>
                 <a:latin typeface="Consolas"/>
               </a:rPr>
-              <a:t>&gt;</a:t>
-            </a:r>
-            <a:endParaRPr lang="pl-PL" sz="2400" dirty="0" smtClean="0"/>
-          </a:p>
-          <a:p>
-            <a:pPr lvl="1">
-              <a:buNone/>
-            </a:pPr>
-            <a:r>
-              <a:rPr lang="pl-PL" sz="2400" dirty="0" smtClean="0">
+              <a:t>Configuration</a:t>
+            </a:r>
+            <a:r>
+              <a:rPr lang="pl-PL" sz="2800" dirty="0">
                 <a:solidFill>
-                  <a:srgbClr val="0000FF"/>
+                  <a:srgbClr val="000000"/>
                 </a:solidFill>
                 <a:latin typeface="Consolas"/>
               </a:rPr>
-              <a:t>   …</a:t>
-            </a:r>
-          </a:p>
-          <a:p>
-            <a:pPr lvl="2">
+              <a:t>()</a:t>
+            </a:r>
+          </a:p>
+          <a:p>
+            <a:pPr marL="109728" indent="0">
               <a:buNone/>
             </a:pPr>
             <a:r>
-              <a:rPr lang="pl-PL" sz="2400" dirty="0" smtClean="0">
+              <a:rPr lang="pl-PL" sz="2800" dirty="0" smtClean="0">
                 <a:solidFill>
-                  <a:srgbClr val="0000FF"/>
+                  <a:srgbClr val="000000"/>
                 </a:solidFill>
                 <a:latin typeface="Consolas"/>
               </a:rPr>
-              <a:t> &lt;</a:t>
-            </a:r>
-            <a:r>
-              <a:rPr lang="pl-PL" sz="2400" dirty="0" err="1" smtClean="0">
-                <a:solidFill>
-                  <a:srgbClr val="A31515"/>
-                </a:solidFill>
-                <a:latin typeface="Consolas"/>
-              </a:rPr>
-              <a:t>contexts</a:t>
-            </a:r>
-            <a:r>
-              <a:rPr lang="pl-PL" sz="2400" dirty="0" smtClean="0">
-                <a:solidFill>
-                  <a:srgbClr val="0000FF"/>
-                </a:solidFill>
-                <a:latin typeface="Consolas"/>
-              </a:rPr>
-              <a:t>&gt;</a:t>
-            </a:r>
-            <a:endParaRPr lang="pl-PL" sz="2400" dirty="0" smtClean="0">
+              <a:t>{</a:t>
+            </a:r>
+            <a:endParaRPr lang="pl-PL" sz="2800" dirty="0">
               <a:solidFill>
                 <a:srgbClr val="000000"/>
               </a:solidFill>
@@ -13564,137 +13355,38 @@
             </a:endParaRPr>
           </a:p>
           <a:p>
-            <a:pPr>
+            <a:pPr marL="109728" indent="0">
               <a:buNone/>
             </a:pPr>
             <a:r>
-              <a:rPr lang="pl-PL" sz="2400" dirty="0" smtClean="0">
-                <a:solidFill>
-                  <a:srgbClr val="0000FF"/>
-                </a:solidFill>
-                <a:latin typeface="Consolas"/>
-              </a:rPr>
-              <a:t>      &lt;</a:t>
-            </a:r>
-            <a:r>
-              <a:rPr lang="pl-PL" sz="2400" dirty="0" err="1" smtClean="0">
-                <a:solidFill>
-                  <a:srgbClr val="A31515"/>
-                </a:solidFill>
-                <a:latin typeface="Consolas"/>
-              </a:rPr>
-              <a:t>context</a:t>
-            </a:r>
-            <a:r>
-              <a:rPr lang="pl-PL" sz="2400" dirty="0" smtClean="0">
-                <a:solidFill>
-                  <a:srgbClr val="0000FF"/>
-                </a:solidFill>
-                <a:latin typeface="Consolas"/>
-              </a:rPr>
-              <a:t> </a:t>
-            </a:r>
-            <a:r>
-              <a:rPr lang="pl-PL" sz="2400" dirty="0" err="1" smtClean="0">
-                <a:solidFill>
-                  <a:srgbClr val="FF0000"/>
-                </a:solidFill>
-                <a:latin typeface="Consolas"/>
-              </a:rPr>
-              <a:t>type</a:t>
-            </a:r>
-            <a:r>
-              <a:rPr lang="pl-PL" sz="2400" dirty="0" err="1" smtClean="0">
-                <a:solidFill>
-                  <a:srgbClr val="0000FF"/>
-                </a:solidFill>
-                <a:latin typeface="Consolas"/>
-              </a:rPr>
-              <a:t>=</a:t>
-            </a:r>
-            <a:r>
-              <a:rPr lang="pl-PL" sz="2400" dirty="0" err="1" smtClean="0">
+              <a:rPr lang="pl-PL" sz="2800" dirty="0" smtClean="0">
                 <a:solidFill>
                   <a:srgbClr val="000000"/>
                 </a:solidFill>
                 <a:latin typeface="Consolas"/>
               </a:rPr>
-              <a:t>"</a:t>
-            </a:r>
-            <a:r>
-              <a:rPr lang="pl-PL" sz="2400" dirty="0" err="1" smtClean="0">
-                <a:solidFill>
-                  <a:srgbClr val="0000FF"/>
-                </a:solidFill>
-                <a:latin typeface="Consolas"/>
-              </a:rPr>
-              <a:t>Domain.MyDbContext</a:t>
-            </a:r>
-            <a:r>
-              <a:rPr lang="pl-PL" sz="2400" dirty="0" smtClean="0">
-                <a:solidFill>
-                  <a:srgbClr val="0000FF"/>
-                </a:solidFill>
-                <a:latin typeface="Consolas"/>
-              </a:rPr>
-              <a:t>, </a:t>
-            </a:r>
-            <a:r>
-              <a:rPr lang="pl-PL" sz="2400" dirty="0" err="1" smtClean="0">
-                <a:solidFill>
-                  <a:srgbClr val="0000FF"/>
-                </a:solidFill>
-                <a:latin typeface="Consolas"/>
-              </a:rPr>
-              <a:t>Domain</a:t>
-            </a:r>
-            <a:r>
-              <a:rPr lang="pl-PL" sz="2400" dirty="0" smtClean="0">
+              <a:t>    </a:t>
+            </a:r>
+            <a:r>
+              <a:rPr lang="pl-PL" sz="2800" dirty="0" err="1">
                 <a:solidFill>
                   <a:srgbClr val="000000"/>
                 </a:solidFill>
                 <a:latin typeface="Consolas"/>
               </a:rPr>
-              <a:t>"</a:t>
-            </a:r>
-            <a:r>
-              <a:rPr lang="pl-PL" sz="2400" dirty="0" smtClean="0">
-                <a:solidFill>
-                  <a:srgbClr val="0000FF"/>
-                </a:solidFill>
-                <a:latin typeface="Consolas"/>
-              </a:rPr>
-              <a:t> </a:t>
-            </a:r>
-            <a:r>
-              <a:rPr lang="pl-PL" sz="2400" b="1" dirty="0" err="1" smtClean="0">
-                <a:solidFill>
-                  <a:srgbClr val="FF0000"/>
-                </a:solidFill>
-                <a:latin typeface="Consolas"/>
-              </a:rPr>
-              <a:t>disableDatabaseInitialization</a:t>
-            </a:r>
-            <a:r>
-              <a:rPr lang="pl-PL" sz="2400" b="1" dirty="0" err="1" smtClean="0">
-                <a:solidFill>
-                  <a:srgbClr val="0000FF"/>
-                </a:solidFill>
-                <a:latin typeface="Consolas"/>
-              </a:rPr>
-              <a:t>=</a:t>
-            </a:r>
-            <a:r>
-              <a:rPr lang="pl-PL" sz="2400" b="1" dirty="0" err="1" smtClean="0">
+              <a:t>AutomaticMigrationsEnabled</a:t>
+            </a:r>
+            <a:r>
+              <a:rPr lang="pl-PL" sz="2800" dirty="0">
                 <a:solidFill>
                   <a:srgbClr val="000000"/>
                 </a:solidFill>
                 <a:latin typeface="Consolas"/>
               </a:rPr>
-              <a:t>"</a:t>
-            </a:r>
-            <a:r>
-              <a:rPr lang="pl-PL" sz="2400" b="1" dirty="0" err="1" smtClean="0">
+              <a:t> = </a:t>
+            </a:r>
+            <a:r>
+              <a:rPr lang="pl-PL" sz="2800" dirty="0" err="1">
                 <a:solidFill>
                   <a:srgbClr val="0000FF"/>
                 </a:solidFill>
@@ -13703,116 +13395,53 @@
               <a:t>true</a:t>
             </a:r>
             <a:r>
-              <a:rPr lang="pl-PL" sz="2400" b="1" dirty="0" smtClean="0">
+              <a:rPr lang="pl-PL" sz="2800" dirty="0">
                 <a:solidFill>
                   <a:srgbClr val="000000"/>
                 </a:solidFill>
                 <a:latin typeface="Consolas"/>
               </a:rPr>
-              <a:t>"</a:t>
-            </a:r>
-            <a:r>
-              <a:rPr lang="pl-PL" sz="2400" dirty="0" smtClean="0">
+              <a:t>;</a:t>
+            </a:r>
+          </a:p>
+          <a:p>
+            <a:pPr marL="109728" indent="0">
+              <a:buNone/>
+            </a:pPr>
+            <a:r>
+              <a:rPr lang="pl-PL" sz="2800" dirty="0" smtClean="0">
                 <a:solidFill>
-                  <a:srgbClr val="0000FF"/>
+                  <a:srgbClr val="000000"/>
                 </a:solidFill>
                 <a:latin typeface="Consolas"/>
               </a:rPr>
-              <a:t> /&gt;</a:t>
-            </a:r>
-            <a:endParaRPr lang="pl-PL" sz="2400" dirty="0" smtClean="0">
-              <a:solidFill>
-                <a:srgbClr val="000000"/>
-              </a:solidFill>
-              <a:latin typeface="Consolas"/>
-            </a:endParaRPr>
-          </a:p>
-          <a:p>
-            <a:pPr>
-              <a:buNone/>
-            </a:pPr>
-            <a:r>
-              <a:rPr lang="pl-PL" sz="2400" dirty="0" smtClean="0">
-                <a:solidFill>
-                  <a:srgbClr val="0000FF"/>
-                </a:solidFill>
-                <a:latin typeface="Consolas"/>
-              </a:rPr>
-              <a:t>    &lt;/</a:t>
-            </a:r>
-            <a:r>
-              <a:rPr lang="pl-PL" sz="2400" dirty="0" err="1" smtClean="0">
-                <a:solidFill>
-                  <a:srgbClr val="A31515"/>
-                </a:solidFill>
-                <a:latin typeface="Consolas"/>
-              </a:rPr>
-              <a:t>contexts</a:t>
-            </a:r>
-            <a:r>
-              <a:rPr lang="pl-PL" sz="2400" dirty="0" smtClean="0">
-                <a:solidFill>
-                  <a:srgbClr val="0000FF"/>
-                </a:solidFill>
-                <a:latin typeface="Consolas"/>
-              </a:rPr>
-              <a:t>&gt;</a:t>
-            </a:r>
-            <a:endParaRPr lang="pl-PL" sz="2400" dirty="0" smtClean="0">
-              <a:solidFill>
-                <a:srgbClr val="000000"/>
-              </a:solidFill>
-              <a:latin typeface="Consolas"/>
-            </a:endParaRPr>
-          </a:p>
-          <a:p>
-            <a:pPr>
-              <a:buNone/>
-            </a:pPr>
-            <a:r>
-              <a:rPr lang="pl-PL" sz="2400" dirty="0" smtClean="0">
-                <a:solidFill>
-                  <a:srgbClr val="0000FF"/>
-                </a:solidFill>
-                <a:latin typeface="Consolas"/>
-              </a:rPr>
-              <a:t>   &lt;/</a:t>
-            </a:r>
-            <a:r>
-              <a:rPr lang="pl-PL" sz="2400" dirty="0" err="1" smtClean="0">
-                <a:solidFill>
-                  <a:srgbClr val="A31515"/>
-                </a:solidFill>
-                <a:latin typeface="Consolas"/>
-              </a:rPr>
-              <a:t>entityFramework</a:t>
-            </a:r>
-            <a:r>
-              <a:rPr lang="pl-PL" sz="2400" dirty="0" smtClean="0">
-                <a:solidFill>
-                  <a:srgbClr val="0000FF"/>
-                </a:solidFill>
-                <a:latin typeface="Consolas"/>
-              </a:rPr>
-              <a:t>&gt;</a:t>
-            </a:r>
-            <a:endParaRPr lang="pl-PL" sz="2400" dirty="0" smtClean="0"/>
-          </a:p>
-          <a:p>
-            <a:pPr lvl="1"/>
-            <a:endParaRPr lang="pl-PL" dirty="0" smtClean="0"/>
-          </a:p>
-          <a:p>
-            <a:pPr lvl="1">
-              <a:buNone/>
-            </a:pPr>
-            <a:r>
-              <a:rPr lang="pl-PL" dirty="0"/>
-              <a:t/>
-            </a:r>
-            <a:br>
-              <a:rPr lang="pl-PL" dirty="0"/>
-            </a:br>
+              <a:t>}</a:t>
+            </a:r>
+            <a:endParaRPr lang="pl-PL" i="1" dirty="0" smtClean="0"/>
+          </a:p>
+        </p:txBody>
+      </p:sp>
+      <p:sp>
+        <p:nvSpPr>
+          <p:cNvPr id="3" name="Tytuł 2"/>
+          <p:cNvSpPr>
+            <a:spLocks noGrp="1"/>
+          </p:cNvSpPr>
+          <p:nvPr>
+            <p:ph type="title"/>
+          </p:nvPr>
+        </p:nvSpPr>
+        <p:spPr/>
+        <p:txBody>
+          <a:bodyPr>
+            <a:normAutofit/>
+          </a:bodyPr>
+          <a:lstStyle/>
+          <a:p>
+            <a:r>
+              <a:rPr lang="pl-PL" dirty="0" smtClean="0"/>
+              <a:t>Migracje: automatyczne</a:t>
+            </a:r>
             <a:endParaRPr lang="pl-PL" dirty="0"/>
           </a:p>
         </p:txBody>
@@ -13838,29 +13467,6 @@
               <a:t>32</a:t>
             </a:fld>
             <a:endParaRPr lang="pl-PL"/>
-          </a:p>
-        </p:txBody>
-      </p:sp>
-      <p:sp>
-        <p:nvSpPr>
-          <p:cNvPr id="3" name="Tytuł 2"/>
-          <p:cNvSpPr>
-            <a:spLocks noGrp="1"/>
-          </p:cNvSpPr>
-          <p:nvPr>
-            <p:ph type="title"/>
-          </p:nvPr>
-        </p:nvSpPr>
-        <p:spPr/>
-        <p:txBody>
-          <a:bodyPr/>
-          <a:lstStyle/>
-          <a:p>
-            <a:r>
-              <a:rPr lang="pl-PL" smtClean="0"/>
-              <a:t>Migracje: automatyczne</a:t>
-            </a:r>
-            <a:endParaRPr lang="pl-PL" dirty="0"/>
           </a:p>
         </p:txBody>
       </p:sp>
@@ -13876,7 +13482,7 @@
           <a:blip r:embed="rId3" cstate="print">
             <a:extLst>
               <a:ext uri="{28A0092B-C50C-407E-A947-70E740481C1C}">
-                <a14:useLocalDpi xmlns:a14="http://schemas.microsoft.com/office/drawing/2010/main" val="0"/>
+                <a14:useLocalDpi xmlns:a14="http://schemas.microsoft.com/office/drawing/2010/main" xmlns="" val="0"/>
               </a:ext>
             </a:extLst>
           </a:blip>
@@ -13897,7 +13503,7 @@
     </p:spTree>
     <p:extLst>
       <p:ext uri="{BB962C8B-B14F-4D97-AF65-F5344CB8AC3E}">
-        <p14:creationId xmlns:p14="http://schemas.microsoft.com/office/powerpoint/2010/main" val="3470529918"/>
+        <p14:creationId xmlns:p14="http://schemas.microsoft.com/office/powerpoint/2010/main" xmlns="" val="3360151137"/>
       </p:ext>
     </p:extLst>
   </p:cSld>
@@ -13943,102 +13549,450 @@
         </p:nvSpPr>
         <p:spPr/>
         <p:txBody>
-          <a:bodyPr/>
+          <a:bodyPr>
+            <a:normAutofit lnSpcReduction="10000"/>
+          </a:bodyPr>
+          <a:lstStyle/>
+          <a:p>
+            <a:pPr fontAlgn="base">
+              <a:buNone/>
+            </a:pPr>
+            <a:r>
+              <a:rPr lang="pl-PL" sz="2800" dirty="0" err="1" smtClean="0">
+                <a:solidFill>
+                  <a:srgbClr val="242729"/>
+                </a:solidFill>
+                <a:latin typeface="Arial"/>
+              </a:rPr>
+              <a:t>Initializers</a:t>
+            </a:r>
+            <a:r>
+              <a:rPr lang="pl-PL" sz="2800" dirty="0" smtClean="0">
+                <a:solidFill>
+                  <a:srgbClr val="242729"/>
+                </a:solidFill>
+                <a:latin typeface="Arial"/>
+              </a:rPr>
+              <a:t>…</a:t>
+            </a:r>
+            <a:br>
+              <a:rPr lang="pl-PL" sz="2800" dirty="0" smtClean="0">
+                <a:solidFill>
+                  <a:srgbClr val="242729"/>
+                </a:solidFill>
+                <a:latin typeface="Arial"/>
+              </a:rPr>
+            </a:br>
+            <a:endParaRPr lang="pl-PL" sz="2800" dirty="0" smtClean="0">
+              <a:solidFill>
+                <a:srgbClr val="242729"/>
+              </a:solidFill>
+              <a:latin typeface="Arial"/>
+            </a:endParaRPr>
+          </a:p>
+          <a:p>
+            <a:pPr lvl="1" fontAlgn="base"/>
+            <a:r>
+              <a:rPr lang="pl-PL" sz="2400" dirty="0" smtClean="0">
+                <a:solidFill>
+                  <a:srgbClr val="242729"/>
+                </a:solidFill>
+                <a:latin typeface="Arial"/>
+              </a:rPr>
+              <a:t>umożliwiają wdrażanie zmian / inicjalizowanie bazy wg obranej strategii</a:t>
+            </a:r>
+          </a:p>
+          <a:p>
+            <a:pPr lvl="1" fontAlgn="base"/>
+            <a:r>
+              <a:rPr lang="pl-PL" sz="2400" dirty="0" smtClean="0">
+                <a:solidFill>
+                  <a:srgbClr val="242729"/>
+                </a:solidFill>
+                <a:latin typeface="Arial"/>
+              </a:rPr>
+              <a:t>uruchamiane przy pierwszym dostępie do bazy</a:t>
+            </a:r>
+            <a:br>
+              <a:rPr lang="pl-PL" sz="2400" dirty="0" smtClean="0">
+                <a:solidFill>
+                  <a:srgbClr val="242729"/>
+                </a:solidFill>
+                <a:latin typeface="Arial"/>
+              </a:rPr>
+            </a:br>
+            <a:endParaRPr lang="pl-PL" sz="2400" dirty="0" smtClean="0">
+              <a:solidFill>
+                <a:srgbClr val="242729"/>
+              </a:solidFill>
+              <a:latin typeface="Arial"/>
+            </a:endParaRPr>
+          </a:p>
+          <a:p>
+            <a:pPr lvl="1">
+              <a:buNone/>
+            </a:pPr>
+            <a:r>
+              <a:rPr lang="pl-PL" sz="1800" dirty="0" smtClean="0">
+                <a:solidFill>
+                  <a:srgbClr val="101094"/>
+                </a:solidFill>
+                <a:latin typeface="inherit"/>
+              </a:rPr>
+              <a:t>    public</a:t>
+            </a:r>
+            <a:r>
+              <a:rPr lang="pl-PL" sz="1800" dirty="0" smtClean="0">
+                <a:solidFill>
+                  <a:srgbClr val="303336"/>
+                </a:solidFill>
+                <a:latin typeface="inherit"/>
+              </a:rPr>
+              <a:t> </a:t>
+            </a:r>
+            <a:r>
+              <a:rPr lang="pl-PL" sz="1800" dirty="0" err="1">
+                <a:solidFill>
+                  <a:srgbClr val="101094"/>
+                </a:solidFill>
+                <a:latin typeface="inherit"/>
+              </a:rPr>
+              <a:t>class</a:t>
+            </a:r>
+            <a:r>
+              <a:rPr lang="pl-PL" sz="1800" dirty="0">
+                <a:solidFill>
+                  <a:srgbClr val="303336"/>
+                </a:solidFill>
+                <a:latin typeface="inherit"/>
+              </a:rPr>
+              <a:t> </a:t>
+            </a:r>
+            <a:r>
+              <a:rPr lang="pl-PL" sz="1800" dirty="0" err="1">
+                <a:solidFill>
+                  <a:srgbClr val="2B91AF"/>
+                </a:solidFill>
+                <a:latin typeface="inherit"/>
+              </a:rPr>
+              <a:t>MyContext</a:t>
+            </a:r>
+            <a:r>
+              <a:rPr lang="pl-PL" sz="1800" dirty="0">
+                <a:solidFill>
+                  <a:srgbClr val="303336"/>
+                </a:solidFill>
+                <a:latin typeface="inherit"/>
+              </a:rPr>
+              <a:t> : </a:t>
+            </a:r>
+            <a:r>
+              <a:rPr lang="pl-PL" sz="1800" dirty="0" err="1">
+                <a:solidFill>
+                  <a:srgbClr val="2B91AF"/>
+                </a:solidFill>
+                <a:latin typeface="inherit"/>
+              </a:rPr>
+              <a:t>DbContext</a:t>
+            </a:r>
+            <a:r>
+              <a:rPr lang="pl-PL" sz="1800" dirty="0">
+                <a:solidFill>
+                  <a:srgbClr val="303336"/>
+                </a:solidFill>
+                <a:latin typeface="inherit"/>
+              </a:rPr>
+              <a:t> </a:t>
+            </a:r>
+            <a:r>
+              <a:rPr lang="pl-PL" sz="1800" dirty="0" smtClean="0">
+                <a:solidFill>
+                  <a:srgbClr val="303336"/>
+                </a:solidFill>
+                <a:latin typeface="inherit"/>
+              </a:rPr>
+              <a:t/>
+            </a:r>
+            <a:br>
+              <a:rPr lang="pl-PL" sz="1800" dirty="0" smtClean="0">
+                <a:solidFill>
+                  <a:srgbClr val="303336"/>
+                </a:solidFill>
+                <a:latin typeface="inherit"/>
+              </a:rPr>
+            </a:br>
+            <a:r>
+              <a:rPr lang="pl-PL" sz="1800" dirty="0" smtClean="0">
+                <a:solidFill>
+                  <a:srgbClr val="303336"/>
+                </a:solidFill>
+                <a:latin typeface="inherit"/>
+              </a:rPr>
+              <a:t>{</a:t>
+            </a:r>
+            <a:br>
+              <a:rPr lang="pl-PL" sz="1800" dirty="0" smtClean="0">
+                <a:solidFill>
+                  <a:srgbClr val="303336"/>
+                </a:solidFill>
+                <a:latin typeface="inherit"/>
+              </a:rPr>
+            </a:br>
+            <a:r>
+              <a:rPr lang="pl-PL" sz="1800" dirty="0" smtClean="0">
+                <a:solidFill>
+                  <a:srgbClr val="303336"/>
+                </a:solidFill>
+                <a:latin typeface="inherit"/>
+              </a:rPr>
+              <a:t>  </a:t>
+            </a:r>
+            <a:r>
+              <a:rPr lang="pl-PL" sz="1800" dirty="0" smtClean="0">
+                <a:solidFill>
+                  <a:srgbClr val="101094"/>
+                </a:solidFill>
+                <a:latin typeface="inherit"/>
+              </a:rPr>
+              <a:t>public </a:t>
+            </a:r>
+            <a:r>
+              <a:rPr lang="pl-PL" sz="1800" dirty="0" err="1" smtClean="0">
+                <a:solidFill>
+                  <a:srgbClr val="2B91AF"/>
+                </a:solidFill>
+                <a:latin typeface="inherit"/>
+              </a:rPr>
+              <a:t>MyContext</a:t>
+            </a:r>
+            <a:r>
+              <a:rPr lang="pl-PL" sz="1800" dirty="0" smtClean="0">
+                <a:solidFill>
+                  <a:srgbClr val="303336"/>
+                </a:solidFill>
+                <a:latin typeface="inherit"/>
+              </a:rPr>
+              <a:t>() </a:t>
+            </a:r>
+            <a:br>
+              <a:rPr lang="pl-PL" sz="1800" dirty="0" smtClean="0">
+                <a:solidFill>
+                  <a:srgbClr val="303336"/>
+                </a:solidFill>
+                <a:latin typeface="inherit"/>
+              </a:rPr>
+            </a:br>
+            <a:r>
+              <a:rPr lang="pl-PL" sz="1800" dirty="0" smtClean="0">
+                <a:solidFill>
+                  <a:srgbClr val="303336"/>
+                </a:solidFill>
+                <a:latin typeface="inherit"/>
+              </a:rPr>
+              <a:t>  { </a:t>
+            </a:r>
+            <a:br>
+              <a:rPr lang="pl-PL" sz="1800" dirty="0" smtClean="0">
+                <a:solidFill>
+                  <a:srgbClr val="303336"/>
+                </a:solidFill>
+                <a:latin typeface="inherit"/>
+              </a:rPr>
+            </a:br>
+            <a:r>
+              <a:rPr lang="pl-PL" sz="1800" dirty="0" smtClean="0">
+                <a:solidFill>
+                  <a:srgbClr val="303336"/>
+                </a:solidFill>
+                <a:latin typeface="inherit"/>
+              </a:rPr>
+              <a:t>     </a:t>
+            </a:r>
+            <a:r>
+              <a:rPr lang="pl-PL" sz="1800" dirty="0" err="1" smtClean="0">
+                <a:solidFill>
+                  <a:srgbClr val="2B91AF"/>
+                </a:solidFill>
+                <a:latin typeface="inherit"/>
+              </a:rPr>
+              <a:t>Database</a:t>
+            </a:r>
+            <a:r>
+              <a:rPr lang="pl-PL" sz="1800" dirty="0" err="1" smtClean="0">
+                <a:solidFill>
+                  <a:srgbClr val="303336"/>
+                </a:solidFill>
+                <a:latin typeface="inherit"/>
+              </a:rPr>
+              <a:t>.</a:t>
+            </a:r>
+            <a:r>
+              <a:rPr lang="pl-PL" sz="1800" dirty="0" err="1" smtClean="0">
+                <a:solidFill>
+                  <a:srgbClr val="2B91AF"/>
+                </a:solidFill>
+                <a:latin typeface="inherit"/>
+              </a:rPr>
+              <a:t>SetInitializer</a:t>
+            </a:r>
+            <a:r>
+              <a:rPr lang="pl-PL" sz="1800" dirty="0" smtClean="0">
+                <a:solidFill>
+                  <a:srgbClr val="303336"/>
+                </a:solidFill>
+                <a:latin typeface="inherit"/>
+              </a:rPr>
+              <a:t>(</a:t>
+            </a:r>
+            <a:r>
+              <a:rPr lang="pl-PL" sz="1800" dirty="0" err="1" smtClean="0">
+                <a:solidFill>
+                  <a:srgbClr val="101094"/>
+                </a:solidFill>
+                <a:latin typeface="inherit"/>
+              </a:rPr>
+              <a:t>new</a:t>
+            </a:r>
+            <a:r>
+              <a:rPr lang="pl-PL" sz="1800" dirty="0" smtClean="0">
+                <a:solidFill>
+                  <a:srgbClr val="303336"/>
+                </a:solidFill>
+                <a:latin typeface="inherit"/>
+              </a:rPr>
+              <a:t>           						</a:t>
+            </a:r>
+            <a:r>
+              <a:rPr lang="pl-PL" sz="1800" dirty="0" err="1" smtClean="0">
+                <a:solidFill>
+                  <a:srgbClr val="2B91AF"/>
+                </a:solidFill>
+                <a:latin typeface="inherit"/>
+              </a:rPr>
+              <a:t>MigrateDatabaseToLatestVersion</a:t>
+            </a:r>
+            <a:r>
+              <a:rPr lang="pl-PL" sz="1800" dirty="0" smtClean="0">
+                <a:solidFill>
+                  <a:srgbClr val="303336"/>
+                </a:solidFill>
+                <a:latin typeface="inherit"/>
+              </a:rPr>
+              <a:t>&lt;</a:t>
+            </a:r>
+            <a:r>
+              <a:rPr lang="pl-PL" sz="1800" dirty="0" err="1" smtClean="0">
+                <a:solidFill>
+                  <a:srgbClr val="2B91AF"/>
+                </a:solidFill>
+                <a:latin typeface="inherit"/>
+              </a:rPr>
+              <a:t>MyContext</a:t>
+            </a:r>
+            <a:r>
+              <a:rPr lang="pl-PL" sz="1800" dirty="0" smtClean="0">
+                <a:solidFill>
+                  <a:srgbClr val="303336"/>
+                </a:solidFill>
+                <a:latin typeface="inherit"/>
+              </a:rPr>
+              <a:t>, 			</a:t>
+            </a:r>
+            <a:r>
+              <a:rPr lang="pl-PL" sz="1800" dirty="0" err="1" smtClean="0">
+                <a:solidFill>
+                  <a:srgbClr val="2B91AF"/>
+                </a:solidFill>
+                <a:latin typeface="inherit"/>
+              </a:rPr>
+              <a:t>MigrateDBConfiguration</a:t>
+            </a:r>
+            <a:r>
+              <a:rPr lang="pl-PL" sz="1800" dirty="0" smtClean="0">
+                <a:solidFill>
+                  <a:srgbClr val="303336"/>
+                </a:solidFill>
+                <a:latin typeface="inherit"/>
+              </a:rPr>
+              <a:t>&gt;()); </a:t>
+            </a:r>
+            <a:br>
+              <a:rPr lang="pl-PL" sz="1800" dirty="0" smtClean="0">
+                <a:solidFill>
+                  <a:srgbClr val="303336"/>
+                </a:solidFill>
+                <a:latin typeface="inherit"/>
+              </a:rPr>
+            </a:br>
+            <a:r>
+              <a:rPr lang="pl-PL" sz="1800" dirty="0" smtClean="0">
+                <a:solidFill>
+                  <a:srgbClr val="303336"/>
+                </a:solidFill>
+                <a:latin typeface="inherit"/>
+              </a:rPr>
+              <a:t>  }</a:t>
+            </a:r>
+            <a:br>
+              <a:rPr lang="pl-PL" sz="1800" dirty="0" smtClean="0">
+                <a:solidFill>
+                  <a:srgbClr val="303336"/>
+                </a:solidFill>
+                <a:latin typeface="inherit"/>
+              </a:rPr>
+            </a:br>
+            <a:r>
+              <a:rPr lang="pl-PL" sz="1800" dirty="0" smtClean="0">
+                <a:solidFill>
+                  <a:srgbClr val="303336"/>
+                </a:solidFill>
+                <a:latin typeface="inherit"/>
+              </a:rPr>
+              <a:t>}</a:t>
+            </a:r>
+          </a:p>
+          <a:p>
+            <a:pPr lvl="1"/>
+            <a:endParaRPr lang="pl-PL" sz="1800" dirty="0" smtClean="0">
+              <a:solidFill>
+                <a:srgbClr val="0000FF"/>
+              </a:solidFill>
+              <a:latin typeface="Consolas"/>
+            </a:endParaRPr>
+          </a:p>
+          <a:p>
+            <a:pPr marL="109728" indent="0">
+              <a:buNone/>
+            </a:pPr>
+            <a:endParaRPr lang="pl-PL" sz="2800" dirty="0">
+              <a:solidFill>
+                <a:srgbClr val="0000FF"/>
+              </a:solidFill>
+              <a:latin typeface="Consolas"/>
+            </a:endParaRPr>
+          </a:p>
+        </p:txBody>
+      </p:sp>
+      <p:sp>
+        <p:nvSpPr>
+          <p:cNvPr id="3" name="Tytuł 2"/>
+          <p:cNvSpPr>
+            <a:spLocks noGrp="1"/>
+          </p:cNvSpPr>
+          <p:nvPr>
+            <p:ph type="title"/>
+          </p:nvPr>
+        </p:nvSpPr>
+        <p:spPr/>
+        <p:txBody>
+          <a:bodyPr>
+            <a:normAutofit/>
+          </a:bodyPr>
           <a:lstStyle/>
           <a:p>
             <a:r>
               <a:rPr lang="pl-PL" dirty="0" smtClean="0"/>
-              <a:t>pluralsight.com </a:t>
-            </a:r>
-          </a:p>
-          <a:p>
-            <a:pPr lvl="1"/>
-            <a:r>
-              <a:rPr lang="en-US" dirty="0"/>
-              <a:t>Julie </a:t>
-            </a:r>
-            <a:r>
-              <a:rPr lang="en-US" dirty="0" err="1" smtClean="0"/>
-              <a:t>Lerman</a:t>
-            </a:r>
-            <a:r>
-              <a:rPr lang="pl-PL" dirty="0" smtClean="0"/>
-              <a:t>, </a:t>
-            </a:r>
-            <a:br>
-              <a:rPr lang="pl-PL" dirty="0" smtClean="0"/>
-            </a:br>
-            <a:r>
-              <a:rPr lang="en-US" i="1" dirty="0" smtClean="0"/>
-              <a:t>Getting </a:t>
-            </a:r>
-            <a:r>
-              <a:rPr lang="en-US" i="1" dirty="0"/>
-              <a:t>Started with Entity Framework </a:t>
-            </a:r>
-            <a:r>
-              <a:rPr lang="en-US" i="1" dirty="0" smtClean="0"/>
-              <a:t>6</a:t>
-            </a:r>
-            <a:endParaRPr lang="pl-PL" i="1" dirty="0" smtClean="0"/>
-          </a:p>
-          <a:p>
-            <a:pPr lvl="1"/>
-            <a:r>
-              <a:rPr lang="en-US" dirty="0"/>
-              <a:t>Julie </a:t>
-            </a:r>
-            <a:r>
-              <a:rPr lang="en-US" dirty="0" err="1" smtClean="0"/>
-              <a:t>Lerman</a:t>
-            </a:r>
-            <a:r>
-              <a:rPr lang="pl-PL" dirty="0" smtClean="0"/>
-              <a:t>,</a:t>
-            </a:r>
-            <a:br>
-              <a:rPr lang="pl-PL" dirty="0" smtClean="0"/>
-            </a:br>
-            <a:r>
-              <a:rPr lang="en-US" i="1" dirty="0" smtClean="0"/>
-              <a:t>Entity </a:t>
-            </a:r>
-            <a:r>
-              <a:rPr lang="en-US" i="1" dirty="0"/>
-              <a:t>Framework Code First </a:t>
-            </a:r>
-            <a:r>
-              <a:rPr lang="en-US" i="1" dirty="0" smtClean="0"/>
-              <a:t>Migrations</a:t>
-            </a:r>
-            <a:endParaRPr lang="pl-PL" dirty="0" smtClean="0"/>
-          </a:p>
-          <a:p>
-            <a:r>
-              <a:rPr lang="pl-PL" dirty="0"/>
-              <a:t>http://entityframework-plus.net/</a:t>
-            </a:r>
-          </a:p>
-        </p:txBody>
-      </p:sp>
-      <p:sp>
-        <p:nvSpPr>
-          <p:cNvPr id="3" name="Tytuł 2"/>
-          <p:cNvSpPr>
-            <a:spLocks noGrp="1"/>
-          </p:cNvSpPr>
-          <p:nvPr>
-            <p:ph type="title"/>
-          </p:nvPr>
-        </p:nvSpPr>
-        <p:spPr/>
-        <p:txBody>
-          <a:bodyPr/>
-          <a:lstStyle/>
-          <a:p>
-            <a:r>
-              <a:rPr lang="pl-PL" dirty="0" smtClean="0"/>
-              <a:t>Bibliografia</a:t>
+              <a:t>Migracje: automatyczne</a:t>
             </a:r>
             <a:endParaRPr lang="pl-PL" dirty="0"/>
           </a:p>
@@ -14077,10 +14031,10 @@
           <p:nvPr/>
         </p:nvPicPr>
         <p:blipFill>
-          <a:blip r:embed="rId2" cstate="print">
+          <a:blip r:embed="rId3" cstate="print">
             <a:extLst>
               <a:ext uri="{28A0092B-C50C-407E-A947-70E740481C1C}">
-                <a14:useLocalDpi xmlns:a14="http://schemas.microsoft.com/office/drawing/2010/main" val="0"/>
+                <a14:useLocalDpi xmlns:a14="http://schemas.microsoft.com/office/drawing/2010/main" xmlns="" val="0"/>
               </a:ext>
             </a:extLst>
           </a:blip>
@@ -14101,7 +14055,7 @@
     </p:spTree>
     <p:extLst>
       <p:ext uri="{BB962C8B-B14F-4D97-AF65-F5344CB8AC3E}">
-        <p14:creationId xmlns:p14="http://schemas.microsoft.com/office/powerpoint/2010/main" val="3028022006"/>
+        <p14:creationId xmlns:p14="http://schemas.microsoft.com/office/powerpoint/2010/main" xmlns="" val="4148982605"/>
       </p:ext>
     </p:extLst>
   </p:cSld>
@@ -14137,12 +14091,12 @@
       </p:grpSpPr>
       <p:sp>
         <p:nvSpPr>
-          <p:cNvPr id="2" name="Tytuł 1"/>
-          <p:cNvSpPr>
-            <a:spLocks noGrp="1"/>
-          </p:cNvSpPr>
-          <p:nvPr>
-            <p:ph type="ctrTitle"/>
+          <p:cNvPr id="8" name="Symbol zastępczy zawartości 7"/>
+          <p:cNvSpPr>
+            <a:spLocks noGrp="1"/>
+          </p:cNvSpPr>
+          <p:nvPr>
+            <p:ph idx="1"/>
           </p:nvPr>
         </p:nvSpPr>
         <p:spPr/>
@@ -14152,20 +14106,99 @@
           <a:p>
             <a:r>
               <a:rPr lang="pl-PL" dirty="0" smtClean="0"/>
-              <a:t>Pytania ?</a:t>
-            </a:r>
+              <a:t>Dostępne strategie inicjalizacji</a:t>
+            </a:r>
+          </a:p>
+          <a:p>
+            <a:pPr lvl="1"/>
+            <a:r>
+              <a:rPr lang="pl-PL" dirty="0" err="1" smtClean="0"/>
+              <a:t>CreateDatabaseIfNotExists</a:t>
+            </a:r>
+            <a:r>
+              <a:rPr lang="pl-PL" dirty="0" smtClean="0"/>
+              <a:t> (domyślna)</a:t>
+            </a:r>
+          </a:p>
+          <a:p>
+            <a:pPr lvl="1"/>
+            <a:r>
+              <a:rPr lang="pl-PL" dirty="0" err="1" smtClean="0"/>
+              <a:t>DropCreateDatabaseIfModelChanges</a:t>
+            </a:r>
+            <a:endParaRPr lang="pl-PL" dirty="0" smtClean="0"/>
+          </a:p>
+          <a:p>
+            <a:pPr lvl="1"/>
+            <a:r>
+              <a:rPr lang="pl-PL" dirty="0" err="1" smtClean="0"/>
+              <a:t>DropCreateDatabaseAlways</a:t>
+            </a:r>
+            <a:endParaRPr lang="pl-PL" dirty="0" smtClean="0"/>
+          </a:p>
+          <a:p>
+            <a:pPr lvl="1"/>
+            <a:r>
+              <a:rPr lang="pl-PL" dirty="0" err="1"/>
+              <a:t>MigrateDatabaseToLatestVersion</a:t>
+            </a:r>
+            <a:endParaRPr lang="pl-PL" dirty="0" smtClean="0"/>
+          </a:p>
+          <a:p>
+            <a:pPr lvl="1"/>
+            <a:r>
+              <a:rPr lang="pl-PL" dirty="0" err="1"/>
+              <a:t>NullDatabaseInitializer</a:t>
+            </a:r>
+            <a:endParaRPr lang="pl-PL" dirty="0" smtClean="0"/>
+          </a:p>
+          <a:p>
+            <a:r>
+              <a:rPr lang="pl-PL" dirty="0" smtClean="0"/>
+              <a:t>Możliwość tworzenia własnych strategii </a:t>
+            </a:r>
+            <a:br>
+              <a:rPr lang="pl-PL" dirty="0" smtClean="0"/>
+            </a:br>
+            <a:r>
+              <a:rPr lang="pl-PL" dirty="0" smtClean="0"/>
+              <a:t>(</a:t>
+            </a:r>
+            <a:r>
+              <a:rPr lang="pl-PL" dirty="0" err="1" smtClean="0"/>
+              <a:t>w.w</a:t>
+            </a:r>
+            <a:r>
+              <a:rPr lang="pl-PL" dirty="0" smtClean="0"/>
+              <a:t>. lub </a:t>
+            </a:r>
+            <a:r>
+              <a:rPr lang="pl-PL" dirty="0" err="1" smtClean="0"/>
+              <a:t>IDatabaseInitializer</a:t>
+            </a:r>
+            <a:r>
+              <a:rPr lang="pl-PL" dirty="0" smtClean="0"/>
+              <a:t>)</a:t>
+            </a:r>
+            <a:r>
+              <a:rPr lang="pl-PL" dirty="0"/>
+              <a:t/>
+            </a:r>
+            <a:br>
+              <a:rPr lang="pl-PL" dirty="0"/>
+            </a:br>
             <a:endParaRPr lang="pl-PL" dirty="0"/>
           </a:p>
         </p:txBody>
       </p:sp>
       <p:sp>
         <p:nvSpPr>
-          <p:cNvPr id="3" name="Podtytuł 2"/>
-          <p:cNvSpPr>
-            <a:spLocks noGrp="1"/>
-          </p:cNvSpPr>
-          <p:nvPr>
-            <p:ph type="subTitle" idx="1"/>
+          <p:cNvPr id="4" name="Symbol zastępczy numeru slajdu 3"/>
+          <p:cNvSpPr>
+            <a:spLocks noGrp="1"/>
+          </p:cNvSpPr>
+          <p:nvPr>
+            <p:ph type="sldNum" sz="quarter" idx="12"/>
           </p:nvPr>
         </p:nvSpPr>
         <p:spPr/>
@@ -14173,23 +14206,51 @@
           <a:bodyPr/>
           <a:lstStyle/>
           <a:p>
+            <a:fld id="{976B8C4A-E01E-49C4-A342-E776841D1431}" type="slidenum">
+              <a:rPr lang="pl-PL" smtClean="0"/>
+              <a:pPr/>
+              <a:t>34</a:t>
+            </a:fld>
+            <a:endParaRPr lang="pl-PL"/>
+          </a:p>
+        </p:txBody>
+      </p:sp>
+      <p:sp>
+        <p:nvSpPr>
+          <p:cNvPr id="3" name="Tytuł 2"/>
+          <p:cNvSpPr>
+            <a:spLocks noGrp="1"/>
+          </p:cNvSpPr>
+          <p:nvPr>
+            <p:ph type="title"/>
+          </p:nvPr>
+        </p:nvSpPr>
+        <p:spPr/>
+        <p:txBody>
+          <a:bodyPr/>
+          <a:lstStyle/>
+          <a:p>
+            <a:r>
+              <a:rPr lang="pl-PL" smtClean="0"/>
+              <a:t>Migracje: automatyczne</a:t>
+            </a:r>
             <a:endParaRPr lang="pl-PL" dirty="0"/>
           </a:p>
         </p:txBody>
       </p:sp>
       <p:pic>
         <p:nvPicPr>
-          <p:cNvPr id="4" name="Obraz 3"/>
+          <p:cNvPr id="5" name="Obraz 4"/>
           <p:cNvPicPr>
             <a:picLocks noChangeAspect="1"/>
           </p:cNvPicPr>
           <p:nvPr/>
         </p:nvPicPr>
         <p:blipFill>
-          <a:blip r:embed="rId2" cstate="print">
+          <a:blip r:embed="rId3" cstate="print">
             <a:extLst>
               <a:ext uri="{28A0092B-C50C-407E-A947-70E740481C1C}">
-                <a14:useLocalDpi xmlns:a14="http://schemas.microsoft.com/office/drawing/2010/main" val="0"/>
+                <a14:useLocalDpi xmlns:a14="http://schemas.microsoft.com/office/drawing/2010/main" xmlns="" val="0"/>
               </a:ext>
             </a:extLst>
           </a:blip>
@@ -14199,8 +14260,8 @@
         </p:blipFill>
         <p:spPr>
           <a:xfrm>
-            <a:off x="107504" y="5229200"/>
-            <a:ext cx="2664296" cy="1517565"/>
+            <a:off x="179512" y="6165304"/>
+            <a:ext cx="1008112" cy="574214"/>
           </a:xfrm>
           <a:prstGeom prst="rect">
             <a:avLst/>
@@ -14210,7 +14271,7 @@
     </p:spTree>
     <p:extLst>
       <p:ext uri="{BB962C8B-B14F-4D97-AF65-F5344CB8AC3E}">
-        <p14:creationId xmlns:p14="http://schemas.microsoft.com/office/powerpoint/2010/main" val="1895918166"/>
+        <p14:creationId xmlns:p14="http://schemas.microsoft.com/office/powerpoint/2010/main" xmlns="" val="3470529918"/>
       </p:ext>
     </p:extLst>
   </p:cSld>
@@ -14246,6 +14307,733 @@
       </p:grpSpPr>
       <p:sp>
         <p:nvSpPr>
+          <p:cNvPr id="8" name="Symbol zastępczy zawartości 7"/>
+          <p:cNvSpPr>
+            <a:spLocks noGrp="1"/>
+          </p:cNvSpPr>
+          <p:nvPr>
+            <p:ph idx="1"/>
+          </p:nvPr>
+        </p:nvSpPr>
+        <p:spPr/>
+        <p:txBody>
+          <a:bodyPr>
+            <a:normAutofit fontScale="85000" lnSpcReduction="20000"/>
+          </a:bodyPr>
+          <a:lstStyle/>
+          <a:p>
+            <a:pPr>
+              <a:buNone/>
+            </a:pPr>
+            <a:r>
+              <a:rPr lang="pl-PL" dirty="0" smtClean="0"/>
+              <a:t>Wyłączenie inicjalizacji</a:t>
+            </a:r>
+          </a:p>
+          <a:p>
+            <a:endParaRPr lang="pl-PL" dirty="0" smtClean="0"/>
+          </a:p>
+          <a:p>
+            <a:pPr lvl="1"/>
+            <a:r>
+              <a:rPr lang="pl-PL" dirty="0" err="1" smtClean="0"/>
+              <a:t>Database.SetInitializer&lt;MyDBContext</a:t>
+            </a:r>
+            <a:r>
+              <a:rPr lang="pl-PL" dirty="0" smtClean="0"/>
+              <a:t>&gt;(</a:t>
+            </a:r>
+            <a:br>
+              <a:rPr lang="pl-PL" dirty="0" smtClean="0"/>
+            </a:br>
+            <a:r>
+              <a:rPr lang="pl-PL" dirty="0" smtClean="0"/>
+              <a:t>	</a:t>
+            </a:r>
+            <a:r>
+              <a:rPr lang="pl-PL" dirty="0" err="1" smtClean="0"/>
+              <a:t>new</a:t>
+            </a:r>
+            <a:r>
+              <a:rPr lang="pl-PL" dirty="0" smtClean="0"/>
+              <a:t> </a:t>
+            </a:r>
+            <a:r>
+              <a:rPr lang="pl-PL" dirty="0" err="1" smtClean="0"/>
+              <a:t>NullDatabaseInitializer</a:t>
+            </a:r>
+            <a:r>
+              <a:rPr lang="pl-PL" dirty="0" smtClean="0"/>
+              <a:t>);</a:t>
+            </a:r>
+            <a:endParaRPr lang="pl-PL" dirty="0" smtClean="0"/>
+          </a:p>
+          <a:p>
+            <a:pPr lvl="1"/>
+            <a:endParaRPr lang="pl-PL" sz="2800" dirty="0" smtClean="0">
+              <a:solidFill>
+                <a:srgbClr val="0000FF"/>
+              </a:solidFill>
+              <a:latin typeface="Consolas"/>
+            </a:endParaRPr>
+          </a:p>
+          <a:p>
+            <a:pPr lvl="1"/>
+            <a:r>
+              <a:rPr lang="pl-PL" sz="2400" dirty="0" smtClean="0">
+                <a:solidFill>
+                  <a:srgbClr val="0000FF"/>
+                </a:solidFill>
+                <a:latin typeface="Consolas"/>
+              </a:rPr>
+              <a:t>&lt;</a:t>
+            </a:r>
+            <a:r>
+              <a:rPr lang="pl-PL" sz="2400" dirty="0" err="1" smtClean="0">
+                <a:solidFill>
+                  <a:srgbClr val="A31515"/>
+                </a:solidFill>
+                <a:latin typeface="Consolas"/>
+              </a:rPr>
+              <a:t>entityFramework</a:t>
+            </a:r>
+            <a:r>
+              <a:rPr lang="pl-PL" sz="2400" dirty="0" smtClean="0">
+                <a:solidFill>
+                  <a:srgbClr val="0000FF"/>
+                </a:solidFill>
+                <a:latin typeface="Consolas"/>
+              </a:rPr>
+              <a:t>&gt;</a:t>
+            </a:r>
+            <a:endParaRPr lang="pl-PL" sz="2400" dirty="0" smtClean="0"/>
+          </a:p>
+          <a:p>
+            <a:pPr lvl="1">
+              <a:buNone/>
+            </a:pPr>
+            <a:r>
+              <a:rPr lang="pl-PL" sz="2400" dirty="0" smtClean="0">
+                <a:solidFill>
+                  <a:srgbClr val="0000FF"/>
+                </a:solidFill>
+                <a:latin typeface="Consolas"/>
+              </a:rPr>
+              <a:t>   …</a:t>
+            </a:r>
+          </a:p>
+          <a:p>
+            <a:pPr lvl="2">
+              <a:buNone/>
+            </a:pPr>
+            <a:r>
+              <a:rPr lang="pl-PL" sz="2400" dirty="0" smtClean="0">
+                <a:solidFill>
+                  <a:srgbClr val="0000FF"/>
+                </a:solidFill>
+                <a:latin typeface="Consolas"/>
+              </a:rPr>
+              <a:t> &lt;</a:t>
+            </a:r>
+            <a:r>
+              <a:rPr lang="pl-PL" sz="2400" dirty="0" err="1" smtClean="0">
+                <a:solidFill>
+                  <a:srgbClr val="A31515"/>
+                </a:solidFill>
+                <a:latin typeface="Consolas"/>
+              </a:rPr>
+              <a:t>contexts</a:t>
+            </a:r>
+            <a:r>
+              <a:rPr lang="pl-PL" sz="2400" dirty="0" smtClean="0">
+                <a:solidFill>
+                  <a:srgbClr val="0000FF"/>
+                </a:solidFill>
+                <a:latin typeface="Consolas"/>
+              </a:rPr>
+              <a:t>&gt;</a:t>
+            </a:r>
+            <a:endParaRPr lang="pl-PL" sz="2400" dirty="0" smtClean="0">
+              <a:solidFill>
+                <a:srgbClr val="000000"/>
+              </a:solidFill>
+              <a:latin typeface="Consolas"/>
+            </a:endParaRPr>
+          </a:p>
+          <a:p>
+            <a:pPr>
+              <a:buNone/>
+            </a:pPr>
+            <a:r>
+              <a:rPr lang="pl-PL" sz="2400" dirty="0" smtClean="0">
+                <a:solidFill>
+                  <a:srgbClr val="0000FF"/>
+                </a:solidFill>
+                <a:latin typeface="Consolas"/>
+              </a:rPr>
+              <a:t>      &lt;</a:t>
+            </a:r>
+            <a:r>
+              <a:rPr lang="pl-PL" sz="2400" dirty="0" err="1" smtClean="0">
+                <a:solidFill>
+                  <a:srgbClr val="A31515"/>
+                </a:solidFill>
+                <a:latin typeface="Consolas"/>
+              </a:rPr>
+              <a:t>context</a:t>
+            </a:r>
+            <a:r>
+              <a:rPr lang="pl-PL" sz="2400" dirty="0" smtClean="0">
+                <a:solidFill>
+                  <a:srgbClr val="0000FF"/>
+                </a:solidFill>
+                <a:latin typeface="Consolas"/>
+              </a:rPr>
+              <a:t> </a:t>
+            </a:r>
+            <a:r>
+              <a:rPr lang="pl-PL" sz="2400" dirty="0" err="1" smtClean="0">
+                <a:solidFill>
+                  <a:srgbClr val="FF0000"/>
+                </a:solidFill>
+                <a:latin typeface="Consolas"/>
+              </a:rPr>
+              <a:t>type</a:t>
+            </a:r>
+            <a:r>
+              <a:rPr lang="pl-PL" sz="2400" dirty="0" err="1" smtClean="0">
+                <a:solidFill>
+                  <a:srgbClr val="0000FF"/>
+                </a:solidFill>
+                <a:latin typeface="Consolas"/>
+              </a:rPr>
+              <a:t>=</a:t>
+            </a:r>
+            <a:r>
+              <a:rPr lang="pl-PL" sz="2400" dirty="0" err="1" smtClean="0">
+                <a:solidFill>
+                  <a:srgbClr val="000000"/>
+                </a:solidFill>
+                <a:latin typeface="Consolas"/>
+              </a:rPr>
+              <a:t>"</a:t>
+            </a:r>
+            <a:r>
+              <a:rPr lang="pl-PL" sz="2400" dirty="0" err="1" smtClean="0">
+                <a:solidFill>
+                  <a:srgbClr val="0000FF"/>
+                </a:solidFill>
+                <a:latin typeface="Consolas"/>
+              </a:rPr>
+              <a:t>Domain.MyDbContext</a:t>
+            </a:r>
+            <a:r>
+              <a:rPr lang="pl-PL" sz="2400" dirty="0" smtClean="0">
+                <a:solidFill>
+                  <a:srgbClr val="0000FF"/>
+                </a:solidFill>
+                <a:latin typeface="Consolas"/>
+              </a:rPr>
+              <a:t>, </a:t>
+            </a:r>
+            <a:r>
+              <a:rPr lang="pl-PL" sz="2400" dirty="0" err="1" smtClean="0">
+                <a:solidFill>
+                  <a:srgbClr val="0000FF"/>
+                </a:solidFill>
+                <a:latin typeface="Consolas"/>
+              </a:rPr>
+              <a:t>Domain</a:t>
+            </a:r>
+            <a:r>
+              <a:rPr lang="pl-PL" sz="2400" dirty="0" smtClean="0">
+                <a:solidFill>
+                  <a:srgbClr val="000000"/>
+                </a:solidFill>
+                <a:latin typeface="Consolas"/>
+              </a:rPr>
+              <a:t>"</a:t>
+            </a:r>
+            <a:r>
+              <a:rPr lang="pl-PL" sz="2400" dirty="0" smtClean="0">
+                <a:solidFill>
+                  <a:srgbClr val="0000FF"/>
+                </a:solidFill>
+                <a:latin typeface="Consolas"/>
+              </a:rPr>
+              <a:t> </a:t>
+            </a:r>
+            <a:r>
+              <a:rPr lang="pl-PL" sz="2400" b="1" dirty="0" err="1" smtClean="0">
+                <a:solidFill>
+                  <a:srgbClr val="FF0000"/>
+                </a:solidFill>
+                <a:latin typeface="Consolas"/>
+              </a:rPr>
+              <a:t>disableDatabaseInitialization</a:t>
+            </a:r>
+            <a:r>
+              <a:rPr lang="pl-PL" sz="2400" b="1" dirty="0" err="1" smtClean="0">
+                <a:solidFill>
+                  <a:srgbClr val="0000FF"/>
+                </a:solidFill>
+                <a:latin typeface="Consolas"/>
+              </a:rPr>
+              <a:t>=</a:t>
+            </a:r>
+            <a:r>
+              <a:rPr lang="pl-PL" sz="2400" b="1" dirty="0" err="1" smtClean="0">
+                <a:solidFill>
+                  <a:srgbClr val="000000"/>
+                </a:solidFill>
+                <a:latin typeface="Consolas"/>
+              </a:rPr>
+              <a:t>"</a:t>
+            </a:r>
+            <a:r>
+              <a:rPr lang="pl-PL" sz="2400" b="1" dirty="0" err="1" smtClean="0">
+                <a:solidFill>
+                  <a:srgbClr val="0000FF"/>
+                </a:solidFill>
+                <a:latin typeface="Consolas"/>
+              </a:rPr>
+              <a:t>true</a:t>
+            </a:r>
+            <a:r>
+              <a:rPr lang="pl-PL" sz="2400" b="1" dirty="0" smtClean="0">
+                <a:solidFill>
+                  <a:srgbClr val="000000"/>
+                </a:solidFill>
+                <a:latin typeface="Consolas"/>
+              </a:rPr>
+              <a:t>"</a:t>
+            </a:r>
+            <a:r>
+              <a:rPr lang="pl-PL" sz="2400" dirty="0" smtClean="0">
+                <a:solidFill>
+                  <a:srgbClr val="0000FF"/>
+                </a:solidFill>
+                <a:latin typeface="Consolas"/>
+              </a:rPr>
+              <a:t> /&gt;</a:t>
+            </a:r>
+            <a:endParaRPr lang="pl-PL" sz="2400" dirty="0" smtClean="0">
+              <a:solidFill>
+                <a:srgbClr val="000000"/>
+              </a:solidFill>
+              <a:latin typeface="Consolas"/>
+            </a:endParaRPr>
+          </a:p>
+          <a:p>
+            <a:pPr>
+              <a:buNone/>
+            </a:pPr>
+            <a:r>
+              <a:rPr lang="pl-PL" sz="2400" dirty="0" smtClean="0">
+                <a:solidFill>
+                  <a:srgbClr val="0000FF"/>
+                </a:solidFill>
+                <a:latin typeface="Consolas"/>
+              </a:rPr>
+              <a:t>    &lt;/</a:t>
+            </a:r>
+            <a:r>
+              <a:rPr lang="pl-PL" sz="2400" dirty="0" err="1" smtClean="0">
+                <a:solidFill>
+                  <a:srgbClr val="A31515"/>
+                </a:solidFill>
+                <a:latin typeface="Consolas"/>
+              </a:rPr>
+              <a:t>contexts</a:t>
+            </a:r>
+            <a:r>
+              <a:rPr lang="pl-PL" sz="2400" dirty="0" smtClean="0">
+                <a:solidFill>
+                  <a:srgbClr val="0000FF"/>
+                </a:solidFill>
+                <a:latin typeface="Consolas"/>
+              </a:rPr>
+              <a:t>&gt;</a:t>
+            </a:r>
+            <a:endParaRPr lang="pl-PL" sz="2400" dirty="0" smtClean="0">
+              <a:solidFill>
+                <a:srgbClr val="000000"/>
+              </a:solidFill>
+              <a:latin typeface="Consolas"/>
+            </a:endParaRPr>
+          </a:p>
+          <a:p>
+            <a:pPr>
+              <a:buNone/>
+            </a:pPr>
+            <a:r>
+              <a:rPr lang="pl-PL" sz="2400" dirty="0" smtClean="0">
+                <a:solidFill>
+                  <a:srgbClr val="0000FF"/>
+                </a:solidFill>
+                <a:latin typeface="Consolas"/>
+              </a:rPr>
+              <a:t>   &lt;/</a:t>
+            </a:r>
+            <a:r>
+              <a:rPr lang="pl-PL" sz="2400" dirty="0" err="1" smtClean="0">
+                <a:solidFill>
+                  <a:srgbClr val="A31515"/>
+                </a:solidFill>
+                <a:latin typeface="Consolas"/>
+              </a:rPr>
+              <a:t>entityFramework</a:t>
+            </a:r>
+            <a:r>
+              <a:rPr lang="pl-PL" sz="2400" dirty="0" smtClean="0">
+                <a:solidFill>
+                  <a:srgbClr val="0000FF"/>
+                </a:solidFill>
+                <a:latin typeface="Consolas"/>
+              </a:rPr>
+              <a:t>&gt;</a:t>
+            </a:r>
+            <a:endParaRPr lang="pl-PL" sz="2400" dirty="0" smtClean="0"/>
+          </a:p>
+          <a:p>
+            <a:pPr lvl="1"/>
+            <a:endParaRPr lang="pl-PL" dirty="0" smtClean="0"/>
+          </a:p>
+          <a:p>
+            <a:pPr lvl="1">
+              <a:buNone/>
+            </a:pPr>
+            <a:r>
+              <a:rPr lang="pl-PL" dirty="0"/>
+              <a:t/>
+            </a:r>
+            <a:br>
+              <a:rPr lang="pl-PL" dirty="0"/>
+            </a:br>
+            <a:endParaRPr lang="pl-PL" dirty="0"/>
+          </a:p>
+        </p:txBody>
+      </p:sp>
+      <p:sp>
+        <p:nvSpPr>
+          <p:cNvPr id="4" name="Symbol zastępczy numeru slajdu 3"/>
+          <p:cNvSpPr>
+            <a:spLocks noGrp="1"/>
+          </p:cNvSpPr>
+          <p:nvPr>
+            <p:ph type="sldNum" sz="quarter" idx="12"/>
+          </p:nvPr>
+        </p:nvSpPr>
+        <p:spPr/>
+        <p:txBody>
+          <a:bodyPr/>
+          <a:lstStyle/>
+          <a:p>
+            <a:fld id="{976B8C4A-E01E-49C4-A342-E776841D1431}" type="slidenum">
+              <a:rPr lang="pl-PL" smtClean="0"/>
+              <a:pPr/>
+              <a:t>35</a:t>
+            </a:fld>
+            <a:endParaRPr lang="pl-PL"/>
+          </a:p>
+        </p:txBody>
+      </p:sp>
+      <p:sp>
+        <p:nvSpPr>
+          <p:cNvPr id="3" name="Tytuł 2"/>
+          <p:cNvSpPr>
+            <a:spLocks noGrp="1"/>
+          </p:cNvSpPr>
+          <p:nvPr>
+            <p:ph type="title"/>
+          </p:nvPr>
+        </p:nvSpPr>
+        <p:spPr/>
+        <p:txBody>
+          <a:bodyPr/>
+          <a:lstStyle/>
+          <a:p>
+            <a:r>
+              <a:rPr lang="pl-PL" smtClean="0"/>
+              <a:t>Migracje: automatyczne</a:t>
+            </a:r>
+            <a:endParaRPr lang="pl-PL" dirty="0"/>
+          </a:p>
+        </p:txBody>
+      </p:sp>
+      <p:pic>
+        <p:nvPicPr>
+          <p:cNvPr id="5" name="Obraz 4"/>
+          <p:cNvPicPr>
+            <a:picLocks noChangeAspect="1"/>
+          </p:cNvPicPr>
+          <p:nvPr/>
+        </p:nvPicPr>
+        <p:blipFill>
+          <a:blip r:embed="rId3" cstate="print">
+            <a:extLst>
+              <a:ext uri="{28A0092B-C50C-407E-A947-70E740481C1C}">
+                <a14:useLocalDpi xmlns:a14="http://schemas.microsoft.com/office/drawing/2010/main" xmlns="" val="0"/>
+              </a:ext>
+            </a:extLst>
+          </a:blip>
+          <a:stretch>
+            <a:fillRect/>
+          </a:stretch>
+        </p:blipFill>
+        <p:spPr>
+          <a:xfrm>
+            <a:off x="179512" y="6165304"/>
+            <a:ext cx="1008112" cy="574214"/>
+          </a:xfrm>
+          <a:prstGeom prst="rect">
+            <a:avLst/>
+          </a:prstGeom>
+        </p:spPr>
+      </p:pic>
+    </p:spTree>
+    <p:extLst>
+      <p:ext uri="{BB962C8B-B14F-4D97-AF65-F5344CB8AC3E}">
+        <p14:creationId xmlns:p14="http://schemas.microsoft.com/office/powerpoint/2010/main" xmlns="" val="3470529918"/>
+      </p:ext>
+    </p:extLst>
+  </p:cSld>
+  <p:clrMapOvr>
+    <a:masterClrMapping/>
+  </p:clrMapOvr>
+  <p:timing>
+    <p:tnLst>
+      <p:par>
+        <p:cTn id="1" dur="indefinite" restart="never" nodeType="tmRoot"/>
+      </p:par>
+    </p:tnLst>
+  </p:timing>
+</p:sld>
+</file>
+
+<file path=ppt/slides/slide36.xml><?xml version="1.0" encoding="utf-8"?>
+<p:sld xmlns:a="http://schemas.openxmlformats.org/drawingml/2006/main" xmlns:r="http://schemas.openxmlformats.org/officeDocument/2006/relationships" xmlns:p="http://schemas.openxmlformats.org/presentationml/2006/main">
+  <p:cSld>
+    <p:spTree>
+      <p:nvGrpSpPr>
+        <p:cNvPr id="1" name=""/>
+        <p:cNvGrpSpPr/>
+        <p:nvPr/>
+      </p:nvGrpSpPr>
+      <p:grpSpPr>
+        <a:xfrm>
+          <a:off x="0" y="0"/>
+          <a:ext cx="0" cy="0"/>
+          <a:chOff x="0" y="0"/>
+          <a:chExt cx="0" cy="0"/>
+        </a:xfrm>
+      </p:grpSpPr>
+      <p:sp>
+        <p:nvSpPr>
+          <p:cNvPr id="2" name="Symbol zastępczy zawartości 1"/>
+          <p:cNvSpPr>
+            <a:spLocks noGrp="1"/>
+          </p:cNvSpPr>
+          <p:nvPr>
+            <p:ph idx="1"/>
+          </p:nvPr>
+        </p:nvSpPr>
+        <p:spPr/>
+        <p:txBody>
+          <a:bodyPr/>
+          <a:lstStyle/>
+          <a:p>
+            <a:r>
+              <a:rPr lang="pl-PL" dirty="0" smtClean="0"/>
+              <a:t>pluralsight.com </a:t>
+            </a:r>
+          </a:p>
+          <a:p>
+            <a:pPr lvl="1"/>
+            <a:r>
+              <a:rPr lang="en-US" dirty="0"/>
+              <a:t>Julie </a:t>
+            </a:r>
+            <a:r>
+              <a:rPr lang="en-US" dirty="0" err="1" smtClean="0"/>
+              <a:t>Lerman</a:t>
+            </a:r>
+            <a:r>
+              <a:rPr lang="pl-PL" dirty="0" smtClean="0"/>
+              <a:t>, </a:t>
+            </a:r>
+            <a:br>
+              <a:rPr lang="pl-PL" dirty="0" smtClean="0"/>
+            </a:br>
+            <a:r>
+              <a:rPr lang="en-US" i="1" dirty="0" smtClean="0"/>
+              <a:t>Getting </a:t>
+            </a:r>
+            <a:r>
+              <a:rPr lang="en-US" i="1" dirty="0"/>
+              <a:t>Started with Entity Framework </a:t>
+            </a:r>
+            <a:r>
+              <a:rPr lang="en-US" i="1" dirty="0" smtClean="0"/>
+              <a:t>6</a:t>
+            </a:r>
+            <a:endParaRPr lang="pl-PL" i="1" dirty="0" smtClean="0"/>
+          </a:p>
+          <a:p>
+            <a:pPr lvl="1"/>
+            <a:r>
+              <a:rPr lang="en-US" dirty="0"/>
+              <a:t>Julie </a:t>
+            </a:r>
+            <a:r>
+              <a:rPr lang="en-US" dirty="0" err="1" smtClean="0"/>
+              <a:t>Lerman</a:t>
+            </a:r>
+            <a:r>
+              <a:rPr lang="pl-PL" dirty="0" smtClean="0"/>
+              <a:t>,</a:t>
+            </a:r>
+            <a:br>
+              <a:rPr lang="pl-PL" dirty="0" smtClean="0"/>
+            </a:br>
+            <a:r>
+              <a:rPr lang="en-US" i="1" dirty="0" smtClean="0"/>
+              <a:t>Entity </a:t>
+            </a:r>
+            <a:r>
+              <a:rPr lang="en-US" i="1" dirty="0"/>
+              <a:t>Framework Code First </a:t>
+            </a:r>
+            <a:r>
+              <a:rPr lang="en-US" i="1" dirty="0" smtClean="0"/>
+              <a:t>Migrations</a:t>
+            </a:r>
+            <a:endParaRPr lang="pl-PL" dirty="0" smtClean="0"/>
+          </a:p>
+          <a:p>
+            <a:r>
+              <a:rPr lang="pl-PL" dirty="0"/>
+              <a:t>http://entityframework-plus.net/</a:t>
+            </a:r>
+          </a:p>
+        </p:txBody>
+      </p:sp>
+      <p:sp>
+        <p:nvSpPr>
+          <p:cNvPr id="3" name="Tytuł 2"/>
+          <p:cNvSpPr>
+            <a:spLocks noGrp="1"/>
+          </p:cNvSpPr>
+          <p:nvPr>
+            <p:ph type="title"/>
+          </p:nvPr>
+        </p:nvSpPr>
+        <p:spPr/>
+        <p:txBody>
+          <a:bodyPr/>
+          <a:lstStyle/>
+          <a:p>
+            <a:r>
+              <a:rPr lang="pl-PL" dirty="0" smtClean="0"/>
+              <a:t>Bibliografia</a:t>
+            </a:r>
+            <a:endParaRPr lang="pl-PL" dirty="0"/>
+          </a:p>
+        </p:txBody>
+      </p:sp>
+      <p:sp>
+        <p:nvSpPr>
+          <p:cNvPr id="4" name="Symbol zastępczy numeru slajdu 3"/>
+          <p:cNvSpPr>
+            <a:spLocks noGrp="1"/>
+          </p:cNvSpPr>
+          <p:nvPr>
+            <p:ph type="sldNum" sz="quarter" idx="12"/>
+          </p:nvPr>
+        </p:nvSpPr>
+        <p:spPr/>
+        <p:txBody>
+          <a:bodyPr/>
+          <a:lstStyle/>
+          <a:p>
+            <a:fld id="{976B8C4A-E01E-49C4-A342-E776841D1431}" type="slidenum">
+              <a:rPr lang="pl-PL" smtClean="0"/>
+              <a:pPr/>
+              <a:t>36</a:t>
+            </a:fld>
+            <a:endParaRPr lang="pl-PL"/>
+          </a:p>
+        </p:txBody>
+      </p:sp>
+      <p:pic>
+        <p:nvPicPr>
+          <p:cNvPr id="5" name="Obraz 4"/>
+          <p:cNvPicPr>
+            <a:picLocks noChangeAspect="1"/>
+          </p:cNvPicPr>
+          <p:nvPr/>
+        </p:nvPicPr>
+        <p:blipFill>
+          <a:blip r:embed="rId2" cstate="print">
+            <a:extLst>
+              <a:ext uri="{28A0092B-C50C-407E-A947-70E740481C1C}">
+                <a14:useLocalDpi xmlns:a14="http://schemas.microsoft.com/office/drawing/2010/main" xmlns="" val="0"/>
+              </a:ext>
+            </a:extLst>
+          </a:blip>
+          <a:stretch>
+            <a:fillRect/>
+          </a:stretch>
+        </p:blipFill>
+        <p:spPr>
+          <a:xfrm>
+            <a:off x="179512" y="6165304"/>
+            <a:ext cx="1008112" cy="574214"/>
+          </a:xfrm>
+          <a:prstGeom prst="rect">
+            <a:avLst/>
+          </a:prstGeom>
+        </p:spPr>
+      </p:pic>
+    </p:spTree>
+    <p:extLst>
+      <p:ext uri="{BB962C8B-B14F-4D97-AF65-F5344CB8AC3E}">
+        <p14:creationId xmlns:p14="http://schemas.microsoft.com/office/powerpoint/2010/main" xmlns="" val="3028022006"/>
+      </p:ext>
+    </p:extLst>
+  </p:cSld>
+  <p:clrMapOvr>
+    <a:masterClrMapping/>
+  </p:clrMapOvr>
+  <p:timing>
+    <p:tnLst>
+      <p:par>
+        <p:cTn id="1" dur="indefinite" restart="never" nodeType="tmRoot"/>
+      </p:par>
+    </p:tnLst>
+  </p:timing>
+</p:sld>
+</file>
+
+<file path=ppt/slides/slide37.xml><?xml version="1.0" encoding="utf-8"?>
+<p:sld xmlns:a="http://schemas.openxmlformats.org/drawingml/2006/main" xmlns:r="http://schemas.openxmlformats.org/officeDocument/2006/relationships" xmlns:p="http://schemas.openxmlformats.org/presentationml/2006/main">
+  <p:cSld>
+    <p:spTree>
+      <p:nvGrpSpPr>
+        <p:cNvPr id="1" name=""/>
+        <p:cNvGrpSpPr/>
+        <p:nvPr/>
+      </p:nvGrpSpPr>
+      <p:grpSpPr>
+        <a:xfrm>
+          <a:off x="0" y="0"/>
+          <a:ext cx="0" cy="0"/>
+          <a:chOff x="0" y="0"/>
+          <a:chExt cx="0" cy="0"/>
+        </a:xfrm>
+      </p:grpSpPr>
+      <p:sp>
+        <p:nvSpPr>
           <p:cNvPr id="2" name="Tytuł 1"/>
           <p:cNvSpPr>
             <a:spLocks noGrp="1"/>
@@ -14260,9 +15048,10 @@
           <a:lstStyle/>
           <a:p>
             <a:r>
-              <a:rPr lang="pl-PL" dirty="0"/>
-              <a:t>Dziękuję za uwagę </a:t>
-            </a:r>
+              <a:rPr lang="pl-PL" dirty="0" smtClean="0"/>
+              <a:t>Pytania ?</a:t>
+            </a:r>
+            <a:endParaRPr lang="pl-PL" dirty="0"/>
           </a:p>
         </p:txBody>
       </p:sp>
@@ -14297,7 +15086,7 @@
           <a:blip r:embed="rId2" cstate="print">
             <a:extLst>
               <a:ext uri="{28A0092B-C50C-407E-A947-70E740481C1C}">
-                <a14:useLocalDpi xmlns:a14="http://schemas.microsoft.com/office/drawing/2010/main" val="0"/>
+                <a14:useLocalDpi xmlns:a14="http://schemas.microsoft.com/office/drawing/2010/main" xmlns="" val="0"/>
               </a:ext>
             </a:extLst>
           </a:blip>
@@ -14318,7 +15107,115 @@
     </p:spTree>
     <p:extLst>
       <p:ext uri="{BB962C8B-B14F-4D97-AF65-F5344CB8AC3E}">
-        <p14:creationId xmlns:p14="http://schemas.microsoft.com/office/powerpoint/2010/main" val="1895918166"/>
+        <p14:creationId xmlns:p14="http://schemas.microsoft.com/office/powerpoint/2010/main" xmlns="" val="1895918166"/>
+      </p:ext>
+    </p:extLst>
+  </p:cSld>
+  <p:clrMapOvr>
+    <a:masterClrMapping/>
+  </p:clrMapOvr>
+  <p:timing>
+    <p:tnLst>
+      <p:par>
+        <p:cTn id="1" dur="indefinite" restart="never" nodeType="tmRoot"/>
+      </p:par>
+    </p:tnLst>
+  </p:timing>
+</p:sld>
+</file>
+
+<file path=ppt/slides/slide38.xml><?xml version="1.0" encoding="utf-8"?>
+<p:sld xmlns:a="http://schemas.openxmlformats.org/drawingml/2006/main" xmlns:r="http://schemas.openxmlformats.org/officeDocument/2006/relationships" xmlns:p="http://schemas.openxmlformats.org/presentationml/2006/main">
+  <p:cSld>
+    <p:spTree>
+      <p:nvGrpSpPr>
+        <p:cNvPr id="1" name=""/>
+        <p:cNvGrpSpPr/>
+        <p:nvPr/>
+      </p:nvGrpSpPr>
+      <p:grpSpPr>
+        <a:xfrm>
+          <a:off x="0" y="0"/>
+          <a:ext cx="0" cy="0"/>
+          <a:chOff x="0" y="0"/>
+          <a:chExt cx="0" cy="0"/>
+        </a:xfrm>
+      </p:grpSpPr>
+      <p:sp>
+        <p:nvSpPr>
+          <p:cNvPr id="2" name="Tytuł 1"/>
+          <p:cNvSpPr>
+            <a:spLocks noGrp="1"/>
+          </p:cNvSpPr>
+          <p:nvPr>
+            <p:ph type="ctrTitle"/>
+          </p:nvPr>
+        </p:nvSpPr>
+        <p:spPr/>
+        <p:txBody>
+          <a:bodyPr/>
+          <a:lstStyle/>
+          <a:p>
+            <a:r>
+              <a:rPr lang="pl-PL" dirty="0"/>
+              <a:t>Dziękuję za uwagę </a:t>
+            </a:r>
+          </a:p>
+        </p:txBody>
+      </p:sp>
+      <p:sp>
+        <p:nvSpPr>
+          <p:cNvPr id="3" name="Podtytuł 2"/>
+          <p:cNvSpPr>
+            <a:spLocks noGrp="1"/>
+          </p:cNvSpPr>
+          <p:nvPr>
+            <p:ph type="subTitle" idx="1"/>
+          </p:nvPr>
+        </p:nvSpPr>
+        <p:spPr/>
+        <p:txBody>
+          <a:bodyPr/>
+          <a:lstStyle/>
+          <a:p>
+            <a:endParaRPr lang="pl-PL" dirty="0"/>
+          </a:p>
+        </p:txBody>
+      </p:sp>
+      <p:pic>
+        <p:nvPicPr>
+          <p:cNvPr id="4" name="Obraz 3"/>
+          <p:cNvPicPr>
+            <a:picLocks noChangeAspect="1"/>
+          </p:cNvPicPr>
+          <p:nvPr/>
+        </p:nvPicPr>
+        <p:blipFill>
+          <a:blip r:embed="rId2" cstate="print">
+            <a:extLst>
+              <a:ext uri="{28A0092B-C50C-407E-A947-70E740481C1C}">
+                <a14:useLocalDpi xmlns:a14="http://schemas.microsoft.com/office/drawing/2010/main" xmlns="" val="0"/>
+              </a:ext>
+            </a:extLst>
+          </a:blip>
+          <a:stretch>
+            <a:fillRect/>
+          </a:stretch>
+        </p:blipFill>
+        <p:spPr>
+          <a:xfrm>
+            <a:off x="107504" y="5229200"/>
+            <a:ext cx="2664296" cy="1517565"/>
+          </a:xfrm>
+          <a:prstGeom prst="rect">
+            <a:avLst/>
+          </a:prstGeom>
+        </p:spPr>
+      </p:pic>
+    </p:spTree>
+    <p:extLst>
+      <p:ext uri="{BB962C8B-B14F-4D97-AF65-F5344CB8AC3E}">
+        <p14:creationId xmlns:p14="http://schemas.microsoft.com/office/powerpoint/2010/main" xmlns="" val="1895918166"/>
       </p:ext>
     </p:extLst>
   </p:cSld>
@@ -14446,7 +15343,7 @@
           <a:blip r:embed="rId3" cstate="print">
             <a:extLst>
               <a:ext uri="{28A0092B-C50C-407E-A947-70E740481C1C}">
-                <a14:useLocalDpi xmlns:a14="http://schemas.microsoft.com/office/drawing/2010/main" val="0"/>
+                <a14:useLocalDpi xmlns:a14="http://schemas.microsoft.com/office/drawing/2010/main" xmlns="" val="0"/>
               </a:ext>
             </a:extLst>
           </a:blip>
@@ -14499,7 +15396,7 @@
     </p:spTree>
     <p:extLst>
       <p:ext uri="{BB962C8B-B14F-4D97-AF65-F5344CB8AC3E}">
-        <p14:creationId xmlns:p14="http://schemas.microsoft.com/office/powerpoint/2010/main" val="2808115206"/>
+        <p14:creationId xmlns:p14="http://schemas.microsoft.com/office/powerpoint/2010/main" xmlns="" val="2808115206"/>
       </p:ext>
     </p:extLst>
   </p:cSld>
@@ -14639,7 +15536,7 @@
           <a:blip r:embed="rId3" cstate="print">
             <a:extLst>
               <a:ext uri="{28A0092B-C50C-407E-A947-70E740481C1C}">
-                <a14:useLocalDpi xmlns:a14="http://schemas.microsoft.com/office/drawing/2010/main" val="0"/>
+                <a14:useLocalDpi xmlns:a14="http://schemas.microsoft.com/office/drawing/2010/main" xmlns="" val="0"/>
               </a:ext>
             </a:extLst>
           </a:blip>
@@ -14659,7 +15556,7 @@
       </p:pic>
       <p:pic>
         <p:nvPicPr>
-          <p:cNvPr id="2050" name="Picture 2"/>
+          <p:cNvPr id="1026" name="Picture 2"/>
           <p:cNvPicPr>
             <a:picLocks noChangeAspect="1" noChangeArrowheads="1"/>
           </p:cNvPicPr>
@@ -14674,8 +15571,8 @@
         </p:blipFill>
         <p:spPr bwMode="auto">
           <a:xfrm>
-            <a:off x="251520" y="1489910"/>
-            <a:ext cx="8604448" cy="4315354"/>
+            <a:off x="0" y="2114378"/>
+            <a:ext cx="8964488" cy="2724321"/>
           </a:xfrm>
           <a:prstGeom prst="rect">
             <a:avLst/>
@@ -14692,7 +15589,7 @@
     </p:spTree>
     <p:extLst>
       <p:ext uri="{BB962C8B-B14F-4D97-AF65-F5344CB8AC3E}">
-        <p14:creationId xmlns:p14="http://schemas.microsoft.com/office/powerpoint/2010/main" val="2808115206"/>
+        <p14:creationId xmlns:p14="http://schemas.microsoft.com/office/powerpoint/2010/main" xmlns="" val="2808115206"/>
       </p:ext>
     </p:extLst>
   </p:cSld>
@@ -14738,46 +15635,77 @@
         </p:nvSpPr>
         <p:spPr/>
         <p:txBody>
-          <a:bodyPr anchor="ctr">
-            <a:normAutofit/>
-          </a:bodyPr>
-          <a:lstStyle/>
-          <a:p>
-            <a:pPr algn="ctr">
-              <a:buNone/>
-            </a:pPr>
-            <a:r>
-              <a:rPr lang="pl-PL" b="1" dirty="0" smtClean="0"/>
-              <a:t>Demo</a:t>
-            </a:r>
-            <a:endParaRPr lang="pl-PL" b="1" dirty="0"/>
-          </a:p>
-        </p:txBody>
-      </p:sp>
-      <p:sp>
-        <p:nvSpPr>
-          <p:cNvPr id="3" name="Tytuł 2"/>
-          <p:cNvSpPr>
-            <a:spLocks noGrp="1"/>
-          </p:cNvSpPr>
-          <p:nvPr>
-            <p:ph type="title"/>
-          </p:nvPr>
-        </p:nvSpPr>
-        <p:spPr/>
-        <p:txBody>
           <a:bodyPr>
             <a:normAutofit/>
           </a:bodyPr>
           <a:lstStyle/>
           <a:p>
+            <a:pPr>
+              <a:buNone/>
+            </a:pPr>
+            <a:endParaRPr lang="pl-PL" b="1" dirty="0"/>
+          </a:p>
+        </p:txBody>
+      </p:sp>
+      <p:sp>
+        <p:nvSpPr>
+          <p:cNvPr id="3" name="Tytuł 2"/>
+          <p:cNvSpPr>
+            <a:spLocks noGrp="1"/>
+          </p:cNvSpPr>
+          <p:nvPr>
+            <p:ph type="title"/>
+          </p:nvPr>
+        </p:nvSpPr>
+        <p:spPr/>
+        <p:txBody>
+          <a:bodyPr>
+            <a:normAutofit fontScale="90000"/>
+          </a:bodyPr>
+          <a:lstStyle/>
+          <a:p>
+            <a:r>
+              <a:rPr lang="pl-PL" sz="4400" dirty="0" smtClean="0"/>
+              <a:t>DB first </a:t>
+            </a:r>
             <a:r>
               <a:rPr lang="pl-PL" sz="4400" dirty="0" err="1" smtClean="0"/>
-              <a:t>Quick</a:t>
+              <a:t>vs</a:t>
             </a:r>
             <a:r>
               <a:rPr lang="pl-PL" sz="4400" dirty="0" smtClean="0"/>
-              <a:t> start</a:t>
+              <a:t> </a:t>
+            </a:r>
+            <a:r>
+              <a:rPr lang="pl-PL" sz="4400" dirty="0" smtClean="0"/>
+              <a:t>Model </a:t>
+            </a:r>
+            <a:r>
+              <a:rPr lang="pl-PL" sz="4400" dirty="0" smtClean="0"/>
+              <a:t>first </a:t>
+            </a:r>
+            <a:r>
+              <a:rPr lang="pl-PL" sz="4400" dirty="0" smtClean="0"/>
+              <a:t/>
+            </a:r>
+            <a:br>
+              <a:rPr lang="pl-PL" sz="4400" dirty="0" smtClean="0"/>
+            </a:br>
+            <a:r>
+              <a:rPr lang="pl-PL" sz="4400" dirty="0" err="1" smtClean="0"/>
+              <a:t>vs</a:t>
+            </a:r>
+            <a:r>
+              <a:rPr lang="pl-PL" sz="4400" dirty="0" smtClean="0"/>
+              <a:t> </a:t>
+            </a:r>
+            <a:r>
+              <a:rPr lang="pl-PL" sz="4400" dirty="0" err="1" smtClean="0"/>
+              <a:t>Code</a:t>
+            </a:r>
+            <a:r>
+              <a:rPr lang="pl-PL" sz="4400" dirty="0" smtClean="0"/>
+              <a:t> first</a:t>
             </a:r>
             <a:endParaRPr lang="pl-PL" dirty="0"/>
           </a:p>
@@ -14819,174 +15747,7 @@
           <a:blip r:embed="rId3" cstate="print">
             <a:extLst>
               <a:ext uri="{28A0092B-C50C-407E-A947-70E740481C1C}">
-                <a14:useLocalDpi xmlns:a14="http://schemas.microsoft.com/office/drawing/2010/main" val="0"/>
-              </a:ext>
-            </a:extLst>
-          </a:blip>
-          <a:stretch>
-            <a:fillRect/>
-          </a:stretch>
-        </p:blipFill>
-        <p:spPr>
-          <a:xfrm>
-            <a:off x="179512" y="6165304"/>
-            <a:ext cx="1008112" cy="574214"/>
-          </a:xfrm>
-          <a:prstGeom prst="rect">
-            <a:avLst/>
-          </a:prstGeom>
-        </p:spPr>
-      </p:pic>
-    </p:spTree>
-    <p:extLst>
-      <p:ext uri="{BB962C8B-B14F-4D97-AF65-F5344CB8AC3E}">
-        <p14:creationId xmlns:p14="http://schemas.microsoft.com/office/powerpoint/2010/main" val="2808115206"/>
-      </p:ext>
-    </p:extLst>
-  </p:cSld>
-  <p:clrMapOvr>
-    <a:masterClrMapping/>
-  </p:clrMapOvr>
-  <p:timing>
-    <p:tnLst>
-      <p:par>
-        <p:cTn id="1" dur="indefinite" restart="never" nodeType="tmRoot"/>
-      </p:par>
-    </p:tnLst>
-  </p:timing>
-</p:sld>
-</file>
-
-<file path=ppt/slides/slide7.xml><?xml version="1.0" encoding="utf-8"?>
-<p:sld xmlns:a="http://schemas.openxmlformats.org/drawingml/2006/main" xmlns:r="http://schemas.openxmlformats.org/officeDocument/2006/relationships" xmlns:p="http://schemas.openxmlformats.org/presentationml/2006/main">
-  <p:cSld>
-    <p:spTree>
-      <p:nvGrpSpPr>
-        <p:cNvPr id="1" name=""/>
-        <p:cNvGrpSpPr/>
-        <p:nvPr/>
-      </p:nvGrpSpPr>
-      <p:grpSpPr>
-        <a:xfrm>
-          <a:off x="0" y="0"/>
-          <a:ext cx="0" cy="0"/>
-          <a:chOff x="0" y="0"/>
-          <a:chExt cx="0" cy="0"/>
-        </a:xfrm>
-      </p:grpSpPr>
-      <p:sp>
-        <p:nvSpPr>
-          <p:cNvPr id="2" name="Symbol zastępczy zawartości 1"/>
-          <p:cNvSpPr>
-            <a:spLocks noGrp="1"/>
-          </p:cNvSpPr>
-          <p:nvPr>
-            <p:ph idx="1"/>
-          </p:nvPr>
-        </p:nvSpPr>
-        <p:spPr/>
-        <p:txBody>
-          <a:bodyPr>
-            <a:normAutofit/>
-          </a:bodyPr>
-          <a:lstStyle/>
-          <a:p>
-            <a:pPr>
-              <a:buNone/>
-            </a:pPr>
-            <a:endParaRPr lang="pl-PL" b="1" dirty="0"/>
-          </a:p>
-        </p:txBody>
-      </p:sp>
-      <p:sp>
-        <p:nvSpPr>
-          <p:cNvPr id="3" name="Tytuł 2"/>
-          <p:cNvSpPr>
-            <a:spLocks noGrp="1"/>
-          </p:cNvSpPr>
-          <p:nvPr>
-            <p:ph type="title"/>
-          </p:nvPr>
-        </p:nvSpPr>
-        <p:spPr/>
-        <p:txBody>
-          <a:bodyPr>
-            <a:normAutofit fontScale="90000"/>
-          </a:bodyPr>
-          <a:lstStyle/>
-          <a:p>
-            <a:r>
-              <a:rPr lang="pl-PL" sz="4400" dirty="0" smtClean="0"/>
-              <a:t>DB first </a:t>
-            </a:r>
-            <a:r>
-              <a:rPr lang="pl-PL" sz="4400" dirty="0" err="1" smtClean="0"/>
-              <a:t>vs</a:t>
-            </a:r>
-            <a:r>
-              <a:rPr lang="pl-PL" sz="4400" dirty="0" smtClean="0"/>
-              <a:t> </a:t>
-            </a:r>
-            <a:r>
-              <a:rPr lang="pl-PL" sz="4400" dirty="0" err="1" smtClean="0"/>
-              <a:t>Code</a:t>
-            </a:r>
-            <a:r>
-              <a:rPr lang="pl-PL" sz="4400" dirty="0" smtClean="0"/>
-              <a:t> first </a:t>
-            </a:r>
-            <a:br>
-              <a:rPr lang="pl-PL" sz="4400" dirty="0" smtClean="0"/>
-            </a:br>
-            <a:r>
-              <a:rPr lang="pl-PL" sz="4400" dirty="0" err="1" smtClean="0"/>
-              <a:t>vs</a:t>
-            </a:r>
-            <a:r>
-              <a:rPr lang="pl-PL" sz="4400" dirty="0" smtClean="0"/>
-              <a:t> Model first</a:t>
-            </a:r>
-            <a:endParaRPr lang="pl-PL" dirty="0"/>
-          </a:p>
-        </p:txBody>
-      </p:sp>
-      <p:sp>
-        <p:nvSpPr>
-          <p:cNvPr id="4" name="Symbol zastępczy numeru slajdu 3"/>
-          <p:cNvSpPr>
-            <a:spLocks noGrp="1"/>
-          </p:cNvSpPr>
-          <p:nvPr>
-            <p:ph type="sldNum" sz="quarter" idx="12"/>
-          </p:nvPr>
-        </p:nvSpPr>
-        <p:spPr/>
-        <p:txBody>
-          <a:bodyPr/>
-          <a:lstStyle/>
-          <a:p>
-            <a:fld id="{976B8C4A-E01E-49C4-A342-E776841D1431}" type="slidenum">
-              <a:rPr lang="pl-PL" smtClean="0"/>
-              <a:pPr/>
-              <a:t>7</a:t>
-            </a:fld>
-            <a:endParaRPr lang="pl-PL"/>
-          </a:p>
-        </p:txBody>
-      </p:sp>
-      <p:pic>
-        <p:nvPicPr>
-          <p:cNvPr id="5" name="Obraz 4"/>
-          <p:cNvPicPr>
-            <a:picLocks noChangeAspect="1"/>
-          </p:cNvPicPr>
-          <p:nvPr/>
-        </p:nvPicPr>
-        <p:blipFill>
-          <a:blip r:embed="rId3" cstate="print">
-            <a:extLst>
-              <a:ext uri="{28A0092B-C50C-407E-A947-70E740481C1C}">
-                <a14:useLocalDpi xmlns:a14="http://schemas.microsoft.com/office/drawing/2010/main" val="0"/>
+                <a14:useLocalDpi xmlns:a14="http://schemas.microsoft.com/office/drawing/2010/main" xmlns="" val="0"/>
               </a:ext>
             </a:extLst>
           </a:blip>
@@ -15021,8 +15782,8 @@
         </p:blipFill>
         <p:spPr bwMode="auto">
           <a:xfrm>
-            <a:off x="134104" y="2204864"/>
-            <a:ext cx="8902392" cy="3129136"/>
+            <a:off x="35496" y="2157727"/>
+            <a:ext cx="9036496" cy="3176273"/>
           </a:xfrm>
           <a:prstGeom prst="rect">
             <a:avLst/>
@@ -15039,7 +15800,7 @@
     </p:spTree>
     <p:extLst>
       <p:ext uri="{BB962C8B-B14F-4D97-AF65-F5344CB8AC3E}">
-        <p14:creationId xmlns:p14="http://schemas.microsoft.com/office/powerpoint/2010/main" val="2808115206"/>
+        <p14:creationId xmlns:p14="http://schemas.microsoft.com/office/powerpoint/2010/main" xmlns="" val="2808115206"/>
       </p:ext>
     </p:extLst>
   </p:cSld>
@@ -15056,7 +15817,7 @@
 </p:sld>
 </file>
 
-<file path=ppt/slides/slide8.xml><?xml version="1.0" encoding="utf-8"?>
+<file path=ppt/slides/slide7.xml><?xml version="1.0" encoding="utf-8"?>
 <p:sld xmlns:a="http://schemas.openxmlformats.org/drawingml/2006/main" xmlns:r="http://schemas.openxmlformats.org/officeDocument/2006/relationships" xmlns:p="http://schemas.openxmlformats.org/presentationml/2006/main">
   <p:cSld>
     <p:spTree>
@@ -15124,15 +15885,7 @@
             </a:r>
             <a:r>
               <a:rPr lang="pl-PL" sz="4400" dirty="0" smtClean="0"/>
-              <a:t> </a:t>
-            </a:r>
-            <a:r>
-              <a:rPr lang="pl-PL" sz="4400" dirty="0" err="1" smtClean="0"/>
-              <a:t>Code</a:t>
-            </a:r>
-            <a:r>
-              <a:rPr lang="pl-PL" sz="4400" dirty="0" smtClean="0"/>
-              <a:t> first </a:t>
+              <a:t> Model first </a:t>
             </a:r>
             <a:br>
               <a:rPr lang="pl-PL" sz="4400" dirty="0" smtClean="0"/>
@@ -15143,7 +15896,15 @@
             </a:r>
             <a:r>
               <a:rPr lang="pl-PL" sz="4400" dirty="0" smtClean="0"/>
-              <a:t> Model first</a:t>
+              <a:t> </a:t>
+            </a:r>
+            <a:r>
+              <a:rPr lang="pl-PL" sz="4400" dirty="0" err="1" smtClean="0"/>
+              <a:t>Code</a:t>
+            </a:r>
+            <a:r>
+              <a:rPr lang="pl-PL" sz="4400" dirty="0" smtClean="0"/>
+              <a:t> first</a:t>
             </a:r>
             <a:endParaRPr lang="pl-PL" dirty="0"/>
           </a:p>
@@ -15167,7 +15928,7 @@
             <a:fld id="{976B8C4A-E01E-49C4-A342-E776841D1431}" type="slidenum">
               <a:rPr lang="pl-PL" smtClean="0"/>
               <a:pPr/>
-              <a:t>8</a:t>
+              <a:t>7</a:t>
             </a:fld>
             <a:endParaRPr lang="pl-PL"/>
           </a:p>
@@ -15185,7 +15946,7 @@
           <a:blip r:embed="rId3" cstate="print">
             <a:extLst>
               <a:ext uri="{28A0092B-C50C-407E-A947-70E740481C1C}">
-                <a14:useLocalDpi xmlns:a14="http://schemas.microsoft.com/office/drawing/2010/main" val="0"/>
+                <a14:useLocalDpi xmlns:a14="http://schemas.microsoft.com/office/drawing/2010/main" xmlns="" val="0"/>
               </a:ext>
             </a:extLst>
           </a:blip>
@@ -15238,7 +15999,7 @@
     </p:spTree>
     <p:extLst>
       <p:ext uri="{BB962C8B-B14F-4D97-AF65-F5344CB8AC3E}">
-        <p14:creationId xmlns:p14="http://schemas.microsoft.com/office/powerpoint/2010/main" val="2808115206"/>
+        <p14:creationId xmlns:p14="http://schemas.microsoft.com/office/powerpoint/2010/main" xmlns="" val="2808115206"/>
       </p:ext>
     </p:extLst>
   </p:cSld>
@@ -15255,7 +16016,7 @@
 </p:sld>
 </file>
 
-<file path=ppt/slides/slide9.xml><?xml version="1.0" encoding="utf-8"?>
+<file path=ppt/slides/slide8.xml><?xml version="1.0" encoding="utf-8"?>
 <p:sld xmlns:a="http://schemas.openxmlformats.org/drawingml/2006/main" xmlns:r="http://schemas.openxmlformats.org/officeDocument/2006/relationships" xmlns:p="http://schemas.openxmlformats.org/presentationml/2006/main">
   <p:cSld>
     <p:spTree>
@@ -15323,15 +16084,7 @@
             </a:r>
             <a:r>
               <a:rPr lang="pl-PL" sz="4400" dirty="0" smtClean="0"/>
-              <a:t> </a:t>
-            </a:r>
-            <a:r>
-              <a:rPr lang="pl-PL" sz="4400" dirty="0" err="1" smtClean="0"/>
-              <a:t>Code</a:t>
-            </a:r>
-            <a:r>
-              <a:rPr lang="pl-PL" sz="4400" dirty="0" smtClean="0"/>
-              <a:t> first </a:t>
+              <a:t> Model first </a:t>
             </a:r>
             <a:br>
               <a:rPr lang="pl-PL" sz="4400" dirty="0" smtClean="0"/>
@@ -15342,7 +16095,15 @@
             </a:r>
             <a:r>
               <a:rPr lang="pl-PL" sz="4400" dirty="0" smtClean="0"/>
-              <a:t> Model first</a:t>
+              <a:t> </a:t>
+            </a:r>
+            <a:r>
+              <a:rPr lang="pl-PL" sz="4400" dirty="0" err="1" smtClean="0"/>
+              <a:t>Code</a:t>
+            </a:r>
+            <a:r>
+              <a:rPr lang="pl-PL" sz="4400" dirty="0" smtClean="0"/>
+              <a:t> first</a:t>
             </a:r>
             <a:endParaRPr lang="pl-PL" dirty="0"/>
           </a:p>
@@ -15366,7 +16127,7 @@
             <a:fld id="{976B8C4A-E01E-49C4-A342-E776841D1431}" type="slidenum">
               <a:rPr lang="pl-PL" smtClean="0"/>
               <a:pPr/>
-              <a:t>9</a:t>
+              <a:t>8</a:t>
             </a:fld>
             <a:endParaRPr lang="pl-PL"/>
           </a:p>
@@ -15384,7 +16145,7 @@
           <a:blip r:embed="rId3" cstate="print">
             <a:extLst>
               <a:ext uri="{28A0092B-C50C-407E-A947-70E740481C1C}">
-                <a14:useLocalDpi xmlns:a14="http://schemas.microsoft.com/office/drawing/2010/main" val="0"/>
+                <a14:useLocalDpi xmlns:a14="http://schemas.microsoft.com/office/drawing/2010/main" xmlns="" val="0"/>
               </a:ext>
             </a:extLst>
           </a:blip>
@@ -15437,7 +16198,206 @@
     </p:spTree>
     <p:extLst>
       <p:ext uri="{BB962C8B-B14F-4D97-AF65-F5344CB8AC3E}">
-        <p14:creationId xmlns:p14="http://schemas.microsoft.com/office/powerpoint/2010/main" val="2808115206"/>
+        <p14:creationId xmlns:p14="http://schemas.microsoft.com/office/powerpoint/2010/main" xmlns="" val="2808115206"/>
+      </p:ext>
+    </p:extLst>
+  </p:cSld>
+  <p:clrMapOvr>
+    <a:masterClrMapping/>
+  </p:clrMapOvr>
+  <p:timing>
+    <p:tnLst>
+      <p:par>
+        <p:cTn id="1" dur="indefinite" restart="never" nodeType="tmRoot"/>
+      </p:par>
+    </p:tnLst>
+  </p:timing>
+</p:sld>
+</file>
+
+<file path=ppt/slides/slide9.xml><?xml version="1.0" encoding="utf-8"?>
+<p:sld xmlns:a="http://schemas.openxmlformats.org/drawingml/2006/main" xmlns:r="http://schemas.openxmlformats.org/officeDocument/2006/relationships" xmlns:p="http://schemas.openxmlformats.org/presentationml/2006/main">
+  <p:cSld>
+    <p:spTree>
+      <p:nvGrpSpPr>
+        <p:cNvPr id="1" name=""/>
+        <p:cNvGrpSpPr/>
+        <p:nvPr/>
+      </p:nvGrpSpPr>
+      <p:grpSpPr>
+        <a:xfrm>
+          <a:off x="0" y="0"/>
+          <a:ext cx="0" cy="0"/>
+          <a:chOff x="0" y="0"/>
+          <a:chExt cx="0" cy="0"/>
+        </a:xfrm>
+      </p:grpSpPr>
+      <p:sp>
+        <p:nvSpPr>
+          <p:cNvPr id="2" name="Symbol zastępczy zawartości 1"/>
+          <p:cNvSpPr>
+            <a:spLocks noGrp="1"/>
+          </p:cNvSpPr>
+          <p:nvPr>
+            <p:ph idx="1"/>
+          </p:nvPr>
+        </p:nvSpPr>
+        <p:spPr/>
+        <p:txBody>
+          <a:bodyPr>
+            <a:normAutofit/>
+          </a:bodyPr>
+          <a:lstStyle/>
+          <a:p>
+            <a:pPr>
+              <a:buNone/>
+            </a:pPr>
+            <a:endParaRPr lang="pl-PL" b="1" dirty="0"/>
+          </a:p>
+        </p:txBody>
+      </p:sp>
+      <p:sp>
+        <p:nvSpPr>
+          <p:cNvPr id="3" name="Tytuł 2"/>
+          <p:cNvSpPr>
+            <a:spLocks noGrp="1"/>
+          </p:cNvSpPr>
+          <p:nvPr>
+            <p:ph type="title"/>
+          </p:nvPr>
+        </p:nvSpPr>
+        <p:spPr/>
+        <p:txBody>
+          <a:bodyPr>
+            <a:normAutofit fontScale="90000"/>
+          </a:bodyPr>
+          <a:lstStyle/>
+          <a:p>
+            <a:r>
+              <a:rPr lang="pl-PL" sz="4400" dirty="0" smtClean="0"/>
+              <a:t>DB first </a:t>
+            </a:r>
+            <a:r>
+              <a:rPr lang="pl-PL" sz="4400" dirty="0" err="1" smtClean="0"/>
+              <a:t>vs</a:t>
+            </a:r>
+            <a:r>
+              <a:rPr lang="pl-PL" sz="4400" dirty="0" smtClean="0"/>
+              <a:t> Model first </a:t>
+            </a:r>
+            <a:br>
+              <a:rPr lang="pl-PL" sz="4400" dirty="0" smtClean="0"/>
+            </a:br>
+            <a:r>
+              <a:rPr lang="pl-PL" sz="4400" dirty="0" err="1" smtClean="0"/>
+              <a:t>vs</a:t>
+            </a:r>
+            <a:r>
+              <a:rPr lang="pl-PL" sz="4400" dirty="0" smtClean="0"/>
+              <a:t> </a:t>
+            </a:r>
+            <a:r>
+              <a:rPr lang="pl-PL" sz="4400" dirty="0" err="1" smtClean="0"/>
+              <a:t>Code</a:t>
+            </a:r>
+            <a:r>
+              <a:rPr lang="pl-PL" sz="4400" dirty="0" smtClean="0"/>
+              <a:t> first</a:t>
+            </a:r>
+            <a:endParaRPr lang="pl-PL" dirty="0"/>
+          </a:p>
+        </p:txBody>
+      </p:sp>
+      <p:sp>
+        <p:nvSpPr>
+          <p:cNvPr id="4" name="Symbol zastępczy numeru slajdu 3"/>
+          <p:cNvSpPr>
+            <a:spLocks noGrp="1"/>
+          </p:cNvSpPr>
+          <p:nvPr>
+            <p:ph type="sldNum" sz="quarter" idx="12"/>
+          </p:nvPr>
+        </p:nvSpPr>
+        <p:spPr/>
+        <p:txBody>
+          <a:bodyPr/>
+          <a:lstStyle/>
+          <a:p>
+            <a:fld id="{976B8C4A-E01E-49C4-A342-E776841D1431}" type="slidenum">
+              <a:rPr lang="pl-PL" smtClean="0"/>
+              <a:pPr/>
+              <a:t>9</a:t>
+            </a:fld>
+            <a:endParaRPr lang="pl-PL"/>
+          </a:p>
+        </p:txBody>
+      </p:sp>
+      <p:pic>
+        <p:nvPicPr>
+          <p:cNvPr id="5" name="Obraz 4"/>
+          <p:cNvPicPr>
+            <a:picLocks noChangeAspect="1"/>
+          </p:cNvPicPr>
+          <p:nvPr/>
+        </p:nvPicPr>
+        <p:blipFill>
+          <a:blip r:embed="rId3" cstate="print">
+            <a:extLst>
+              <a:ext uri="{28A0092B-C50C-407E-A947-70E740481C1C}">
+                <a14:useLocalDpi xmlns:a14="http://schemas.microsoft.com/office/drawing/2010/main" xmlns="" val="0"/>
+              </a:ext>
+            </a:extLst>
+          </a:blip>
+          <a:stretch>
+            <a:fillRect/>
+          </a:stretch>
+        </p:blipFill>
+        <p:spPr>
+          <a:xfrm>
+            <a:off x="179512" y="6165304"/>
+            <a:ext cx="1008112" cy="574214"/>
+          </a:xfrm>
+          <a:prstGeom prst="rect">
+            <a:avLst/>
+          </a:prstGeom>
+        </p:spPr>
+      </p:pic>
+      <p:pic>
+        <p:nvPicPr>
+          <p:cNvPr id="5123" name="Picture 3"/>
+          <p:cNvPicPr>
+            <a:picLocks noChangeAspect="1" noChangeArrowheads="1"/>
+          </p:cNvPicPr>
+          <p:nvPr/>
+        </p:nvPicPr>
+        <p:blipFill>
+          <a:blip r:embed="rId4" cstate="print"/>
+          <a:srcRect/>
+          <a:stretch>
+            <a:fillRect/>
+          </a:stretch>
+        </p:blipFill>
+        <p:spPr bwMode="auto">
+          <a:xfrm>
+            <a:off x="1691680" y="2031549"/>
+            <a:ext cx="7272808" cy="3989739"/>
+          </a:xfrm>
+          <a:prstGeom prst="rect">
+            <a:avLst/>
+          </a:prstGeom>
+          <a:noFill/>
+          <a:ln w="9525">
+            <a:noFill/>
+            <a:miter lim="800000"/>
+            <a:headEnd/>
+            <a:tailEnd/>
+          </a:ln>
+        </p:spPr>
+      </p:pic>
+    </p:spTree>
+    <p:extLst>
+      <p:ext uri="{BB962C8B-B14F-4D97-AF65-F5344CB8AC3E}">
+        <p14:creationId xmlns:p14="http://schemas.microsoft.com/office/powerpoint/2010/main" xmlns="" val="2808115206"/>
       </p:ext>
     </p:extLst>
   </p:cSld>
